--- a/UM_DataManagementClass/Lessons/03/03_secondMeeting.pptx
+++ b/UM_DataManagementClass/Lessons/03/03_secondMeeting.pptx
@@ -5,10 +5,11 @@
     <p:sldMasterId id="2147483756" r:id="rId1"/>
   </p:sldMasterIdLst>
   <p:notesMasterIdLst>
-    <p:notesMasterId r:id="rId3"/>
+    <p:notesMasterId r:id="rId4"/>
   </p:notesMasterIdLst>
   <p:sldIdLst>
     <p:sldId id="256" r:id="rId2"/>
+    <p:sldId id="257" r:id="rId3"/>
   </p:sldIdLst>
   <p:sldSz cx="12192000" cy="6858000"/>
   <p:notesSz cx="7010400" cy="9296400"/>
@@ -109,7 +110,7 @@
   </p:defaultTextStyle>
   <p:extLst>
     <p:ext uri="{EFAFB233-063F-42B5-8137-9DF3F51BA10A}">
-      <p15:sldGuideLst xmlns:p15="http://schemas.microsoft.com/office/powerpoint/2012/main" xmlns="">
+      <p15:sldGuideLst xmlns:p15="http://schemas.microsoft.com/office/powerpoint/2012/main">
         <p15:guide id="1" orient="horz" pos="2160" userDrawn="1">
           <p15:clr>
             <a:srgbClr val="A4A3A4"/>
@@ -209,7 +210,7 @@
             <a:fld id="{0B10C68B-4B56-4C57-A100-1112E8D05063}" type="datetimeFigureOut">
               <a:rPr lang="en-US" smtClean="0"/>
               <a:pPr/>
-              <a:t>1/18/2016</a:t>
+              <a:t>1/26/2016</a:t>
             </a:fld>
             <a:endParaRPr lang="en-US"/>
           </a:p>
@@ -378,7 +379,7 @@
     </p:spTree>
     <p:extLst>
       <p:ext uri="{BB962C8B-B14F-4D97-AF65-F5344CB8AC3E}">
-        <p14:creationId xmlns="" xmlns:p14="http://schemas.microsoft.com/office/powerpoint/2010/main" val="2616926588"/>
+        <p14:creationId xmlns:p14="http://schemas.microsoft.com/office/powerpoint/2010/main" val="2616926588"/>
       </p:ext>
     </p:extLst>
   </p:cSld>
@@ -553,7 +554,7 @@
     </p:spTree>
     <p:extLst>
       <p:ext uri="{BB962C8B-B14F-4D97-AF65-F5344CB8AC3E}">
-        <p14:creationId xmlns="" xmlns:p14="http://schemas.microsoft.com/office/powerpoint/2010/main" val="111020371"/>
+        <p14:creationId xmlns:p14="http://schemas.microsoft.com/office/powerpoint/2010/main" val="111020371"/>
       </p:ext>
     </p:extLst>
   </p:cSld>
@@ -706,7 +707,7 @@
               <a:pPr>
                 <a:defRPr/>
               </a:pPr>
-              <a:t>1/18/2016</a:t>
+              <a:t>1/26/2016</a:t>
             </a:fld>
             <a:endParaRPr lang="en-US">
               <a:solidFill>
@@ -790,7 +791,7 @@
     </p:spTree>
     <p:extLst>
       <p:ext uri="{BB962C8B-B14F-4D97-AF65-F5344CB8AC3E}">
-        <p14:creationId xmlns="" xmlns:p14="http://schemas.microsoft.com/office/powerpoint/2010/main" val="588844449"/>
+        <p14:creationId xmlns:p14="http://schemas.microsoft.com/office/powerpoint/2010/main" val="588844449"/>
       </p:ext>
     </p:extLst>
   </p:cSld>
@@ -921,7 +922,7 @@
               <a:pPr>
                 <a:defRPr/>
               </a:pPr>
-              <a:t>1/18/2016</a:t>
+              <a:t>1/26/2016</a:t>
             </a:fld>
             <a:endParaRPr lang="en-US">
               <a:solidFill>
@@ -1005,7 +1006,7 @@
     </p:spTree>
     <p:extLst>
       <p:ext uri="{BB962C8B-B14F-4D97-AF65-F5344CB8AC3E}">
-        <p14:creationId xmlns="" xmlns:p14="http://schemas.microsoft.com/office/powerpoint/2010/main" val="2374176888"/>
+        <p14:creationId xmlns:p14="http://schemas.microsoft.com/office/powerpoint/2010/main" val="2374176888"/>
       </p:ext>
     </p:extLst>
   </p:cSld>
@@ -1146,7 +1147,7 @@
               <a:pPr>
                 <a:defRPr/>
               </a:pPr>
-              <a:t>1/18/2016</a:t>
+              <a:t>1/26/2016</a:t>
             </a:fld>
             <a:endParaRPr lang="en-US">
               <a:solidFill>
@@ -1230,7 +1231,7 @@
     </p:spTree>
     <p:extLst>
       <p:ext uri="{BB962C8B-B14F-4D97-AF65-F5344CB8AC3E}">
-        <p14:creationId xmlns="" xmlns:p14="http://schemas.microsoft.com/office/powerpoint/2010/main" val="991584953"/>
+        <p14:creationId xmlns:p14="http://schemas.microsoft.com/office/powerpoint/2010/main" val="991584953"/>
       </p:ext>
     </p:extLst>
   </p:cSld>
@@ -1387,7 +1388,7 @@
               <a:pPr>
                 <a:defRPr/>
               </a:pPr>
-              <a:t>1/18/2016</a:t>
+              <a:t>1/26/2016</a:t>
             </a:fld>
             <a:endParaRPr lang="en-US">
               <a:solidFill>
@@ -1471,7 +1472,7 @@
     </p:spTree>
     <p:extLst>
       <p:ext uri="{BB962C8B-B14F-4D97-AF65-F5344CB8AC3E}">
-        <p14:creationId xmlns="" xmlns:p14="http://schemas.microsoft.com/office/powerpoint/2010/main" val="379613614"/>
+        <p14:creationId xmlns:p14="http://schemas.microsoft.com/office/powerpoint/2010/main" val="379613614"/>
       </p:ext>
     </p:extLst>
   </p:cSld>
@@ -1676,7 +1677,7 @@
               <a:pPr>
                 <a:defRPr/>
               </a:pPr>
-              <a:t>1/18/2016</a:t>
+              <a:t>1/26/2016</a:t>
             </a:fld>
             <a:endParaRPr lang="en-US">
               <a:solidFill>
@@ -1760,7 +1761,7 @@
     </p:spTree>
     <p:extLst>
       <p:ext uri="{BB962C8B-B14F-4D97-AF65-F5344CB8AC3E}">
-        <p14:creationId xmlns="" xmlns:p14="http://schemas.microsoft.com/office/powerpoint/2010/main" val="1749530271"/>
+        <p14:creationId xmlns:p14="http://schemas.microsoft.com/office/powerpoint/2010/main" val="1749530271"/>
       </p:ext>
     </p:extLst>
   </p:cSld>
@@ -1997,7 +1998,7 @@
               <a:pPr>
                 <a:defRPr/>
               </a:pPr>
-              <a:t>1/18/2016</a:t>
+              <a:t>1/26/2016</a:t>
             </a:fld>
             <a:endParaRPr lang="en-US">
               <a:solidFill>
@@ -2081,7 +2082,7 @@
     </p:spTree>
     <p:extLst>
       <p:ext uri="{BB962C8B-B14F-4D97-AF65-F5344CB8AC3E}">
-        <p14:creationId xmlns="" xmlns:p14="http://schemas.microsoft.com/office/powerpoint/2010/main" val="4117643888"/>
+        <p14:creationId xmlns:p14="http://schemas.microsoft.com/office/powerpoint/2010/main" val="4117643888"/>
       </p:ext>
     </p:extLst>
   </p:cSld>
@@ -2457,7 +2458,7 @@
               <a:pPr>
                 <a:defRPr/>
               </a:pPr>
-              <a:t>1/18/2016</a:t>
+              <a:t>1/26/2016</a:t>
             </a:fld>
             <a:endParaRPr lang="en-US">
               <a:solidFill>
@@ -2541,7 +2542,7 @@
     </p:spTree>
     <p:extLst>
       <p:ext uri="{BB962C8B-B14F-4D97-AF65-F5344CB8AC3E}">
-        <p14:creationId xmlns="" xmlns:p14="http://schemas.microsoft.com/office/powerpoint/2010/main" val="3305394207"/>
+        <p14:creationId xmlns:p14="http://schemas.microsoft.com/office/powerpoint/2010/main" val="3305394207"/>
       </p:ext>
     </p:extLst>
   </p:cSld>
@@ -2628,7 +2629,7 @@
               <a:pPr>
                 <a:defRPr/>
               </a:pPr>
-              <a:t>1/18/2016</a:t>
+              <a:t>1/26/2016</a:t>
             </a:fld>
             <a:endParaRPr lang="en-US">
               <a:solidFill>
@@ -2712,7 +2713,7 @@
     </p:spTree>
     <p:extLst>
       <p:ext uri="{BB962C8B-B14F-4D97-AF65-F5344CB8AC3E}">
-        <p14:creationId xmlns="" xmlns:p14="http://schemas.microsoft.com/office/powerpoint/2010/main" val="2564282291"/>
+        <p14:creationId xmlns:p14="http://schemas.microsoft.com/office/powerpoint/2010/main" val="2564282291"/>
       </p:ext>
     </p:extLst>
   </p:cSld>
@@ -2768,7 +2769,7 @@
               <a:pPr>
                 <a:defRPr/>
               </a:pPr>
-              <a:t>1/18/2016</a:t>
+              <a:t>1/26/2016</a:t>
             </a:fld>
             <a:endParaRPr lang="en-US">
               <a:solidFill>
@@ -2852,7 +2853,7 @@
     </p:spTree>
     <p:extLst>
       <p:ext uri="{BB962C8B-B14F-4D97-AF65-F5344CB8AC3E}">
-        <p14:creationId xmlns="" xmlns:p14="http://schemas.microsoft.com/office/powerpoint/2010/main" val="2633152322"/>
+        <p14:creationId xmlns:p14="http://schemas.microsoft.com/office/powerpoint/2010/main" val="2633152322"/>
       </p:ext>
     </p:extLst>
   </p:cSld>
@@ -3090,7 +3091,7 @@
               <a:pPr>
                 <a:defRPr/>
               </a:pPr>
-              <a:t>1/18/2016</a:t>
+              <a:t>1/26/2016</a:t>
             </a:fld>
             <a:endParaRPr lang="en-US">
               <a:solidFill>
@@ -3174,7 +3175,7 @@
     </p:spTree>
     <p:extLst>
       <p:ext uri="{BB962C8B-B14F-4D97-AF65-F5344CB8AC3E}">
-        <p14:creationId xmlns="" xmlns:p14="http://schemas.microsoft.com/office/powerpoint/2010/main" val="4283600683"/>
+        <p14:creationId xmlns:p14="http://schemas.microsoft.com/office/powerpoint/2010/main" val="4283600683"/>
       </p:ext>
     </p:extLst>
   </p:cSld>
@@ -3392,7 +3393,7 @@
               <a:pPr>
                 <a:defRPr/>
               </a:pPr>
-              <a:t>1/18/2016</a:t>
+              <a:t>1/26/2016</a:t>
             </a:fld>
             <a:endParaRPr lang="en-US">
               <a:solidFill>
@@ -3476,7 +3477,7 @@
     </p:spTree>
     <p:extLst>
       <p:ext uri="{BB962C8B-B14F-4D97-AF65-F5344CB8AC3E}">
-        <p14:creationId xmlns="" xmlns:p14="http://schemas.microsoft.com/office/powerpoint/2010/main" val="3406240267"/>
+        <p14:creationId xmlns:p14="http://schemas.microsoft.com/office/powerpoint/2010/main" val="3406240267"/>
       </p:ext>
     </p:extLst>
   </p:cSld>
@@ -3650,7 +3651,7 @@
               <a:pPr>
                 <a:defRPr/>
               </a:pPr>
-              <a:t>1/18/2016</a:t>
+              <a:t>1/26/2016</a:t>
             </a:fld>
             <a:endParaRPr lang="en-US">
               <a:solidFill>
@@ -3770,7 +3771,7 @@
     </p:spTree>
     <p:extLst>
       <p:ext uri="{BB962C8B-B14F-4D97-AF65-F5344CB8AC3E}">
-        <p14:creationId xmlns="" xmlns:p14="http://schemas.microsoft.com/office/powerpoint/2010/main" val="1652920772"/>
+        <p14:creationId xmlns:p14="http://schemas.microsoft.com/office/powerpoint/2010/main" val="1652920772"/>
       </p:ext>
     </p:extLst>
   </p:cSld>
@@ -4100,7 +4101,7 @@
           <a:blip r:embed="rId3" cstate="print">
             <a:extLst>
               <a:ext uri="{28A0092B-C50C-407E-A947-70E740481C1C}">
-                <a14:useLocalDpi xmlns="" xmlns:a14="http://schemas.microsoft.com/office/drawing/2010/main" val="0"/>
+                <a14:useLocalDpi xmlns:a14="http://schemas.microsoft.com/office/drawing/2010/main" val="0"/>
               </a:ext>
             </a:extLst>
           </a:blip>
@@ -4263,7 +4264,78 @@
     </p:spTree>
     <p:extLst>
       <p:ext uri="{BB962C8B-B14F-4D97-AF65-F5344CB8AC3E}">
-        <p14:creationId xmlns="" xmlns:p14="http://schemas.microsoft.com/office/powerpoint/2010/main" val="1875680063"/>
+        <p14:creationId xmlns:p14="http://schemas.microsoft.com/office/powerpoint/2010/main" val="1875680063"/>
+      </p:ext>
+    </p:extLst>
+  </p:cSld>
+  <p:clrMapOvr>
+    <a:masterClrMapping/>
+  </p:clrMapOvr>
+</p:sld>
+</file>
+
+<file path=ppt/slides/slide2.xml><?xml version="1.0" encoding="utf-8"?>
+<p:sld xmlns:a="http://schemas.openxmlformats.org/drawingml/2006/main" xmlns:r="http://schemas.openxmlformats.org/officeDocument/2006/relationships" xmlns:p="http://schemas.openxmlformats.org/presentationml/2006/main">
+  <p:cSld>
+    <p:spTree>
+      <p:nvGrpSpPr>
+        <p:cNvPr id="1" name=""/>
+        <p:cNvGrpSpPr/>
+        <p:nvPr/>
+      </p:nvGrpSpPr>
+      <p:grpSpPr>
+        <a:xfrm>
+          <a:off x="0" y="0"/>
+          <a:ext cx="0" cy="0"/>
+          <a:chOff x="0" y="0"/>
+          <a:chExt cx="0" cy="0"/>
+        </a:xfrm>
+      </p:grpSpPr>
+      <p:sp>
+        <p:nvSpPr>
+          <p:cNvPr id="2" name="Title 1"/>
+          <p:cNvSpPr>
+            <a:spLocks noGrp="1"/>
+          </p:cNvSpPr>
+          <p:nvPr>
+            <p:ph type="title"/>
+          </p:nvPr>
+        </p:nvSpPr>
+        <p:spPr/>
+        <p:txBody>
+          <a:bodyPr/>
+          <a:lstStyle/>
+          <a:p>
+            <a:endParaRPr lang="en-US"/>
+          </a:p>
+        </p:txBody>
+      </p:sp>
+      <p:sp>
+        <p:nvSpPr>
+          <p:cNvPr id="3" name="Content Placeholder 2"/>
+          <p:cNvSpPr>
+            <a:spLocks noGrp="1"/>
+          </p:cNvSpPr>
+          <p:nvPr>
+            <p:ph idx="1"/>
+          </p:nvPr>
+        </p:nvSpPr>
+        <p:spPr/>
+        <p:txBody>
+          <a:bodyPr/>
+          <a:lstStyle/>
+          <a:p>
+            <a:r>
+              <a:rPr lang="en-US" dirty="0"/>
+              <a:t>http://dublincore.org/documents/usageguide/elements.shtml</a:t>
+            </a:r>
+          </a:p>
+        </p:txBody>
+      </p:sp>
+    </p:spTree>
+    <p:extLst>
+      <p:ext uri="{BB962C8B-B14F-4D97-AF65-F5344CB8AC3E}">
+        <p14:creationId xmlns:p14="http://schemas.microsoft.com/office/powerpoint/2010/main" val="4125781064"/>
       </p:ext>
     </p:extLst>
   </p:cSld>
@@ -4528,7 +4600,7 @@
   <a:extraClrSchemeLst/>
   <a:extLst>
     <a:ext uri="{05A4C25C-085E-4340-85A3-A5531E510DB2}">
-      <thm15:themeFamily xmlns:thm15="http://schemas.microsoft.com/office/thememl/2012/main" xmlns="" name="Office Theme" id="{62F939B6-93AF-4DB8-9C6B-D6C7DFDC589F}" vid="{4A3C46E8-61CC-4603-A589-7422A47A8E4A}"/>
+      <thm15:themeFamily xmlns:thm15="http://schemas.microsoft.com/office/thememl/2012/main" name="Office Theme" id="{62F939B6-93AF-4DB8-9C6B-D6C7DFDC589F}" vid="{4A3C46E8-61CC-4603-A589-7422A47A8E4A}"/>
     </a:ext>
   </a:extLst>
 </a:theme>
@@ -4789,7 +4861,7 @@
   <a:extraClrSchemeLst/>
   <a:extLst>
     <a:ext uri="{05A4C25C-085E-4340-85A3-A5531E510DB2}">
-      <thm15:themeFamily xmlns:thm15="http://schemas.microsoft.com/office/thememl/2012/main" xmlns="" name="Office Theme" id="{62F939B6-93AF-4DB8-9C6B-D6C7DFDC589F}" vid="{4A3C46E8-61CC-4603-A589-7422A47A8E4A}"/>
+      <thm15:themeFamily xmlns:thm15="http://schemas.microsoft.com/office/thememl/2012/main" name="Office Theme" id="{62F939B6-93AF-4DB8-9C6B-D6C7DFDC589F}" vid="{4A3C46E8-61CC-4603-A589-7422A47A8E4A}"/>
     </a:ext>
   </a:extLst>
 </a:theme>

--- a/UM_DataManagementClass/Lessons/03/03_secondMeeting.pptx
+++ b/UM_DataManagementClass/Lessons/03/03_secondMeeting.pptx
@@ -5,11 +5,21 @@
     <p:sldMasterId id="2147483756" r:id="rId1"/>
   </p:sldMasterIdLst>
   <p:notesMasterIdLst>
-    <p:notesMasterId r:id="rId4"/>
+    <p:notesMasterId r:id="rId14"/>
   </p:notesMasterIdLst>
   <p:sldIdLst>
     <p:sldId id="256" r:id="rId2"/>
-    <p:sldId id="257" r:id="rId3"/>
+    <p:sldId id="262" r:id="rId3"/>
+    <p:sldId id="259" r:id="rId4"/>
+    <p:sldId id="258" r:id="rId5"/>
+    <p:sldId id="260" r:id="rId6"/>
+    <p:sldId id="261" r:id="rId7"/>
+    <p:sldId id="263" r:id="rId8"/>
+    <p:sldId id="264" r:id="rId9"/>
+    <p:sldId id="265" r:id="rId10"/>
+    <p:sldId id="266" r:id="rId11"/>
+    <p:sldId id="267" r:id="rId12"/>
+    <p:sldId id="257" r:id="rId13"/>
   </p:sldIdLst>
   <p:sldSz cx="12192000" cy="6858000"/>
   <p:notesSz cx="7010400" cy="9296400"/>
@@ -555,6 +565,404 @@
     <p:extLst>
       <p:ext uri="{BB962C8B-B14F-4D97-AF65-F5344CB8AC3E}">
         <p14:creationId xmlns:p14="http://schemas.microsoft.com/office/powerpoint/2010/main" val="111020371"/>
+      </p:ext>
+    </p:extLst>
+  </p:cSld>
+  <p:clrMapOvr>
+    <a:masterClrMapping/>
+  </p:clrMapOvr>
+</p:notes>
+</file>
+
+<file path=ppt/notesSlides/notesSlide2.xml><?xml version="1.0" encoding="utf-8"?>
+<p:notes xmlns:a="http://schemas.openxmlformats.org/drawingml/2006/main" xmlns:r="http://schemas.openxmlformats.org/officeDocument/2006/relationships" xmlns:p="http://schemas.openxmlformats.org/presentationml/2006/main">
+  <p:cSld>
+    <p:spTree>
+      <p:nvGrpSpPr>
+        <p:cNvPr id="1" name=""/>
+        <p:cNvGrpSpPr/>
+        <p:nvPr/>
+      </p:nvGrpSpPr>
+      <p:grpSpPr>
+        <a:xfrm>
+          <a:off x="0" y="0"/>
+          <a:ext cx="0" cy="0"/>
+          <a:chOff x="0" y="0"/>
+          <a:chExt cx="0" cy="0"/>
+        </a:xfrm>
+      </p:grpSpPr>
+      <p:sp>
+        <p:nvSpPr>
+          <p:cNvPr id="2" name="Slide Image Placeholder 1"/>
+          <p:cNvSpPr>
+            <a:spLocks noGrp="1" noRot="1" noChangeAspect="1"/>
+          </p:cNvSpPr>
+          <p:nvPr>
+            <p:ph type="sldImg"/>
+          </p:nvPr>
+        </p:nvSpPr>
+        <p:spPr/>
+      </p:sp>
+      <p:sp>
+        <p:nvSpPr>
+          <p:cNvPr id="3" name="Notes Placeholder 2"/>
+          <p:cNvSpPr>
+            <a:spLocks noGrp="1"/>
+          </p:cNvSpPr>
+          <p:nvPr>
+            <p:ph type="body" idx="1"/>
+          </p:nvPr>
+        </p:nvSpPr>
+        <p:spPr/>
+        <p:txBody>
+          <a:bodyPr/>
+          <a:lstStyle/>
+          <a:p>
+            <a:r>
+              <a:rPr lang="en-US" dirty="0" smtClean="0"/>
+              <a:t>Joint photographic</a:t>
+            </a:r>
+            <a:r>
+              <a:rPr lang="en-US" baseline="0" dirty="0" smtClean="0"/>
+              <a:t> experts group</a:t>
+            </a:r>
+          </a:p>
+          <a:p>
+            <a:r>
+              <a:rPr lang="en-US" baseline="0" dirty="0" smtClean="0"/>
+              <a:t>Note </a:t>
+            </a:r>
+            <a:r>
+              <a:rPr lang="en-US" baseline="0" dirty="0" err="1" smtClean="0"/>
+              <a:t>odt</a:t>
+            </a:r>
+            <a:r>
+              <a:rPr lang="en-US" baseline="0" dirty="0" smtClean="0"/>
+              <a:t> and </a:t>
+            </a:r>
+            <a:r>
+              <a:rPr lang="en-US" baseline="0" dirty="0" err="1" smtClean="0"/>
+              <a:t>odf</a:t>
+            </a:r>
+            <a:endParaRPr lang="en-US" dirty="0"/>
+          </a:p>
+        </p:txBody>
+      </p:sp>
+      <p:sp>
+        <p:nvSpPr>
+          <p:cNvPr id="4" name="Slide Number Placeholder 3"/>
+          <p:cNvSpPr>
+            <a:spLocks noGrp="1"/>
+          </p:cNvSpPr>
+          <p:nvPr>
+            <p:ph type="sldNum" sz="quarter" idx="10"/>
+          </p:nvPr>
+        </p:nvSpPr>
+        <p:spPr/>
+        <p:txBody>
+          <a:bodyPr/>
+          <a:lstStyle/>
+          <a:p>
+            <a:fld id="{BD1BE559-B438-492B-8B25-996CFA6FE800}" type="slidenum">
+              <a:rPr lang="en-US" smtClean="0"/>
+              <a:pPr/>
+              <a:t>3</a:t>
+            </a:fld>
+            <a:endParaRPr lang="en-US"/>
+          </a:p>
+        </p:txBody>
+      </p:sp>
+    </p:spTree>
+    <p:extLst>
+      <p:ext uri="{BB962C8B-B14F-4D97-AF65-F5344CB8AC3E}">
+        <p14:creationId xmlns:p14="http://schemas.microsoft.com/office/powerpoint/2010/main" val="608473714"/>
+      </p:ext>
+    </p:extLst>
+  </p:cSld>
+  <p:clrMapOvr>
+    <a:masterClrMapping/>
+  </p:clrMapOvr>
+</p:notes>
+</file>
+
+<file path=ppt/notesSlides/notesSlide3.xml><?xml version="1.0" encoding="utf-8"?>
+<p:notes xmlns:a="http://schemas.openxmlformats.org/drawingml/2006/main" xmlns:r="http://schemas.openxmlformats.org/officeDocument/2006/relationships" xmlns:p="http://schemas.openxmlformats.org/presentationml/2006/main">
+  <p:cSld>
+    <p:spTree>
+      <p:nvGrpSpPr>
+        <p:cNvPr id="1" name=""/>
+        <p:cNvGrpSpPr/>
+        <p:nvPr/>
+      </p:nvGrpSpPr>
+      <p:grpSpPr>
+        <a:xfrm>
+          <a:off x="0" y="0"/>
+          <a:ext cx="0" cy="0"/>
+          <a:chOff x="0" y="0"/>
+          <a:chExt cx="0" cy="0"/>
+        </a:xfrm>
+      </p:grpSpPr>
+      <p:sp>
+        <p:nvSpPr>
+          <p:cNvPr id="2" name="Slide Image Placeholder 1"/>
+          <p:cNvSpPr>
+            <a:spLocks noGrp="1" noRot="1" noChangeAspect="1"/>
+          </p:cNvSpPr>
+          <p:nvPr>
+            <p:ph type="sldImg"/>
+          </p:nvPr>
+        </p:nvSpPr>
+        <p:spPr/>
+      </p:sp>
+      <p:sp>
+        <p:nvSpPr>
+          <p:cNvPr id="3" name="Notes Placeholder 2"/>
+          <p:cNvSpPr>
+            <a:spLocks noGrp="1"/>
+          </p:cNvSpPr>
+          <p:nvPr>
+            <p:ph type="body" idx="1"/>
+          </p:nvPr>
+        </p:nvSpPr>
+        <p:spPr/>
+        <p:txBody>
+          <a:bodyPr/>
+          <a:lstStyle/>
+          <a:p>
+            <a:r>
+              <a:rPr lang="en-US" dirty="0" smtClean="0"/>
+              <a:t>Joint photographic</a:t>
+            </a:r>
+            <a:r>
+              <a:rPr lang="en-US" baseline="0" dirty="0" smtClean="0"/>
+              <a:t> experts group</a:t>
+            </a:r>
+            <a:endParaRPr lang="en-US" dirty="0"/>
+          </a:p>
+        </p:txBody>
+      </p:sp>
+      <p:sp>
+        <p:nvSpPr>
+          <p:cNvPr id="4" name="Slide Number Placeholder 3"/>
+          <p:cNvSpPr>
+            <a:spLocks noGrp="1"/>
+          </p:cNvSpPr>
+          <p:nvPr>
+            <p:ph type="sldNum" sz="quarter" idx="10"/>
+          </p:nvPr>
+        </p:nvSpPr>
+        <p:spPr/>
+        <p:txBody>
+          <a:bodyPr/>
+          <a:lstStyle/>
+          <a:p>
+            <a:fld id="{BD1BE559-B438-492B-8B25-996CFA6FE800}" type="slidenum">
+              <a:rPr lang="en-US" smtClean="0"/>
+              <a:pPr/>
+              <a:t>4</a:t>
+            </a:fld>
+            <a:endParaRPr lang="en-US"/>
+          </a:p>
+        </p:txBody>
+      </p:sp>
+    </p:spTree>
+    <p:extLst>
+      <p:ext uri="{BB962C8B-B14F-4D97-AF65-F5344CB8AC3E}">
+        <p14:creationId xmlns:p14="http://schemas.microsoft.com/office/powerpoint/2010/main" val="2593257641"/>
+      </p:ext>
+    </p:extLst>
+  </p:cSld>
+  <p:clrMapOvr>
+    <a:masterClrMapping/>
+  </p:clrMapOvr>
+</p:notes>
+</file>
+
+<file path=ppt/notesSlides/notesSlide4.xml><?xml version="1.0" encoding="utf-8"?>
+<p:notes xmlns:a="http://schemas.openxmlformats.org/drawingml/2006/main" xmlns:r="http://schemas.openxmlformats.org/officeDocument/2006/relationships" xmlns:p="http://schemas.openxmlformats.org/presentationml/2006/main">
+  <p:cSld>
+    <p:spTree>
+      <p:nvGrpSpPr>
+        <p:cNvPr id="1" name=""/>
+        <p:cNvGrpSpPr/>
+        <p:nvPr/>
+      </p:nvGrpSpPr>
+      <p:grpSpPr>
+        <a:xfrm>
+          <a:off x="0" y="0"/>
+          <a:ext cx="0" cy="0"/>
+          <a:chOff x="0" y="0"/>
+          <a:chExt cx="0" cy="0"/>
+        </a:xfrm>
+      </p:grpSpPr>
+      <p:sp>
+        <p:nvSpPr>
+          <p:cNvPr id="2" name="Slide Image Placeholder 1"/>
+          <p:cNvSpPr>
+            <a:spLocks noGrp="1" noRot="1" noChangeAspect="1"/>
+          </p:cNvSpPr>
+          <p:nvPr>
+            <p:ph type="sldImg"/>
+          </p:nvPr>
+        </p:nvSpPr>
+        <p:spPr/>
+      </p:sp>
+      <p:sp>
+        <p:nvSpPr>
+          <p:cNvPr id="3" name="Notes Placeholder 2"/>
+          <p:cNvSpPr>
+            <a:spLocks noGrp="1"/>
+          </p:cNvSpPr>
+          <p:nvPr>
+            <p:ph type="body" idx="1"/>
+          </p:nvPr>
+        </p:nvSpPr>
+        <p:spPr/>
+        <p:txBody>
+          <a:bodyPr/>
+          <a:lstStyle/>
+          <a:p>
+            <a:r>
+              <a:rPr lang="en-US" dirty="0" smtClean="0"/>
+              <a:t>Joint photographic</a:t>
+            </a:r>
+            <a:r>
+              <a:rPr lang="en-US" baseline="0" dirty="0" smtClean="0"/>
+              <a:t> </a:t>
+            </a:r>
+            <a:r>
+              <a:rPr lang="en-US" baseline="0" smtClean="0"/>
+              <a:t>experts group</a:t>
+            </a:r>
+            <a:endParaRPr lang="en-US"/>
+          </a:p>
+        </p:txBody>
+      </p:sp>
+      <p:sp>
+        <p:nvSpPr>
+          <p:cNvPr id="4" name="Slide Number Placeholder 3"/>
+          <p:cNvSpPr>
+            <a:spLocks noGrp="1"/>
+          </p:cNvSpPr>
+          <p:nvPr>
+            <p:ph type="sldNum" sz="quarter" idx="10"/>
+          </p:nvPr>
+        </p:nvSpPr>
+        <p:spPr/>
+        <p:txBody>
+          <a:bodyPr/>
+          <a:lstStyle/>
+          <a:p>
+            <a:fld id="{BD1BE559-B438-492B-8B25-996CFA6FE800}" type="slidenum">
+              <a:rPr lang="en-US" smtClean="0"/>
+              <a:pPr/>
+              <a:t>5</a:t>
+            </a:fld>
+            <a:endParaRPr lang="en-US"/>
+          </a:p>
+        </p:txBody>
+      </p:sp>
+    </p:spTree>
+    <p:extLst>
+      <p:ext uri="{BB962C8B-B14F-4D97-AF65-F5344CB8AC3E}">
+        <p14:creationId xmlns:p14="http://schemas.microsoft.com/office/powerpoint/2010/main" val="390379272"/>
+      </p:ext>
+    </p:extLst>
+  </p:cSld>
+  <p:clrMapOvr>
+    <a:masterClrMapping/>
+  </p:clrMapOvr>
+</p:notes>
+</file>
+
+<file path=ppt/notesSlides/notesSlide5.xml><?xml version="1.0" encoding="utf-8"?>
+<p:notes xmlns:a="http://schemas.openxmlformats.org/drawingml/2006/main" xmlns:r="http://schemas.openxmlformats.org/officeDocument/2006/relationships" xmlns:p="http://schemas.openxmlformats.org/presentationml/2006/main">
+  <p:cSld>
+    <p:spTree>
+      <p:nvGrpSpPr>
+        <p:cNvPr id="1" name=""/>
+        <p:cNvGrpSpPr/>
+        <p:nvPr/>
+      </p:nvGrpSpPr>
+      <p:grpSpPr>
+        <a:xfrm>
+          <a:off x="0" y="0"/>
+          <a:ext cx="0" cy="0"/>
+          <a:chOff x="0" y="0"/>
+          <a:chExt cx="0" cy="0"/>
+        </a:xfrm>
+      </p:grpSpPr>
+      <p:sp>
+        <p:nvSpPr>
+          <p:cNvPr id="2" name="Slide Image Placeholder 1"/>
+          <p:cNvSpPr>
+            <a:spLocks noGrp="1" noRot="1" noChangeAspect="1"/>
+          </p:cNvSpPr>
+          <p:nvPr>
+            <p:ph type="sldImg"/>
+          </p:nvPr>
+        </p:nvSpPr>
+        <p:spPr/>
+      </p:sp>
+      <p:sp>
+        <p:nvSpPr>
+          <p:cNvPr id="3" name="Notes Placeholder 2"/>
+          <p:cNvSpPr>
+            <a:spLocks noGrp="1"/>
+          </p:cNvSpPr>
+          <p:nvPr>
+            <p:ph type="body" idx="1"/>
+          </p:nvPr>
+        </p:nvSpPr>
+        <p:spPr/>
+        <p:txBody>
+          <a:bodyPr/>
+          <a:lstStyle/>
+          <a:p>
+            <a:r>
+              <a:rPr lang="en-US" dirty="0" smtClean="0"/>
+              <a:t>Joint photographic</a:t>
+            </a:r>
+            <a:r>
+              <a:rPr lang="en-US" baseline="0" dirty="0" smtClean="0"/>
+              <a:t> </a:t>
+            </a:r>
+            <a:r>
+              <a:rPr lang="en-US" baseline="0" smtClean="0"/>
+              <a:t>experts group</a:t>
+            </a:r>
+            <a:endParaRPr lang="en-US"/>
+          </a:p>
+        </p:txBody>
+      </p:sp>
+      <p:sp>
+        <p:nvSpPr>
+          <p:cNvPr id="4" name="Slide Number Placeholder 3"/>
+          <p:cNvSpPr>
+            <a:spLocks noGrp="1"/>
+          </p:cNvSpPr>
+          <p:nvPr>
+            <p:ph type="sldNum" sz="quarter" idx="10"/>
+          </p:nvPr>
+        </p:nvSpPr>
+        <p:spPr/>
+        <p:txBody>
+          <a:bodyPr/>
+          <a:lstStyle/>
+          <a:p>
+            <a:fld id="{BD1BE559-B438-492B-8B25-996CFA6FE800}" type="slidenum">
+              <a:rPr lang="en-US" smtClean="0"/>
+              <a:pPr/>
+              <a:t>6</a:t>
+            </a:fld>
+            <a:endParaRPr lang="en-US"/>
+          </a:p>
+        </p:txBody>
+      </p:sp>
+    </p:spTree>
+    <p:extLst>
+      <p:ext uri="{BB962C8B-B14F-4D97-AF65-F5344CB8AC3E}">
+        <p14:creationId xmlns:p14="http://schemas.microsoft.com/office/powerpoint/2010/main" val="1655378730"/>
       </p:ext>
     </p:extLst>
   </p:cSld>
@@ -4271,6 +4679,415 @@
   <p:clrMapOvr>
     <a:masterClrMapping/>
   </p:clrMapOvr>
+  <p:timing>
+    <p:tnLst>
+      <p:par>
+        <p:cTn id="1" dur="indefinite" restart="never" nodeType="tmRoot"/>
+      </p:par>
+    </p:tnLst>
+  </p:timing>
+</p:sld>
+</file>
+
+<file path=ppt/slides/slide10.xml><?xml version="1.0" encoding="utf-8"?>
+<p:sld xmlns:a="http://schemas.openxmlformats.org/drawingml/2006/main" xmlns:r="http://schemas.openxmlformats.org/officeDocument/2006/relationships" xmlns:p="http://schemas.openxmlformats.org/presentationml/2006/main">
+  <p:cSld>
+    <p:spTree>
+      <p:nvGrpSpPr>
+        <p:cNvPr id="1" name=""/>
+        <p:cNvGrpSpPr/>
+        <p:nvPr/>
+      </p:nvGrpSpPr>
+      <p:grpSpPr>
+        <a:xfrm>
+          <a:off x="0" y="0"/>
+          <a:ext cx="0" cy="0"/>
+          <a:chOff x="0" y="0"/>
+          <a:chExt cx="0" cy="0"/>
+        </a:xfrm>
+      </p:grpSpPr>
+      <p:sp>
+        <p:nvSpPr>
+          <p:cNvPr id="2" name="Title 1"/>
+          <p:cNvSpPr>
+            <a:spLocks noGrp="1"/>
+          </p:cNvSpPr>
+          <p:nvPr>
+            <p:ph type="title"/>
+          </p:nvPr>
+        </p:nvSpPr>
+        <p:spPr/>
+        <p:txBody>
+          <a:bodyPr/>
+          <a:lstStyle/>
+          <a:p>
+            <a:r>
+              <a:rPr lang="en-US" dirty="0" smtClean="0"/>
+              <a:t>Some things to remember</a:t>
+            </a:r>
+            <a:endParaRPr lang="en-US" dirty="0"/>
+          </a:p>
+        </p:txBody>
+      </p:sp>
+      <p:sp>
+        <p:nvSpPr>
+          <p:cNvPr id="3" name="Content Placeholder 2"/>
+          <p:cNvSpPr>
+            <a:spLocks noGrp="1"/>
+          </p:cNvSpPr>
+          <p:nvPr>
+            <p:ph idx="1"/>
+          </p:nvPr>
+        </p:nvSpPr>
+        <p:spPr>
+          <a:xfrm>
+            <a:off x="838200" y="1825625"/>
+            <a:ext cx="10488168" cy="4351338"/>
+          </a:xfrm>
+        </p:spPr>
+        <p:txBody>
+          <a:bodyPr>
+            <a:normAutofit/>
+          </a:bodyPr>
+          <a:lstStyle/>
+          <a:p>
+            <a:r>
+              <a:rPr lang="en-US" dirty="0" smtClean="0"/>
+              <a:t>Cartographic (maps)</a:t>
+            </a:r>
+          </a:p>
+          <a:p>
+            <a:pPr lvl="1"/>
+            <a:r>
+              <a:rPr lang="en-US" dirty="0" err="1" smtClean="0"/>
+              <a:t>GeoTIFF</a:t>
+            </a:r>
+            <a:r>
+              <a:rPr lang="en-US" dirty="0" smtClean="0"/>
+              <a:t>, </a:t>
+            </a:r>
+            <a:r>
+              <a:rPr lang="en-US" dirty="0" err="1" smtClean="0"/>
+              <a:t>shapefile</a:t>
+            </a:r>
+            <a:r>
+              <a:rPr lang="en-US" dirty="0" smtClean="0"/>
+              <a:t> (??!!), watch for </a:t>
+            </a:r>
+            <a:r>
+              <a:rPr lang="en-US" dirty="0" err="1" smtClean="0"/>
+              <a:t>GeoJSON</a:t>
+            </a:r>
+            <a:endParaRPr lang="en-US" dirty="0" smtClean="0"/>
+          </a:p>
+          <a:p>
+            <a:pPr lvl="1"/>
+            <a:r>
+              <a:rPr lang="en-US" dirty="0" err="1" smtClean="0"/>
+              <a:t>Shapefile</a:t>
+            </a:r>
+            <a:r>
+              <a:rPr lang="en-US" dirty="0" smtClean="0"/>
+              <a:t> has .</a:t>
+            </a:r>
+            <a:r>
+              <a:rPr lang="en-US" dirty="0" err="1" smtClean="0"/>
+              <a:t>shp</a:t>
+            </a:r>
+            <a:r>
+              <a:rPr lang="en-US" dirty="0" smtClean="0"/>
+              <a:t>, .</a:t>
+            </a:r>
+            <a:r>
+              <a:rPr lang="en-US" dirty="0" err="1" smtClean="0"/>
+              <a:t>shx</a:t>
+            </a:r>
+            <a:r>
+              <a:rPr lang="en-US" dirty="0" smtClean="0"/>
+              <a:t>, .dbf optional (?!) .</a:t>
+            </a:r>
+            <a:r>
+              <a:rPr lang="en-US" dirty="0" err="1" smtClean="0"/>
+              <a:t>prj</a:t>
+            </a:r>
+            <a:r>
+              <a:rPr lang="en-US" dirty="0" smtClean="0"/>
+              <a:t>, .</a:t>
+            </a:r>
+            <a:r>
+              <a:rPr lang="en-US" dirty="0" err="1" smtClean="0"/>
+              <a:t>sbx</a:t>
+            </a:r>
+            <a:r>
+              <a:rPr lang="en-US" dirty="0" smtClean="0"/>
+              <a:t>, .</a:t>
+            </a:r>
+            <a:r>
+              <a:rPr lang="en-US" dirty="0" err="1" smtClean="0"/>
+              <a:t>sbn</a:t>
+            </a:r>
+            <a:endParaRPr lang="en-US" dirty="0" smtClean="0"/>
+          </a:p>
+          <a:p>
+            <a:pPr lvl="1"/>
+            <a:endParaRPr lang="en-US" dirty="0" smtClean="0"/>
+          </a:p>
+          <a:p>
+            <a:r>
+              <a:rPr lang="en-US" dirty="0" smtClean="0"/>
+              <a:t>Audio</a:t>
+            </a:r>
+          </a:p>
+          <a:p>
+            <a:pPr lvl="1"/>
+            <a:r>
+              <a:rPr lang="en-US" dirty="0" smtClean="0"/>
+              <a:t>AIFF, WAVE 44.1 kHz / 16 bit or higher </a:t>
+            </a:r>
+          </a:p>
+          <a:p>
+            <a:pPr lvl="1"/>
+            <a:r>
+              <a:rPr lang="en-US" i="1" dirty="0" smtClean="0"/>
+              <a:t>BUT MP3 with FLAC encoding OK (Free Lossless Audio Codec)</a:t>
+            </a:r>
+            <a:endParaRPr lang="en-US" dirty="0"/>
+          </a:p>
+        </p:txBody>
+      </p:sp>
+    </p:spTree>
+    <p:extLst>
+      <p:ext uri="{BB962C8B-B14F-4D97-AF65-F5344CB8AC3E}">
+        <p14:creationId xmlns:p14="http://schemas.microsoft.com/office/powerpoint/2010/main" val="2494910641"/>
+      </p:ext>
+    </p:extLst>
+  </p:cSld>
+  <p:clrMapOvr>
+    <a:masterClrMapping/>
+  </p:clrMapOvr>
+  <p:timing>
+    <p:tnLst>
+      <p:par>
+        <p:cTn id="1" dur="indefinite" restart="never" nodeType="tmRoot"/>
+      </p:par>
+    </p:tnLst>
+  </p:timing>
+</p:sld>
+</file>
+
+<file path=ppt/slides/slide11.xml><?xml version="1.0" encoding="utf-8"?>
+<p:sld xmlns:a="http://schemas.openxmlformats.org/drawingml/2006/main" xmlns:r="http://schemas.openxmlformats.org/officeDocument/2006/relationships" xmlns:p="http://schemas.openxmlformats.org/presentationml/2006/main">
+  <p:cSld>
+    <p:spTree>
+      <p:nvGrpSpPr>
+        <p:cNvPr id="1" name=""/>
+        <p:cNvGrpSpPr/>
+        <p:nvPr/>
+      </p:nvGrpSpPr>
+      <p:grpSpPr>
+        <a:xfrm>
+          <a:off x="0" y="0"/>
+          <a:ext cx="0" cy="0"/>
+          <a:chOff x="0" y="0"/>
+          <a:chExt cx="0" cy="0"/>
+        </a:xfrm>
+      </p:grpSpPr>
+      <p:sp>
+        <p:nvSpPr>
+          <p:cNvPr id="2" name="Title 1"/>
+          <p:cNvSpPr>
+            <a:spLocks noGrp="1"/>
+          </p:cNvSpPr>
+          <p:nvPr>
+            <p:ph type="title"/>
+          </p:nvPr>
+        </p:nvSpPr>
+        <p:spPr/>
+        <p:txBody>
+          <a:bodyPr/>
+          <a:lstStyle/>
+          <a:p>
+            <a:r>
+              <a:rPr lang="en-US" dirty="0" smtClean="0"/>
+              <a:t>Some things to remember</a:t>
+            </a:r>
+            <a:endParaRPr lang="en-US" dirty="0"/>
+          </a:p>
+        </p:txBody>
+      </p:sp>
+      <p:sp>
+        <p:nvSpPr>
+          <p:cNvPr id="3" name="Content Placeholder 2"/>
+          <p:cNvSpPr>
+            <a:spLocks noGrp="1"/>
+          </p:cNvSpPr>
+          <p:nvPr>
+            <p:ph idx="1"/>
+          </p:nvPr>
+        </p:nvSpPr>
+        <p:spPr>
+          <a:xfrm>
+            <a:off x="838200" y="1825625"/>
+            <a:ext cx="10488168" cy="4351338"/>
+          </a:xfrm>
+        </p:spPr>
+        <p:txBody>
+          <a:bodyPr>
+            <a:normAutofit/>
+          </a:bodyPr>
+          <a:lstStyle/>
+          <a:p>
+            <a:r>
+              <a:rPr lang="en-US" dirty="0" smtClean="0"/>
+              <a:t>Video</a:t>
+            </a:r>
+          </a:p>
+          <a:p>
+            <a:pPr lvl="1"/>
+            <a:r>
+              <a:rPr lang="en-US" dirty="0" smtClean="0"/>
+              <a:t>MPEG-4</a:t>
+            </a:r>
+          </a:p>
+          <a:p>
+            <a:pPr lvl="1"/>
+            <a:endParaRPr lang="en-US" dirty="0" smtClean="0"/>
+          </a:p>
+          <a:p>
+            <a:r>
+              <a:rPr lang="en-US" dirty="0" smtClean="0"/>
+              <a:t>Documentation</a:t>
+            </a:r>
+          </a:p>
+          <a:p>
+            <a:pPr lvl="1"/>
+            <a:r>
+              <a:rPr lang="en-US" dirty="0" smtClean="0"/>
+              <a:t>Rich Text Format</a:t>
+            </a:r>
+          </a:p>
+          <a:p>
+            <a:pPr lvl="1"/>
+            <a:r>
+              <a:rPr lang="en-US" dirty="0" smtClean="0"/>
+              <a:t>Open Document Text</a:t>
+            </a:r>
+          </a:p>
+          <a:p>
+            <a:pPr lvl="1"/>
+            <a:r>
+              <a:rPr lang="en-US" dirty="0" smtClean="0"/>
+              <a:t>HTML</a:t>
+            </a:r>
+          </a:p>
+          <a:p>
+            <a:pPr lvl="1"/>
+            <a:r>
+              <a:rPr lang="en-US" dirty="0" smtClean="0"/>
+              <a:t>Plain text</a:t>
+            </a:r>
+          </a:p>
+          <a:p>
+            <a:pPr lvl="1"/>
+            <a:endParaRPr lang="en-US" dirty="0"/>
+          </a:p>
+        </p:txBody>
+      </p:sp>
+    </p:spTree>
+    <p:extLst>
+      <p:ext uri="{BB962C8B-B14F-4D97-AF65-F5344CB8AC3E}">
+        <p14:creationId xmlns:p14="http://schemas.microsoft.com/office/powerpoint/2010/main" val="2335904358"/>
+      </p:ext>
+    </p:extLst>
+  </p:cSld>
+  <p:clrMapOvr>
+    <a:masterClrMapping/>
+  </p:clrMapOvr>
+  <p:timing>
+    <p:tnLst>
+      <p:par>
+        <p:cTn id="1" dur="indefinite" restart="never" nodeType="tmRoot"/>
+      </p:par>
+    </p:tnLst>
+  </p:timing>
+</p:sld>
+</file>
+
+<file path=ppt/slides/slide12.xml><?xml version="1.0" encoding="utf-8"?>
+<p:sld xmlns:a="http://schemas.openxmlformats.org/drawingml/2006/main" xmlns:r="http://schemas.openxmlformats.org/officeDocument/2006/relationships" xmlns:p="http://schemas.openxmlformats.org/presentationml/2006/main">
+  <p:cSld>
+    <p:spTree>
+      <p:nvGrpSpPr>
+        <p:cNvPr id="1" name=""/>
+        <p:cNvGrpSpPr/>
+        <p:nvPr/>
+      </p:nvGrpSpPr>
+      <p:grpSpPr>
+        <a:xfrm>
+          <a:off x="0" y="0"/>
+          <a:ext cx="0" cy="0"/>
+          <a:chOff x="0" y="0"/>
+          <a:chExt cx="0" cy="0"/>
+        </a:xfrm>
+      </p:grpSpPr>
+      <p:sp>
+        <p:nvSpPr>
+          <p:cNvPr id="2" name="Title 1"/>
+          <p:cNvSpPr>
+            <a:spLocks noGrp="1"/>
+          </p:cNvSpPr>
+          <p:nvPr>
+            <p:ph type="title"/>
+          </p:nvPr>
+        </p:nvSpPr>
+        <p:spPr/>
+        <p:txBody>
+          <a:bodyPr/>
+          <a:lstStyle/>
+          <a:p>
+            <a:endParaRPr lang="en-US"/>
+          </a:p>
+        </p:txBody>
+      </p:sp>
+      <p:sp>
+        <p:nvSpPr>
+          <p:cNvPr id="3" name="Content Placeholder 2"/>
+          <p:cNvSpPr>
+            <a:spLocks noGrp="1"/>
+          </p:cNvSpPr>
+          <p:nvPr>
+            <p:ph idx="1"/>
+          </p:nvPr>
+        </p:nvSpPr>
+        <p:spPr/>
+        <p:txBody>
+          <a:bodyPr/>
+          <a:lstStyle/>
+          <a:p>
+            <a:r>
+              <a:rPr lang="en-US" dirty="0"/>
+              <a:t>http://dublincore.org/documents/usageguide/elements.shtml</a:t>
+            </a:r>
+          </a:p>
+        </p:txBody>
+      </p:sp>
+    </p:spTree>
+    <p:extLst>
+      <p:ext uri="{BB962C8B-B14F-4D97-AF65-F5344CB8AC3E}">
+        <p14:creationId xmlns:p14="http://schemas.microsoft.com/office/powerpoint/2010/main" val="4125781064"/>
+      </p:ext>
+    </p:extLst>
+  </p:cSld>
+  <p:clrMapOvr>
+    <a:masterClrMapping/>
+  </p:clrMapOvr>
+  <p:timing>
+    <p:tnLst>
+      <p:par>
+        <p:cTn id="1" dur="indefinite" restart="never" nodeType="tmRoot"/>
+      </p:par>
+    </p:tnLst>
+  </p:timing>
 </p:sld>
 </file>
 
@@ -4306,7 +5123,11 @@
           <a:bodyPr/>
           <a:lstStyle/>
           <a:p>
-            <a:endParaRPr lang="en-US"/>
+            <a:r>
+              <a:rPr lang="en-US" dirty="0" smtClean="0"/>
+              <a:t>Todays Topics</a:t>
+            </a:r>
+            <a:endParaRPr lang="en-US" dirty="0"/>
           </a:p>
         </p:txBody>
       </p:sp>
@@ -4320,28 +5141,4900 @@
             <p:ph idx="1"/>
           </p:nvPr>
         </p:nvSpPr>
-        <p:spPr/>
+        <p:spPr>
+          <a:xfrm>
+            <a:off x="4596384" y="2130425"/>
+            <a:ext cx="4011168" cy="4351338"/>
+          </a:xfrm>
+        </p:spPr>
         <p:txBody>
           <a:bodyPr/>
           <a:lstStyle/>
           <a:p>
             <a:r>
-              <a:rPr lang="en-US" dirty="0"/>
-              <a:t>http://dublincore.org/documents/usageguide/elements.shtml</a:t>
-            </a:r>
+              <a:rPr lang="en-US" dirty="0" smtClean="0"/>
+              <a:t>File Formats</a:t>
+            </a:r>
+          </a:p>
+          <a:p>
+            <a:r>
+              <a:rPr lang="en-US" dirty="0" smtClean="0"/>
+              <a:t>Text based “open” formats</a:t>
+            </a:r>
+          </a:p>
+          <a:p>
+            <a:r>
+              <a:rPr lang="en-US" dirty="0" smtClean="0"/>
+              <a:t>Image formats</a:t>
+            </a:r>
+            <a:endParaRPr lang="en-US" dirty="0"/>
           </a:p>
         </p:txBody>
       </p:sp>
     </p:spTree>
     <p:extLst>
       <p:ext uri="{BB962C8B-B14F-4D97-AF65-F5344CB8AC3E}">
-        <p14:creationId xmlns:p14="http://schemas.microsoft.com/office/powerpoint/2010/main" val="4125781064"/>
+        <p14:creationId xmlns:p14="http://schemas.microsoft.com/office/powerpoint/2010/main" val="4075626601"/>
       </p:ext>
     </p:extLst>
   </p:cSld>
   <p:clrMapOvr>
     <a:masterClrMapping/>
   </p:clrMapOvr>
+  <p:timing>
+    <p:tnLst>
+      <p:par>
+        <p:cTn id="1" dur="indefinite" restart="never" nodeType="tmRoot"/>
+      </p:par>
+    </p:tnLst>
+  </p:timing>
+</p:sld>
+</file>
+
+<file path=ppt/slides/slide3.xml><?xml version="1.0" encoding="utf-8"?>
+<p:sld xmlns:a="http://schemas.openxmlformats.org/drawingml/2006/main" xmlns:r="http://schemas.openxmlformats.org/officeDocument/2006/relationships" xmlns:p="http://schemas.openxmlformats.org/presentationml/2006/main">
+  <p:cSld>
+    <p:spTree>
+      <p:nvGrpSpPr>
+        <p:cNvPr id="1" name=""/>
+        <p:cNvGrpSpPr/>
+        <p:nvPr/>
+      </p:nvGrpSpPr>
+      <p:grpSpPr>
+        <a:xfrm>
+          <a:off x="0" y="0"/>
+          <a:ext cx="0" cy="0"/>
+          <a:chOff x="0" y="0"/>
+          <a:chExt cx="0" cy="0"/>
+        </a:xfrm>
+      </p:grpSpPr>
+      <p:sp>
+        <p:nvSpPr>
+          <p:cNvPr id="2" name="Title 1"/>
+          <p:cNvSpPr>
+            <a:spLocks noGrp="1"/>
+          </p:cNvSpPr>
+          <p:nvPr>
+            <p:ph type="title"/>
+          </p:nvPr>
+        </p:nvSpPr>
+        <p:spPr/>
+        <p:txBody>
+          <a:bodyPr/>
+          <a:lstStyle/>
+          <a:p>
+            <a:r>
+              <a:rPr lang="en-US" dirty="0" smtClean="0"/>
+              <a:t>Data Formats</a:t>
+            </a:r>
+            <a:endParaRPr lang="en-US" dirty="0"/>
+          </a:p>
+        </p:txBody>
+      </p:sp>
+      <p:sp>
+        <p:nvSpPr>
+          <p:cNvPr id="8" name="Content Placeholder 5"/>
+          <p:cNvSpPr txBox="1">
+            <a:spLocks/>
+          </p:cNvSpPr>
+          <p:nvPr/>
+        </p:nvSpPr>
+        <p:spPr>
+          <a:xfrm>
+            <a:off x="2320238" y="1851969"/>
+            <a:ext cx="4827630" cy="3397400"/>
+          </a:xfrm>
+          <a:prstGeom prst="rect">
+            <a:avLst/>
+          </a:prstGeom>
+        </p:spPr>
+        <p:txBody>
+          <a:bodyPr vert="horz" lIns="91440" tIns="45720" rIns="91440" bIns="45720" rtlCol="0">
+            <a:normAutofit/>
+          </a:bodyPr>
+          <a:lstStyle>
+            <a:lvl1pPr marL="228600" indent="-228600" algn="l" defTabSz="914400" rtl="0" eaLnBrk="1" latinLnBrk="0" hangingPunct="1">
+              <a:lnSpc>
+                <a:spcPct val="90000"/>
+              </a:lnSpc>
+              <a:spcBef>
+                <a:spcPts val="1000"/>
+              </a:spcBef>
+              <a:buFont typeface="Arial" panose="020B0604020202020204" pitchFamily="34" charset="0"/>
+              <a:buChar char="•"/>
+              <a:defRPr sz="2400" kern="1200">
+                <a:solidFill>
+                  <a:schemeClr val="tx1"/>
+                </a:solidFill>
+                <a:latin typeface="+mn-lt"/>
+                <a:ea typeface="+mn-ea"/>
+                <a:cs typeface="+mn-cs"/>
+              </a:defRPr>
+            </a:lvl1pPr>
+            <a:lvl2pPr marL="685800" indent="-228600" algn="l" defTabSz="914400" rtl="0" eaLnBrk="1" latinLnBrk="0" hangingPunct="1">
+              <a:lnSpc>
+                <a:spcPct val="90000"/>
+              </a:lnSpc>
+              <a:spcBef>
+                <a:spcPts val="500"/>
+              </a:spcBef>
+              <a:buFont typeface="Arial" panose="020B0604020202020204" pitchFamily="34" charset="0"/>
+              <a:buChar char="•"/>
+              <a:defRPr sz="2000" kern="1200">
+                <a:solidFill>
+                  <a:schemeClr val="tx1"/>
+                </a:solidFill>
+                <a:latin typeface="+mn-lt"/>
+                <a:ea typeface="+mn-ea"/>
+                <a:cs typeface="+mn-cs"/>
+              </a:defRPr>
+            </a:lvl2pPr>
+            <a:lvl3pPr marL="1143000" indent="-228600" algn="l" defTabSz="914400" rtl="0" eaLnBrk="1" latinLnBrk="0" hangingPunct="1">
+              <a:lnSpc>
+                <a:spcPct val="90000"/>
+              </a:lnSpc>
+              <a:spcBef>
+                <a:spcPts val="500"/>
+              </a:spcBef>
+              <a:buFont typeface="Arial" panose="020B0604020202020204" pitchFamily="34" charset="0"/>
+              <a:buChar char="•"/>
+              <a:defRPr sz="1800" kern="1200">
+                <a:solidFill>
+                  <a:schemeClr val="tx1"/>
+                </a:solidFill>
+                <a:latin typeface="+mn-lt"/>
+                <a:ea typeface="+mn-ea"/>
+                <a:cs typeface="+mn-cs"/>
+              </a:defRPr>
+            </a:lvl3pPr>
+            <a:lvl4pPr marL="1600200" indent="-228600" algn="l" defTabSz="914400" rtl="0" eaLnBrk="1" latinLnBrk="0" hangingPunct="1">
+              <a:lnSpc>
+                <a:spcPct val="90000"/>
+              </a:lnSpc>
+              <a:spcBef>
+                <a:spcPts val="500"/>
+              </a:spcBef>
+              <a:buFont typeface="Arial" panose="020B0604020202020204" pitchFamily="34" charset="0"/>
+              <a:buChar char="•"/>
+              <a:defRPr sz="1600" kern="1200">
+                <a:solidFill>
+                  <a:schemeClr val="tx1"/>
+                </a:solidFill>
+                <a:latin typeface="+mn-lt"/>
+                <a:ea typeface="+mn-ea"/>
+                <a:cs typeface="+mn-cs"/>
+              </a:defRPr>
+            </a:lvl4pPr>
+            <a:lvl5pPr marL="2057400" indent="-228600" algn="l" defTabSz="914400" rtl="0" eaLnBrk="1" latinLnBrk="0" hangingPunct="1">
+              <a:lnSpc>
+                <a:spcPct val="90000"/>
+              </a:lnSpc>
+              <a:spcBef>
+                <a:spcPts val="500"/>
+              </a:spcBef>
+              <a:buFont typeface="Arial" panose="020B0604020202020204" pitchFamily="34" charset="0"/>
+              <a:buChar char="•"/>
+              <a:defRPr sz="1600" kern="1200">
+                <a:solidFill>
+                  <a:schemeClr val="tx1"/>
+                </a:solidFill>
+                <a:latin typeface="+mn-lt"/>
+                <a:ea typeface="+mn-ea"/>
+                <a:cs typeface="+mn-cs"/>
+              </a:defRPr>
+            </a:lvl5pPr>
+            <a:lvl6pPr marL="2514600" indent="-228600" algn="l" defTabSz="914400" rtl="0" eaLnBrk="1" latinLnBrk="0" hangingPunct="1">
+              <a:lnSpc>
+                <a:spcPct val="90000"/>
+              </a:lnSpc>
+              <a:spcBef>
+                <a:spcPts val="500"/>
+              </a:spcBef>
+              <a:buFont typeface="Arial" panose="020B0604020202020204" pitchFamily="34" charset="0"/>
+              <a:buChar char="•"/>
+              <a:defRPr sz="1800" kern="1200">
+                <a:solidFill>
+                  <a:schemeClr val="tx1"/>
+                </a:solidFill>
+                <a:latin typeface="+mn-lt"/>
+                <a:ea typeface="+mn-ea"/>
+                <a:cs typeface="+mn-cs"/>
+              </a:defRPr>
+            </a:lvl6pPr>
+            <a:lvl7pPr marL="2971800" indent="-228600" algn="l" defTabSz="914400" rtl="0" eaLnBrk="1" latinLnBrk="0" hangingPunct="1">
+              <a:lnSpc>
+                <a:spcPct val="90000"/>
+              </a:lnSpc>
+              <a:spcBef>
+                <a:spcPts val="500"/>
+              </a:spcBef>
+              <a:buFont typeface="Arial" panose="020B0604020202020204" pitchFamily="34" charset="0"/>
+              <a:buChar char="•"/>
+              <a:defRPr sz="1800" kern="1200">
+                <a:solidFill>
+                  <a:schemeClr val="tx1"/>
+                </a:solidFill>
+                <a:latin typeface="+mn-lt"/>
+                <a:ea typeface="+mn-ea"/>
+                <a:cs typeface="+mn-cs"/>
+              </a:defRPr>
+            </a:lvl7pPr>
+            <a:lvl8pPr marL="3429000" indent="-228600" algn="l" defTabSz="914400" rtl="0" eaLnBrk="1" latinLnBrk="0" hangingPunct="1">
+              <a:lnSpc>
+                <a:spcPct val="90000"/>
+              </a:lnSpc>
+              <a:spcBef>
+                <a:spcPts val="500"/>
+              </a:spcBef>
+              <a:buFont typeface="Arial" panose="020B0604020202020204" pitchFamily="34" charset="0"/>
+              <a:buChar char="•"/>
+              <a:defRPr sz="1800" kern="1200">
+                <a:solidFill>
+                  <a:schemeClr val="tx1"/>
+                </a:solidFill>
+                <a:latin typeface="+mn-lt"/>
+                <a:ea typeface="+mn-ea"/>
+                <a:cs typeface="+mn-cs"/>
+              </a:defRPr>
+            </a:lvl8pPr>
+            <a:lvl9pPr marL="3886200" indent="-228600" algn="l" defTabSz="914400" rtl="0" eaLnBrk="1" latinLnBrk="0" hangingPunct="1">
+              <a:lnSpc>
+                <a:spcPct val="90000"/>
+              </a:lnSpc>
+              <a:spcBef>
+                <a:spcPts val="500"/>
+              </a:spcBef>
+              <a:buFont typeface="Arial" panose="020B0604020202020204" pitchFamily="34" charset="0"/>
+              <a:buChar char="•"/>
+              <a:defRPr sz="1800" kern="1200">
+                <a:solidFill>
+                  <a:schemeClr val="tx1"/>
+                </a:solidFill>
+                <a:latin typeface="+mn-lt"/>
+                <a:ea typeface="+mn-ea"/>
+                <a:cs typeface="+mn-cs"/>
+              </a:defRPr>
+            </a:lvl9pPr>
+          </a:lstStyle>
+          <a:p>
+            <a:r>
+              <a:rPr lang="en-US" sz="2000" dirty="0"/>
+              <a:t>Text: 		doc, </a:t>
+            </a:r>
+            <a:r>
+              <a:rPr lang="en-US" sz="2000" dirty="0" err="1"/>
+              <a:t>docx</a:t>
+            </a:r>
+            <a:r>
+              <a:rPr lang="en-US" sz="2000" dirty="0"/>
+              <a:t>, rtf, </a:t>
+            </a:r>
+            <a:r>
+              <a:rPr lang="en-US" sz="2000" dirty="0" err="1"/>
+              <a:t>odt</a:t>
+            </a:r>
+            <a:r>
+              <a:rPr lang="en-US" sz="2000" dirty="0"/>
+              <a:t>, pages</a:t>
+            </a:r>
+          </a:p>
+          <a:p>
+            <a:r>
+              <a:rPr lang="en-US" sz="2000" dirty="0"/>
+              <a:t>Tabular: 	</a:t>
+            </a:r>
+            <a:r>
+              <a:rPr lang="en-US" sz="2000" dirty="0" err="1"/>
+              <a:t>xls</a:t>
+            </a:r>
+            <a:r>
+              <a:rPr lang="en-US" sz="2000" dirty="0"/>
+              <a:t>, </a:t>
+            </a:r>
+            <a:r>
+              <a:rPr lang="en-US" sz="2000" dirty="0" err="1"/>
+              <a:t>xlsx</a:t>
+            </a:r>
+            <a:r>
+              <a:rPr lang="en-US" sz="2000" dirty="0"/>
+              <a:t>, numbers, dbf</a:t>
+            </a:r>
+          </a:p>
+          <a:p>
+            <a:r>
+              <a:rPr lang="en-US" sz="2000" dirty="0"/>
+              <a:t>Stat:		</a:t>
+            </a:r>
+            <a:r>
+              <a:rPr lang="en-US" sz="2000" dirty="0" err="1"/>
+              <a:t>sas</a:t>
+            </a:r>
+            <a:r>
+              <a:rPr lang="en-US" sz="2000" dirty="0"/>
+              <a:t>, </a:t>
+            </a:r>
+            <a:r>
+              <a:rPr lang="en-US" sz="2000" dirty="0" err="1"/>
+              <a:t>jmp</a:t>
+            </a:r>
+            <a:r>
+              <a:rPr lang="en-US" sz="2000" dirty="0"/>
+              <a:t>, </a:t>
+            </a:r>
+            <a:r>
+              <a:rPr lang="en-US" sz="2000" dirty="0" err="1"/>
+              <a:t>rdata</a:t>
+            </a:r>
+            <a:endParaRPr lang="en-US" sz="2000" dirty="0"/>
+          </a:p>
+          <a:p>
+            <a:r>
+              <a:rPr lang="en-US" sz="2000" dirty="0"/>
+              <a:t>Images: 	jpg, tiff, </a:t>
+            </a:r>
+            <a:r>
+              <a:rPr lang="en-US" sz="2000" dirty="0" err="1"/>
+              <a:t>svg</a:t>
+            </a:r>
+            <a:r>
+              <a:rPr lang="en-US" sz="2000" dirty="0"/>
+              <a:t>, </a:t>
+            </a:r>
+            <a:r>
+              <a:rPr lang="en-US" sz="2000" dirty="0" err="1"/>
+              <a:t>png</a:t>
+            </a:r>
+            <a:r>
+              <a:rPr lang="en-US" sz="2000" dirty="0"/>
+              <a:t>, gif, bmp</a:t>
+            </a:r>
+          </a:p>
+          <a:p>
+            <a:r>
+              <a:rPr lang="en-US" sz="2000" dirty="0"/>
+              <a:t>Geographic:	</a:t>
+            </a:r>
+            <a:r>
+              <a:rPr lang="en-US" sz="2000" dirty="0" err="1"/>
+              <a:t>shp</a:t>
+            </a:r>
+            <a:r>
+              <a:rPr lang="en-US" sz="2000" dirty="0"/>
+              <a:t>, </a:t>
+            </a:r>
+            <a:r>
+              <a:rPr lang="en-US" sz="2000" dirty="0" err="1"/>
+              <a:t>geotiff</a:t>
+            </a:r>
+            <a:r>
+              <a:rPr lang="en-US" sz="2000" dirty="0"/>
+              <a:t>, </a:t>
+            </a:r>
+            <a:r>
+              <a:rPr lang="en-US" sz="2000" dirty="0" err="1"/>
+              <a:t>kml</a:t>
+            </a:r>
+            <a:r>
+              <a:rPr lang="en-US" sz="2000" dirty="0"/>
+              <a:t>, </a:t>
+            </a:r>
+            <a:r>
+              <a:rPr lang="en-US" sz="2000" dirty="0" err="1"/>
+              <a:t>kmz</a:t>
+            </a:r>
+            <a:r>
+              <a:rPr lang="en-US" sz="2000" dirty="0"/>
+              <a:t>, </a:t>
+            </a:r>
+            <a:r>
+              <a:rPr lang="en-US" sz="2000" dirty="0" err="1"/>
+              <a:t>gdb</a:t>
+            </a:r>
+            <a:endParaRPr lang="en-US" sz="2000" dirty="0"/>
+          </a:p>
+          <a:p>
+            <a:r>
+              <a:rPr lang="en-US" sz="2000" dirty="0"/>
+              <a:t>Video:		mp4, </a:t>
+            </a:r>
+            <a:r>
+              <a:rPr lang="en-US" sz="2000" dirty="0" err="1"/>
+              <a:t>mov</a:t>
+            </a:r>
+            <a:r>
+              <a:rPr lang="en-US" sz="2000" dirty="0"/>
+              <a:t>, </a:t>
+            </a:r>
+            <a:r>
+              <a:rPr lang="en-US" sz="2000" dirty="0" err="1"/>
+              <a:t>avi</a:t>
+            </a:r>
+            <a:r>
+              <a:rPr lang="en-US" sz="2000" dirty="0"/>
+              <a:t>, </a:t>
+            </a:r>
+            <a:r>
+              <a:rPr lang="en-US" sz="2000" dirty="0" err="1"/>
+              <a:t>ogg</a:t>
+            </a:r>
+            <a:endParaRPr lang="en-US" sz="2000" dirty="0"/>
+          </a:p>
+          <a:p>
+            <a:r>
+              <a:rPr lang="en-US" sz="2000" dirty="0"/>
+              <a:t>Music:	mp3, wav, m4a, </a:t>
+            </a:r>
+            <a:r>
+              <a:rPr lang="en-US" sz="2000" dirty="0" err="1"/>
+              <a:t>aiff</a:t>
+            </a:r>
+            <a:endParaRPr lang="en-US" sz="2000" dirty="0"/>
+          </a:p>
+          <a:p>
+            <a:r>
+              <a:rPr lang="en-US" sz="2000" dirty="0"/>
+              <a:t>Plain text:	txt, csv, </a:t>
+            </a:r>
+            <a:r>
+              <a:rPr lang="en-US" sz="2000" dirty="0" err="1"/>
+              <a:t>json</a:t>
+            </a:r>
+            <a:r>
+              <a:rPr lang="en-US" sz="2000" dirty="0"/>
+              <a:t>, html, xml </a:t>
+            </a:r>
+            <a:endParaRPr lang="en-US" sz="2000" dirty="0"/>
+          </a:p>
+        </p:txBody>
+      </p:sp>
+    </p:spTree>
+    <p:extLst>
+      <p:ext uri="{BB962C8B-B14F-4D97-AF65-F5344CB8AC3E}">
+        <p14:creationId xmlns:p14="http://schemas.microsoft.com/office/powerpoint/2010/main" val="2073557996"/>
+      </p:ext>
+    </p:extLst>
+  </p:cSld>
+  <p:clrMapOvr>
+    <a:masterClrMapping/>
+  </p:clrMapOvr>
+  <p:timing>
+    <p:tnLst>
+      <p:par>
+        <p:cTn id="1" dur="indefinite" restart="never" nodeType="tmRoot"/>
+      </p:par>
+    </p:tnLst>
+  </p:timing>
+</p:sld>
+</file>
+
+<file path=ppt/slides/slide4.xml><?xml version="1.0" encoding="utf-8"?>
+<p:sld xmlns:a="http://schemas.openxmlformats.org/drawingml/2006/main" xmlns:r="http://schemas.openxmlformats.org/officeDocument/2006/relationships" xmlns:p="http://schemas.openxmlformats.org/presentationml/2006/main">
+  <p:cSld>
+    <p:spTree>
+      <p:nvGrpSpPr>
+        <p:cNvPr id="1" name=""/>
+        <p:cNvGrpSpPr/>
+        <p:nvPr/>
+      </p:nvGrpSpPr>
+      <p:grpSpPr>
+        <a:xfrm>
+          <a:off x="0" y="0"/>
+          <a:ext cx="0" cy="0"/>
+          <a:chOff x="0" y="0"/>
+          <a:chExt cx="0" cy="0"/>
+        </a:xfrm>
+      </p:grpSpPr>
+      <p:sp>
+        <p:nvSpPr>
+          <p:cNvPr id="2" name="Title 1"/>
+          <p:cNvSpPr>
+            <a:spLocks noGrp="1"/>
+          </p:cNvSpPr>
+          <p:nvPr>
+            <p:ph type="title"/>
+          </p:nvPr>
+        </p:nvSpPr>
+        <p:spPr/>
+        <p:txBody>
+          <a:bodyPr/>
+          <a:lstStyle/>
+          <a:p>
+            <a:r>
+              <a:rPr lang="en-US" dirty="0" smtClean="0"/>
+              <a:t>Data Formats</a:t>
+            </a:r>
+            <a:endParaRPr lang="en-US" dirty="0"/>
+          </a:p>
+        </p:txBody>
+      </p:sp>
+      <p:sp>
+        <p:nvSpPr>
+          <p:cNvPr id="5" name="Content Placeholder 2"/>
+          <p:cNvSpPr txBox="1">
+            <a:spLocks/>
+          </p:cNvSpPr>
+          <p:nvPr/>
+        </p:nvSpPr>
+        <p:spPr>
+          <a:xfrm>
+            <a:off x="7153276" y="1851970"/>
+            <a:ext cx="2935502" cy="1488419"/>
+          </a:xfrm>
+          <a:prstGeom prst="rect">
+            <a:avLst/>
+          </a:prstGeom>
+        </p:spPr>
+        <p:txBody>
+          <a:bodyPr vert="horz" lIns="91440" tIns="45720" rIns="91440" bIns="45720" rtlCol="0">
+            <a:normAutofit/>
+          </a:bodyPr>
+          <a:lstStyle>
+            <a:lvl1pPr marL="228600" indent="-228600" algn="l" defTabSz="914400" rtl="0" eaLnBrk="1" latinLnBrk="0" hangingPunct="1">
+              <a:lnSpc>
+                <a:spcPct val="90000"/>
+              </a:lnSpc>
+              <a:spcBef>
+                <a:spcPts val="1000"/>
+              </a:spcBef>
+              <a:buFont typeface="Arial" panose="020B0604020202020204" pitchFamily="34" charset="0"/>
+              <a:buChar char="•"/>
+              <a:defRPr sz="2400" kern="1200">
+                <a:solidFill>
+                  <a:schemeClr val="tx1"/>
+                </a:solidFill>
+                <a:latin typeface="+mn-lt"/>
+                <a:ea typeface="+mn-ea"/>
+                <a:cs typeface="+mn-cs"/>
+              </a:defRPr>
+            </a:lvl1pPr>
+            <a:lvl2pPr marL="685800" indent="-228600" algn="l" defTabSz="914400" rtl="0" eaLnBrk="1" latinLnBrk="0" hangingPunct="1">
+              <a:lnSpc>
+                <a:spcPct val="90000"/>
+              </a:lnSpc>
+              <a:spcBef>
+                <a:spcPts val="500"/>
+              </a:spcBef>
+              <a:buFont typeface="Arial" panose="020B0604020202020204" pitchFamily="34" charset="0"/>
+              <a:buChar char="•"/>
+              <a:defRPr sz="2000" kern="1200">
+                <a:solidFill>
+                  <a:schemeClr val="tx1"/>
+                </a:solidFill>
+                <a:latin typeface="+mn-lt"/>
+                <a:ea typeface="+mn-ea"/>
+                <a:cs typeface="+mn-cs"/>
+              </a:defRPr>
+            </a:lvl2pPr>
+            <a:lvl3pPr marL="1143000" indent="-228600" algn="l" defTabSz="914400" rtl="0" eaLnBrk="1" latinLnBrk="0" hangingPunct="1">
+              <a:lnSpc>
+                <a:spcPct val="90000"/>
+              </a:lnSpc>
+              <a:spcBef>
+                <a:spcPts val="500"/>
+              </a:spcBef>
+              <a:buFont typeface="Arial" panose="020B0604020202020204" pitchFamily="34" charset="0"/>
+              <a:buChar char="•"/>
+              <a:defRPr sz="1800" kern="1200">
+                <a:solidFill>
+                  <a:schemeClr val="tx1"/>
+                </a:solidFill>
+                <a:latin typeface="+mn-lt"/>
+                <a:ea typeface="+mn-ea"/>
+                <a:cs typeface="+mn-cs"/>
+              </a:defRPr>
+            </a:lvl3pPr>
+            <a:lvl4pPr marL="1600200" indent="-228600" algn="l" defTabSz="914400" rtl="0" eaLnBrk="1" latinLnBrk="0" hangingPunct="1">
+              <a:lnSpc>
+                <a:spcPct val="90000"/>
+              </a:lnSpc>
+              <a:spcBef>
+                <a:spcPts val="500"/>
+              </a:spcBef>
+              <a:buFont typeface="Arial" panose="020B0604020202020204" pitchFamily="34" charset="0"/>
+              <a:buChar char="•"/>
+              <a:defRPr sz="1600" kern="1200">
+                <a:solidFill>
+                  <a:schemeClr val="tx1"/>
+                </a:solidFill>
+                <a:latin typeface="+mn-lt"/>
+                <a:ea typeface="+mn-ea"/>
+                <a:cs typeface="+mn-cs"/>
+              </a:defRPr>
+            </a:lvl4pPr>
+            <a:lvl5pPr marL="2057400" indent="-228600" algn="l" defTabSz="914400" rtl="0" eaLnBrk="1" latinLnBrk="0" hangingPunct="1">
+              <a:lnSpc>
+                <a:spcPct val="90000"/>
+              </a:lnSpc>
+              <a:spcBef>
+                <a:spcPts val="500"/>
+              </a:spcBef>
+              <a:buFont typeface="Arial" panose="020B0604020202020204" pitchFamily="34" charset="0"/>
+              <a:buChar char="•"/>
+              <a:defRPr sz="1600" kern="1200">
+                <a:solidFill>
+                  <a:schemeClr val="tx1"/>
+                </a:solidFill>
+                <a:latin typeface="+mn-lt"/>
+                <a:ea typeface="+mn-ea"/>
+                <a:cs typeface="+mn-cs"/>
+              </a:defRPr>
+            </a:lvl5pPr>
+            <a:lvl6pPr marL="2514600" indent="-228600" algn="l" defTabSz="914400" rtl="0" eaLnBrk="1" latinLnBrk="0" hangingPunct="1">
+              <a:lnSpc>
+                <a:spcPct val="90000"/>
+              </a:lnSpc>
+              <a:spcBef>
+                <a:spcPts val="500"/>
+              </a:spcBef>
+              <a:buFont typeface="Arial" panose="020B0604020202020204" pitchFamily="34" charset="0"/>
+              <a:buChar char="•"/>
+              <a:defRPr sz="1800" kern="1200">
+                <a:solidFill>
+                  <a:schemeClr val="tx1"/>
+                </a:solidFill>
+                <a:latin typeface="+mn-lt"/>
+                <a:ea typeface="+mn-ea"/>
+                <a:cs typeface="+mn-cs"/>
+              </a:defRPr>
+            </a:lvl6pPr>
+            <a:lvl7pPr marL="2971800" indent="-228600" algn="l" defTabSz="914400" rtl="0" eaLnBrk="1" latinLnBrk="0" hangingPunct="1">
+              <a:lnSpc>
+                <a:spcPct val="90000"/>
+              </a:lnSpc>
+              <a:spcBef>
+                <a:spcPts val="500"/>
+              </a:spcBef>
+              <a:buFont typeface="Arial" panose="020B0604020202020204" pitchFamily="34" charset="0"/>
+              <a:buChar char="•"/>
+              <a:defRPr sz="1800" kern="1200">
+                <a:solidFill>
+                  <a:schemeClr val="tx1"/>
+                </a:solidFill>
+                <a:latin typeface="+mn-lt"/>
+                <a:ea typeface="+mn-ea"/>
+                <a:cs typeface="+mn-cs"/>
+              </a:defRPr>
+            </a:lvl7pPr>
+            <a:lvl8pPr marL="3429000" indent="-228600" algn="l" defTabSz="914400" rtl="0" eaLnBrk="1" latinLnBrk="0" hangingPunct="1">
+              <a:lnSpc>
+                <a:spcPct val="90000"/>
+              </a:lnSpc>
+              <a:spcBef>
+                <a:spcPts val="500"/>
+              </a:spcBef>
+              <a:buFont typeface="Arial" panose="020B0604020202020204" pitchFamily="34" charset="0"/>
+              <a:buChar char="•"/>
+              <a:defRPr sz="1800" kern="1200">
+                <a:solidFill>
+                  <a:schemeClr val="tx1"/>
+                </a:solidFill>
+                <a:latin typeface="+mn-lt"/>
+                <a:ea typeface="+mn-ea"/>
+                <a:cs typeface="+mn-cs"/>
+              </a:defRPr>
+            </a:lvl8pPr>
+            <a:lvl9pPr marL="3886200" indent="-228600" algn="l" defTabSz="914400" rtl="0" eaLnBrk="1" latinLnBrk="0" hangingPunct="1">
+              <a:lnSpc>
+                <a:spcPct val="90000"/>
+              </a:lnSpc>
+              <a:spcBef>
+                <a:spcPts val="500"/>
+              </a:spcBef>
+              <a:buFont typeface="Arial" panose="020B0604020202020204" pitchFamily="34" charset="0"/>
+              <a:buChar char="•"/>
+              <a:defRPr sz="1800" kern="1200">
+                <a:solidFill>
+                  <a:schemeClr val="tx1"/>
+                </a:solidFill>
+                <a:latin typeface="+mn-lt"/>
+                <a:ea typeface="+mn-ea"/>
+                <a:cs typeface="+mn-cs"/>
+              </a:defRPr>
+            </a:lvl9pPr>
+          </a:lstStyle>
+          <a:p>
+            <a:pPr marL="0" indent="0">
+              <a:buNone/>
+            </a:pPr>
+            <a:r>
+              <a:rPr lang="en-US" dirty="0"/>
+              <a:t>General formats</a:t>
+            </a:r>
+          </a:p>
+          <a:p>
+            <a:pPr lvl="1"/>
+            <a:r>
+              <a:rPr lang="en-US" dirty="0">
+                <a:solidFill>
+                  <a:srgbClr val="FF0000"/>
+                </a:solidFill>
+              </a:rPr>
+              <a:t>p</a:t>
+            </a:r>
+            <a:r>
+              <a:rPr lang="en-US" dirty="0">
+                <a:solidFill>
+                  <a:srgbClr val="FF0000"/>
+                </a:solidFill>
+              </a:rPr>
+              <a:t>roprietary</a:t>
+            </a:r>
+          </a:p>
+          <a:p>
+            <a:pPr lvl="1"/>
+            <a:r>
+              <a:rPr lang="en-US" dirty="0"/>
+              <a:t>mixed </a:t>
+            </a:r>
+          </a:p>
+          <a:p>
+            <a:pPr lvl="1"/>
+            <a:r>
+              <a:rPr lang="en-US" dirty="0">
+                <a:solidFill>
+                  <a:schemeClr val="accent6">
+                    <a:lumMod val="75000"/>
+                  </a:schemeClr>
+                </a:solidFill>
+              </a:rPr>
+              <a:t>o</a:t>
+            </a:r>
+            <a:r>
+              <a:rPr lang="en-US" dirty="0">
+                <a:solidFill>
+                  <a:schemeClr val="accent6">
+                    <a:lumMod val="75000"/>
+                  </a:schemeClr>
+                </a:solidFill>
+              </a:rPr>
+              <a:t>pen</a:t>
+            </a:r>
+            <a:r>
+              <a:rPr lang="en-US" dirty="0"/>
+              <a:t> </a:t>
+            </a:r>
+          </a:p>
+          <a:p>
+            <a:pPr marL="0" indent="0">
+              <a:buNone/>
+            </a:pPr>
+            <a:endParaRPr lang="en-US" dirty="0"/>
+          </a:p>
+          <a:p>
+            <a:pPr marL="0" indent="0">
+              <a:buNone/>
+            </a:pPr>
+            <a:endParaRPr lang="en-US" dirty="0"/>
+          </a:p>
+        </p:txBody>
+      </p:sp>
+      <p:sp>
+        <p:nvSpPr>
+          <p:cNvPr id="9" name="Content Placeholder 5"/>
+          <p:cNvSpPr txBox="1">
+            <a:spLocks/>
+          </p:cNvSpPr>
+          <p:nvPr/>
+        </p:nvSpPr>
+        <p:spPr>
+          <a:xfrm>
+            <a:off x="2320238" y="1851969"/>
+            <a:ext cx="4827630" cy="3397400"/>
+          </a:xfrm>
+          <a:prstGeom prst="rect">
+            <a:avLst/>
+          </a:prstGeom>
+        </p:spPr>
+        <p:txBody>
+          <a:bodyPr vert="horz" lIns="91440" tIns="45720" rIns="91440" bIns="45720" rtlCol="0">
+            <a:normAutofit/>
+          </a:bodyPr>
+          <a:lstStyle>
+            <a:lvl1pPr marL="228600" indent="-228600" algn="l" defTabSz="914400" rtl="0" eaLnBrk="1" latinLnBrk="0" hangingPunct="1">
+              <a:lnSpc>
+                <a:spcPct val="90000"/>
+              </a:lnSpc>
+              <a:spcBef>
+                <a:spcPts val="1000"/>
+              </a:spcBef>
+              <a:buFont typeface="Arial" panose="020B0604020202020204" pitchFamily="34" charset="0"/>
+              <a:buChar char="•"/>
+              <a:defRPr sz="2400" kern="1200">
+                <a:solidFill>
+                  <a:schemeClr val="tx1"/>
+                </a:solidFill>
+                <a:latin typeface="+mn-lt"/>
+                <a:ea typeface="+mn-ea"/>
+                <a:cs typeface="+mn-cs"/>
+              </a:defRPr>
+            </a:lvl1pPr>
+            <a:lvl2pPr marL="685800" indent="-228600" algn="l" defTabSz="914400" rtl="0" eaLnBrk="1" latinLnBrk="0" hangingPunct="1">
+              <a:lnSpc>
+                <a:spcPct val="90000"/>
+              </a:lnSpc>
+              <a:spcBef>
+                <a:spcPts val="500"/>
+              </a:spcBef>
+              <a:buFont typeface="Arial" panose="020B0604020202020204" pitchFamily="34" charset="0"/>
+              <a:buChar char="•"/>
+              <a:defRPr sz="2000" kern="1200">
+                <a:solidFill>
+                  <a:schemeClr val="tx1"/>
+                </a:solidFill>
+                <a:latin typeface="+mn-lt"/>
+                <a:ea typeface="+mn-ea"/>
+                <a:cs typeface="+mn-cs"/>
+              </a:defRPr>
+            </a:lvl2pPr>
+            <a:lvl3pPr marL="1143000" indent="-228600" algn="l" defTabSz="914400" rtl="0" eaLnBrk="1" latinLnBrk="0" hangingPunct="1">
+              <a:lnSpc>
+                <a:spcPct val="90000"/>
+              </a:lnSpc>
+              <a:spcBef>
+                <a:spcPts val="500"/>
+              </a:spcBef>
+              <a:buFont typeface="Arial" panose="020B0604020202020204" pitchFamily="34" charset="0"/>
+              <a:buChar char="•"/>
+              <a:defRPr sz="1800" kern="1200">
+                <a:solidFill>
+                  <a:schemeClr val="tx1"/>
+                </a:solidFill>
+                <a:latin typeface="+mn-lt"/>
+                <a:ea typeface="+mn-ea"/>
+                <a:cs typeface="+mn-cs"/>
+              </a:defRPr>
+            </a:lvl3pPr>
+            <a:lvl4pPr marL="1600200" indent="-228600" algn="l" defTabSz="914400" rtl="0" eaLnBrk="1" latinLnBrk="0" hangingPunct="1">
+              <a:lnSpc>
+                <a:spcPct val="90000"/>
+              </a:lnSpc>
+              <a:spcBef>
+                <a:spcPts val="500"/>
+              </a:spcBef>
+              <a:buFont typeface="Arial" panose="020B0604020202020204" pitchFamily="34" charset="0"/>
+              <a:buChar char="•"/>
+              <a:defRPr sz="1600" kern="1200">
+                <a:solidFill>
+                  <a:schemeClr val="tx1"/>
+                </a:solidFill>
+                <a:latin typeface="+mn-lt"/>
+                <a:ea typeface="+mn-ea"/>
+                <a:cs typeface="+mn-cs"/>
+              </a:defRPr>
+            </a:lvl4pPr>
+            <a:lvl5pPr marL="2057400" indent="-228600" algn="l" defTabSz="914400" rtl="0" eaLnBrk="1" latinLnBrk="0" hangingPunct="1">
+              <a:lnSpc>
+                <a:spcPct val="90000"/>
+              </a:lnSpc>
+              <a:spcBef>
+                <a:spcPts val="500"/>
+              </a:spcBef>
+              <a:buFont typeface="Arial" panose="020B0604020202020204" pitchFamily="34" charset="0"/>
+              <a:buChar char="•"/>
+              <a:defRPr sz="1600" kern="1200">
+                <a:solidFill>
+                  <a:schemeClr val="tx1"/>
+                </a:solidFill>
+                <a:latin typeface="+mn-lt"/>
+                <a:ea typeface="+mn-ea"/>
+                <a:cs typeface="+mn-cs"/>
+              </a:defRPr>
+            </a:lvl5pPr>
+            <a:lvl6pPr marL="2514600" indent="-228600" algn="l" defTabSz="914400" rtl="0" eaLnBrk="1" latinLnBrk="0" hangingPunct="1">
+              <a:lnSpc>
+                <a:spcPct val="90000"/>
+              </a:lnSpc>
+              <a:spcBef>
+                <a:spcPts val="500"/>
+              </a:spcBef>
+              <a:buFont typeface="Arial" panose="020B0604020202020204" pitchFamily="34" charset="0"/>
+              <a:buChar char="•"/>
+              <a:defRPr sz="1800" kern="1200">
+                <a:solidFill>
+                  <a:schemeClr val="tx1"/>
+                </a:solidFill>
+                <a:latin typeface="+mn-lt"/>
+                <a:ea typeface="+mn-ea"/>
+                <a:cs typeface="+mn-cs"/>
+              </a:defRPr>
+            </a:lvl6pPr>
+            <a:lvl7pPr marL="2971800" indent="-228600" algn="l" defTabSz="914400" rtl="0" eaLnBrk="1" latinLnBrk="0" hangingPunct="1">
+              <a:lnSpc>
+                <a:spcPct val="90000"/>
+              </a:lnSpc>
+              <a:spcBef>
+                <a:spcPts val="500"/>
+              </a:spcBef>
+              <a:buFont typeface="Arial" panose="020B0604020202020204" pitchFamily="34" charset="0"/>
+              <a:buChar char="•"/>
+              <a:defRPr sz="1800" kern="1200">
+                <a:solidFill>
+                  <a:schemeClr val="tx1"/>
+                </a:solidFill>
+                <a:latin typeface="+mn-lt"/>
+                <a:ea typeface="+mn-ea"/>
+                <a:cs typeface="+mn-cs"/>
+              </a:defRPr>
+            </a:lvl7pPr>
+            <a:lvl8pPr marL="3429000" indent="-228600" algn="l" defTabSz="914400" rtl="0" eaLnBrk="1" latinLnBrk="0" hangingPunct="1">
+              <a:lnSpc>
+                <a:spcPct val="90000"/>
+              </a:lnSpc>
+              <a:spcBef>
+                <a:spcPts val="500"/>
+              </a:spcBef>
+              <a:buFont typeface="Arial" panose="020B0604020202020204" pitchFamily="34" charset="0"/>
+              <a:buChar char="•"/>
+              <a:defRPr sz="1800" kern="1200">
+                <a:solidFill>
+                  <a:schemeClr val="tx1"/>
+                </a:solidFill>
+                <a:latin typeface="+mn-lt"/>
+                <a:ea typeface="+mn-ea"/>
+                <a:cs typeface="+mn-cs"/>
+              </a:defRPr>
+            </a:lvl8pPr>
+            <a:lvl9pPr marL="3886200" indent="-228600" algn="l" defTabSz="914400" rtl="0" eaLnBrk="1" latinLnBrk="0" hangingPunct="1">
+              <a:lnSpc>
+                <a:spcPct val="90000"/>
+              </a:lnSpc>
+              <a:spcBef>
+                <a:spcPts val="500"/>
+              </a:spcBef>
+              <a:buFont typeface="Arial" panose="020B0604020202020204" pitchFamily="34" charset="0"/>
+              <a:buChar char="•"/>
+              <a:defRPr sz="1800" kern="1200">
+                <a:solidFill>
+                  <a:schemeClr val="tx1"/>
+                </a:solidFill>
+                <a:latin typeface="+mn-lt"/>
+                <a:ea typeface="+mn-ea"/>
+                <a:cs typeface="+mn-cs"/>
+              </a:defRPr>
+            </a:lvl9pPr>
+          </a:lstStyle>
+          <a:p>
+            <a:r>
+              <a:rPr lang="en-US" sz="2000" dirty="0"/>
+              <a:t>Text: 		</a:t>
+            </a:r>
+            <a:r>
+              <a:rPr lang="en-US" sz="2000" dirty="0">
+                <a:solidFill>
+                  <a:srgbClr val="FF0000"/>
+                </a:solidFill>
+              </a:rPr>
+              <a:t>doc</a:t>
+            </a:r>
+            <a:r>
+              <a:rPr lang="en-US" sz="2000" dirty="0"/>
+              <a:t>, </a:t>
+            </a:r>
+            <a:r>
+              <a:rPr lang="en-US" sz="2000" dirty="0" err="1"/>
+              <a:t>docx</a:t>
+            </a:r>
+            <a:r>
+              <a:rPr lang="en-US" sz="2000" dirty="0"/>
+              <a:t>, </a:t>
+            </a:r>
+            <a:r>
+              <a:rPr lang="en-US" sz="2000" dirty="0">
+                <a:solidFill>
+                  <a:schemeClr val="accent6">
+                    <a:lumMod val="75000"/>
+                  </a:schemeClr>
+                </a:solidFill>
+              </a:rPr>
+              <a:t>rtf</a:t>
+            </a:r>
+            <a:r>
+              <a:rPr lang="en-US" sz="2000" dirty="0"/>
+              <a:t>, </a:t>
+            </a:r>
+            <a:r>
+              <a:rPr lang="en-US" sz="2000" dirty="0" err="1">
+                <a:solidFill>
+                  <a:schemeClr val="accent6">
+                    <a:lumMod val="75000"/>
+                  </a:schemeClr>
+                </a:solidFill>
+              </a:rPr>
+              <a:t>odt</a:t>
+            </a:r>
+            <a:r>
+              <a:rPr lang="en-US" sz="2000" dirty="0"/>
+              <a:t>, </a:t>
+            </a:r>
+            <a:r>
+              <a:rPr lang="en-US" sz="2000" dirty="0">
+                <a:solidFill>
+                  <a:srgbClr val="FF0000"/>
+                </a:solidFill>
+              </a:rPr>
+              <a:t>pages</a:t>
+            </a:r>
+          </a:p>
+          <a:p>
+            <a:r>
+              <a:rPr lang="en-US" sz="2000" dirty="0"/>
+              <a:t>Tabular: 	</a:t>
+            </a:r>
+            <a:r>
+              <a:rPr lang="en-US" sz="2000" dirty="0" err="1">
+                <a:solidFill>
+                  <a:srgbClr val="FF0000"/>
+                </a:solidFill>
+              </a:rPr>
+              <a:t>xls</a:t>
+            </a:r>
+            <a:r>
+              <a:rPr lang="en-US" sz="2000" dirty="0"/>
+              <a:t>, </a:t>
+            </a:r>
+            <a:r>
+              <a:rPr lang="en-US" sz="2000" dirty="0" err="1"/>
+              <a:t>xlsx</a:t>
+            </a:r>
+            <a:r>
+              <a:rPr lang="en-US" sz="2000" dirty="0"/>
+              <a:t>, </a:t>
+            </a:r>
+            <a:r>
+              <a:rPr lang="en-US" sz="2000" dirty="0">
+                <a:solidFill>
+                  <a:srgbClr val="FF0000"/>
+                </a:solidFill>
+              </a:rPr>
+              <a:t>numbers</a:t>
+            </a:r>
+            <a:r>
+              <a:rPr lang="en-US" sz="2000" dirty="0"/>
+              <a:t>, dbf</a:t>
+            </a:r>
+          </a:p>
+          <a:p>
+            <a:r>
+              <a:rPr lang="en-US" sz="2000" dirty="0"/>
+              <a:t>Stat:		</a:t>
+            </a:r>
+            <a:r>
+              <a:rPr lang="en-US" sz="2000" dirty="0" err="1">
+                <a:solidFill>
+                  <a:srgbClr val="FF0000"/>
+                </a:solidFill>
+              </a:rPr>
+              <a:t>sas</a:t>
+            </a:r>
+            <a:r>
+              <a:rPr lang="en-US" sz="2000" dirty="0"/>
+              <a:t>, </a:t>
+            </a:r>
+            <a:r>
+              <a:rPr lang="en-US" sz="2000" dirty="0" err="1">
+                <a:solidFill>
+                  <a:schemeClr val="accent6">
+                    <a:lumMod val="75000"/>
+                  </a:schemeClr>
+                </a:solidFill>
+              </a:rPr>
+              <a:t>jmp</a:t>
+            </a:r>
+            <a:r>
+              <a:rPr lang="en-US" sz="2000" dirty="0"/>
+              <a:t>,</a:t>
+            </a:r>
+            <a:r>
+              <a:rPr lang="en-US" sz="2000" dirty="0">
+                <a:solidFill>
+                  <a:schemeClr val="accent6">
+                    <a:lumMod val="75000"/>
+                  </a:schemeClr>
+                </a:solidFill>
+              </a:rPr>
+              <a:t> </a:t>
+            </a:r>
+            <a:r>
+              <a:rPr lang="en-US" sz="2000" dirty="0" err="1">
+                <a:solidFill>
+                  <a:schemeClr val="accent6">
+                    <a:lumMod val="75000"/>
+                  </a:schemeClr>
+                </a:solidFill>
+              </a:rPr>
+              <a:t>rdata</a:t>
+            </a:r>
+            <a:endParaRPr lang="en-US" sz="2000" dirty="0">
+              <a:solidFill>
+                <a:schemeClr val="accent6">
+                  <a:lumMod val="75000"/>
+                </a:schemeClr>
+              </a:solidFill>
+            </a:endParaRPr>
+          </a:p>
+          <a:p>
+            <a:r>
+              <a:rPr lang="en-US" sz="2000" dirty="0"/>
+              <a:t>Images: 	jpg, </a:t>
+            </a:r>
+            <a:r>
+              <a:rPr lang="en-US" sz="2000" dirty="0">
+                <a:solidFill>
+                  <a:schemeClr val="accent6">
+                    <a:lumMod val="75000"/>
+                  </a:schemeClr>
+                </a:solidFill>
+              </a:rPr>
+              <a:t>tiff</a:t>
+            </a:r>
+            <a:r>
+              <a:rPr lang="en-US" sz="2000" dirty="0"/>
+              <a:t>, </a:t>
+            </a:r>
+            <a:r>
+              <a:rPr lang="en-US" sz="2000" dirty="0" err="1">
+                <a:solidFill>
+                  <a:schemeClr val="accent6">
+                    <a:lumMod val="75000"/>
+                  </a:schemeClr>
+                </a:solidFill>
+              </a:rPr>
+              <a:t>svg</a:t>
+            </a:r>
+            <a:r>
+              <a:rPr lang="en-US" sz="2000" dirty="0"/>
+              <a:t>, </a:t>
+            </a:r>
+            <a:r>
+              <a:rPr lang="en-US" sz="2000" dirty="0" err="1">
+                <a:solidFill>
+                  <a:schemeClr val="accent6">
+                    <a:lumMod val="75000"/>
+                  </a:schemeClr>
+                </a:solidFill>
+              </a:rPr>
+              <a:t>png</a:t>
+            </a:r>
+            <a:r>
+              <a:rPr lang="en-US" sz="2000" dirty="0"/>
+              <a:t>, </a:t>
+            </a:r>
+            <a:r>
+              <a:rPr lang="en-US" sz="2000" dirty="0">
+                <a:solidFill>
+                  <a:srgbClr val="FF0000"/>
+                </a:solidFill>
+              </a:rPr>
+              <a:t>gif</a:t>
+            </a:r>
+            <a:r>
+              <a:rPr lang="en-US" sz="2000" dirty="0"/>
+              <a:t>, </a:t>
+            </a:r>
+            <a:r>
+              <a:rPr lang="en-US" sz="2000" dirty="0">
+                <a:solidFill>
+                  <a:schemeClr val="accent6">
+                    <a:lumMod val="75000"/>
+                  </a:schemeClr>
+                </a:solidFill>
+              </a:rPr>
+              <a:t>bmp</a:t>
+            </a:r>
+          </a:p>
+          <a:p>
+            <a:r>
+              <a:rPr lang="en-US" sz="2000" dirty="0"/>
+              <a:t>Geographic:	</a:t>
+            </a:r>
+            <a:r>
+              <a:rPr lang="en-US" sz="2000" dirty="0" err="1">
+                <a:solidFill>
+                  <a:srgbClr val="FF0000"/>
+                </a:solidFill>
+              </a:rPr>
+              <a:t>shp</a:t>
+            </a:r>
+            <a:r>
+              <a:rPr lang="en-US" sz="2000" dirty="0"/>
+              <a:t>, </a:t>
+            </a:r>
+            <a:r>
+              <a:rPr lang="en-US" sz="2000" dirty="0" err="1">
+                <a:solidFill>
+                  <a:schemeClr val="accent6">
+                    <a:lumMod val="75000"/>
+                  </a:schemeClr>
+                </a:solidFill>
+              </a:rPr>
+              <a:t>geotiff</a:t>
+            </a:r>
+            <a:r>
+              <a:rPr lang="en-US" sz="2000" dirty="0"/>
+              <a:t>, </a:t>
+            </a:r>
+            <a:r>
+              <a:rPr lang="en-US" sz="2000" dirty="0" err="1">
+                <a:solidFill>
+                  <a:schemeClr val="accent6">
+                    <a:lumMod val="75000"/>
+                  </a:schemeClr>
+                </a:solidFill>
+              </a:rPr>
+              <a:t>kml</a:t>
+            </a:r>
+            <a:r>
+              <a:rPr lang="en-US" sz="2000" dirty="0"/>
+              <a:t>, </a:t>
+            </a:r>
+            <a:r>
+              <a:rPr lang="en-US" sz="2000" dirty="0" err="1">
+                <a:solidFill>
+                  <a:schemeClr val="accent6">
+                    <a:lumMod val="75000"/>
+                  </a:schemeClr>
+                </a:solidFill>
+              </a:rPr>
+              <a:t>kmz</a:t>
+            </a:r>
+            <a:r>
+              <a:rPr lang="en-US" sz="2000" dirty="0"/>
+              <a:t>, </a:t>
+            </a:r>
+            <a:r>
+              <a:rPr lang="en-US" sz="2000" dirty="0" err="1">
+                <a:solidFill>
+                  <a:srgbClr val="FF0000"/>
+                </a:solidFill>
+              </a:rPr>
+              <a:t>gdb</a:t>
+            </a:r>
+            <a:endParaRPr lang="en-US" sz="2000" dirty="0">
+              <a:solidFill>
+                <a:srgbClr val="FF0000"/>
+              </a:solidFill>
+            </a:endParaRPr>
+          </a:p>
+          <a:p>
+            <a:r>
+              <a:rPr lang="en-US" sz="2000" dirty="0"/>
+              <a:t>Video:		</a:t>
+            </a:r>
+            <a:r>
+              <a:rPr lang="en-US" sz="2000" dirty="0">
+                <a:solidFill>
+                  <a:schemeClr val="accent6">
+                    <a:lumMod val="75000"/>
+                  </a:schemeClr>
+                </a:solidFill>
+              </a:rPr>
+              <a:t>mp4</a:t>
+            </a:r>
+            <a:r>
+              <a:rPr lang="en-US" sz="2000" dirty="0"/>
+              <a:t>, </a:t>
+            </a:r>
+            <a:r>
+              <a:rPr lang="en-US" sz="2000" dirty="0" err="1">
+                <a:solidFill>
+                  <a:srgbClr val="FF0000"/>
+                </a:solidFill>
+              </a:rPr>
+              <a:t>mov</a:t>
+            </a:r>
+            <a:r>
+              <a:rPr lang="en-US" sz="2000" dirty="0"/>
+              <a:t>, </a:t>
+            </a:r>
+            <a:r>
+              <a:rPr lang="en-US" sz="2000" dirty="0" err="1">
+                <a:solidFill>
+                  <a:srgbClr val="FF0000"/>
+                </a:solidFill>
+              </a:rPr>
+              <a:t>avi</a:t>
+            </a:r>
+            <a:r>
+              <a:rPr lang="en-US" sz="2000" dirty="0"/>
+              <a:t>, </a:t>
+            </a:r>
+            <a:r>
+              <a:rPr lang="en-US" sz="2000" dirty="0" err="1">
+                <a:solidFill>
+                  <a:schemeClr val="accent6">
+                    <a:lumMod val="75000"/>
+                  </a:schemeClr>
+                </a:solidFill>
+              </a:rPr>
+              <a:t>ogg</a:t>
+            </a:r>
+            <a:endParaRPr lang="en-US" sz="2000" dirty="0">
+              <a:solidFill>
+                <a:schemeClr val="accent6">
+                  <a:lumMod val="75000"/>
+                </a:schemeClr>
+              </a:solidFill>
+            </a:endParaRPr>
+          </a:p>
+          <a:p>
+            <a:r>
+              <a:rPr lang="en-US" sz="2000" dirty="0"/>
+              <a:t>Music:	</a:t>
+            </a:r>
+            <a:r>
+              <a:rPr lang="en-US" sz="2000" dirty="0">
+                <a:solidFill>
+                  <a:schemeClr val="accent6">
+                    <a:lumMod val="75000"/>
+                  </a:schemeClr>
+                </a:solidFill>
+              </a:rPr>
+              <a:t>mp3</a:t>
+            </a:r>
+            <a:r>
+              <a:rPr lang="en-US" sz="2000" dirty="0"/>
+              <a:t>, </a:t>
+            </a:r>
+            <a:r>
+              <a:rPr lang="en-US" sz="2000" dirty="0">
+                <a:solidFill>
+                  <a:srgbClr val="FF0000"/>
+                </a:solidFill>
+              </a:rPr>
+              <a:t>wav</a:t>
+            </a:r>
+            <a:r>
+              <a:rPr lang="en-US" sz="2000" dirty="0"/>
+              <a:t>, </a:t>
+            </a:r>
+            <a:r>
+              <a:rPr lang="en-US" sz="2000" dirty="0">
+                <a:solidFill>
+                  <a:schemeClr val="accent6">
+                    <a:lumMod val="75000"/>
+                  </a:schemeClr>
+                </a:solidFill>
+              </a:rPr>
+              <a:t>m4a</a:t>
+            </a:r>
+            <a:r>
+              <a:rPr lang="en-US" sz="2000" dirty="0"/>
+              <a:t>, </a:t>
+            </a:r>
+            <a:r>
+              <a:rPr lang="en-US" sz="2000" dirty="0" err="1">
+                <a:solidFill>
+                  <a:srgbClr val="FF0000"/>
+                </a:solidFill>
+              </a:rPr>
+              <a:t>aiff</a:t>
+            </a:r>
+            <a:endParaRPr lang="en-US" sz="2000" dirty="0">
+              <a:solidFill>
+                <a:srgbClr val="FF0000"/>
+              </a:solidFill>
+            </a:endParaRPr>
+          </a:p>
+          <a:p>
+            <a:r>
+              <a:rPr lang="en-US" sz="2000" dirty="0"/>
+              <a:t>Plain text:	</a:t>
+            </a:r>
+            <a:r>
+              <a:rPr lang="en-US" sz="2000" dirty="0">
+                <a:solidFill>
+                  <a:schemeClr val="accent6">
+                    <a:lumMod val="75000"/>
+                  </a:schemeClr>
+                </a:solidFill>
+              </a:rPr>
+              <a:t>txt</a:t>
+            </a:r>
+            <a:r>
+              <a:rPr lang="en-US" sz="2000" dirty="0"/>
+              <a:t>, </a:t>
+            </a:r>
+            <a:r>
+              <a:rPr lang="en-US" sz="2000" dirty="0">
+                <a:solidFill>
+                  <a:schemeClr val="accent6">
+                    <a:lumMod val="75000"/>
+                  </a:schemeClr>
+                </a:solidFill>
+              </a:rPr>
+              <a:t>csv</a:t>
+            </a:r>
+            <a:r>
+              <a:rPr lang="en-US" sz="2000" dirty="0"/>
+              <a:t>, </a:t>
+            </a:r>
+            <a:r>
+              <a:rPr lang="en-US" sz="2000" dirty="0" err="1">
+                <a:solidFill>
+                  <a:schemeClr val="accent6">
+                    <a:lumMod val="75000"/>
+                  </a:schemeClr>
+                </a:solidFill>
+              </a:rPr>
+              <a:t>json</a:t>
+            </a:r>
+            <a:r>
+              <a:rPr lang="en-US" sz="2000" dirty="0"/>
+              <a:t>, </a:t>
+            </a:r>
+            <a:r>
+              <a:rPr lang="en-US" sz="2000" dirty="0">
+                <a:solidFill>
+                  <a:schemeClr val="accent6">
+                    <a:lumMod val="75000"/>
+                  </a:schemeClr>
+                </a:solidFill>
+              </a:rPr>
+              <a:t>html</a:t>
+            </a:r>
+            <a:r>
+              <a:rPr lang="en-US" sz="2000" dirty="0"/>
+              <a:t>, </a:t>
+            </a:r>
+            <a:r>
+              <a:rPr lang="en-US" sz="2000" dirty="0">
+                <a:solidFill>
+                  <a:schemeClr val="accent6">
+                    <a:lumMod val="75000"/>
+                  </a:schemeClr>
+                </a:solidFill>
+              </a:rPr>
+              <a:t>xml </a:t>
+            </a:r>
+            <a:endParaRPr lang="en-US" sz="2000" dirty="0">
+              <a:solidFill>
+                <a:schemeClr val="accent6">
+                  <a:lumMod val="75000"/>
+                </a:schemeClr>
+              </a:solidFill>
+            </a:endParaRPr>
+          </a:p>
+        </p:txBody>
+      </p:sp>
+    </p:spTree>
+    <p:extLst>
+      <p:ext uri="{BB962C8B-B14F-4D97-AF65-F5344CB8AC3E}">
+        <p14:creationId xmlns:p14="http://schemas.microsoft.com/office/powerpoint/2010/main" val="3953843784"/>
+      </p:ext>
+    </p:extLst>
+  </p:cSld>
+  <p:clrMapOvr>
+    <a:masterClrMapping/>
+  </p:clrMapOvr>
+  <p:timing>
+    <p:tnLst>
+      <p:par>
+        <p:cTn id="1" dur="indefinite" restart="never" nodeType="tmRoot"/>
+      </p:par>
+    </p:tnLst>
+  </p:timing>
+</p:sld>
+</file>
+
+<file path=ppt/slides/slide5.xml><?xml version="1.0" encoding="utf-8"?>
+<p:sld xmlns:a="http://schemas.openxmlformats.org/drawingml/2006/main" xmlns:r="http://schemas.openxmlformats.org/officeDocument/2006/relationships" xmlns:p="http://schemas.openxmlformats.org/presentationml/2006/main">
+  <p:cSld>
+    <p:spTree>
+      <p:nvGrpSpPr>
+        <p:cNvPr id="1" name=""/>
+        <p:cNvGrpSpPr/>
+        <p:nvPr/>
+      </p:nvGrpSpPr>
+      <p:grpSpPr>
+        <a:xfrm>
+          <a:off x="0" y="0"/>
+          <a:ext cx="0" cy="0"/>
+          <a:chOff x="0" y="0"/>
+          <a:chExt cx="0" cy="0"/>
+        </a:xfrm>
+      </p:grpSpPr>
+      <p:sp>
+        <p:nvSpPr>
+          <p:cNvPr id="2" name="Title 1"/>
+          <p:cNvSpPr>
+            <a:spLocks noGrp="1"/>
+          </p:cNvSpPr>
+          <p:nvPr>
+            <p:ph type="title"/>
+          </p:nvPr>
+        </p:nvSpPr>
+        <p:spPr/>
+        <p:txBody>
+          <a:bodyPr/>
+          <a:lstStyle/>
+          <a:p>
+            <a:r>
+              <a:rPr lang="en-US" dirty="0" smtClean="0"/>
+              <a:t>Data Formats</a:t>
+            </a:r>
+            <a:endParaRPr lang="en-US" dirty="0"/>
+          </a:p>
+        </p:txBody>
+      </p:sp>
+      <p:sp>
+        <p:nvSpPr>
+          <p:cNvPr id="5" name="Content Placeholder 2"/>
+          <p:cNvSpPr txBox="1">
+            <a:spLocks/>
+          </p:cNvSpPr>
+          <p:nvPr/>
+        </p:nvSpPr>
+        <p:spPr>
+          <a:xfrm>
+            <a:off x="7153276" y="1851970"/>
+            <a:ext cx="2935502" cy="1488419"/>
+          </a:xfrm>
+          <a:prstGeom prst="rect">
+            <a:avLst/>
+          </a:prstGeom>
+        </p:spPr>
+        <p:txBody>
+          <a:bodyPr vert="horz" lIns="91440" tIns="45720" rIns="91440" bIns="45720" rtlCol="0">
+            <a:normAutofit/>
+          </a:bodyPr>
+          <a:lstStyle>
+            <a:lvl1pPr marL="228600" indent="-228600" algn="l" defTabSz="914400" rtl="0" eaLnBrk="1" latinLnBrk="0" hangingPunct="1">
+              <a:lnSpc>
+                <a:spcPct val="90000"/>
+              </a:lnSpc>
+              <a:spcBef>
+                <a:spcPts val="1000"/>
+              </a:spcBef>
+              <a:buFont typeface="Arial" panose="020B0604020202020204" pitchFamily="34" charset="0"/>
+              <a:buChar char="•"/>
+              <a:defRPr sz="2400" kern="1200">
+                <a:solidFill>
+                  <a:schemeClr val="tx1"/>
+                </a:solidFill>
+                <a:latin typeface="+mn-lt"/>
+                <a:ea typeface="+mn-ea"/>
+                <a:cs typeface="+mn-cs"/>
+              </a:defRPr>
+            </a:lvl1pPr>
+            <a:lvl2pPr marL="685800" indent="-228600" algn="l" defTabSz="914400" rtl="0" eaLnBrk="1" latinLnBrk="0" hangingPunct="1">
+              <a:lnSpc>
+                <a:spcPct val="90000"/>
+              </a:lnSpc>
+              <a:spcBef>
+                <a:spcPts val="500"/>
+              </a:spcBef>
+              <a:buFont typeface="Arial" panose="020B0604020202020204" pitchFamily="34" charset="0"/>
+              <a:buChar char="•"/>
+              <a:defRPr sz="2000" kern="1200">
+                <a:solidFill>
+                  <a:schemeClr val="tx1"/>
+                </a:solidFill>
+                <a:latin typeface="+mn-lt"/>
+                <a:ea typeface="+mn-ea"/>
+                <a:cs typeface="+mn-cs"/>
+              </a:defRPr>
+            </a:lvl2pPr>
+            <a:lvl3pPr marL="1143000" indent="-228600" algn="l" defTabSz="914400" rtl="0" eaLnBrk="1" latinLnBrk="0" hangingPunct="1">
+              <a:lnSpc>
+                <a:spcPct val="90000"/>
+              </a:lnSpc>
+              <a:spcBef>
+                <a:spcPts val="500"/>
+              </a:spcBef>
+              <a:buFont typeface="Arial" panose="020B0604020202020204" pitchFamily="34" charset="0"/>
+              <a:buChar char="•"/>
+              <a:defRPr sz="1800" kern="1200">
+                <a:solidFill>
+                  <a:schemeClr val="tx1"/>
+                </a:solidFill>
+                <a:latin typeface="+mn-lt"/>
+                <a:ea typeface="+mn-ea"/>
+                <a:cs typeface="+mn-cs"/>
+              </a:defRPr>
+            </a:lvl3pPr>
+            <a:lvl4pPr marL="1600200" indent="-228600" algn="l" defTabSz="914400" rtl="0" eaLnBrk="1" latinLnBrk="0" hangingPunct="1">
+              <a:lnSpc>
+                <a:spcPct val="90000"/>
+              </a:lnSpc>
+              <a:spcBef>
+                <a:spcPts val="500"/>
+              </a:spcBef>
+              <a:buFont typeface="Arial" panose="020B0604020202020204" pitchFamily="34" charset="0"/>
+              <a:buChar char="•"/>
+              <a:defRPr sz="1600" kern="1200">
+                <a:solidFill>
+                  <a:schemeClr val="tx1"/>
+                </a:solidFill>
+                <a:latin typeface="+mn-lt"/>
+                <a:ea typeface="+mn-ea"/>
+                <a:cs typeface="+mn-cs"/>
+              </a:defRPr>
+            </a:lvl4pPr>
+            <a:lvl5pPr marL="2057400" indent="-228600" algn="l" defTabSz="914400" rtl="0" eaLnBrk="1" latinLnBrk="0" hangingPunct="1">
+              <a:lnSpc>
+                <a:spcPct val="90000"/>
+              </a:lnSpc>
+              <a:spcBef>
+                <a:spcPts val="500"/>
+              </a:spcBef>
+              <a:buFont typeface="Arial" panose="020B0604020202020204" pitchFamily="34" charset="0"/>
+              <a:buChar char="•"/>
+              <a:defRPr sz="1600" kern="1200">
+                <a:solidFill>
+                  <a:schemeClr val="tx1"/>
+                </a:solidFill>
+                <a:latin typeface="+mn-lt"/>
+                <a:ea typeface="+mn-ea"/>
+                <a:cs typeface="+mn-cs"/>
+              </a:defRPr>
+            </a:lvl5pPr>
+            <a:lvl6pPr marL="2514600" indent="-228600" algn="l" defTabSz="914400" rtl="0" eaLnBrk="1" latinLnBrk="0" hangingPunct="1">
+              <a:lnSpc>
+                <a:spcPct val="90000"/>
+              </a:lnSpc>
+              <a:spcBef>
+                <a:spcPts val="500"/>
+              </a:spcBef>
+              <a:buFont typeface="Arial" panose="020B0604020202020204" pitchFamily="34" charset="0"/>
+              <a:buChar char="•"/>
+              <a:defRPr sz="1800" kern="1200">
+                <a:solidFill>
+                  <a:schemeClr val="tx1"/>
+                </a:solidFill>
+                <a:latin typeface="+mn-lt"/>
+                <a:ea typeface="+mn-ea"/>
+                <a:cs typeface="+mn-cs"/>
+              </a:defRPr>
+            </a:lvl6pPr>
+            <a:lvl7pPr marL="2971800" indent="-228600" algn="l" defTabSz="914400" rtl="0" eaLnBrk="1" latinLnBrk="0" hangingPunct="1">
+              <a:lnSpc>
+                <a:spcPct val="90000"/>
+              </a:lnSpc>
+              <a:spcBef>
+                <a:spcPts val="500"/>
+              </a:spcBef>
+              <a:buFont typeface="Arial" panose="020B0604020202020204" pitchFamily="34" charset="0"/>
+              <a:buChar char="•"/>
+              <a:defRPr sz="1800" kern="1200">
+                <a:solidFill>
+                  <a:schemeClr val="tx1"/>
+                </a:solidFill>
+                <a:latin typeface="+mn-lt"/>
+                <a:ea typeface="+mn-ea"/>
+                <a:cs typeface="+mn-cs"/>
+              </a:defRPr>
+            </a:lvl7pPr>
+            <a:lvl8pPr marL="3429000" indent="-228600" algn="l" defTabSz="914400" rtl="0" eaLnBrk="1" latinLnBrk="0" hangingPunct="1">
+              <a:lnSpc>
+                <a:spcPct val="90000"/>
+              </a:lnSpc>
+              <a:spcBef>
+                <a:spcPts val="500"/>
+              </a:spcBef>
+              <a:buFont typeface="Arial" panose="020B0604020202020204" pitchFamily="34" charset="0"/>
+              <a:buChar char="•"/>
+              <a:defRPr sz="1800" kern="1200">
+                <a:solidFill>
+                  <a:schemeClr val="tx1"/>
+                </a:solidFill>
+                <a:latin typeface="+mn-lt"/>
+                <a:ea typeface="+mn-ea"/>
+                <a:cs typeface="+mn-cs"/>
+              </a:defRPr>
+            </a:lvl8pPr>
+            <a:lvl9pPr marL="3886200" indent="-228600" algn="l" defTabSz="914400" rtl="0" eaLnBrk="1" latinLnBrk="0" hangingPunct="1">
+              <a:lnSpc>
+                <a:spcPct val="90000"/>
+              </a:lnSpc>
+              <a:spcBef>
+                <a:spcPts val="500"/>
+              </a:spcBef>
+              <a:buFont typeface="Arial" panose="020B0604020202020204" pitchFamily="34" charset="0"/>
+              <a:buChar char="•"/>
+              <a:defRPr sz="1800" kern="1200">
+                <a:solidFill>
+                  <a:schemeClr val="tx1"/>
+                </a:solidFill>
+                <a:latin typeface="+mn-lt"/>
+                <a:ea typeface="+mn-ea"/>
+                <a:cs typeface="+mn-cs"/>
+              </a:defRPr>
+            </a:lvl9pPr>
+          </a:lstStyle>
+          <a:p>
+            <a:pPr marL="0" indent="0">
+              <a:buNone/>
+            </a:pPr>
+            <a:r>
+              <a:rPr lang="en-US" dirty="0"/>
+              <a:t>General formats</a:t>
+            </a:r>
+          </a:p>
+          <a:p>
+            <a:pPr lvl="1"/>
+            <a:r>
+              <a:rPr lang="en-US" dirty="0">
+                <a:solidFill>
+                  <a:srgbClr val="FF0000"/>
+                </a:solidFill>
+              </a:rPr>
+              <a:t>p</a:t>
+            </a:r>
+            <a:r>
+              <a:rPr lang="en-US" dirty="0">
+                <a:solidFill>
+                  <a:srgbClr val="FF0000"/>
+                </a:solidFill>
+              </a:rPr>
+              <a:t>roprietary</a:t>
+            </a:r>
+          </a:p>
+          <a:p>
+            <a:pPr lvl="1"/>
+            <a:r>
+              <a:rPr lang="en-US" dirty="0"/>
+              <a:t>mixed </a:t>
+            </a:r>
+          </a:p>
+          <a:p>
+            <a:pPr lvl="1"/>
+            <a:r>
+              <a:rPr lang="en-US" dirty="0">
+                <a:solidFill>
+                  <a:schemeClr val="accent6">
+                    <a:lumMod val="75000"/>
+                  </a:schemeClr>
+                </a:solidFill>
+              </a:rPr>
+              <a:t>o</a:t>
+            </a:r>
+            <a:r>
+              <a:rPr lang="en-US" dirty="0">
+                <a:solidFill>
+                  <a:schemeClr val="accent6">
+                    <a:lumMod val="75000"/>
+                  </a:schemeClr>
+                </a:solidFill>
+              </a:rPr>
+              <a:t>pen</a:t>
+            </a:r>
+            <a:r>
+              <a:rPr lang="en-US" dirty="0"/>
+              <a:t> </a:t>
+            </a:r>
+          </a:p>
+          <a:p>
+            <a:pPr marL="0" indent="0">
+              <a:buNone/>
+            </a:pPr>
+            <a:endParaRPr lang="en-US" dirty="0"/>
+          </a:p>
+          <a:p>
+            <a:pPr marL="0" indent="0">
+              <a:buNone/>
+            </a:pPr>
+            <a:endParaRPr lang="en-US" dirty="0"/>
+          </a:p>
+        </p:txBody>
+      </p:sp>
+      <p:sp>
+        <p:nvSpPr>
+          <p:cNvPr id="6" name="Content Placeholder 5"/>
+          <p:cNvSpPr>
+            <a:spLocks noGrp="1"/>
+          </p:cNvSpPr>
+          <p:nvPr>
+            <p:ph sz="half" idx="1"/>
+          </p:nvPr>
+        </p:nvSpPr>
+        <p:spPr>
+          <a:xfrm>
+            <a:off x="2320238" y="1851969"/>
+            <a:ext cx="4827630" cy="3397400"/>
+          </a:xfrm>
+        </p:spPr>
+        <p:txBody>
+          <a:bodyPr>
+            <a:normAutofit/>
+          </a:bodyPr>
+          <a:lstStyle/>
+          <a:p>
+            <a:r>
+              <a:rPr lang="en-US" sz="2000" dirty="0"/>
+              <a:t>Text: 		</a:t>
+            </a:r>
+            <a:r>
+              <a:rPr lang="en-US" sz="2000" dirty="0">
+                <a:solidFill>
+                  <a:srgbClr val="FF0000"/>
+                </a:solidFill>
+              </a:rPr>
+              <a:t>doc</a:t>
+            </a:r>
+            <a:r>
+              <a:rPr lang="en-US" sz="2000" dirty="0"/>
+              <a:t>, </a:t>
+            </a:r>
+            <a:r>
+              <a:rPr lang="en-US" sz="2000" dirty="0" err="1"/>
+              <a:t>docx</a:t>
+            </a:r>
+            <a:r>
+              <a:rPr lang="en-US" sz="2000" dirty="0"/>
+              <a:t>, </a:t>
+            </a:r>
+            <a:r>
+              <a:rPr lang="en-US" sz="2000" dirty="0">
+                <a:solidFill>
+                  <a:schemeClr val="accent6">
+                    <a:lumMod val="75000"/>
+                  </a:schemeClr>
+                </a:solidFill>
+              </a:rPr>
+              <a:t>rtf</a:t>
+            </a:r>
+            <a:r>
+              <a:rPr lang="en-US" sz="2000" dirty="0"/>
+              <a:t>, </a:t>
+            </a:r>
+            <a:r>
+              <a:rPr lang="en-US" sz="2000" dirty="0" err="1">
+                <a:solidFill>
+                  <a:schemeClr val="accent6">
+                    <a:lumMod val="75000"/>
+                  </a:schemeClr>
+                </a:solidFill>
+              </a:rPr>
+              <a:t>odt</a:t>
+            </a:r>
+            <a:r>
+              <a:rPr lang="en-US" sz="2000" dirty="0"/>
+              <a:t>, </a:t>
+            </a:r>
+            <a:r>
+              <a:rPr lang="en-US" sz="2000" dirty="0">
+                <a:solidFill>
+                  <a:srgbClr val="FF0000"/>
+                </a:solidFill>
+              </a:rPr>
+              <a:t>pages</a:t>
+            </a:r>
+          </a:p>
+          <a:p>
+            <a:r>
+              <a:rPr lang="en-US" sz="2000" dirty="0"/>
+              <a:t>Tabular: 	</a:t>
+            </a:r>
+            <a:r>
+              <a:rPr lang="en-US" sz="2000" dirty="0" err="1">
+                <a:solidFill>
+                  <a:srgbClr val="FF0000"/>
+                </a:solidFill>
+              </a:rPr>
+              <a:t>xls</a:t>
+            </a:r>
+            <a:r>
+              <a:rPr lang="en-US" sz="2000" dirty="0"/>
+              <a:t>, </a:t>
+            </a:r>
+            <a:r>
+              <a:rPr lang="en-US" sz="2000" dirty="0" err="1"/>
+              <a:t>xlsx</a:t>
+            </a:r>
+            <a:r>
+              <a:rPr lang="en-US" sz="2000" dirty="0"/>
+              <a:t>, </a:t>
+            </a:r>
+            <a:r>
+              <a:rPr lang="en-US" sz="2000" dirty="0">
+                <a:solidFill>
+                  <a:srgbClr val="FF0000"/>
+                </a:solidFill>
+              </a:rPr>
+              <a:t>numbers</a:t>
+            </a:r>
+            <a:r>
+              <a:rPr lang="en-US" sz="2000" dirty="0"/>
+              <a:t>, dbf</a:t>
+            </a:r>
+          </a:p>
+          <a:p>
+            <a:r>
+              <a:rPr lang="en-US" sz="2000" dirty="0"/>
+              <a:t>Stat:		</a:t>
+            </a:r>
+            <a:r>
+              <a:rPr lang="en-US" sz="2000" dirty="0" err="1">
+                <a:solidFill>
+                  <a:srgbClr val="FF0000"/>
+                </a:solidFill>
+              </a:rPr>
+              <a:t>sas</a:t>
+            </a:r>
+            <a:r>
+              <a:rPr lang="en-US" sz="2000" dirty="0"/>
+              <a:t>, </a:t>
+            </a:r>
+            <a:r>
+              <a:rPr lang="en-US" sz="2000" dirty="0" err="1">
+                <a:solidFill>
+                  <a:schemeClr val="accent6">
+                    <a:lumMod val="75000"/>
+                  </a:schemeClr>
+                </a:solidFill>
+              </a:rPr>
+              <a:t>jmp</a:t>
+            </a:r>
+            <a:r>
+              <a:rPr lang="en-US" sz="2000" dirty="0"/>
+              <a:t>,</a:t>
+            </a:r>
+            <a:r>
+              <a:rPr lang="en-US" sz="2000" dirty="0">
+                <a:solidFill>
+                  <a:schemeClr val="accent6">
+                    <a:lumMod val="75000"/>
+                  </a:schemeClr>
+                </a:solidFill>
+              </a:rPr>
+              <a:t> </a:t>
+            </a:r>
+            <a:r>
+              <a:rPr lang="en-US" sz="2000" dirty="0" err="1">
+                <a:solidFill>
+                  <a:schemeClr val="accent6">
+                    <a:lumMod val="75000"/>
+                  </a:schemeClr>
+                </a:solidFill>
+              </a:rPr>
+              <a:t>rdata</a:t>
+            </a:r>
+            <a:endParaRPr lang="en-US" sz="2000" dirty="0">
+              <a:solidFill>
+                <a:schemeClr val="accent6">
+                  <a:lumMod val="75000"/>
+                </a:schemeClr>
+              </a:solidFill>
+            </a:endParaRPr>
+          </a:p>
+          <a:p>
+            <a:r>
+              <a:rPr lang="en-US" sz="2000" dirty="0"/>
+              <a:t>Images: 	</a:t>
+            </a:r>
+            <a:r>
+              <a:rPr lang="en-US" sz="2000" u="sng" dirty="0"/>
+              <a:t>jpg</a:t>
+            </a:r>
+            <a:r>
+              <a:rPr lang="en-US" sz="2000" dirty="0"/>
+              <a:t>, </a:t>
+            </a:r>
+            <a:r>
+              <a:rPr lang="en-US" sz="2000" dirty="0">
+                <a:solidFill>
+                  <a:schemeClr val="accent6">
+                    <a:lumMod val="75000"/>
+                  </a:schemeClr>
+                </a:solidFill>
+              </a:rPr>
+              <a:t>tiff</a:t>
+            </a:r>
+            <a:r>
+              <a:rPr lang="en-US" sz="2000" dirty="0"/>
+              <a:t>, </a:t>
+            </a:r>
+            <a:r>
+              <a:rPr lang="en-US" sz="2000" dirty="0" err="1">
+                <a:solidFill>
+                  <a:schemeClr val="accent6">
+                    <a:lumMod val="75000"/>
+                  </a:schemeClr>
+                </a:solidFill>
+              </a:rPr>
+              <a:t>svg</a:t>
+            </a:r>
+            <a:r>
+              <a:rPr lang="en-US" sz="2000" dirty="0"/>
+              <a:t>, </a:t>
+            </a:r>
+            <a:r>
+              <a:rPr lang="en-US" sz="2000" dirty="0" err="1">
+                <a:solidFill>
+                  <a:schemeClr val="accent6">
+                    <a:lumMod val="75000"/>
+                  </a:schemeClr>
+                </a:solidFill>
+              </a:rPr>
+              <a:t>png</a:t>
+            </a:r>
+            <a:r>
+              <a:rPr lang="en-US" sz="2000" dirty="0"/>
+              <a:t>, </a:t>
+            </a:r>
+            <a:r>
+              <a:rPr lang="en-US" sz="2000" u="sng" dirty="0">
+                <a:solidFill>
+                  <a:srgbClr val="FF0000"/>
+                </a:solidFill>
+              </a:rPr>
+              <a:t>gif</a:t>
+            </a:r>
+            <a:r>
+              <a:rPr lang="en-US" sz="2000" dirty="0"/>
+              <a:t>, </a:t>
+            </a:r>
+            <a:r>
+              <a:rPr lang="en-US" sz="2000" u="sng" dirty="0">
+                <a:solidFill>
+                  <a:schemeClr val="accent6">
+                    <a:lumMod val="75000"/>
+                  </a:schemeClr>
+                </a:solidFill>
+              </a:rPr>
+              <a:t>bmp</a:t>
+            </a:r>
+          </a:p>
+          <a:p>
+            <a:r>
+              <a:rPr lang="en-US" sz="2000" dirty="0"/>
+              <a:t>Geographic:	</a:t>
+            </a:r>
+            <a:r>
+              <a:rPr lang="en-US" sz="2000" dirty="0" err="1">
+                <a:solidFill>
+                  <a:srgbClr val="FF0000"/>
+                </a:solidFill>
+              </a:rPr>
+              <a:t>shp</a:t>
+            </a:r>
+            <a:r>
+              <a:rPr lang="en-US" sz="2000" dirty="0"/>
+              <a:t>, </a:t>
+            </a:r>
+            <a:r>
+              <a:rPr lang="en-US" sz="2000" dirty="0" err="1">
+                <a:solidFill>
+                  <a:schemeClr val="accent6">
+                    <a:lumMod val="75000"/>
+                  </a:schemeClr>
+                </a:solidFill>
+              </a:rPr>
+              <a:t>geotiff</a:t>
+            </a:r>
+            <a:r>
+              <a:rPr lang="en-US" sz="2000" dirty="0"/>
+              <a:t>, </a:t>
+            </a:r>
+            <a:r>
+              <a:rPr lang="en-US" sz="2000" dirty="0" err="1">
+                <a:solidFill>
+                  <a:schemeClr val="accent6">
+                    <a:lumMod val="75000"/>
+                  </a:schemeClr>
+                </a:solidFill>
+              </a:rPr>
+              <a:t>kml</a:t>
+            </a:r>
+            <a:r>
+              <a:rPr lang="en-US" sz="2000" dirty="0"/>
+              <a:t>, </a:t>
+            </a:r>
+            <a:r>
+              <a:rPr lang="en-US" sz="2000" dirty="0" err="1">
+                <a:solidFill>
+                  <a:schemeClr val="accent6">
+                    <a:lumMod val="75000"/>
+                  </a:schemeClr>
+                </a:solidFill>
+              </a:rPr>
+              <a:t>kmz</a:t>
+            </a:r>
+            <a:r>
+              <a:rPr lang="en-US" sz="2000" dirty="0"/>
+              <a:t>, </a:t>
+            </a:r>
+            <a:r>
+              <a:rPr lang="en-US" sz="2000" dirty="0" err="1">
+                <a:solidFill>
+                  <a:srgbClr val="FF0000"/>
+                </a:solidFill>
+              </a:rPr>
+              <a:t>gdb</a:t>
+            </a:r>
+            <a:endParaRPr lang="en-US" sz="2000" dirty="0">
+              <a:solidFill>
+                <a:srgbClr val="FF0000"/>
+              </a:solidFill>
+            </a:endParaRPr>
+          </a:p>
+          <a:p>
+            <a:r>
+              <a:rPr lang="en-US" sz="2000" dirty="0"/>
+              <a:t>Video:		</a:t>
+            </a:r>
+            <a:r>
+              <a:rPr lang="en-US" sz="2000" i="1" dirty="0">
+                <a:solidFill>
+                  <a:schemeClr val="accent6">
+                    <a:lumMod val="75000"/>
+                  </a:schemeClr>
+                </a:solidFill>
+              </a:rPr>
+              <a:t>mp4</a:t>
+            </a:r>
+            <a:r>
+              <a:rPr lang="en-US" sz="2000" dirty="0"/>
+              <a:t>, </a:t>
+            </a:r>
+            <a:r>
+              <a:rPr lang="en-US" sz="2000" i="1" dirty="0" err="1">
+                <a:solidFill>
+                  <a:srgbClr val="FF0000"/>
+                </a:solidFill>
+              </a:rPr>
+              <a:t>mov</a:t>
+            </a:r>
+            <a:r>
+              <a:rPr lang="en-US" sz="2000" dirty="0"/>
+              <a:t>, </a:t>
+            </a:r>
+            <a:r>
+              <a:rPr lang="en-US" sz="2000" i="1" dirty="0" err="1">
+                <a:solidFill>
+                  <a:srgbClr val="FF0000"/>
+                </a:solidFill>
+              </a:rPr>
+              <a:t>avi</a:t>
+            </a:r>
+            <a:r>
+              <a:rPr lang="en-US" sz="2000" dirty="0"/>
+              <a:t>, </a:t>
+            </a:r>
+            <a:r>
+              <a:rPr lang="en-US" sz="2000" i="1" u="sng" dirty="0" err="1">
+                <a:solidFill>
+                  <a:schemeClr val="accent6">
+                    <a:lumMod val="75000"/>
+                  </a:schemeClr>
+                </a:solidFill>
+              </a:rPr>
+              <a:t>ogg</a:t>
+            </a:r>
+            <a:endParaRPr lang="en-US" sz="2000" i="1" u="sng" dirty="0">
+              <a:solidFill>
+                <a:schemeClr val="accent6">
+                  <a:lumMod val="75000"/>
+                </a:schemeClr>
+              </a:solidFill>
+            </a:endParaRPr>
+          </a:p>
+          <a:p>
+            <a:r>
+              <a:rPr lang="en-US" sz="2000" dirty="0"/>
+              <a:t>Music:	</a:t>
+            </a:r>
+            <a:r>
+              <a:rPr lang="en-US" sz="2000" u="sng" dirty="0">
+                <a:solidFill>
+                  <a:schemeClr val="accent6">
+                    <a:lumMod val="75000"/>
+                  </a:schemeClr>
+                </a:solidFill>
+              </a:rPr>
+              <a:t>mp3</a:t>
+            </a:r>
+            <a:r>
+              <a:rPr lang="en-US" sz="2000" dirty="0"/>
+              <a:t>, </a:t>
+            </a:r>
+            <a:r>
+              <a:rPr lang="en-US" sz="2000" i="1" dirty="0">
+                <a:solidFill>
+                  <a:srgbClr val="FF0000"/>
+                </a:solidFill>
+              </a:rPr>
+              <a:t>wav</a:t>
+            </a:r>
+            <a:r>
+              <a:rPr lang="en-US" sz="2000" i="1" dirty="0"/>
+              <a:t>,</a:t>
+            </a:r>
+            <a:r>
+              <a:rPr lang="en-US" sz="2000" dirty="0"/>
+              <a:t> </a:t>
+            </a:r>
+            <a:r>
+              <a:rPr lang="en-US" sz="2000" i="1" dirty="0">
+                <a:solidFill>
+                  <a:schemeClr val="accent6">
+                    <a:lumMod val="75000"/>
+                  </a:schemeClr>
+                </a:solidFill>
+              </a:rPr>
+              <a:t>m4a</a:t>
+            </a:r>
+            <a:r>
+              <a:rPr lang="en-US" sz="2000" i="1" dirty="0"/>
+              <a:t>, </a:t>
+            </a:r>
+            <a:r>
+              <a:rPr lang="en-US" sz="2000" i="1" dirty="0" err="1">
+                <a:solidFill>
+                  <a:srgbClr val="FF0000"/>
+                </a:solidFill>
+              </a:rPr>
+              <a:t>aiff</a:t>
+            </a:r>
+            <a:endParaRPr lang="en-US" sz="2000" i="1" dirty="0">
+              <a:solidFill>
+                <a:srgbClr val="FF0000"/>
+              </a:solidFill>
+            </a:endParaRPr>
+          </a:p>
+          <a:p>
+            <a:r>
+              <a:rPr lang="en-US" sz="2000" dirty="0"/>
+              <a:t>Plain text:	</a:t>
+            </a:r>
+            <a:r>
+              <a:rPr lang="en-US" sz="2000" dirty="0">
+                <a:solidFill>
+                  <a:schemeClr val="accent6">
+                    <a:lumMod val="75000"/>
+                  </a:schemeClr>
+                </a:solidFill>
+              </a:rPr>
+              <a:t>txt</a:t>
+            </a:r>
+            <a:r>
+              <a:rPr lang="en-US" sz="2000" dirty="0"/>
+              <a:t>, </a:t>
+            </a:r>
+            <a:r>
+              <a:rPr lang="en-US" sz="2000" dirty="0">
+                <a:solidFill>
+                  <a:schemeClr val="accent6">
+                    <a:lumMod val="75000"/>
+                  </a:schemeClr>
+                </a:solidFill>
+              </a:rPr>
+              <a:t>csv</a:t>
+            </a:r>
+            <a:r>
+              <a:rPr lang="en-US" sz="2000" dirty="0"/>
+              <a:t>, </a:t>
+            </a:r>
+            <a:r>
+              <a:rPr lang="en-US" sz="2000" dirty="0" err="1">
+                <a:solidFill>
+                  <a:schemeClr val="accent6">
+                    <a:lumMod val="75000"/>
+                  </a:schemeClr>
+                </a:solidFill>
+              </a:rPr>
+              <a:t>json</a:t>
+            </a:r>
+            <a:r>
+              <a:rPr lang="en-US" sz="2000" dirty="0"/>
+              <a:t>, </a:t>
+            </a:r>
+            <a:r>
+              <a:rPr lang="en-US" sz="2000" dirty="0">
+                <a:solidFill>
+                  <a:schemeClr val="accent6">
+                    <a:lumMod val="75000"/>
+                  </a:schemeClr>
+                </a:solidFill>
+              </a:rPr>
+              <a:t>html</a:t>
+            </a:r>
+            <a:r>
+              <a:rPr lang="en-US" sz="2000" dirty="0"/>
+              <a:t>, </a:t>
+            </a:r>
+            <a:r>
+              <a:rPr lang="en-US" sz="2000" dirty="0">
+                <a:solidFill>
+                  <a:schemeClr val="accent6">
+                    <a:lumMod val="75000"/>
+                  </a:schemeClr>
+                </a:solidFill>
+              </a:rPr>
+              <a:t>xml </a:t>
+            </a:r>
+            <a:endParaRPr lang="en-US" sz="2000" dirty="0">
+              <a:solidFill>
+                <a:schemeClr val="accent6">
+                  <a:lumMod val="75000"/>
+                </a:schemeClr>
+              </a:solidFill>
+            </a:endParaRPr>
+          </a:p>
+        </p:txBody>
+      </p:sp>
+      <p:sp>
+        <p:nvSpPr>
+          <p:cNvPr id="7" name="Rectangle 6"/>
+          <p:cNvSpPr/>
+          <p:nvPr/>
+        </p:nvSpPr>
+        <p:spPr>
+          <a:xfrm>
+            <a:off x="7153276" y="3641822"/>
+            <a:ext cx="2402616" cy="1384995"/>
+          </a:xfrm>
+          <a:prstGeom prst="rect">
+            <a:avLst/>
+          </a:prstGeom>
+        </p:spPr>
+        <p:txBody>
+          <a:bodyPr wrap="square">
+            <a:spAutoFit/>
+          </a:bodyPr>
+          <a:lstStyle/>
+          <a:p>
+            <a:r>
+              <a:rPr lang="en-US" sz="2400" dirty="0"/>
+              <a:t>Compression</a:t>
+            </a:r>
+          </a:p>
+          <a:p>
+            <a:pPr lvl="1"/>
+            <a:r>
+              <a:rPr lang="en-US" sz="2000" u="sng" dirty="0" err="1"/>
+              <a:t>lossy</a:t>
+            </a:r>
+            <a:endParaRPr lang="en-US" sz="2000" u="sng" dirty="0"/>
+          </a:p>
+          <a:p>
+            <a:pPr lvl="1"/>
+            <a:r>
+              <a:rPr lang="en-US" sz="2000" i="1" dirty="0"/>
+              <a:t>depends</a:t>
+            </a:r>
+            <a:r>
+              <a:rPr lang="en-US" sz="2000" dirty="0"/>
+              <a:t> </a:t>
+            </a:r>
+          </a:p>
+          <a:p>
+            <a:pPr lvl="1"/>
+            <a:r>
+              <a:rPr lang="en-US" sz="2000" dirty="0"/>
+              <a:t>lossless</a:t>
+            </a:r>
+          </a:p>
+        </p:txBody>
+      </p:sp>
+    </p:spTree>
+    <p:extLst>
+      <p:ext uri="{BB962C8B-B14F-4D97-AF65-F5344CB8AC3E}">
+        <p14:creationId xmlns:p14="http://schemas.microsoft.com/office/powerpoint/2010/main" val="2792138171"/>
+      </p:ext>
+    </p:extLst>
+  </p:cSld>
+  <p:clrMapOvr>
+    <a:masterClrMapping/>
+  </p:clrMapOvr>
+  <p:timing>
+    <p:tnLst>
+      <p:par>
+        <p:cTn id="1" dur="indefinite" restart="never" nodeType="tmRoot">
+          <p:childTnLst>
+            <p:seq concurrent="1" nextAc="seek">
+              <p:cTn id="2" dur="indefinite" nodeType="mainSeq">
+                <p:childTnLst>
+                  <p:par>
+                    <p:cTn id="3" fill="hold">
+                      <p:stCondLst>
+                        <p:cond delay="indefinite"/>
+                      </p:stCondLst>
+                      <p:childTnLst>
+                        <p:par>
+                          <p:cTn id="4" fill="hold">
+                            <p:stCondLst>
+                              <p:cond delay="0"/>
+                            </p:stCondLst>
+                            <p:childTnLst>
+                              <p:par>
+                                <p:cTn id="5" presetID="10" presetClass="entr" presetSubtype="0" fill="hold" grpId="0" nodeType="clickEffect">
+                                  <p:stCondLst>
+                                    <p:cond delay="0"/>
+                                  </p:stCondLst>
+                                  <p:childTnLst>
+                                    <p:set>
+                                      <p:cBhvr>
+                                        <p:cTn id="6" dur="1" fill="hold">
+                                          <p:stCondLst>
+                                            <p:cond delay="0"/>
+                                          </p:stCondLst>
+                                        </p:cTn>
+                                        <p:tgtEl>
+                                          <p:spTgt spid="5"/>
+                                        </p:tgtEl>
+                                        <p:attrNameLst>
+                                          <p:attrName>style.visibility</p:attrName>
+                                        </p:attrNameLst>
+                                      </p:cBhvr>
+                                      <p:to>
+                                        <p:strVal val="visible"/>
+                                      </p:to>
+                                    </p:set>
+                                    <p:animEffect transition="in" filter="fade">
+                                      <p:cBhvr>
+                                        <p:cTn id="7" dur="2000"/>
+                                        <p:tgtEl>
+                                          <p:spTgt spid="5"/>
+                                        </p:tgtEl>
+                                      </p:cBhvr>
+                                    </p:animEffect>
+                                  </p:childTnLst>
+                                </p:cTn>
+                              </p:par>
+                            </p:childTnLst>
+                          </p:cTn>
+                        </p:par>
+                      </p:childTnLst>
+                    </p:cTn>
+                  </p:par>
+                  <p:par>
+                    <p:cTn id="8" fill="hold">
+                      <p:stCondLst>
+                        <p:cond delay="indefinite"/>
+                      </p:stCondLst>
+                      <p:childTnLst>
+                        <p:par>
+                          <p:cTn id="9" fill="hold">
+                            <p:stCondLst>
+                              <p:cond delay="0"/>
+                            </p:stCondLst>
+                            <p:childTnLst>
+                              <p:par>
+                                <p:cTn id="10" presetID="10" presetClass="entr" presetSubtype="0" fill="hold" grpId="0" nodeType="clickEffect">
+                                  <p:stCondLst>
+                                    <p:cond delay="0"/>
+                                  </p:stCondLst>
+                                  <p:childTnLst>
+                                    <p:set>
+                                      <p:cBhvr>
+                                        <p:cTn id="11" dur="1" fill="hold">
+                                          <p:stCondLst>
+                                            <p:cond delay="0"/>
+                                          </p:stCondLst>
+                                        </p:cTn>
+                                        <p:tgtEl>
+                                          <p:spTgt spid="7"/>
+                                        </p:tgtEl>
+                                        <p:attrNameLst>
+                                          <p:attrName>style.visibility</p:attrName>
+                                        </p:attrNameLst>
+                                      </p:cBhvr>
+                                      <p:to>
+                                        <p:strVal val="visible"/>
+                                      </p:to>
+                                    </p:set>
+                                    <p:animEffect transition="in" filter="fade">
+                                      <p:cBhvr>
+                                        <p:cTn id="12" dur="2000"/>
+                                        <p:tgtEl>
+                                          <p:spTgt spid="7"/>
+                                        </p:tgtEl>
+                                      </p:cBhvr>
+                                    </p:animEffect>
+                                  </p:childTnLst>
+                                </p:cTn>
+                              </p:par>
+                              <p:par>
+                                <p:cTn id="13" presetID="10" presetClass="entr" presetSubtype="0" fill="hold" grpId="0" nodeType="withEffect">
+                                  <p:stCondLst>
+                                    <p:cond delay="0"/>
+                                  </p:stCondLst>
+                                  <p:childTnLst>
+                                    <p:set>
+                                      <p:cBhvr>
+                                        <p:cTn id="14" dur="1" fill="hold">
+                                          <p:stCondLst>
+                                            <p:cond delay="0"/>
+                                          </p:stCondLst>
+                                        </p:cTn>
+                                        <p:tgtEl>
+                                          <p:spTgt spid="6">
+                                            <p:txEl>
+                                              <p:pRg st="0" end="0"/>
+                                            </p:txEl>
+                                          </p:spTgt>
+                                        </p:tgtEl>
+                                        <p:attrNameLst>
+                                          <p:attrName>style.visibility</p:attrName>
+                                        </p:attrNameLst>
+                                      </p:cBhvr>
+                                      <p:to>
+                                        <p:strVal val="visible"/>
+                                      </p:to>
+                                    </p:set>
+                                    <p:animEffect transition="in" filter="fade">
+                                      <p:cBhvr>
+                                        <p:cTn id="15" dur="500"/>
+                                        <p:tgtEl>
+                                          <p:spTgt spid="6">
+                                            <p:txEl>
+                                              <p:pRg st="0" end="0"/>
+                                            </p:txEl>
+                                          </p:spTgt>
+                                        </p:tgtEl>
+                                      </p:cBhvr>
+                                    </p:animEffect>
+                                  </p:childTnLst>
+                                </p:cTn>
+                              </p:par>
+                              <p:par>
+                                <p:cTn id="16" presetID="10" presetClass="entr" presetSubtype="0" fill="hold" grpId="0" nodeType="withEffect">
+                                  <p:stCondLst>
+                                    <p:cond delay="0"/>
+                                  </p:stCondLst>
+                                  <p:childTnLst>
+                                    <p:set>
+                                      <p:cBhvr>
+                                        <p:cTn id="17" dur="1" fill="hold">
+                                          <p:stCondLst>
+                                            <p:cond delay="0"/>
+                                          </p:stCondLst>
+                                        </p:cTn>
+                                        <p:tgtEl>
+                                          <p:spTgt spid="6">
+                                            <p:txEl>
+                                              <p:pRg st="1" end="1"/>
+                                            </p:txEl>
+                                          </p:spTgt>
+                                        </p:tgtEl>
+                                        <p:attrNameLst>
+                                          <p:attrName>style.visibility</p:attrName>
+                                        </p:attrNameLst>
+                                      </p:cBhvr>
+                                      <p:to>
+                                        <p:strVal val="visible"/>
+                                      </p:to>
+                                    </p:set>
+                                    <p:animEffect transition="in" filter="fade">
+                                      <p:cBhvr>
+                                        <p:cTn id="18" dur="500"/>
+                                        <p:tgtEl>
+                                          <p:spTgt spid="6">
+                                            <p:txEl>
+                                              <p:pRg st="1" end="1"/>
+                                            </p:txEl>
+                                          </p:spTgt>
+                                        </p:tgtEl>
+                                      </p:cBhvr>
+                                    </p:animEffect>
+                                  </p:childTnLst>
+                                </p:cTn>
+                              </p:par>
+                              <p:par>
+                                <p:cTn id="19" presetID="10" presetClass="entr" presetSubtype="0" fill="hold" grpId="0" nodeType="withEffect">
+                                  <p:stCondLst>
+                                    <p:cond delay="0"/>
+                                  </p:stCondLst>
+                                  <p:childTnLst>
+                                    <p:set>
+                                      <p:cBhvr>
+                                        <p:cTn id="20" dur="1" fill="hold">
+                                          <p:stCondLst>
+                                            <p:cond delay="0"/>
+                                          </p:stCondLst>
+                                        </p:cTn>
+                                        <p:tgtEl>
+                                          <p:spTgt spid="6">
+                                            <p:txEl>
+                                              <p:pRg st="2" end="2"/>
+                                            </p:txEl>
+                                          </p:spTgt>
+                                        </p:tgtEl>
+                                        <p:attrNameLst>
+                                          <p:attrName>style.visibility</p:attrName>
+                                        </p:attrNameLst>
+                                      </p:cBhvr>
+                                      <p:to>
+                                        <p:strVal val="visible"/>
+                                      </p:to>
+                                    </p:set>
+                                    <p:animEffect transition="in" filter="fade">
+                                      <p:cBhvr>
+                                        <p:cTn id="21" dur="500"/>
+                                        <p:tgtEl>
+                                          <p:spTgt spid="6">
+                                            <p:txEl>
+                                              <p:pRg st="2" end="2"/>
+                                            </p:txEl>
+                                          </p:spTgt>
+                                        </p:tgtEl>
+                                      </p:cBhvr>
+                                    </p:animEffect>
+                                  </p:childTnLst>
+                                </p:cTn>
+                              </p:par>
+                              <p:par>
+                                <p:cTn id="22" presetID="10" presetClass="entr" presetSubtype="0" fill="hold" grpId="0" nodeType="withEffect">
+                                  <p:stCondLst>
+                                    <p:cond delay="0"/>
+                                  </p:stCondLst>
+                                  <p:childTnLst>
+                                    <p:set>
+                                      <p:cBhvr>
+                                        <p:cTn id="23" dur="1" fill="hold">
+                                          <p:stCondLst>
+                                            <p:cond delay="0"/>
+                                          </p:stCondLst>
+                                        </p:cTn>
+                                        <p:tgtEl>
+                                          <p:spTgt spid="6">
+                                            <p:txEl>
+                                              <p:pRg st="3" end="3"/>
+                                            </p:txEl>
+                                          </p:spTgt>
+                                        </p:tgtEl>
+                                        <p:attrNameLst>
+                                          <p:attrName>style.visibility</p:attrName>
+                                        </p:attrNameLst>
+                                      </p:cBhvr>
+                                      <p:to>
+                                        <p:strVal val="visible"/>
+                                      </p:to>
+                                    </p:set>
+                                    <p:animEffect transition="in" filter="fade">
+                                      <p:cBhvr>
+                                        <p:cTn id="24" dur="500"/>
+                                        <p:tgtEl>
+                                          <p:spTgt spid="6">
+                                            <p:txEl>
+                                              <p:pRg st="3" end="3"/>
+                                            </p:txEl>
+                                          </p:spTgt>
+                                        </p:tgtEl>
+                                      </p:cBhvr>
+                                    </p:animEffect>
+                                  </p:childTnLst>
+                                </p:cTn>
+                              </p:par>
+                              <p:par>
+                                <p:cTn id="25" presetID="10" presetClass="entr" presetSubtype="0" fill="hold" grpId="0" nodeType="withEffect">
+                                  <p:stCondLst>
+                                    <p:cond delay="0"/>
+                                  </p:stCondLst>
+                                  <p:childTnLst>
+                                    <p:set>
+                                      <p:cBhvr>
+                                        <p:cTn id="26" dur="1" fill="hold">
+                                          <p:stCondLst>
+                                            <p:cond delay="0"/>
+                                          </p:stCondLst>
+                                        </p:cTn>
+                                        <p:tgtEl>
+                                          <p:spTgt spid="6">
+                                            <p:txEl>
+                                              <p:pRg st="4" end="4"/>
+                                            </p:txEl>
+                                          </p:spTgt>
+                                        </p:tgtEl>
+                                        <p:attrNameLst>
+                                          <p:attrName>style.visibility</p:attrName>
+                                        </p:attrNameLst>
+                                      </p:cBhvr>
+                                      <p:to>
+                                        <p:strVal val="visible"/>
+                                      </p:to>
+                                    </p:set>
+                                    <p:animEffect transition="in" filter="fade">
+                                      <p:cBhvr>
+                                        <p:cTn id="27" dur="500"/>
+                                        <p:tgtEl>
+                                          <p:spTgt spid="6">
+                                            <p:txEl>
+                                              <p:pRg st="4" end="4"/>
+                                            </p:txEl>
+                                          </p:spTgt>
+                                        </p:tgtEl>
+                                      </p:cBhvr>
+                                    </p:animEffect>
+                                  </p:childTnLst>
+                                </p:cTn>
+                              </p:par>
+                              <p:par>
+                                <p:cTn id="28" presetID="10" presetClass="entr" presetSubtype="0" fill="hold" grpId="0" nodeType="withEffect">
+                                  <p:stCondLst>
+                                    <p:cond delay="0"/>
+                                  </p:stCondLst>
+                                  <p:childTnLst>
+                                    <p:set>
+                                      <p:cBhvr>
+                                        <p:cTn id="29" dur="1" fill="hold">
+                                          <p:stCondLst>
+                                            <p:cond delay="0"/>
+                                          </p:stCondLst>
+                                        </p:cTn>
+                                        <p:tgtEl>
+                                          <p:spTgt spid="6">
+                                            <p:txEl>
+                                              <p:pRg st="5" end="5"/>
+                                            </p:txEl>
+                                          </p:spTgt>
+                                        </p:tgtEl>
+                                        <p:attrNameLst>
+                                          <p:attrName>style.visibility</p:attrName>
+                                        </p:attrNameLst>
+                                      </p:cBhvr>
+                                      <p:to>
+                                        <p:strVal val="visible"/>
+                                      </p:to>
+                                    </p:set>
+                                    <p:animEffect transition="in" filter="fade">
+                                      <p:cBhvr>
+                                        <p:cTn id="30" dur="500"/>
+                                        <p:tgtEl>
+                                          <p:spTgt spid="6">
+                                            <p:txEl>
+                                              <p:pRg st="5" end="5"/>
+                                            </p:txEl>
+                                          </p:spTgt>
+                                        </p:tgtEl>
+                                      </p:cBhvr>
+                                    </p:animEffect>
+                                  </p:childTnLst>
+                                </p:cTn>
+                              </p:par>
+                              <p:par>
+                                <p:cTn id="31" presetID="10" presetClass="entr" presetSubtype="0" fill="hold" grpId="0" nodeType="withEffect">
+                                  <p:stCondLst>
+                                    <p:cond delay="0"/>
+                                  </p:stCondLst>
+                                  <p:childTnLst>
+                                    <p:set>
+                                      <p:cBhvr>
+                                        <p:cTn id="32" dur="1" fill="hold">
+                                          <p:stCondLst>
+                                            <p:cond delay="0"/>
+                                          </p:stCondLst>
+                                        </p:cTn>
+                                        <p:tgtEl>
+                                          <p:spTgt spid="6">
+                                            <p:txEl>
+                                              <p:pRg st="6" end="6"/>
+                                            </p:txEl>
+                                          </p:spTgt>
+                                        </p:tgtEl>
+                                        <p:attrNameLst>
+                                          <p:attrName>style.visibility</p:attrName>
+                                        </p:attrNameLst>
+                                      </p:cBhvr>
+                                      <p:to>
+                                        <p:strVal val="visible"/>
+                                      </p:to>
+                                    </p:set>
+                                    <p:animEffect transition="in" filter="fade">
+                                      <p:cBhvr>
+                                        <p:cTn id="33" dur="500"/>
+                                        <p:tgtEl>
+                                          <p:spTgt spid="6">
+                                            <p:txEl>
+                                              <p:pRg st="6" end="6"/>
+                                            </p:txEl>
+                                          </p:spTgt>
+                                        </p:tgtEl>
+                                      </p:cBhvr>
+                                    </p:animEffect>
+                                  </p:childTnLst>
+                                </p:cTn>
+                              </p:par>
+                              <p:par>
+                                <p:cTn id="34" presetID="10" presetClass="entr" presetSubtype="0" fill="hold" grpId="0" nodeType="withEffect">
+                                  <p:stCondLst>
+                                    <p:cond delay="0"/>
+                                  </p:stCondLst>
+                                  <p:childTnLst>
+                                    <p:set>
+                                      <p:cBhvr>
+                                        <p:cTn id="35" dur="1" fill="hold">
+                                          <p:stCondLst>
+                                            <p:cond delay="0"/>
+                                          </p:stCondLst>
+                                        </p:cTn>
+                                        <p:tgtEl>
+                                          <p:spTgt spid="6">
+                                            <p:txEl>
+                                              <p:pRg st="7" end="7"/>
+                                            </p:txEl>
+                                          </p:spTgt>
+                                        </p:tgtEl>
+                                        <p:attrNameLst>
+                                          <p:attrName>style.visibility</p:attrName>
+                                        </p:attrNameLst>
+                                      </p:cBhvr>
+                                      <p:to>
+                                        <p:strVal val="visible"/>
+                                      </p:to>
+                                    </p:set>
+                                    <p:animEffect transition="in" filter="fade">
+                                      <p:cBhvr>
+                                        <p:cTn id="36" dur="500"/>
+                                        <p:tgtEl>
+                                          <p:spTgt spid="6">
+                                            <p:txEl>
+                                              <p:pRg st="7" end="7"/>
+                                            </p:txEl>
+                                          </p:spTgt>
+                                        </p:tgtEl>
+                                      </p:cBhvr>
+                                    </p:animEffect>
+                                  </p:childTnLst>
+                                </p:cTn>
+                              </p:par>
+                            </p:childTnLst>
+                          </p:cTn>
+                        </p:par>
+                      </p:childTnLst>
+                    </p:cTn>
+                  </p:par>
+                </p:childTnLst>
+              </p:cTn>
+              <p:prevCondLst>
+                <p:cond evt="onPrev" delay="0">
+                  <p:tgtEl>
+                    <p:sldTgt/>
+                  </p:tgtEl>
+                </p:cond>
+              </p:prevCondLst>
+              <p:nextCondLst>
+                <p:cond evt="onNext" delay="0">
+                  <p:tgtEl>
+                    <p:sldTgt/>
+                  </p:tgtEl>
+                </p:cond>
+              </p:nextCondLst>
+            </p:seq>
+          </p:childTnLst>
+        </p:cTn>
+      </p:par>
+    </p:tnLst>
+    <p:bldLst>
+      <p:bldP spid="5" grpId="0"/>
+      <p:bldP spid="6" grpId="0" build="p"/>
+      <p:bldP spid="7" grpId="0"/>
+    </p:bldLst>
+  </p:timing>
+</p:sld>
+</file>
+
+<file path=ppt/slides/slide6.xml><?xml version="1.0" encoding="utf-8"?>
+<p:sld xmlns:a="http://schemas.openxmlformats.org/drawingml/2006/main" xmlns:r="http://schemas.openxmlformats.org/officeDocument/2006/relationships" xmlns:p="http://schemas.openxmlformats.org/presentationml/2006/main">
+  <p:cSld>
+    <p:spTree>
+      <p:nvGrpSpPr>
+        <p:cNvPr id="1" name=""/>
+        <p:cNvGrpSpPr/>
+        <p:nvPr/>
+      </p:nvGrpSpPr>
+      <p:grpSpPr>
+        <a:xfrm>
+          <a:off x="0" y="0"/>
+          <a:ext cx="0" cy="0"/>
+          <a:chOff x="0" y="0"/>
+          <a:chExt cx="0" cy="0"/>
+        </a:xfrm>
+      </p:grpSpPr>
+      <p:sp>
+        <p:nvSpPr>
+          <p:cNvPr id="2" name="Title 1"/>
+          <p:cNvSpPr>
+            <a:spLocks noGrp="1"/>
+          </p:cNvSpPr>
+          <p:nvPr>
+            <p:ph type="title"/>
+          </p:nvPr>
+        </p:nvSpPr>
+        <p:spPr/>
+        <p:txBody>
+          <a:bodyPr/>
+          <a:lstStyle/>
+          <a:p>
+            <a:r>
+              <a:rPr lang="en-US" dirty="0" smtClean="0"/>
+              <a:t>Preferred </a:t>
+            </a:r>
+            <a:r>
+              <a:rPr lang="en-US" dirty="0" smtClean="0"/>
+              <a:t>Formats</a:t>
+            </a:r>
+            <a:endParaRPr lang="en-US" dirty="0"/>
+          </a:p>
+        </p:txBody>
+      </p:sp>
+      <p:sp>
+        <p:nvSpPr>
+          <p:cNvPr id="5" name="Content Placeholder 2"/>
+          <p:cNvSpPr txBox="1">
+            <a:spLocks/>
+          </p:cNvSpPr>
+          <p:nvPr/>
+        </p:nvSpPr>
+        <p:spPr>
+          <a:xfrm>
+            <a:off x="7153276" y="1851970"/>
+            <a:ext cx="2935502" cy="1488419"/>
+          </a:xfrm>
+          <a:prstGeom prst="rect">
+            <a:avLst/>
+          </a:prstGeom>
+        </p:spPr>
+        <p:txBody>
+          <a:bodyPr vert="horz" lIns="91440" tIns="45720" rIns="91440" bIns="45720" rtlCol="0">
+            <a:normAutofit/>
+          </a:bodyPr>
+          <a:lstStyle>
+            <a:lvl1pPr marL="228600" indent="-228600" algn="l" defTabSz="914400" rtl="0" eaLnBrk="1" latinLnBrk="0" hangingPunct="1">
+              <a:lnSpc>
+                <a:spcPct val="90000"/>
+              </a:lnSpc>
+              <a:spcBef>
+                <a:spcPts val="1000"/>
+              </a:spcBef>
+              <a:buFont typeface="Arial" panose="020B0604020202020204" pitchFamily="34" charset="0"/>
+              <a:buChar char="•"/>
+              <a:defRPr sz="2400" kern="1200">
+                <a:solidFill>
+                  <a:schemeClr val="tx1"/>
+                </a:solidFill>
+                <a:latin typeface="+mn-lt"/>
+                <a:ea typeface="+mn-ea"/>
+                <a:cs typeface="+mn-cs"/>
+              </a:defRPr>
+            </a:lvl1pPr>
+            <a:lvl2pPr marL="685800" indent="-228600" algn="l" defTabSz="914400" rtl="0" eaLnBrk="1" latinLnBrk="0" hangingPunct="1">
+              <a:lnSpc>
+                <a:spcPct val="90000"/>
+              </a:lnSpc>
+              <a:spcBef>
+                <a:spcPts val="500"/>
+              </a:spcBef>
+              <a:buFont typeface="Arial" panose="020B0604020202020204" pitchFamily="34" charset="0"/>
+              <a:buChar char="•"/>
+              <a:defRPr sz="2000" kern="1200">
+                <a:solidFill>
+                  <a:schemeClr val="tx1"/>
+                </a:solidFill>
+                <a:latin typeface="+mn-lt"/>
+                <a:ea typeface="+mn-ea"/>
+                <a:cs typeface="+mn-cs"/>
+              </a:defRPr>
+            </a:lvl2pPr>
+            <a:lvl3pPr marL="1143000" indent="-228600" algn="l" defTabSz="914400" rtl="0" eaLnBrk="1" latinLnBrk="0" hangingPunct="1">
+              <a:lnSpc>
+                <a:spcPct val="90000"/>
+              </a:lnSpc>
+              <a:spcBef>
+                <a:spcPts val="500"/>
+              </a:spcBef>
+              <a:buFont typeface="Arial" panose="020B0604020202020204" pitchFamily="34" charset="0"/>
+              <a:buChar char="•"/>
+              <a:defRPr sz="1800" kern="1200">
+                <a:solidFill>
+                  <a:schemeClr val="tx1"/>
+                </a:solidFill>
+                <a:latin typeface="+mn-lt"/>
+                <a:ea typeface="+mn-ea"/>
+                <a:cs typeface="+mn-cs"/>
+              </a:defRPr>
+            </a:lvl3pPr>
+            <a:lvl4pPr marL="1600200" indent="-228600" algn="l" defTabSz="914400" rtl="0" eaLnBrk="1" latinLnBrk="0" hangingPunct="1">
+              <a:lnSpc>
+                <a:spcPct val="90000"/>
+              </a:lnSpc>
+              <a:spcBef>
+                <a:spcPts val="500"/>
+              </a:spcBef>
+              <a:buFont typeface="Arial" panose="020B0604020202020204" pitchFamily="34" charset="0"/>
+              <a:buChar char="•"/>
+              <a:defRPr sz="1600" kern="1200">
+                <a:solidFill>
+                  <a:schemeClr val="tx1"/>
+                </a:solidFill>
+                <a:latin typeface="+mn-lt"/>
+                <a:ea typeface="+mn-ea"/>
+                <a:cs typeface="+mn-cs"/>
+              </a:defRPr>
+            </a:lvl4pPr>
+            <a:lvl5pPr marL="2057400" indent="-228600" algn="l" defTabSz="914400" rtl="0" eaLnBrk="1" latinLnBrk="0" hangingPunct="1">
+              <a:lnSpc>
+                <a:spcPct val="90000"/>
+              </a:lnSpc>
+              <a:spcBef>
+                <a:spcPts val="500"/>
+              </a:spcBef>
+              <a:buFont typeface="Arial" panose="020B0604020202020204" pitchFamily="34" charset="0"/>
+              <a:buChar char="•"/>
+              <a:defRPr sz="1600" kern="1200">
+                <a:solidFill>
+                  <a:schemeClr val="tx1"/>
+                </a:solidFill>
+                <a:latin typeface="+mn-lt"/>
+                <a:ea typeface="+mn-ea"/>
+                <a:cs typeface="+mn-cs"/>
+              </a:defRPr>
+            </a:lvl5pPr>
+            <a:lvl6pPr marL="2514600" indent="-228600" algn="l" defTabSz="914400" rtl="0" eaLnBrk="1" latinLnBrk="0" hangingPunct="1">
+              <a:lnSpc>
+                <a:spcPct val="90000"/>
+              </a:lnSpc>
+              <a:spcBef>
+                <a:spcPts val="500"/>
+              </a:spcBef>
+              <a:buFont typeface="Arial" panose="020B0604020202020204" pitchFamily="34" charset="0"/>
+              <a:buChar char="•"/>
+              <a:defRPr sz="1800" kern="1200">
+                <a:solidFill>
+                  <a:schemeClr val="tx1"/>
+                </a:solidFill>
+                <a:latin typeface="+mn-lt"/>
+                <a:ea typeface="+mn-ea"/>
+                <a:cs typeface="+mn-cs"/>
+              </a:defRPr>
+            </a:lvl6pPr>
+            <a:lvl7pPr marL="2971800" indent="-228600" algn="l" defTabSz="914400" rtl="0" eaLnBrk="1" latinLnBrk="0" hangingPunct="1">
+              <a:lnSpc>
+                <a:spcPct val="90000"/>
+              </a:lnSpc>
+              <a:spcBef>
+                <a:spcPts val="500"/>
+              </a:spcBef>
+              <a:buFont typeface="Arial" panose="020B0604020202020204" pitchFamily="34" charset="0"/>
+              <a:buChar char="•"/>
+              <a:defRPr sz="1800" kern="1200">
+                <a:solidFill>
+                  <a:schemeClr val="tx1"/>
+                </a:solidFill>
+                <a:latin typeface="+mn-lt"/>
+                <a:ea typeface="+mn-ea"/>
+                <a:cs typeface="+mn-cs"/>
+              </a:defRPr>
+            </a:lvl7pPr>
+            <a:lvl8pPr marL="3429000" indent="-228600" algn="l" defTabSz="914400" rtl="0" eaLnBrk="1" latinLnBrk="0" hangingPunct="1">
+              <a:lnSpc>
+                <a:spcPct val="90000"/>
+              </a:lnSpc>
+              <a:spcBef>
+                <a:spcPts val="500"/>
+              </a:spcBef>
+              <a:buFont typeface="Arial" panose="020B0604020202020204" pitchFamily="34" charset="0"/>
+              <a:buChar char="•"/>
+              <a:defRPr sz="1800" kern="1200">
+                <a:solidFill>
+                  <a:schemeClr val="tx1"/>
+                </a:solidFill>
+                <a:latin typeface="+mn-lt"/>
+                <a:ea typeface="+mn-ea"/>
+                <a:cs typeface="+mn-cs"/>
+              </a:defRPr>
+            </a:lvl8pPr>
+            <a:lvl9pPr marL="3886200" indent="-228600" algn="l" defTabSz="914400" rtl="0" eaLnBrk="1" latinLnBrk="0" hangingPunct="1">
+              <a:lnSpc>
+                <a:spcPct val="90000"/>
+              </a:lnSpc>
+              <a:spcBef>
+                <a:spcPts val="500"/>
+              </a:spcBef>
+              <a:buFont typeface="Arial" panose="020B0604020202020204" pitchFamily="34" charset="0"/>
+              <a:buChar char="•"/>
+              <a:defRPr sz="1800" kern="1200">
+                <a:solidFill>
+                  <a:schemeClr val="tx1"/>
+                </a:solidFill>
+                <a:latin typeface="+mn-lt"/>
+                <a:ea typeface="+mn-ea"/>
+                <a:cs typeface="+mn-cs"/>
+              </a:defRPr>
+            </a:lvl9pPr>
+          </a:lstStyle>
+          <a:p>
+            <a:pPr marL="0" indent="0">
+              <a:buNone/>
+            </a:pPr>
+            <a:r>
+              <a:rPr lang="en-US" dirty="0"/>
+              <a:t>General formats</a:t>
+            </a:r>
+          </a:p>
+          <a:p>
+            <a:pPr lvl="1"/>
+            <a:r>
+              <a:rPr lang="en-US" dirty="0">
+                <a:solidFill>
+                  <a:srgbClr val="FF0000"/>
+                </a:solidFill>
+              </a:rPr>
+              <a:t>p</a:t>
+            </a:r>
+            <a:r>
+              <a:rPr lang="en-US" dirty="0">
+                <a:solidFill>
+                  <a:srgbClr val="FF0000"/>
+                </a:solidFill>
+              </a:rPr>
+              <a:t>roprietary</a:t>
+            </a:r>
+          </a:p>
+          <a:p>
+            <a:pPr lvl="1"/>
+            <a:r>
+              <a:rPr lang="en-US" dirty="0"/>
+              <a:t>mixed </a:t>
+            </a:r>
+          </a:p>
+          <a:p>
+            <a:pPr lvl="1"/>
+            <a:r>
+              <a:rPr lang="en-US" dirty="0">
+                <a:solidFill>
+                  <a:schemeClr val="accent6">
+                    <a:lumMod val="75000"/>
+                  </a:schemeClr>
+                </a:solidFill>
+              </a:rPr>
+              <a:t>o</a:t>
+            </a:r>
+            <a:r>
+              <a:rPr lang="en-US" dirty="0">
+                <a:solidFill>
+                  <a:schemeClr val="accent6">
+                    <a:lumMod val="75000"/>
+                  </a:schemeClr>
+                </a:solidFill>
+              </a:rPr>
+              <a:t>pen</a:t>
+            </a:r>
+            <a:r>
+              <a:rPr lang="en-US" dirty="0"/>
+              <a:t> </a:t>
+            </a:r>
+          </a:p>
+          <a:p>
+            <a:pPr marL="0" indent="0">
+              <a:buNone/>
+            </a:pPr>
+            <a:endParaRPr lang="en-US" dirty="0"/>
+          </a:p>
+          <a:p>
+            <a:pPr marL="0" indent="0">
+              <a:buNone/>
+            </a:pPr>
+            <a:endParaRPr lang="en-US" dirty="0"/>
+          </a:p>
+        </p:txBody>
+      </p:sp>
+      <p:sp>
+        <p:nvSpPr>
+          <p:cNvPr id="6" name="Content Placeholder 5"/>
+          <p:cNvSpPr>
+            <a:spLocks noGrp="1"/>
+          </p:cNvSpPr>
+          <p:nvPr>
+            <p:ph sz="half" idx="1"/>
+          </p:nvPr>
+        </p:nvSpPr>
+        <p:spPr>
+          <a:xfrm>
+            <a:off x="2320238" y="1851969"/>
+            <a:ext cx="4827630" cy="3397400"/>
+          </a:xfrm>
+        </p:spPr>
+        <p:txBody>
+          <a:bodyPr>
+            <a:normAutofit/>
+          </a:bodyPr>
+          <a:lstStyle/>
+          <a:p>
+            <a:r>
+              <a:rPr lang="en-US" sz="2000" dirty="0"/>
+              <a:t>Text: 		</a:t>
+            </a:r>
+            <a:r>
+              <a:rPr lang="en-US" sz="2000" dirty="0">
+                <a:solidFill>
+                  <a:srgbClr val="FF0000"/>
+                </a:solidFill>
+              </a:rPr>
+              <a:t>doc</a:t>
+            </a:r>
+            <a:r>
+              <a:rPr lang="en-US" sz="2000" dirty="0"/>
+              <a:t>, </a:t>
+            </a:r>
+            <a:r>
+              <a:rPr lang="en-US" sz="2000" dirty="0" err="1"/>
+              <a:t>docx</a:t>
+            </a:r>
+            <a:r>
+              <a:rPr lang="en-US" sz="2000" dirty="0"/>
+              <a:t>, </a:t>
+            </a:r>
+            <a:r>
+              <a:rPr lang="en-US" sz="2000" dirty="0">
+                <a:solidFill>
+                  <a:schemeClr val="accent6">
+                    <a:lumMod val="75000"/>
+                  </a:schemeClr>
+                </a:solidFill>
+              </a:rPr>
+              <a:t>rtf</a:t>
+            </a:r>
+            <a:r>
+              <a:rPr lang="en-US" sz="2000" dirty="0"/>
+              <a:t>, </a:t>
+            </a:r>
+            <a:r>
+              <a:rPr lang="en-US" sz="2000" dirty="0" err="1">
+                <a:solidFill>
+                  <a:schemeClr val="accent6">
+                    <a:lumMod val="75000"/>
+                  </a:schemeClr>
+                </a:solidFill>
+              </a:rPr>
+              <a:t>odt</a:t>
+            </a:r>
+            <a:r>
+              <a:rPr lang="en-US" sz="2000" dirty="0"/>
+              <a:t>, </a:t>
+            </a:r>
+            <a:r>
+              <a:rPr lang="en-US" sz="2000" dirty="0">
+                <a:solidFill>
+                  <a:srgbClr val="FF0000"/>
+                </a:solidFill>
+              </a:rPr>
+              <a:t>pages</a:t>
+            </a:r>
+          </a:p>
+          <a:p>
+            <a:r>
+              <a:rPr lang="en-US" sz="2000" dirty="0"/>
+              <a:t>Tabular: 	</a:t>
+            </a:r>
+            <a:r>
+              <a:rPr lang="en-US" sz="2000" dirty="0" err="1">
+                <a:solidFill>
+                  <a:srgbClr val="FF0000"/>
+                </a:solidFill>
+              </a:rPr>
+              <a:t>xls</a:t>
+            </a:r>
+            <a:r>
+              <a:rPr lang="en-US" sz="2000" dirty="0"/>
+              <a:t>, </a:t>
+            </a:r>
+            <a:r>
+              <a:rPr lang="en-US" sz="2000" dirty="0" err="1"/>
+              <a:t>xlsx</a:t>
+            </a:r>
+            <a:r>
+              <a:rPr lang="en-US" sz="2000" dirty="0"/>
+              <a:t>, </a:t>
+            </a:r>
+            <a:r>
+              <a:rPr lang="en-US" sz="2000" dirty="0">
+                <a:solidFill>
+                  <a:srgbClr val="FF0000"/>
+                </a:solidFill>
+              </a:rPr>
+              <a:t>numbers</a:t>
+            </a:r>
+            <a:r>
+              <a:rPr lang="en-US" sz="2000" dirty="0"/>
+              <a:t>, dbf</a:t>
+            </a:r>
+          </a:p>
+          <a:p>
+            <a:r>
+              <a:rPr lang="en-US" sz="2000" dirty="0"/>
+              <a:t>Stat:		</a:t>
+            </a:r>
+            <a:r>
+              <a:rPr lang="en-US" sz="2000" dirty="0" err="1">
+                <a:solidFill>
+                  <a:srgbClr val="FF0000"/>
+                </a:solidFill>
+              </a:rPr>
+              <a:t>sas</a:t>
+            </a:r>
+            <a:r>
+              <a:rPr lang="en-US" sz="2000" dirty="0"/>
+              <a:t>, </a:t>
+            </a:r>
+            <a:r>
+              <a:rPr lang="en-US" sz="2000" dirty="0" err="1">
+                <a:solidFill>
+                  <a:schemeClr val="accent6">
+                    <a:lumMod val="75000"/>
+                  </a:schemeClr>
+                </a:solidFill>
+              </a:rPr>
+              <a:t>jmp</a:t>
+            </a:r>
+            <a:r>
+              <a:rPr lang="en-US" sz="2000" dirty="0"/>
+              <a:t>,</a:t>
+            </a:r>
+            <a:r>
+              <a:rPr lang="en-US" sz="2000" dirty="0">
+                <a:solidFill>
+                  <a:schemeClr val="accent6">
+                    <a:lumMod val="75000"/>
+                  </a:schemeClr>
+                </a:solidFill>
+              </a:rPr>
+              <a:t> </a:t>
+            </a:r>
+            <a:r>
+              <a:rPr lang="en-US" sz="2000" dirty="0" err="1">
+                <a:solidFill>
+                  <a:schemeClr val="accent6">
+                    <a:lumMod val="75000"/>
+                  </a:schemeClr>
+                </a:solidFill>
+              </a:rPr>
+              <a:t>rdata</a:t>
+            </a:r>
+            <a:endParaRPr lang="en-US" sz="2000" dirty="0">
+              <a:solidFill>
+                <a:schemeClr val="accent6">
+                  <a:lumMod val="75000"/>
+                </a:schemeClr>
+              </a:solidFill>
+            </a:endParaRPr>
+          </a:p>
+          <a:p>
+            <a:r>
+              <a:rPr lang="en-US" sz="2000" dirty="0"/>
+              <a:t>Images: 	</a:t>
+            </a:r>
+            <a:r>
+              <a:rPr lang="en-US" sz="2000" u="sng" dirty="0"/>
+              <a:t>jpg</a:t>
+            </a:r>
+            <a:r>
+              <a:rPr lang="en-US" sz="2000" dirty="0"/>
+              <a:t>, </a:t>
+            </a:r>
+            <a:r>
+              <a:rPr lang="en-US" sz="2000" dirty="0">
+                <a:solidFill>
+                  <a:schemeClr val="accent6">
+                    <a:lumMod val="75000"/>
+                  </a:schemeClr>
+                </a:solidFill>
+              </a:rPr>
+              <a:t>tiff</a:t>
+            </a:r>
+            <a:r>
+              <a:rPr lang="en-US" sz="2000" dirty="0"/>
+              <a:t>, </a:t>
+            </a:r>
+            <a:r>
+              <a:rPr lang="en-US" sz="2000" dirty="0" err="1">
+                <a:solidFill>
+                  <a:schemeClr val="accent6">
+                    <a:lumMod val="75000"/>
+                  </a:schemeClr>
+                </a:solidFill>
+              </a:rPr>
+              <a:t>svg</a:t>
+            </a:r>
+            <a:r>
+              <a:rPr lang="en-US" sz="2000" dirty="0"/>
+              <a:t>, </a:t>
+            </a:r>
+            <a:r>
+              <a:rPr lang="en-US" sz="2000" dirty="0" err="1">
+                <a:solidFill>
+                  <a:schemeClr val="accent6">
+                    <a:lumMod val="75000"/>
+                  </a:schemeClr>
+                </a:solidFill>
+              </a:rPr>
+              <a:t>png</a:t>
+            </a:r>
+            <a:r>
+              <a:rPr lang="en-US" sz="2000" dirty="0"/>
+              <a:t>, </a:t>
+            </a:r>
+            <a:r>
+              <a:rPr lang="en-US" sz="2000" u="sng" dirty="0">
+                <a:solidFill>
+                  <a:srgbClr val="FF0000"/>
+                </a:solidFill>
+              </a:rPr>
+              <a:t>gif</a:t>
+            </a:r>
+            <a:r>
+              <a:rPr lang="en-US" sz="2000" dirty="0"/>
+              <a:t>, </a:t>
+            </a:r>
+            <a:r>
+              <a:rPr lang="en-US" sz="2000" u="sng" dirty="0">
+                <a:solidFill>
+                  <a:schemeClr val="accent6">
+                    <a:lumMod val="75000"/>
+                  </a:schemeClr>
+                </a:solidFill>
+              </a:rPr>
+              <a:t>bmp</a:t>
+            </a:r>
+          </a:p>
+          <a:p>
+            <a:r>
+              <a:rPr lang="en-US" sz="2000" dirty="0"/>
+              <a:t>Geographic:	</a:t>
+            </a:r>
+            <a:r>
+              <a:rPr lang="en-US" sz="2000" dirty="0" err="1">
+                <a:solidFill>
+                  <a:srgbClr val="FF0000"/>
+                </a:solidFill>
+              </a:rPr>
+              <a:t>shp</a:t>
+            </a:r>
+            <a:r>
+              <a:rPr lang="en-US" sz="2000" dirty="0"/>
+              <a:t>, </a:t>
+            </a:r>
+            <a:r>
+              <a:rPr lang="en-US" sz="2000" dirty="0" err="1">
+                <a:solidFill>
+                  <a:schemeClr val="accent6">
+                    <a:lumMod val="75000"/>
+                  </a:schemeClr>
+                </a:solidFill>
+              </a:rPr>
+              <a:t>geotiff</a:t>
+            </a:r>
+            <a:r>
+              <a:rPr lang="en-US" sz="2000" dirty="0"/>
+              <a:t>, </a:t>
+            </a:r>
+            <a:r>
+              <a:rPr lang="en-US" sz="2000" dirty="0" err="1">
+                <a:solidFill>
+                  <a:schemeClr val="accent6">
+                    <a:lumMod val="75000"/>
+                  </a:schemeClr>
+                </a:solidFill>
+              </a:rPr>
+              <a:t>kml</a:t>
+            </a:r>
+            <a:r>
+              <a:rPr lang="en-US" sz="2000" dirty="0"/>
+              <a:t>, </a:t>
+            </a:r>
+            <a:r>
+              <a:rPr lang="en-US" sz="2000" dirty="0" err="1">
+                <a:solidFill>
+                  <a:schemeClr val="accent6">
+                    <a:lumMod val="75000"/>
+                  </a:schemeClr>
+                </a:solidFill>
+              </a:rPr>
+              <a:t>kmz</a:t>
+            </a:r>
+            <a:r>
+              <a:rPr lang="en-US" sz="2000" dirty="0"/>
+              <a:t>, </a:t>
+            </a:r>
+            <a:r>
+              <a:rPr lang="en-US" sz="2000" dirty="0" err="1">
+                <a:solidFill>
+                  <a:srgbClr val="FF0000"/>
+                </a:solidFill>
+              </a:rPr>
+              <a:t>gdb</a:t>
+            </a:r>
+            <a:endParaRPr lang="en-US" sz="2000" dirty="0">
+              <a:solidFill>
+                <a:srgbClr val="FF0000"/>
+              </a:solidFill>
+            </a:endParaRPr>
+          </a:p>
+          <a:p>
+            <a:r>
+              <a:rPr lang="en-US" sz="2000" dirty="0"/>
+              <a:t>Video:		</a:t>
+            </a:r>
+            <a:r>
+              <a:rPr lang="en-US" sz="2000" i="1" dirty="0">
+                <a:solidFill>
+                  <a:schemeClr val="accent6">
+                    <a:lumMod val="75000"/>
+                  </a:schemeClr>
+                </a:solidFill>
+              </a:rPr>
+              <a:t>mp4</a:t>
+            </a:r>
+            <a:r>
+              <a:rPr lang="en-US" sz="2000" dirty="0"/>
+              <a:t>, </a:t>
+            </a:r>
+            <a:r>
+              <a:rPr lang="en-US" sz="2000" i="1" dirty="0" err="1">
+                <a:solidFill>
+                  <a:srgbClr val="FF0000"/>
+                </a:solidFill>
+              </a:rPr>
+              <a:t>mov</a:t>
+            </a:r>
+            <a:r>
+              <a:rPr lang="en-US" sz="2000" dirty="0"/>
+              <a:t>, </a:t>
+            </a:r>
+            <a:r>
+              <a:rPr lang="en-US" sz="2000" i="1" dirty="0" err="1">
+                <a:solidFill>
+                  <a:srgbClr val="FF0000"/>
+                </a:solidFill>
+              </a:rPr>
+              <a:t>avi</a:t>
+            </a:r>
+            <a:r>
+              <a:rPr lang="en-US" sz="2000" dirty="0"/>
+              <a:t>, </a:t>
+            </a:r>
+            <a:r>
+              <a:rPr lang="en-US" sz="2000" i="1" u="sng" dirty="0" err="1">
+                <a:solidFill>
+                  <a:schemeClr val="accent6">
+                    <a:lumMod val="75000"/>
+                  </a:schemeClr>
+                </a:solidFill>
+              </a:rPr>
+              <a:t>ogg</a:t>
+            </a:r>
+            <a:endParaRPr lang="en-US" sz="2000" i="1" u="sng" dirty="0">
+              <a:solidFill>
+                <a:schemeClr val="accent6">
+                  <a:lumMod val="75000"/>
+                </a:schemeClr>
+              </a:solidFill>
+            </a:endParaRPr>
+          </a:p>
+          <a:p>
+            <a:r>
+              <a:rPr lang="en-US" sz="2000" dirty="0"/>
+              <a:t>Music:	</a:t>
+            </a:r>
+            <a:r>
+              <a:rPr lang="en-US" sz="2000" u="sng" dirty="0">
+                <a:solidFill>
+                  <a:schemeClr val="accent6">
+                    <a:lumMod val="75000"/>
+                  </a:schemeClr>
+                </a:solidFill>
+              </a:rPr>
+              <a:t>mp3</a:t>
+            </a:r>
+            <a:r>
+              <a:rPr lang="en-US" sz="2000" dirty="0"/>
+              <a:t>, </a:t>
+            </a:r>
+            <a:r>
+              <a:rPr lang="en-US" sz="2000" i="1" dirty="0">
+                <a:solidFill>
+                  <a:srgbClr val="FF0000"/>
+                </a:solidFill>
+              </a:rPr>
+              <a:t>wav</a:t>
+            </a:r>
+            <a:r>
+              <a:rPr lang="en-US" sz="2000" i="1" dirty="0"/>
+              <a:t>,</a:t>
+            </a:r>
+            <a:r>
+              <a:rPr lang="en-US" sz="2000" dirty="0"/>
+              <a:t> </a:t>
+            </a:r>
+            <a:r>
+              <a:rPr lang="en-US" sz="2000" i="1" dirty="0">
+                <a:solidFill>
+                  <a:schemeClr val="accent6">
+                    <a:lumMod val="75000"/>
+                  </a:schemeClr>
+                </a:solidFill>
+              </a:rPr>
+              <a:t>m4a</a:t>
+            </a:r>
+            <a:r>
+              <a:rPr lang="en-US" sz="2000" i="1" dirty="0"/>
+              <a:t>, </a:t>
+            </a:r>
+            <a:r>
+              <a:rPr lang="en-US" sz="2000" i="1" dirty="0" err="1">
+                <a:solidFill>
+                  <a:srgbClr val="FF0000"/>
+                </a:solidFill>
+              </a:rPr>
+              <a:t>aiff</a:t>
+            </a:r>
+            <a:endParaRPr lang="en-US" sz="2000" i="1" dirty="0">
+              <a:solidFill>
+                <a:srgbClr val="FF0000"/>
+              </a:solidFill>
+            </a:endParaRPr>
+          </a:p>
+          <a:p>
+            <a:r>
+              <a:rPr lang="en-US" sz="2000" dirty="0"/>
+              <a:t>Plain text:	</a:t>
+            </a:r>
+            <a:r>
+              <a:rPr lang="en-US" sz="2000" dirty="0">
+                <a:solidFill>
+                  <a:schemeClr val="accent6">
+                    <a:lumMod val="75000"/>
+                  </a:schemeClr>
+                </a:solidFill>
+              </a:rPr>
+              <a:t>txt</a:t>
+            </a:r>
+            <a:r>
+              <a:rPr lang="en-US" sz="2000" dirty="0"/>
+              <a:t>, </a:t>
+            </a:r>
+            <a:r>
+              <a:rPr lang="en-US" sz="2000" dirty="0">
+                <a:solidFill>
+                  <a:schemeClr val="accent6">
+                    <a:lumMod val="75000"/>
+                  </a:schemeClr>
+                </a:solidFill>
+              </a:rPr>
+              <a:t>csv</a:t>
+            </a:r>
+            <a:r>
+              <a:rPr lang="en-US" sz="2000" dirty="0"/>
+              <a:t>, </a:t>
+            </a:r>
+            <a:r>
+              <a:rPr lang="en-US" sz="2000" dirty="0" err="1">
+                <a:solidFill>
+                  <a:schemeClr val="accent6">
+                    <a:lumMod val="75000"/>
+                  </a:schemeClr>
+                </a:solidFill>
+              </a:rPr>
+              <a:t>json</a:t>
+            </a:r>
+            <a:r>
+              <a:rPr lang="en-US" sz="2000" dirty="0"/>
+              <a:t>, </a:t>
+            </a:r>
+            <a:r>
+              <a:rPr lang="en-US" sz="2000" dirty="0">
+                <a:solidFill>
+                  <a:schemeClr val="accent6">
+                    <a:lumMod val="75000"/>
+                  </a:schemeClr>
+                </a:solidFill>
+              </a:rPr>
+              <a:t>html</a:t>
+            </a:r>
+            <a:r>
+              <a:rPr lang="en-US" sz="2000" dirty="0"/>
+              <a:t>, </a:t>
+            </a:r>
+            <a:r>
+              <a:rPr lang="en-US" sz="2000" dirty="0">
+                <a:solidFill>
+                  <a:schemeClr val="accent6">
+                    <a:lumMod val="75000"/>
+                  </a:schemeClr>
+                </a:solidFill>
+              </a:rPr>
+              <a:t>xml </a:t>
+            </a:r>
+            <a:endParaRPr lang="en-US" sz="2000" dirty="0">
+              <a:solidFill>
+                <a:schemeClr val="accent6">
+                  <a:lumMod val="75000"/>
+                </a:schemeClr>
+              </a:solidFill>
+            </a:endParaRPr>
+          </a:p>
+        </p:txBody>
+      </p:sp>
+      <p:sp>
+        <p:nvSpPr>
+          <p:cNvPr id="7" name="Rectangle 6"/>
+          <p:cNvSpPr/>
+          <p:nvPr/>
+        </p:nvSpPr>
+        <p:spPr>
+          <a:xfrm>
+            <a:off x="7153276" y="3641822"/>
+            <a:ext cx="2402616" cy="1384995"/>
+          </a:xfrm>
+          <a:prstGeom prst="rect">
+            <a:avLst/>
+          </a:prstGeom>
+        </p:spPr>
+        <p:txBody>
+          <a:bodyPr wrap="square">
+            <a:spAutoFit/>
+          </a:bodyPr>
+          <a:lstStyle/>
+          <a:p>
+            <a:r>
+              <a:rPr lang="en-US" sz="2400" dirty="0"/>
+              <a:t>Compression</a:t>
+            </a:r>
+          </a:p>
+          <a:p>
+            <a:pPr lvl="1"/>
+            <a:r>
+              <a:rPr lang="en-US" sz="2000" u="sng" dirty="0" err="1"/>
+              <a:t>lossy</a:t>
+            </a:r>
+            <a:endParaRPr lang="en-US" sz="2000" u="sng" dirty="0"/>
+          </a:p>
+          <a:p>
+            <a:pPr lvl="1"/>
+            <a:r>
+              <a:rPr lang="en-US" sz="2000" i="1" dirty="0"/>
+              <a:t>depends</a:t>
+            </a:r>
+            <a:r>
+              <a:rPr lang="en-US" sz="2000" dirty="0"/>
+              <a:t> </a:t>
+            </a:r>
+          </a:p>
+          <a:p>
+            <a:pPr lvl="1"/>
+            <a:r>
+              <a:rPr lang="en-US" sz="2000" dirty="0"/>
+              <a:t>lossless</a:t>
+            </a:r>
+          </a:p>
+        </p:txBody>
+      </p:sp>
+    </p:spTree>
+    <p:extLst>
+      <p:ext uri="{BB962C8B-B14F-4D97-AF65-F5344CB8AC3E}">
+        <p14:creationId xmlns:p14="http://schemas.microsoft.com/office/powerpoint/2010/main" val="496957928"/>
+      </p:ext>
+    </p:extLst>
+  </p:cSld>
+  <p:clrMapOvr>
+    <a:masterClrMapping/>
+  </p:clrMapOvr>
+  <p:timing>
+    <p:tnLst>
+      <p:par>
+        <p:cTn id="1" dur="indefinite" restart="never" nodeType="tmRoot">
+          <p:childTnLst>
+            <p:seq concurrent="1" nextAc="seek">
+              <p:cTn id="2" dur="indefinite" nodeType="mainSeq">
+                <p:childTnLst>
+                  <p:par>
+                    <p:cTn id="3" fill="hold">
+                      <p:stCondLst>
+                        <p:cond delay="indefinite"/>
+                      </p:stCondLst>
+                      <p:childTnLst>
+                        <p:par>
+                          <p:cTn id="4" fill="hold">
+                            <p:stCondLst>
+                              <p:cond delay="0"/>
+                            </p:stCondLst>
+                            <p:childTnLst>
+                              <p:par>
+                                <p:cTn id="5" presetID="10" presetClass="entr" presetSubtype="0" fill="hold" grpId="0" nodeType="clickEffect">
+                                  <p:stCondLst>
+                                    <p:cond delay="0"/>
+                                  </p:stCondLst>
+                                  <p:childTnLst>
+                                    <p:set>
+                                      <p:cBhvr>
+                                        <p:cTn id="6" dur="1" fill="hold">
+                                          <p:stCondLst>
+                                            <p:cond delay="0"/>
+                                          </p:stCondLst>
+                                        </p:cTn>
+                                        <p:tgtEl>
+                                          <p:spTgt spid="5"/>
+                                        </p:tgtEl>
+                                        <p:attrNameLst>
+                                          <p:attrName>style.visibility</p:attrName>
+                                        </p:attrNameLst>
+                                      </p:cBhvr>
+                                      <p:to>
+                                        <p:strVal val="visible"/>
+                                      </p:to>
+                                    </p:set>
+                                    <p:animEffect transition="in" filter="fade">
+                                      <p:cBhvr>
+                                        <p:cTn id="7" dur="2000"/>
+                                        <p:tgtEl>
+                                          <p:spTgt spid="5"/>
+                                        </p:tgtEl>
+                                      </p:cBhvr>
+                                    </p:animEffect>
+                                  </p:childTnLst>
+                                </p:cTn>
+                              </p:par>
+                            </p:childTnLst>
+                          </p:cTn>
+                        </p:par>
+                      </p:childTnLst>
+                    </p:cTn>
+                  </p:par>
+                  <p:par>
+                    <p:cTn id="8" fill="hold">
+                      <p:stCondLst>
+                        <p:cond delay="indefinite"/>
+                      </p:stCondLst>
+                      <p:childTnLst>
+                        <p:par>
+                          <p:cTn id="9" fill="hold">
+                            <p:stCondLst>
+                              <p:cond delay="0"/>
+                            </p:stCondLst>
+                            <p:childTnLst>
+                              <p:par>
+                                <p:cTn id="10" presetID="10" presetClass="entr" presetSubtype="0" fill="hold" grpId="0" nodeType="clickEffect">
+                                  <p:stCondLst>
+                                    <p:cond delay="0"/>
+                                  </p:stCondLst>
+                                  <p:childTnLst>
+                                    <p:set>
+                                      <p:cBhvr>
+                                        <p:cTn id="11" dur="1" fill="hold">
+                                          <p:stCondLst>
+                                            <p:cond delay="0"/>
+                                          </p:stCondLst>
+                                        </p:cTn>
+                                        <p:tgtEl>
+                                          <p:spTgt spid="7"/>
+                                        </p:tgtEl>
+                                        <p:attrNameLst>
+                                          <p:attrName>style.visibility</p:attrName>
+                                        </p:attrNameLst>
+                                      </p:cBhvr>
+                                      <p:to>
+                                        <p:strVal val="visible"/>
+                                      </p:to>
+                                    </p:set>
+                                    <p:animEffect transition="in" filter="fade">
+                                      <p:cBhvr>
+                                        <p:cTn id="12" dur="2000"/>
+                                        <p:tgtEl>
+                                          <p:spTgt spid="7"/>
+                                        </p:tgtEl>
+                                      </p:cBhvr>
+                                    </p:animEffect>
+                                  </p:childTnLst>
+                                </p:cTn>
+                              </p:par>
+                              <p:par>
+                                <p:cTn id="13" presetID="10" presetClass="entr" presetSubtype="0" fill="hold" grpId="0" nodeType="withEffect">
+                                  <p:stCondLst>
+                                    <p:cond delay="0"/>
+                                  </p:stCondLst>
+                                  <p:childTnLst>
+                                    <p:set>
+                                      <p:cBhvr>
+                                        <p:cTn id="14" dur="1" fill="hold">
+                                          <p:stCondLst>
+                                            <p:cond delay="0"/>
+                                          </p:stCondLst>
+                                        </p:cTn>
+                                        <p:tgtEl>
+                                          <p:spTgt spid="6">
+                                            <p:txEl>
+                                              <p:pRg st="0" end="0"/>
+                                            </p:txEl>
+                                          </p:spTgt>
+                                        </p:tgtEl>
+                                        <p:attrNameLst>
+                                          <p:attrName>style.visibility</p:attrName>
+                                        </p:attrNameLst>
+                                      </p:cBhvr>
+                                      <p:to>
+                                        <p:strVal val="visible"/>
+                                      </p:to>
+                                    </p:set>
+                                    <p:animEffect transition="in" filter="fade">
+                                      <p:cBhvr>
+                                        <p:cTn id="15" dur="500"/>
+                                        <p:tgtEl>
+                                          <p:spTgt spid="6">
+                                            <p:txEl>
+                                              <p:pRg st="0" end="0"/>
+                                            </p:txEl>
+                                          </p:spTgt>
+                                        </p:tgtEl>
+                                      </p:cBhvr>
+                                    </p:animEffect>
+                                  </p:childTnLst>
+                                </p:cTn>
+                              </p:par>
+                              <p:par>
+                                <p:cTn id="16" presetID="10" presetClass="entr" presetSubtype="0" fill="hold" grpId="0" nodeType="withEffect">
+                                  <p:stCondLst>
+                                    <p:cond delay="0"/>
+                                  </p:stCondLst>
+                                  <p:childTnLst>
+                                    <p:set>
+                                      <p:cBhvr>
+                                        <p:cTn id="17" dur="1" fill="hold">
+                                          <p:stCondLst>
+                                            <p:cond delay="0"/>
+                                          </p:stCondLst>
+                                        </p:cTn>
+                                        <p:tgtEl>
+                                          <p:spTgt spid="6">
+                                            <p:txEl>
+                                              <p:pRg st="1" end="1"/>
+                                            </p:txEl>
+                                          </p:spTgt>
+                                        </p:tgtEl>
+                                        <p:attrNameLst>
+                                          <p:attrName>style.visibility</p:attrName>
+                                        </p:attrNameLst>
+                                      </p:cBhvr>
+                                      <p:to>
+                                        <p:strVal val="visible"/>
+                                      </p:to>
+                                    </p:set>
+                                    <p:animEffect transition="in" filter="fade">
+                                      <p:cBhvr>
+                                        <p:cTn id="18" dur="500"/>
+                                        <p:tgtEl>
+                                          <p:spTgt spid="6">
+                                            <p:txEl>
+                                              <p:pRg st="1" end="1"/>
+                                            </p:txEl>
+                                          </p:spTgt>
+                                        </p:tgtEl>
+                                      </p:cBhvr>
+                                    </p:animEffect>
+                                  </p:childTnLst>
+                                </p:cTn>
+                              </p:par>
+                              <p:par>
+                                <p:cTn id="19" presetID="10" presetClass="entr" presetSubtype="0" fill="hold" grpId="0" nodeType="withEffect">
+                                  <p:stCondLst>
+                                    <p:cond delay="0"/>
+                                  </p:stCondLst>
+                                  <p:childTnLst>
+                                    <p:set>
+                                      <p:cBhvr>
+                                        <p:cTn id="20" dur="1" fill="hold">
+                                          <p:stCondLst>
+                                            <p:cond delay="0"/>
+                                          </p:stCondLst>
+                                        </p:cTn>
+                                        <p:tgtEl>
+                                          <p:spTgt spid="6">
+                                            <p:txEl>
+                                              <p:pRg st="2" end="2"/>
+                                            </p:txEl>
+                                          </p:spTgt>
+                                        </p:tgtEl>
+                                        <p:attrNameLst>
+                                          <p:attrName>style.visibility</p:attrName>
+                                        </p:attrNameLst>
+                                      </p:cBhvr>
+                                      <p:to>
+                                        <p:strVal val="visible"/>
+                                      </p:to>
+                                    </p:set>
+                                    <p:animEffect transition="in" filter="fade">
+                                      <p:cBhvr>
+                                        <p:cTn id="21" dur="500"/>
+                                        <p:tgtEl>
+                                          <p:spTgt spid="6">
+                                            <p:txEl>
+                                              <p:pRg st="2" end="2"/>
+                                            </p:txEl>
+                                          </p:spTgt>
+                                        </p:tgtEl>
+                                      </p:cBhvr>
+                                    </p:animEffect>
+                                  </p:childTnLst>
+                                </p:cTn>
+                              </p:par>
+                              <p:par>
+                                <p:cTn id="22" presetID="10" presetClass="entr" presetSubtype="0" fill="hold" grpId="0" nodeType="withEffect">
+                                  <p:stCondLst>
+                                    <p:cond delay="0"/>
+                                  </p:stCondLst>
+                                  <p:childTnLst>
+                                    <p:set>
+                                      <p:cBhvr>
+                                        <p:cTn id="23" dur="1" fill="hold">
+                                          <p:stCondLst>
+                                            <p:cond delay="0"/>
+                                          </p:stCondLst>
+                                        </p:cTn>
+                                        <p:tgtEl>
+                                          <p:spTgt spid="6">
+                                            <p:txEl>
+                                              <p:pRg st="3" end="3"/>
+                                            </p:txEl>
+                                          </p:spTgt>
+                                        </p:tgtEl>
+                                        <p:attrNameLst>
+                                          <p:attrName>style.visibility</p:attrName>
+                                        </p:attrNameLst>
+                                      </p:cBhvr>
+                                      <p:to>
+                                        <p:strVal val="visible"/>
+                                      </p:to>
+                                    </p:set>
+                                    <p:animEffect transition="in" filter="fade">
+                                      <p:cBhvr>
+                                        <p:cTn id="24" dur="500"/>
+                                        <p:tgtEl>
+                                          <p:spTgt spid="6">
+                                            <p:txEl>
+                                              <p:pRg st="3" end="3"/>
+                                            </p:txEl>
+                                          </p:spTgt>
+                                        </p:tgtEl>
+                                      </p:cBhvr>
+                                    </p:animEffect>
+                                  </p:childTnLst>
+                                </p:cTn>
+                              </p:par>
+                              <p:par>
+                                <p:cTn id="25" presetID="10" presetClass="entr" presetSubtype="0" fill="hold" grpId="0" nodeType="withEffect">
+                                  <p:stCondLst>
+                                    <p:cond delay="0"/>
+                                  </p:stCondLst>
+                                  <p:childTnLst>
+                                    <p:set>
+                                      <p:cBhvr>
+                                        <p:cTn id="26" dur="1" fill="hold">
+                                          <p:stCondLst>
+                                            <p:cond delay="0"/>
+                                          </p:stCondLst>
+                                        </p:cTn>
+                                        <p:tgtEl>
+                                          <p:spTgt spid="6">
+                                            <p:txEl>
+                                              <p:pRg st="4" end="4"/>
+                                            </p:txEl>
+                                          </p:spTgt>
+                                        </p:tgtEl>
+                                        <p:attrNameLst>
+                                          <p:attrName>style.visibility</p:attrName>
+                                        </p:attrNameLst>
+                                      </p:cBhvr>
+                                      <p:to>
+                                        <p:strVal val="visible"/>
+                                      </p:to>
+                                    </p:set>
+                                    <p:animEffect transition="in" filter="fade">
+                                      <p:cBhvr>
+                                        <p:cTn id="27" dur="500"/>
+                                        <p:tgtEl>
+                                          <p:spTgt spid="6">
+                                            <p:txEl>
+                                              <p:pRg st="4" end="4"/>
+                                            </p:txEl>
+                                          </p:spTgt>
+                                        </p:tgtEl>
+                                      </p:cBhvr>
+                                    </p:animEffect>
+                                  </p:childTnLst>
+                                </p:cTn>
+                              </p:par>
+                              <p:par>
+                                <p:cTn id="28" presetID="10" presetClass="entr" presetSubtype="0" fill="hold" grpId="0" nodeType="withEffect">
+                                  <p:stCondLst>
+                                    <p:cond delay="0"/>
+                                  </p:stCondLst>
+                                  <p:childTnLst>
+                                    <p:set>
+                                      <p:cBhvr>
+                                        <p:cTn id="29" dur="1" fill="hold">
+                                          <p:stCondLst>
+                                            <p:cond delay="0"/>
+                                          </p:stCondLst>
+                                        </p:cTn>
+                                        <p:tgtEl>
+                                          <p:spTgt spid="6">
+                                            <p:txEl>
+                                              <p:pRg st="5" end="5"/>
+                                            </p:txEl>
+                                          </p:spTgt>
+                                        </p:tgtEl>
+                                        <p:attrNameLst>
+                                          <p:attrName>style.visibility</p:attrName>
+                                        </p:attrNameLst>
+                                      </p:cBhvr>
+                                      <p:to>
+                                        <p:strVal val="visible"/>
+                                      </p:to>
+                                    </p:set>
+                                    <p:animEffect transition="in" filter="fade">
+                                      <p:cBhvr>
+                                        <p:cTn id="30" dur="500"/>
+                                        <p:tgtEl>
+                                          <p:spTgt spid="6">
+                                            <p:txEl>
+                                              <p:pRg st="5" end="5"/>
+                                            </p:txEl>
+                                          </p:spTgt>
+                                        </p:tgtEl>
+                                      </p:cBhvr>
+                                    </p:animEffect>
+                                  </p:childTnLst>
+                                </p:cTn>
+                              </p:par>
+                              <p:par>
+                                <p:cTn id="31" presetID="10" presetClass="entr" presetSubtype="0" fill="hold" grpId="0" nodeType="withEffect">
+                                  <p:stCondLst>
+                                    <p:cond delay="0"/>
+                                  </p:stCondLst>
+                                  <p:childTnLst>
+                                    <p:set>
+                                      <p:cBhvr>
+                                        <p:cTn id="32" dur="1" fill="hold">
+                                          <p:stCondLst>
+                                            <p:cond delay="0"/>
+                                          </p:stCondLst>
+                                        </p:cTn>
+                                        <p:tgtEl>
+                                          <p:spTgt spid="6">
+                                            <p:txEl>
+                                              <p:pRg st="6" end="6"/>
+                                            </p:txEl>
+                                          </p:spTgt>
+                                        </p:tgtEl>
+                                        <p:attrNameLst>
+                                          <p:attrName>style.visibility</p:attrName>
+                                        </p:attrNameLst>
+                                      </p:cBhvr>
+                                      <p:to>
+                                        <p:strVal val="visible"/>
+                                      </p:to>
+                                    </p:set>
+                                    <p:animEffect transition="in" filter="fade">
+                                      <p:cBhvr>
+                                        <p:cTn id="33" dur="500"/>
+                                        <p:tgtEl>
+                                          <p:spTgt spid="6">
+                                            <p:txEl>
+                                              <p:pRg st="6" end="6"/>
+                                            </p:txEl>
+                                          </p:spTgt>
+                                        </p:tgtEl>
+                                      </p:cBhvr>
+                                    </p:animEffect>
+                                  </p:childTnLst>
+                                </p:cTn>
+                              </p:par>
+                              <p:par>
+                                <p:cTn id="34" presetID="10" presetClass="entr" presetSubtype="0" fill="hold" grpId="0" nodeType="withEffect">
+                                  <p:stCondLst>
+                                    <p:cond delay="0"/>
+                                  </p:stCondLst>
+                                  <p:childTnLst>
+                                    <p:set>
+                                      <p:cBhvr>
+                                        <p:cTn id="35" dur="1" fill="hold">
+                                          <p:stCondLst>
+                                            <p:cond delay="0"/>
+                                          </p:stCondLst>
+                                        </p:cTn>
+                                        <p:tgtEl>
+                                          <p:spTgt spid="6">
+                                            <p:txEl>
+                                              <p:pRg st="7" end="7"/>
+                                            </p:txEl>
+                                          </p:spTgt>
+                                        </p:tgtEl>
+                                        <p:attrNameLst>
+                                          <p:attrName>style.visibility</p:attrName>
+                                        </p:attrNameLst>
+                                      </p:cBhvr>
+                                      <p:to>
+                                        <p:strVal val="visible"/>
+                                      </p:to>
+                                    </p:set>
+                                    <p:animEffect transition="in" filter="fade">
+                                      <p:cBhvr>
+                                        <p:cTn id="36" dur="500"/>
+                                        <p:tgtEl>
+                                          <p:spTgt spid="6">
+                                            <p:txEl>
+                                              <p:pRg st="7" end="7"/>
+                                            </p:txEl>
+                                          </p:spTgt>
+                                        </p:tgtEl>
+                                      </p:cBhvr>
+                                    </p:animEffect>
+                                  </p:childTnLst>
+                                </p:cTn>
+                              </p:par>
+                            </p:childTnLst>
+                          </p:cTn>
+                        </p:par>
+                      </p:childTnLst>
+                    </p:cTn>
+                  </p:par>
+                </p:childTnLst>
+              </p:cTn>
+              <p:prevCondLst>
+                <p:cond evt="onPrev" delay="0">
+                  <p:tgtEl>
+                    <p:sldTgt/>
+                  </p:tgtEl>
+                </p:cond>
+              </p:prevCondLst>
+              <p:nextCondLst>
+                <p:cond evt="onNext" delay="0">
+                  <p:tgtEl>
+                    <p:sldTgt/>
+                  </p:tgtEl>
+                </p:cond>
+              </p:nextCondLst>
+            </p:seq>
+          </p:childTnLst>
+        </p:cTn>
+      </p:par>
+    </p:tnLst>
+    <p:bldLst>
+      <p:bldP spid="5" grpId="0"/>
+      <p:bldP spid="6" grpId="0" build="p"/>
+      <p:bldP spid="7" grpId="0"/>
+    </p:bldLst>
+  </p:timing>
+</p:sld>
+</file>
+
+<file path=ppt/slides/slide7.xml><?xml version="1.0" encoding="utf-8"?>
+<p:sld xmlns:a="http://schemas.openxmlformats.org/drawingml/2006/main" xmlns:r="http://schemas.openxmlformats.org/officeDocument/2006/relationships" xmlns:p="http://schemas.openxmlformats.org/presentationml/2006/main">
+  <p:cSld>
+    <p:spTree>
+      <p:nvGrpSpPr>
+        <p:cNvPr id="1" name=""/>
+        <p:cNvGrpSpPr/>
+        <p:nvPr/>
+      </p:nvGrpSpPr>
+      <p:grpSpPr>
+        <a:xfrm>
+          <a:off x="0" y="0"/>
+          <a:ext cx="0" cy="0"/>
+          <a:chOff x="0" y="0"/>
+          <a:chExt cx="0" cy="0"/>
+        </a:xfrm>
+      </p:grpSpPr>
+      <p:sp>
+        <p:nvSpPr>
+          <p:cNvPr id="2" name="Title 1"/>
+          <p:cNvSpPr>
+            <a:spLocks noGrp="1"/>
+          </p:cNvSpPr>
+          <p:nvPr>
+            <p:ph type="title"/>
+          </p:nvPr>
+        </p:nvSpPr>
+        <p:spPr/>
+        <p:txBody>
+          <a:bodyPr/>
+          <a:lstStyle/>
+          <a:p>
+            <a:r>
+              <a:rPr lang="en-US" dirty="0" smtClean="0"/>
+              <a:t>Recommended Formats for Long-term Access and Sharing</a:t>
+            </a:r>
+            <a:endParaRPr lang="en-US" dirty="0"/>
+          </a:p>
+        </p:txBody>
+      </p:sp>
+      <p:sp>
+        <p:nvSpPr>
+          <p:cNvPr id="5" name="Content Placeholder 4"/>
+          <p:cNvSpPr>
+            <a:spLocks noGrp="1"/>
+          </p:cNvSpPr>
+          <p:nvPr>
+            <p:ph idx="1"/>
+          </p:nvPr>
+        </p:nvSpPr>
+        <p:spPr>
+          <a:xfrm>
+            <a:off x="838200" y="1813433"/>
+            <a:ext cx="10515600" cy="4351338"/>
+          </a:xfrm>
+        </p:spPr>
+        <p:txBody>
+          <a:bodyPr/>
+          <a:lstStyle/>
+          <a:p>
+            <a:pPr marL="0" indent="0">
+              <a:lnSpc>
+                <a:spcPct val="200000"/>
+              </a:lnSpc>
+              <a:buNone/>
+            </a:pPr>
+            <a:r>
+              <a:rPr lang="en-US" dirty="0" smtClean="0"/>
+              <a:t>Non-proprietary – </a:t>
+            </a:r>
+            <a:r>
+              <a:rPr lang="en-US" i="1" dirty="0" smtClean="0"/>
+              <a:t>no software purchase to open the file</a:t>
+            </a:r>
+          </a:p>
+          <a:p>
+            <a:pPr marL="0" indent="0">
+              <a:lnSpc>
+                <a:spcPct val="200000"/>
+              </a:lnSpc>
+              <a:buNone/>
+            </a:pPr>
+            <a:r>
+              <a:rPr lang="en-US" dirty="0" smtClean="0"/>
+              <a:t>Lossless – </a:t>
+            </a:r>
+            <a:r>
+              <a:rPr lang="en-US" i="1" dirty="0" smtClean="0"/>
+              <a:t>uncompressed with all of the original data</a:t>
+            </a:r>
+          </a:p>
+          <a:p>
+            <a:pPr marL="0" indent="0">
+              <a:lnSpc>
+                <a:spcPct val="200000"/>
+              </a:lnSpc>
+              <a:buNone/>
+            </a:pPr>
+            <a:r>
+              <a:rPr lang="en-US" dirty="0" err="1" smtClean="0"/>
+              <a:t>Indexable</a:t>
+            </a:r>
+            <a:r>
+              <a:rPr lang="en-US" dirty="0" smtClean="0"/>
+              <a:t> </a:t>
+            </a:r>
+            <a:r>
+              <a:rPr lang="en-US" i="1" dirty="0" smtClean="0"/>
+              <a:t>– if possible a plain text format that is both human and machine readable</a:t>
+            </a:r>
+          </a:p>
+          <a:p>
+            <a:pPr marL="0" indent="0">
+              <a:lnSpc>
+                <a:spcPct val="200000"/>
+              </a:lnSpc>
+              <a:buNone/>
+            </a:pPr>
+            <a:r>
+              <a:rPr lang="en-US" i="1" dirty="0"/>
+              <a:t>	</a:t>
+            </a:r>
+            <a:endParaRPr lang="en-US" i="1" dirty="0" smtClean="0"/>
+          </a:p>
+          <a:p>
+            <a:pPr marL="0" indent="0">
+              <a:lnSpc>
+                <a:spcPct val="200000"/>
+              </a:lnSpc>
+              <a:buNone/>
+            </a:pPr>
+            <a:r>
+              <a:rPr lang="en-US" i="1" dirty="0" smtClean="0"/>
+              <a:t>	</a:t>
+            </a:r>
+            <a:endParaRPr lang="en-US" dirty="0"/>
+          </a:p>
+        </p:txBody>
+      </p:sp>
+    </p:spTree>
+    <p:extLst>
+      <p:ext uri="{BB962C8B-B14F-4D97-AF65-F5344CB8AC3E}">
+        <p14:creationId xmlns:p14="http://schemas.microsoft.com/office/powerpoint/2010/main" val="2427709017"/>
+      </p:ext>
+    </p:extLst>
+  </p:cSld>
+  <p:clrMapOvr>
+    <a:masterClrMapping/>
+  </p:clrMapOvr>
+  <p:timing>
+    <p:tnLst>
+      <p:par>
+        <p:cTn id="1" dur="indefinite" restart="never" nodeType="tmRoot"/>
+      </p:par>
+    </p:tnLst>
+  </p:timing>
+</p:sld>
+</file>
+
+<file path=ppt/slides/slide8.xml><?xml version="1.0" encoding="utf-8"?>
+<p:sld xmlns:a="http://schemas.openxmlformats.org/drawingml/2006/main" xmlns:r="http://schemas.openxmlformats.org/officeDocument/2006/relationships" xmlns:p="http://schemas.openxmlformats.org/presentationml/2006/main">
+  <p:cSld>
+    <p:spTree>
+      <p:nvGrpSpPr>
+        <p:cNvPr id="1" name=""/>
+        <p:cNvGrpSpPr/>
+        <p:nvPr/>
+      </p:nvGrpSpPr>
+      <p:grpSpPr>
+        <a:xfrm>
+          <a:off x="0" y="0"/>
+          <a:ext cx="0" cy="0"/>
+          <a:chOff x="0" y="0"/>
+          <a:chExt cx="0" cy="0"/>
+        </a:xfrm>
+      </p:grpSpPr>
+      <p:sp>
+        <p:nvSpPr>
+          <p:cNvPr id="2" name="Title 1"/>
+          <p:cNvSpPr>
+            <a:spLocks noGrp="1"/>
+          </p:cNvSpPr>
+          <p:nvPr>
+            <p:ph type="title"/>
+          </p:nvPr>
+        </p:nvSpPr>
+        <p:spPr/>
+        <p:txBody>
+          <a:bodyPr/>
+          <a:lstStyle/>
+          <a:p>
+            <a:r>
+              <a:rPr lang="en-US" dirty="0" smtClean="0"/>
+              <a:t>Ok – so what?</a:t>
+            </a:r>
+            <a:endParaRPr lang="en-US" dirty="0"/>
+          </a:p>
+        </p:txBody>
+      </p:sp>
+      <p:sp>
+        <p:nvSpPr>
+          <p:cNvPr id="5" name="Content Placeholder 4"/>
+          <p:cNvSpPr>
+            <a:spLocks noGrp="1"/>
+          </p:cNvSpPr>
+          <p:nvPr>
+            <p:ph idx="1"/>
+          </p:nvPr>
+        </p:nvSpPr>
+        <p:spPr>
+          <a:xfrm>
+            <a:off x="838200" y="1825625"/>
+            <a:ext cx="10515600" cy="1185799"/>
+          </a:xfrm>
+        </p:spPr>
+        <p:txBody>
+          <a:bodyPr/>
+          <a:lstStyle/>
+          <a:p>
+            <a:pPr marL="0" indent="0">
+              <a:buNone/>
+            </a:pPr>
+            <a:r>
+              <a:rPr lang="en-US" dirty="0" smtClean="0"/>
+              <a:t>First, make sure your operating system lets you see the file formats!!!!</a:t>
+            </a:r>
+            <a:endParaRPr lang="en-US" dirty="0"/>
+          </a:p>
+        </p:txBody>
+      </p:sp>
+      <p:sp>
+        <p:nvSpPr>
+          <p:cNvPr id="6" name="Rectangle 5"/>
+          <p:cNvSpPr/>
+          <p:nvPr/>
+        </p:nvSpPr>
+        <p:spPr>
+          <a:xfrm>
+            <a:off x="1045464" y="2682240"/>
+            <a:ext cx="9838944" cy="3046988"/>
+          </a:xfrm>
+          <a:prstGeom prst="rect">
+            <a:avLst/>
+          </a:prstGeom>
+        </p:spPr>
+        <p:txBody>
+          <a:bodyPr wrap="square">
+            <a:spAutoFit/>
+          </a:bodyPr>
+          <a:lstStyle/>
+          <a:p>
+            <a:r>
+              <a:rPr lang="en-US" sz="3200" dirty="0"/>
+              <a:t>Mac file </a:t>
+            </a:r>
+            <a:r>
+              <a:rPr lang="en-US" sz="3200" dirty="0" smtClean="0"/>
+              <a:t>extensions</a:t>
+            </a:r>
+          </a:p>
+          <a:p>
+            <a:r>
+              <a:rPr lang="en-US" sz="3200" dirty="0" smtClean="0"/>
+              <a:t>finder-</a:t>
+            </a:r>
+            <a:r>
+              <a:rPr lang="en-US" sz="3200" dirty="0"/>
+              <a:t>&gt;preferences: show all filename </a:t>
+            </a:r>
+            <a:r>
+              <a:rPr lang="en-US" sz="3200" dirty="0" smtClean="0"/>
+              <a:t>extensions (check</a:t>
+            </a:r>
+            <a:r>
+              <a:rPr lang="en-US" sz="3200" dirty="0" smtClean="0"/>
+              <a:t>)</a:t>
+            </a:r>
+          </a:p>
+          <a:p>
+            <a:endParaRPr lang="en-US" sz="3200" dirty="0"/>
+          </a:p>
+          <a:p>
+            <a:r>
+              <a:rPr lang="en-US" sz="3200" dirty="0"/>
+              <a:t>PC file extensions: </a:t>
+            </a:r>
+            <a:endParaRPr lang="en-US" sz="3200" dirty="0" smtClean="0"/>
+          </a:p>
+          <a:p>
+            <a:r>
+              <a:rPr lang="en-US" sz="3200" dirty="0" smtClean="0"/>
+              <a:t>explorer-</a:t>
+            </a:r>
+            <a:r>
+              <a:rPr lang="en-US" sz="3200" dirty="0" smtClean="0"/>
+              <a:t>&gt;organize-&gt;folder and search options: </a:t>
+            </a:r>
+          </a:p>
+          <a:p>
+            <a:r>
+              <a:rPr lang="en-US" sz="3200" dirty="0" smtClean="0"/>
+              <a:t>   </a:t>
+            </a:r>
+            <a:r>
+              <a:rPr lang="en-US" sz="3200" dirty="0" smtClean="0"/>
+              <a:t>View </a:t>
+            </a:r>
+            <a:r>
+              <a:rPr lang="en-US" sz="3200" dirty="0" smtClean="0"/>
+              <a:t>tab: Hide Extensions for known file types (uncheck)</a:t>
+            </a:r>
+            <a:endParaRPr lang="en-US" sz="3200" dirty="0"/>
+          </a:p>
+        </p:txBody>
+      </p:sp>
+    </p:spTree>
+    <p:extLst>
+      <p:ext uri="{BB962C8B-B14F-4D97-AF65-F5344CB8AC3E}">
+        <p14:creationId xmlns:p14="http://schemas.microsoft.com/office/powerpoint/2010/main" val="2339281112"/>
+      </p:ext>
+    </p:extLst>
+  </p:cSld>
+  <p:clrMapOvr>
+    <a:masterClrMapping/>
+  </p:clrMapOvr>
+  <p:timing>
+    <p:tnLst>
+      <p:par>
+        <p:cTn id="1" dur="indefinite" restart="never" nodeType="tmRoot">
+          <p:childTnLst>
+            <p:seq concurrent="1" nextAc="seek">
+              <p:cTn id="2" dur="indefinite" nodeType="mainSeq">
+                <p:childTnLst>
+                  <p:par>
+                    <p:cTn id="3" fill="hold">
+                      <p:stCondLst>
+                        <p:cond delay="indefinite"/>
+                      </p:stCondLst>
+                      <p:childTnLst>
+                        <p:par>
+                          <p:cTn id="4" fill="hold">
+                            <p:stCondLst>
+                              <p:cond delay="0"/>
+                            </p:stCondLst>
+                            <p:childTnLst>
+                              <p:par>
+                                <p:cTn id="5" presetID="10" presetClass="entr" presetSubtype="0" fill="hold" grpId="0" nodeType="clickEffect">
+                                  <p:stCondLst>
+                                    <p:cond delay="0"/>
+                                  </p:stCondLst>
+                                  <p:childTnLst>
+                                    <p:set>
+                                      <p:cBhvr>
+                                        <p:cTn id="6" dur="1" fill="hold">
+                                          <p:stCondLst>
+                                            <p:cond delay="0"/>
+                                          </p:stCondLst>
+                                        </p:cTn>
+                                        <p:tgtEl>
+                                          <p:spTgt spid="6"/>
+                                        </p:tgtEl>
+                                        <p:attrNameLst>
+                                          <p:attrName>style.visibility</p:attrName>
+                                        </p:attrNameLst>
+                                      </p:cBhvr>
+                                      <p:to>
+                                        <p:strVal val="visible"/>
+                                      </p:to>
+                                    </p:set>
+                                    <p:animEffect transition="in" filter="fade">
+                                      <p:cBhvr>
+                                        <p:cTn id="7" dur="500"/>
+                                        <p:tgtEl>
+                                          <p:spTgt spid="6"/>
+                                        </p:tgtEl>
+                                      </p:cBhvr>
+                                    </p:animEffect>
+                                  </p:childTnLst>
+                                </p:cTn>
+                              </p:par>
+                            </p:childTnLst>
+                          </p:cTn>
+                        </p:par>
+                      </p:childTnLst>
+                    </p:cTn>
+                  </p:par>
+                  <p:par>
+                    <p:cTn id="8" fill="hold">
+                      <p:stCondLst>
+                        <p:cond delay="indefinite"/>
+                      </p:stCondLst>
+                      <p:childTnLst>
+                        <p:par>
+                          <p:cTn id="9" fill="hold">
+                            <p:stCondLst>
+                              <p:cond delay="0"/>
+                            </p:stCondLst>
+                            <p:childTnLst>
+                              <p:par>
+                                <p:cTn id="10" presetID="10" presetClass="entr" presetSubtype="0" fill="hold" grpId="0" nodeType="clickEffect">
+                                  <p:stCondLst>
+                                    <p:cond delay="0"/>
+                                  </p:stCondLst>
+                                  <p:childTnLst>
+                                    <p:set>
+                                      <p:cBhvr>
+                                        <p:cTn id="11" dur="1" fill="hold">
+                                          <p:stCondLst>
+                                            <p:cond delay="0"/>
+                                          </p:stCondLst>
+                                        </p:cTn>
+                                        <p:tgtEl>
+                                          <p:spTgt spid="5">
+                                            <p:txEl>
+                                              <p:pRg st="0" end="0"/>
+                                            </p:txEl>
+                                          </p:spTgt>
+                                        </p:tgtEl>
+                                        <p:attrNameLst>
+                                          <p:attrName>style.visibility</p:attrName>
+                                        </p:attrNameLst>
+                                      </p:cBhvr>
+                                      <p:to>
+                                        <p:strVal val="visible"/>
+                                      </p:to>
+                                    </p:set>
+                                    <p:animEffect transition="in" filter="fade">
+                                      <p:cBhvr>
+                                        <p:cTn id="12" dur="500"/>
+                                        <p:tgtEl>
+                                          <p:spTgt spid="5">
+                                            <p:txEl>
+                                              <p:pRg st="0" end="0"/>
+                                            </p:txEl>
+                                          </p:spTgt>
+                                        </p:tgtEl>
+                                      </p:cBhvr>
+                                    </p:animEffect>
+                                  </p:childTnLst>
+                                </p:cTn>
+                              </p:par>
+                            </p:childTnLst>
+                          </p:cTn>
+                        </p:par>
+                      </p:childTnLst>
+                    </p:cTn>
+                  </p:par>
+                </p:childTnLst>
+              </p:cTn>
+              <p:prevCondLst>
+                <p:cond evt="onPrev" delay="0">
+                  <p:tgtEl>
+                    <p:sldTgt/>
+                  </p:tgtEl>
+                </p:cond>
+              </p:prevCondLst>
+              <p:nextCondLst>
+                <p:cond evt="onNext" delay="0">
+                  <p:tgtEl>
+                    <p:sldTgt/>
+                  </p:tgtEl>
+                </p:cond>
+              </p:nextCondLst>
+            </p:seq>
+          </p:childTnLst>
+        </p:cTn>
+      </p:par>
+    </p:tnLst>
+    <p:bldLst>
+      <p:bldP spid="5" grpId="0" build="p"/>
+      <p:bldP spid="6" grpId="0"/>
+    </p:bldLst>
+  </p:timing>
+</p:sld>
+</file>
+
+<file path=ppt/slides/slide9.xml><?xml version="1.0" encoding="utf-8"?>
+<p:sld xmlns:a="http://schemas.openxmlformats.org/drawingml/2006/main" xmlns:r="http://schemas.openxmlformats.org/officeDocument/2006/relationships" xmlns:p="http://schemas.openxmlformats.org/presentationml/2006/main">
+  <p:cSld>
+    <p:spTree>
+      <p:nvGrpSpPr>
+        <p:cNvPr id="1" name=""/>
+        <p:cNvGrpSpPr/>
+        <p:nvPr/>
+      </p:nvGrpSpPr>
+      <p:grpSpPr>
+        <a:xfrm>
+          <a:off x="0" y="0"/>
+          <a:ext cx="0" cy="0"/>
+          <a:chOff x="0" y="0"/>
+          <a:chExt cx="0" cy="0"/>
+        </a:xfrm>
+      </p:grpSpPr>
+      <p:sp>
+        <p:nvSpPr>
+          <p:cNvPr id="2" name="Title 1"/>
+          <p:cNvSpPr>
+            <a:spLocks noGrp="1"/>
+          </p:cNvSpPr>
+          <p:nvPr>
+            <p:ph type="title"/>
+          </p:nvPr>
+        </p:nvSpPr>
+        <p:spPr/>
+        <p:txBody>
+          <a:bodyPr/>
+          <a:lstStyle/>
+          <a:p>
+            <a:r>
+              <a:rPr lang="en-US" dirty="0" smtClean="0"/>
+              <a:t>Some things to remember</a:t>
+            </a:r>
+            <a:endParaRPr lang="en-US" dirty="0"/>
+          </a:p>
+        </p:txBody>
+      </p:sp>
+      <p:sp>
+        <p:nvSpPr>
+          <p:cNvPr id="3" name="Content Placeholder 2"/>
+          <p:cNvSpPr>
+            <a:spLocks noGrp="1"/>
+          </p:cNvSpPr>
+          <p:nvPr>
+            <p:ph idx="1"/>
+          </p:nvPr>
+        </p:nvSpPr>
+        <p:spPr>
+          <a:xfrm>
+            <a:off x="838200" y="1825625"/>
+            <a:ext cx="10488168" cy="4351338"/>
+          </a:xfrm>
+        </p:spPr>
+        <p:txBody>
+          <a:bodyPr>
+            <a:normAutofit/>
+          </a:bodyPr>
+          <a:lstStyle/>
+          <a:p>
+            <a:r>
+              <a:rPr lang="en-US" dirty="0" smtClean="0"/>
+              <a:t>Text and numbers</a:t>
+            </a:r>
+          </a:p>
+          <a:p>
+            <a:pPr lvl="1"/>
+            <a:r>
+              <a:rPr lang="en-US" dirty="0" smtClean="0"/>
+              <a:t>Plain text – </a:t>
+            </a:r>
+            <a:r>
+              <a:rPr lang="en-US" i="1" dirty="0" smtClean="0"/>
+              <a:t>BUT STRUCTURED</a:t>
+            </a:r>
+            <a:endParaRPr lang="en-US" dirty="0" smtClean="0"/>
+          </a:p>
+          <a:p>
+            <a:pPr lvl="1"/>
+            <a:r>
+              <a:rPr lang="en-US" dirty="0" smtClean="0"/>
+              <a:t>character </a:t>
+            </a:r>
+            <a:r>
+              <a:rPr lang="en-US" dirty="0"/>
+              <a:t>encoding??? UTF-8</a:t>
+            </a:r>
+          </a:p>
+          <a:p>
+            <a:pPr lvl="1"/>
+            <a:r>
+              <a:rPr lang="en-US" dirty="0" smtClean="0"/>
+              <a:t>PDF – preferably not!! (hard to index </a:t>
+            </a:r>
+            <a:r>
+              <a:rPr lang="en-US" i="1" dirty="0" smtClean="0"/>
+              <a:t>UNLESS </a:t>
+            </a:r>
+            <a:r>
+              <a:rPr lang="en-US" dirty="0" smtClean="0"/>
+              <a:t>created with specific care)</a:t>
+            </a:r>
+          </a:p>
+          <a:p>
+            <a:pPr lvl="1"/>
+            <a:endParaRPr lang="en-US" dirty="0" smtClean="0"/>
+          </a:p>
+          <a:p>
+            <a:r>
+              <a:rPr lang="en-US" dirty="0" smtClean="0"/>
+              <a:t>Images</a:t>
+            </a:r>
+          </a:p>
+          <a:p>
+            <a:pPr lvl="1"/>
+            <a:r>
+              <a:rPr lang="en-US" dirty="0" smtClean="0"/>
+              <a:t>TIFF, JPEG2000 (??), PNG, JPEG . . . .</a:t>
+            </a:r>
+          </a:p>
+        </p:txBody>
+      </p:sp>
+    </p:spTree>
+    <p:extLst>
+      <p:ext uri="{BB962C8B-B14F-4D97-AF65-F5344CB8AC3E}">
+        <p14:creationId xmlns:p14="http://schemas.microsoft.com/office/powerpoint/2010/main" val="813098600"/>
+      </p:ext>
+    </p:extLst>
+  </p:cSld>
+  <p:clrMapOvr>
+    <a:masterClrMapping/>
+  </p:clrMapOvr>
+  <p:timing>
+    <p:tnLst>
+      <p:par>
+        <p:cTn id="1" dur="indefinite" restart="never" nodeType="tmRoot"/>
+      </p:par>
+    </p:tnLst>
+  </p:timing>
 </p:sld>
 </file>
 

--- a/UM_DataManagementClass/Lessons/03/03_secondMeeting.pptx
+++ b/UM_DataManagementClass/Lessons/03/03_secondMeeting.pptx
@@ -5,7 +5,7 @@
     <p:sldMasterId id="2147483756" r:id="rId1"/>
   </p:sldMasterIdLst>
   <p:notesMasterIdLst>
-    <p:notesMasterId r:id="rId14"/>
+    <p:notesMasterId r:id="rId22"/>
   </p:notesMasterIdLst>
   <p:sldIdLst>
     <p:sldId id="256" r:id="rId2"/>
@@ -17,9 +17,17 @@
     <p:sldId id="263" r:id="rId8"/>
     <p:sldId id="264" r:id="rId9"/>
     <p:sldId id="265" r:id="rId10"/>
-    <p:sldId id="266" r:id="rId11"/>
-    <p:sldId id="267" r:id="rId12"/>
-    <p:sldId id="257" r:id="rId13"/>
+    <p:sldId id="280" r:id="rId11"/>
+    <p:sldId id="266" r:id="rId12"/>
+    <p:sldId id="267" r:id="rId13"/>
+    <p:sldId id="279" r:id="rId14"/>
+    <p:sldId id="257" r:id="rId15"/>
+    <p:sldId id="268" r:id="rId16"/>
+    <p:sldId id="270" r:id="rId17"/>
+    <p:sldId id="273" r:id="rId18"/>
+    <p:sldId id="276" r:id="rId19"/>
+    <p:sldId id="277" r:id="rId20"/>
+    <p:sldId id="278" r:id="rId21"/>
   </p:sldIdLst>
   <p:sldSz cx="12192000" cy="6858000"/>
   <p:notesSz cx="7010400" cy="9296400"/>
@@ -120,7 +128,7 @@
   </p:defaultTextStyle>
   <p:extLst>
     <p:ext uri="{EFAFB233-063F-42B5-8137-9DF3F51BA10A}">
-      <p15:sldGuideLst xmlns:p15="http://schemas.microsoft.com/office/powerpoint/2012/main">
+      <p15:sldGuideLst xmlns:p15="http://schemas.microsoft.com/office/powerpoint/2012/main" xmlns="">
         <p15:guide id="1" orient="horz" pos="2160" userDrawn="1">
           <p15:clr>
             <a:srgbClr val="A4A3A4"/>
@@ -220,7 +228,7 @@
             <a:fld id="{0B10C68B-4B56-4C57-A100-1112E8D05063}" type="datetimeFigureOut">
               <a:rPr lang="en-US" smtClean="0"/>
               <a:pPr/>
-              <a:t>1/26/2016</a:t>
+              <a:t>1/26/16</a:t>
             </a:fld>
             <a:endParaRPr lang="en-US"/>
           </a:p>
@@ -1115,7 +1123,7 @@
               <a:pPr>
                 <a:defRPr/>
               </a:pPr>
-              <a:t>1/26/2016</a:t>
+              <a:t>1/26/16</a:t>
             </a:fld>
             <a:endParaRPr lang="en-US">
               <a:solidFill>
@@ -1330,7 +1338,7 @@
               <a:pPr>
                 <a:defRPr/>
               </a:pPr>
-              <a:t>1/26/2016</a:t>
+              <a:t>1/26/16</a:t>
             </a:fld>
             <a:endParaRPr lang="en-US">
               <a:solidFill>
@@ -1555,7 +1563,7 @@
               <a:pPr>
                 <a:defRPr/>
               </a:pPr>
-              <a:t>1/26/2016</a:t>
+              <a:t>1/26/16</a:t>
             </a:fld>
             <a:endParaRPr lang="en-US">
               <a:solidFill>
@@ -1796,7 +1804,7 @@
               <a:pPr>
                 <a:defRPr/>
               </a:pPr>
-              <a:t>1/26/2016</a:t>
+              <a:t>1/26/16</a:t>
             </a:fld>
             <a:endParaRPr lang="en-US">
               <a:solidFill>
@@ -2085,7 +2093,7 @@
               <a:pPr>
                 <a:defRPr/>
               </a:pPr>
-              <a:t>1/26/2016</a:t>
+              <a:t>1/26/16</a:t>
             </a:fld>
             <a:endParaRPr lang="en-US">
               <a:solidFill>
@@ -2406,7 +2414,7 @@
               <a:pPr>
                 <a:defRPr/>
               </a:pPr>
-              <a:t>1/26/2016</a:t>
+              <a:t>1/26/16</a:t>
             </a:fld>
             <a:endParaRPr lang="en-US">
               <a:solidFill>
@@ -2866,7 +2874,7 @@
               <a:pPr>
                 <a:defRPr/>
               </a:pPr>
-              <a:t>1/26/2016</a:t>
+              <a:t>1/26/16</a:t>
             </a:fld>
             <a:endParaRPr lang="en-US">
               <a:solidFill>
@@ -3037,7 +3045,7 @@
               <a:pPr>
                 <a:defRPr/>
               </a:pPr>
-              <a:t>1/26/2016</a:t>
+              <a:t>1/26/16</a:t>
             </a:fld>
             <a:endParaRPr lang="en-US">
               <a:solidFill>
@@ -3177,7 +3185,7 @@
               <a:pPr>
                 <a:defRPr/>
               </a:pPr>
-              <a:t>1/26/2016</a:t>
+              <a:t>1/26/16</a:t>
             </a:fld>
             <a:endParaRPr lang="en-US">
               <a:solidFill>
@@ -3499,7 +3507,7 @@
               <a:pPr>
                 <a:defRPr/>
               </a:pPr>
-              <a:t>1/26/2016</a:t>
+              <a:t>1/26/16</a:t>
             </a:fld>
             <a:endParaRPr lang="en-US">
               <a:solidFill>
@@ -3801,7 +3809,7 @@
               <a:pPr>
                 <a:defRPr/>
               </a:pPr>
-              <a:t>1/26/2016</a:t>
+              <a:t>1/26/16</a:t>
             </a:fld>
             <a:endParaRPr lang="en-US">
               <a:solidFill>
@@ -4059,7 +4067,7 @@
               <a:pPr>
                 <a:defRPr/>
               </a:pPr>
-              <a:t>1/26/2016</a:t>
+              <a:t>1/26/16</a:t>
             </a:fld>
             <a:endParaRPr lang="en-US">
               <a:solidFill>
@@ -4682,7 +4690,7 @@
   <p:timing>
     <p:tnLst>
       <p:par>
-        <p:cTn id="1" dur="indefinite" restart="never" nodeType="tmRoot"/>
+        <p:cTn xmlns:p14="http://schemas.microsoft.com/office/powerpoint/2010/main" id="1" dur="indefinite" restart="never" nodeType="tmRoot"/>
       </p:par>
     </p:tnLst>
   </p:timing>
@@ -4751,114 +4759,163 @@
           </a:bodyPr>
           <a:lstStyle/>
           <a:p>
+            <a:pPr marL="457200" lvl="1" indent="0">
+              <a:buNone/>
+            </a:pPr>
             <a:r>
               <a:rPr lang="en-US" dirty="0" smtClean="0"/>
-              <a:t>Cartographic (maps)</a:t>
-            </a:r>
-          </a:p>
-          <a:p>
-            <a:pPr lvl="1"/>
-            <a:r>
-              <a:rPr lang="en-US" dirty="0" err="1" smtClean="0"/>
-              <a:t>GeoTIFF</a:t>
+              <a:t>character </a:t>
+            </a:r>
+            <a:r>
+              <a:rPr lang="en-US" dirty="0"/>
+              <a:t>encoding??? UTF-</a:t>
             </a:r>
             <a:r>
               <a:rPr lang="en-US" dirty="0" smtClean="0"/>
-              <a:t>, </a:t>
-            </a:r>
-            <a:r>
-              <a:rPr lang="en-US" dirty="0" err="1" smtClean="0"/>
-              <a:t>shapefile</a:t>
-            </a:r>
+              <a:t>8</a:t>
+            </a:r>
+          </a:p>
+          <a:p>
+            <a:pPr marL="457200" lvl="1" indent="0">
+              <a:buNone/>
+            </a:pPr>
+            <a:endParaRPr lang="en-US" dirty="0"/>
+          </a:p>
+          <a:p>
+            <a:pPr marL="457200" lvl="1" indent="0">
+              <a:buNone/>
+            </a:pPr>
             <a:r>
               <a:rPr lang="en-US" dirty="0" smtClean="0"/>
-              <a:t> (??!!), watch for </a:t>
-            </a:r>
-            <a:r>
-              <a:rPr lang="en-US" dirty="0" err="1" smtClean="0"/>
-              <a:t>GeoJSON</a:t>
-            </a:r>
+              <a:t>ASCII – </a:t>
+            </a:r>
+            <a:r>
+              <a:rPr lang="en-US" b="1" dirty="0" smtClean="0"/>
+              <a:t>American Standard </a:t>
+            </a:r>
+            <a:r>
+              <a:rPr lang="en-US" b="1" dirty="0"/>
+              <a:t>Code for Information </a:t>
+            </a:r>
+            <a:r>
+              <a:rPr lang="en-US" b="1" dirty="0" smtClean="0"/>
+              <a:t>Interchange</a:t>
+            </a:r>
+          </a:p>
+          <a:p>
+            <a:pPr marL="457200" lvl="1" indent="0">
+              <a:buNone/>
+            </a:pPr>
+            <a:r>
+              <a:rPr lang="en-US" dirty="0" smtClean="0"/>
+              <a:t>[ old school, 128 characters in 7 bits ]</a:t>
+            </a:r>
+            <a:endParaRPr lang="en-US" dirty="0"/>
+          </a:p>
+          <a:p>
+            <a:pPr marL="457200" lvl="1" indent="0">
+              <a:buNone/>
+            </a:pPr>
             <a:endParaRPr lang="en-US" dirty="0" smtClean="0"/>
           </a:p>
           <a:p>
-            <a:pPr lvl="1"/>
-            <a:r>
-              <a:rPr lang="en-US" dirty="0" err="1" smtClean="0"/>
-              <a:t>Shapefile</a:t>
-            </a:r>
+            <a:pPr marL="457200" lvl="1" indent="0">
+              <a:buNone/>
+            </a:pPr>
+            <a:endParaRPr lang="en-US" dirty="0" smtClean="0"/>
+          </a:p>
+          <a:p>
+            <a:pPr marL="457200" lvl="1" indent="0">
+              <a:buNone/>
+            </a:pPr>
+            <a:endParaRPr lang="en-US" dirty="0"/>
+          </a:p>
+          <a:p>
+            <a:pPr marL="457200" lvl="1" indent="0">
+              <a:buNone/>
+            </a:pPr>
             <a:r>
               <a:rPr lang="en-US" dirty="0" smtClean="0"/>
-              <a:t> has .</a:t>
-            </a:r>
-            <a:r>
-              <a:rPr lang="en-US" dirty="0" err="1" smtClean="0"/>
-              <a:t>shp</a:t>
-            </a:r>
+              <a:t>UTF-8 – </a:t>
+            </a:r>
+            <a:r>
+              <a:rPr lang="en-US" b="1" dirty="0" smtClean="0"/>
+              <a:t>Universal </a:t>
+            </a:r>
+            <a:r>
+              <a:rPr lang="en-US" b="1" dirty="0"/>
+              <a:t>Coded Character Set + Transformation Format – 8-</a:t>
+            </a:r>
+            <a:r>
+              <a:rPr lang="en-US" b="1" dirty="0" smtClean="0"/>
+              <a:t>bit</a:t>
+            </a:r>
+          </a:p>
+          <a:p>
+            <a:pPr marL="457200" lvl="1" indent="0">
+              <a:buNone/>
+            </a:pPr>
             <a:r>
               <a:rPr lang="en-US" dirty="0" smtClean="0"/>
-              <a:t>, .</a:t>
-            </a:r>
-            <a:r>
-              <a:rPr lang="en-US" dirty="0" err="1" smtClean="0"/>
-              <a:t>shx</a:t>
-            </a:r>
+              <a:t>[ now the new standard, only since about 2007, first 128 characters are ASCII ]</a:t>
+            </a:r>
+          </a:p>
+          <a:p>
+            <a:pPr marL="457200" lvl="1" indent="0">
+              <a:buNone/>
+            </a:pPr>
             <a:r>
               <a:rPr lang="en-US" dirty="0" smtClean="0"/>
-              <a:t>, .dbf optional (?!) .</a:t>
-            </a:r>
-            <a:r>
-              <a:rPr lang="en-US" dirty="0" err="1" smtClean="0"/>
-              <a:t>prj</a:t>
+              <a:t>[ encodes </a:t>
+            </a:r>
+            <a:r>
+              <a:rPr lang="is-IS" dirty="0" smtClean="0"/>
+              <a:t>1,112,064 “code points” or characters ]</a:t>
+            </a:r>
+            <a:endParaRPr lang="en-US" dirty="0" smtClean="0"/>
+          </a:p>
+        </p:txBody>
+      </p:sp>
+      <p:sp>
+        <p:nvSpPr>
+          <p:cNvPr id="17" name="Rectangle 16"/>
+          <p:cNvSpPr/>
+          <p:nvPr/>
+        </p:nvSpPr>
+        <p:spPr>
+          <a:xfrm>
+            <a:off x="3474579" y="3295134"/>
+            <a:ext cx="5980611" cy="369332"/>
+          </a:xfrm>
+          <a:prstGeom prst="rect">
+            <a:avLst/>
+          </a:prstGeom>
+        </p:spPr>
+        <p:txBody>
+          <a:bodyPr wrap="none">
+            <a:spAutoFit/>
+          </a:bodyPr>
+          <a:lstStyle/>
+          <a:p>
+            <a:r>
+              <a:rPr lang="en-US" dirty="0"/>
+              <a:t>lowercase </a:t>
             </a:r>
             <a:r>
               <a:rPr lang="en-US" dirty="0" smtClean="0"/>
-              <a:t>, .</a:t>
-            </a:r>
-            <a:r>
-              <a:rPr lang="en-US" dirty="0" err="1" smtClean="0"/>
-              <a:t>sbx</a:t>
-            </a:r>
-            <a:r>
-              <a:rPr lang="en-US" dirty="0" smtClean="0"/>
-              <a:t>, .</a:t>
-            </a:r>
-            <a:r>
-              <a:rPr lang="en-US" dirty="0" err="1" smtClean="0"/>
-              <a:t>sbn</a:t>
-            </a:r>
-            <a:endParaRPr lang="en-US" dirty="0" smtClean="0"/>
-          </a:p>
-          <a:p>
-            <a:pPr lvl="1"/>
-            <a:endParaRPr lang="en-US" dirty="0" smtClean="0"/>
-          </a:p>
-          <a:p>
-            <a:r>
-              <a:rPr lang="en-US" dirty="0" smtClean="0"/>
-              <a:t>Audio</a:t>
-            </a:r>
-          </a:p>
-          <a:p>
-            <a:pPr lvl="1"/>
-            <a:r>
-              <a:rPr lang="en-US" dirty="0" smtClean="0"/>
-              <a:t>AIFF, WAVE 44.1 kHz / 16 bit or higher </a:t>
-            </a:r>
-          </a:p>
-          <a:p>
-            <a:pPr lvl="1"/>
-            <a:r>
-              <a:rPr lang="en-US" i="1" dirty="0" smtClean="0"/>
-              <a:t>BUT MP3 with FLAC encoding OK (Free Lossless Audio Codec)</a:t>
-            </a:r>
-            <a:endParaRPr lang="en-US" dirty="0"/>
+              <a:t>“j” </a:t>
+            </a:r>
+            <a:r>
+              <a:rPr lang="en-US" dirty="0"/>
+              <a:t>would become binary 1101010 and decimal 106</a:t>
+            </a:r>
           </a:p>
         </p:txBody>
       </p:sp>
     </p:spTree>
     <p:extLst>
       <p:ext uri="{BB962C8B-B14F-4D97-AF65-F5344CB8AC3E}">
-        <p14:creationId xmlns:p14="http://schemas.microsoft.com/office/powerpoint/2010/main" val="2494910641"/>
+        <p14:creationId xmlns:p14="http://schemas.microsoft.com/office/powerpoint/2010/main" val="3654368468"/>
       </p:ext>
     </p:extLst>
   </p:cSld>
@@ -4868,7 +4925,7 @@
   <p:timing>
     <p:tnLst>
       <p:par>
-        <p:cTn id="1" dur="indefinite" restart="never" nodeType="tmRoot"/>
+        <p:cTn xmlns:p14="http://schemas.microsoft.com/office/powerpoint/2010/main" id="1" dur="indefinite" restart="never" nodeType="tmRoot"/>
       </p:par>
     </p:tnLst>
   </p:timing>
@@ -4939,15 +4996,80 @@
           <a:p>
             <a:r>
               <a:rPr lang="en-US" dirty="0" smtClean="0"/>
-              <a:t>Video</a:t>
+              <a:t>Cartographic (maps)</a:t>
             </a:r>
           </a:p>
           <a:p>
             <a:pPr lvl="1"/>
             <a:r>
+              <a:rPr lang="en-US" dirty="0" err="1" smtClean="0"/>
+              <a:t>GeoTIFF</a:t>
+            </a:r>
+            <a:r>
               <a:rPr lang="en-US" dirty="0" smtClean="0"/>
-              <a:t>MPEG-4</a:t>
-            </a:r>
+              <a:t>, </a:t>
+            </a:r>
+            <a:r>
+              <a:rPr lang="en-US" dirty="0" err="1" smtClean="0"/>
+              <a:t>shapefile</a:t>
+            </a:r>
+            <a:r>
+              <a:rPr lang="en-US" dirty="0" smtClean="0"/>
+              <a:t> (??!!), watch for </a:t>
+            </a:r>
+            <a:r>
+              <a:rPr lang="en-US" dirty="0" err="1" smtClean="0"/>
+              <a:t>GeoJSON</a:t>
+            </a:r>
+            <a:endParaRPr lang="en-US" dirty="0" smtClean="0"/>
+          </a:p>
+          <a:p>
+            <a:pPr lvl="1"/>
+            <a:r>
+              <a:rPr lang="en-US" dirty="0" err="1" smtClean="0"/>
+              <a:t>Shapefile</a:t>
+            </a:r>
+            <a:r>
+              <a:rPr lang="en-US" dirty="0" smtClean="0"/>
+              <a:t> has .</a:t>
+            </a:r>
+            <a:r>
+              <a:rPr lang="en-US" dirty="0" err="1" smtClean="0"/>
+              <a:t>shp</a:t>
+            </a:r>
+            <a:r>
+              <a:rPr lang="en-US" dirty="0" smtClean="0"/>
+              <a:t>, .</a:t>
+            </a:r>
+            <a:r>
+              <a:rPr lang="en-US" dirty="0" err="1" smtClean="0"/>
+              <a:t>shx</a:t>
+            </a:r>
+            <a:r>
+              <a:rPr lang="en-US" dirty="0" smtClean="0"/>
+              <a:t>, .dbf optional (?!) .</a:t>
+            </a:r>
+            <a:r>
+              <a:rPr lang="en-US" dirty="0" err="1" smtClean="0"/>
+              <a:t>prj</a:t>
+            </a:r>
+            <a:r>
+              <a:rPr lang="en-US" dirty="0" smtClean="0"/>
+              <a:t>, .</a:t>
+            </a:r>
+            <a:r>
+              <a:rPr lang="en-US" dirty="0" err="1" smtClean="0"/>
+              <a:t>sbx</a:t>
+            </a:r>
+            <a:r>
+              <a:rPr lang="en-US" dirty="0" smtClean="0"/>
+              <a:t>, .</a:t>
+            </a:r>
+            <a:r>
+              <a:rPr lang="en-US" dirty="0" err="1" smtClean="0"/>
+              <a:t>sbn</a:t>
+            </a:r>
+            <a:endParaRPr lang="en-US" dirty="0" smtClean="0"/>
           </a:p>
           <a:p>
             <a:pPr lvl="1"/>
@@ -4956,39 +5078,458 @@
           <a:p>
             <a:r>
               <a:rPr lang="en-US" dirty="0" smtClean="0"/>
-              <a:t>Documentation</a:t>
+              <a:t>Audio</a:t>
             </a:r>
           </a:p>
           <a:p>
             <a:pPr lvl="1"/>
             <a:r>
               <a:rPr lang="en-US" dirty="0" smtClean="0"/>
-              <a:t>Rich Text Format</a:t>
+              <a:t>AIFF, WAVE 44.1 kHz / 16 bit or higher </a:t>
             </a:r>
           </a:p>
           <a:p>
             <a:pPr lvl="1"/>
             <a:r>
+              <a:rPr lang="en-US" i="1" dirty="0" smtClean="0"/>
+              <a:t>BUT MP3 with FLAC encoding OK (Free Lossless Audio Codec)</a:t>
+            </a:r>
+            <a:endParaRPr lang="en-US" dirty="0"/>
+          </a:p>
+        </p:txBody>
+      </p:sp>
+      <p:sp>
+        <p:nvSpPr>
+          <p:cNvPr id="4" name="TextBox 3"/>
+          <p:cNvSpPr txBox="1"/>
+          <p:nvPr/>
+        </p:nvSpPr>
+        <p:spPr>
+          <a:xfrm>
+            <a:off x="6080008" y="1727087"/>
+            <a:ext cx="575774" cy="369332"/>
+          </a:xfrm>
+          <a:prstGeom prst="rect">
+            <a:avLst/>
+          </a:prstGeom>
+          <a:noFill/>
+        </p:spPr>
+        <p:txBody>
+          <a:bodyPr wrap="none" rtlCol="0">
+            <a:spAutoFit/>
+          </a:bodyPr>
+          <a:lstStyle/>
+          <a:p>
+            <a:r>
               <a:rPr lang="en-US" dirty="0" smtClean="0"/>
-              <a:t>Open Document Text</a:t>
-            </a:r>
-          </a:p>
-          <a:p>
-            <a:pPr lvl="1"/>
+              <a:t>.</a:t>
+            </a:r>
+            <a:r>
+              <a:rPr lang="en-US" dirty="0" err="1" smtClean="0"/>
+              <a:t>shp</a:t>
+            </a:r>
+            <a:endParaRPr lang="en-US" dirty="0"/>
+          </a:p>
+        </p:txBody>
+      </p:sp>
+      <p:sp>
+        <p:nvSpPr>
+          <p:cNvPr id="5" name="TextBox 4"/>
+          <p:cNvSpPr txBox="1"/>
+          <p:nvPr/>
+        </p:nvSpPr>
+        <p:spPr>
+          <a:xfrm>
+            <a:off x="4684407" y="3171315"/>
+            <a:ext cx="556563" cy="369332"/>
+          </a:xfrm>
+          <a:prstGeom prst="rect">
+            <a:avLst/>
+          </a:prstGeom>
+          <a:noFill/>
+        </p:spPr>
+        <p:txBody>
+          <a:bodyPr wrap="none" rtlCol="0">
+            <a:spAutoFit/>
+          </a:bodyPr>
+          <a:lstStyle/>
+          <a:p>
             <a:r>
               <a:rPr lang="en-US" dirty="0" smtClean="0"/>
-              <a:t>HTML</a:t>
-            </a:r>
-          </a:p>
-          <a:p>
-            <a:pPr lvl="1"/>
+              <a:t>.</a:t>
+            </a:r>
+            <a:r>
+              <a:rPr lang="en-US" dirty="0" err="1" smtClean="0"/>
+              <a:t>shx</a:t>
+            </a:r>
+            <a:endParaRPr lang="en-US" dirty="0"/>
+          </a:p>
+        </p:txBody>
+      </p:sp>
+      <p:sp>
+        <p:nvSpPr>
+          <p:cNvPr id="6" name="TextBox 5"/>
+          <p:cNvSpPr txBox="1"/>
+          <p:nvPr/>
+        </p:nvSpPr>
+        <p:spPr>
+          <a:xfrm>
+            <a:off x="7334273" y="1834623"/>
+            <a:ext cx="556563" cy="369332"/>
+          </a:xfrm>
+          <a:prstGeom prst="rect">
+            <a:avLst/>
+          </a:prstGeom>
+          <a:noFill/>
+        </p:spPr>
+        <p:txBody>
+          <a:bodyPr wrap="none" rtlCol="0">
+            <a:spAutoFit/>
+          </a:bodyPr>
+          <a:lstStyle/>
+          <a:p>
             <a:r>
               <a:rPr lang="en-US" dirty="0" smtClean="0"/>
-              <a:t>Plain text</a:t>
-            </a:r>
-          </a:p>
-          <a:p>
-            <a:pPr lvl="1"/>
+              <a:t>.dbf</a:t>
+            </a:r>
+            <a:endParaRPr lang="en-US" dirty="0"/>
+          </a:p>
+        </p:txBody>
+      </p:sp>
+      <p:sp>
+        <p:nvSpPr>
+          <p:cNvPr id="7" name="TextBox 6"/>
+          <p:cNvSpPr txBox="1"/>
+          <p:nvPr/>
+        </p:nvSpPr>
+        <p:spPr>
+          <a:xfrm>
+            <a:off x="8443509" y="2160448"/>
+            <a:ext cx="441647" cy="369332"/>
+          </a:xfrm>
+          <a:prstGeom prst="rect">
+            <a:avLst/>
+          </a:prstGeom>
+          <a:noFill/>
+        </p:spPr>
+        <p:txBody>
+          <a:bodyPr wrap="none" rtlCol="0">
+            <a:spAutoFit/>
+          </a:bodyPr>
+          <a:lstStyle/>
+          <a:p>
+            <a:r>
+              <a:rPr lang="en-US" dirty="0" err="1" smtClean="0"/>
+              <a:t>prj</a:t>
+            </a:r>
+            <a:endParaRPr lang="en-US" dirty="0"/>
+          </a:p>
+        </p:txBody>
+      </p:sp>
+      <p:sp>
+        <p:nvSpPr>
+          <p:cNvPr id="8" name="TextBox 7"/>
+          <p:cNvSpPr txBox="1"/>
+          <p:nvPr/>
+        </p:nvSpPr>
+        <p:spPr>
+          <a:xfrm>
+            <a:off x="5311603" y="1460916"/>
+            <a:ext cx="1032930" cy="369332"/>
+          </a:xfrm>
+          <a:prstGeom prst="rect">
+            <a:avLst/>
+          </a:prstGeom>
+          <a:noFill/>
+        </p:spPr>
+        <p:txBody>
+          <a:bodyPr wrap="none" rtlCol="0">
+            <a:spAutoFit/>
+          </a:bodyPr>
+          <a:lstStyle/>
+          <a:p>
+            <a:r>
+              <a:rPr lang="en-US" dirty="0" err="1" smtClean="0"/>
+              <a:t>shapefile</a:t>
+            </a:r>
+            <a:endParaRPr lang="en-US" dirty="0"/>
+          </a:p>
+        </p:txBody>
+      </p:sp>
+      <p:sp>
+        <p:nvSpPr>
+          <p:cNvPr id="9" name="TextBox 8"/>
+          <p:cNvSpPr txBox="1"/>
+          <p:nvPr/>
+        </p:nvSpPr>
+        <p:spPr>
+          <a:xfrm>
+            <a:off x="5133514" y="2977308"/>
+            <a:ext cx="1595471" cy="369332"/>
+          </a:xfrm>
+          <a:prstGeom prst="rect">
+            <a:avLst/>
+          </a:prstGeom>
+          <a:noFill/>
+        </p:spPr>
+        <p:txBody>
+          <a:bodyPr wrap="none" rtlCol="0">
+            <a:spAutoFit/>
+          </a:bodyPr>
+          <a:lstStyle/>
+          <a:p>
+            <a:r>
+              <a:rPr lang="en-US" dirty="0" err="1" smtClean="0"/>
+              <a:t>shapefile</a:t>
+            </a:r>
+            <a:r>
+              <a:rPr lang="en-US" dirty="0" smtClean="0"/>
+              <a:t> index</a:t>
+            </a:r>
+            <a:endParaRPr lang="en-US" dirty="0"/>
+          </a:p>
+        </p:txBody>
+      </p:sp>
+      <p:sp>
+        <p:nvSpPr>
+          <p:cNvPr id="10" name="TextBox 9"/>
+          <p:cNvSpPr txBox="1"/>
+          <p:nvPr/>
+        </p:nvSpPr>
+        <p:spPr>
+          <a:xfrm>
+            <a:off x="8625532" y="2386001"/>
+            <a:ext cx="2168946" cy="369332"/>
+          </a:xfrm>
+          <a:prstGeom prst="rect">
+            <a:avLst/>
+          </a:prstGeom>
+          <a:noFill/>
+        </p:spPr>
+        <p:txBody>
+          <a:bodyPr wrap="none" rtlCol="0">
+            <a:spAutoFit/>
+          </a:bodyPr>
+          <a:lstStyle/>
+          <a:p>
+            <a:r>
+              <a:rPr lang="en-US" dirty="0" smtClean="0"/>
+              <a:t>projection (for maps)</a:t>
+            </a:r>
+            <a:endParaRPr lang="en-US" dirty="0"/>
+          </a:p>
+        </p:txBody>
+      </p:sp>
+      <p:sp>
+        <p:nvSpPr>
+          <p:cNvPr id="11" name="TextBox 10"/>
+          <p:cNvSpPr txBox="1"/>
+          <p:nvPr/>
+        </p:nvSpPr>
+        <p:spPr>
+          <a:xfrm>
+            <a:off x="7613081" y="1592907"/>
+            <a:ext cx="1813317" cy="369332"/>
+          </a:xfrm>
+          <a:prstGeom prst="rect">
+            <a:avLst/>
+          </a:prstGeom>
+          <a:noFill/>
+        </p:spPr>
+        <p:txBody>
+          <a:bodyPr wrap="none" rtlCol="0">
+            <a:spAutoFit/>
+          </a:bodyPr>
+          <a:lstStyle/>
+          <a:p>
+            <a:r>
+              <a:rPr lang="en-US" dirty="0" smtClean="0"/>
+              <a:t>data base format</a:t>
+            </a:r>
+            <a:endParaRPr lang="en-US" dirty="0"/>
+          </a:p>
+        </p:txBody>
+      </p:sp>
+      <p:sp>
+        <p:nvSpPr>
+          <p:cNvPr id="12" name="TextBox 11"/>
+          <p:cNvSpPr txBox="1"/>
+          <p:nvPr/>
+        </p:nvSpPr>
+        <p:spPr>
+          <a:xfrm>
+            <a:off x="1890407" y="4918835"/>
+            <a:ext cx="543739" cy="369332"/>
+          </a:xfrm>
+          <a:prstGeom prst="rect">
+            <a:avLst/>
+          </a:prstGeom>
+          <a:noFill/>
+        </p:spPr>
+        <p:txBody>
+          <a:bodyPr wrap="none" rtlCol="0">
+            <a:spAutoFit/>
+          </a:bodyPr>
+          <a:lstStyle/>
+          <a:p>
+            <a:r>
+              <a:rPr lang="en-US" dirty="0" smtClean="0"/>
+              <a:t>.</a:t>
+            </a:r>
+            <a:r>
+              <a:rPr lang="en-US" dirty="0" err="1" smtClean="0"/>
+              <a:t>aiff</a:t>
+            </a:r>
+            <a:endParaRPr lang="en-US" dirty="0"/>
+          </a:p>
+        </p:txBody>
+      </p:sp>
+      <p:sp>
+        <p:nvSpPr>
+          <p:cNvPr id="13" name="TextBox 12"/>
+          <p:cNvSpPr txBox="1"/>
+          <p:nvPr/>
+        </p:nvSpPr>
+        <p:spPr>
+          <a:xfrm>
+            <a:off x="5840753" y="5197583"/>
+            <a:ext cx="665604" cy="369332"/>
+          </a:xfrm>
+          <a:prstGeom prst="rect">
+            <a:avLst/>
+          </a:prstGeom>
+          <a:noFill/>
+        </p:spPr>
+        <p:txBody>
+          <a:bodyPr wrap="none" rtlCol="0">
+            <a:spAutoFit/>
+          </a:bodyPr>
+          <a:lstStyle/>
+          <a:p>
+            <a:r>
+              <a:rPr lang="en-US" dirty="0" smtClean="0"/>
+              <a:t>.mp3</a:t>
+            </a:r>
+            <a:endParaRPr lang="en-US" dirty="0"/>
+          </a:p>
+        </p:txBody>
+      </p:sp>
+      <p:sp>
+        <p:nvSpPr>
+          <p:cNvPr id="14" name="TextBox 13"/>
+          <p:cNvSpPr txBox="1"/>
+          <p:nvPr/>
+        </p:nvSpPr>
+        <p:spPr>
+          <a:xfrm>
+            <a:off x="3678469" y="5391328"/>
+            <a:ext cx="564502" cy="369332"/>
+          </a:xfrm>
+          <a:prstGeom prst="rect">
+            <a:avLst/>
+          </a:prstGeom>
+          <a:noFill/>
+        </p:spPr>
+        <p:txBody>
+          <a:bodyPr wrap="none" rtlCol="0">
+            <a:spAutoFit/>
+          </a:bodyPr>
+          <a:lstStyle/>
+          <a:p>
+            <a:r>
+              <a:rPr lang="en-US" dirty="0" smtClean="0"/>
+              <a:t>wav</a:t>
+            </a:r>
+            <a:endParaRPr lang="en-US" dirty="0"/>
+          </a:p>
+        </p:txBody>
+      </p:sp>
+      <p:sp>
+        <p:nvSpPr>
+          <p:cNvPr id="15" name="TextBox 14"/>
+          <p:cNvSpPr txBox="1"/>
+          <p:nvPr/>
+        </p:nvSpPr>
+        <p:spPr>
+          <a:xfrm>
+            <a:off x="2227754" y="4663868"/>
+            <a:ext cx="2948118" cy="369332"/>
+          </a:xfrm>
+          <a:prstGeom prst="rect">
+            <a:avLst/>
+          </a:prstGeom>
+          <a:noFill/>
+        </p:spPr>
+        <p:txBody>
+          <a:bodyPr wrap="none" rtlCol="0">
+            <a:spAutoFit/>
+          </a:bodyPr>
+          <a:lstStyle/>
+          <a:p>
+            <a:r>
+              <a:rPr lang="en-US" dirty="0" smtClean="0"/>
+              <a:t>audio interchange file format</a:t>
+            </a:r>
+            <a:endParaRPr lang="en-US" dirty="0"/>
+          </a:p>
+        </p:txBody>
+      </p:sp>
+      <p:sp>
+        <p:nvSpPr>
+          <p:cNvPr id="16" name="TextBox 15"/>
+          <p:cNvSpPr txBox="1"/>
+          <p:nvPr/>
+        </p:nvSpPr>
+        <p:spPr>
+          <a:xfrm>
+            <a:off x="3860492" y="5616881"/>
+            <a:ext cx="679355" cy="369332"/>
+          </a:xfrm>
+          <a:prstGeom prst="rect">
+            <a:avLst/>
+          </a:prstGeom>
+          <a:noFill/>
+        </p:spPr>
+        <p:txBody>
+          <a:bodyPr wrap="none" rtlCol="0">
+            <a:spAutoFit/>
+          </a:bodyPr>
+          <a:lstStyle/>
+          <a:p>
+            <a:r>
+              <a:rPr lang="en-US" dirty="0" smtClean="0"/>
+              <a:t>wave</a:t>
+            </a:r>
+            <a:endParaRPr lang="en-US" dirty="0"/>
+          </a:p>
+        </p:txBody>
+      </p:sp>
+      <p:sp>
+        <p:nvSpPr>
+          <p:cNvPr id="17" name="TextBox 16"/>
+          <p:cNvSpPr txBox="1"/>
+          <p:nvPr/>
+        </p:nvSpPr>
+        <p:spPr>
+          <a:xfrm>
+            <a:off x="6119561" y="4955867"/>
+            <a:ext cx="2965701" cy="369332"/>
+          </a:xfrm>
+          <a:prstGeom prst="rect">
+            <a:avLst/>
+          </a:prstGeom>
+          <a:noFill/>
+        </p:spPr>
+        <p:txBody>
+          <a:bodyPr wrap="none" rtlCol="0">
+            <a:spAutoFit/>
+          </a:bodyPr>
+          <a:lstStyle/>
+          <a:p>
+            <a:r>
+              <a:rPr lang="en-US" dirty="0" smtClean="0"/>
+              <a:t>moving pictures expert group</a:t>
+            </a:r>
             <a:endParaRPr lang="en-US" dirty="0"/>
           </a:p>
         </p:txBody>
@@ -4996,7 +5537,7 @@
     </p:spTree>
     <p:extLst>
       <p:ext uri="{BB962C8B-B14F-4D97-AF65-F5344CB8AC3E}">
-        <p14:creationId xmlns:p14="http://schemas.microsoft.com/office/powerpoint/2010/main" val="2335904358"/>
+        <p14:creationId xmlns:p14="http://schemas.microsoft.com/office/powerpoint/2010/main" val="2494910641"/>
       </p:ext>
     </p:extLst>
   </p:cSld>
@@ -5006,9 +5547,1045 @@
   <p:timing>
     <p:tnLst>
       <p:par>
-        <p:cTn id="1" dur="indefinite" restart="never" nodeType="tmRoot"/>
+        <p:cTn xmlns:p14="http://schemas.microsoft.com/office/powerpoint/2010/main" id="1" dur="indefinite" restart="never" nodeType="tmRoot">
+          <p:childTnLst>
+            <p:seq concurrent="1" nextAc="seek">
+              <p:cTn id="2" dur="indefinite" nodeType="mainSeq">
+                <p:childTnLst>
+                  <p:par>
+                    <p:cTn id="3" fill="hold">
+                      <p:stCondLst>
+                        <p:cond delay="indefinite"/>
+                      </p:stCondLst>
+                      <p:childTnLst>
+                        <p:par>
+                          <p:cTn id="4" fill="hold">
+                            <p:stCondLst>
+                              <p:cond delay="0"/>
+                            </p:stCondLst>
+                            <p:childTnLst>
+                              <p:par>
+                                <p:cTn id="5" presetID="9" presetClass="emph" presetSubtype="0" nodeType="clickEffect">
+                                  <p:stCondLst>
+                                    <p:cond delay="0"/>
+                                  </p:stCondLst>
+                                  <p:childTnLst>
+                                    <p:set>
+                                      <p:cBhvr rctx="PPT">
+                                        <p:cTn id="6" dur="indefinite"/>
+                                        <p:tgtEl>
+                                          <p:spTgt spid="3">
+                                            <p:txEl>
+                                              <p:pRg st="0" end="0"/>
+                                            </p:txEl>
+                                          </p:spTgt>
+                                        </p:tgtEl>
+                                        <p:attrNameLst>
+                                          <p:attrName>style.opacity</p:attrName>
+                                        </p:attrNameLst>
+                                      </p:cBhvr>
+                                      <p:to>
+                                        <p:strVal val="0.5"/>
+                                      </p:to>
+                                    </p:set>
+                                    <p:animEffect filter="image" prLst="opacity: 0.5">
+                                      <p:cBhvr rctx="IE">
+                                        <p:cTn id="7" dur="indefinite"/>
+                                        <p:tgtEl>
+                                          <p:spTgt spid="3">
+                                            <p:txEl>
+                                              <p:pRg st="0" end="0"/>
+                                            </p:txEl>
+                                          </p:spTgt>
+                                        </p:tgtEl>
+                                      </p:cBhvr>
+                                    </p:animEffect>
+                                  </p:childTnLst>
+                                </p:cTn>
+                              </p:par>
+                              <p:par>
+                                <p:cTn id="8" presetID="9" presetClass="emph" presetSubtype="0" nodeType="withEffect">
+                                  <p:stCondLst>
+                                    <p:cond delay="0"/>
+                                  </p:stCondLst>
+                                  <p:childTnLst>
+                                    <p:set>
+                                      <p:cBhvr rctx="PPT">
+                                        <p:cTn id="9" dur="indefinite"/>
+                                        <p:tgtEl>
+                                          <p:spTgt spid="3">
+                                            <p:txEl>
+                                              <p:pRg st="1" end="1"/>
+                                            </p:txEl>
+                                          </p:spTgt>
+                                        </p:tgtEl>
+                                        <p:attrNameLst>
+                                          <p:attrName>style.opacity</p:attrName>
+                                        </p:attrNameLst>
+                                      </p:cBhvr>
+                                      <p:to>
+                                        <p:strVal val="0.5"/>
+                                      </p:to>
+                                    </p:set>
+                                    <p:animEffect filter="image" prLst="opacity: 0.5">
+                                      <p:cBhvr rctx="IE">
+                                        <p:cTn id="10" dur="indefinite"/>
+                                        <p:tgtEl>
+                                          <p:spTgt spid="3">
+                                            <p:txEl>
+                                              <p:pRg st="1" end="1"/>
+                                            </p:txEl>
+                                          </p:spTgt>
+                                        </p:tgtEl>
+                                      </p:cBhvr>
+                                    </p:animEffect>
+                                  </p:childTnLst>
+                                </p:cTn>
+                              </p:par>
+                              <p:par>
+                                <p:cTn id="11" presetID="9" presetClass="emph" presetSubtype="0" nodeType="withEffect">
+                                  <p:stCondLst>
+                                    <p:cond delay="0"/>
+                                  </p:stCondLst>
+                                  <p:childTnLst>
+                                    <p:set>
+                                      <p:cBhvr rctx="PPT">
+                                        <p:cTn id="12" dur="indefinite"/>
+                                        <p:tgtEl>
+                                          <p:spTgt spid="3">
+                                            <p:txEl>
+                                              <p:pRg st="2" end="2"/>
+                                            </p:txEl>
+                                          </p:spTgt>
+                                        </p:tgtEl>
+                                        <p:attrNameLst>
+                                          <p:attrName>style.opacity</p:attrName>
+                                        </p:attrNameLst>
+                                      </p:cBhvr>
+                                      <p:to>
+                                        <p:strVal val="0.5"/>
+                                      </p:to>
+                                    </p:set>
+                                    <p:animEffect filter="image" prLst="opacity: 0.5">
+                                      <p:cBhvr rctx="IE">
+                                        <p:cTn id="13" dur="indefinite"/>
+                                        <p:tgtEl>
+                                          <p:spTgt spid="3">
+                                            <p:txEl>
+                                              <p:pRg st="2" end="2"/>
+                                            </p:txEl>
+                                          </p:spTgt>
+                                        </p:tgtEl>
+                                      </p:cBhvr>
+                                    </p:animEffect>
+                                  </p:childTnLst>
+                                </p:cTn>
+                              </p:par>
+                              <p:par>
+                                <p:cTn id="14" presetID="10" presetClass="entr" presetSubtype="0" fill="hold" grpId="0" nodeType="withEffect">
+                                  <p:stCondLst>
+                                    <p:cond delay="0"/>
+                                  </p:stCondLst>
+                                  <p:childTnLst>
+                                    <p:set>
+                                      <p:cBhvr>
+                                        <p:cTn id="15" dur="1" fill="hold">
+                                          <p:stCondLst>
+                                            <p:cond delay="0"/>
+                                          </p:stCondLst>
+                                        </p:cTn>
+                                        <p:tgtEl>
+                                          <p:spTgt spid="9"/>
+                                        </p:tgtEl>
+                                        <p:attrNameLst>
+                                          <p:attrName>style.visibility</p:attrName>
+                                        </p:attrNameLst>
+                                      </p:cBhvr>
+                                      <p:to>
+                                        <p:strVal val="visible"/>
+                                      </p:to>
+                                    </p:set>
+                                    <p:animEffect transition="in" filter="fade">
+                                      <p:cBhvr>
+                                        <p:cTn id="16" dur="100"/>
+                                        <p:tgtEl>
+                                          <p:spTgt spid="9"/>
+                                        </p:tgtEl>
+                                      </p:cBhvr>
+                                    </p:animEffect>
+                                  </p:childTnLst>
+                                </p:cTn>
+                              </p:par>
+                              <p:par>
+                                <p:cTn id="17" presetID="10" presetClass="entr" presetSubtype="0" fill="hold" grpId="0" nodeType="withEffect">
+                                  <p:stCondLst>
+                                    <p:cond delay="0"/>
+                                  </p:stCondLst>
+                                  <p:childTnLst>
+                                    <p:set>
+                                      <p:cBhvr>
+                                        <p:cTn id="18" dur="1" fill="hold">
+                                          <p:stCondLst>
+                                            <p:cond delay="0"/>
+                                          </p:stCondLst>
+                                        </p:cTn>
+                                        <p:tgtEl>
+                                          <p:spTgt spid="5"/>
+                                        </p:tgtEl>
+                                        <p:attrNameLst>
+                                          <p:attrName>style.visibility</p:attrName>
+                                        </p:attrNameLst>
+                                      </p:cBhvr>
+                                      <p:to>
+                                        <p:strVal val="visible"/>
+                                      </p:to>
+                                    </p:set>
+                                    <p:animEffect transition="in" filter="fade">
+                                      <p:cBhvr>
+                                        <p:cTn id="19" dur="100"/>
+                                        <p:tgtEl>
+                                          <p:spTgt spid="5"/>
+                                        </p:tgtEl>
+                                      </p:cBhvr>
+                                    </p:animEffect>
+                                  </p:childTnLst>
+                                </p:cTn>
+                              </p:par>
+                            </p:childTnLst>
+                          </p:cTn>
+                        </p:par>
+                      </p:childTnLst>
+                    </p:cTn>
+                  </p:par>
+                  <p:par>
+                    <p:cTn id="20" fill="hold">
+                      <p:stCondLst>
+                        <p:cond delay="indefinite"/>
+                      </p:stCondLst>
+                      <p:childTnLst>
+                        <p:par>
+                          <p:cTn id="21" fill="hold">
+                            <p:stCondLst>
+                              <p:cond delay="0"/>
+                            </p:stCondLst>
+                            <p:childTnLst>
+                              <p:par>
+                                <p:cTn id="22" presetID="10" presetClass="entr" presetSubtype="0" fill="hold" grpId="0" nodeType="clickEffect">
+                                  <p:stCondLst>
+                                    <p:cond delay="0"/>
+                                  </p:stCondLst>
+                                  <p:childTnLst>
+                                    <p:set>
+                                      <p:cBhvr>
+                                        <p:cTn id="23" dur="1" fill="hold">
+                                          <p:stCondLst>
+                                            <p:cond delay="0"/>
+                                          </p:stCondLst>
+                                        </p:cTn>
+                                        <p:tgtEl>
+                                          <p:spTgt spid="4"/>
+                                        </p:tgtEl>
+                                        <p:attrNameLst>
+                                          <p:attrName>style.visibility</p:attrName>
+                                        </p:attrNameLst>
+                                      </p:cBhvr>
+                                      <p:to>
+                                        <p:strVal val="visible"/>
+                                      </p:to>
+                                    </p:set>
+                                    <p:animEffect transition="in" filter="fade">
+                                      <p:cBhvr>
+                                        <p:cTn id="24" dur="100"/>
+                                        <p:tgtEl>
+                                          <p:spTgt spid="4"/>
+                                        </p:tgtEl>
+                                      </p:cBhvr>
+                                    </p:animEffect>
+                                  </p:childTnLst>
+                                </p:cTn>
+                              </p:par>
+                              <p:par>
+                                <p:cTn id="25" presetID="10" presetClass="entr" presetSubtype="0" fill="hold" grpId="0" nodeType="withEffect">
+                                  <p:stCondLst>
+                                    <p:cond delay="0"/>
+                                  </p:stCondLst>
+                                  <p:childTnLst>
+                                    <p:set>
+                                      <p:cBhvr>
+                                        <p:cTn id="26" dur="1" fill="hold">
+                                          <p:stCondLst>
+                                            <p:cond delay="0"/>
+                                          </p:stCondLst>
+                                        </p:cTn>
+                                        <p:tgtEl>
+                                          <p:spTgt spid="8"/>
+                                        </p:tgtEl>
+                                        <p:attrNameLst>
+                                          <p:attrName>style.visibility</p:attrName>
+                                        </p:attrNameLst>
+                                      </p:cBhvr>
+                                      <p:to>
+                                        <p:strVal val="visible"/>
+                                      </p:to>
+                                    </p:set>
+                                    <p:animEffect transition="in" filter="fade">
+                                      <p:cBhvr>
+                                        <p:cTn id="27" dur="100"/>
+                                        <p:tgtEl>
+                                          <p:spTgt spid="8"/>
+                                        </p:tgtEl>
+                                      </p:cBhvr>
+                                    </p:animEffect>
+                                  </p:childTnLst>
+                                </p:cTn>
+                              </p:par>
+                            </p:childTnLst>
+                          </p:cTn>
+                        </p:par>
+                      </p:childTnLst>
+                    </p:cTn>
+                  </p:par>
+                  <p:par>
+                    <p:cTn id="28" fill="hold">
+                      <p:stCondLst>
+                        <p:cond delay="indefinite"/>
+                      </p:stCondLst>
+                      <p:childTnLst>
+                        <p:par>
+                          <p:cTn id="29" fill="hold">
+                            <p:stCondLst>
+                              <p:cond delay="0"/>
+                            </p:stCondLst>
+                            <p:childTnLst>
+                              <p:par>
+                                <p:cTn id="30" presetID="10" presetClass="entr" presetSubtype="0" fill="hold" grpId="0" nodeType="clickEffect">
+                                  <p:stCondLst>
+                                    <p:cond delay="0"/>
+                                  </p:stCondLst>
+                                  <p:childTnLst>
+                                    <p:set>
+                                      <p:cBhvr>
+                                        <p:cTn id="31" dur="1" fill="hold">
+                                          <p:stCondLst>
+                                            <p:cond delay="0"/>
+                                          </p:stCondLst>
+                                        </p:cTn>
+                                        <p:tgtEl>
+                                          <p:spTgt spid="11"/>
+                                        </p:tgtEl>
+                                        <p:attrNameLst>
+                                          <p:attrName>style.visibility</p:attrName>
+                                        </p:attrNameLst>
+                                      </p:cBhvr>
+                                      <p:to>
+                                        <p:strVal val="visible"/>
+                                      </p:to>
+                                    </p:set>
+                                    <p:animEffect transition="in" filter="fade">
+                                      <p:cBhvr>
+                                        <p:cTn id="32" dur="100"/>
+                                        <p:tgtEl>
+                                          <p:spTgt spid="11"/>
+                                        </p:tgtEl>
+                                      </p:cBhvr>
+                                    </p:animEffect>
+                                  </p:childTnLst>
+                                </p:cTn>
+                              </p:par>
+                              <p:par>
+                                <p:cTn id="33" presetID="10" presetClass="entr" presetSubtype="0" fill="hold" grpId="0" nodeType="withEffect">
+                                  <p:stCondLst>
+                                    <p:cond delay="0"/>
+                                  </p:stCondLst>
+                                  <p:childTnLst>
+                                    <p:set>
+                                      <p:cBhvr>
+                                        <p:cTn id="34" dur="1" fill="hold">
+                                          <p:stCondLst>
+                                            <p:cond delay="0"/>
+                                          </p:stCondLst>
+                                        </p:cTn>
+                                        <p:tgtEl>
+                                          <p:spTgt spid="6"/>
+                                        </p:tgtEl>
+                                        <p:attrNameLst>
+                                          <p:attrName>style.visibility</p:attrName>
+                                        </p:attrNameLst>
+                                      </p:cBhvr>
+                                      <p:to>
+                                        <p:strVal val="visible"/>
+                                      </p:to>
+                                    </p:set>
+                                    <p:animEffect transition="in" filter="fade">
+                                      <p:cBhvr>
+                                        <p:cTn id="35" dur="100"/>
+                                        <p:tgtEl>
+                                          <p:spTgt spid="6"/>
+                                        </p:tgtEl>
+                                      </p:cBhvr>
+                                    </p:animEffect>
+                                  </p:childTnLst>
+                                </p:cTn>
+                              </p:par>
+                            </p:childTnLst>
+                          </p:cTn>
+                        </p:par>
+                      </p:childTnLst>
+                    </p:cTn>
+                  </p:par>
+                  <p:par>
+                    <p:cTn id="36" fill="hold">
+                      <p:stCondLst>
+                        <p:cond delay="indefinite"/>
+                      </p:stCondLst>
+                      <p:childTnLst>
+                        <p:par>
+                          <p:cTn id="37" fill="hold">
+                            <p:stCondLst>
+                              <p:cond delay="0"/>
+                            </p:stCondLst>
+                            <p:childTnLst>
+                              <p:par>
+                                <p:cTn id="38" presetID="10" presetClass="entr" presetSubtype="0" fill="hold" grpId="0" nodeType="clickEffect">
+                                  <p:stCondLst>
+                                    <p:cond delay="0"/>
+                                  </p:stCondLst>
+                                  <p:childTnLst>
+                                    <p:set>
+                                      <p:cBhvr>
+                                        <p:cTn id="39" dur="1" fill="hold">
+                                          <p:stCondLst>
+                                            <p:cond delay="0"/>
+                                          </p:stCondLst>
+                                        </p:cTn>
+                                        <p:tgtEl>
+                                          <p:spTgt spid="7"/>
+                                        </p:tgtEl>
+                                        <p:attrNameLst>
+                                          <p:attrName>style.visibility</p:attrName>
+                                        </p:attrNameLst>
+                                      </p:cBhvr>
+                                      <p:to>
+                                        <p:strVal val="visible"/>
+                                      </p:to>
+                                    </p:set>
+                                    <p:animEffect transition="in" filter="fade">
+                                      <p:cBhvr>
+                                        <p:cTn id="40" dur="100"/>
+                                        <p:tgtEl>
+                                          <p:spTgt spid="7"/>
+                                        </p:tgtEl>
+                                      </p:cBhvr>
+                                    </p:animEffect>
+                                  </p:childTnLst>
+                                </p:cTn>
+                              </p:par>
+                              <p:par>
+                                <p:cTn id="41" presetID="10" presetClass="entr" presetSubtype="0" fill="hold" grpId="0" nodeType="withEffect">
+                                  <p:stCondLst>
+                                    <p:cond delay="0"/>
+                                  </p:stCondLst>
+                                  <p:childTnLst>
+                                    <p:set>
+                                      <p:cBhvr>
+                                        <p:cTn id="42" dur="1" fill="hold">
+                                          <p:stCondLst>
+                                            <p:cond delay="0"/>
+                                          </p:stCondLst>
+                                        </p:cTn>
+                                        <p:tgtEl>
+                                          <p:spTgt spid="10"/>
+                                        </p:tgtEl>
+                                        <p:attrNameLst>
+                                          <p:attrName>style.visibility</p:attrName>
+                                        </p:attrNameLst>
+                                      </p:cBhvr>
+                                      <p:to>
+                                        <p:strVal val="visible"/>
+                                      </p:to>
+                                    </p:set>
+                                    <p:animEffect transition="in" filter="fade">
+                                      <p:cBhvr>
+                                        <p:cTn id="43" dur="100"/>
+                                        <p:tgtEl>
+                                          <p:spTgt spid="10"/>
+                                        </p:tgtEl>
+                                      </p:cBhvr>
+                                    </p:animEffect>
+                                  </p:childTnLst>
+                                </p:cTn>
+                              </p:par>
+                            </p:childTnLst>
+                          </p:cTn>
+                        </p:par>
+                      </p:childTnLst>
+                    </p:cTn>
+                  </p:par>
+                  <p:par>
+                    <p:cTn id="44" fill="hold">
+                      <p:stCondLst>
+                        <p:cond delay="indefinite"/>
+                      </p:stCondLst>
+                      <p:childTnLst>
+                        <p:par>
+                          <p:cTn id="45" fill="hold">
+                            <p:stCondLst>
+                              <p:cond delay="0"/>
+                            </p:stCondLst>
+                            <p:childTnLst>
+                              <p:par>
+                                <p:cTn id="46" presetID="10" presetClass="entr" presetSubtype="0" fill="hold" nodeType="clickEffect">
+                                  <p:stCondLst>
+                                    <p:cond delay="0"/>
+                                  </p:stCondLst>
+                                  <p:childTnLst>
+                                    <p:set>
+                                      <p:cBhvr>
+                                        <p:cTn id="47" dur="1" fill="hold">
+                                          <p:stCondLst>
+                                            <p:cond delay="0"/>
+                                          </p:stCondLst>
+                                        </p:cTn>
+                                        <p:tgtEl>
+                                          <p:spTgt spid="3">
+                                            <p:txEl>
+                                              <p:pRg st="4" end="4"/>
+                                            </p:txEl>
+                                          </p:spTgt>
+                                        </p:tgtEl>
+                                        <p:attrNameLst>
+                                          <p:attrName>style.visibility</p:attrName>
+                                        </p:attrNameLst>
+                                      </p:cBhvr>
+                                      <p:to>
+                                        <p:strVal val="visible"/>
+                                      </p:to>
+                                    </p:set>
+                                    <p:animEffect transition="in" filter="fade">
+                                      <p:cBhvr>
+                                        <p:cTn id="48" dur="500"/>
+                                        <p:tgtEl>
+                                          <p:spTgt spid="3">
+                                            <p:txEl>
+                                              <p:pRg st="4" end="4"/>
+                                            </p:txEl>
+                                          </p:spTgt>
+                                        </p:tgtEl>
+                                      </p:cBhvr>
+                                    </p:animEffect>
+                                  </p:childTnLst>
+                                </p:cTn>
+                              </p:par>
+                              <p:par>
+                                <p:cTn id="49" presetID="10" presetClass="entr" presetSubtype="0" fill="hold" nodeType="withEffect">
+                                  <p:stCondLst>
+                                    <p:cond delay="0"/>
+                                  </p:stCondLst>
+                                  <p:childTnLst>
+                                    <p:set>
+                                      <p:cBhvr>
+                                        <p:cTn id="50" dur="1" fill="hold">
+                                          <p:stCondLst>
+                                            <p:cond delay="0"/>
+                                          </p:stCondLst>
+                                        </p:cTn>
+                                        <p:tgtEl>
+                                          <p:spTgt spid="3">
+                                            <p:txEl>
+                                              <p:pRg st="5" end="5"/>
+                                            </p:txEl>
+                                          </p:spTgt>
+                                        </p:tgtEl>
+                                        <p:attrNameLst>
+                                          <p:attrName>style.visibility</p:attrName>
+                                        </p:attrNameLst>
+                                      </p:cBhvr>
+                                      <p:to>
+                                        <p:strVal val="visible"/>
+                                      </p:to>
+                                    </p:set>
+                                    <p:animEffect transition="in" filter="fade">
+                                      <p:cBhvr>
+                                        <p:cTn id="51" dur="500"/>
+                                        <p:tgtEl>
+                                          <p:spTgt spid="3">
+                                            <p:txEl>
+                                              <p:pRg st="5" end="5"/>
+                                            </p:txEl>
+                                          </p:spTgt>
+                                        </p:tgtEl>
+                                      </p:cBhvr>
+                                    </p:animEffect>
+                                  </p:childTnLst>
+                                </p:cTn>
+                              </p:par>
+                              <p:par>
+                                <p:cTn id="52" presetID="10" presetClass="entr" presetSubtype="0" fill="hold" nodeType="withEffect">
+                                  <p:stCondLst>
+                                    <p:cond delay="0"/>
+                                  </p:stCondLst>
+                                  <p:childTnLst>
+                                    <p:set>
+                                      <p:cBhvr>
+                                        <p:cTn id="53" dur="1" fill="hold">
+                                          <p:stCondLst>
+                                            <p:cond delay="0"/>
+                                          </p:stCondLst>
+                                        </p:cTn>
+                                        <p:tgtEl>
+                                          <p:spTgt spid="3">
+                                            <p:txEl>
+                                              <p:pRg st="6" end="6"/>
+                                            </p:txEl>
+                                          </p:spTgt>
+                                        </p:tgtEl>
+                                        <p:attrNameLst>
+                                          <p:attrName>style.visibility</p:attrName>
+                                        </p:attrNameLst>
+                                      </p:cBhvr>
+                                      <p:to>
+                                        <p:strVal val="visible"/>
+                                      </p:to>
+                                    </p:set>
+                                    <p:animEffect transition="in" filter="fade">
+                                      <p:cBhvr>
+                                        <p:cTn id="54" dur="500"/>
+                                        <p:tgtEl>
+                                          <p:spTgt spid="3">
+                                            <p:txEl>
+                                              <p:pRg st="6" end="6"/>
+                                            </p:txEl>
+                                          </p:spTgt>
+                                        </p:tgtEl>
+                                      </p:cBhvr>
+                                    </p:animEffect>
+                                  </p:childTnLst>
+                                </p:cTn>
+                              </p:par>
+                            </p:childTnLst>
+                          </p:cTn>
+                        </p:par>
+                      </p:childTnLst>
+                    </p:cTn>
+                  </p:par>
+                  <p:par>
+                    <p:cTn id="55" fill="hold">
+                      <p:stCondLst>
+                        <p:cond delay="indefinite"/>
+                      </p:stCondLst>
+                      <p:childTnLst>
+                        <p:par>
+                          <p:cTn id="56" fill="hold">
+                            <p:stCondLst>
+                              <p:cond delay="0"/>
+                            </p:stCondLst>
+                            <p:childTnLst>
+                              <p:par>
+                                <p:cTn id="57" presetID="9" presetClass="emph" presetSubtype="0" nodeType="clickEffect">
+                                  <p:stCondLst>
+                                    <p:cond delay="0"/>
+                                  </p:stCondLst>
+                                  <p:childTnLst>
+                                    <p:set>
+                                      <p:cBhvr rctx="PPT">
+                                        <p:cTn id="58" dur="indefinite"/>
+                                        <p:tgtEl>
+                                          <p:spTgt spid="3">
+                                            <p:txEl>
+                                              <p:pRg st="4" end="4"/>
+                                            </p:txEl>
+                                          </p:spTgt>
+                                        </p:tgtEl>
+                                        <p:attrNameLst>
+                                          <p:attrName>style.opacity</p:attrName>
+                                        </p:attrNameLst>
+                                      </p:cBhvr>
+                                      <p:to>
+                                        <p:strVal val="0.5"/>
+                                      </p:to>
+                                    </p:set>
+                                    <p:animEffect filter="image" prLst="opacity: 0.5">
+                                      <p:cBhvr rctx="IE">
+                                        <p:cTn id="59" dur="indefinite"/>
+                                        <p:tgtEl>
+                                          <p:spTgt spid="3">
+                                            <p:txEl>
+                                              <p:pRg st="4" end="4"/>
+                                            </p:txEl>
+                                          </p:spTgt>
+                                        </p:tgtEl>
+                                      </p:cBhvr>
+                                    </p:animEffect>
+                                  </p:childTnLst>
+                                </p:cTn>
+                              </p:par>
+                              <p:par>
+                                <p:cTn id="60" presetID="9" presetClass="emph" presetSubtype="0" nodeType="withEffect">
+                                  <p:stCondLst>
+                                    <p:cond delay="0"/>
+                                  </p:stCondLst>
+                                  <p:childTnLst>
+                                    <p:set>
+                                      <p:cBhvr rctx="PPT">
+                                        <p:cTn id="61" dur="indefinite"/>
+                                        <p:tgtEl>
+                                          <p:spTgt spid="3">
+                                            <p:txEl>
+                                              <p:pRg st="5" end="5"/>
+                                            </p:txEl>
+                                          </p:spTgt>
+                                        </p:tgtEl>
+                                        <p:attrNameLst>
+                                          <p:attrName>style.opacity</p:attrName>
+                                        </p:attrNameLst>
+                                      </p:cBhvr>
+                                      <p:to>
+                                        <p:strVal val="0.5"/>
+                                      </p:to>
+                                    </p:set>
+                                    <p:animEffect filter="image" prLst="opacity: 0.5">
+                                      <p:cBhvr rctx="IE">
+                                        <p:cTn id="62" dur="indefinite"/>
+                                        <p:tgtEl>
+                                          <p:spTgt spid="3">
+                                            <p:txEl>
+                                              <p:pRg st="5" end="5"/>
+                                            </p:txEl>
+                                          </p:spTgt>
+                                        </p:tgtEl>
+                                      </p:cBhvr>
+                                    </p:animEffect>
+                                  </p:childTnLst>
+                                </p:cTn>
+                              </p:par>
+                              <p:par>
+                                <p:cTn id="63" presetID="9" presetClass="emph" presetSubtype="0" nodeType="withEffect">
+                                  <p:stCondLst>
+                                    <p:cond delay="0"/>
+                                  </p:stCondLst>
+                                  <p:childTnLst>
+                                    <p:set>
+                                      <p:cBhvr rctx="PPT">
+                                        <p:cTn id="64" dur="indefinite"/>
+                                        <p:tgtEl>
+                                          <p:spTgt spid="3">
+                                            <p:txEl>
+                                              <p:pRg st="6" end="6"/>
+                                            </p:txEl>
+                                          </p:spTgt>
+                                        </p:tgtEl>
+                                        <p:attrNameLst>
+                                          <p:attrName>style.opacity</p:attrName>
+                                        </p:attrNameLst>
+                                      </p:cBhvr>
+                                      <p:to>
+                                        <p:strVal val="0.5"/>
+                                      </p:to>
+                                    </p:set>
+                                    <p:animEffect filter="image" prLst="opacity: 0.5">
+                                      <p:cBhvr rctx="IE">
+                                        <p:cTn id="65" dur="indefinite"/>
+                                        <p:tgtEl>
+                                          <p:spTgt spid="3">
+                                            <p:txEl>
+                                              <p:pRg st="6" end="6"/>
+                                            </p:txEl>
+                                          </p:spTgt>
+                                        </p:tgtEl>
+                                      </p:cBhvr>
+                                    </p:animEffect>
+                                  </p:childTnLst>
+                                </p:cTn>
+                              </p:par>
+                              <p:par>
+                                <p:cTn id="66" presetID="10" presetClass="entr" presetSubtype="0" fill="hold" grpId="0" nodeType="withEffect">
+                                  <p:stCondLst>
+                                    <p:cond delay="0"/>
+                                  </p:stCondLst>
+                                  <p:childTnLst>
+                                    <p:set>
+                                      <p:cBhvr>
+                                        <p:cTn id="67" dur="1" fill="hold">
+                                          <p:stCondLst>
+                                            <p:cond delay="0"/>
+                                          </p:stCondLst>
+                                        </p:cTn>
+                                        <p:tgtEl>
+                                          <p:spTgt spid="15"/>
+                                        </p:tgtEl>
+                                        <p:attrNameLst>
+                                          <p:attrName>style.visibility</p:attrName>
+                                        </p:attrNameLst>
+                                      </p:cBhvr>
+                                      <p:to>
+                                        <p:strVal val="visible"/>
+                                      </p:to>
+                                    </p:set>
+                                    <p:animEffect transition="in" filter="fade">
+                                      <p:cBhvr>
+                                        <p:cTn id="68" dur="100"/>
+                                        <p:tgtEl>
+                                          <p:spTgt spid="15"/>
+                                        </p:tgtEl>
+                                      </p:cBhvr>
+                                    </p:animEffect>
+                                  </p:childTnLst>
+                                </p:cTn>
+                              </p:par>
+                              <p:par>
+                                <p:cTn id="69" presetID="10" presetClass="entr" presetSubtype="0" fill="hold" grpId="0" nodeType="withEffect">
+                                  <p:stCondLst>
+                                    <p:cond delay="0"/>
+                                  </p:stCondLst>
+                                  <p:childTnLst>
+                                    <p:set>
+                                      <p:cBhvr>
+                                        <p:cTn id="70" dur="1" fill="hold">
+                                          <p:stCondLst>
+                                            <p:cond delay="0"/>
+                                          </p:stCondLst>
+                                        </p:cTn>
+                                        <p:tgtEl>
+                                          <p:spTgt spid="12"/>
+                                        </p:tgtEl>
+                                        <p:attrNameLst>
+                                          <p:attrName>style.visibility</p:attrName>
+                                        </p:attrNameLst>
+                                      </p:cBhvr>
+                                      <p:to>
+                                        <p:strVal val="visible"/>
+                                      </p:to>
+                                    </p:set>
+                                    <p:animEffect transition="in" filter="fade">
+                                      <p:cBhvr>
+                                        <p:cTn id="71" dur="100"/>
+                                        <p:tgtEl>
+                                          <p:spTgt spid="12"/>
+                                        </p:tgtEl>
+                                      </p:cBhvr>
+                                    </p:animEffect>
+                                  </p:childTnLst>
+                                </p:cTn>
+                              </p:par>
+                            </p:childTnLst>
+                          </p:cTn>
+                        </p:par>
+                      </p:childTnLst>
+                    </p:cTn>
+                  </p:par>
+                  <p:par>
+                    <p:cTn id="72" fill="hold">
+                      <p:stCondLst>
+                        <p:cond delay="indefinite"/>
+                      </p:stCondLst>
+                      <p:childTnLst>
+                        <p:par>
+                          <p:cTn id="73" fill="hold">
+                            <p:stCondLst>
+                              <p:cond delay="0"/>
+                            </p:stCondLst>
+                            <p:childTnLst>
+                              <p:par>
+                                <p:cTn id="74" presetID="10" presetClass="entr" presetSubtype="0" fill="hold" grpId="0" nodeType="clickEffect">
+                                  <p:stCondLst>
+                                    <p:cond delay="0"/>
+                                  </p:stCondLst>
+                                  <p:childTnLst>
+                                    <p:set>
+                                      <p:cBhvr>
+                                        <p:cTn id="75" dur="1" fill="hold">
+                                          <p:stCondLst>
+                                            <p:cond delay="0"/>
+                                          </p:stCondLst>
+                                        </p:cTn>
+                                        <p:tgtEl>
+                                          <p:spTgt spid="14"/>
+                                        </p:tgtEl>
+                                        <p:attrNameLst>
+                                          <p:attrName>style.visibility</p:attrName>
+                                        </p:attrNameLst>
+                                      </p:cBhvr>
+                                      <p:to>
+                                        <p:strVal val="visible"/>
+                                      </p:to>
+                                    </p:set>
+                                    <p:animEffect transition="in" filter="fade">
+                                      <p:cBhvr>
+                                        <p:cTn id="76" dur="100"/>
+                                        <p:tgtEl>
+                                          <p:spTgt spid="14"/>
+                                        </p:tgtEl>
+                                      </p:cBhvr>
+                                    </p:animEffect>
+                                  </p:childTnLst>
+                                </p:cTn>
+                              </p:par>
+                              <p:par>
+                                <p:cTn id="77" presetID="10" presetClass="entr" presetSubtype="0" fill="hold" grpId="0" nodeType="withEffect">
+                                  <p:stCondLst>
+                                    <p:cond delay="0"/>
+                                  </p:stCondLst>
+                                  <p:childTnLst>
+                                    <p:set>
+                                      <p:cBhvr>
+                                        <p:cTn id="78" dur="1" fill="hold">
+                                          <p:stCondLst>
+                                            <p:cond delay="0"/>
+                                          </p:stCondLst>
+                                        </p:cTn>
+                                        <p:tgtEl>
+                                          <p:spTgt spid="16"/>
+                                        </p:tgtEl>
+                                        <p:attrNameLst>
+                                          <p:attrName>style.visibility</p:attrName>
+                                        </p:attrNameLst>
+                                      </p:cBhvr>
+                                      <p:to>
+                                        <p:strVal val="visible"/>
+                                      </p:to>
+                                    </p:set>
+                                    <p:animEffect transition="in" filter="fade">
+                                      <p:cBhvr>
+                                        <p:cTn id="79" dur="100"/>
+                                        <p:tgtEl>
+                                          <p:spTgt spid="16"/>
+                                        </p:tgtEl>
+                                      </p:cBhvr>
+                                    </p:animEffect>
+                                  </p:childTnLst>
+                                </p:cTn>
+                              </p:par>
+                            </p:childTnLst>
+                          </p:cTn>
+                        </p:par>
+                      </p:childTnLst>
+                    </p:cTn>
+                  </p:par>
+                  <p:par>
+                    <p:cTn id="80" fill="hold">
+                      <p:stCondLst>
+                        <p:cond delay="indefinite"/>
+                      </p:stCondLst>
+                      <p:childTnLst>
+                        <p:par>
+                          <p:cTn id="81" fill="hold">
+                            <p:stCondLst>
+                              <p:cond delay="0"/>
+                            </p:stCondLst>
+                            <p:childTnLst>
+                              <p:par>
+                                <p:cTn id="82" presetID="10" presetClass="entr" presetSubtype="0" fill="hold" grpId="0" nodeType="clickEffect">
+                                  <p:stCondLst>
+                                    <p:cond delay="0"/>
+                                  </p:stCondLst>
+                                  <p:childTnLst>
+                                    <p:set>
+                                      <p:cBhvr>
+                                        <p:cTn id="83" dur="1" fill="hold">
+                                          <p:stCondLst>
+                                            <p:cond delay="0"/>
+                                          </p:stCondLst>
+                                        </p:cTn>
+                                        <p:tgtEl>
+                                          <p:spTgt spid="17"/>
+                                        </p:tgtEl>
+                                        <p:attrNameLst>
+                                          <p:attrName>style.visibility</p:attrName>
+                                        </p:attrNameLst>
+                                      </p:cBhvr>
+                                      <p:to>
+                                        <p:strVal val="visible"/>
+                                      </p:to>
+                                    </p:set>
+                                    <p:animEffect transition="in" filter="fade">
+                                      <p:cBhvr>
+                                        <p:cTn id="84" dur="100"/>
+                                        <p:tgtEl>
+                                          <p:spTgt spid="17"/>
+                                        </p:tgtEl>
+                                      </p:cBhvr>
+                                    </p:animEffect>
+                                  </p:childTnLst>
+                                </p:cTn>
+                              </p:par>
+                              <p:par>
+                                <p:cTn id="85" presetID="10" presetClass="entr" presetSubtype="0" fill="hold" grpId="0" nodeType="withEffect">
+                                  <p:stCondLst>
+                                    <p:cond delay="0"/>
+                                  </p:stCondLst>
+                                  <p:childTnLst>
+                                    <p:set>
+                                      <p:cBhvr>
+                                        <p:cTn id="86" dur="1" fill="hold">
+                                          <p:stCondLst>
+                                            <p:cond delay="0"/>
+                                          </p:stCondLst>
+                                        </p:cTn>
+                                        <p:tgtEl>
+                                          <p:spTgt spid="13"/>
+                                        </p:tgtEl>
+                                        <p:attrNameLst>
+                                          <p:attrName>style.visibility</p:attrName>
+                                        </p:attrNameLst>
+                                      </p:cBhvr>
+                                      <p:to>
+                                        <p:strVal val="visible"/>
+                                      </p:to>
+                                    </p:set>
+                                    <p:animEffect transition="in" filter="fade">
+                                      <p:cBhvr>
+                                        <p:cTn id="87" dur="100"/>
+                                        <p:tgtEl>
+                                          <p:spTgt spid="13"/>
+                                        </p:tgtEl>
+                                      </p:cBhvr>
+                                    </p:animEffect>
+                                  </p:childTnLst>
+                                </p:cTn>
+                              </p:par>
+                            </p:childTnLst>
+                          </p:cTn>
+                        </p:par>
+                      </p:childTnLst>
+                    </p:cTn>
+                  </p:par>
+                </p:childTnLst>
+              </p:cTn>
+              <p:prevCondLst>
+                <p:cond evt="onPrev" delay="0">
+                  <p:tgtEl>
+                    <p:sldTgt/>
+                  </p:tgtEl>
+                </p:cond>
+              </p:prevCondLst>
+              <p:nextCondLst>
+                <p:cond evt="onNext" delay="0">
+                  <p:tgtEl>
+                    <p:sldTgt/>
+                  </p:tgtEl>
+                </p:cond>
+              </p:nextCondLst>
+            </p:seq>
+          </p:childTnLst>
+        </p:cTn>
       </p:par>
     </p:tnLst>
+    <p:bldLst>
+      <p:bldP spid="4" grpId="0"/>
+      <p:bldP spid="5" grpId="0"/>
+      <p:bldP spid="6" grpId="0"/>
+      <p:bldP spid="7" grpId="0"/>
+      <p:bldP spid="8" grpId="0"/>
+      <p:bldP spid="9" grpId="0"/>
+      <p:bldP spid="10" grpId="0"/>
+      <p:bldP spid="11" grpId="0"/>
+      <p:bldP spid="12" grpId="0"/>
+      <p:bldP spid="13" grpId="0"/>
+      <p:bldP spid="14" grpId="0"/>
+      <p:bldP spid="15" grpId="0"/>
+      <p:bldP spid="16" grpId="0"/>
+      <p:bldP spid="17" grpId="0"/>
+    </p:bldLst>
   </p:timing>
 </p:sld>
 </file>
@@ -5045,6 +6622,1320 @@
           <a:bodyPr/>
           <a:lstStyle/>
           <a:p>
+            <a:r>
+              <a:rPr lang="en-US" dirty="0" smtClean="0"/>
+              <a:t>Some things to remember</a:t>
+            </a:r>
+            <a:endParaRPr lang="en-US" dirty="0"/>
+          </a:p>
+        </p:txBody>
+      </p:sp>
+      <p:sp>
+        <p:nvSpPr>
+          <p:cNvPr id="3" name="Content Placeholder 2"/>
+          <p:cNvSpPr>
+            <a:spLocks noGrp="1"/>
+          </p:cNvSpPr>
+          <p:nvPr>
+            <p:ph idx="1"/>
+          </p:nvPr>
+        </p:nvSpPr>
+        <p:spPr>
+          <a:xfrm>
+            <a:off x="4023360" y="1825625"/>
+            <a:ext cx="7303008" cy="4351338"/>
+          </a:xfrm>
+        </p:spPr>
+        <p:txBody>
+          <a:bodyPr>
+            <a:normAutofit/>
+          </a:bodyPr>
+          <a:lstStyle/>
+          <a:p>
+            <a:r>
+              <a:rPr lang="en-US" dirty="0" smtClean="0"/>
+              <a:t>Video</a:t>
+            </a:r>
+          </a:p>
+          <a:p>
+            <a:pPr lvl="1"/>
+            <a:r>
+              <a:rPr lang="en-US" dirty="0" smtClean="0"/>
+              <a:t>MPEG-4</a:t>
+            </a:r>
+          </a:p>
+          <a:p>
+            <a:pPr lvl="1"/>
+            <a:endParaRPr lang="en-US" dirty="0" smtClean="0"/>
+          </a:p>
+          <a:p>
+            <a:r>
+              <a:rPr lang="en-US" dirty="0" smtClean="0"/>
+              <a:t>Documentation</a:t>
+            </a:r>
+          </a:p>
+          <a:p>
+            <a:pPr lvl="1"/>
+            <a:r>
+              <a:rPr lang="en-US" dirty="0" smtClean="0"/>
+              <a:t>Rich Text Format</a:t>
+            </a:r>
+          </a:p>
+          <a:p>
+            <a:pPr lvl="1"/>
+            <a:r>
+              <a:rPr lang="en-US" dirty="0" smtClean="0"/>
+              <a:t>Open Document Text</a:t>
+            </a:r>
+          </a:p>
+          <a:p>
+            <a:pPr lvl="1"/>
+            <a:r>
+              <a:rPr lang="en-US" dirty="0" smtClean="0"/>
+              <a:t>HTML</a:t>
+            </a:r>
+          </a:p>
+          <a:p>
+            <a:pPr lvl="1"/>
+            <a:r>
+              <a:rPr lang="en-US" dirty="0" smtClean="0"/>
+              <a:t>Plain text</a:t>
+            </a:r>
+          </a:p>
+          <a:p>
+            <a:pPr lvl="1"/>
+            <a:endParaRPr lang="en-US" dirty="0"/>
+          </a:p>
+        </p:txBody>
+      </p:sp>
+      <p:sp>
+        <p:nvSpPr>
+          <p:cNvPr id="4" name="TextBox 3"/>
+          <p:cNvSpPr txBox="1"/>
+          <p:nvPr/>
+        </p:nvSpPr>
+        <p:spPr>
+          <a:xfrm>
+            <a:off x="6080008" y="1727087"/>
+            <a:ext cx="665604" cy="369332"/>
+          </a:xfrm>
+          <a:prstGeom prst="rect">
+            <a:avLst/>
+          </a:prstGeom>
+          <a:noFill/>
+        </p:spPr>
+        <p:txBody>
+          <a:bodyPr wrap="none" rtlCol="0">
+            <a:spAutoFit/>
+          </a:bodyPr>
+          <a:lstStyle/>
+          <a:p>
+            <a:r>
+              <a:rPr lang="en-US" dirty="0" smtClean="0"/>
+              <a:t>.mp4</a:t>
+            </a:r>
+            <a:endParaRPr lang="en-US" dirty="0"/>
+          </a:p>
+        </p:txBody>
+      </p:sp>
+      <p:sp>
+        <p:nvSpPr>
+          <p:cNvPr id="5" name="TextBox 4"/>
+          <p:cNvSpPr txBox="1"/>
+          <p:nvPr/>
+        </p:nvSpPr>
+        <p:spPr>
+          <a:xfrm>
+            <a:off x="7447927" y="4390515"/>
+            <a:ext cx="563263" cy="369332"/>
+          </a:xfrm>
+          <a:prstGeom prst="rect">
+            <a:avLst/>
+          </a:prstGeom>
+          <a:noFill/>
+        </p:spPr>
+        <p:txBody>
+          <a:bodyPr wrap="none" rtlCol="0">
+            <a:spAutoFit/>
+          </a:bodyPr>
+          <a:lstStyle/>
+          <a:p>
+            <a:r>
+              <a:rPr lang="en-US" dirty="0" smtClean="0"/>
+              <a:t>.</a:t>
+            </a:r>
+            <a:r>
+              <a:rPr lang="en-US" dirty="0" err="1" smtClean="0"/>
+              <a:t>odt</a:t>
+            </a:r>
+            <a:endParaRPr lang="en-US" dirty="0"/>
+          </a:p>
+        </p:txBody>
+      </p:sp>
+      <p:sp>
+        <p:nvSpPr>
+          <p:cNvPr id="6" name="TextBox 5"/>
+          <p:cNvSpPr txBox="1"/>
+          <p:nvPr/>
+        </p:nvSpPr>
+        <p:spPr>
+          <a:xfrm>
+            <a:off x="7334273" y="1834623"/>
+            <a:ext cx="654897" cy="369332"/>
+          </a:xfrm>
+          <a:prstGeom prst="rect">
+            <a:avLst/>
+          </a:prstGeom>
+          <a:noFill/>
+        </p:spPr>
+        <p:txBody>
+          <a:bodyPr wrap="none" rtlCol="0">
+            <a:spAutoFit/>
+          </a:bodyPr>
+          <a:lstStyle/>
+          <a:p>
+            <a:r>
+              <a:rPr lang="en-US" dirty="0" smtClean="0"/>
+              <a:t>.m4a</a:t>
+            </a:r>
+            <a:endParaRPr lang="en-US" dirty="0"/>
+          </a:p>
+        </p:txBody>
+      </p:sp>
+      <p:sp>
+        <p:nvSpPr>
+          <p:cNvPr id="7" name="TextBox 6"/>
+          <p:cNvSpPr txBox="1"/>
+          <p:nvPr/>
+        </p:nvSpPr>
+        <p:spPr>
+          <a:xfrm>
+            <a:off x="8067589" y="3267888"/>
+            <a:ext cx="415498" cy="369332"/>
+          </a:xfrm>
+          <a:prstGeom prst="rect">
+            <a:avLst/>
+          </a:prstGeom>
+          <a:noFill/>
+        </p:spPr>
+        <p:txBody>
+          <a:bodyPr wrap="none" rtlCol="0">
+            <a:spAutoFit/>
+          </a:bodyPr>
+          <a:lstStyle/>
+          <a:p>
+            <a:r>
+              <a:rPr lang="en-US" dirty="0" smtClean="0"/>
+              <a:t>rtf</a:t>
+            </a:r>
+            <a:endParaRPr lang="en-US" dirty="0"/>
+          </a:p>
+        </p:txBody>
+      </p:sp>
+      <p:sp>
+        <p:nvSpPr>
+          <p:cNvPr id="8" name="TextBox 7"/>
+          <p:cNvSpPr txBox="1"/>
+          <p:nvPr/>
+        </p:nvSpPr>
+        <p:spPr>
+          <a:xfrm>
+            <a:off x="5311603" y="1460916"/>
+            <a:ext cx="2950147" cy="369332"/>
+          </a:xfrm>
+          <a:prstGeom prst="rect">
+            <a:avLst/>
+          </a:prstGeom>
+          <a:noFill/>
+        </p:spPr>
+        <p:txBody>
+          <a:bodyPr wrap="none" rtlCol="0">
+            <a:spAutoFit/>
+          </a:bodyPr>
+          <a:lstStyle/>
+          <a:p>
+            <a:r>
+              <a:rPr lang="en-US" dirty="0" smtClean="0"/>
+              <a:t>motion pictures expert group</a:t>
+            </a:r>
+            <a:endParaRPr lang="en-US" dirty="0"/>
+          </a:p>
+        </p:txBody>
+      </p:sp>
+      <p:sp>
+        <p:nvSpPr>
+          <p:cNvPr id="9" name="TextBox 8"/>
+          <p:cNvSpPr txBox="1"/>
+          <p:nvPr/>
+        </p:nvSpPr>
+        <p:spPr>
+          <a:xfrm>
+            <a:off x="7917354" y="4216828"/>
+            <a:ext cx="2133918" cy="369332"/>
+          </a:xfrm>
+          <a:prstGeom prst="rect">
+            <a:avLst/>
+          </a:prstGeom>
+          <a:noFill/>
+        </p:spPr>
+        <p:txBody>
+          <a:bodyPr wrap="none" rtlCol="0">
+            <a:spAutoFit/>
+          </a:bodyPr>
+          <a:lstStyle/>
+          <a:p>
+            <a:r>
+              <a:rPr lang="en-US" dirty="0" smtClean="0"/>
+              <a:t>open document text</a:t>
+            </a:r>
+            <a:endParaRPr lang="en-US" dirty="0"/>
+          </a:p>
+        </p:txBody>
+      </p:sp>
+      <p:sp>
+        <p:nvSpPr>
+          <p:cNvPr id="10" name="TextBox 9"/>
+          <p:cNvSpPr txBox="1"/>
+          <p:nvPr/>
+        </p:nvSpPr>
+        <p:spPr>
+          <a:xfrm>
+            <a:off x="8249612" y="3493441"/>
+            <a:ext cx="1659429" cy="369332"/>
+          </a:xfrm>
+          <a:prstGeom prst="rect">
+            <a:avLst/>
+          </a:prstGeom>
+          <a:noFill/>
+        </p:spPr>
+        <p:txBody>
+          <a:bodyPr wrap="none" rtlCol="0">
+            <a:spAutoFit/>
+          </a:bodyPr>
+          <a:lstStyle/>
+          <a:p>
+            <a:r>
+              <a:rPr lang="en-US" dirty="0"/>
+              <a:t>r</a:t>
+            </a:r>
+            <a:r>
+              <a:rPr lang="en-US" dirty="0" smtClean="0"/>
+              <a:t>ich text format</a:t>
+            </a:r>
+            <a:endParaRPr lang="en-US" dirty="0"/>
+          </a:p>
+        </p:txBody>
+      </p:sp>
+    </p:spTree>
+    <p:extLst>
+      <p:ext uri="{BB962C8B-B14F-4D97-AF65-F5344CB8AC3E}">
+        <p14:creationId xmlns:p14="http://schemas.microsoft.com/office/powerpoint/2010/main" val="2335904358"/>
+      </p:ext>
+    </p:extLst>
+  </p:cSld>
+  <p:clrMapOvr>
+    <a:masterClrMapping/>
+  </p:clrMapOvr>
+  <p:timing>
+    <p:tnLst>
+      <p:par>
+        <p:cTn xmlns:p14="http://schemas.microsoft.com/office/powerpoint/2010/main" id="1" dur="indefinite" restart="never" nodeType="tmRoot">
+          <p:childTnLst>
+            <p:seq concurrent="1" nextAc="seek">
+              <p:cTn id="2" dur="indefinite" nodeType="mainSeq">
+                <p:childTnLst>
+                  <p:par>
+                    <p:cTn id="3" fill="hold">
+                      <p:stCondLst>
+                        <p:cond delay="indefinite"/>
+                      </p:stCondLst>
+                      <p:childTnLst>
+                        <p:par>
+                          <p:cTn id="4" fill="hold">
+                            <p:stCondLst>
+                              <p:cond delay="0"/>
+                            </p:stCondLst>
+                            <p:childTnLst>
+                              <p:par>
+                                <p:cTn id="5" presetID="10" presetClass="entr" presetSubtype="0" fill="hold" grpId="0" nodeType="clickEffect">
+                                  <p:stCondLst>
+                                    <p:cond delay="0"/>
+                                  </p:stCondLst>
+                                  <p:childTnLst>
+                                    <p:set>
+                                      <p:cBhvr>
+                                        <p:cTn id="6" dur="1" fill="hold">
+                                          <p:stCondLst>
+                                            <p:cond delay="0"/>
+                                          </p:stCondLst>
+                                        </p:cTn>
+                                        <p:tgtEl>
+                                          <p:spTgt spid="4"/>
+                                        </p:tgtEl>
+                                        <p:attrNameLst>
+                                          <p:attrName>style.visibility</p:attrName>
+                                        </p:attrNameLst>
+                                      </p:cBhvr>
+                                      <p:to>
+                                        <p:strVal val="visible"/>
+                                      </p:to>
+                                    </p:set>
+                                    <p:animEffect transition="in" filter="fade">
+                                      <p:cBhvr>
+                                        <p:cTn id="7" dur="100"/>
+                                        <p:tgtEl>
+                                          <p:spTgt spid="4"/>
+                                        </p:tgtEl>
+                                      </p:cBhvr>
+                                    </p:animEffect>
+                                  </p:childTnLst>
+                                </p:cTn>
+                              </p:par>
+                              <p:par>
+                                <p:cTn id="8" presetID="10" presetClass="entr" presetSubtype="0" fill="hold" grpId="0" nodeType="withEffect">
+                                  <p:stCondLst>
+                                    <p:cond delay="0"/>
+                                  </p:stCondLst>
+                                  <p:childTnLst>
+                                    <p:set>
+                                      <p:cBhvr>
+                                        <p:cTn id="9" dur="1" fill="hold">
+                                          <p:stCondLst>
+                                            <p:cond delay="0"/>
+                                          </p:stCondLst>
+                                        </p:cTn>
+                                        <p:tgtEl>
+                                          <p:spTgt spid="8"/>
+                                        </p:tgtEl>
+                                        <p:attrNameLst>
+                                          <p:attrName>style.visibility</p:attrName>
+                                        </p:attrNameLst>
+                                      </p:cBhvr>
+                                      <p:to>
+                                        <p:strVal val="visible"/>
+                                      </p:to>
+                                    </p:set>
+                                    <p:animEffect transition="in" filter="fade">
+                                      <p:cBhvr>
+                                        <p:cTn id="10" dur="100"/>
+                                        <p:tgtEl>
+                                          <p:spTgt spid="8"/>
+                                        </p:tgtEl>
+                                      </p:cBhvr>
+                                    </p:animEffect>
+                                  </p:childTnLst>
+                                </p:cTn>
+                              </p:par>
+                              <p:par>
+                                <p:cTn id="11" presetID="10" presetClass="entr" presetSubtype="0" fill="hold" grpId="0" nodeType="withEffect">
+                                  <p:stCondLst>
+                                    <p:cond delay="0"/>
+                                  </p:stCondLst>
+                                  <p:childTnLst>
+                                    <p:set>
+                                      <p:cBhvr>
+                                        <p:cTn id="12" dur="1" fill="hold">
+                                          <p:stCondLst>
+                                            <p:cond delay="0"/>
+                                          </p:stCondLst>
+                                        </p:cTn>
+                                        <p:tgtEl>
+                                          <p:spTgt spid="6"/>
+                                        </p:tgtEl>
+                                        <p:attrNameLst>
+                                          <p:attrName>style.visibility</p:attrName>
+                                        </p:attrNameLst>
+                                      </p:cBhvr>
+                                      <p:to>
+                                        <p:strVal val="visible"/>
+                                      </p:to>
+                                    </p:set>
+                                    <p:animEffect transition="in" filter="fade">
+                                      <p:cBhvr>
+                                        <p:cTn id="13" dur="100"/>
+                                        <p:tgtEl>
+                                          <p:spTgt spid="6"/>
+                                        </p:tgtEl>
+                                      </p:cBhvr>
+                                    </p:animEffect>
+                                  </p:childTnLst>
+                                </p:cTn>
+                              </p:par>
+                            </p:childTnLst>
+                          </p:cTn>
+                        </p:par>
+                      </p:childTnLst>
+                    </p:cTn>
+                  </p:par>
+                  <p:par>
+                    <p:cTn id="14" fill="hold">
+                      <p:stCondLst>
+                        <p:cond delay="indefinite"/>
+                      </p:stCondLst>
+                      <p:childTnLst>
+                        <p:par>
+                          <p:cTn id="15" fill="hold">
+                            <p:stCondLst>
+                              <p:cond delay="0"/>
+                            </p:stCondLst>
+                            <p:childTnLst>
+                              <p:par>
+                                <p:cTn id="16" presetID="10" presetClass="entr" presetSubtype="0" fill="hold" grpId="0" nodeType="clickEffect">
+                                  <p:stCondLst>
+                                    <p:cond delay="0"/>
+                                  </p:stCondLst>
+                                  <p:childTnLst>
+                                    <p:set>
+                                      <p:cBhvr>
+                                        <p:cTn id="17" dur="1" fill="hold">
+                                          <p:stCondLst>
+                                            <p:cond delay="0"/>
+                                          </p:stCondLst>
+                                        </p:cTn>
+                                        <p:tgtEl>
+                                          <p:spTgt spid="7"/>
+                                        </p:tgtEl>
+                                        <p:attrNameLst>
+                                          <p:attrName>style.visibility</p:attrName>
+                                        </p:attrNameLst>
+                                      </p:cBhvr>
+                                      <p:to>
+                                        <p:strVal val="visible"/>
+                                      </p:to>
+                                    </p:set>
+                                    <p:animEffect transition="in" filter="fade">
+                                      <p:cBhvr>
+                                        <p:cTn id="18" dur="100"/>
+                                        <p:tgtEl>
+                                          <p:spTgt spid="7"/>
+                                        </p:tgtEl>
+                                      </p:cBhvr>
+                                    </p:animEffect>
+                                  </p:childTnLst>
+                                </p:cTn>
+                              </p:par>
+                              <p:par>
+                                <p:cTn id="19" presetID="10" presetClass="entr" presetSubtype="0" fill="hold" grpId="0" nodeType="withEffect">
+                                  <p:stCondLst>
+                                    <p:cond delay="0"/>
+                                  </p:stCondLst>
+                                  <p:childTnLst>
+                                    <p:set>
+                                      <p:cBhvr>
+                                        <p:cTn id="20" dur="1" fill="hold">
+                                          <p:stCondLst>
+                                            <p:cond delay="0"/>
+                                          </p:stCondLst>
+                                        </p:cTn>
+                                        <p:tgtEl>
+                                          <p:spTgt spid="10"/>
+                                        </p:tgtEl>
+                                        <p:attrNameLst>
+                                          <p:attrName>style.visibility</p:attrName>
+                                        </p:attrNameLst>
+                                      </p:cBhvr>
+                                      <p:to>
+                                        <p:strVal val="visible"/>
+                                      </p:to>
+                                    </p:set>
+                                    <p:animEffect transition="in" filter="fade">
+                                      <p:cBhvr>
+                                        <p:cTn id="21" dur="100"/>
+                                        <p:tgtEl>
+                                          <p:spTgt spid="10"/>
+                                        </p:tgtEl>
+                                      </p:cBhvr>
+                                    </p:animEffect>
+                                  </p:childTnLst>
+                                </p:cTn>
+                              </p:par>
+                            </p:childTnLst>
+                          </p:cTn>
+                        </p:par>
+                      </p:childTnLst>
+                    </p:cTn>
+                  </p:par>
+                  <p:par>
+                    <p:cTn id="22" fill="hold">
+                      <p:stCondLst>
+                        <p:cond delay="indefinite"/>
+                      </p:stCondLst>
+                      <p:childTnLst>
+                        <p:par>
+                          <p:cTn id="23" fill="hold">
+                            <p:stCondLst>
+                              <p:cond delay="0"/>
+                            </p:stCondLst>
+                            <p:childTnLst>
+                              <p:par>
+                                <p:cTn id="24" presetID="10" presetClass="entr" presetSubtype="0" fill="hold" grpId="0" nodeType="clickEffect">
+                                  <p:stCondLst>
+                                    <p:cond delay="0"/>
+                                  </p:stCondLst>
+                                  <p:childTnLst>
+                                    <p:set>
+                                      <p:cBhvr>
+                                        <p:cTn id="25" dur="1" fill="hold">
+                                          <p:stCondLst>
+                                            <p:cond delay="0"/>
+                                          </p:stCondLst>
+                                        </p:cTn>
+                                        <p:tgtEl>
+                                          <p:spTgt spid="9"/>
+                                        </p:tgtEl>
+                                        <p:attrNameLst>
+                                          <p:attrName>style.visibility</p:attrName>
+                                        </p:attrNameLst>
+                                      </p:cBhvr>
+                                      <p:to>
+                                        <p:strVal val="visible"/>
+                                      </p:to>
+                                    </p:set>
+                                    <p:animEffect transition="in" filter="fade">
+                                      <p:cBhvr>
+                                        <p:cTn id="26" dur="100"/>
+                                        <p:tgtEl>
+                                          <p:spTgt spid="9"/>
+                                        </p:tgtEl>
+                                      </p:cBhvr>
+                                    </p:animEffect>
+                                  </p:childTnLst>
+                                </p:cTn>
+                              </p:par>
+                              <p:par>
+                                <p:cTn id="27" presetID="10" presetClass="entr" presetSubtype="0" fill="hold" grpId="0" nodeType="withEffect">
+                                  <p:stCondLst>
+                                    <p:cond delay="0"/>
+                                  </p:stCondLst>
+                                  <p:childTnLst>
+                                    <p:set>
+                                      <p:cBhvr>
+                                        <p:cTn id="28" dur="1" fill="hold">
+                                          <p:stCondLst>
+                                            <p:cond delay="0"/>
+                                          </p:stCondLst>
+                                        </p:cTn>
+                                        <p:tgtEl>
+                                          <p:spTgt spid="5"/>
+                                        </p:tgtEl>
+                                        <p:attrNameLst>
+                                          <p:attrName>style.visibility</p:attrName>
+                                        </p:attrNameLst>
+                                      </p:cBhvr>
+                                      <p:to>
+                                        <p:strVal val="visible"/>
+                                      </p:to>
+                                    </p:set>
+                                    <p:animEffect transition="in" filter="fade">
+                                      <p:cBhvr>
+                                        <p:cTn id="29" dur="100"/>
+                                        <p:tgtEl>
+                                          <p:spTgt spid="5"/>
+                                        </p:tgtEl>
+                                      </p:cBhvr>
+                                    </p:animEffect>
+                                  </p:childTnLst>
+                                </p:cTn>
+                              </p:par>
+                            </p:childTnLst>
+                          </p:cTn>
+                        </p:par>
+                      </p:childTnLst>
+                    </p:cTn>
+                  </p:par>
+                </p:childTnLst>
+              </p:cTn>
+              <p:prevCondLst>
+                <p:cond evt="onPrev" delay="0">
+                  <p:tgtEl>
+                    <p:sldTgt/>
+                  </p:tgtEl>
+                </p:cond>
+              </p:prevCondLst>
+              <p:nextCondLst>
+                <p:cond evt="onNext" delay="0">
+                  <p:tgtEl>
+                    <p:sldTgt/>
+                  </p:tgtEl>
+                </p:cond>
+              </p:nextCondLst>
+            </p:seq>
+          </p:childTnLst>
+        </p:cTn>
+      </p:par>
+    </p:tnLst>
+    <p:bldLst>
+      <p:bldP spid="4" grpId="0"/>
+      <p:bldP spid="5" grpId="0"/>
+      <p:bldP spid="6" grpId="0"/>
+      <p:bldP spid="7" grpId="0"/>
+      <p:bldP spid="8" grpId="0"/>
+      <p:bldP spid="9" grpId="0"/>
+      <p:bldP spid="10" grpId="0"/>
+    </p:bldLst>
+  </p:timing>
+</p:sld>
+</file>
+
+<file path=ppt/slides/slide13.xml><?xml version="1.0" encoding="utf-8"?>
+<p:sld xmlns:a="http://schemas.openxmlformats.org/drawingml/2006/main" xmlns:r="http://schemas.openxmlformats.org/officeDocument/2006/relationships" xmlns:p="http://schemas.openxmlformats.org/presentationml/2006/main">
+  <p:cSld>
+    <p:spTree>
+      <p:nvGrpSpPr>
+        <p:cNvPr id="1" name=""/>
+        <p:cNvGrpSpPr/>
+        <p:nvPr/>
+      </p:nvGrpSpPr>
+      <p:grpSpPr>
+        <a:xfrm>
+          <a:off x="0" y="0"/>
+          <a:ext cx="0" cy="0"/>
+          <a:chOff x="0" y="0"/>
+          <a:chExt cx="0" cy="0"/>
+        </a:xfrm>
+      </p:grpSpPr>
+      <p:sp>
+        <p:nvSpPr>
+          <p:cNvPr id="2" name="Title 1"/>
+          <p:cNvSpPr>
+            <a:spLocks noGrp="1"/>
+          </p:cNvSpPr>
+          <p:nvPr>
+            <p:ph type="title"/>
+          </p:nvPr>
+        </p:nvSpPr>
+        <p:spPr/>
+        <p:txBody>
+          <a:bodyPr/>
+          <a:lstStyle/>
+          <a:p>
+            <a:r>
+              <a:rPr lang="en-US" dirty="0" smtClean="0"/>
+              <a:t>Others?</a:t>
+            </a:r>
+            <a:endParaRPr lang="en-US" dirty="0"/>
+          </a:p>
+        </p:txBody>
+      </p:sp>
+      <p:sp>
+        <p:nvSpPr>
+          <p:cNvPr id="3" name="Content Placeholder 2"/>
+          <p:cNvSpPr>
+            <a:spLocks noGrp="1"/>
+          </p:cNvSpPr>
+          <p:nvPr>
+            <p:ph idx="1"/>
+          </p:nvPr>
+        </p:nvSpPr>
+        <p:spPr>
+          <a:xfrm>
+            <a:off x="3545840" y="1825625"/>
+            <a:ext cx="5425440" cy="4351338"/>
+          </a:xfrm>
+        </p:spPr>
+        <p:txBody>
+          <a:bodyPr/>
+          <a:lstStyle/>
+          <a:p>
+            <a:pPr marL="0" indent="0">
+              <a:buNone/>
+            </a:pPr>
+            <a:r>
+              <a:rPr lang="en-US" dirty="0" smtClean="0"/>
+              <a:t>What do you use in your work?</a:t>
+            </a:r>
+          </a:p>
+          <a:p>
+            <a:pPr marL="0" indent="0">
+              <a:buNone/>
+            </a:pPr>
+            <a:endParaRPr lang="en-US" dirty="0"/>
+          </a:p>
+          <a:p>
+            <a:pPr marL="0" indent="0">
+              <a:buNone/>
+            </a:pPr>
+            <a:r>
+              <a:rPr lang="en-US" dirty="0" err="1" smtClean="0"/>
+              <a:t>NetCDF</a:t>
+            </a:r>
+            <a:r>
+              <a:rPr lang="en-US" dirty="0" smtClean="0"/>
+              <a:t>?</a:t>
+            </a:r>
+            <a:endParaRPr lang="en-US" dirty="0"/>
+          </a:p>
+        </p:txBody>
+      </p:sp>
+      <p:sp>
+        <p:nvSpPr>
+          <p:cNvPr id="4" name="TextBox 3"/>
+          <p:cNvSpPr txBox="1"/>
+          <p:nvPr/>
+        </p:nvSpPr>
+        <p:spPr>
+          <a:xfrm>
+            <a:off x="5958088" y="2885327"/>
+            <a:ext cx="461823" cy="369332"/>
+          </a:xfrm>
+          <a:prstGeom prst="rect">
+            <a:avLst/>
+          </a:prstGeom>
+          <a:noFill/>
+        </p:spPr>
+        <p:txBody>
+          <a:bodyPr wrap="none" rtlCol="0">
+            <a:spAutoFit/>
+          </a:bodyPr>
+          <a:lstStyle/>
+          <a:p>
+            <a:r>
+              <a:rPr lang="en-US" dirty="0" smtClean="0"/>
+              <a:t>.</a:t>
+            </a:r>
+            <a:r>
+              <a:rPr lang="en-US" dirty="0" err="1" smtClean="0"/>
+              <a:t>nc</a:t>
+            </a:r>
+            <a:endParaRPr lang="en-US" dirty="0"/>
+          </a:p>
+        </p:txBody>
+      </p:sp>
+      <p:sp>
+        <p:nvSpPr>
+          <p:cNvPr id="5" name="TextBox 4"/>
+          <p:cNvSpPr txBox="1"/>
+          <p:nvPr/>
+        </p:nvSpPr>
+        <p:spPr>
+          <a:xfrm>
+            <a:off x="7212353" y="2992863"/>
+            <a:ext cx="543739" cy="369332"/>
+          </a:xfrm>
+          <a:prstGeom prst="rect">
+            <a:avLst/>
+          </a:prstGeom>
+          <a:noFill/>
+        </p:spPr>
+        <p:txBody>
+          <a:bodyPr wrap="none" rtlCol="0">
+            <a:spAutoFit/>
+          </a:bodyPr>
+          <a:lstStyle/>
+          <a:p>
+            <a:r>
+              <a:rPr lang="en-US" dirty="0" smtClean="0"/>
+              <a:t>.</a:t>
+            </a:r>
+            <a:r>
+              <a:rPr lang="en-US" dirty="0" err="1" smtClean="0"/>
+              <a:t>ncf</a:t>
+            </a:r>
+            <a:endParaRPr lang="en-US" dirty="0"/>
+          </a:p>
+        </p:txBody>
+      </p:sp>
+      <p:sp>
+        <p:nvSpPr>
+          <p:cNvPr id="6" name="TextBox 5"/>
+          <p:cNvSpPr txBox="1"/>
+          <p:nvPr/>
+        </p:nvSpPr>
+        <p:spPr>
+          <a:xfrm>
+            <a:off x="5189683" y="2619156"/>
+            <a:ext cx="2862457" cy="369332"/>
+          </a:xfrm>
+          <a:prstGeom prst="rect">
+            <a:avLst/>
+          </a:prstGeom>
+          <a:noFill/>
+        </p:spPr>
+        <p:txBody>
+          <a:bodyPr wrap="none" rtlCol="0">
+            <a:spAutoFit/>
+          </a:bodyPr>
+          <a:lstStyle/>
+          <a:p>
+            <a:r>
+              <a:rPr lang="en-US" dirty="0" smtClean="0"/>
+              <a:t>network common data form</a:t>
+            </a:r>
+            <a:endParaRPr lang="en-US" dirty="0"/>
+          </a:p>
+        </p:txBody>
+      </p:sp>
+      <p:sp>
+        <p:nvSpPr>
+          <p:cNvPr id="7" name="TextBox 6"/>
+          <p:cNvSpPr txBox="1"/>
+          <p:nvPr/>
+        </p:nvSpPr>
+        <p:spPr>
+          <a:xfrm>
+            <a:off x="4620723" y="3564036"/>
+            <a:ext cx="6331757" cy="1200329"/>
+          </a:xfrm>
+          <a:prstGeom prst="rect">
+            <a:avLst/>
+          </a:prstGeom>
+          <a:noFill/>
+        </p:spPr>
+        <p:txBody>
+          <a:bodyPr wrap="square" rtlCol="0">
+            <a:spAutoFit/>
+          </a:bodyPr>
+          <a:lstStyle/>
+          <a:p>
+            <a:r>
+              <a:rPr lang="en-US" dirty="0" smtClean="0"/>
+              <a:t>Actually a collection of tools. </a:t>
+            </a:r>
+            <a:r>
+              <a:rPr lang="en-US" dirty="0" err="1" smtClean="0"/>
+              <a:t>NetCDF</a:t>
+            </a:r>
+            <a:r>
+              <a:rPr lang="en-US" dirty="0"/>
+              <a:t> “is a set of software libraries and self-describing, machine-independent data formats that support the creation, access, and sharing of array-oriented scientific </a:t>
+            </a:r>
+            <a:r>
+              <a:rPr lang="en-US" dirty="0" smtClean="0"/>
+              <a:t>data” – </a:t>
+            </a:r>
+            <a:r>
+              <a:rPr lang="en-US" dirty="0" err="1" smtClean="0"/>
+              <a:t>wikipedia</a:t>
+            </a:r>
+            <a:r>
+              <a:rPr lang="en-US" dirty="0" smtClean="0"/>
+              <a:t> </a:t>
+            </a:r>
+            <a:endParaRPr lang="en-US" dirty="0"/>
+          </a:p>
+        </p:txBody>
+      </p:sp>
+      <p:sp>
+        <p:nvSpPr>
+          <p:cNvPr id="8" name="Title 1"/>
+          <p:cNvSpPr txBox="1">
+            <a:spLocks/>
+          </p:cNvSpPr>
+          <p:nvPr/>
+        </p:nvSpPr>
+        <p:spPr>
+          <a:xfrm>
+            <a:off x="716280" y="5038727"/>
+            <a:ext cx="10515600" cy="1325563"/>
+          </a:xfrm>
+          <a:prstGeom prst="rect">
+            <a:avLst/>
+          </a:prstGeom>
+        </p:spPr>
+        <p:txBody>
+          <a:bodyPr vert="horz" lIns="91440" tIns="45720" rIns="91440" bIns="45720" rtlCol="0" anchor="ctr">
+            <a:normAutofit/>
+          </a:bodyPr>
+          <a:lstStyle>
+            <a:lvl1pPr algn="ctr" defTabSz="914400" rtl="0" eaLnBrk="1" latinLnBrk="0" hangingPunct="1">
+              <a:lnSpc>
+                <a:spcPct val="90000"/>
+              </a:lnSpc>
+              <a:spcBef>
+                <a:spcPct val="0"/>
+              </a:spcBef>
+              <a:buNone/>
+              <a:defRPr sz="3200" b="1" kern="1200">
+                <a:solidFill>
+                  <a:schemeClr val="tx1"/>
+                </a:solidFill>
+                <a:latin typeface="+mn-lt"/>
+                <a:ea typeface="+mj-ea"/>
+                <a:cs typeface="+mj-cs"/>
+              </a:defRPr>
+            </a:lvl1pPr>
+          </a:lstStyle>
+          <a:p>
+            <a:r>
+              <a:rPr lang="en-US" dirty="0" smtClean="0"/>
+              <a:t>more?</a:t>
+            </a:r>
+            <a:endParaRPr lang="en-US" dirty="0"/>
+          </a:p>
+        </p:txBody>
+      </p:sp>
+    </p:spTree>
+    <p:extLst>
+      <p:ext uri="{BB962C8B-B14F-4D97-AF65-F5344CB8AC3E}">
+        <p14:creationId xmlns:p14="http://schemas.microsoft.com/office/powerpoint/2010/main" val="318764284"/>
+      </p:ext>
+    </p:extLst>
+  </p:cSld>
+  <p:clrMapOvr>
+    <a:masterClrMapping/>
+  </p:clrMapOvr>
+  <p:timing>
+    <p:tnLst>
+      <p:par>
+        <p:cTn xmlns:p14="http://schemas.microsoft.com/office/powerpoint/2010/main" id="1" dur="indefinite" restart="never" nodeType="tmRoot">
+          <p:childTnLst>
+            <p:seq concurrent="1" nextAc="seek">
+              <p:cTn id="2" dur="indefinite" nodeType="mainSeq">
+                <p:childTnLst>
+                  <p:par>
+                    <p:cTn id="3" fill="hold">
+                      <p:stCondLst>
+                        <p:cond delay="indefinite"/>
+                      </p:stCondLst>
+                      <p:childTnLst>
+                        <p:par>
+                          <p:cTn id="4" fill="hold">
+                            <p:stCondLst>
+                              <p:cond delay="0"/>
+                            </p:stCondLst>
+                            <p:childTnLst>
+                              <p:par>
+                                <p:cTn id="5" presetID="10" presetClass="entr" presetSubtype="0" fill="hold" nodeType="clickEffect">
+                                  <p:stCondLst>
+                                    <p:cond delay="0"/>
+                                  </p:stCondLst>
+                                  <p:childTnLst>
+                                    <p:set>
+                                      <p:cBhvr>
+                                        <p:cTn id="6" dur="1" fill="hold">
+                                          <p:stCondLst>
+                                            <p:cond delay="0"/>
+                                          </p:stCondLst>
+                                        </p:cTn>
+                                        <p:tgtEl>
+                                          <p:spTgt spid="3">
+                                            <p:txEl>
+                                              <p:pRg st="2" end="2"/>
+                                            </p:txEl>
+                                          </p:spTgt>
+                                        </p:tgtEl>
+                                        <p:attrNameLst>
+                                          <p:attrName>style.visibility</p:attrName>
+                                        </p:attrNameLst>
+                                      </p:cBhvr>
+                                      <p:to>
+                                        <p:strVal val="visible"/>
+                                      </p:to>
+                                    </p:set>
+                                    <p:animEffect transition="in" filter="fade">
+                                      <p:cBhvr>
+                                        <p:cTn id="7" dur="500"/>
+                                        <p:tgtEl>
+                                          <p:spTgt spid="3">
+                                            <p:txEl>
+                                              <p:pRg st="2" end="2"/>
+                                            </p:txEl>
+                                          </p:spTgt>
+                                        </p:tgtEl>
+                                      </p:cBhvr>
+                                    </p:animEffect>
+                                  </p:childTnLst>
+                                </p:cTn>
+                              </p:par>
+                            </p:childTnLst>
+                          </p:cTn>
+                        </p:par>
+                      </p:childTnLst>
+                    </p:cTn>
+                  </p:par>
+                  <p:par>
+                    <p:cTn id="8" fill="hold">
+                      <p:stCondLst>
+                        <p:cond delay="indefinite"/>
+                      </p:stCondLst>
+                      <p:childTnLst>
+                        <p:par>
+                          <p:cTn id="9" fill="hold">
+                            <p:stCondLst>
+                              <p:cond delay="0"/>
+                            </p:stCondLst>
+                            <p:childTnLst>
+                              <p:par>
+                                <p:cTn id="10" presetID="10" presetClass="entr" presetSubtype="0" fill="hold" grpId="0" nodeType="clickEffect">
+                                  <p:stCondLst>
+                                    <p:cond delay="0"/>
+                                  </p:stCondLst>
+                                  <p:childTnLst>
+                                    <p:set>
+                                      <p:cBhvr>
+                                        <p:cTn id="11" dur="1" fill="hold">
+                                          <p:stCondLst>
+                                            <p:cond delay="0"/>
+                                          </p:stCondLst>
+                                        </p:cTn>
+                                        <p:tgtEl>
+                                          <p:spTgt spid="4"/>
+                                        </p:tgtEl>
+                                        <p:attrNameLst>
+                                          <p:attrName>style.visibility</p:attrName>
+                                        </p:attrNameLst>
+                                      </p:cBhvr>
+                                      <p:to>
+                                        <p:strVal val="visible"/>
+                                      </p:to>
+                                    </p:set>
+                                    <p:animEffect transition="in" filter="fade">
+                                      <p:cBhvr>
+                                        <p:cTn id="12" dur="100"/>
+                                        <p:tgtEl>
+                                          <p:spTgt spid="4"/>
+                                        </p:tgtEl>
+                                      </p:cBhvr>
+                                    </p:animEffect>
+                                  </p:childTnLst>
+                                </p:cTn>
+                              </p:par>
+                              <p:par>
+                                <p:cTn id="13" presetID="10" presetClass="entr" presetSubtype="0" fill="hold" grpId="0" nodeType="withEffect">
+                                  <p:stCondLst>
+                                    <p:cond delay="0"/>
+                                  </p:stCondLst>
+                                  <p:childTnLst>
+                                    <p:set>
+                                      <p:cBhvr>
+                                        <p:cTn id="14" dur="1" fill="hold">
+                                          <p:stCondLst>
+                                            <p:cond delay="0"/>
+                                          </p:stCondLst>
+                                        </p:cTn>
+                                        <p:tgtEl>
+                                          <p:spTgt spid="6"/>
+                                        </p:tgtEl>
+                                        <p:attrNameLst>
+                                          <p:attrName>style.visibility</p:attrName>
+                                        </p:attrNameLst>
+                                      </p:cBhvr>
+                                      <p:to>
+                                        <p:strVal val="visible"/>
+                                      </p:to>
+                                    </p:set>
+                                    <p:animEffect transition="in" filter="fade">
+                                      <p:cBhvr>
+                                        <p:cTn id="15" dur="100"/>
+                                        <p:tgtEl>
+                                          <p:spTgt spid="6"/>
+                                        </p:tgtEl>
+                                      </p:cBhvr>
+                                    </p:animEffect>
+                                  </p:childTnLst>
+                                </p:cTn>
+                              </p:par>
+                              <p:par>
+                                <p:cTn id="16" presetID="10" presetClass="entr" presetSubtype="0" fill="hold" grpId="0" nodeType="withEffect">
+                                  <p:stCondLst>
+                                    <p:cond delay="0"/>
+                                  </p:stCondLst>
+                                  <p:childTnLst>
+                                    <p:set>
+                                      <p:cBhvr>
+                                        <p:cTn id="17" dur="1" fill="hold">
+                                          <p:stCondLst>
+                                            <p:cond delay="0"/>
+                                          </p:stCondLst>
+                                        </p:cTn>
+                                        <p:tgtEl>
+                                          <p:spTgt spid="5"/>
+                                        </p:tgtEl>
+                                        <p:attrNameLst>
+                                          <p:attrName>style.visibility</p:attrName>
+                                        </p:attrNameLst>
+                                      </p:cBhvr>
+                                      <p:to>
+                                        <p:strVal val="visible"/>
+                                      </p:to>
+                                    </p:set>
+                                    <p:animEffect transition="in" filter="fade">
+                                      <p:cBhvr>
+                                        <p:cTn id="18" dur="100"/>
+                                        <p:tgtEl>
+                                          <p:spTgt spid="5"/>
+                                        </p:tgtEl>
+                                      </p:cBhvr>
+                                    </p:animEffect>
+                                  </p:childTnLst>
+                                </p:cTn>
+                              </p:par>
+                            </p:childTnLst>
+                          </p:cTn>
+                        </p:par>
+                      </p:childTnLst>
+                    </p:cTn>
+                  </p:par>
+                  <p:par>
+                    <p:cTn id="19" fill="hold">
+                      <p:stCondLst>
+                        <p:cond delay="indefinite"/>
+                      </p:stCondLst>
+                      <p:childTnLst>
+                        <p:par>
+                          <p:cTn id="20" fill="hold">
+                            <p:stCondLst>
+                              <p:cond delay="0"/>
+                            </p:stCondLst>
+                            <p:childTnLst>
+                              <p:par>
+                                <p:cTn id="21" presetID="10" presetClass="entr" presetSubtype="0" fill="hold" grpId="0" nodeType="clickEffect">
+                                  <p:stCondLst>
+                                    <p:cond delay="0"/>
+                                  </p:stCondLst>
+                                  <p:childTnLst>
+                                    <p:set>
+                                      <p:cBhvr>
+                                        <p:cTn id="22" dur="1" fill="hold">
+                                          <p:stCondLst>
+                                            <p:cond delay="0"/>
+                                          </p:stCondLst>
+                                        </p:cTn>
+                                        <p:tgtEl>
+                                          <p:spTgt spid="7"/>
+                                        </p:tgtEl>
+                                        <p:attrNameLst>
+                                          <p:attrName>style.visibility</p:attrName>
+                                        </p:attrNameLst>
+                                      </p:cBhvr>
+                                      <p:to>
+                                        <p:strVal val="visible"/>
+                                      </p:to>
+                                    </p:set>
+                                    <p:animEffect transition="in" filter="fade">
+                                      <p:cBhvr>
+                                        <p:cTn id="23" dur="100"/>
+                                        <p:tgtEl>
+                                          <p:spTgt spid="7"/>
+                                        </p:tgtEl>
+                                      </p:cBhvr>
+                                    </p:animEffect>
+                                  </p:childTnLst>
+                                </p:cTn>
+                              </p:par>
+                            </p:childTnLst>
+                          </p:cTn>
+                        </p:par>
+                      </p:childTnLst>
+                    </p:cTn>
+                  </p:par>
+                  <p:par>
+                    <p:cTn id="24" fill="hold">
+                      <p:stCondLst>
+                        <p:cond delay="indefinite"/>
+                      </p:stCondLst>
+                      <p:childTnLst>
+                        <p:par>
+                          <p:cTn id="25" fill="hold">
+                            <p:stCondLst>
+                              <p:cond delay="0"/>
+                            </p:stCondLst>
+                            <p:childTnLst>
+                              <p:par>
+                                <p:cTn id="26" presetID="10" presetClass="entr" presetSubtype="0" fill="hold" grpId="0" nodeType="clickEffect">
+                                  <p:stCondLst>
+                                    <p:cond delay="0"/>
+                                  </p:stCondLst>
+                                  <p:childTnLst>
+                                    <p:set>
+                                      <p:cBhvr>
+                                        <p:cTn id="27" dur="1" fill="hold">
+                                          <p:stCondLst>
+                                            <p:cond delay="0"/>
+                                          </p:stCondLst>
+                                        </p:cTn>
+                                        <p:tgtEl>
+                                          <p:spTgt spid="8"/>
+                                        </p:tgtEl>
+                                        <p:attrNameLst>
+                                          <p:attrName>style.visibility</p:attrName>
+                                        </p:attrNameLst>
+                                      </p:cBhvr>
+                                      <p:to>
+                                        <p:strVal val="visible"/>
+                                      </p:to>
+                                    </p:set>
+                                    <p:animEffect transition="in" filter="fade">
+                                      <p:cBhvr>
+                                        <p:cTn id="28" dur="500"/>
+                                        <p:tgtEl>
+                                          <p:spTgt spid="8"/>
+                                        </p:tgtEl>
+                                      </p:cBhvr>
+                                    </p:animEffect>
+                                  </p:childTnLst>
+                                </p:cTn>
+                              </p:par>
+                            </p:childTnLst>
+                          </p:cTn>
+                        </p:par>
+                      </p:childTnLst>
+                    </p:cTn>
+                  </p:par>
+                </p:childTnLst>
+              </p:cTn>
+              <p:prevCondLst>
+                <p:cond evt="onPrev" delay="0">
+                  <p:tgtEl>
+                    <p:sldTgt/>
+                  </p:tgtEl>
+                </p:cond>
+              </p:prevCondLst>
+              <p:nextCondLst>
+                <p:cond evt="onNext" delay="0">
+                  <p:tgtEl>
+                    <p:sldTgt/>
+                  </p:tgtEl>
+                </p:cond>
+              </p:nextCondLst>
+            </p:seq>
+          </p:childTnLst>
+        </p:cTn>
+      </p:par>
+    </p:tnLst>
+    <p:bldLst>
+      <p:bldP spid="4" grpId="0"/>
+      <p:bldP spid="5" grpId="0"/>
+      <p:bldP spid="6" grpId="0"/>
+      <p:bldP spid="7" grpId="0"/>
+      <p:bldP spid="8" grpId="0"/>
+    </p:bldLst>
+  </p:timing>
+</p:sld>
+</file>
+
+<file path=ppt/slides/slide14.xml><?xml version="1.0" encoding="utf-8"?>
+<p:sld xmlns:a="http://schemas.openxmlformats.org/drawingml/2006/main" xmlns:r="http://schemas.openxmlformats.org/officeDocument/2006/relationships" xmlns:p="http://schemas.openxmlformats.org/presentationml/2006/main">
+  <p:cSld>
+    <p:spTree>
+      <p:nvGrpSpPr>
+        <p:cNvPr id="1" name=""/>
+        <p:cNvGrpSpPr/>
+        <p:nvPr/>
+      </p:nvGrpSpPr>
+      <p:grpSpPr>
+        <a:xfrm>
+          <a:off x="0" y="0"/>
+          <a:ext cx="0" cy="0"/>
+          <a:chOff x="0" y="0"/>
+          <a:chExt cx="0" cy="0"/>
+        </a:xfrm>
+      </p:grpSpPr>
+      <p:sp>
+        <p:nvSpPr>
+          <p:cNvPr id="2" name="Title 1"/>
+          <p:cNvSpPr>
+            <a:spLocks noGrp="1"/>
+          </p:cNvSpPr>
+          <p:nvPr>
+            <p:ph type="title"/>
+          </p:nvPr>
+        </p:nvSpPr>
+        <p:spPr/>
+        <p:txBody>
+          <a:bodyPr/>
+          <a:lstStyle/>
+          <a:p>
             <a:endParaRPr lang="en-US"/>
           </a:p>
         </p:txBody>
@@ -5084,7 +7975,1820 @@
   <p:timing>
     <p:tnLst>
       <p:par>
-        <p:cTn id="1" dur="indefinite" restart="never" nodeType="tmRoot"/>
+        <p:cTn xmlns:p14="http://schemas.microsoft.com/office/powerpoint/2010/main" id="1" dur="indefinite" restart="never" nodeType="tmRoot"/>
+      </p:par>
+    </p:tnLst>
+  </p:timing>
+</p:sld>
+</file>
+
+<file path=ppt/slides/slide15.xml><?xml version="1.0" encoding="utf-8"?>
+<p:sld xmlns:a="http://schemas.openxmlformats.org/drawingml/2006/main" xmlns:r="http://schemas.openxmlformats.org/officeDocument/2006/relationships" xmlns:p="http://schemas.openxmlformats.org/presentationml/2006/main">
+  <p:cSld>
+    <p:spTree>
+      <p:nvGrpSpPr>
+        <p:cNvPr id="1" name=""/>
+        <p:cNvGrpSpPr/>
+        <p:nvPr/>
+      </p:nvGrpSpPr>
+      <p:grpSpPr>
+        <a:xfrm>
+          <a:off x="0" y="0"/>
+          <a:ext cx="0" cy="0"/>
+          <a:chOff x="0" y="0"/>
+          <a:chExt cx="0" cy="0"/>
+        </a:xfrm>
+      </p:grpSpPr>
+      <p:sp>
+        <p:nvSpPr>
+          <p:cNvPr id="2" name="Title 1"/>
+          <p:cNvSpPr>
+            <a:spLocks noGrp="1"/>
+          </p:cNvSpPr>
+          <p:nvPr>
+            <p:ph type="title"/>
+          </p:nvPr>
+        </p:nvSpPr>
+        <p:spPr/>
+        <p:txBody>
+          <a:bodyPr/>
+          <a:lstStyle/>
+          <a:p>
+            <a:r>
+              <a:rPr lang="en-US" dirty="0" smtClean="0"/>
+              <a:t>COLOR</a:t>
+            </a:r>
+            <a:endParaRPr lang="en-US" dirty="0"/>
+          </a:p>
+        </p:txBody>
+      </p:sp>
+      <p:pic>
+        <p:nvPicPr>
+          <p:cNvPr id="39940" name="Picture 4" descr="File:Munsell 1929 color solid transparent.png"/>
+          <p:cNvPicPr>
+            <a:picLocks noChangeAspect="1" noChangeArrowheads="1"/>
+          </p:cNvPicPr>
+          <p:nvPr/>
+        </p:nvPicPr>
+        <p:blipFill>
+          <a:blip r:embed="rId2" cstate="print"/>
+          <a:srcRect/>
+          <a:stretch>
+            <a:fillRect/>
+          </a:stretch>
+        </p:blipFill>
+        <p:spPr bwMode="auto">
+          <a:xfrm>
+            <a:off x="1496768" y="1713730"/>
+            <a:ext cx="9447799" cy="4038934"/>
+          </a:xfrm>
+          <a:prstGeom prst="rect">
+            <a:avLst/>
+          </a:prstGeom>
+          <a:noFill/>
+        </p:spPr>
+      </p:pic>
+      <p:sp>
+        <p:nvSpPr>
+          <p:cNvPr id="6" name="TextBox 5"/>
+          <p:cNvSpPr txBox="1"/>
+          <p:nvPr/>
+        </p:nvSpPr>
+        <p:spPr>
+          <a:xfrm>
+            <a:off x="1102314" y="5685967"/>
+            <a:ext cx="3003815" cy="307777"/>
+          </a:xfrm>
+          <a:prstGeom prst="rect">
+            <a:avLst/>
+          </a:prstGeom>
+          <a:noFill/>
+        </p:spPr>
+        <p:txBody>
+          <a:bodyPr wrap="square" rtlCol="0">
+            <a:spAutoFit/>
+          </a:bodyPr>
+          <a:lstStyle/>
+          <a:p>
+            <a:r>
+              <a:rPr lang="en-US" sz="1400" i="1" dirty="0" smtClean="0"/>
+              <a:t>Color is entirely a creation of the mind</a:t>
+            </a:r>
+            <a:endParaRPr lang="en-US" sz="1400" i="1" dirty="0"/>
+          </a:p>
+        </p:txBody>
+      </p:sp>
+    </p:spTree>
+    <p:extLst>
+      <p:ext uri="{BB962C8B-B14F-4D97-AF65-F5344CB8AC3E}">
+        <p14:creationId xmlns:p14="http://schemas.microsoft.com/office/powerpoint/2010/main" val="861939043"/>
+      </p:ext>
+    </p:extLst>
+  </p:cSld>
+  <p:clrMapOvr>
+    <a:masterClrMapping/>
+  </p:clrMapOvr>
+  <p:timing>
+    <p:tnLst>
+      <p:par>
+        <p:cTn xmlns:p14="http://schemas.microsoft.com/office/powerpoint/2010/main" id="1" dur="indefinite" restart="never" nodeType="tmRoot"/>
+      </p:par>
+    </p:tnLst>
+  </p:timing>
+</p:sld>
+</file>
+
+<file path=ppt/slides/slide16.xml><?xml version="1.0" encoding="utf-8"?>
+<p:sld xmlns:a="http://schemas.openxmlformats.org/drawingml/2006/main" xmlns:r="http://schemas.openxmlformats.org/officeDocument/2006/relationships" xmlns:p="http://schemas.openxmlformats.org/presentationml/2006/main">
+  <p:cSld>
+    <p:spTree>
+      <p:nvGrpSpPr>
+        <p:cNvPr id="1" name=""/>
+        <p:cNvGrpSpPr/>
+        <p:nvPr/>
+      </p:nvGrpSpPr>
+      <p:grpSpPr>
+        <a:xfrm>
+          <a:off x="0" y="0"/>
+          <a:ext cx="0" cy="0"/>
+          <a:chOff x="0" y="0"/>
+          <a:chExt cx="0" cy="0"/>
+        </a:xfrm>
+      </p:grpSpPr>
+      <p:sp>
+        <p:nvSpPr>
+          <p:cNvPr id="2" name="Title 1"/>
+          <p:cNvSpPr>
+            <a:spLocks noGrp="1"/>
+          </p:cNvSpPr>
+          <p:nvPr>
+            <p:ph type="title"/>
+          </p:nvPr>
+        </p:nvSpPr>
+        <p:spPr/>
+        <p:txBody>
+          <a:bodyPr/>
+          <a:lstStyle/>
+          <a:p>
+            <a:r>
+              <a:rPr lang="en-US" dirty="0" smtClean="0"/>
+              <a:t>Red Green Blue - RGB</a:t>
+            </a:r>
+            <a:endParaRPr lang="en-US" dirty="0"/>
+          </a:p>
+        </p:txBody>
+      </p:sp>
+      <p:sp>
+        <p:nvSpPr>
+          <p:cNvPr id="3" name="Content Placeholder 2"/>
+          <p:cNvSpPr>
+            <a:spLocks noGrp="1"/>
+          </p:cNvSpPr>
+          <p:nvPr>
+            <p:ph idx="1"/>
+          </p:nvPr>
+        </p:nvSpPr>
+        <p:spPr>
+          <a:xfrm>
+            <a:off x="914400" y="1524000"/>
+            <a:ext cx="10608000" cy="4477430"/>
+          </a:xfrm>
+        </p:spPr>
+        <p:txBody>
+          <a:bodyPr/>
+          <a:lstStyle/>
+          <a:p>
+            <a:r>
+              <a:rPr lang="en-US" sz="2400" b="1" i="1" dirty="0" smtClean="0"/>
+              <a:t>Additive</a:t>
+            </a:r>
+            <a:r>
+              <a:rPr lang="en-US" sz="2400" dirty="0" smtClean="0"/>
+              <a:t> color model based on ‘primary’ colors</a:t>
+            </a:r>
+          </a:p>
+          <a:p>
+            <a:pPr lvl="1"/>
+            <a:r>
+              <a:rPr lang="en-US" sz="2000" dirty="0" smtClean="0"/>
+              <a:t>Used on all electronic display devices</a:t>
+            </a:r>
+          </a:p>
+          <a:p>
+            <a:pPr lvl="1"/>
+            <a:r>
+              <a:rPr lang="en-US" sz="2000" dirty="0" smtClean="0"/>
+              <a:t>Primary colors are closely matched to three receptors in eye</a:t>
+            </a:r>
+          </a:p>
+          <a:p>
+            <a:r>
+              <a:rPr lang="en-US" sz="2400" dirty="0" smtClean="0"/>
+              <a:t>The modern computer uses numbers from 0-255 to represent each primary color</a:t>
+            </a:r>
+          </a:p>
+          <a:p>
+            <a:pPr lvl="1"/>
+            <a:r>
+              <a:rPr lang="en-US" sz="2000" dirty="0" smtClean="0"/>
+              <a:t>8 bits for each color, three colors, 24-bit true color</a:t>
+            </a:r>
+          </a:p>
+          <a:p>
+            <a:pPr lvl="1"/>
+            <a:r>
+              <a:rPr lang="en-US" sz="2000" dirty="0" smtClean="0"/>
+              <a:t>Approximately 16,777,216 colors – more than we can see</a:t>
+            </a:r>
+            <a:endParaRPr lang="en-US" sz="2000" dirty="0"/>
+          </a:p>
+        </p:txBody>
+      </p:sp>
+      <p:pic>
+        <p:nvPicPr>
+          <p:cNvPr id="1026" name="Picture 2" descr="File:RGBCube b.svg"/>
+          <p:cNvPicPr>
+            <a:picLocks noChangeAspect="1" noChangeArrowheads="1"/>
+          </p:cNvPicPr>
+          <p:nvPr/>
+        </p:nvPicPr>
+        <p:blipFill>
+          <a:blip r:embed="rId2" cstate="print"/>
+          <a:srcRect/>
+          <a:stretch>
+            <a:fillRect/>
+          </a:stretch>
+        </p:blipFill>
+        <p:spPr bwMode="auto">
+          <a:xfrm>
+            <a:off x="1016000" y="4114801"/>
+            <a:ext cx="3048000" cy="2097405"/>
+          </a:xfrm>
+          <a:prstGeom prst="rect">
+            <a:avLst/>
+          </a:prstGeom>
+          <a:noFill/>
+        </p:spPr>
+      </p:pic>
+      <p:pic>
+        <p:nvPicPr>
+          <p:cNvPr id="1030" name="Picture 6" descr="File:AdditiveColor.svg"/>
+          <p:cNvPicPr>
+            <a:picLocks noChangeAspect="1" noChangeArrowheads="1"/>
+          </p:cNvPicPr>
+          <p:nvPr/>
+        </p:nvPicPr>
+        <p:blipFill>
+          <a:blip r:embed="rId3" cstate="print"/>
+          <a:srcRect/>
+          <a:stretch>
+            <a:fillRect/>
+          </a:stretch>
+        </p:blipFill>
+        <p:spPr bwMode="auto">
+          <a:xfrm>
+            <a:off x="5080000" y="4191000"/>
+            <a:ext cx="2438400" cy="1828800"/>
+          </a:xfrm>
+          <a:prstGeom prst="rect">
+            <a:avLst/>
+          </a:prstGeom>
+          <a:noFill/>
+        </p:spPr>
+      </p:pic>
+      <p:pic>
+        <p:nvPicPr>
+          <p:cNvPr id="1032" name="Picture 8" descr="File:RGB color solid cube.png"/>
+          <p:cNvPicPr>
+            <a:picLocks noChangeAspect="1" noChangeArrowheads="1"/>
+          </p:cNvPicPr>
+          <p:nvPr/>
+        </p:nvPicPr>
+        <p:blipFill>
+          <a:blip r:embed="rId4" cstate="print"/>
+          <a:srcRect/>
+          <a:stretch>
+            <a:fillRect/>
+          </a:stretch>
+        </p:blipFill>
+        <p:spPr bwMode="auto">
+          <a:xfrm>
+            <a:off x="8534400" y="4191000"/>
+            <a:ext cx="2438400" cy="1828800"/>
+          </a:xfrm>
+          <a:prstGeom prst="rect">
+            <a:avLst/>
+          </a:prstGeom>
+          <a:noFill/>
+        </p:spPr>
+      </p:pic>
+    </p:spTree>
+    <p:extLst>
+      <p:ext uri="{BB962C8B-B14F-4D97-AF65-F5344CB8AC3E}">
+        <p14:creationId xmlns:p14="http://schemas.microsoft.com/office/powerpoint/2010/main" val="800583837"/>
+      </p:ext>
+    </p:extLst>
+  </p:cSld>
+  <p:clrMapOvr>
+    <a:masterClrMapping/>
+  </p:clrMapOvr>
+  <p:timing>
+    <p:tnLst>
+      <p:par>
+        <p:cTn xmlns:p14="http://schemas.microsoft.com/office/powerpoint/2010/main" id="1" dur="indefinite" restart="never" nodeType="tmRoot"/>
+      </p:par>
+    </p:tnLst>
+  </p:timing>
+</p:sld>
+</file>
+
+<file path=ppt/slides/slide17.xml><?xml version="1.0" encoding="utf-8"?>
+<p:sld xmlns:a="http://schemas.openxmlformats.org/drawingml/2006/main" xmlns:r="http://schemas.openxmlformats.org/officeDocument/2006/relationships" xmlns:p="http://schemas.openxmlformats.org/presentationml/2006/main">
+  <p:cSld>
+    <p:spTree>
+      <p:nvGrpSpPr>
+        <p:cNvPr id="1" name=""/>
+        <p:cNvGrpSpPr/>
+        <p:nvPr/>
+      </p:nvGrpSpPr>
+      <p:grpSpPr>
+        <a:xfrm>
+          <a:off x="0" y="0"/>
+          <a:ext cx="0" cy="0"/>
+          <a:chOff x="0" y="0"/>
+          <a:chExt cx="0" cy="0"/>
+        </a:xfrm>
+      </p:grpSpPr>
+      <p:sp>
+        <p:nvSpPr>
+          <p:cNvPr id="2" name="Title 1"/>
+          <p:cNvSpPr>
+            <a:spLocks noGrp="1"/>
+          </p:cNvSpPr>
+          <p:nvPr>
+            <p:ph type="title"/>
+          </p:nvPr>
+        </p:nvSpPr>
+        <p:spPr>
+          <a:xfrm>
+            <a:off x="508000" y="380520"/>
+            <a:ext cx="10410240" cy="1143480"/>
+          </a:xfrm>
+        </p:spPr>
+        <p:txBody>
+          <a:bodyPr/>
+          <a:lstStyle/>
+          <a:p>
+            <a:r>
+              <a:rPr lang="en-US" dirty="0" smtClean="0"/>
+              <a:t>Cyan Magenta Yellow Black - CMYK</a:t>
+            </a:r>
+            <a:endParaRPr lang="en-US" dirty="0"/>
+          </a:p>
+        </p:txBody>
+      </p:sp>
+      <p:sp>
+        <p:nvSpPr>
+          <p:cNvPr id="3" name="Content Placeholder 2"/>
+          <p:cNvSpPr>
+            <a:spLocks noGrp="1"/>
+          </p:cNvSpPr>
+          <p:nvPr>
+            <p:ph idx="1"/>
+          </p:nvPr>
+        </p:nvSpPr>
+        <p:spPr>
+          <a:xfrm>
+            <a:off x="896642" y="1676400"/>
+            <a:ext cx="7840959" cy="4582498"/>
+          </a:xfrm>
+        </p:spPr>
+        <p:txBody>
+          <a:bodyPr/>
+          <a:lstStyle/>
+          <a:p>
+            <a:r>
+              <a:rPr lang="en-US" sz="2000" dirty="0" smtClean="0"/>
+              <a:t>The CMYK system is a </a:t>
+            </a:r>
+            <a:r>
+              <a:rPr lang="en-US" sz="2000" b="1" i="1" dirty="0" smtClean="0"/>
+              <a:t>subtractive</a:t>
+            </a:r>
+            <a:r>
+              <a:rPr lang="en-US" sz="2000" dirty="0" smtClean="0"/>
+              <a:t> color model</a:t>
+            </a:r>
+          </a:p>
+          <a:p>
+            <a:pPr lvl="1"/>
+            <a:r>
+              <a:rPr lang="en-US" sz="1600" dirty="0" smtClean="0"/>
+              <a:t>Sometimes this is called the process color system or four color system</a:t>
+            </a:r>
+          </a:p>
+          <a:p>
+            <a:pPr lvl="1"/>
+            <a:r>
+              <a:rPr lang="en-US" sz="1600" dirty="0" smtClean="0"/>
+              <a:t>All printing devices use this system of color </a:t>
+            </a:r>
+          </a:p>
+          <a:p>
+            <a:pPr lvl="1"/>
+            <a:r>
+              <a:rPr lang="en-US" sz="1600" dirty="0" smtClean="0"/>
+              <a:t>More ink ‘subtracts’ lightness from the white page</a:t>
+            </a:r>
+          </a:p>
+          <a:p>
+            <a:pPr lvl="1"/>
+            <a:r>
+              <a:rPr lang="en-US" sz="1600" dirty="0" smtClean="0"/>
+              <a:t>‘K’ is for ‘key’ as the black plate in an offset press is the ‘key’ plate</a:t>
+            </a:r>
+          </a:p>
+          <a:p>
+            <a:pPr lvl="1"/>
+            <a:endParaRPr lang="en-US" sz="1600" dirty="0" smtClean="0"/>
+          </a:p>
+          <a:p>
+            <a:pPr lvl="1"/>
+            <a:endParaRPr lang="en-US" sz="1600" dirty="0" smtClean="0"/>
+          </a:p>
+          <a:p>
+            <a:r>
+              <a:rPr lang="en-US" sz="2000" dirty="0" smtClean="0"/>
+              <a:t>The computer stores 8-bit information for each color ‘channel’</a:t>
+            </a:r>
+          </a:p>
+          <a:p>
+            <a:pPr lvl="1"/>
+            <a:r>
+              <a:rPr lang="en-US" sz="1600" dirty="0" smtClean="0"/>
+              <a:t>CMYK image files are noticeably larger than RGB image files</a:t>
+            </a:r>
+          </a:p>
+          <a:p>
+            <a:pPr>
+              <a:buNone/>
+            </a:pPr>
+            <a:endParaRPr lang="en-US" sz="2000" dirty="0" smtClean="0"/>
+          </a:p>
+          <a:p>
+            <a:endParaRPr lang="en-US" sz="2000" dirty="0"/>
+          </a:p>
+        </p:txBody>
+      </p:sp>
+      <p:pic>
+        <p:nvPicPr>
+          <p:cNvPr id="36866" name="Picture 2" descr="File:CMYK color swatches.svg"/>
+          <p:cNvPicPr>
+            <a:picLocks noChangeAspect="1" noChangeArrowheads="1"/>
+          </p:cNvPicPr>
+          <p:nvPr/>
+        </p:nvPicPr>
+        <p:blipFill>
+          <a:blip r:embed="rId2" cstate="print"/>
+          <a:srcRect/>
+          <a:stretch>
+            <a:fillRect/>
+          </a:stretch>
+        </p:blipFill>
+        <p:spPr bwMode="auto">
+          <a:xfrm>
+            <a:off x="9144000" y="2209801"/>
+            <a:ext cx="2159000" cy="1619251"/>
+          </a:xfrm>
+          <a:prstGeom prst="rect">
+            <a:avLst/>
+          </a:prstGeom>
+          <a:noFill/>
+        </p:spPr>
+      </p:pic>
+      <p:pic>
+        <p:nvPicPr>
+          <p:cNvPr id="36868" name="Picture 4" descr="File:SubtractiveColor.svg"/>
+          <p:cNvPicPr>
+            <a:picLocks noChangeAspect="1" noChangeArrowheads="1"/>
+          </p:cNvPicPr>
+          <p:nvPr/>
+        </p:nvPicPr>
+        <p:blipFill>
+          <a:blip r:embed="rId3" cstate="print"/>
+          <a:srcRect/>
+          <a:stretch>
+            <a:fillRect/>
+          </a:stretch>
+        </p:blipFill>
+        <p:spPr bwMode="auto">
+          <a:xfrm>
+            <a:off x="9144000" y="4191000"/>
+            <a:ext cx="2133600" cy="1600200"/>
+          </a:xfrm>
+          <a:prstGeom prst="rect">
+            <a:avLst/>
+          </a:prstGeom>
+          <a:noFill/>
+        </p:spPr>
+      </p:pic>
+    </p:spTree>
+    <p:extLst>
+      <p:ext uri="{BB962C8B-B14F-4D97-AF65-F5344CB8AC3E}">
+        <p14:creationId xmlns:p14="http://schemas.microsoft.com/office/powerpoint/2010/main" val="3662310602"/>
+      </p:ext>
+    </p:extLst>
+  </p:cSld>
+  <p:clrMapOvr>
+    <a:masterClrMapping/>
+  </p:clrMapOvr>
+  <p:timing>
+    <p:tnLst>
+      <p:par>
+        <p:cTn xmlns:p14="http://schemas.microsoft.com/office/powerpoint/2010/main" id="1" dur="indefinite" restart="never" nodeType="tmRoot"/>
+      </p:par>
+    </p:tnLst>
+  </p:timing>
+</p:sld>
+</file>
+
+<file path=ppt/slides/slide18.xml><?xml version="1.0" encoding="utf-8"?>
+<p:sld xmlns:a="http://schemas.openxmlformats.org/drawingml/2006/main" xmlns:r="http://schemas.openxmlformats.org/officeDocument/2006/relationships" xmlns:p="http://schemas.openxmlformats.org/presentationml/2006/main">
+  <p:cSld>
+    <p:spTree>
+      <p:nvGrpSpPr>
+        <p:cNvPr id="1" name=""/>
+        <p:cNvGrpSpPr/>
+        <p:nvPr/>
+      </p:nvGrpSpPr>
+      <p:grpSpPr>
+        <a:xfrm>
+          <a:off x="0" y="0"/>
+          <a:ext cx="0" cy="0"/>
+          <a:chOff x="0" y="0"/>
+          <a:chExt cx="0" cy="0"/>
+        </a:xfrm>
+      </p:grpSpPr>
+      <p:sp>
+        <p:nvSpPr>
+          <p:cNvPr id="2" name="Title 1"/>
+          <p:cNvSpPr>
+            <a:spLocks noGrp="1"/>
+          </p:cNvSpPr>
+          <p:nvPr>
+            <p:ph type="title"/>
+          </p:nvPr>
+        </p:nvSpPr>
+        <p:spPr/>
+        <p:txBody>
+          <a:bodyPr/>
+          <a:lstStyle/>
+          <a:p>
+            <a:r>
+              <a:rPr lang="en-US" dirty="0" err="1" smtClean="0"/>
+              <a:t>Hexidecimal</a:t>
+            </a:r>
+            <a:r>
+              <a:rPr lang="en-US" dirty="0" smtClean="0"/>
+              <a:t> for the Internet</a:t>
+            </a:r>
+            <a:endParaRPr lang="en-US" dirty="0"/>
+          </a:p>
+        </p:txBody>
+      </p:sp>
+      <p:sp>
+        <p:nvSpPr>
+          <p:cNvPr id="3" name="Content Placeholder 2"/>
+          <p:cNvSpPr>
+            <a:spLocks noGrp="1"/>
+          </p:cNvSpPr>
+          <p:nvPr>
+            <p:ph idx="1"/>
+          </p:nvPr>
+        </p:nvSpPr>
+        <p:spPr>
+          <a:xfrm>
+            <a:off x="2602347" y="1524000"/>
+            <a:ext cx="8902293" cy="4734898"/>
+          </a:xfrm>
+        </p:spPr>
+        <p:txBody>
+          <a:bodyPr/>
+          <a:lstStyle/>
+          <a:p>
+            <a:r>
+              <a:rPr lang="en-US" sz="2400" dirty="0" smtClean="0"/>
+              <a:t>The hex color system is based on the RGB model</a:t>
+            </a:r>
+          </a:p>
+          <a:p>
+            <a:pPr lvl="1"/>
+            <a:r>
+              <a:rPr lang="en-US" sz="2000" dirty="0" smtClean="0"/>
+              <a:t>Used in HTML for the internet</a:t>
+            </a:r>
+          </a:p>
+          <a:p>
+            <a:pPr lvl="1"/>
+            <a:r>
+              <a:rPr lang="en-US" sz="2000" dirty="0" smtClean="0"/>
+              <a:t>Is the preferred representation for color by programmers</a:t>
+            </a:r>
+          </a:p>
+          <a:p>
+            <a:pPr lvl="1"/>
+            <a:endParaRPr lang="en-US" sz="2000" dirty="0" smtClean="0"/>
+          </a:p>
+          <a:p>
+            <a:r>
+              <a:rPr lang="en-US" sz="2400" dirty="0" err="1" smtClean="0"/>
+              <a:t>Hexidecimal</a:t>
+            </a:r>
+            <a:r>
+              <a:rPr lang="en-US" sz="2400" dirty="0" smtClean="0"/>
+              <a:t> is the name for counting in base 16</a:t>
+            </a:r>
+          </a:p>
+          <a:p>
+            <a:pPr lvl="1"/>
+            <a:r>
+              <a:rPr lang="en-US" sz="2000" dirty="0" smtClean="0"/>
+              <a:t>Good for computers: 2</a:t>
+            </a:r>
+            <a:r>
+              <a:rPr lang="en-US" sz="2000" baseline="30000" dirty="0" smtClean="0"/>
+              <a:t>4</a:t>
+            </a:r>
+            <a:r>
+              <a:rPr lang="en-US" sz="2000" dirty="0" smtClean="0"/>
+              <a:t> = 16 and 16 x 16 = 256</a:t>
+            </a:r>
+          </a:p>
+          <a:p>
+            <a:pPr lvl="1"/>
+            <a:r>
+              <a:rPr lang="en-US" sz="2000" dirty="0" smtClean="0"/>
+              <a:t>Counted from 0-15 like this:</a:t>
+            </a:r>
+          </a:p>
+          <a:p>
+            <a:pPr lvl="1">
+              <a:buNone/>
+            </a:pPr>
+            <a:r>
+              <a:rPr lang="en-US" sz="2000" dirty="0" smtClean="0"/>
+              <a:t>     </a:t>
+            </a:r>
+          </a:p>
+          <a:p>
+            <a:pPr lvl="1">
+              <a:buNone/>
+            </a:pPr>
+            <a:r>
+              <a:rPr lang="en-US" sz="2000" dirty="0" smtClean="0"/>
+              <a:t>             0   1   2   3   4   5   6   7   8   9   A   B   C   D   E   F</a:t>
+            </a:r>
+          </a:p>
+          <a:p>
+            <a:pPr lvl="1">
+              <a:buNone/>
+            </a:pPr>
+            <a:endParaRPr lang="en-US" sz="2000" dirty="0" smtClean="0"/>
+          </a:p>
+          <a:p>
+            <a:r>
+              <a:rPr lang="en-US" sz="2400" dirty="0" smtClean="0"/>
+              <a:t>A hex color might look like this: </a:t>
+            </a:r>
+            <a:r>
+              <a:rPr lang="en-US" sz="2400" dirty="0" smtClean="0"/>
+              <a:t>FF00FF </a:t>
+            </a:r>
+            <a:endParaRPr lang="en-US" sz="2400" dirty="0" smtClean="0"/>
+          </a:p>
+        </p:txBody>
+      </p:sp>
+      <p:grpSp>
+        <p:nvGrpSpPr>
+          <p:cNvPr id="18" name="Group 17"/>
+          <p:cNvGrpSpPr/>
+          <p:nvPr/>
+        </p:nvGrpSpPr>
+        <p:grpSpPr>
+          <a:xfrm>
+            <a:off x="4338319" y="5217486"/>
+            <a:ext cx="2796753" cy="799499"/>
+            <a:chOff x="4338319" y="5217486"/>
+            <a:chExt cx="2796753" cy="799499"/>
+          </a:xfrm>
+        </p:grpSpPr>
+        <p:sp>
+          <p:nvSpPr>
+            <p:cNvPr id="4" name="Rectangle 3"/>
+            <p:cNvSpPr/>
+            <p:nvPr/>
+          </p:nvSpPr>
+          <p:spPr bwMode="auto">
+            <a:xfrm>
+              <a:off x="6850069" y="5217486"/>
+              <a:ext cx="285003" cy="264732"/>
+            </a:xfrm>
+            <a:prstGeom prst="rect">
+              <a:avLst/>
+            </a:prstGeom>
+            <a:noFill/>
+            <a:ln w="9525" cap="flat" cmpd="sng" algn="ctr">
+              <a:solidFill>
+                <a:schemeClr val="tx1"/>
+              </a:solidFill>
+              <a:prstDash val="solid"/>
+              <a:round/>
+              <a:headEnd type="none" w="med" len="med"/>
+              <a:tailEnd type="none" w="med" len="med"/>
+            </a:ln>
+            <a:effectLst/>
+          </p:spPr>
+          <p:txBody>
+            <a:bodyPr vert="horz" wrap="square" lIns="91440" tIns="45720" rIns="91440" bIns="45720" numCol="1" rtlCol="0" anchor="t" anchorCtr="0" compatLnSpc="1">
+              <a:prstTxWarp prst="textNoShape">
+                <a:avLst/>
+              </a:prstTxWarp>
+            </a:bodyPr>
+            <a:lstStyle/>
+            <a:p>
+              <a:pPr marL="0" marR="0" indent="0" algn="l" defTabSz="457200" rtl="0" eaLnBrk="1" fontAlgn="base" latinLnBrk="0" hangingPunct="0">
+                <a:lnSpc>
+                  <a:spcPct val="93000"/>
+                </a:lnSpc>
+                <a:spcBef>
+                  <a:spcPct val="0"/>
+                </a:spcBef>
+                <a:spcAft>
+                  <a:spcPct val="0"/>
+                </a:spcAft>
+                <a:buClr>
+                  <a:srgbClr val="000000"/>
+                </a:buClr>
+                <a:buSzPct val="45000"/>
+                <a:buFont typeface="Wingdings" charset="2"/>
+                <a:buNone/>
+                <a:tabLst/>
+              </a:pPr>
+              <a:endParaRPr kumimoji="0" lang="en-US" sz="1800" b="0" i="0" u="none" strike="noStrike" cap="none" normalizeH="0" baseline="0" smtClean="0">
+                <a:ln>
+                  <a:noFill/>
+                </a:ln>
+                <a:effectLst/>
+                <a:latin typeface="Arial" charset="0"/>
+                <a:cs typeface="Arial Unicode MS" charset="0"/>
+              </a:endParaRPr>
+            </a:p>
+          </p:txBody>
+        </p:sp>
+        <p:sp>
+          <p:nvSpPr>
+            <p:cNvPr id="7" name="TextBox 6"/>
+            <p:cNvSpPr txBox="1"/>
+            <p:nvPr/>
+          </p:nvSpPr>
+          <p:spPr>
+            <a:xfrm>
+              <a:off x="4338319" y="5739986"/>
+              <a:ext cx="2014945" cy="276999"/>
+            </a:xfrm>
+            <a:prstGeom prst="rect">
+              <a:avLst/>
+            </a:prstGeom>
+            <a:noFill/>
+          </p:spPr>
+          <p:txBody>
+            <a:bodyPr wrap="none" rtlCol="0">
+              <a:spAutoFit/>
+            </a:bodyPr>
+            <a:lstStyle/>
+            <a:p>
+              <a:r>
+                <a:rPr lang="en-US" sz="1200" dirty="0" smtClean="0"/>
+                <a:t>Red: FF = 15*1 + 15*16 = 255</a:t>
+              </a:r>
+              <a:endParaRPr lang="en-US" sz="1200" dirty="0"/>
+            </a:p>
+          </p:txBody>
+        </p:sp>
+        <p:cxnSp>
+          <p:nvCxnSpPr>
+            <p:cNvPr id="13" name="Straight Connector 12"/>
+            <p:cNvCxnSpPr/>
+            <p:nvPr/>
+          </p:nvCxnSpPr>
+          <p:spPr bwMode="auto">
+            <a:xfrm flipV="1">
+              <a:off x="6360138" y="5559274"/>
+              <a:ext cx="603745" cy="301910"/>
+            </a:xfrm>
+            <a:prstGeom prst="line">
+              <a:avLst/>
+            </a:prstGeom>
+            <a:solidFill>
+              <a:srgbClr val="00B8FF"/>
+            </a:solidFill>
+            <a:ln w="9525" cap="flat" cmpd="sng" algn="ctr">
+              <a:solidFill>
+                <a:schemeClr val="tx1"/>
+              </a:solidFill>
+              <a:prstDash val="solid"/>
+              <a:round/>
+              <a:headEnd type="none" w="med" len="med"/>
+              <a:tailEnd type="none" w="med" len="med"/>
+            </a:ln>
+            <a:effectLst/>
+          </p:spPr>
+        </p:cxnSp>
+      </p:grpSp>
+      <p:grpSp>
+        <p:nvGrpSpPr>
+          <p:cNvPr id="24" name="Group 23"/>
+          <p:cNvGrpSpPr/>
+          <p:nvPr/>
+        </p:nvGrpSpPr>
+        <p:grpSpPr>
+          <a:xfrm>
+            <a:off x="7455076" y="5217486"/>
+            <a:ext cx="2640260" cy="718219"/>
+            <a:chOff x="7455076" y="5217486"/>
+            <a:chExt cx="2640260" cy="718219"/>
+          </a:xfrm>
+        </p:grpSpPr>
+        <p:sp>
+          <p:nvSpPr>
+            <p:cNvPr id="6" name="Rectangle 5"/>
+            <p:cNvSpPr/>
+            <p:nvPr/>
+          </p:nvSpPr>
+          <p:spPr bwMode="auto">
+            <a:xfrm>
+              <a:off x="7455076" y="5217486"/>
+              <a:ext cx="299921" cy="264732"/>
+            </a:xfrm>
+            <a:prstGeom prst="rect">
+              <a:avLst/>
+            </a:prstGeom>
+            <a:noFill/>
+            <a:ln w="9525" cap="flat" cmpd="sng" algn="ctr">
+              <a:solidFill>
+                <a:schemeClr val="tx1"/>
+              </a:solidFill>
+              <a:prstDash val="solid"/>
+              <a:round/>
+              <a:headEnd type="none" w="med" len="med"/>
+              <a:tailEnd type="none" w="med" len="med"/>
+            </a:ln>
+            <a:effectLst/>
+          </p:spPr>
+          <p:txBody>
+            <a:bodyPr vert="horz" wrap="square" lIns="91440" tIns="45720" rIns="91440" bIns="45720" numCol="1" rtlCol="0" anchor="t" anchorCtr="0" compatLnSpc="1">
+              <a:prstTxWarp prst="textNoShape">
+                <a:avLst/>
+              </a:prstTxWarp>
+            </a:bodyPr>
+            <a:lstStyle/>
+            <a:p>
+              <a:pPr marL="0" marR="0" indent="0" algn="l" defTabSz="457200" rtl="0" eaLnBrk="1" fontAlgn="base" latinLnBrk="0" hangingPunct="0">
+                <a:lnSpc>
+                  <a:spcPct val="93000"/>
+                </a:lnSpc>
+                <a:spcBef>
+                  <a:spcPct val="0"/>
+                </a:spcBef>
+                <a:spcAft>
+                  <a:spcPct val="0"/>
+                </a:spcAft>
+                <a:buClr>
+                  <a:srgbClr val="000000"/>
+                </a:buClr>
+                <a:buSzPct val="45000"/>
+                <a:buFont typeface="Wingdings" charset="2"/>
+                <a:buNone/>
+                <a:tabLst/>
+              </a:pPr>
+              <a:endParaRPr kumimoji="0" lang="en-US" sz="1800" b="0" i="0" u="none" strike="noStrike" cap="none" normalizeH="0" baseline="0" smtClean="0">
+                <a:ln>
+                  <a:noFill/>
+                </a:ln>
+                <a:effectLst/>
+                <a:latin typeface="Arial" charset="0"/>
+                <a:cs typeface="Arial Unicode MS" charset="0"/>
+              </a:endParaRPr>
+            </a:p>
+          </p:txBody>
+        </p:sp>
+        <p:sp>
+          <p:nvSpPr>
+            <p:cNvPr id="8" name="TextBox 7"/>
+            <p:cNvSpPr txBox="1"/>
+            <p:nvPr/>
+          </p:nvSpPr>
+          <p:spPr>
+            <a:xfrm>
+              <a:off x="8044925" y="5658706"/>
+              <a:ext cx="2050411" cy="276999"/>
+            </a:xfrm>
+            <a:prstGeom prst="rect">
+              <a:avLst/>
+            </a:prstGeom>
+            <a:noFill/>
+          </p:spPr>
+          <p:txBody>
+            <a:bodyPr wrap="none" rtlCol="0">
+              <a:spAutoFit/>
+            </a:bodyPr>
+            <a:lstStyle/>
+            <a:p>
+              <a:r>
+                <a:rPr lang="en-US" sz="1200" dirty="0" smtClean="0"/>
+                <a:t>Blue: FF = 15*1 + 15*16 = 255</a:t>
+              </a:r>
+              <a:endParaRPr lang="en-US" sz="1200" dirty="0"/>
+            </a:p>
+          </p:txBody>
+        </p:sp>
+        <p:cxnSp>
+          <p:nvCxnSpPr>
+            <p:cNvPr id="14" name="Straight Connector 13"/>
+            <p:cNvCxnSpPr>
+              <a:stCxn id="8" idx="1"/>
+            </p:cNvCxnSpPr>
+            <p:nvPr/>
+          </p:nvCxnSpPr>
+          <p:spPr bwMode="auto">
+            <a:xfrm flipH="1" flipV="1">
+              <a:off x="7615078" y="5554899"/>
+              <a:ext cx="429847" cy="242307"/>
+            </a:xfrm>
+            <a:prstGeom prst="line">
+              <a:avLst/>
+            </a:prstGeom>
+            <a:solidFill>
+              <a:srgbClr val="00B8FF"/>
+            </a:solidFill>
+            <a:ln w="9525" cap="flat" cmpd="sng" algn="ctr">
+              <a:solidFill>
+                <a:schemeClr val="tx1"/>
+              </a:solidFill>
+              <a:prstDash val="solid"/>
+              <a:round/>
+              <a:headEnd type="none" w="med" len="med"/>
+              <a:tailEnd type="none" w="med" len="med"/>
+            </a:ln>
+            <a:effectLst/>
+          </p:spPr>
+        </p:cxnSp>
+      </p:grpSp>
+      <p:grpSp>
+        <p:nvGrpSpPr>
+          <p:cNvPr id="23" name="Group 22"/>
+          <p:cNvGrpSpPr/>
+          <p:nvPr/>
+        </p:nvGrpSpPr>
+        <p:grpSpPr>
+          <a:xfrm>
+            <a:off x="5994400" y="5217477"/>
+            <a:ext cx="1861282" cy="1159442"/>
+            <a:chOff x="5994400" y="5217477"/>
+            <a:chExt cx="1861282" cy="1159442"/>
+          </a:xfrm>
+        </p:grpSpPr>
+        <p:sp>
+          <p:nvSpPr>
+            <p:cNvPr id="5" name="Rectangle 4"/>
+            <p:cNvSpPr/>
+            <p:nvPr/>
+          </p:nvSpPr>
+          <p:spPr bwMode="auto">
+            <a:xfrm>
+              <a:off x="7140074" y="5217477"/>
+              <a:ext cx="320002" cy="264732"/>
+            </a:xfrm>
+            <a:prstGeom prst="rect">
+              <a:avLst/>
+            </a:prstGeom>
+            <a:noFill/>
+            <a:ln w="9525" cap="flat" cmpd="sng" algn="ctr">
+              <a:solidFill>
+                <a:schemeClr val="tx1"/>
+              </a:solidFill>
+              <a:prstDash val="solid"/>
+              <a:round/>
+              <a:headEnd type="none" w="med" len="med"/>
+              <a:tailEnd type="none" w="med" len="med"/>
+            </a:ln>
+            <a:effectLst/>
+          </p:spPr>
+          <p:txBody>
+            <a:bodyPr vert="horz" wrap="square" lIns="91440" tIns="45720" rIns="91440" bIns="45720" numCol="1" rtlCol="0" anchor="t" anchorCtr="0" compatLnSpc="1">
+              <a:prstTxWarp prst="textNoShape">
+                <a:avLst/>
+              </a:prstTxWarp>
+            </a:bodyPr>
+            <a:lstStyle/>
+            <a:p>
+              <a:pPr marL="0" marR="0" indent="0" algn="l" defTabSz="457200" rtl="0" eaLnBrk="1" fontAlgn="base" latinLnBrk="0" hangingPunct="0">
+                <a:lnSpc>
+                  <a:spcPct val="93000"/>
+                </a:lnSpc>
+                <a:spcBef>
+                  <a:spcPct val="0"/>
+                </a:spcBef>
+                <a:spcAft>
+                  <a:spcPct val="0"/>
+                </a:spcAft>
+                <a:buClr>
+                  <a:srgbClr val="000000"/>
+                </a:buClr>
+                <a:buSzPct val="45000"/>
+                <a:buFont typeface="Wingdings" charset="2"/>
+                <a:buNone/>
+                <a:tabLst/>
+              </a:pPr>
+              <a:endParaRPr kumimoji="0" lang="en-US" sz="1800" b="0" i="0" u="none" strike="noStrike" cap="none" normalizeH="0" baseline="0" smtClean="0">
+                <a:ln>
+                  <a:noFill/>
+                </a:ln>
+                <a:effectLst/>
+                <a:latin typeface="Arial" charset="0"/>
+                <a:cs typeface="Arial Unicode MS" charset="0"/>
+              </a:endParaRPr>
+            </a:p>
+          </p:txBody>
+        </p:sp>
+        <p:sp>
+          <p:nvSpPr>
+            <p:cNvPr id="9" name="TextBox 8"/>
+            <p:cNvSpPr txBox="1"/>
+            <p:nvPr/>
+          </p:nvSpPr>
+          <p:spPr>
+            <a:xfrm>
+              <a:off x="5994400" y="6099920"/>
+              <a:ext cx="1861282" cy="276999"/>
+            </a:xfrm>
+            <a:prstGeom prst="rect">
+              <a:avLst/>
+            </a:prstGeom>
+            <a:noFill/>
+          </p:spPr>
+          <p:txBody>
+            <a:bodyPr wrap="none" rtlCol="0">
+              <a:spAutoFit/>
+            </a:bodyPr>
+            <a:lstStyle/>
+            <a:p>
+              <a:r>
+                <a:rPr lang="en-US" sz="1200" dirty="0" smtClean="0"/>
+                <a:t>Green: 00 = 0*1 + 0*16 = 0</a:t>
+              </a:r>
+              <a:endParaRPr lang="en-US" sz="1200" dirty="0"/>
+            </a:p>
+          </p:txBody>
+        </p:sp>
+        <p:cxnSp>
+          <p:nvCxnSpPr>
+            <p:cNvPr id="16" name="Straight Connector 15"/>
+            <p:cNvCxnSpPr>
+              <a:stCxn id="9" idx="0"/>
+            </p:cNvCxnSpPr>
+            <p:nvPr/>
+          </p:nvCxnSpPr>
+          <p:spPr bwMode="auto">
+            <a:xfrm flipV="1">
+              <a:off x="6925041" y="5564899"/>
+              <a:ext cx="380034" cy="535021"/>
+            </a:xfrm>
+            <a:prstGeom prst="line">
+              <a:avLst/>
+            </a:prstGeom>
+            <a:solidFill>
+              <a:srgbClr val="00B8FF"/>
+            </a:solidFill>
+            <a:ln w="9525" cap="flat" cmpd="sng" algn="ctr">
+              <a:solidFill>
+                <a:schemeClr val="tx1"/>
+              </a:solidFill>
+              <a:prstDash val="solid"/>
+              <a:round/>
+              <a:headEnd type="none" w="med" len="med"/>
+              <a:tailEnd type="none" w="med" len="med"/>
+            </a:ln>
+            <a:effectLst/>
+          </p:spPr>
+        </p:cxnSp>
+      </p:grpSp>
+      <p:sp>
+        <p:nvSpPr>
+          <p:cNvPr id="22" name="Rectangle 21"/>
+          <p:cNvSpPr/>
+          <p:nvPr/>
+        </p:nvSpPr>
+        <p:spPr bwMode="auto">
+          <a:xfrm>
+            <a:off x="9321871" y="4727196"/>
+            <a:ext cx="1930400" cy="533400"/>
+          </a:xfrm>
+          <a:prstGeom prst="rect">
+            <a:avLst/>
+          </a:prstGeom>
+          <a:solidFill>
+            <a:srgbClr val="FF00FF"/>
+          </a:solidFill>
+          <a:ln w="9525" cap="flat" cmpd="sng" algn="ctr">
+            <a:noFill/>
+            <a:prstDash val="solid"/>
+            <a:round/>
+            <a:headEnd type="none" w="med" len="med"/>
+            <a:tailEnd type="none" w="med" len="med"/>
+          </a:ln>
+          <a:effectLst/>
+        </p:spPr>
+        <p:txBody>
+          <a:bodyPr vert="horz" wrap="square" lIns="91440" tIns="45720" rIns="91440" bIns="45720" numCol="1" rtlCol="0" anchor="t" anchorCtr="0" compatLnSpc="1">
+            <a:prstTxWarp prst="textNoShape">
+              <a:avLst/>
+            </a:prstTxWarp>
+          </a:bodyPr>
+          <a:lstStyle/>
+          <a:p>
+            <a:pPr marL="0" marR="0" indent="0" algn="l" defTabSz="457200" rtl="0" eaLnBrk="1" fontAlgn="base" latinLnBrk="0" hangingPunct="0">
+              <a:lnSpc>
+                <a:spcPct val="93000"/>
+              </a:lnSpc>
+              <a:spcBef>
+                <a:spcPct val="0"/>
+              </a:spcBef>
+              <a:spcAft>
+                <a:spcPct val="0"/>
+              </a:spcAft>
+              <a:buClr>
+                <a:srgbClr val="000000"/>
+              </a:buClr>
+              <a:buSzPct val="45000"/>
+              <a:buFont typeface="Wingdings" charset="2"/>
+              <a:buNone/>
+              <a:tabLst/>
+            </a:pPr>
+            <a:endParaRPr kumimoji="0" lang="en-US" sz="1800" b="0" i="0" u="none" strike="noStrike" cap="none" normalizeH="0" baseline="0" smtClean="0">
+              <a:ln>
+                <a:noFill/>
+              </a:ln>
+              <a:effectLst/>
+              <a:latin typeface="Arial" charset="0"/>
+              <a:cs typeface="Arial Unicode MS" charset="0"/>
+            </a:endParaRPr>
+          </a:p>
+        </p:txBody>
+      </p:sp>
+    </p:spTree>
+    <p:extLst>
+      <p:ext uri="{BB962C8B-B14F-4D97-AF65-F5344CB8AC3E}">
+        <p14:creationId xmlns:p14="http://schemas.microsoft.com/office/powerpoint/2010/main" val="1718866946"/>
+      </p:ext>
+    </p:extLst>
+  </p:cSld>
+  <p:clrMapOvr>
+    <a:masterClrMapping/>
+  </p:clrMapOvr>
+  <p:timing>
+    <p:tnLst>
+      <p:par>
+        <p:cTn xmlns:p14="http://schemas.microsoft.com/office/powerpoint/2010/main" id="1" dur="indefinite" restart="never" nodeType="tmRoot">
+          <p:childTnLst>
+            <p:seq concurrent="1" nextAc="seek">
+              <p:cTn id="2" dur="indefinite" nodeType="mainSeq">
+                <p:childTnLst>
+                  <p:par>
+                    <p:cTn id="3" fill="hold">
+                      <p:stCondLst>
+                        <p:cond delay="indefinite"/>
+                      </p:stCondLst>
+                      <p:childTnLst>
+                        <p:par>
+                          <p:cTn id="4" fill="hold">
+                            <p:stCondLst>
+                              <p:cond delay="0"/>
+                            </p:stCondLst>
+                            <p:childTnLst>
+                              <p:par>
+                                <p:cTn id="5" presetID="10" presetClass="entr" presetSubtype="0" fill="hold" nodeType="clickEffect">
+                                  <p:stCondLst>
+                                    <p:cond delay="0"/>
+                                  </p:stCondLst>
+                                  <p:childTnLst>
+                                    <p:set>
+                                      <p:cBhvr>
+                                        <p:cTn id="6" dur="1" fill="hold">
+                                          <p:stCondLst>
+                                            <p:cond delay="0"/>
+                                          </p:stCondLst>
+                                        </p:cTn>
+                                        <p:tgtEl>
+                                          <p:spTgt spid="18"/>
+                                        </p:tgtEl>
+                                        <p:attrNameLst>
+                                          <p:attrName>style.visibility</p:attrName>
+                                        </p:attrNameLst>
+                                      </p:cBhvr>
+                                      <p:to>
+                                        <p:strVal val="visible"/>
+                                      </p:to>
+                                    </p:set>
+                                    <p:animEffect transition="in" filter="fade">
+                                      <p:cBhvr>
+                                        <p:cTn id="7" dur="500"/>
+                                        <p:tgtEl>
+                                          <p:spTgt spid="18"/>
+                                        </p:tgtEl>
+                                      </p:cBhvr>
+                                    </p:animEffect>
+                                  </p:childTnLst>
+                                </p:cTn>
+                              </p:par>
+                            </p:childTnLst>
+                          </p:cTn>
+                        </p:par>
+                      </p:childTnLst>
+                    </p:cTn>
+                  </p:par>
+                  <p:par>
+                    <p:cTn id="8" fill="hold">
+                      <p:stCondLst>
+                        <p:cond delay="indefinite"/>
+                      </p:stCondLst>
+                      <p:childTnLst>
+                        <p:par>
+                          <p:cTn id="9" fill="hold">
+                            <p:stCondLst>
+                              <p:cond delay="0"/>
+                            </p:stCondLst>
+                            <p:childTnLst>
+                              <p:par>
+                                <p:cTn id="10" presetID="10" presetClass="entr" presetSubtype="0" fill="hold" nodeType="clickEffect">
+                                  <p:stCondLst>
+                                    <p:cond delay="0"/>
+                                  </p:stCondLst>
+                                  <p:childTnLst>
+                                    <p:set>
+                                      <p:cBhvr>
+                                        <p:cTn id="11" dur="1" fill="hold">
+                                          <p:stCondLst>
+                                            <p:cond delay="0"/>
+                                          </p:stCondLst>
+                                        </p:cTn>
+                                        <p:tgtEl>
+                                          <p:spTgt spid="23"/>
+                                        </p:tgtEl>
+                                        <p:attrNameLst>
+                                          <p:attrName>style.visibility</p:attrName>
+                                        </p:attrNameLst>
+                                      </p:cBhvr>
+                                      <p:to>
+                                        <p:strVal val="visible"/>
+                                      </p:to>
+                                    </p:set>
+                                    <p:animEffect transition="in" filter="fade">
+                                      <p:cBhvr>
+                                        <p:cTn id="12" dur="500"/>
+                                        <p:tgtEl>
+                                          <p:spTgt spid="23"/>
+                                        </p:tgtEl>
+                                      </p:cBhvr>
+                                    </p:animEffect>
+                                  </p:childTnLst>
+                                </p:cTn>
+                              </p:par>
+                            </p:childTnLst>
+                          </p:cTn>
+                        </p:par>
+                      </p:childTnLst>
+                    </p:cTn>
+                  </p:par>
+                  <p:par>
+                    <p:cTn id="13" fill="hold">
+                      <p:stCondLst>
+                        <p:cond delay="indefinite"/>
+                      </p:stCondLst>
+                      <p:childTnLst>
+                        <p:par>
+                          <p:cTn id="14" fill="hold">
+                            <p:stCondLst>
+                              <p:cond delay="0"/>
+                            </p:stCondLst>
+                            <p:childTnLst>
+                              <p:par>
+                                <p:cTn id="15" presetID="10" presetClass="entr" presetSubtype="0" fill="hold" nodeType="clickEffect">
+                                  <p:stCondLst>
+                                    <p:cond delay="0"/>
+                                  </p:stCondLst>
+                                  <p:childTnLst>
+                                    <p:set>
+                                      <p:cBhvr>
+                                        <p:cTn id="16" dur="1" fill="hold">
+                                          <p:stCondLst>
+                                            <p:cond delay="0"/>
+                                          </p:stCondLst>
+                                        </p:cTn>
+                                        <p:tgtEl>
+                                          <p:spTgt spid="24"/>
+                                        </p:tgtEl>
+                                        <p:attrNameLst>
+                                          <p:attrName>style.visibility</p:attrName>
+                                        </p:attrNameLst>
+                                      </p:cBhvr>
+                                      <p:to>
+                                        <p:strVal val="visible"/>
+                                      </p:to>
+                                    </p:set>
+                                    <p:animEffect transition="in" filter="fade">
+                                      <p:cBhvr>
+                                        <p:cTn id="17" dur="500"/>
+                                        <p:tgtEl>
+                                          <p:spTgt spid="24"/>
+                                        </p:tgtEl>
+                                      </p:cBhvr>
+                                    </p:animEffect>
+                                  </p:childTnLst>
+                                </p:cTn>
+                              </p:par>
+                            </p:childTnLst>
+                          </p:cTn>
+                        </p:par>
+                      </p:childTnLst>
+                    </p:cTn>
+                  </p:par>
+                  <p:par>
+                    <p:cTn id="18" fill="hold">
+                      <p:stCondLst>
+                        <p:cond delay="indefinite"/>
+                      </p:stCondLst>
+                      <p:childTnLst>
+                        <p:par>
+                          <p:cTn id="19" fill="hold">
+                            <p:stCondLst>
+                              <p:cond delay="0"/>
+                            </p:stCondLst>
+                            <p:childTnLst>
+                              <p:par>
+                                <p:cTn id="20" presetID="10" presetClass="entr" presetSubtype="0" fill="hold" grpId="1" nodeType="clickEffect">
+                                  <p:stCondLst>
+                                    <p:cond delay="0"/>
+                                  </p:stCondLst>
+                                  <p:childTnLst>
+                                    <p:set>
+                                      <p:cBhvr>
+                                        <p:cTn id="21" dur="1" fill="hold">
+                                          <p:stCondLst>
+                                            <p:cond delay="0"/>
+                                          </p:stCondLst>
+                                        </p:cTn>
+                                        <p:tgtEl>
+                                          <p:spTgt spid="22"/>
+                                        </p:tgtEl>
+                                        <p:attrNameLst>
+                                          <p:attrName>style.visibility</p:attrName>
+                                        </p:attrNameLst>
+                                      </p:cBhvr>
+                                      <p:to>
+                                        <p:strVal val="visible"/>
+                                      </p:to>
+                                    </p:set>
+                                    <p:animEffect transition="in" filter="fade">
+                                      <p:cBhvr>
+                                        <p:cTn id="22" dur="500"/>
+                                        <p:tgtEl>
+                                          <p:spTgt spid="22"/>
+                                        </p:tgtEl>
+                                      </p:cBhvr>
+                                    </p:animEffect>
+                                  </p:childTnLst>
+                                </p:cTn>
+                              </p:par>
+                            </p:childTnLst>
+                          </p:cTn>
+                        </p:par>
+                      </p:childTnLst>
+                    </p:cTn>
+                  </p:par>
+                </p:childTnLst>
+              </p:cTn>
+              <p:prevCondLst>
+                <p:cond evt="onPrev" delay="0">
+                  <p:tgtEl>
+                    <p:sldTgt/>
+                  </p:tgtEl>
+                </p:cond>
+              </p:prevCondLst>
+              <p:nextCondLst>
+                <p:cond evt="onNext" delay="0">
+                  <p:tgtEl>
+                    <p:sldTgt/>
+                  </p:tgtEl>
+                </p:cond>
+              </p:nextCondLst>
+            </p:seq>
+          </p:childTnLst>
+        </p:cTn>
+      </p:par>
+    </p:tnLst>
+    <p:bldLst>
+      <p:bldP spid="22" grpId="1" animBg="1"/>
+    </p:bldLst>
+  </p:timing>
+</p:sld>
+</file>
+
+<file path=ppt/slides/slide19.xml><?xml version="1.0" encoding="utf-8"?>
+<p:sld xmlns:a="http://schemas.openxmlformats.org/drawingml/2006/main" xmlns:r="http://schemas.openxmlformats.org/officeDocument/2006/relationships" xmlns:p="http://schemas.openxmlformats.org/presentationml/2006/main">
+  <p:cSld>
+    <p:spTree>
+      <p:nvGrpSpPr>
+        <p:cNvPr id="1" name=""/>
+        <p:cNvGrpSpPr/>
+        <p:nvPr/>
+      </p:nvGrpSpPr>
+      <p:grpSpPr>
+        <a:xfrm>
+          <a:off x="0" y="0"/>
+          <a:ext cx="0" cy="0"/>
+          <a:chOff x="0" y="0"/>
+          <a:chExt cx="0" cy="0"/>
+        </a:xfrm>
+      </p:grpSpPr>
+      <p:sp>
+        <p:nvSpPr>
+          <p:cNvPr id="2" name="Title 1"/>
+          <p:cNvSpPr>
+            <a:spLocks noGrp="1"/>
+          </p:cNvSpPr>
+          <p:nvPr>
+            <p:ph type="title"/>
+          </p:nvPr>
+        </p:nvSpPr>
+        <p:spPr/>
+        <p:txBody>
+          <a:bodyPr/>
+          <a:lstStyle/>
+          <a:p>
+            <a:r>
+              <a:rPr lang="en-US" dirty="0" smtClean="0"/>
+              <a:t>Photoshop’s color picker</a:t>
+            </a:r>
+            <a:endParaRPr lang="en-US" dirty="0"/>
+          </a:p>
+        </p:txBody>
+      </p:sp>
+      <p:pic>
+        <p:nvPicPr>
+          <p:cNvPr id="4" name="Content Placeholder 3" descr="pcolor.jpg"/>
+          <p:cNvPicPr>
+            <a:picLocks noGrp="1" noChangeAspect="1"/>
+          </p:cNvPicPr>
+          <p:nvPr>
+            <p:ph idx="1"/>
+          </p:nvPr>
+        </p:nvPicPr>
+        <p:blipFill>
+          <a:blip r:embed="rId2" cstate="print"/>
+          <a:stretch>
+            <a:fillRect/>
+          </a:stretch>
+        </p:blipFill>
+        <p:spPr>
+          <a:xfrm>
+            <a:off x="3674452" y="2069069"/>
+            <a:ext cx="5010912" cy="3392424"/>
+          </a:xfrm>
+        </p:spPr>
+      </p:pic>
+      <p:sp>
+        <p:nvSpPr>
+          <p:cNvPr id="9" name="TextBox 8"/>
+          <p:cNvSpPr txBox="1"/>
+          <p:nvPr/>
+        </p:nvSpPr>
+        <p:spPr>
+          <a:xfrm>
+            <a:off x="9498450" y="4519136"/>
+            <a:ext cx="737514" cy="369332"/>
+          </a:xfrm>
+          <a:prstGeom prst="rect">
+            <a:avLst/>
+          </a:prstGeom>
+          <a:noFill/>
+        </p:spPr>
+        <p:txBody>
+          <a:bodyPr wrap="none" rtlCol="0">
+            <a:spAutoFit/>
+          </a:bodyPr>
+          <a:lstStyle/>
+          <a:p>
+            <a:r>
+              <a:rPr lang="en-US" dirty="0" smtClean="0">
+                <a:solidFill>
+                  <a:srgbClr val="000000"/>
+                </a:solidFill>
+              </a:rPr>
+              <a:t>CMYK</a:t>
+            </a:r>
+            <a:endParaRPr lang="en-US" dirty="0">
+              <a:solidFill>
+                <a:srgbClr val="000000"/>
+              </a:solidFill>
+            </a:endParaRPr>
+          </a:p>
+        </p:txBody>
+      </p:sp>
+      <p:cxnSp>
+        <p:nvCxnSpPr>
+          <p:cNvPr id="10" name="Straight Connector 9"/>
+          <p:cNvCxnSpPr>
+            <a:stCxn id="9" idx="1"/>
+          </p:cNvCxnSpPr>
+          <p:nvPr/>
+        </p:nvCxnSpPr>
+        <p:spPr bwMode="auto">
+          <a:xfrm flipH="1">
+            <a:off x="8458874" y="4703802"/>
+            <a:ext cx="1039576" cy="129162"/>
+          </a:xfrm>
+          <a:prstGeom prst="line">
+            <a:avLst/>
+          </a:prstGeom>
+          <a:solidFill>
+            <a:srgbClr val="00B8FF"/>
+          </a:solidFill>
+          <a:ln w="12700" cap="flat" cmpd="sng" algn="ctr">
+            <a:solidFill>
+              <a:schemeClr val="accent5">
+                <a:lumMod val="20000"/>
+                <a:lumOff val="80000"/>
+              </a:schemeClr>
+            </a:solidFill>
+            <a:prstDash val="solid"/>
+            <a:round/>
+            <a:headEnd type="none" w="med" len="med"/>
+            <a:tailEnd type="none" w="med" len="med"/>
+          </a:ln>
+          <a:effectLst>
+            <a:outerShdw blurRad="25400" dist="38100" algn="l" rotWithShape="0">
+              <a:prstClr val="black"/>
+            </a:outerShdw>
+          </a:effectLst>
+        </p:spPr>
+      </p:cxnSp>
+      <p:sp>
+        <p:nvSpPr>
+          <p:cNvPr id="12" name="TextBox 11"/>
+          <p:cNvSpPr txBox="1"/>
+          <p:nvPr/>
+        </p:nvSpPr>
+        <p:spPr>
+          <a:xfrm>
+            <a:off x="6197601" y="5879068"/>
+            <a:ext cx="561008" cy="369332"/>
+          </a:xfrm>
+          <a:prstGeom prst="rect">
+            <a:avLst/>
+          </a:prstGeom>
+          <a:noFill/>
+        </p:spPr>
+        <p:txBody>
+          <a:bodyPr wrap="none" rtlCol="0">
+            <a:spAutoFit/>
+          </a:bodyPr>
+          <a:lstStyle/>
+          <a:p>
+            <a:r>
+              <a:rPr lang="en-US" dirty="0" smtClean="0">
+                <a:solidFill>
+                  <a:srgbClr val="000000"/>
+                </a:solidFill>
+              </a:rPr>
+              <a:t>HEX</a:t>
+            </a:r>
+            <a:endParaRPr lang="en-US" dirty="0">
+              <a:solidFill>
+                <a:srgbClr val="000000"/>
+              </a:solidFill>
+            </a:endParaRPr>
+          </a:p>
+        </p:txBody>
+      </p:sp>
+      <p:cxnSp>
+        <p:nvCxnSpPr>
+          <p:cNvPr id="13" name="Straight Connector 12"/>
+          <p:cNvCxnSpPr>
+            <a:stCxn id="12" idx="0"/>
+          </p:cNvCxnSpPr>
+          <p:nvPr/>
+        </p:nvCxnSpPr>
+        <p:spPr bwMode="auto">
+          <a:xfrm flipV="1">
+            <a:off x="6478105" y="5387768"/>
+            <a:ext cx="303791" cy="491300"/>
+          </a:xfrm>
+          <a:prstGeom prst="line">
+            <a:avLst/>
+          </a:prstGeom>
+          <a:solidFill>
+            <a:srgbClr val="00B8FF"/>
+          </a:solidFill>
+          <a:ln w="12700" cap="flat" cmpd="sng" algn="ctr">
+            <a:solidFill>
+              <a:schemeClr val="accent5">
+                <a:lumMod val="20000"/>
+                <a:lumOff val="80000"/>
+              </a:schemeClr>
+            </a:solidFill>
+            <a:prstDash val="solid"/>
+            <a:round/>
+            <a:headEnd type="none" w="med" len="med"/>
+            <a:tailEnd type="none" w="med" len="med"/>
+          </a:ln>
+          <a:effectLst>
+            <a:outerShdw blurRad="25400" dist="38100" algn="l" rotWithShape="0">
+              <a:prstClr val="black"/>
+            </a:outerShdw>
+          </a:effectLst>
+        </p:spPr>
+      </p:cxnSp>
+      <p:sp>
+        <p:nvSpPr>
+          <p:cNvPr id="23" name="TextBox 22"/>
+          <p:cNvSpPr txBox="1"/>
+          <p:nvPr/>
+        </p:nvSpPr>
+        <p:spPr>
+          <a:xfrm>
+            <a:off x="7962434" y="5882492"/>
+            <a:ext cx="582211" cy="369332"/>
+          </a:xfrm>
+          <a:prstGeom prst="rect">
+            <a:avLst/>
+          </a:prstGeom>
+          <a:noFill/>
+        </p:spPr>
+        <p:txBody>
+          <a:bodyPr wrap="none" rtlCol="0">
+            <a:spAutoFit/>
+          </a:bodyPr>
+          <a:lstStyle/>
+          <a:p>
+            <a:r>
+              <a:rPr lang="en-US" dirty="0" smtClean="0">
+                <a:solidFill>
+                  <a:srgbClr val="000000"/>
+                </a:solidFill>
+              </a:rPr>
+              <a:t>RGB</a:t>
+            </a:r>
+            <a:endParaRPr lang="en-US" dirty="0">
+              <a:solidFill>
+                <a:srgbClr val="000000"/>
+              </a:solidFill>
+            </a:endParaRPr>
+          </a:p>
+        </p:txBody>
+      </p:sp>
+      <p:cxnSp>
+        <p:nvCxnSpPr>
+          <p:cNvPr id="24" name="Straight Connector 23"/>
+          <p:cNvCxnSpPr/>
+          <p:nvPr/>
+        </p:nvCxnSpPr>
+        <p:spPr bwMode="auto">
+          <a:xfrm flipH="1" flipV="1">
+            <a:off x="7238133" y="4758990"/>
+            <a:ext cx="752175" cy="1183584"/>
+          </a:xfrm>
+          <a:prstGeom prst="line">
+            <a:avLst/>
+          </a:prstGeom>
+          <a:solidFill>
+            <a:srgbClr val="00B8FF"/>
+          </a:solidFill>
+          <a:ln w="12700" cap="flat" cmpd="sng" algn="ctr">
+            <a:solidFill>
+              <a:schemeClr val="accent5">
+                <a:lumMod val="20000"/>
+                <a:lumOff val="80000"/>
+              </a:schemeClr>
+            </a:solidFill>
+            <a:prstDash val="solid"/>
+            <a:round/>
+            <a:headEnd type="none" w="med" len="med"/>
+            <a:tailEnd type="none" w="med" len="med"/>
+          </a:ln>
+          <a:effectLst>
+            <a:outerShdw blurRad="25400" dist="38100" algn="l" rotWithShape="0">
+              <a:prstClr val="black"/>
+            </a:outerShdw>
+          </a:effectLst>
+        </p:spPr>
+      </p:cxnSp>
+      <p:sp>
+        <p:nvSpPr>
+          <p:cNvPr id="32" name="TextBox 31"/>
+          <p:cNvSpPr txBox="1"/>
+          <p:nvPr/>
+        </p:nvSpPr>
+        <p:spPr>
+          <a:xfrm>
+            <a:off x="2606021" y="1494890"/>
+            <a:ext cx="2601305" cy="369332"/>
+          </a:xfrm>
+          <a:prstGeom prst="rect">
+            <a:avLst/>
+          </a:prstGeom>
+          <a:noFill/>
+        </p:spPr>
+        <p:txBody>
+          <a:bodyPr wrap="none" rtlCol="0">
+            <a:spAutoFit/>
+          </a:bodyPr>
+          <a:lstStyle/>
+          <a:p>
+            <a:r>
+              <a:rPr lang="en-US" dirty="0" smtClean="0">
+                <a:solidFill>
+                  <a:srgbClr val="000000"/>
+                </a:solidFill>
+              </a:rPr>
+              <a:t>Approximate </a:t>
+            </a:r>
+            <a:r>
+              <a:rPr lang="en-US" dirty="0" smtClean="0">
+                <a:solidFill>
+                  <a:srgbClr val="000000"/>
+                </a:solidFill>
+              </a:rPr>
+              <a:t>screen color</a:t>
+            </a:r>
+            <a:endParaRPr lang="en-US" dirty="0">
+              <a:solidFill>
+                <a:srgbClr val="000000"/>
+              </a:solidFill>
+            </a:endParaRPr>
+          </a:p>
+        </p:txBody>
+      </p:sp>
+      <p:cxnSp>
+        <p:nvCxnSpPr>
+          <p:cNvPr id="33" name="Straight Connector 32"/>
+          <p:cNvCxnSpPr/>
+          <p:nvPr/>
+        </p:nvCxnSpPr>
+        <p:spPr bwMode="auto">
+          <a:xfrm>
+            <a:off x="5283200" y="1752600"/>
+            <a:ext cx="1363058" cy="848817"/>
+          </a:xfrm>
+          <a:prstGeom prst="line">
+            <a:avLst/>
+          </a:prstGeom>
+          <a:solidFill>
+            <a:srgbClr val="00B8FF"/>
+          </a:solidFill>
+          <a:ln w="12700" cap="flat" cmpd="sng" algn="ctr">
+            <a:solidFill>
+              <a:schemeClr val="accent5">
+                <a:lumMod val="20000"/>
+                <a:lumOff val="80000"/>
+              </a:schemeClr>
+            </a:solidFill>
+            <a:prstDash val="solid"/>
+            <a:round/>
+            <a:headEnd type="none" w="med" len="med"/>
+            <a:tailEnd type="none" w="med" len="med"/>
+          </a:ln>
+          <a:effectLst>
+            <a:outerShdw blurRad="25400" dist="38100" algn="l" rotWithShape="0">
+              <a:prstClr val="black"/>
+            </a:outerShdw>
+          </a:effectLst>
+        </p:spPr>
+      </p:cxnSp>
+    </p:spTree>
+    <p:extLst>
+      <p:ext uri="{BB962C8B-B14F-4D97-AF65-F5344CB8AC3E}">
+        <p14:creationId xmlns:p14="http://schemas.microsoft.com/office/powerpoint/2010/main" val="1404776899"/>
+      </p:ext>
+    </p:extLst>
+  </p:cSld>
+  <p:clrMapOvr>
+    <a:masterClrMapping/>
+  </p:clrMapOvr>
+  <p:timing>
+    <p:tnLst>
+      <p:par>
+        <p:cTn xmlns:p14="http://schemas.microsoft.com/office/powerpoint/2010/main" id="1" dur="indefinite" restart="never" nodeType="tmRoot"/>
       </p:par>
     </p:tnLst>
   </p:timing>
@@ -5184,7 +9888,194 @@
   <p:timing>
     <p:tnLst>
       <p:par>
-        <p:cTn id="1" dur="indefinite" restart="never" nodeType="tmRoot"/>
+        <p:cTn xmlns:p14="http://schemas.microsoft.com/office/powerpoint/2010/main" id="1" dur="indefinite" restart="never" nodeType="tmRoot"/>
+      </p:par>
+    </p:tnLst>
+  </p:timing>
+</p:sld>
+</file>
+
+<file path=ppt/slides/slide20.xml><?xml version="1.0" encoding="utf-8"?>
+<p:sld xmlns:a="http://schemas.openxmlformats.org/drawingml/2006/main" xmlns:r="http://schemas.openxmlformats.org/officeDocument/2006/relationships" xmlns:p="http://schemas.openxmlformats.org/presentationml/2006/main">
+  <p:cSld>
+    <p:spTree>
+      <p:nvGrpSpPr>
+        <p:cNvPr id="1" name=""/>
+        <p:cNvGrpSpPr/>
+        <p:nvPr/>
+      </p:nvGrpSpPr>
+      <p:grpSpPr>
+        <a:xfrm>
+          <a:off x="0" y="0"/>
+          <a:ext cx="0" cy="0"/>
+          <a:chOff x="0" y="0"/>
+          <a:chExt cx="0" cy="0"/>
+        </a:xfrm>
+      </p:grpSpPr>
+      <p:sp>
+        <p:nvSpPr>
+          <p:cNvPr id="2" name="Title 1"/>
+          <p:cNvSpPr>
+            <a:spLocks noGrp="1"/>
+          </p:cNvSpPr>
+          <p:nvPr>
+            <p:ph type="title"/>
+          </p:nvPr>
+        </p:nvSpPr>
+        <p:spPr/>
+        <p:txBody>
+          <a:bodyPr/>
+          <a:lstStyle/>
+          <a:p>
+            <a:r>
+              <a:rPr lang="en-US" dirty="0" smtClean="0"/>
+              <a:t>Next Week</a:t>
+            </a:r>
+            <a:endParaRPr lang="en-US" dirty="0"/>
+          </a:p>
+        </p:txBody>
+      </p:sp>
+      <p:sp>
+        <p:nvSpPr>
+          <p:cNvPr id="3" name="Content Placeholder 2"/>
+          <p:cNvSpPr>
+            <a:spLocks noGrp="1"/>
+          </p:cNvSpPr>
+          <p:nvPr>
+            <p:ph idx="1"/>
+          </p:nvPr>
+        </p:nvSpPr>
+        <p:spPr/>
+        <p:txBody>
+          <a:bodyPr>
+            <a:normAutofit/>
+          </a:bodyPr>
+          <a:lstStyle/>
+          <a:p>
+            <a:r>
+              <a:rPr lang="en-US" dirty="0"/>
+              <a:t>Frazer, Meghan (2013). An Elevator Pitch for File Naming Conventions. </a:t>
+            </a:r>
+            <a:r>
+              <a:rPr lang="en-US" i="1" dirty="0">
+                <a:hlinkClick r:id="rId2"/>
+              </a:rPr>
+              <a:t>http://acrl.ala.org/techconnect/post/an-elevator-pitch-for-file-naming-conventions</a:t>
+            </a:r>
+            <a:r>
+              <a:rPr lang="en-US" dirty="0"/>
+              <a:t>.</a:t>
+            </a:r>
+          </a:p>
+          <a:p>
+            <a:r>
+              <a:rPr lang="en-US" dirty="0"/>
+              <a:t>Alexandra </a:t>
+            </a:r>
+            <a:r>
+              <a:rPr lang="en-US" dirty="0" err="1"/>
+              <a:t>Simperler</a:t>
+            </a:r>
+            <a:r>
+              <a:rPr lang="en-US" dirty="0"/>
+              <a:t>, Greg Wilson (2015). Software Carpentry get more done in less time. </a:t>
+            </a:r>
+            <a:r>
+              <a:rPr lang="en-US" i="1" dirty="0">
+                <a:hlinkClick r:id="rId3"/>
+              </a:rPr>
+              <a:t>http://arxiv.org/abs/1506.02575</a:t>
+            </a:r>
+            <a:r>
+              <a:rPr lang="en-US" dirty="0"/>
+              <a:t>.</a:t>
+            </a:r>
+          </a:p>
+          <a:p>
+            <a:pPr marL="0" indent="0">
+              <a:buNone/>
+            </a:pPr>
+            <a:endParaRPr lang="en-US" dirty="0" smtClean="0"/>
+          </a:p>
+          <a:p>
+            <a:pPr marL="0" indent="0">
+              <a:buNone/>
+            </a:pPr>
+            <a:r>
+              <a:rPr lang="en-US" dirty="0" smtClean="0"/>
+              <a:t>We will be introducing the command line next week!!</a:t>
+            </a:r>
+          </a:p>
+          <a:p>
+            <a:r>
+              <a:rPr lang="en-US" sz="2000" dirty="0" smtClean="0"/>
+              <a:t>Mac – no install needed – you will use the terminal – applications/utilities</a:t>
+            </a:r>
+            <a:r>
+              <a:rPr lang="en-US" sz="2000" dirty="0"/>
+              <a:t>/</a:t>
+            </a:r>
+            <a:r>
+              <a:rPr lang="en-US" sz="2000" dirty="0" smtClean="0"/>
+              <a:t>terminal</a:t>
+            </a:r>
+          </a:p>
+          <a:p>
+            <a:r>
+              <a:rPr lang="en-US" sz="2000" dirty="0" smtClean="0"/>
+              <a:t>Windows – you will need to install “</a:t>
+            </a:r>
+            <a:r>
+              <a:rPr lang="en-US" sz="2000" dirty="0" err="1" smtClean="0"/>
+              <a:t>git</a:t>
+            </a:r>
+            <a:r>
+              <a:rPr lang="en-US" sz="2000" dirty="0" smtClean="0"/>
+              <a:t> bash”</a:t>
+            </a:r>
+          </a:p>
+          <a:p>
+            <a:pPr lvl="1"/>
+            <a:r>
+              <a:rPr lang="en-US" sz="1800" dirty="0" smtClean="0">
+                <a:hlinkClick r:id="rId4"/>
+              </a:rPr>
+              <a:t>https</a:t>
+            </a:r>
+            <a:r>
+              <a:rPr lang="en-US" sz="1800" dirty="0">
+                <a:hlinkClick r:id="rId4"/>
+              </a:rPr>
+              <a:t>://github.com/git-for-windows/git/releases/download/v2.7.0.windows.1/Git-2.7.0-32-</a:t>
+            </a:r>
+            <a:r>
+              <a:rPr lang="en-US" sz="1800" dirty="0" smtClean="0">
+                <a:hlinkClick r:id="rId4"/>
+              </a:rPr>
+              <a:t>bit.exe</a:t>
+            </a:r>
+            <a:r>
+              <a:rPr lang="en-US" sz="1800" dirty="0" smtClean="0"/>
+              <a:t> </a:t>
+            </a:r>
+            <a:endParaRPr lang="en-US" sz="1800" dirty="0"/>
+          </a:p>
+        </p:txBody>
+      </p:sp>
+    </p:spTree>
+    <p:extLst>
+      <p:ext uri="{BB962C8B-B14F-4D97-AF65-F5344CB8AC3E}">
+        <p14:creationId xmlns:p14="http://schemas.microsoft.com/office/powerpoint/2010/main" val="1265998686"/>
+      </p:ext>
+    </p:extLst>
+  </p:cSld>
+  <p:clrMapOvr>
+    <a:masterClrMapping/>
+  </p:clrMapOvr>
+  <p:timing>
+    <p:tnLst>
+      <p:par>
+        <p:cTn xmlns:p14="http://schemas.microsoft.com/office/powerpoint/2010/main" id="1" dur="indefinite" restart="never" nodeType="tmRoot"/>
       </p:par>
     </p:tnLst>
   </p:timing>
@@ -5603,7 +10494,6 @@
               <a:rPr lang="en-US" sz="2000" dirty="0"/>
               <a:t>, html, xml </a:t>
             </a:r>
-            <a:endParaRPr lang="en-US" sz="2000" dirty="0"/>
           </a:p>
         </p:txBody>
       </p:sp>
@@ -5620,7 +10510,7 @@
   <p:timing>
     <p:tnLst>
       <p:par>
-        <p:cTn id="1" dur="indefinite" restart="never" nodeType="tmRoot"/>
+        <p:cTn xmlns:p14="http://schemas.microsoft.com/office/powerpoint/2010/main" id="1" dur="indefinite" restart="never" nodeType="tmRoot"/>
       </p:par>
     </p:tnLst>
   </p:timing>
@@ -5869,15 +10759,7 @@
                   <a:srgbClr val="FF0000"/>
                 </a:solidFill>
               </a:rPr>
-              <a:t>p</a:t>
-            </a:r>
-            <a:r>
-              <a:rPr lang="en-US" dirty="0">
-                <a:solidFill>
-                  <a:srgbClr val="FF0000"/>
-                </a:solidFill>
-              </a:rPr>
-              <a:t>roprietary</a:t>
+              <a:t>proprietary</a:t>
             </a:r>
           </a:p>
           <a:p>
@@ -5897,17 +10779,7 @@
                   </a:schemeClr>
                 </a:solidFill>
               </a:rPr>
-              <a:t>o</a:t>
-            </a:r>
-            <a:r>
-              <a:rPr lang="en-US" dirty="0">
-                <a:solidFill>
-                  <a:schemeClr val="accent6">
-                    <a:lumMod val="75000"/>
-                  </a:schemeClr>
-                </a:solidFill>
-              </a:rPr>
-              <a:t>pen</a:t>
+              <a:t>open</a:t>
             </a:r>
             <a:r>
               <a:rPr lang="en-US" dirty="0"/>
@@ -6606,13 +11478,6 @@
               </a:rPr>
               <a:t>xml </a:t>
             </a:r>
-            <a:endParaRPr lang="en-US" sz="2000" dirty="0">
-              <a:solidFill>
-                <a:schemeClr val="accent6">
-                  <a:lumMod val="75000"/>
-                </a:schemeClr>
-              </a:solidFill>
-            </a:endParaRPr>
           </a:p>
         </p:txBody>
       </p:sp>
@@ -6629,7 +11494,7 @@
   <p:timing>
     <p:tnLst>
       <p:par>
-        <p:cTn id="1" dur="indefinite" restart="never" nodeType="tmRoot"/>
+        <p:cTn xmlns:p14="http://schemas.microsoft.com/office/powerpoint/2010/main" id="1" dur="indefinite" restart="never" nodeType="tmRoot"/>
       </p:par>
     </p:tnLst>
   </p:timing>
@@ -6878,15 +11743,7 @@
                   <a:srgbClr val="FF0000"/>
                 </a:solidFill>
               </a:rPr>
-              <a:t>p</a:t>
-            </a:r>
-            <a:r>
-              <a:rPr lang="en-US" dirty="0">
-                <a:solidFill>
-                  <a:srgbClr val="FF0000"/>
-                </a:solidFill>
-              </a:rPr>
-              <a:t>roprietary</a:t>
+              <a:t>proprietary</a:t>
             </a:r>
           </a:p>
           <a:p>
@@ -6906,17 +11763,7 @@
                   </a:schemeClr>
                 </a:solidFill>
               </a:rPr>
-              <a:t>o</a:t>
-            </a:r>
-            <a:r>
-              <a:rPr lang="en-US" dirty="0">
-                <a:solidFill>
-                  <a:schemeClr val="accent6">
-                    <a:lumMod val="75000"/>
-                  </a:schemeClr>
-                </a:solidFill>
-              </a:rPr>
-              <a:t>pen</a:t>
+              <a:t>open</a:t>
             </a:r>
             <a:r>
               <a:rPr lang="en-US" dirty="0"/>
@@ -7463,13 +12310,6 @@
               </a:rPr>
               <a:t>xml </a:t>
             </a:r>
-            <a:endParaRPr lang="en-US" sz="2000" dirty="0">
-              <a:solidFill>
-                <a:schemeClr val="accent6">
-                  <a:lumMod val="75000"/>
-                </a:schemeClr>
-              </a:solidFill>
-            </a:endParaRPr>
           </a:p>
         </p:txBody>
       </p:sp>
@@ -7540,7 +12380,7 @@
   <p:timing>
     <p:tnLst>
       <p:par>
-        <p:cTn id="1" dur="indefinite" restart="never" nodeType="tmRoot">
+        <p:cTn xmlns:p14="http://schemas.microsoft.com/office/powerpoint/2010/main" id="1" dur="indefinite" restart="never" nodeType="tmRoot">
           <p:childTnLst>
             <p:seq concurrent="1" nextAc="seek">
               <p:cTn id="2" dur="indefinite" nodeType="mainSeq">
@@ -8059,11 +12899,7 @@
           <a:p>
             <a:r>
               <a:rPr lang="en-US" dirty="0" smtClean="0"/>
-              <a:t>Preferred </a:t>
-            </a:r>
-            <a:r>
-              <a:rPr lang="en-US" dirty="0" smtClean="0"/>
-              <a:t>Formats</a:t>
+              <a:t>Preferred Formats</a:t>
             </a:r>
             <a:endParaRPr lang="en-US" dirty="0"/>
           </a:p>
@@ -8271,15 +13107,7 @@
                   <a:srgbClr val="FF0000"/>
                 </a:solidFill>
               </a:rPr>
-              <a:t>p</a:t>
-            </a:r>
-            <a:r>
-              <a:rPr lang="en-US" dirty="0">
-                <a:solidFill>
-                  <a:srgbClr val="FF0000"/>
-                </a:solidFill>
-              </a:rPr>
-              <a:t>roprietary</a:t>
+              <a:t>proprietary</a:t>
             </a:r>
           </a:p>
           <a:p>
@@ -8299,17 +13127,7 @@
                   </a:schemeClr>
                 </a:solidFill>
               </a:rPr>
-              <a:t>o</a:t>
-            </a:r>
-            <a:r>
-              <a:rPr lang="en-US" dirty="0">
-                <a:solidFill>
-                  <a:schemeClr val="accent6">
-                    <a:lumMod val="75000"/>
-                  </a:schemeClr>
-                </a:solidFill>
-              </a:rPr>
-              <a:t>pen</a:t>
+              <a:t>open</a:t>
             </a:r>
             <a:r>
               <a:rPr lang="en-US" dirty="0"/>
@@ -8856,13 +13674,6 @@
               </a:rPr>
               <a:t>xml </a:t>
             </a:r>
-            <a:endParaRPr lang="en-US" sz="2000" dirty="0">
-              <a:solidFill>
-                <a:schemeClr val="accent6">
-                  <a:lumMod val="75000"/>
-                </a:schemeClr>
-              </a:solidFill>
-            </a:endParaRPr>
           </a:p>
         </p:txBody>
       </p:sp>
@@ -8933,7 +13744,7 @@
   <p:timing>
     <p:tnLst>
       <p:par>
-        <p:cTn id="1" dur="indefinite" restart="never" nodeType="tmRoot">
+        <p:cTn xmlns:p14="http://schemas.microsoft.com/office/powerpoint/2010/main" id="1" dur="indefinite" restart="never" nodeType="tmRoot">
           <p:childTnLst>
             <p:seq concurrent="1" nextAc="seek">
               <p:cTn id="2" dur="indefinite" nodeType="mainSeq">
@@ -9475,7 +14286,9 @@
           </a:xfrm>
         </p:spPr>
         <p:txBody>
-          <a:bodyPr/>
+          <a:bodyPr>
+            <a:normAutofit fontScale="92500"/>
+          </a:bodyPr>
           <a:lstStyle/>
           <a:p>
             <a:pPr marL="0" indent="0">
@@ -9570,7 +14383,7 @@
   <p:timing>
     <p:tnLst>
       <p:par>
-        <p:cTn id="1" dur="indefinite" restart="never" nodeType="tmRoot"/>
+        <p:cTn xmlns:p14="http://schemas.microsoft.com/office/powerpoint/2010/main" id="1" dur="indefinite" restart="never" nodeType="tmRoot"/>
       </p:par>
     </p:tnLst>
   </p:timing>
@@ -9689,11 +14502,7 @@
             </a:r>
             <a:r>
               <a:rPr lang="en-US" sz="3200" dirty="0" smtClean="0"/>
-              <a:t>extensions (check</a:t>
-            </a:r>
-            <a:r>
-              <a:rPr lang="en-US" sz="3200" dirty="0" smtClean="0"/>
-              <a:t>)</a:t>
+              <a:t>extensions (check)</a:t>
             </a:r>
           </a:p>
           <a:p>
@@ -9709,25 +14518,13 @@
           <a:p>
             <a:r>
               <a:rPr lang="en-US" sz="3200" dirty="0" smtClean="0"/>
-              <a:t>explorer-</a:t>
-            </a:r>
+              <a:t>explorer-&gt;organize-&gt;folder and search options: </a:t>
+            </a:r>
+          </a:p>
+          <a:p>
             <a:r>
               <a:rPr lang="en-US" sz="3200" dirty="0" smtClean="0"/>
-              <a:t>&gt;organize-&gt;folder and search options: </a:t>
-            </a:r>
-          </a:p>
-          <a:p>
-            <a:r>
-              <a:rPr lang="en-US" sz="3200" dirty="0" smtClean="0"/>
-              <a:t>   </a:t>
-            </a:r>
-            <a:r>
-              <a:rPr lang="en-US" sz="3200" dirty="0" smtClean="0"/>
-              <a:t>View </a:t>
-            </a:r>
-            <a:r>
-              <a:rPr lang="en-US" sz="3200" dirty="0" smtClean="0"/>
-              <a:t>tab: Hide Extensions for known file types (uncheck)</a:t>
+              <a:t>   View tab: Hide Extensions for known file types (uncheck)</a:t>
             </a:r>
             <a:endParaRPr lang="en-US" sz="3200" dirty="0"/>
           </a:p>
@@ -9746,7 +14543,7 @@
   <p:timing>
     <p:tnLst>
       <p:par>
-        <p:cTn id="1" dur="indefinite" restart="never" nodeType="tmRoot">
+        <p:cTn xmlns:p14="http://schemas.microsoft.com/office/powerpoint/2010/main" id="1" dur="indefinite" restart="never" nodeType="tmRoot">
           <p:childTnLst>
             <p:seq concurrent="1" nextAc="seek">
               <p:cTn id="2" dur="indefinite" nodeType="mainSeq">
@@ -9988,7 +14785,11 @@
             <a:pPr lvl="1"/>
             <a:r>
               <a:rPr lang="en-US" dirty="0" smtClean="0"/>
-              <a:t>PDF – preferably not!! (hard to index </a:t>
+              <a:t>PDF – preferably not!! (hard to </a:t>
+            </a:r>
+            <a:r>
+              <a:rPr lang="en-US" dirty="0" smtClean="0"/>
+              <a:t>index/search </a:t>
             </a:r>
             <a:r>
               <a:rPr lang="en-US" i="1" dirty="0" smtClean="0"/>
@@ -10015,6 +14816,566 @@
               <a:rPr lang="en-US" dirty="0" smtClean="0"/>
               <a:t>TIFF, JPEG2000 (??), PNG, JPEG . . . .</a:t>
             </a:r>
+          </a:p>
+        </p:txBody>
+      </p:sp>
+      <p:sp>
+        <p:nvSpPr>
+          <p:cNvPr id="4" name="TextBox 3"/>
+          <p:cNvSpPr txBox="1"/>
+          <p:nvPr/>
+        </p:nvSpPr>
+        <p:spPr>
+          <a:xfrm>
+            <a:off x="2022238" y="4980911"/>
+            <a:ext cx="453970" cy="369332"/>
+          </a:xfrm>
+          <a:prstGeom prst="rect">
+            <a:avLst/>
+          </a:prstGeom>
+          <a:noFill/>
+        </p:spPr>
+        <p:txBody>
+          <a:bodyPr wrap="none" rtlCol="0">
+            <a:spAutoFit/>
+          </a:bodyPr>
+          <a:lstStyle/>
+          <a:p>
+            <a:r>
+              <a:rPr lang="en-US" dirty="0" smtClean="0"/>
+              <a:t>.</a:t>
+            </a:r>
+            <a:r>
+              <a:rPr lang="en-US" dirty="0" err="1" smtClean="0"/>
+              <a:t>tif</a:t>
+            </a:r>
+            <a:endParaRPr lang="en-US" dirty="0"/>
+          </a:p>
+        </p:txBody>
+      </p:sp>
+      <p:sp>
+        <p:nvSpPr>
+          <p:cNvPr id="5" name="TextBox 4"/>
+          <p:cNvSpPr txBox="1"/>
+          <p:nvPr/>
+        </p:nvSpPr>
+        <p:spPr>
+          <a:xfrm>
+            <a:off x="5134010" y="4652481"/>
+            <a:ext cx="528097" cy="369332"/>
+          </a:xfrm>
+          <a:prstGeom prst="rect">
+            <a:avLst/>
+          </a:prstGeom>
+          <a:noFill/>
+        </p:spPr>
+        <p:txBody>
+          <a:bodyPr wrap="none" rtlCol="0">
+            <a:spAutoFit/>
+          </a:bodyPr>
+          <a:lstStyle/>
+          <a:p>
+            <a:r>
+              <a:rPr lang="en-US" dirty="0" smtClean="0"/>
+              <a:t>.jpg</a:t>
+            </a:r>
+            <a:endParaRPr lang="en-US" dirty="0"/>
+          </a:p>
+        </p:txBody>
+      </p:sp>
+      <p:sp>
+        <p:nvSpPr>
+          <p:cNvPr id="6" name="TextBox 5"/>
+          <p:cNvSpPr txBox="1"/>
+          <p:nvPr/>
+        </p:nvSpPr>
+        <p:spPr>
+          <a:xfrm>
+            <a:off x="4262961" y="5088448"/>
+            <a:ext cx="594146" cy="369332"/>
+          </a:xfrm>
+          <a:prstGeom prst="rect">
+            <a:avLst/>
+          </a:prstGeom>
+          <a:noFill/>
+        </p:spPr>
+        <p:txBody>
+          <a:bodyPr wrap="none" rtlCol="0">
+            <a:spAutoFit/>
+          </a:bodyPr>
+          <a:lstStyle/>
+          <a:p>
+            <a:r>
+              <a:rPr lang="en-US" dirty="0" smtClean="0"/>
+              <a:t>.</a:t>
+            </a:r>
+            <a:r>
+              <a:rPr lang="en-US" dirty="0" err="1" smtClean="0"/>
+              <a:t>png</a:t>
+            </a:r>
+            <a:endParaRPr lang="en-US" dirty="0"/>
+          </a:p>
+        </p:txBody>
+      </p:sp>
+      <p:sp>
+        <p:nvSpPr>
+          <p:cNvPr id="7" name="TextBox 6"/>
+          <p:cNvSpPr txBox="1"/>
+          <p:nvPr/>
+        </p:nvSpPr>
+        <p:spPr>
+          <a:xfrm>
+            <a:off x="2713723" y="4649056"/>
+            <a:ext cx="536437" cy="369332"/>
+          </a:xfrm>
+          <a:prstGeom prst="rect">
+            <a:avLst/>
+          </a:prstGeom>
+          <a:noFill/>
+        </p:spPr>
+        <p:txBody>
+          <a:bodyPr wrap="none" rtlCol="0">
+            <a:spAutoFit/>
+          </a:bodyPr>
+          <a:lstStyle/>
+          <a:p>
+            <a:r>
+              <a:rPr lang="en-US" dirty="0" smtClean="0"/>
+              <a:t>.jp2</a:t>
+            </a:r>
+            <a:endParaRPr lang="en-US" dirty="0"/>
+          </a:p>
+        </p:txBody>
+      </p:sp>
+      <p:sp>
+        <p:nvSpPr>
+          <p:cNvPr id="8" name="TextBox 7"/>
+          <p:cNvSpPr txBox="1"/>
+          <p:nvPr/>
+        </p:nvSpPr>
+        <p:spPr>
+          <a:xfrm>
+            <a:off x="3840249" y="4641179"/>
+            <a:ext cx="520094" cy="369332"/>
+          </a:xfrm>
+          <a:prstGeom prst="rect">
+            <a:avLst/>
+          </a:prstGeom>
+          <a:noFill/>
+        </p:spPr>
+        <p:txBody>
+          <a:bodyPr wrap="none" rtlCol="0">
+            <a:spAutoFit/>
+          </a:bodyPr>
+          <a:lstStyle/>
+          <a:p>
+            <a:r>
+              <a:rPr lang="en-US" dirty="0" smtClean="0"/>
+              <a:t>.j2k</a:t>
+            </a:r>
+            <a:endParaRPr lang="en-US" dirty="0"/>
+          </a:p>
+        </p:txBody>
+      </p:sp>
+      <p:sp>
+        <p:nvSpPr>
+          <p:cNvPr id="9" name="TextBox 8"/>
+          <p:cNvSpPr txBox="1"/>
+          <p:nvPr/>
+        </p:nvSpPr>
+        <p:spPr>
+          <a:xfrm>
+            <a:off x="4427694" y="5351809"/>
+            <a:ext cx="2565914" cy="369332"/>
+          </a:xfrm>
+          <a:prstGeom prst="rect">
+            <a:avLst/>
+          </a:prstGeom>
+          <a:noFill/>
+        </p:spPr>
+        <p:txBody>
+          <a:bodyPr wrap="none" rtlCol="0">
+            <a:spAutoFit/>
+          </a:bodyPr>
+          <a:lstStyle/>
+          <a:p>
+            <a:r>
+              <a:rPr lang="en-US" dirty="0" smtClean="0"/>
+              <a:t>portable network graphic</a:t>
+            </a:r>
+            <a:endParaRPr lang="en-US" dirty="0"/>
+          </a:p>
+        </p:txBody>
+      </p:sp>
+      <p:sp>
+        <p:nvSpPr>
+          <p:cNvPr id="10" name="TextBox 9"/>
+          <p:cNvSpPr txBox="1"/>
+          <p:nvPr/>
+        </p:nvSpPr>
+        <p:spPr>
+          <a:xfrm>
+            <a:off x="1201475" y="5257629"/>
+            <a:ext cx="2524099" cy="369332"/>
+          </a:xfrm>
+          <a:prstGeom prst="rect">
+            <a:avLst/>
+          </a:prstGeom>
+          <a:noFill/>
+        </p:spPr>
+        <p:txBody>
+          <a:bodyPr wrap="none" rtlCol="0">
+            <a:spAutoFit/>
+          </a:bodyPr>
+          <a:lstStyle/>
+          <a:p>
+            <a:r>
+              <a:rPr lang="en-US" dirty="0" smtClean="0"/>
+              <a:t>tagged image file format</a:t>
+            </a:r>
+            <a:endParaRPr lang="en-US" dirty="0"/>
+          </a:p>
+        </p:txBody>
+      </p:sp>
+      <p:sp>
+        <p:nvSpPr>
+          <p:cNvPr id="11" name="TextBox 10"/>
+          <p:cNvSpPr txBox="1"/>
+          <p:nvPr/>
+        </p:nvSpPr>
+        <p:spPr>
+          <a:xfrm>
+            <a:off x="5406252" y="4394600"/>
+            <a:ext cx="3296733" cy="369332"/>
+          </a:xfrm>
+          <a:prstGeom prst="rect">
+            <a:avLst/>
+          </a:prstGeom>
+          <a:noFill/>
+        </p:spPr>
+        <p:txBody>
+          <a:bodyPr wrap="none" rtlCol="0">
+            <a:spAutoFit/>
+          </a:bodyPr>
+          <a:lstStyle/>
+          <a:p>
+            <a:r>
+              <a:rPr lang="en-US" dirty="0" smtClean="0"/>
+              <a:t>joint photographic experts group</a:t>
+            </a:r>
+            <a:endParaRPr lang="en-US" dirty="0"/>
+          </a:p>
+        </p:txBody>
+      </p:sp>
+      <p:sp>
+        <p:nvSpPr>
+          <p:cNvPr id="12" name="TextBox 11"/>
+          <p:cNvSpPr txBox="1"/>
+          <p:nvPr/>
+        </p:nvSpPr>
+        <p:spPr>
+          <a:xfrm>
+            <a:off x="5385056" y="2006202"/>
+            <a:ext cx="497552" cy="369332"/>
+          </a:xfrm>
+          <a:prstGeom prst="rect">
+            <a:avLst/>
+          </a:prstGeom>
+          <a:noFill/>
+        </p:spPr>
+        <p:txBody>
+          <a:bodyPr wrap="none" rtlCol="0">
+            <a:spAutoFit/>
+          </a:bodyPr>
+          <a:lstStyle/>
+          <a:p>
+            <a:r>
+              <a:rPr lang="en-US" dirty="0" smtClean="0"/>
+              <a:t>.txt</a:t>
+            </a:r>
+            <a:endParaRPr lang="en-US" dirty="0"/>
+          </a:p>
+        </p:txBody>
+      </p:sp>
+      <p:sp>
+        <p:nvSpPr>
+          <p:cNvPr id="13" name="TextBox 12"/>
+          <p:cNvSpPr txBox="1"/>
+          <p:nvPr/>
+        </p:nvSpPr>
+        <p:spPr>
+          <a:xfrm>
+            <a:off x="6080008" y="1727087"/>
+            <a:ext cx="678904" cy="369332"/>
+          </a:xfrm>
+          <a:prstGeom prst="rect">
+            <a:avLst/>
+          </a:prstGeom>
+          <a:noFill/>
+        </p:spPr>
+        <p:txBody>
+          <a:bodyPr wrap="none" rtlCol="0">
+            <a:spAutoFit/>
+          </a:bodyPr>
+          <a:lstStyle/>
+          <a:p>
+            <a:r>
+              <a:rPr lang="en-US" dirty="0" smtClean="0"/>
+              <a:t>.html</a:t>
+            </a:r>
+            <a:endParaRPr lang="en-US" dirty="0"/>
+          </a:p>
+        </p:txBody>
+      </p:sp>
+      <p:sp>
+        <p:nvSpPr>
+          <p:cNvPr id="14" name="TextBox 13"/>
+          <p:cNvSpPr txBox="1"/>
+          <p:nvPr/>
+        </p:nvSpPr>
+        <p:spPr>
+          <a:xfrm>
+            <a:off x="6577668" y="2224699"/>
+            <a:ext cx="580282" cy="369332"/>
+          </a:xfrm>
+          <a:prstGeom prst="rect">
+            <a:avLst/>
+          </a:prstGeom>
+          <a:noFill/>
+        </p:spPr>
+        <p:txBody>
+          <a:bodyPr wrap="none" rtlCol="0">
+            <a:spAutoFit/>
+          </a:bodyPr>
+          <a:lstStyle/>
+          <a:p>
+            <a:r>
+              <a:rPr lang="en-US" dirty="0" smtClean="0"/>
+              <a:t>.xml</a:t>
+            </a:r>
+            <a:endParaRPr lang="en-US" dirty="0"/>
+          </a:p>
+        </p:txBody>
+      </p:sp>
+      <p:sp>
+        <p:nvSpPr>
+          <p:cNvPr id="15" name="TextBox 14"/>
+          <p:cNvSpPr txBox="1"/>
+          <p:nvPr/>
+        </p:nvSpPr>
+        <p:spPr>
+          <a:xfrm>
+            <a:off x="7334273" y="1834623"/>
+            <a:ext cx="535085" cy="369332"/>
+          </a:xfrm>
+          <a:prstGeom prst="rect">
+            <a:avLst/>
+          </a:prstGeom>
+          <a:noFill/>
+        </p:spPr>
+        <p:txBody>
+          <a:bodyPr wrap="none" rtlCol="0">
+            <a:spAutoFit/>
+          </a:bodyPr>
+          <a:lstStyle/>
+          <a:p>
+            <a:r>
+              <a:rPr lang="en-US" dirty="0" smtClean="0"/>
+              <a:t>.</a:t>
+            </a:r>
+            <a:r>
+              <a:rPr lang="en-US" dirty="0" err="1" smtClean="0"/>
+              <a:t>csv</a:t>
+            </a:r>
+            <a:endParaRPr lang="en-US" dirty="0"/>
+          </a:p>
+        </p:txBody>
+      </p:sp>
+      <p:sp>
+        <p:nvSpPr>
+          <p:cNvPr id="16" name="TextBox 15"/>
+          <p:cNvSpPr txBox="1"/>
+          <p:nvPr/>
+        </p:nvSpPr>
+        <p:spPr>
+          <a:xfrm>
+            <a:off x="8349824" y="2097984"/>
+            <a:ext cx="631453" cy="369332"/>
+          </a:xfrm>
+          <a:prstGeom prst="rect">
+            <a:avLst/>
+          </a:prstGeom>
+          <a:noFill/>
+        </p:spPr>
+        <p:txBody>
+          <a:bodyPr wrap="none" rtlCol="0">
+            <a:spAutoFit/>
+          </a:bodyPr>
+          <a:lstStyle/>
+          <a:p>
+            <a:r>
+              <a:rPr lang="en-US" dirty="0" smtClean="0"/>
+              <a:t>.</a:t>
+            </a:r>
+            <a:r>
+              <a:rPr lang="en-US" dirty="0" err="1" smtClean="0"/>
+              <a:t>json</a:t>
+            </a:r>
+            <a:endParaRPr lang="en-US" dirty="0"/>
+          </a:p>
+        </p:txBody>
+      </p:sp>
+      <p:sp>
+        <p:nvSpPr>
+          <p:cNvPr id="18" name="TextBox 17"/>
+          <p:cNvSpPr txBox="1"/>
+          <p:nvPr/>
+        </p:nvSpPr>
+        <p:spPr>
+          <a:xfrm>
+            <a:off x="3906335" y="1440094"/>
+            <a:ext cx="2847354" cy="369332"/>
+          </a:xfrm>
+          <a:prstGeom prst="rect">
+            <a:avLst/>
+          </a:prstGeom>
+          <a:noFill/>
+        </p:spPr>
+        <p:txBody>
+          <a:bodyPr wrap="none" rtlCol="0">
+            <a:spAutoFit/>
+          </a:bodyPr>
+          <a:lstStyle/>
+          <a:p>
+            <a:r>
+              <a:rPr lang="en-US" dirty="0" smtClean="0"/>
+              <a:t>hyper text markup language</a:t>
+            </a:r>
+            <a:endParaRPr lang="en-US" dirty="0"/>
+          </a:p>
+        </p:txBody>
+      </p:sp>
+      <p:sp>
+        <p:nvSpPr>
+          <p:cNvPr id="19" name="TextBox 18"/>
+          <p:cNvSpPr txBox="1"/>
+          <p:nvPr/>
+        </p:nvSpPr>
+        <p:spPr>
+          <a:xfrm>
+            <a:off x="5328799" y="2455523"/>
+            <a:ext cx="2821430" cy="369332"/>
+          </a:xfrm>
+          <a:prstGeom prst="rect">
+            <a:avLst/>
+          </a:prstGeom>
+          <a:noFill/>
+        </p:spPr>
+        <p:txBody>
+          <a:bodyPr wrap="none" rtlCol="0">
+            <a:spAutoFit/>
+          </a:bodyPr>
+          <a:lstStyle/>
+          <a:p>
+            <a:r>
+              <a:rPr lang="en-US" dirty="0" smtClean="0"/>
+              <a:t>extensible markup language</a:t>
+            </a:r>
+            <a:endParaRPr lang="en-US" dirty="0"/>
+          </a:p>
+        </p:txBody>
+      </p:sp>
+      <p:sp>
+        <p:nvSpPr>
+          <p:cNvPr id="20" name="TextBox 19"/>
+          <p:cNvSpPr txBox="1"/>
+          <p:nvPr/>
+        </p:nvSpPr>
+        <p:spPr>
+          <a:xfrm>
+            <a:off x="8625532" y="2386001"/>
+            <a:ext cx="2580116" cy="369332"/>
+          </a:xfrm>
+          <a:prstGeom prst="rect">
+            <a:avLst/>
+          </a:prstGeom>
+          <a:noFill/>
+        </p:spPr>
+        <p:txBody>
+          <a:bodyPr wrap="none" rtlCol="0">
+            <a:spAutoFit/>
+          </a:bodyPr>
+          <a:lstStyle/>
+          <a:p>
+            <a:r>
+              <a:rPr lang="en-US" dirty="0" err="1" smtClean="0"/>
+              <a:t>javascript</a:t>
+            </a:r>
+            <a:r>
+              <a:rPr lang="en-US" dirty="0" smtClean="0"/>
+              <a:t> object notation </a:t>
+            </a:r>
+            <a:endParaRPr lang="en-US" dirty="0"/>
+          </a:p>
+        </p:txBody>
+      </p:sp>
+      <p:sp>
+        <p:nvSpPr>
+          <p:cNvPr id="21" name="TextBox 20"/>
+          <p:cNvSpPr txBox="1"/>
+          <p:nvPr/>
+        </p:nvSpPr>
+        <p:spPr>
+          <a:xfrm>
+            <a:off x="7581853" y="1613728"/>
+            <a:ext cx="2548895" cy="369332"/>
+          </a:xfrm>
+          <a:prstGeom prst="rect">
+            <a:avLst/>
+          </a:prstGeom>
+          <a:noFill/>
+        </p:spPr>
+        <p:txBody>
+          <a:bodyPr wrap="none" rtlCol="0">
+            <a:spAutoFit/>
+          </a:bodyPr>
+          <a:lstStyle/>
+          <a:p>
+            <a:r>
+              <a:rPr lang="en-US" dirty="0" smtClean="0"/>
+              <a:t>comma separated values</a:t>
+            </a:r>
+            <a:endParaRPr lang="en-US" dirty="0"/>
+          </a:p>
+        </p:txBody>
+      </p:sp>
+      <p:sp>
+        <p:nvSpPr>
+          <p:cNvPr id="22" name="TextBox 21"/>
+          <p:cNvSpPr txBox="1"/>
+          <p:nvPr/>
+        </p:nvSpPr>
+        <p:spPr>
+          <a:xfrm>
+            <a:off x="2534156" y="3261360"/>
+            <a:ext cx="2698175" cy="369332"/>
+          </a:xfrm>
+          <a:prstGeom prst="rect">
+            <a:avLst/>
+          </a:prstGeom>
+          <a:noFill/>
+        </p:spPr>
+        <p:txBody>
+          <a:bodyPr wrap="none" rtlCol="0">
+            <a:spAutoFit/>
+          </a:bodyPr>
+          <a:lstStyle/>
+          <a:p>
+            <a:r>
+              <a:rPr lang="en-US" dirty="0" smtClean="0"/>
+              <a:t>portable document format</a:t>
+            </a:r>
+            <a:endParaRPr lang="en-US" dirty="0"/>
           </a:p>
         </p:txBody>
       </p:sp>
@@ -10031,9 +15392,1182 @@
   <p:timing>
     <p:tnLst>
       <p:par>
-        <p:cTn id="1" dur="indefinite" restart="never" nodeType="tmRoot"/>
+        <p:cTn xmlns:p14="http://schemas.microsoft.com/office/powerpoint/2010/main" id="1" dur="indefinite" restart="never" nodeType="tmRoot">
+          <p:childTnLst>
+            <p:seq concurrent="1" nextAc="seek">
+              <p:cTn id="2" dur="indefinite" nodeType="mainSeq">
+                <p:childTnLst>
+                  <p:par>
+                    <p:cTn id="3" fill="hold">
+                      <p:stCondLst>
+                        <p:cond delay="indefinite"/>
+                      </p:stCondLst>
+                      <p:childTnLst>
+                        <p:par>
+                          <p:cTn id="4" fill="hold">
+                            <p:stCondLst>
+                              <p:cond delay="0"/>
+                            </p:stCondLst>
+                            <p:childTnLst>
+                              <p:par>
+                                <p:cTn id="5" presetID="9" presetClass="emph" presetSubtype="0" nodeType="clickEffect">
+                                  <p:stCondLst>
+                                    <p:cond delay="0"/>
+                                  </p:stCondLst>
+                                  <p:childTnLst>
+                                    <p:set>
+                                      <p:cBhvr rctx="PPT">
+                                        <p:cTn id="6" dur="indefinite"/>
+                                        <p:tgtEl>
+                                          <p:spTgt spid="3">
+                                            <p:txEl>
+                                              <p:pRg st="0" end="0"/>
+                                            </p:txEl>
+                                          </p:spTgt>
+                                        </p:tgtEl>
+                                        <p:attrNameLst>
+                                          <p:attrName>style.opacity</p:attrName>
+                                        </p:attrNameLst>
+                                      </p:cBhvr>
+                                      <p:to>
+                                        <p:strVal val="0.5"/>
+                                      </p:to>
+                                    </p:set>
+                                    <p:animEffect filter="image" prLst="opacity: 0.5">
+                                      <p:cBhvr rctx="IE">
+                                        <p:cTn id="7" dur="indefinite"/>
+                                        <p:tgtEl>
+                                          <p:spTgt spid="3">
+                                            <p:txEl>
+                                              <p:pRg st="0" end="0"/>
+                                            </p:txEl>
+                                          </p:spTgt>
+                                        </p:tgtEl>
+                                      </p:cBhvr>
+                                    </p:animEffect>
+                                  </p:childTnLst>
+                                </p:cTn>
+                              </p:par>
+                              <p:par>
+                                <p:cTn id="8" presetID="9" presetClass="emph" presetSubtype="0" nodeType="withEffect">
+                                  <p:stCondLst>
+                                    <p:cond delay="0"/>
+                                  </p:stCondLst>
+                                  <p:childTnLst>
+                                    <p:set>
+                                      <p:cBhvr rctx="PPT">
+                                        <p:cTn id="9" dur="indefinite"/>
+                                        <p:tgtEl>
+                                          <p:spTgt spid="3">
+                                            <p:txEl>
+                                              <p:pRg st="1" end="1"/>
+                                            </p:txEl>
+                                          </p:spTgt>
+                                        </p:tgtEl>
+                                        <p:attrNameLst>
+                                          <p:attrName>style.opacity</p:attrName>
+                                        </p:attrNameLst>
+                                      </p:cBhvr>
+                                      <p:to>
+                                        <p:strVal val="0.5"/>
+                                      </p:to>
+                                    </p:set>
+                                    <p:animEffect filter="image" prLst="opacity: 0.5">
+                                      <p:cBhvr rctx="IE">
+                                        <p:cTn id="10" dur="indefinite"/>
+                                        <p:tgtEl>
+                                          <p:spTgt spid="3">
+                                            <p:txEl>
+                                              <p:pRg st="1" end="1"/>
+                                            </p:txEl>
+                                          </p:spTgt>
+                                        </p:tgtEl>
+                                      </p:cBhvr>
+                                    </p:animEffect>
+                                  </p:childTnLst>
+                                </p:cTn>
+                              </p:par>
+                              <p:par>
+                                <p:cTn id="11" presetID="9" presetClass="emph" presetSubtype="0" nodeType="withEffect">
+                                  <p:stCondLst>
+                                    <p:cond delay="0"/>
+                                  </p:stCondLst>
+                                  <p:childTnLst>
+                                    <p:set>
+                                      <p:cBhvr rctx="PPT">
+                                        <p:cTn id="12" dur="indefinite"/>
+                                        <p:tgtEl>
+                                          <p:spTgt spid="3">
+                                            <p:txEl>
+                                              <p:pRg st="2" end="2"/>
+                                            </p:txEl>
+                                          </p:spTgt>
+                                        </p:tgtEl>
+                                        <p:attrNameLst>
+                                          <p:attrName>style.opacity</p:attrName>
+                                        </p:attrNameLst>
+                                      </p:cBhvr>
+                                      <p:to>
+                                        <p:strVal val="0.5"/>
+                                      </p:to>
+                                    </p:set>
+                                    <p:animEffect filter="image" prLst="opacity: 0.5">
+                                      <p:cBhvr rctx="IE">
+                                        <p:cTn id="13" dur="indefinite"/>
+                                        <p:tgtEl>
+                                          <p:spTgt spid="3">
+                                            <p:txEl>
+                                              <p:pRg st="2" end="2"/>
+                                            </p:txEl>
+                                          </p:spTgt>
+                                        </p:tgtEl>
+                                      </p:cBhvr>
+                                    </p:animEffect>
+                                  </p:childTnLst>
+                                </p:cTn>
+                              </p:par>
+                              <p:par>
+                                <p:cTn id="14" presetID="9" presetClass="emph" presetSubtype="0" nodeType="withEffect">
+                                  <p:stCondLst>
+                                    <p:cond delay="0"/>
+                                  </p:stCondLst>
+                                  <p:childTnLst>
+                                    <p:set>
+                                      <p:cBhvr rctx="PPT">
+                                        <p:cTn id="15" dur="indefinite"/>
+                                        <p:tgtEl>
+                                          <p:spTgt spid="3">
+                                            <p:txEl>
+                                              <p:pRg st="3" end="3"/>
+                                            </p:txEl>
+                                          </p:spTgt>
+                                        </p:tgtEl>
+                                        <p:attrNameLst>
+                                          <p:attrName>style.opacity</p:attrName>
+                                        </p:attrNameLst>
+                                      </p:cBhvr>
+                                      <p:to>
+                                        <p:strVal val="0.5"/>
+                                      </p:to>
+                                    </p:set>
+                                    <p:animEffect filter="image" prLst="opacity: 0.5">
+                                      <p:cBhvr rctx="IE">
+                                        <p:cTn id="16" dur="indefinite"/>
+                                        <p:tgtEl>
+                                          <p:spTgt spid="3">
+                                            <p:txEl>
+                                              <p:pRg st="3" end="3"/>
+                                            </p:txEl>
+                                          </p:spTgt>
+                                        </p:tgtEl>
+                                      </p:cBhvr>
+                                    </p:animEffect>
+                                  </p:childTnLst>
+                                </p:cTn>
+                              </p:par>
+                              <p:par>
+                                <p:cTn id="17" presetID="10" presetClass="entr" presetSubtype="0" fill="hold" grpId="0" nodeType="withEffect">
+                                  <p:stCondLst>
+                                    <p:cond delay="0"/>
+                                  </p:stCondLst>
+                                  <p:childTnLst>
+                                    <p:set>
+                                      <p:cBhvr>
+                                        <p:cTn id="18" dur="1" fill="hold">
+                                          <p:stCondLst>
+                                            <p:cond delay="0"/>
+                                          </p:stCondLst>
+                                        </p:cTn>
+                                        <p:tgtEl>
+                                          <p:spTgt spid="22"/>
+                                        </p:tgtEl>
+                                        <p:attrNameLst>
+                                          <p:attrName>style.visibility</p:attrName>
+                                        </p:attrNameLst>
+                                      </p:cBhvr>
+                                      <p:to>
+                                        <p:strVal val="visible"/>
+                                      </p:to>
+                                    </p:set>
+                                    <p:animEffect transition="in" filter="fade">
+                                      <p:cBhvr>
+                                        <p:cTn id="19" dur="100"/>
+                                        <p:tgtEl>
+                                          <p:spTgt spid="22"/>
+                                        </p:tgtEl>
+                                      </p:cBhvr>
+                                    </p:animEffect>
+                                  </p:childTnLst>
+                                </p:cTn>
+                              </p:par>
+                            </p:childTnLst>
+                          </p:cTn>
+                        </p:par>
+                      </p:childTnLst>
+                    </p:cTn>
+                  </p:par>
+                  <p:par>
+                    <p:cTn id="20" fill="hold">
+                      <p:stCondLst>
+                        <p:cond delay="indefinite"/>
+                      </p:stCondLst>
+                      <p:childTnLst>
+                        <p:par>
+                          <p:cTn id="21" fill="hold">
+                            <p:stCondLst>
+                              <p:cond delay="0"/>
+                            </p:stCondLst>
+                            <p:childTnLst>
+                              <p:par>
+                                <p:cTn id="22" presetID="10" presetClass="entr" presetSubtype="0" fill="hold" grpId="0" nodeType="clickEffect">
+                                  <p:stCondLst>
+                                    <p:cond delay="0"/>
+                                  </p:stCondLst>
+                                  <p:childTnLst>
+                                    <p:set>
+                                      <p:cBhvr>
+                                        <p:cTn id="23" dur="1" fill="hold">
+                                          <p:stCondLst>
+                                            <p:cond delay="0"/>
+                                          </p:stCondLst>
+                                        </p:cTn>
+                                        <p:tgtEl>
+                                          <p:spTgt spid="19"/>
+                                        </p:tgtEl>
+                                        <p:attrNameLst>
+                                          <p:attrName>style.visibility</p:attrName>
+                                        </p:attrNameLst>
+                                      </p:cBhvr>
+                                      <p:to>
+                                        <p:strVal val="visible"/>
+                                      </p:to>
+                                    </p:set>
+                                    <p:animEffect transition="in" filter="fade">
+                                      <p:cBhvr>
+                                        <p:cTn id="24" dur="100"/>
+                                        <p:tgtEl>
+                                          <p:spTgt spid="19"/>
+                                        </p:tgtEl>
+                                      </p:cBhvr>
+                                    </p:animEffect>
+                                  </p:childTnLst>
+                                </p:cTn>
+                              </p:par>
+                              <p:par>
+                                <p:cTn id="25" presetID="10" presetClass="entr" presetSubtype="0" fill="hold" grpId="0" nodeType="withEffect">
+                                  <p:stCondLst>
+                                    <p:cond delay="0"/>
+                                  </p:stCondLst>
+                                  <p:childTnLst>
+                                    <p:set>
+                                      <p:cBhvr>
+                                        <p:cTn id="26" dur="1" fill="hold">
+                                          <p:stCondLst>
+                                            <p:cond delay="0"/>
+                                          </p:stCondLst>
+                                        </p:cTn>
+                                        <p:tgtEl>
+                                          <p:spTgt spid="14"/>
+                                        </p:tgtEl>
+                                        <p:attrNameLst>
+                                          <p:attrName>style.visibility</p:attrName>
+                                        </p:attrNameLst>
+                                      </p:cBhvr>
+                                      <p:to>
+                                        <p:strVal val="visible"/>
+                                      </p:to>
+                                    </p:set>
+                                    <p:animEffect transition="in" filter="fade">
+                                      <p:cBhvr>
+                                        <p:cTn id="27" dur="100"/>
+                                        <p:tgtEl>
+                                          <p:spTgt spid="14"/>
+                                        </p:tgtEl>
+                                      </p:cBhvr>
+                                    </p:animEffect>
+                                  </p:childTnLst>
+                                </p:cTn>
+                              </p:par>
+                            </p:childTnLst>
+                          </p:cTn>
+                        </p:par>
+                      </p:childTnLst>
+                    </p:cTn>
+                  </p:par>
+                  <p:par>
+                    <p:cTn id="28" fill="hold">
+                      <p:stCondLst>
+                        <p:cond delay="indefinite"/>
+                      </p:stCondLst>
+                      <p:childTnLst>
+                        <p:par>
+                          <p:cTn id="29" fill="hold">
+                            <p:stCondLst>
+                              <p:cond delay="0"/>
+                            </p:stCondLst>
+                            <p:childTnLst>
+                              <p:par>
+                                <p:cTn id="30" presetID="10" presetClass="entr" presetSubtype="0" fill="hold" grpId="0" nodeType="clickEffect">
+                                  <p:stCondLst>
+                                    <p:cond delay="0"/>
+                                  </p:stCondLst>
+                                  <p:childTnLst>
+                                    <p:set>
+                                      <p:cBhvr>
+                                        <p:cTn id="31" dur="1" fill="hold">
+                                          <p:stCondLst>
+                                            <p:cond delay="0"/>
+                                          </p:stCondLst>
+                                        </p:cTn>
+                                        <p:tgtEl>
+                                          <p:spTgt spid="12"/>
+                                        </p:tgtEl>
+                                        <p:attrNameLst>
+                                          <p:attrName>style.visibility</p:attrName>
+                                        </p:attrNameLst>
+                                      </p:cBhvr>
+                                      <p:to>
+                                        <p:strVal val="visible"/>
+                                      </p:to>
+                                    </p:set>
+                                    <p:animEffect transition="in" filter="fade">
+                                      <p:cBhvr>
+                                        <p:cTn id="32" dur="100"/>
+                                        <p:tgtEl>
+                                          <p:spTgt spid="12"/>
+                                        </p:tgtEl>
+                                      </p:cBhvr>
+                                    </p:animEffect>
+                                  </p:childTnLst>
+                                </p:cTn>
+                              </p:par>
+                            </p:childTnLst>
+                          </p:cTn>
+                        </p:par>
+                      </p:childTnLst>
+                    </p:cTn>
+                  </p:par>
+                  <p:par>
+                    <p:cTn id="33" fill="hold">
+                      <p:stCondLst>
+                        <p:cond delay="indefinite"/>
+                      </p:stCondLst>
+                      <p:childTnLst>
+                        <p:par>
+                          <p:cTn id="34" fill="hold">
+                            <p:stCondLst>
+                              <p:cond delay="0"/>
+                            </p:stCondLst>
+                            <p:childTnLst>
+                              <p:par>
+                                <p:cTn id="35" presetID="10" presetClass="entr" presetSubtype="0" fill="hold" grpId="0" nodeType="clickEffect">
+                                  <p:stCondLst>
+                                    <p:cond delay="0"/>
+                                  </p:stCondLst>
+                                  <p:childTnLst>
+                                    <p:set>
+                                      <p:cBhvr>
+                                        <p:cTn id="36" dur="1" fill="hold">
+                                          <p:stCondLst>
+                                            <p:cond delay="0"/>
+                                          </p:stCondLst>
+                                        </p:cTn>
+                                        <p:tgtEl>
+                                          <p:spTgt spid="13"/>
+                                        </p:tgtEl>
+                                        <p:attrNameLst>
+                                          <p:attrName>style.visibility</p:attrName>
+                                        </p:attrNameLst>
+                                      </p:cBhvr>
+                                      <p:to>
+                                        <p:strVal val="visible"/>
+                                      </p:to>
+                                    </p:set>
+                                    <p:animEffect transition="in" filter="fade">
+                                      <p:cBhvr>
+                                        <p:cTn id="37" dur="100"/>
+                                        <p:tgtEl>
+                                          <p:spTgt spid="13"/>
+                                        </p:tgtEl>
+                                      </p:cBhvr>
+                                    </p:animEffect>
+                                  </p:childTnLst>
+                                </p:cTn>
+                              </p:par>
+                              <p:par>
+                                <p:cTn id="38" presetID="10" presetClass="entr" presetSubtype="0" fill="hold" grpId="0" nodeType="withEffect">
+                                  <p:stCondLst>
+                                    <p:cond delay="0"/>
+                                  </p:stCondLst>
+                                  <p:childTnLst>
+                                    <p:set>
+                                      <p:cBhvr>
+                                        <p:cTn id="39" dur="1" fill="hold">
+                                          <p:stCondLst>
+                                            <p:cond delay="0"/>
+                                          </p:stCondLst>
+                                        </p:cTn>
+                                        <p:tgtEl>
+                                          <p:spTgt spid="18"/>
+                                        </p:tgtEl>
+                                        <p:attrNameLst>
+                                          <p:attrName>style.visibility</p:attrName>
+                                        </p:attrNameLst>
+                                      </p:cBhvr>
+                                      <p:to>
+                                        <p:strVal val="visible"/>
+                                      </p:to>
+                                    </p:set>
+                                    <p:animEffect transition="in" filter="fade">
+                                      <p:cBhvr>
+                                        <p:cTn id="40" dur="500"/>
+                                        <p:tgtEl>
+                                          <p:spTgt spid="18"/>
+                                        </p:tgtEl>
+                                      </p:cBhvr>
+                                    </p:animEffect>
+                                  </p:childTnLst>
+                                </p:cTn>
+                              </p:par>
+                            </p:childTnLst>
+                          </p:cTn>
+                        </p:par>
+                      </p:childTnLst>
+                    </p:cTn>
+                  </p:par>
+                  <p:par>
+                    <p:cTn id="41" fill="hold">
+                      <p:stCondLst>
+                        <p:cond delay="indefinite"/>
+                      </p:stCondLst>
+                      <p:childTnLst>
+                        <p:par>
+                          <p:cTn id="42" fill="hold">
+                            <p:stCondLst>
+                              <p:cond delay="0"/>
+                            </p:stCondLst>
+                            <p:childTnLst>
+                              <p:par>
+                                <p:cTn id="43" presetID="10" presetClass="entr" presetSubtype="0" fill="hold" grpId="0" nodeType="clickEffect">
+                                  <p:stCondLst>
+                                    <p:cond delay="0"/>
+                                  </p:stCondLst>
+                                  <p:childTnLst>
+                                    <p:set>
+                                      <p:cBhvr>
+                                        <p:cTn id="44" dur="1" fill="hold">
+                                          <p:stCondLst>
+                                            <p:cond delay="0"/>
+                                          </p:stCondLst>
+                                        </p:cTn>
+                                        <p:tgtEl>
+                                          <p:spTgt spid="21"/>
+                                        </p:tgtEl>
+                                        <p:attrNameLst>
+                                          <p:attrName>style.visibility</p:attrName>
+                                        </p:attrNameLst>
+                                      </p:cBhvr>
+                                      <p:to>
+                                        <p:strVal val="visible"/>
+                                      </p:to>
+                                    </p:set>
+                                    <p:animEffect transition="in" filter="fade">
+                                      <p:cBhvr>
+                                        <p:cTn id="45" dur="100"/>
+                                        <p:tgtEl>
+                                          <p:spTgt spid="21"/>
+                                        </p:tgtEl>
+                                      </p:cBhvr>
+                                    </p:animEffect>
+                                  </p:childTnLst>
+                                </p:cTn>
+                              </p:par>
+                              <p:par>
+                                <p:cTn id="46" presetID="10" presetClass="entr" presetSubtype="0" fill="hold" grpId="0" nodeType="withEffect">
+                                  <p:stCondLst>
+                                    <p:cond delay="0"/>
+                                  </p:stCondLst>
+                                  <p:childTnLst>
+                                    <p:set>
+                                      <p:cBhvr>
+                                        <p:cTn id="47" dur="1" fill="hold">
+                                          <p:stCondLst>
+                                            <p:cond delay="0"/>
+                                          </p:stCondLst>
+                                        </p:cTn>
+                                        <p:tgtEl>
+                                          <p:spTgt spid="15"/>
+                                        </p:tgtEl>
+                                        <p:attrNameLst>
+                                          <p:attrName>style.visibility</p:attrName>
+                                        </p:attrNameLst>
+                                      </p:cBhvr>
+                                      <p:to>
+                                        <p:strVal val="visible"/>
+                                      </p:to>
+                                    </p:set>
+                                    <p:animEffect transition="in" filter="fade">
+                                      <p:cBhvr>
+                                        <p:cTn id="48" dur="100"/>
+                                        <p:tgtEl>
+                                          <p:spTgt spid="15"/>
+                                        </p:tgtEl>
+                                      </p:cBhvr>
+                                    </p:animEffect>
+                                  </p:childTnLst>
+                                </p:cTn>
+                              </p:par>
+                            </p:childTnLst>
+                          </p:cTn>
+                        </p:par>
+                      </p:childTnLst>
+                    </p:cTn>
+                  </p:par>
+                  <p:par>
+                    <p:cTn id="49" fill="hold">
+                      <p:stCondLst>
+                        <p:cond delay="indefinite"/>
+                      </p:stCondLst>
+                      <p:childTnLst>
+                        <p:par>
+                          <p:cTn id="50" fill="hold">
+                            <p:stCondLst>
+                              <p:cond delay="0"/>
+                            </p:stCondLst>
+                            <p:childTnLst>
+                              <p:par>
+                                <p:cTn id="51" presetID="10" presetClass="entr" presetSubtype="0" fill="hold" grpId="0" nodeType="clickEffect">
+                                  <p:stCondLst>
+                                    <p:cond delay="0"/>
+                                  </p:stCondLst>
+                                  <p:childTnLst>
+                                    <p:set>
+                                      <p:cBhvr>
+                                        <p:cTn id="52" dur="1" fill="hold">
+                                          <p:stCondLst>
+                                            <p:cond delay="0"/>
+                                          </p:stCondLst>
+                                        </p:cTn>
+                                        <p:tgtEl>
+                                          <p:spTgt spid="16"/>
+                                        </p:tgtEl>
+                                        <p:attrNameLst>
+                                          <p:attrName>style.visibility</p:attrName>
+                                        </p:attrNameLst>
+                                      </p:cBhvr>
+                                      <p:to>
+                                        <p:strVal val="visible"/>
+                                      </p:to>
+                                    </p:set>
+                                    <p:animEffect transition="in" filter="fade">
+                                      <p:cBhvr>
+                                        <p:cTn id="53" dur="100"/>
+                                        <p:tgtEl>
+                                          <p:spTgt spid="16"/>
+                                        </p:tgtEl>
+                                      </p:cBhvr>
+                                    </p:animEffect>
+                                  </p:childTnLst>
+                                </p:cTn>
+                              </p:par>
+                              <p:par>
+                                <p:cTn id="54" presetID="10" presetClass="entr" presetSubtype="0" fill="hold" grpId="0" nodeType="withEffect">
+                                  <p:stCondLst>
+                                    <p:cond delay="0"/>
+                                  </p:stCondLst>
+                                  <p:childTnLst>
+                                    <p:set>
+                                      <p:cBhvr>
+                                        <p:cTn id="55" dur="1" fill="hold">
+                                          <p:stCondLst>
+                                            <p:cond delay="0"/>
+                                          </p:stCondLst>
+                                        </p:cTn>
+                                        <p:tgtEl>
+                                          <p:spTgt spid="20"/>
+                                        </p:tgtEl>
+                                        <p:attrNameLst>
+                                          <p:attrName>style.visibility</p:attrName>
+                                        </p:attrNameLst>
+                                      </p:cBhvr>
+                                      <p:to>
+                                        <p:strVal val="visible"/>
+                                      </p:to>
+                                    </p:set>
+                                    <p:animEffect transition="in" filter="fade">
+                                      <p:cBhvr>
+                                        <p:cTn id="56" dur="100"/>
+                                        <p:tgtEl>
+                                          <p:spTgt spid="20"/>
+                                        </p:tgtEl>
+                                      </p:cBhvr>
+                                    </p:animEffect>
+                                  </p:childTnLst>
+                                </p:cTn>
+                              </p:par>
+                            </p:childTnLst>
+                          </p:cTn>
+                        </p:par>
+                      </p:childTnLst>
+                    </p:cTn>
+                  </p:par>
+                  <p:par>
+                    <p:cTn id="57" fill="hold">
+                      <p:stCondLst>
+                        <p:cond delay="indefinite"/>
+                      </p:stCondLst>
+                      <p:childTnLst>
+                        <p:par>
+                          <p:cTn id="58" fill="hold">
+                            <p:stCondLst>
+                              <p:cond delay="0"/>
+                            </p:stCondLst>
+                            <p:childTnLst>
+                              <p:par>
+                                <p:cTn id="59" presetID="10" presetClass="entr" presetSubtype="0" fill="hold" nodeType="clickEffect">
+                                  <p:stCondLst>
+                                    <p:cond delay="0"/>
+                                  </p:stCondLst>
+                                  <p:childTnLst>
+                                    <p:set>
+                                      <p:cBhvr>
+                                        <p:cTn id="60" dur="1" fill="hold">
+                                          <p:stCondLst>
+                                            <p:cond delay="0"/>
+                                          </p:stCondLst>
+                                        </p:cTn>
+                                        <p:tgtEl>
+                                          <p:spTgt spid="3">
+                                            <p:txEl>
+                                              <p:pRg st="5" end="5"/>
+                                            </p:txEl>
+                                          </p:spTgt>
+                                        </p:tgtEl>
+                                        <p:attrNameLst>
+                                          <p:attrName>style.visibility</p:attrName>
+                                        </p:attrNameLst>
+                                      </p:cBhvr>
+                                      <p:to>
+                                        <p:strVal val="visible"/>
+                                      </p:to>
+                                    </p:set>
+                                    <p:animEffect transition="in" filter="fade">
+                                      <p:cBhvr>
+                                        <p:cTn id="61" dur="500"/>
+                                        <p:tgtEl>
+                                          <p:spTgt spid="3">
+                                            <p:txEl>
+                                              <p:pRg st="5" end="5"/>
+                                            </p:txEl>
+                                          </p:spTgt>
+                                        </p:tgtEl>
+                                      </p:cBhvr>
+                                    </p:animEffect>
+                                  </p:childTnLst>
+                                </p:cTn>
+                              </p:par>
+                              <p:par>
+                                <p:cTn id="62" presetID="10" presetClass="entr" presetSubtype="0" fill="hold" nodeType="withEffect">
+                                  <p:stCondLst>
+                                    <p:cond delay="0"/>
+                                  </p:stCondLst>
+                                  <p:childTnLst>
+                                    <p:set>
+                                      <p:cBhvr>
+                                        <p:cTn id="63" dur="1" fill="hold">
+                                          <p:stCondLst>
+                                            <p:cond delay="0"/>
+                                          </p:stCondLst>
+                                        </p:cTn>
+                                        <p:tgtEl>
+                                          <p:spTgt spid="3">
+                                            <p:txEl>
+                                              <p:pRg st="6" end="6"/>
+                                            </p:txEl>
+                                          </p:spTgt>
+                                        </p:tgtEl>
+                                        <p:attrNameLst>
+                                          <p:attrName>style.visibility</p:attrName>
+                                        </p:attrNameLst>
+                                      </p:cBhvr>
+                                      <p:to>
+                                        <p:strVal val="visible"/>
+                                      </p:to>
+                                    </p:set>
+                                    <p:animEffect transition="in" filter="fade">
+                                      <p:cBhvr>
+                                        <p:cTn id="64" dur="500"/>
+                                        <p:tgtEl>
+                                          <p:spTgt spid="3">
+                                            <p:txEl>
+                                              <p:pRg st="6" end="6"/>
+                                            </p:txEl>
+                                          </p:spTgt>
+                                        </p:tgtEl>
+                                      </p:cBhvr>
+                                    </p:animEffect>
+                                  </p:childTnLst>
+                                </p:cTn>
+                              </p:par>
+                            </p:childTnLst>
+                          </p:cTn>
+                        </p:par>
+                      </p:childTnLst>
+                    </p:cTn>
+                  </p:par>
+                  <p:par>
+                    <p:cTn id="65" fill="hold">
+                      <p:stCondLst>
+                        <p:cond delay="indefinite"/>
+                      </p:stCondLst>
+                      <p:childTnLst>
+                        <p:par>
+                          <p:cTn id="66" fill="hold">
+                            <p:stCondLst>
+                              <p:cond delay="0"/>
+                            </p:stCondLst>
+                            <p:childTnLst>
+                              <p:par>
+                                <p:cTn id="67" presetID="9" presetClass="emph" presetSubtype="0" nodeType="clickEffect">
+                                  <p:stCondLst>
+                                    <p:cond delay="0"/>
+                                  </p:stCondLst>
+                                  <p:childTnLst>
+                                    <p:set>
+                                      <p:cBhvr rctx="PPT">
+                                        <p:cTn id="68" dur="indefinite"/>
+                                        <p:tgtEl>
+                                          <p:spTgt spid="3">
+                                            <p:txEl>
+                                              <p:pRg st="5" end="5"/>
+                                            </p:txEl>
+                                          </p:spTgt>
+                                        </p:tgtEl>
+                                        <p:attrNameLst>
+                                          <p:attrName>style.opacity</p:attrName>
+                                        </p:attrNameLst>
+                                      </p:cBhvr>
+                                      <p:to>
+                                        <p:strVal val="0.5"/>
+                                      </p:to>
+                                    </p:set>
+                                    <p:animEffect filter="image" prLst="opacity: 0.5">
+                                      <p:cBhvr rctx="IE">
+                                        <p:cTn id="69" dur="indefinite"/>
+                                        <p:tgtEl>
+                                          <p:spTgt spid="3">
+                                            <p:txEl>
+                                              <p:pRg st="5" end="5"/>
+                                            </p:txEl>
+                                          </p:spTgt>
+                                        </p:tgtEl>
+                                      </p:cBhvr>
+                                    </p:animEffect>
+                                  </p:childTnLst>
+                                </p:cTn>
+                              </p:par>
+                              <p:par>
+                                <p:cTn id="70" presetID="9" presetClass="emph" presetSubtype="0" nodeType="withEffect">
+                                  <p:stCondLst>
+                                    <p:cond delay="0"/>
+                                  </p:stCondLst>
+                                  <p:childTnLst>
+                                    <p:set>
+                                      <p:cBhvr rctx="PPT">
+                                        <p:cTn id="71" dur="indefinite"/>
+                                        <p:tgtEl>
+                                          <p:spTgt spid="3">
+                                            <p:txEl>
+                                              <p:pRg st="6" end="6"/>
+                                            </p:txEl>
+                                          </p:spTgt>
+                                        </p:tgtEl>
+                                        <p:attrNameLst>
+                                          <p:attrName>style.opacity</p:attrName>
+                                        </p:attrNameLst>
+                                      </p:cBhvr>
+                                      <p:to>
+                                        <p:strVal val="0.5"/>
+                                      </p:to>
+                                    </p:set>
+                                    <p:animEffect filter="image" prLst="opacity: 0.5">
+                                      <p:cBhvr rctx="IE">
+                                        <p:cTn id="72" dur="indefinite"/>
+                                        <p:tgtEl>
+                                          <p:spTgt spid="3">
+                                            <p:txEl>
+                                              <p:pRg st="6" end="6"/>
+                                            </p:txEl>
+                                          </p:spTgt>
+                                        </p:tgtEl>
+                                      </p:cBhvr>
+                                    </p:animEffect>
+                                  </p:childTnLst>
+                                </p:cTn>
+                              </p:par>
+                              <p:par>
+                                <p:cTn id="73" presetID="10" presetClass="entr" presetSubtype="0" fill="hold" grpId="0" nodeType="withEffect">
+                                  <p:stCondLst>
+                                    <p:cond delay="0"/>
+                                  </p:stCondLst>
+                                  <p:childTnLst>
+                                    <p:set>
+                                      <p:cBhvr>
+                                        <p:cTn id="74" dur="1" fill="hold">
+                                          <p:stCondLst>
+                                            <p:cond delay="0"/>
+                                          </p:stCondLst>
+                                        </p:cTn>
+                                        <p:tgtEl>
+                                          <p:spTgt spid="11"/>
+                                        </p:tgtEl>
+                                        <p:attrNameLst>
+                                          <p:attrName>style.visibility</p:attrName>
+                                        </p:attrNameLst>
+                                      </p:cBhvr>
+                                      <p:to>
+                                        <p:strVal val="visible"/>
+                                      </p:to>
+                                    </p:set>
+                                    <p:animEffect transition="in" filter="fade">
+                                      <p:cBhvr>
+                                        <p:cTn id="75" dur="100"/>
+                                        <p:tgtEl>
+                                          <p:spTgt spid="11"/>
+                                        </p:tgtEl>
+                                      </p:cBhvr>
+                                    </p:animEffect>
+                                  </p:childTnLst>
+                                </p:cTn>
+                              </p:par>
+                              <p:par>
+                                <p:cTn id="76" presetID="10" presetClass="entr" presetSubtype="0" fill="hold" grpId="0" nodeType="withEffect">
+                                  <p:stCondLst>
+                                    <p:cond delay="0"/>
+                                  </p:stCondLst>
+                                  <p:childTnLst>
+                                    <p:set>
+                                      <p:cBhvr>
+                                        <p:cTn id="77" dur="1" fill="hold">
+                                          <p:stCondLst>
+                                            <p:cond delay="0"/>
+                                          </p:stCondLst>
+                                        </p:cTn>
+                                        <p:tgtEl>
+                                          <p:spTgt spid="5"/>
+                                        </p:tgtEl>
+                                        <p:attrNameLst>
+                                          <p:attrName>style.visibility</p:attrName>
+                                        </p:attrNameLst>
+                                      </p:cBhvr>
+                                      <p:to>
+                                        <p:strVal val="visible"/>
+                                      </p:to>
+                                    </p:set>
+                                    <p:animEffect transition="in" filter="fade">
+                                      <p:cBhvr>
+                                        <p:cTn id="78" dur="100"/>
+                                        <p:tgtEl>
+                                          <p:spTgt spid="5"/>
+                                        </p:tgtEl>
+                                      </p:cBhvr>
+                                    </p:animEffect>
+                                  </p:childTnLst>
+                                </p:cTn>
+                              </p:par>
+                              <p:par>
+                                <p:cTn id="79" presetID="10" presetClass="entr" presetSubtype="0" fill="hold" grpId="0" nodeType="withEffect">
+                                  <p:stCondLst>
+                                    <p:cond delay="0"/>
+                                  </p:stCondLst>
+                                  <p:childTnLst>
+                                    <p:set>
+                                      <p:cBhvr>
+                                        <p:cTn id="80" dur="1" fill="hold">
+                                          <p:stCondLst>
+                                            <p:cond delay="0"/>
+                                          </p:stCondLst>
+                                        </p:cTn>
+                                        <p:tgtEl>
+                                          <p:spTgt spid="7"/>
+                                        </p:tgtEl>
+                                        <p:attrNameLst>
+                                          <p:attrName>style.visibility</p:attrName>
+                                        </p:attrNameLst>
+                                      </p:cBhvr>
+                                      <p:to>
+                                        <p:strVal val="visible"/>
+                                      </p:to>
+                                    </p:set>
+                                    <p:animEffect transition="in" filter="fade">
+                                      <p:cBhvr>
+                                        <p:cTn id="81" dur="100"/>
+                                        <p:tgtEl>
+                                          <p:spTgt spid="7"/>
+                                        </p:tgtEl>
+                                      </p:cBhvr>
+                                    </p:animEffect>
+                                  </p:childTnLst>
+                                </p:cTn>
+                              </p:par>
+                              <p:par>
+                                <p:cTn id="82" presetID="10" presetClass="entr" presetSubtype="0" fill="hold" grpId="0" nodeType="withEffect">
+                                  <p:stCondLst>
+                                    <p:cond delay="0"/>
+                                  </p:stCondLst>
+                                  <p:childTnLst>
+                                    <p:set>
+                                      <p:cBhvr>
+                                        <p:cTn id="83" dur="1" fill="hold">
+                                          <p:stCondLst>
+                                            <p:cond delay="0"/>
+                                          </p:stCondLst>
+                                        </p:cTn>
+                                        <p:tgtEl>
+                                          <p:spTgt spid="8"/>
+                                        </p:tgtEl>
+                                        <p:attrNameLst>
+                                          <p:attrName>style.visibility</p:attrName>
+                                        </p:attrNameLst>
+                                      </p:cBhvr>
+                                      <p:to>
+                                        <p:strVal val="visible"/>
+                                      </p:to>
+                                    </p:set>
+                                    <p:animEffect transition="in" filter="fade">
+                                      <p:cBhvr>
+                                        <p:cTn id="84" dur="100"/>
+                                        <p:tgtEl>
+                                          <p:spTgt spid="8"/>
+                                        </p:tgtEl>
+                                      </p:cBhvr>
+                                    </p:animEffect>
+                                  </p:childTnLst>
+                                </p:cTn>
+                              </p:par>
+                            </p:childTnLst>
+                          </p:cTn>
+                        </p:par>
+                      </p:childTnLst>
+                    </p:cTn>
+                  </p:par>
+                  <p:par>
+                    <p:cTn id="85" fill="hold">
+                      <p:stCondLst>
+                        <p:cond delay="indefinite"/>
+                      </p:stCondLst>
+                      <p:childTnLst>
+                        <p:par>
+                          <p:cTn id="86" fill="hold">
+                            <p:stCondLst>
+                              <p:cond delay="0"/>
+                            </p:stCondLst>
+                            <p:childTnLst>
+                              <p:par>
+                                <p:cTn id="87" presetID="10" presetClass="entr" presetSubtype="0" fill="hold" grpId="0" nodeType="clickEffect">
+                                  <p:stCondLst>
+                                    <p:cond delay="0"/>
+                                  </p:stCondLst>
+                                  <p:childTnLst>
+                                    <p:set>
+                                      <p:cBhvr>
+                                        <p:cTn id="88" dur="1" fill="hold">
+                                          <p:stCondLst>
+                                            <p:cond delay="0"/>
+                                          </p:stCondLst>
+                                        </p:cTn>
+                                        <p:tgtEl>
+                                          <p:spTgt spid="6"/>
+                                        </p:tgtEl>
+                                        <p:attrNameLst>
+                                          <p:attrName>style.visibility</p:attrName>
+                                        </p:attrNameLst>
+                                      </p:cBhvr>
+                                      <p:to>
+                                        <p:strVal val="visible"/>
+                                      </p:to>
+                                    </p:set>
+                                    <p:animEffect transition="in" filter="fade">
+                                      <p:cBhvr>
+                                        <p:cTn id="89" dur="100"/>
+                                        <p:tgtEl>
+                                          <p:spTgt spid="6"/>
+                                        </p:tgtEl>
+                                      </p:cBhvr>
+                                    </p:animEffect>
+                                  </p:childTnLst>
+                                </p:cTn>
+                              </p:par>
+                              <p:par>
+                                <p:cTn id="90" presetID="10" presetClass="entr" presetSubtype="0" fill="hold" grpId="0" nodeType="withEffect">
+                                  <p:stCondLst>
+                                    <p:cond delay="0"/>
+                                  </p:stCondLst>
+                                  <p:childTnLst>
+                                    <p:set>
+                                      <p:cBhvr>
+                                        <p:cTn id="91" dur="1" fill="hold">
+                                          <p:stCondLst>
+                                            <p:cond delay="0"/>
+                                          </p:stCondLst>
+                                        </p:cTn>
+                                        <p:tgtEl>
+                                          <p:spTgt spid="9"/>
+                                        </p:tgtEl>
+                                        <p:attrNameLst>
+                                          <p:attrName>style.visibility</p:attrName>
+                                        </p:attrNameLst>
+                                      </p:cBhvr>
+                                      <p:to>
+                                        <p:strVal val="visible"/>
+                                      </p:to>
+                                    </p:set>
+                                    <p:animEffect transition="in" filter="fade">
+                                      <p:cBhvr>
+                                        <p:cTn id="92" dur="100"/>
+                                        <p:tgtEl>
+                                          <p:spTgt spid="9"/>
+                                        </p:tgtEl>
+                                      </p:cBhvr>
+                                    </p:animEffect>
+                                  </p:childTnLst>
+                                </p:cTn>
+                              </p:par>
+                            </p:childTnLst>
+                          </p:cTn>
+                        </p:par>
+                      </p:childTnLst>
+                    </p:cTn>
+                  </p:par>
+                  <p:par>
+                    <p:cTn id="93" fill="hold">
+                      <p:stCondLst>
+                        <p:cond delay="indefinite"/>
+                      </p:stCondLst>
+                      <p:childTnLst>
+                        <p:par>
+                          <p:cTn id="94" fill="hold">
+                            <p:stCondLst>
+                              <p:cond delay="0"/>
+                            </p:stCondLst>
+                            <p:childTnLst>
+                              <p:par>
+                                <p:cTn id="95" presetID="10" presetClass="entr" presetSubtype="0" fill="hold" grpId="0" nodeType="clickEffect">
+                                  <p:stCondLst>
+                                    <p:cond delay="0"/>
+                                  </p:stCondLst>
+                                  <p:childTnLst>
+                                    <p:set>
+                                      <p:cBhvr>
+                                        <p:cTn id="96" dur="1" fill="hold">
+                                          <p:stCondLst>
+                                            <p:cond delay="0"/>
+                                          </p:stCondLst>
+                                        </p:cTn>
+                                        <p:tgtEl>
+                                          <p:spTgt spid="10"/>
+                                        </p:tgtEl>
+                                        <p:attrNameLst>
+                                          <p:attrName>style.visibility</p:attrName>
+                                        </p:attrNameLst>
+                                      </p:cBhvr>
+                                      <p:to>
+                                        <p:strVal val="visible"/>
+                                      </p:to>
+                                    </p:set>
+                                    <p:animEffect transition="in" filter="fade">
+                                      <p:cBhvr>
+                                        <p:cTn id="97" dur="500"/>
+                                        <p:tgtEl>
+                                          <p:spTgt spid="10"/>
+                                        </p:tgtEl>
+                                      </p:cBhvr>
+                                    </p:animEffect>
+                                  </p:childTnLst>
+                                </p:cTn>
+                              </p:par>
+                              <p:par>
+                                <p:cTn id="98" presetID="10" presetClass="entr" presetSubtype="0" fill="hold" grpId="0" nodeType="withEffect">
+                                  <p:stCondLst>
+                                    <p:cond delay="0"/>
+                                  </p:stCondLst>
+                                  <p:childTnLst>
+                                    <p:set>
+                                      <p:cBhvr>
+                                        <p:cTn id="99" dur="1" fill="hold">
+                                          <p:stCondLst>
+                                            <p:cond delay="0"/>
+                                          </p:stCondLst>
+                                        </p:cTn>
+                                        <p:tgtEl>
+                                          <p:spTgt spid="4"/>
+                                        </p:tgtEl>
+                                        <p:attrNameLst>
+                                          <p:attrName>style.visibility</p:attrName>
+                                        </p:attrNameLst>
+                                      </p:cBhvr>
+                                      <p:to>
+                                        <p:strVal val="visible"/>
+                                      </p:to>
+                                    </p:set>
+                                    <p:animEffect transition="in" filter="fade">
+                                      <p:cBhvr>
+                                        <p:cTn id="100" dur="500"/>
+                                        <p:tgtEl>
+                                          <p:spTgt spid="4"/>
+                                        </p:tgtEl>
+                                      </p:cBhvr>
+                                    </p:animEffect>
+                                  </p:childTnLst>
+                                </p:cTn>
+                              </p:par>
+                            </p:childTnLst>
+                          </p:cTn>
+                        </p:par>
+                      </p:childTnLst>
+                    </p:cTn>
+                  </p:par>
+                </p:childTnLst>
+              </p:cTn>
+              <p:prevCondLst>
+                <p:cond evt="onPrev" delay="0">
+                  <p:tgtEl>
+                    <p:sldTgt/>
+                  </p:tgtEl>
+                </p:cond>
+              </p:prevCondLst>
+              <p:nextCondLst>
+                <p:cond evt="onNext" delay="0">
+                  <p:tgtEl>
+                    <p:sldTgt/>
+                  </p:tgtEl>
+                </p:cond>
+              </p:nextCondLst>
+            </p:seq>
+          </p:childTnLst>
+        </p:cTn>
       </p:par>
     </p:tnLst>
+    <p:bldLst>
+      <p:bldP spid="4" grpId="0"/>
+      <p:bldP spid="5" grpId="0"/>
+      <p:bldP spid="6" grpId="0"/>
+      <p:bldP spid="7" grpId="0"/>
+      <p:bldP spid="8" grpId="0"/>
+      <p:bldP spid="9" grpId="0"/>
+      <p:bldP spid="10" grpId="0"/>
+      <p:bldP spid="11" grpId="0"/>
+      <p:bldP spid="12" grpId="0"/>
+      <p:bldP spid="13" grpId="0"/>
+      <p:bldP spid="14" grpId="0"/>
+      <p:bldP spid="15" grpId="0"/>
+      <p:bldP spid="16" grpId="0"/>
+      <p:bldP spid="18" grpId="0"/>
+      <p:bldP spid="19" grpId="0"/>
+      <p:bldP spid="20" grpId="0"/>
+      <p:bldP spid="21" grpId="0"/>
+      <p:bldP spid="22" grpId="0"/>
+    </p:bldLst>
   </p:timing>
 </p:sld>
 </file>
@@ -10293,7 +16827,7 @@
   <a:extraClrSchemeLst/>
   <a:extLst>
     <a:ext uri="{05A4C25C-085E-4340-85A3-A5531E510DB2}">
-      <thm15:themeFamily xmlns:thm15="http://schemas.microsoft.com/office/thememl/2012/main" name="Office Theme" id="{62F939B6-93AF-4DB8-9C6B-D6C7DFDC589F}" vid="{4A3C46E8-61CC-4603-A589-7422A47A8E4A}"/>
+      <thm15:themeFamily xmlns:thm15="http://schemas.microsoft.com/office/thememl/2012/main" xmlns="" name="Office Theme" id="{62F939B6-93AF-4DB8-9C6B-D6C7DFDC589F}" vid="{4A3C46E8-61CC-4603-A589-7422A47A8E4A}"/>
     </a:ext>
   </a:extLst>
 </a:theme>
@@ -10554,7 +17088,7 @@
   <a:extraClrSchemeLst/>
   <a:extLst>
     <a:ext uri="{05A4C25C-085E-4340-85A3-A5531E510DB2}">
-      <thm15:themeFamily xmlns:thm15="http://schemas.microsoft.com/office/thememl/2012/main" name="Office Theme" id="{62F939B6-93AF-4DB8-9C6B-D6C7DFDC589F}" vid="{4A3C46E8-61CC-4603-A589-7422A47A8E4A}"/>
+      <thm15:themeFamily xmlns:thm15="http://schemas.microsoft.com/office/thememl/2012/main" xmlns="" name="Office Theme" id="{62F939B6-93AF-4DB8-9C6B-D6C7DFDC589F}" vid="{4A3C46E8-61CC-4603-A589-7422A47A8E4A}"/>
     </a:ext>
   </a:extLst>
 </a:theme>

--- a/UM_DataManagementClass/Lessons/03/03_secondMeeting.pptx
+++ b/UM_DataManagementClass/Lessons/03/03_secondMeeting.pptx
@@ -5,29 +5,30 @@
     <p:sldMasterId id="2147483756" r:id="rId1"/>
   </p:sldMasterIdLst>
   <p:notesMasterIdLst>
-    <p:notesMasterId r:id="rId22"/>
+    <p:notesMasterId r:id="rId23"/>
   </p:notesMasterIdLst>
   <p:sldIdLst>
     <p:sldId id="256" r:id="rId2"/>
     <p:sldId id="262" r:id="rId3"/>
-    <p:sldId id="259" r:id="rId4"/>
-    <p:sldId id="258" r:id="rId5"/>
-    <p:sldId id="260" r:id="rId6"/>
-    <p:sldId id="261" r:id="rId7"/>
+    <p:sldId id="281" r:id="rId4"/>
+    <p:sldId id="259" r:id="rId5"/>
+    <p:sldId id="258" r:id="rId6"/>
+    <p:sldId id="260" r:id="rId7"/>
     <p:sldId id="263" r:id="rId8"/>
-    <p:sldId id="264" r:id="rId9"/>
-    <p:sldId id="265" r:id="rId10"/>
-    <p:sldId id="280" r:id="rId11"/>
-    <p:sldId id="266" r:id="rId12"/>
-    <p:sldId id="267" r:id="rId13"/>
-    <p:sldId id="279" r:id="rId14"/>
-    <p:sldId id="257" r:id="rId15"/>
-    <p:sldId id="268" r:id="rId16"/>
-    <p:sldId id="270" r:id="rId17"/>
-    <p:sldId id="273" r:id="rId18"/>
-    <p:sldId id="276" r:id="rId19"/>
-    <p:sldId id="277" r:id="rId20"/>
-    <p:sldId id="278" r:id="rId21"/>
+    <p:sldId id="282" r:id="rId9"/>
+    <p:sldId id="264" r:id="rId10"/>
+    <p:sldId id="265" r:id="rId11"/>
+    <p:sldId id="280" r:id="rId12"/>
+    <p:sldId id="266" r:id="rId13"/>
+    <p:sldId id="267" r:id="rId14"/>
+    <p:sldId id="279" r:id="rId15"/>
+    <p:sldId id="257" r:id="rId16"/>
+    <p:sldId id="268" r:id="rId17"/>
+    <p:sldId id="270" r:id="rId18"/>
+    <p:sldId id="273" r:id="rId19"/>
+    <p:sldId id="276" r:id="rId20"/>
+    <p:sldId id="277" r:id="rId21"/>
+    <p:sldId id="278" r:id="rId22"/>
   </p:sldIdLst>
   <p:sldSz cx="12192000" cy="6858000"/>
   <p:notesSz cx="7010400" cy="9296400"/>
@@ -128,7 +129,7 @@
   </p:defaultTextStyle>
   <p:extLst>
     <p:ext uri="{EFAFB233-063F-42B5-8137-9DF3F51BA10A}">
-      <p15:sldGuideLst xmlns:p15="http://schemas.microsoft.com/office/powerpoint/2012/main" xmlns="">
+      <p15:sldGuideLst xmlns:p15="http://schemas.microsoft.com/office/powerpoint/2012/main">
         <p15:guide id="1" orient="horz" pos="2160" userDrawn="1">
           <p15:clr>
             <a:srgbClr val="A4A3A4"/>
@@ -228,7 +229,7 @@
             <a:fld id="{0B10C68B-4B56-4C57-A100-1112E8D05063}" type="datetimeFigureOut">
               <a:rPr lang="en-US" smtClean="0"/>
               <a:pPr/>
-              <a:t>1/26/16</a:t>
+              <a:t>1/27/2016</a:t>
             </a:fld>
             <a:endParaRPr lang="en-US"/>
           </a:p>
@@ -623,35 +624,72 @@
         </p:nvSpPr>
         <p:spPr/>
         <p:txBody>
-          <a:bodyPr/>
+          <a:bodyPr>
+            <a:normAutofit/>
+          </a:bodyPr>
           <a:lstStyle/>
           <a:p>
-            <a:r>
-              <a:rPr lang="en-US" dirty="0" smtClean="0"/>
-              <a:t>Joint photographic</a:t>
-            </a:r>
-            <a:r>
-              <a:rPr lang="en-US" baseline="0" dirty="0" smtClean="0"/>
-              <a:t> experts group</a:t>
-            </a:r>
-          </a:p>
-          <a:p>
-            <a:r>
-              <a:rPr lang="en-US" baseline="0" dirty="0" smtClean="0"/>
-              <a:t>Note </a:t>
-            </a:r>
-            <a:r>
-              <a:rPr lang="en-US" baseline="0" dirty="0" err="1" smtClean="0"/>
-              <a:t>odt</a:t>
-            </a:r>
-            <a:r>
-              <a:rPr lang="en-US" baseline="0" dirty="0" smtClean="0"/>
-              <a:t> and </a:t>
-            </a:r>
-            <a:r>
-              <a:rPr lang="en-US" baseline="0" dirty="0" err="1" smtClean="0"/>
-              <a:t>odf</a:t>
-            </a:r>
+            <a:pPr marL="0" marR="0" indent="0" algn="l" defTabSz="914400" rtl="0" eaLnBrk="1" fontAlgn="auto" latinLnBrk="0" hangingPunct="1">
+              <a:lnSpc>
+                <a:spcPct val="100000"/>
+              </a:lnSpc>
+              <a:spcBef>
+                <a:spcPts val="0"/>
+              </a:spcBef>
+              <a:spcAft>
+                <a:spcPts val="0"/>
+              </a:spcAft>
+              <a:buClrTx/>
+              <a:buSzTx/>
+              <a:buFontTx/>
+              <a:buNone/>
+              <a:tabLst/>
+              <a:defRPr/>
+            </a:pPr>
+            <a:r>
+              <a:rPr lang="en-US" sz="1200" dirty="0" err="1" smtClean="0">
+                <a:solidFill>
+                  <a:schemeClr val="tx1">
+                    <a:lumMod val="50000"/>
+                    <a:lumOff val="50000"/>
+                  </a:schemeClr>
+                </a:solidFill>
+              </a:rPr>
+              <a:t>Whitmire</a:t>
+            </a:r>
+            <a:r>
+              <a:rPr lang="en-US" sz="1200" dirty="0" smtClean="0">
+                <a:solidFill>
+                  <a:schemeClr val="tx1">
+                    <a:lumMod val="50000"/>
+                    <a:lumOff val="50000"/>
+                  </a:schemeClr>
+                </a:solidFill>
+              </a:rPr>
+              <a:t>, Amanda L. (2014). Research Data Management Curriculum, Lecture 3: Introduction to Research Data Management. Oregon State University Libraries. Retrieved 11/04/2015 from: </a:t>
+            </a:r>
+            <a:r>
+              <a:rPr lang="en-US" sz="1200" u="sng" dirty="0" smtClean="0">
+                <a:solidFill>
+                  <a:schemeClr val="tx1">
+                    <a:lumMod val="50000"/>
+                    <a:lumOff val="50000"/>
+                  </a:schemeClr>
+                </a:solidFill>
+                <a:hlinkClick r:id="rId3"/>
+              </a:rPr>
+              <a:t>http://figshare.com/articles/GRAD521_Research_Data_Management_Lectures/1003835</a:t>
+            </a:r>
+            <a:endParaRPr lang="en-US" sz="1200" dirty="0" smtClean="0">
+              <a:solidFill>
+                <a:schemeClr val="tx1">
+                  <a:lumMod val="50000"/>
+                  <a:lumOff val="50000"/>
+                </a:schemeClr>
+              </a:solidFill>
+            </a:endParaRPr>
+          </a:p>
+          <a:p>
             <a:endParaRPr lang="en-US" dirty="0"/>
           </a:p>
         </p:txBody>
@@ -683,7 +721,7 @@
     </p:spTree>
     <p:extLst>
       <p:ext uri="{BB962C8B-B14F-4D97-AF65-F5344CB8AC3E}">
-        <p14:creationId xmlns:p14="http://schemas.microsoft.com/office/powerpoint/2010/main" val="608473714"/>
+        <p14:creationId xmlns:p14="http://schemas.microsoft.com/office/powerpoint/2010/main" val="3333626857"/>
       </p:ext>
     </p:extLst>
   </p:cSld>
@@ -745,6 +783,24 @@
               <a:rPr lang="en-US" baseline="0" dirty="0" smtClean="0"/>
               <a:t> experts group</a:t>
             </a:r>
+          </a:p>
+          <a:p>
+            <a:r>
+              <a:rPr lang="en-US" baseline="0" dirty="0" smtClean="0"/>
+              <a:t>Note </a:t>
+            </a:r>
+            <a:r>
+              <a:rPr lang="en-US" baseline="0" dirty="0" err="1" smtClean="0"/>
+              <a:t>odt</a:t>
+            </a:r>
+            <a:r>
+              <a:rPr lang="en-US" baseline="0" dirty="0" smtClean="0"/>
+              <a:t> and </a:t>
+            </a:r>
+            <a:r>
+              <a:rPr lang="en-US" baseline="0" dirty="0" err="1" smtClean="0"/>
+              <a:t>odf</a:t>
+            </a:r>
             <a:endParaRPr lang="en-US" dirty="0"/>
           </a:p>
         </p:txBody>
@@ -776,7 +832,7 @@
     </p:spTree>
     <p:extLst>
       <p:ext uri="{BB962C8B-B14F-4D97-AF65-F5344CB8AC3E}">
-        <p14:creationId xmlns:p14="http://schemas.microsoft.com/office/powerpoint/2010/main" val="2593257641"/>
+        <p14:creationId xmlns:p14="http://schemas.microsoft.com/office/powerpoint/2010/main" val="608473714"/>
       </p:ext>
     </p:extLst>
   </p:cSld>
@@ -836,13 +892,9 @@
             </a:r>
             <a:r>
               <a:rPr lang="en-US" baseline="0" dirty="0" smtClean="0"/>
-              <a:t> </a:t>
-            </a:r>
-            <a:r>
-              <a:rPr lang="en-US" baseline="0" smtClean="0"/>
-              <a:t>experts group</a:t>
-            </a:r>
-            <a:endParaRPr lang="en-US"/>
+              <a:t> experts group</a:t>
+            </a:r>
+            <a:endParaRPr lang="en-US" dirty="0"/>
           </a:p>
         </p:txBody>
       </p:sp>
@@ -873,7 +925,7 @@
     </p:spTree>
     <p:extLst>
       <p:ext uri="{BB962C8B-B14F-4D97-AF65-F5344CB8AC3E}">
-        <p14:creationId xmlns:p14="http://schemas.microsoft.com/office/powerpoint/2010/main" val="390379272"/>
+        <p14:creationId xmlns:p14="http://schemas.microsoft.com/office/powerpoint/2010/main" val="2593257641"/>
       </p:ext>
     </p:extLst>
   </p:cSld>
@@ -970,7 +1022,7 @@
     </p:spTree>
     <p:extLst>
       <p:ext uri="{BB962C8B-B14F-4D97-AF65-F5344CB8AC3E}">
-        <p14:creationId xmlns:p14="http://schemas.microsoft.com/office/powerpoint/2010/main" val="1655378730"/>
+        <p14:creationId xmlns:p14="http://schemas.microsoft.com/office/powerpoint/2010/main" val="390379272"/>
       </p:ext>
     </p:extLst>
   </p:cSld>
@@ -1123,7 +1175,7 @@
               <a:pPr>
                 <a:defRPr/>
               </a:pPr>
-              <a:t>1/26/16</a:t>
+              <a:t>1/27/2016</a:t>
             </a:fld>
             <a:endParaRPr lang="en-US">
               <a:solidFill>
@@ -1338,7 +1390,7 @@
               <a:pPr>
                 <a:defRPr/>
               </a:pPr>
-              <a:t>1/26/16</a:t>
+              <a:t>1/27/2016</a:t>
             </a:fld>
             <a:endParaRPr lang="en-US">
               <a:solidFill>
@@ -1563,7 +1615,7 @@
               <a:pPr>
                 <a:defRPr/>
               </a:pPr>
-              <a:t>1/26/16</a:t>
+              <a:t>1/27/2016</a:t>
             </a:fld>
             <a:endParaRPr lang="en-US">
               <a:solidFill>
@@ -1804,7 +1856,7 @@
               <a:pPr>
                 <a:defRPr/>
               </a:pPr>
-              <a:t>1/26/16</a:t>
+              <a:t>1/27/2016</a:t>
             </a:fld>
             <a:endParaRPr lang="en-US">
               <a:solidFill>
@@ -2093,7 +2145,7 @@
               <a:pPr>
                 <a:defRPr/>
               </a:pPr>
-              <a:t>1/26/16</a:t>
+              <a:t>1/27/2016</a:t>
             </a:fld>
             <a:endParaRPr lang="en-US">
               <a:solidFill>
@@ -2414,7 +2466,7 @@
               <a:pPr>
                 <a:defRPr/>
               </a:pPr>
-              <a:t>1/26/16</a:t>
+              <a:t>1/27/2016</a:t>
             </a:fld>
             <a:endParaRPr lang="en-US">
               <a:solidFill>
@@ -2874,7 +2926,7 @@
               <a:pPr>
                 <a:defRPr/>
               </a:pPr>
-              <a:t>1/26/16</a:t>
+              <a:t>1/27/2016</a:t>
             </a:fld>
             <a:endParaRPr lang="en-US">
               <a:solidFill>
@@ -3045,7 +3097,7 @@
               <a:pPr>
                 <a:defRPr/>
               </a:pPr>
-              <a:t>1/26/16</a:t>
+              <a:t>1/27/2016</a:t>
             </a:fld>
             <a:endParaRPr lang="en-US">
               <a:solidFill>
@@ -3185,7 +3237,7 @@
               <a:pPr>
                 <a:defRPr/>
               </a:pPr>
-              <a:t>1/26/16</a:t>
+              <a:t>1/27/2016</a:t>
             </a:fld>
             <a:endParaRPr lang="en-US">
               <a:solidFill>
@@ -3507,7 +3559,7 @@
               <a:pPr>
                 <a:defRPr/>
               </a:pPr>
-              <a:t>1/26/16</a:t>
+              <a:t>1/27/2016</a:t>
             </a:fld>
             <a:endParaRPr lang="en-US">
               <a:solidFill>
@@ -3809,7 +3861,7 @@
               <a:pPr>
                 <a:defRPr/>
               </a:pPr>
-              <a:t>1/26/16</a:t>
+              <a:t>1/27/2016</a:t>
             </a:fld>
             <a:endParaRPr lang="en-US">
               <a:solidFill>
@@ -4067,7 +4119,7 @@
               <a:pPr>
                 <a:defRPr/>
               </a:pPr>
-              <a:t>1/26/16</a:t>
+              <a:t>1/27/2016</a:t>
             </a:fld>
             <a:endParaRPr lang="en-US">
               <a:solidFill>
@@ -4690,7 +4742,7 @@
   <p:timing>
     <p:tnLst>
       <p:par>
-        <p:cTn xmlns:p14="http://schemas.microsoft.com/office/powerpoint/2010/main" id="1" dur="indefinite" restart="never" nodeType="tmRoot"/>
+        <p:cTn id="1" dur="indefinite" restart="never" nodeType="tmRoot"/>
       </p:par>
     </p:tnLst>
   </p:timing>
@@ -4759,163 +4811,632 @@
           </a:bodyPr>
           <a:lstStyle/>
           <a:p>
-            <a:pPr marL="457200" lvl="1" indent="0">
-              <a:buNone/>
-            </a:pPr>
+            <a:r>
+              <a:rPr lang="en-US" dirty="0" smtClean="0"/>
+              <a:t>Text and numbers</a:t>
+            </a:r>
+          </a:p>
+          <a:p>
+            <a:pPr lvl="1"/>
+            <a:r>
+              <a:rPr lang="en-US" dirty="0" smtClean="0"/>
+              <a:t>Plain text – </a:t>
+            </a:r>
+            <a:r>
+              <a:rPr lang="en-US" i="1" dirty="0" smtClean="0"/>
+              <a:t>BUT STRUCTURED</a:t>
+            </a:r>
+            <a:endParaRPr lang="en-US" dirty="0" smtClean="0"/>
+          </a:p>
+          <a:p>
+            <a:pPr lvl="1"/>
             <a:r>
               <a:rPr lang="en-US" dirty="0" smtClean="0"/>
               <a:t>character </a:t>
             </a:r>
             <a:r>
               <a:rPr lang="en-US" dirty="0"/>
-              <a:t>encoding??? UTF-</a:t>
-            </a:r>
+              <a:t>encoding??? UTF-8</a:t>
+            </a:r>
+          </a:p>
+          <a:p>
+            <a:pPr lvl="1"/>
             <a:r>
               <a:rPr lang="en-US" dirty="0" smtClean="0"/>
-              <a:t>8</a:t>
-            </a:r>
-          </a:p>
-          <a:p>
-            <a:pPr marL="457200" lvl="1" indent="0">
-              <a:buNone/>
-            </a:pPr>
-            <a:endParaRPr lang="en-US" dirty="0"/>
-          </a:p>
-          <a:p>
-            <a:pPr marL="457200" lvl="1" indent="0">
-              <a:buNone/>
-            </a:pPr>
+              <a:t>PDF – preferably not!! (hard to index/search </a:t>
+            </a:r>
+            <a:r>
+              <a:rPr lang="en-US" i="1" dirty="0" smtClean="0"/>
+              <a:t>UNLESS </a:t>
+            </a:r>
             <a:r>
               <a:rPr lang="en-US" dirty="0" smtClean="0"/>
-              <a:t>ASCII – </a:t>
-            </a:r>
-            <a:r>
-              <a:rPr lang="en-US" b="1" dirty="0" smtClean="0"/>
-              <a:t>American Standard </a:t>
-            </a:r>
-            <a:r>
-              <a:rPr lang="en-US" b="1" dirty="0"/>
-              <a:t>Code for Information </a:t>
-            </a:r>
-            <a:r>
-              <a:rPr lang="en-US" b="1" dirty="0" smtClean="0"/>
-              <a:t>Interchange</a:t>
-            </a:r>
-          </a:p>
-          <a:p>
-            <a:pPr marL="457200" lvl="1" indent="0">
-              <a:buNone/>
-            </a:pPr>
+              <a:t>created with specific care)</a:t>
+            </a:r>
+          </a:p>
+          <a:p>
+            <a:pPr lvl="1"/>
+            <a:endParaRPr lang="en-US" dirty="0" smtClean="0"/>
+          </a:p>
+          <a:p>
             <a:r>
               <a:rPr lang="en-US" dirty="0" smtClean="0"/>
-              <a:t>[ old school, 128 characters in 7 bits ]</a:t>
-            </a:r>
-            <a:endParaRPr lang="en-US" dirty="0"/>
-          </a:p>
-          <a:p>
-            <a:pPr marL="457200" lvl="1" indent="0">
-              <a:buNone/>
-            </a:pPr>
-            <a:endParaRPr lang="en-US" dirty="0" smtClean="0"/>
-          </a:p>
-          <a:p>
-            <a:pPr marL="457200" lvl="1" indent="0">
-              <a:buNone/>
-            </a:pPr>
-            <a:endParaRPr lang="en-US" dirty="0" smtClean="0"/>
-          </a:p>
-          <a:p>
-            <a:pPr marL="457200" lvl="1" indent="0">
-              <a:buNone/>
-            </a:pPr>
-            <a:endParaRPr lang="en-US" dirty="0"/>
-          </a:p>
-          <a:p>
-            <a:pPr marL="457200" lvl="1" indent="0">
-              <a:buNone/>
-            </a:pPr>
+              <a:t>Images</a:t>
+            </a:r>
+          </a:p>
+          <a:p>
+            <a:pPr lvl="1"/>
             <a:r>
               <a:rPr lang="en-US" dirty="0" smtClean="0"/>
-              <a:t>UTF-8 – </a:t>
-            </a:r>
-            <a:r>
-              <a:rPr lang="en-US" b="1" dirty="0" smtClean="0"/>
-              <a:t>Universal </a:t>
-            </a:r>
-            <a:r>
-              <a:rPr lang="en-US" b="1" dirty="0"/>
-              <a:t>Coded Character Set + Transformation Format – 8-</a:t>
-            </a:r>
-            <a:r>
-              <a:rPr lang="en-US" b="1" dirty="0" smtClean="0"/>
-              <a:t>bit</a:t>
-            </a:r>
-          </a:p>
-          <a:p>
-            <a:pPr marL="457200" lvl="1" indent="0">
-              <a:buNone/>
-            </a:pPr>
-            <a:r>
-              <a:rPr lang="en-US" dirty="0" smtClean="0"/>
-              <a:t>[ now the new standard, only since about 2007, first 128 characters are ASCII ]</a:t>
-            </a:r>
-          </a:p>
-          <a:p>
-            <a:pPr marL="457200" lvl="1" indent="0">
-              <a:buNone/>
-            </a:pPr>
-            <a:r>
-              <a:rPr lang="en-US" dirty="0" smtClean="0"/>
-              <a:t>[ encodes </a:t>
-            </a:r>
-            <a:r>
-              <a:rPr lang="is-IS" dirty="0" smtClean="0"/>
-              <a:t>1,112,064 “code points” or characters ]</a:t>
-            </a:r>
-            <a:endParaRPr lang="en-US" dirty="0" smtClean="0"/>
-          </a:p>
-        </p:txBody>
-      </p:sp>
-      <p:sp>
-        <p:nvSpPr>
-          <p:cNvPr id="17" name="Rectangle 16"/>
-          <p:cNvSpPr/>
+              <a:t>TIFF, JPEG2000 (??), PNG, JPEG . . . .</a:t>
+            </a:r>
+          </a:p>
+        </p:txBody>
+      </p:sp>
+      <p:sp>
+        <p:nvSpPr>
+          <p:cNvPr id="4" name="TextBox 3"/>
+          <p:cNvSpPr txBox="1"/>
           <p:nvPr/>
         </p:nvSpPr>
         <p:spPr>
           <a:xfrm>
-            <a:off x="3474579" y="3295134"/>
-            <a:ext cx="5980611" cy="369332"/>
+            <a:off x="2022238" y="4980911"/>
+            <a:ext cx="453970" cy="369332"/>
           </a:xfrm>
           <a:prstGeom prst="rect">
             <a:avLst/>
           </a:prstGeom>
+          <a:noFill/>
         </p:spPr>
         <p:txBody>
-          <a:bodyPr wrap="none">
+          <a:bodyPr wrap="none" rtlCol="0">
             <a:spAutoFit/>
           </a:bodyPr>
           <a:lstStyle/>
           <a:p>
             <a:r>
-              <a:rPr lang="en-US" dirty="0"/>
-              <a:t>lowercase </a:t>
-            </a:r>
-            <a:r>
               <a:rPr lang="en-US" dirty="0" smtClean="0"/>
-              <a:t>“j” </a:t>
-            </a:r>
-            <a:r>
-              <a:rPr lang="en-US" dirty="0"/>
-              <a:t>would become binary 1101010 and decimal 106</a:t>
-            </a:r>
+              <a:t>.</a:t>
+            </a:r>
+            <a:r>
+              <a:rPr lang="en-US" dirty="0" err="1" smtClean="0"/>
+              <a:t>tif</a:t>
+            </a:r>
+            <a:endParaRPr lang="en-US" dirty="0"/>
+          </a:p>
+        </p:txBody>
+      </p:sp>
+      <p:sp>
+        <p:nvSpPr>
+          <p:cNvPr id="5" name="TextBox 4"/>
+          <p:cNvSpPr txBox="1"/>
+          <p:nvPr/>
+        </p:nvSpPr>
+        <p:spPr>
+          <a:xfrm>
+            <a:off x="5134010" y="4652481"/>
+            <a:ext cx="528097" cy="369332"/>
+          </a:xfrm>
+          <a:prstGeom prst="rect">
+            <a:avLst/>
+          </a:prstGeom>
+          <a:noFill/>
+        </p:spPr>
+        <p:txBody>
+          <a:bodyPr wrap="none" rtlCol="0">
+            <a:spAutoFit/>
+          </a:bodyPr>
+          <a:lstStyle/>
+          <a:p>
+            <a:r>
+              <a:rPr lang="en-US" dirty="0" smtClean="0"/>
+              <a:t>.jpg</a:t>
+            </a:r>
+            <a:endParaRPr lang="en-US" dirty="0"/>
+          </a:p>
+        </p:txBody>
+      </p:sp>
+      <p:sp>
+        <p:nvSpPr>
+          <p:cNvPr id="6" name="TextBox 5"/>
+          <p:cNvSpPr txBox="1"/>
+          <p:nvPr/>
+        </p:nvSpPr>
+        <p:spPr>
+          <a:xfrm>
+            <a:off x="4262961" y="5088448"/>
+            <a:ext cx="594146" cy="369332"/>
+          </a:xfrm>
+          <a:prstGeom prst="rect">
+            <a:avLst/>
+          </a:prstGeom>
+          <a:noFill/>
+        </p:spPr>
+        <p:txBody>
+          <a:bodyPr wrap="none" rtlCol="0">
+            <a:spAutoFit/>
+          </a:bodyPr>
+          <a:lstStyle/>
+          <a:p>
+            <a:r>
+              <a:rPr lang="en-US" dirty="0" smtClean="0"/>
+              <a:t>.</a:t>
+            </a:r>
+            <a:r>
+              <a:rPr lang="en-US" dirty="0" err="1" smtClean="0"/>
+              <a:t>png</a:t>
+            </a:r>
+            <a:endParaRPr lang="en-US" dirty="0"/>
+          </a:p>
+        </p:txBody>
+      </p:sp>
+      <p:sp>
+        <p:nvSpPr>
+          <p:cNvPr id="7" name="TextBox 6"/>
+          <p:cNvSpPr txBox="1"/>
+          <p:nvPr/>
+        </p:nvSpPr>
+        <p:spPr>
+          <a:xfrm>
+            <a:off x="2713723" y="4649056"/>
+            <a:ext cx="536437" cy="369332"/>
+          </a:xfrm>
+          <a:prstGeom prst="rect">
+            <a:avLst/>
+          </a:prstGeom>
+          <a:noFill/>
+        </p:spPr>
+        <p:txBody>
+          <a:bodyPr wrap="none" rtlCol="0">
+            <a:spAutoFit/>
+          </a:bodyPr>
+          <a:lstStyle/>
+          <a:p>
+            <a:r>
+              <a:rPr lang="en-US" dirty="0" smtClean="0"/>
+              <a:t>.jp2</a:t>
+            </a:r>
+            <a:endParaRPr lang="en-US" dirty="0"/>
+          </a:p>
+        </p:txBody>
+      </p:sp>
+      <p:sp>
+        <p:nvSpPr>
+          <p:cNvPr id="8" name="TextBox 7"/>
+          <p:cNvSpPr txBox="1"/>
+          <p:nvPr/>
+        </p:nvSpPr>
+        <p:spPr>
+          <a:xfrm>
+            <a:off x="3840249" y="4641179"/>
+            <a:ext cx="520094" cy="369332"/>
+          </a:xfrm>
+          <a:prstGeom prst="rect">
+            <a:avLst/>
+          </a:prstGeom>
+          <a:noFill/>
+        </p:spPr>
+        <p:txBody>
+          <a:bodyPr wrap="none" rtlCol="0">
+            <a:spAutoFit/>
+          </a:bodyPr>
+          <a:lstStyle/>
+          <a:p>
+            <a:r>
+              <a:rPr lang="en-US" dirty="0" smtClean="0"/>
+              <a:t>.j2k</a:t>
+            </a:r>
+            <a:endParaRPr lang="en-US" dirty="0"/>
+          </a:p>
+        </p:txBody>
+      </p:sp>
+      <p:sp>
+        <p:nvSpPr>
+          <p:cNvPr id="9" name="TextBox 8"/>
+          <p:cNvSpPr txBox="1"/>
+          <p:nvPr/>
+        </p:nvSpPr>
+        <p:spPr>
+          <a:xfrm>
+            <a:off x="4427694" y="5351809"/>
+            <a:ext cx="2565914" cy="369332"/>
+          </a:xfrm>
+          <a:prstGeom prst="rect">
+            <a:avLst/>
+          </a:prstGeom>
+          <a:noFill/>
+        </p:spPr>
+        <p:txBody>
+          <a:bodyPr wrap="none" rtlCol="0">
+            <a:spAutoFit/>
+          </a:bodyPr>
+          <a:lstStyle/>
+          <a:p>
+            <a:r>
+              <a:rPr lang="en-US" dirty="0" smtClean="0"/>
+              <a:t>portable network graphic</a:t>
+            </a:r>
+            <a:endParaRPr lang="en-US" dirty="0"/>
+          </a:p>
+        </p:txBody>
+      </p:sp>
+      <p:sp>
+        <p:nvSpPr>
+          <p:cNvPr id="10" name="TextBox 9"/>
+          <p:cNvSpPr txBox="1"/>
+          <p:nvPr/>
+        </p:nvSpPr>
+        <p:spPr>
+          <a:xfrm>
+            <a:off x="1201475" y="5257629"/>
+            <a:ext cx="2524099" cy="369332"/>
+          </a:xfrm>
+          <a:prstGeom prst="rect">
+            <a:avLst/>
+          </a:prstGeom>
+          <a:noFill/>
+        </p:spPr>
+        <p:txBody>
+          <a:bodyPr wrap="none" rtlCol="0">
+            <a:spAutoFit/>
+          </a:bodyPr>
+          <a:lstStyle/>
+          <a:p>
+            <a:r>
+              <a:rPr lang="en-US" dirty="0" smtClean="0"/>
+              <a:t>tagged image file format</a:t>
+            </a:r>
+            <a:endParaRPr lang="en-US" dirty="0"/>
+          </a:p>
+        </p:txBody>
+      </p:sp>
+      <p:sp>
+        <p:nvSpPr>
+          <p:cNvPr id="11" name="TextBox 10"/>
+          <p:cNvSpPr txBox="1"/>
+          <p:nvPr/>
+        </p:nvSpPr>
+        <p:spPr>
+          <a:xfrm>
+            <a:off x="5406252" y="4394600"/>
+            <a:ext cx="3296733" cy="369332"/>
+          </a:xfrm>
+          <a:prstGeom prst="rect">
+            <a:avLst/>
+          </a:prstGeom>
+          <a:noFill/>
+        </p:spPr>
+        <p:txBody>
+          <a:bodyPr wrap="none" rtlCol="0">
+            <a:spAutoFit/>
+          </a:bodyPr>
+          <a:lstStyle/>
+          <a:p>
+            <a:r>
+              <a:rPr lang="en-US" dirty="0" smtClean="0"/>
+              <a:t>joint photographic experts group</a:t>
+            </a:r>
+            <a:endParaRPr lang="en-US" dirty="0"/>
+          </a:p>
+        </p:txBody>
+      </p:sp>
+      <p:sp>
+        <p:nvSpPr>
+          <p:cNvPr id="12" name="TextBox 11"/>
+          <p:cNvSpPr txBox="1"/>
+          <p:nvPr/>
+        </p:nvSpPr>
+        <p:spPr>
+          <a:xfrm>
+            <a:off x="5385056" y="2006202"/>
+            <a:ext cx="497552" cy="369332"/>
+          </a:xfrm>
+          <a:prstGeom prst="rect">
+            <a:avLst/>
+          </a:prstGeom>
+          <a:noFill/>
+        </p:spPr>
+        <p:txBody>
+          <a:bodyPr wrap="none" rtlCol="0">
+            <a:spAutoFit/>
+          </a:bodyPr>
+          <a:lstStyle/>
+          <a:p>
+            <a:r>
+              <a:rPr lang="en-US" dirty="0" smtClean="0"/>
+              <a:t>.txt</a:t>
+            </a:r>
+            <a:endParaRPr lang="en-US" dirty="0"/>
+          </a:p>
+        </p:txBody>
+      </p:sp>
+      <p:sp>
+        <p:nvSpPr>
+          <p:cNvPr id="13" name="TextBox 12"/>
+          <p:cNvSpPr txBox="1"/>
+          <p:nvPr/>
+        </p:nvSpPr>
+        <p:spPr>
+          <a:xfrm>
+            <a:off x="6080008" y="1727087"/>
+            <a:ext cx="678904" cy="369332"/>
+          </a:xfrm>
+          <a:prstGeom prst="rect">
+            <a:avLst/>
+          </a:prstGeom>
+          <a:noFill/>
+        </p:spPr>
+        <p:txBody>
+          <a:bodyPr wrap="none" rtlCol="0">
+            <a:spAutoFit/>
+          </a:bodyPr>
+          <a:lstStyle/>
+          <a:p>
+            <a:r>
+              <a:rPr lang="en-US" dirty="0" smtClean="0"/>
+              <a:t>.html</a:t>
+            </a:r>
+            <a:endParaRPr lang="en-US" dirty="0"/>
+          </a:p>
+        </p:txBody>
+      </p:sp>
+      <p:sp>
+        <p:nvSpPr>
+          <p:cNvPr id="14" name="TextBox 13"/>
+          <p:cNvSpPr txBox="1"/>
+          <p:nvPr/>
+        </p:nvSpPr>
+        <p:spPr>
+          <a:xfrm>
+            <a:off x="6577668" y="2224699"/>
+            <a:ext cx="580282" cy="369332"/>
+          </a:xfrm>
+          <a:prstGeom prst="rect">
+            <a:avLst/>
+          </a:prstGeom>
+          <a:noFill/>
+        </p:spPr>
+        <p:txBody>
+          <a:bodyPr wrap="none" rtlCol="0">
+            <a:spAutoFit/>
+          </a:bodyPr>
+          <a:lstStyle/>
+          <a:p>
+            <a:r>
+              <a:rPr lang="en-US" dirty="0" smtClean="0"/>
+              <a:t>.xml</a:t>
+            </a:r>
+            <a:endParaRPr lang="en-US" dirty="0"/>
+          </a:p>
+        </p:txBody>
+      </p:sp>
+      <p:sp>
+        <p:nvSpPr>
+          <p:cNvPr id="15" name="TextBox 14"/>
+          <p:cNvSpPr txBox="1"/>
+          <p:nvPr/>
+        </p:nvSpPr>
+        <p:spPr>
+          <a:xfrm>
+            <a:off x="7334273" y="1834623"/>
+            <a:ext cx="535085" cy="369332"/>
+          </a:xfrm>
+          <a:prstGeom prst="rect">
+            <a:avLst/>
+          </a:prstGeom>
+          <a:noFill/>
+        </p:spPr>
+        <p:txBody>
+          <a:bodyPr wrap="none" rtlCol="0">
+            <a:spAutoFit/>
+          </a:bodyPr>
+          <a:lstStyle/>
+          <a:p>
+            <a:r>
+              <a:rPr lang="en-US" dirty="0" smtClean="0"/>
+              <a:t>.</a:t>
+            </a:r>
+            <a:r>
+              <a:rPr lang="en-US" dirty="0" err="1" smtClean="0"/>
+              <a:t>csv</a:t>
+            </a:r>
+            <a:endParaRPr lang="en-US" dirty="0"/>
+          </a:p>
+        </p:txBody>
+      </p:sp>
+      <p:sp>
+        <p:nvSpPr>
+          <p:cNvPr id="16" name="TextBox 15"/>
+          <p:cNvSpPr txBox="1"/>
+          <p:nvPr/>
+        </p:nvSpPr>
+        <p:spPr>
+          <a:xfrm>
+            <a:off x="8349824" y="2097984"/>
+            <a:ext cx="631453" cy="369332"/>
+          </a:xfrm>
+          <a:prstGeom prst="rect">
+            <a:avLst/>
+          </a:prstGeom>
+          <a:noFill/>
+        </p:spPr>
+        <p:txBody>
+          <a:bodyPr wrap="none" rtlCol="0">
+            <a:spAutoFit/>
+          </a:bodyPr>
+          <a:lstStyle/>
+          <a:p>
+            <a:r>
+              <a:rPr lang="en-US" dirty="0" smtClean="0"/>
+              <a:t>.</a:t>
+            </a:r>
+            <a:r>
+              <a:rPr lang="en-US" dirty="0" err="1" smtClean="0"/>
+              <a:t>json</a:t>
+            </a:r>
+            <a:endParaRPr lang="en-US" dirty="0"/>
+          </a:p>
+        </p:txBody>
+      </p:sp>
+      <p:sp>
+        <p:nvSpPr>
+          <p:cNvPr id="18" name="TextBox 17"/>
+          <p:cNvSpPr txBox="1"/>
+          <p:nvPr/>
+        </p:nvSpPr>
+        <p:spPr>
+          <a:xfrm>
+            <a:off x="3906335" y="1440094"/>
+            <a:ext cx="2847354" cy="369332"/>
+          </a:xfrm>
+          <a:prstGeom prst="rect">
+            <a:avLst/>
+          </a:prstGeom>
+          <a:noFill/>
+        </p:spPr>
+        <p:txBody>
+          <a:bodyPr wrap="none" rtlCol="0">
+            <a:spAutoFit/>
+          </a:bodyPr>
+          <a:lstStyle/>
+          <a:p>
+            <a:r>
+              <a:rPr lang="en-US" dirty="0" smtClean="0"/>
+              <a:t>hyper text markup language</a:t>
+            </a:r>
+            <a:endParaRPr lang="en-US" dirty="0"/>
+          </a:p>
+        </p:txBody>
+      </p:sp>
+      <p:sp>
+        <p:nvSpPr>
+          <p:cNvPr id="19" name="TextBox 18"/>
+          <p:cNvSpPr txBox="1"/>
+          <p:nvPr/>
+        </p:nvSpPr>
+        <p:spPr>
+          <a:xfrm>
+            <a:off x="5328799" y="2455523"/>
+            <a:ext cx="2821430" cy="369332"/>
+          </a:xfrm>
+          <a:prstGeom prst="rect">
+            <a:avLst/>
+          </a:prstGeom>
+          <a:noFill/>
+        </p:spPr>
+        <p:txBody>
+          <a:bodyPr wrap="none" rtlCol="0">
+            <a:spAutoFit/>
+          </a:bodyPr>
+          <a:lstStyle/>
+          <a:p>
+            <a:r>
+              <a:rPr lang="en-US" dirty="0" smtClean="0"/>
+              <a:t>extensible markup language</a:t>
+            </a:r>
+            <a:endParaRPr lang="en-US" dirty="0"/>
+          </a:p>
+        </p:txBody>
+      </p:sp>
+      <p:sp>
+        <p:nvSpPr>
+          <p:cNvPr id="20" name="TextBox 19"/>
+          <p:cNvSpPr txBox="1"/>
+          <p:nvPr/>
+        </p:nvSpPr>
+        <p:spPr>
+          <a:xfrm>
+            <a:off x="8625532" y="2386001"/>
+            <a:ext cx="2580116" cy="369332"/>
+          </a:xfrm>
+          <a:prstGeom prst="rect">
+            <a:avLst/>
+          </a:prstGeom>
+          <a:noFill/>
+        </p:spPr>
+        <p:txBody>
+          <a:bodyPr wrap="none" rtlCol="0">
+            <a:spAutoFit/>
+          </a:bodyPr>
+          <a:lstStyle/>
+          <a:p>
+            <a:r>
+              <a:rPr lang="en-US" dirty="0" err="1" smtClean="0"/>
+              <a:t>javascript</a:t>
+            </a:r>
+            <a:r>
+              <a:rPr lang="en-US" dirty="0" smtClean="0"/>
+              <a:t> object notation </a:t>
+            </a:r>
+            <a:endParaRPr lang="en-US" dirty="0"/>
+          </a:p>
+        </p:txBody>
+      </p:sp>
+      <p:sp>
+        <p:nvSpPr>
+          <p:cNvPr id="21" name="TextBox 20"/>
+          <p:cNvSpPr txBox="1"/>
+          <p:nvPr/>
+        </p:nvSpPr>
+        <p:spPr>
+          <a:xfrm>
+            <a:off x="7581853" y="1613728"/>
+            <a:ext cx="2548895" cy="369332"/>
+          </a:xfrm>
+          <a:prstGeom prst="rect">
+            <a:avLst/>
+          </a:prstGeom>
+          <a:noFill/>
+        </p:spPr>
+        <p:txBody>
+          <a:bodyPr wrap="none" rtlCol="0">
+            <a:spAutoFit/>
+          </a:bodyPr>
+          <a:lstStyle/>
+          <a:p>
+            <a:r>
+              <a:rPr lang="en-US" dirty="0" smtClean="0"/>
+              <a:t>comma separated values</a:t>
+            </a:r>
+            <a:endParaRPr lang="en-US" dirty="0"/>
+          </a:p>
+        </p:txBody>
+      </p:sp>
+      <p:sp>
+        <p:nvSpPr>
+          <p:cNvPr id="22" name="TextBox 21"/>
+          <p:cNvSpPr txBox="1"/>
+          <p:nvPr/>
+        </p:nvSpPr>
+        <p:spPr>
+          <a:xfrm>
+            <a:off x="2534156" y="3261360"/>
+            <a:ext cx="2698175" cy="369332"/>
+          </a:xfrm>
+          <a:prstGeom prst="rect">
+            <a:avLst/>
+          </a:prstGeom>
+          <a:noFill/>
+        </p:spPr>
+        <p:txBody>
+          <a:bodyPr wrap="none" rtlCol="0">
+            <a:spAutoFit/>
+          </a:bodyPr>
+          <a:lstStyle/>
+          <a:p>
+            <a:r>
+              <a:rPr lang="en-US" dirty="0" smtClean="0"/>
+              <a:t>portable document format</a:t>
+            </a:r>
+            <a:endParaRPr lang="en-US" dirty="0"/>
           </a:p>
         </p:txBody>
       </p:sp>
     </p:spTree>
     <p:extLst>
       <p:ext uri="{BB962C8B-B14F-4D97-AF65-F5344CB8AC3E}">
-        <p14:creationId xmlns:p14="http://schemas.microsoft.com/office/powerpoint/2010/main" val="3654368468"/>
+        <p14:creationId xmlns:p14="http://schemas.microsoft.com/office/powerpoint/2010/main" val="813098600"/>
       </p:ext>
     </p:extLst>
   </p:cSld>
@@ -4925,9 +5446,1182 @@
   <p:timing>
     <p:tnLst>
       <p:par>
-        <p:cTn xmlns:p14="http://schemas.microsoft.com/office/powerpoint/2010/main" id="1" dur="indefinite" restart="never" nodeType="tmRoot"/>
+        <p:cTn id="1" dur="indefinite" restart="never" nodeType="tmRoot">
+          <p:childTnLst>
+            <p:seq concurrent="1" nextAc="seek">
+              <p:cTn id="2" dur="indefinite" nodeType="mainSeq">
+                <p:childTnLst>
+                  <p:par>
+                    <p:cTn id="3" fill="hold">
+                      <p:stCondLst>
+                        <p:cond delay="indefinite"/>
+                      </p:stCondLst>
+                      <p:childTnLst>
+                        <p:par>
+                          <p:cTn id="4" fill="hold">
+                            <p:stCondLst>
+                              <p:cond delay="0"/>
+                            </p:stCondLst>
+                            <p:childTnLst>
+                              <p:par>
+                                <p:cTn id="5" presetID="9" presetClass="emph" presetSubtype="0" nodeType="clickEffect">
+                                  <p:stCondLst>
+                                    <p:cond delay="0"/>
+                                  </p:stCondLst>
+                                  <p:childTnLst>
+                                    <p:set>
+                                      <p:cBhvr rctx="PPT">
+                                        <p:cTn id="6" dur="indefinite"/>
+                                        <p:tgtEl>
+                                          <p:spTgt spid="3">
+                                            <p:txEl>
+                                              <p:pRg st="0" end="0"/>
+                                            </p:txEl>
+                                          </p:spTgt>
+                                        </p:tgtEl>
+                                        <p:attrNameLst>
+                                          <p:attrName>style.opacity</p:attrName>
+                                        </p:attrNameLst>
+                                      </p:cBhvr>
+                                      <p:to>
+                                        <p:strVal val="0.5"/>
+                                      </p:to>
+                                    </p:set>
+                                    <p:animEffect filter="image" prLst="opacity: 0.5">
+                                      <p:cBhvr rctx="IE">
+                                        <p:cTn id="7" dur="indefinite"/>
+                                        <p:tgtEl>
+                                          <p:spTgt spid="3">
+                                            <p:txEl>
+                                              <p:pRg st="0" end="0"/>
+                                            </p:txEl>
+                                          </p:spTgt>
+                                        </p:tgtEl>
+                                      </p:cBhvr>
+                                    </p:animEffect>
+                                  </p:childTnLst>
+                                </p:cTn>
+                              </p:par>
+                              <p:par>
+                                <p:cTn id="8" presetID="9" presetClass="emph" presetSubtype="0" nodeType="withEffect">
+                                  <p:stCondLst>
+                                    <p:cond delay="0"/>
+                                  </p:stCondLst>
+                                  <p:childTnLst>
+                                    <p:set>
+                                      <p:cBhvr rctx="PPT">
+                                        <p:cTn id="9" dur="indefinite"/>
+                                        <p:tgtEl>
+                                          <p:spTgt spid="3">
+                                            <p:txEl>
+                                              <p:pRg st="1" end="1"/>
+                                            </p:txEl>
+                                          </p:spTgt>
+                                        </p:tgtEl>
+                                        <p:attrNameLst>
+                                          <p:attrName>style.opacity</p:attrName>
+                                        </p:attrNameLst>
+                                      </p:cBhvr>
+                                      <p:to>
+                                        <p:strVal val="0.5"/>
+                                      </p:to>
+                                    </p:set>
+                                    <p:animEffect filter="image" prLst="opacity: 0.5">
+                                      <p:cBhvr rctx="IE">
+                                        <p:cTn id="10" dur="indefinite"/>
+                                        <p:tgtEl>
+                                          <p:spTgt spid="3">
+                                            <p:txEl>
+                                              <p:pRg st="1" end="1"/>
+                                            </p:txEl>
+                                          </p:spTgt>
+                                        </p:tgtEl>
+                                      </p:cBhvr>
+                                    </p:animEffect>
+                                  </p:childTnLst>
+                                </p:cTn>
+                              </p:par>
+                              <p:par>
+                                <p:cTn id="11" presetID="9" presetClass="emph" presetSubtype="0" nodeType="withEffect">
+                                  <p:stCondLst>
+                                    <p:cond delay="0"/>
+                                  </p:stCondLst>
+                                  <p:childTnLst>
+                                    <p:set>
+                                      <p:cBhvr rctx="PPT">
+                                        <p:cTn id="12" dur="indefinite"/>
+                                        <p:tgtEl>
+                                          <p:spTgt spid="3">
+                                            <p:txEl>
+                                              <p:pRg st="2" end="2"/>
+                                            </p:txEl>
+                                          </p:spTgt>
+                                        </p:tgtEl>
+                                        <p:attrNameLst>
+                                          <p:attrName>style.opacity</p:attrName>
+                                        </p:attrNameLst>
+                                      </p:cBhvr>
+                                      <p:to>
+                                        <p:strVal val="0.5"/>
+                                      </p:to>
+                                    </p:set>
+                                    <p:animEffect filter="image" prLst="opacity: 0.5">
+                                      <p:cBhvr rctx="IE">
+                                        <p:cTn id="13" dur="indefinite"/>
+                                        <p:tgtEl>
+                                          <p:spTgt spid="3">
+                                            <p:txEl>
+                                              <p:pRg st="2" end="2"/>
+                                            </p:txEl>
+                                          </p:spTgt>
+                                        </p:tgtEl>
+                                      </p:cBhvr>
+                                    </p:animEffect>
+                                  </p:childTnLst>
+                                </p:cTn>
+                              </p:par>
+                              <p:par>
+                                <p:cTn id="14" presetID="9" presetClass="emph" presetSubtype="0" nodeType="withEffect">
+                                  <p:stCondLst>
+                                    <p:cond delay="0"/>
+                                  </p:stCondLst>
+                                  <p:childTnLst>
+                                    <p:set>
+                                      <p:cBhvr rctx="PPT">
+                                        <p:cTn id="15" dur="indefinite"/>
+                                        <p:tgtEl>
+                                          <p:spTgt spid="3">
+                                            <p:txEl>
+                                              <p:pRg st="3" end="3"/>
+                                            </p:txEl>
+                                          </p:spTgt>
+                                        </p:tgtEl>
+                                        <p:attrNameLst>
+                                          <p:attrName>style.opacity</p:attrName>
+                                        </p:attrNameLst>
+                                      </p:cBhvr>
+                                      <p:to>
+                                        <p:strVal val="0.5"/>
+                                      </p:to>
+                                    </p:set>
+                                    <p:animEffect filter="image" prLst="opacity: 0.5">
+                                      <p:cBhvr rctx="IE">
+                                        <p:cTn id="16" dur="indefinite"/>
+                                        <p:tgtEl>
+                                          <p:spTgt spid="3">
+                                            <p:txEl>
+                                              <p:pRg st="3" end="3"/>
+                                            </p:txEl>
+                                          </p:spTgt>
+                                        </p:tgtEl>
+                                      </p:cBhvr>
+                                    </p:animEffect>
+                                  </p:childTnLst>
+                                </p:cTn>
+                              </p:par>
+                              <p:par>
+                                <p:cTn id="17" presetID="10" presetClass="entr" presetSubtype="0" fill="hold" grpId="0" nodeType="withEffect">
+                                  <p:stCondLst>
+                                    <p:cond delay="0"/>
+                                  </p:stCondLst>
+                                  <p:childTnLst>
+                                    <p:set>
+                                      <p:cBhvr>
+                                        <p:cTn id="18" dur="1" fill="hold">
+                                          <p:stCondLst>
+                                            <p:cond delay="0"/>
+                                          </p:stCondLst>
+                                        </p:cTn>
+                                        <p:tgtEl>
+                                          <p:spTgt spid="22"/>
+                                        </p:tgtEl>
+                                        <p:attrNameLst>
+                                          <p:attrName>style.visibility</p:attrName>
+                                        </p:attrNameLst>
+                                      </p:cBhvr>
+                                      <p:to>
+                                        <p:strVal val="visible"/>
+                                      </p:to>
+                                    </p:set>
+                                    <p:animEffect transition="in" filter="fade">
+                                      <p:cBhvr>
+                                        <p:cTn id="19" dur="500"/>
+                                        <p:tgtEl>
+                                          <p:spTgt spid="22"/>
+                                        </p:tgtEl>
+                                      </p:cBhvr>
+                                    </p:animEffect>
+                                  </p:childTnLst>
+                                </p:cTn>
+                              </p:par>
+                            </p:childTnLst>
+                          </p:cTn>
+                        </p:par>
+                      </p:childTnLst>
+                    </p:cTn>
+                  </p:par>
+                  <p:par>
+                    <p:cTn id="20" fill="hold">
+                      <p:stCondLst>
+                        <p:cond delay="indefinite"/>
+                      </p:stCondLst>
+                      <p:childTnLst>
+                        <p:par>
+                          <p:cTn id="21" fill="hold">
+                            <p:stCondLst>
+                              <p:cond delay="0"/>
+                            </p:stCondLst>
+                            <p:childTnLst>
+                              <p:par>
+                                <p:cTn id="22" presetID="10" presetClass="entr" presetSubtype="0" fill="hold" grpId="0" nodeType="clickEffect">
+                                  <p:stCondLst>
+                                    <p:cond delay="0"/>
+                                  </p:stCondLst>
+                                  <p:childTnLst>
+                                    <p:set>
+                                      <p:cBhvr>
+                                        <p:cTn id="23" dur="1" fill="hold">
+                                          <p:stCondLst>
+                                            <p:cond delay="0"/>
+                                          </p:stCondLst>
+                                        </p:cTn>
+                                        <p:tgtEl>
+                                          <p:spTgt spid="19"/>
+                                        </p:tgtEl>
+                                        <p:attrNameLst>
+                                          <p:attrName>style.visibility</p:attrName>
+                                        </p:attrNameLst>
+                                      </p:cBhvr>
+                                      <p:to>
+                                        <p:strVal val="visible"/>
+                                      </p:to>
+                                    </p:set>
+                                    <p:animEffect transition="in" filter="fade">
+                                      <p:cBhvr>
+                                        <p:cTn id="24" dur="500"/>
+                                        <p:tgtEl>
+                                          <p:spTgt spid="19"/>
+                                        </p:tgtEl>
+                                      </p:cBhvr>
+                                    </p:animEffect>
+                                  </p:childTnLst>
+                                </p:cTn>
+                              </p:par>
+                              <p:par>
+                                <p:cTn id="25" presetID="10" presetClass="entr" presetSubtype="0" fill="hold" grpId="0" nodeType="withEffect">
+                                  <p:stCondLst>
+                                    <p:cond delay="0"/>
+                                  </p:stCondLst>
+                                  <p:childTnLst>
+                                    <p:set>
+                                      <p:cBhvr>
+                                        <p:cTn id="26" dur="1" fill="hold">
+                                          <p:stCondLst>
+                                            <p:cond delay="0"/>
+                                          </p:stCondLst>
+                                        </p:cTn>
+                                        <p:tgtEl>
+                                          <p:spTgt spid="14"/>
+                                        </p:tgtEl>
+                                        <p:attrNameLst>
+                                          <p:attrName>style.visibility</p:attrName>
+                                        </p:attrNameLst>
+                                      </p:cBhvr>
+                                      <p:to>
+                                        <p:strVal val="visible"/>
+                                      </p:to>
+                                    </p:set>
+                                    <p:animEffect transition="in" filter="fade">
+                                      <p:cBhvr>
+                                        <p:cTn id="27" dur="500"/>
+                                        <p:tgtEl>
+                                          <p:spTgt spid="14"/>
+                                        </p:tgtEl>
+                                      </p:cBhvr>
+                                    </p:animEffect>
+                                  </p:childTnLst>
+                                </p:cTn>
+                              </p:par>
+                            </p:childTnLst>
+                          </p:cTn>
+                        </p:par>
+                      </p:childTnLst>
+                    </p:cTn>
+                  </p:par>
+                  <p:par>
+                    <p:cTn id="28" fill="hold">
+                      <p:stCondLst>
+                        <p:cond delay="indefinite"/>
+                      </p:stCondLst>
+                      <p:childTnLst>
+                        <p:par>
+                          <p:cTn id="29" fill="hold">
+                            <p:stCondLst>
+                              <p:cond delay="0"/>
+                            </p:stCondLst>
+                            <p:childTnLst>
+                              <p:par>
+                                <p:cTn id="30" presetID="10" presetClass="entr" presetSubtype="0" fill="hold" grpId="0" nodeType="clickEffect">
+                                  <p:stCondLst>
+                                    <p:cond delay="0"/>
+                                  </p:stCondLst>
+                                  <p:childTnLst>
+                                    <p:set>
+                                      <p:cBhvr>
+                                        <p:cTn id="31" dur="1" fill="hold">
+                                          <p:stCondLst>
+                                            <p:cond delay="0"/>
+                                          </p:stCondLst>
+                                        </p:cTn>
+                                        <p:tgtEl>
+                                          <p:spTgt spid="12"/>
+                                        </p:tgtEl>
+                                        <p:attrNameLst>
+                                          <p:attrName>style.visibility</p:attrName>
+                                        </p:attrNameLst>
+                                      </p:cBhvr>
+                                      <p:to>
+                                        <p:strVal val="visible"/>
+                                      </p:to>
+                                    </p:set>
+                                    <p:animEffect transition="in" filter="fade">
+                                      <p:cBhvr>
+                                        <p:cTn id="32" dur="500"/>
+                                        <p:tgtEl>
+                                          <p:spTgt spid="12"/>
+                                        </p:tgtEl>
+                                      </p:cBhvr>
+                                    </p:animEffect>
+                                  </p:childTnLst>
+                                </p:cTn>
+                              </p:par>
+                            </p:childTnLst>
+                          </p:cTn>
+                        </p:par>
+                      </p:childTnLst>
+                    </p:cTn>
+                  </p:par>
+                  <p:par>
+                    <p:cTn id="33" fill="hold">
+                      <p:stCondLst>
+                        <p:cond delay="indefinite"/>
+                      </p:stCondLst>
+                      <p:childTnLst>
+                        <p:par>
+                          <p:cTn id="34" fill="hold">
+                            <p:stCondLst>
+                              <p:cond delay="0"/>
+                            </p:stCondLst>
+                            <p:childTnLst>
+                              <p:par>
+                                <p:cTn id="35" presetID="10" presetClass="entr" presetSubtype="0" fill="hold" grpId="0" nodeType="clickEffect">
+                                  <p:stCondLst>
+                                    <p:cond delay="0"/>
+                                  </p:stCondLst>
+                                  <p:childTnLst>
+                                    <p:set>
+                                      <p:cBhvr>
+                                        <p:cTn id="36" dur="1" fill="hold">
+                                          <p:stCondLst>
+                                            <p:cond delay="0"/>
+                                          </p:stCondLst>
+                                        </p:cTn>
+                                        <p:tgtEl>
+                                          <p:spTgt spid="13"/>
+                                        </p:tgtEl>
+                                        <p:attrNameLst>
+                                          <p:attrName>style.visibility</p:attrName>
+                                        </p:attrNameLst>
+                                      </p:cBhvr>
+                                      <p:to>
+                                        <p:strVal val="visible"/>
+                                      </p:to>
+                                    </p:set>
+                                    <p:animEffect transition="in" filter="fade">
+                                      <p:cBhvr>
+                                        <p:cTn id="37" dur="500"/>
+                                        <p:tgtEl>
+                                          <p:spTgt spid="13"/>
+                                        </p:tgtEl>
+                                      </p:cBhvr>
+                                    </p:animEffect>
+                                  </p:childTnLst>
+                                </p:cTn>
+                              </p:par>
+                              <p:par>
+                                <p:cTn id="38" presetID="10" presetClass="entr" presetSubtype="0" fill="hold" grpId="0" nodeType="withEffect">
+                                  <p:stCondLst>
+                                    <p:cond delay="0"/>
+                                  </p:stCondLst>
+                                  <p:childTnLst>
+                                    <p:set>
+                                      <p:cBhvr>
+                                        <p:cTn id="39" dur="1" fill="hold">
+                                          <p:stCondLst>
+                                            <p:cond delay="0"/>
+                                          </p:stCondLst>
+                                        </p:cTn>
+                                        <p:tgtEl>
+                                          <p:spTgt spid="18"/>
+                                        </p:tgtEl>
+                                        <p:attrNameLst>
+                                          <p:attrName>style.visibility</p:attrName>
+                                        </p:attrNameLst>
+                                      </p:cBhvr>
+                                      <p:to>
+                                        <p:strVal val="visible"/>
+                                      </p:to>
+                                    </p:set>
+                                    <p:animEffect transition="in" filter="fade">
+                                      <p:cBhvr>
+                                        <p:cTn id="40" dur="500"/>
+                                        <p:tgtEl>
+                                          <p:spTgt spid="18"/>
+                                        </p:tgtEl>
+                                      </p:cBhvr>
+                                    </p:animEffect>
+                                  </p:childTnLst>
+                                </p:cTn>
+                              </p:par>
+                            </p:childTnLst>
+                          </p:cTn>
+                        </p:par>
+                      </p:childTnLst>
+                    </p:cTn>
+                  </p:par>
+                  <p:par>
+                    <p:cTn id="41" fill="hold">
+                      <p:stCondLst>
+                        <p:cond delay="indefinite"/>
+                      </p:stCondLst>
+                      <p:childTnLst>
+                        <p:par>
+                          <p:cTn id="42" fill="hold">
+                            <p:stCondLst>
+                              <p:cond delay="0"/>
+                            </p:stCondLst>
+                            <p:childTnLst>
+                              <p:par>
+                                <p:cTn id="43" presetID="10" presetClass="entr" presetSubtype="0" fill="hold" grpId="0" nodeType="clickEffect">
+                                  <p:stCondLst>
+                                    <p:cond delay="0"/>
+                                  </p:stCondLst>
+                                  <p:childTnLst>
+                                    <p:set>
+                                      <p:cBhvr>
+                                        <p:cTn id="44" dur="1" fill="hold">
+                                          <p:stCondLst>
+                                            <p:cond delay="0"/>
+                                          </p:stCondLst>
+                                        </p:cTn>
+                                        <p:tgtEl>
+                                          <p:spTgt spid="21"/>
+                                        </p:tgtEl>
+                                        <p:attrNameLst>
+                                          <p:attrName>style.visibility</p:attrName>
+                                        </p:attrNameLst>
+                                      </p:cBhvr>
+                                      <p:to>
+                                        <p:strVal val="visible"/>
+                                      </p:to>
+                                    </p:set>
+                                    <p:animEffect transition="in" filter="fade">
+                                      <p:cBhvr>
+                                        <p:cTn id="45" dur="500"/>
+                                        <p:tgtEl>
+                                          <p:spTgt spid="21"/>
+                                        </p:tgtEl>
+                                      </p:cBhvr>
+                                    </p:animEffect>
+                                  </p:childTnLst>
+                                </p:cTn>
+                              </p:par>
+                              <p:par>
+                                <p:cTn id="46" presetID="10" presetClass="entr" presetSubtype="0" fill="hold" grpId="0" nodeType="withEffect">
+                                  <p:stCondLst>
+                                    <p:cond delay="0"/>
+                                  </p:stCondLst>
+                                  <p:childTnLst>
+                                    <p:set>
+                                      <p:cBhvr>
+                                        <p:cTn id="47" dur="1" fill="hold">
+                                          <p:stCondLst>
+                                            <p:cond delay="0"/>
+                                          </p:stCondLst>
+                                        </p:cTn>
+                                        <p:tgtEl>
+                                          <p:spTgt spid="15"/>
+                                        </p:tgtEl>
+                                        <p:attrNameLst>
+                                          <p:attrName>style.visibility</p:attrName>
+                                        </p:attrNameLst>
+                                      </p:cBhvr>
+                                      <p:to>
+                                        <p:strVal val="visible"/>
+                                      </p:to>
+                                    </p:set>
+                                    <p:animEffect transition="in" filter="fade">
+                                      <p:cBhvr>
+                                        <p:cTn id="48" dur="500"/>
+                                        <p:tgtEl>
+                                          <p:spTgt spid="15"/>
+                                        </p:tgtEl>
+                                      </p:cBhvr>
+                                    </p:animEffect>
+                                  </p:childTnLst>
+                                </p:cTn>
+                              </p:par>
+                            </p:childTnLst>
+                          </p:cTn>
+                        </p:par>
+                      </p:childTnLst>
+                    </p:cTn>
+                  </p:par>
+                  <p:par>
+                    <p:cTn id="49" fill="hold">
+                      <p:stCondLst>
+                        <p:cond delay="indefinite"/>
+                      </p:stCondLst>
+                      <p:childTnLst>
+                        <p:par>
+                          <p:cTn id="50" fill="hold">
+                            <p:stCondLst>
+                              <p:cond delay="0"/>
+                            </p:stCondLst>
+                            <p:childTnLst>
+                              <p:par>
+                                <p:cTn id="51" presetID="10" presetClass="entr" presetSubtype="0" fill="hold" grpId="0" nodeType="clickEffect">
+                                  <p:stCondLst>
+                                    <p:cond delay="0"/>
+                                  </p:stCondLst>
+                                  <p:childTnLst>
+                                    <p:set>
+                                      <p:cBhvr>
+                                        <p:cTn id="52" dur="1" fill="hold">
+                                          <p:stCondLst>
+                                            <p:cond delay="0"/>
+                                          </p:stCondLst>
+                                        </p:cTn>
+                                        <p:tgtEl>
+                                          <p:spTgt spid="16"/>
+                                        </p:tgtEl>
+                                        <p:attrNameLst>
+                                          <p:attrName>style.visibility</p:attrName>
+                                        </p:attrNameLst>
+                                      </p:cBhvr>
+                                      <p:to>
+                                        <p:strVal val="visible"/>
+                                      </p:to>
+                                    </p:set>
+                                    <p:animEffect transition="in" filter="fade">
+                                      <p:cBhvr>
+                                        <p:cTn id="53" dur="500"/>
+                                        <p:tgtEl>
+                                          <p:spTgt spid="16"/>
+                                        </p:tgtEl>
+                                      </p:cBhvr>
+                                    </p:animEffect>
+                                  </p:childTnLst>
+                                </p:cTn>
+                              </p:par>
+                              <p:par>
+                                <p:cTn id="54" presetID="10" presetClass="entr" presetSubtype="0" fill="hold" grpId="0" nodeType="withEffect">
+                                  <p:stCondLst>
+                                    <p:cond delay="0"/>
+                                  </p:stCondLst>
+                                  <p:childTnLst>
+                                    <p:set>
+                                      <p:cBhvr>
+                                        <p:cTn id="55" dur="1" fill="hold">
+                                          <p:stCondLst>
+                                            <p:cond delay="0"/>
+                                          </p:stCondLst>
+                                        </p:cTn>
+                                        <p:tgtEl>
+                                          <p:spTgt spid="20"/>
+                                        </p:tgtEl>
+                                        <p:attrNameLst>
+                                          <p:attrName>style.visibility</p:attrName>
+                                        </p:attrNameLst>
+                                      </p:cBhvr>
+                                      <p:to>
+                                        <p:strVal val="visible"/>
+                                      </p:to>
+                                    </p:set>
+                                    <p:animEffect transition="in" filter="fade">
+                                      <p:cBhvr>
+                                        <p:cTn id="56" dur="500"/>
+                                        <p:tgtEl>
+                                          <p:spTgt spid="20"/>
+                                        </p:tgtEl>
+                                      </p:cBhvr>
+                                    </p:animEffect>
+                                  </p:childTnLst>
+                                </p:cTn>
+                              </p:par>
+                            </p:childTnLst>
+                          </p:cTn>
+                        </p:par>
+                      </p:childTnLst>
+                    </p:cTn>
+                  </p:par>
+                  <p:par>
+                    <p:cTn id="57" fill="hold">
+                      <p:stCondLst>
+                        <p:cond delay="indefinite"/>
+                      </p:stCondLst>
+                      <p:childTnLst>
+                        <p:par>
+                          <p:cTn id="58" fill="hold">
+                            <p:stCondLst>
+                              <p:cond delay="0"/>
+                            </p:stCondLst>
+                            <p:childTnLst>
+                              <p:par>
+                                <p:cTn id="59" presetID="10" presetClass="entr" presetSubtype="0" fill="hold" nodeType="clickEffect">
+                                  <p:stCondLst>
+                                    <p:cond delay="0"/>
+                                  </p:stCondLst>
+                                  <p:childTnLst>
+                                    <p:set>
+                                      <p:cBhvr>
+                                        <p:cTn id="60" dur="1" fill="hold">
+                                          <p:stCondLst>
+                                            <p:cond delay="0"/>
+                                          </p:stCondLst>
+                                        </p:cTn>
+                                        <p:tgtEl>
+                                          <p:spTgt spid="3">
+                                            <p:txEl>
+                                              <p:pRg st="5" end="5"/>
+                                            </p:txEl>
+                                          </p:spTgt>
+                                        </p:tgtEl>
+                                        <p:attrNameLst>
+                                          <p:attrName>style.visibility</p:attrName>
+                                        </p:attrNameLst>
+                                      </p:cBhvr>
+                                      <p:to>
+                                        <p:strVal val="visible"/>
+                                      </p:to>
+                                    </p:set>
+                                    <p:animEffect transition="in" filter="fade">
+                                      <p:cBhvr>
+                                        <p:cTn id="61" dur="500"/>
+                                        <p:tgtEl>
+                                          <p:spTgt spid="3">
+                                            <p:txEl>
+                                              <p:pRg st="5" end="5"/>
+                                            </p:txEl>
+                                          </p:spTgt>
+                                        </p:tgtEl>
+                                      </p:cBhvr>
+                                    </p:animEffect>
+                                  </p:childTnLst>
+                                </p:cTn>
+                              </p:par>
+                              <p:par>
+                                <p:cTn id="62" presetID="10" presetClass="entr" presetSubtype="0" fill="hold" nodeType="withEffect">
+                                  <p:stCondLst>
+                                    <p:cond delay="0"/>
+                                  </p:stCondLst>
+                                  <p:childTnLst>
+                                    <p:set>
+                                      <p:cBhvr>
+                                        <p:cTn id="63" dur="1" fill="hold">
+                                          <p:stCondLst>
+                                            <p:cond delay="0"/>
+                                          </p:stCondLst>
+                                        </p:cTn>
+                                        <p:tgtEl>
+                                          <p:spTgt spid="3">
+                                            <p:txEl>
+                                              <p:pRg st="6" end="6"/>
+                                            </p:txEl>
+                                          </p:spTgt>
+                                        </p:tgtEl>
+                                        <p:attrNameLst>
+                                          <p:attrName>style.visibility</p:attrName>
+                                        </p:attrNameLst>
+                                      </p:cBhvr>
+                                      <p:to>
+                                        <p:strVal val="visible"/>
+                                      </p:to>
+                                    </p:set>
+                                    <p:animEffect transition="in" filter="fade">
+                                      <p:cBhvr>
+                                        <p:cTn id="64" dur="500"/>
+                                        <p:tgtEl>
+                                          <p:spTgt spid="3">
+                                            <p:txEl>
+                                              <p:pRg st="6" end="6"/>
+                                            </p:txEl>
+                                          </p:spTgt>
+                                        </p:tgtEl>
+                                      </p:cBhvr>
+                                    </p:animEffect>
+                                  </p:childTnLst>
+                                </p:cTn>
+                              </p:par>
+                            </p:childTnLst>
+                          </p:cTn>
+                        </p:par>
+                      </p:childTnLst>
+                    </p:cTn>
+                  </p:par>
+                  <p:par>
+                    <p:cTn id="65" fill="hold">
+                      <p:stCondLst>
+                        <p:cond delay="indefinite"/>
+                      </p:stCondLst>
+                      <p:childTnLst>
+                        <p:par>
+                          <p:cTn id="66" fill="hold">
+                            <p:stCondLst>
+                              <p:cond delay="0"/>
+                            </p:stCondLst>
+                            <p:childTnLst>
+                              <p:par>
+                                <p:cTn id="67" presetID="9" presetClass="emph" presetSubtype="0" nodeType="clickEffect">
+                                  <p:stCondLst>
+                                    <p:cond delay="0"/>
+                                  </p:stCondLst>
+                                  <p:childTnLst>
+                                    <p:set>
+                                      <p:cBhvr rctx="PPT">
+                                        <p:cTn id="68" dur="indefinite"/>
+                                        <p:tgtEl>
+                                          <p:spTgt spid="3">
+                                            <p:txEl>
+                                              <p:pRg st="5" end="5"/>
+                                            </p:txEl>
+                                          </p:spTgt>
+                                        </p:tgtEl>
+                                        <p:attrNameLst>
+                                          <p:attrName>style.opacity</p:attrName>
+                                        </p:attrNameLst>
+                                      </p:cBhvr>
+                                      <p:to>
+                                        <p:strVal val="0.5"/>
+                                      </p:to>
+                                    </p:set>
+                                    <p:animEffect filter="image" prLst="opacity: 0.5">
+                                      <p:cBhvr rctx="IE">
+                                        <p:cTn id="69" dur="indefinite"/>
+                                        <p:tgtEl>
+                                          <p:spTgt spid="3">
+                                            <p:txEl>
+                                              <p:pRg st="5" end="5"/>
+                                            </p:txEl>
+                                          </p:spTgt>
+                                        </p:tgtEl>
+                                      </p:cBhvr>
+                                    </p:animEffect>
+                                  </p:childTnLst>
+                                </p:cTn>
+                              </p:par>
+                              <p:par>
+                                <p:cTn id="70" presetID="9" presetClass="emph" presetSubtype="0" nodeType="withEffect">
+                                  <p:stCondLst>
+                                    <p:cond delay="0"/>
+                                  </p:stCondLst>
+                                  <p:childTnLst>
+                                    <p:set>
+                                      <p:cBhvr rctx="PPT">
+                                        <p:cTn id="71" dur="indefinite"/>
+                                        <p:tgtEl>
+                                          <p:spTgt spid="3">
+                                            <p:txEl>
+                                              <p:pRg st="6" end="6"/>
+                                            </p:txEl>
+                                          </p:spTgt>
+                                        </p:tgtEl>
+                                        <p:attrNameLst>
+                                          <p:attrName>style.opacity</p:attrName>
+                                        </p:attrNameLst>
+                                      </p:cBhvr>
+                                      <p:to>
+                                        <p:strVal val="0.5"/>
+                                      </p:to>
+                                    </p:set>
+                                    <p:animEffect filter="image" prLst="opacity: 0.5">
+                                      <p:cBhvr rctx="IE">
+                                        <p:cTn id="72" dur="indefinite"/>
+                                        <p:tgtEl>
+                                          <p:spTgt spid="3">
+                                            <p:txEl>
+                                              <p:pRg st="6" end="6"/>
+                                            </p:txEl>
+                                          </p:spTgt>
+                                        </p:tgtEl>
+                                      </p:cBhvr>
+                                    </p:animEffect>
+                                  </p:childTnLst>
+                                </p:cTn>
+                              </p:par>
+                              <p:par>
+                                <p:cTn id="73" presetID="10" presetClass="entr" presetSubtype="0" fill="hold" grpId="0" nodeType="withEffect">
+                                  <p:stCondLst>
+                                    <p:cond delay="0"/>
+                                  </p:stCondLst>
+                                  <p:childTnLst>
+                                    <p:set>
+                                      <p:cBhvr>
+                                        <p:cTn id="74" dur="1" fill="hold">
+                                          <p:stCondLst>
+                                            <p:cond delay="0"/>
+                                          </p:stCondLst>
+                                        </p:cTn>
+                                        <p:tgtEl>
+                                          <p:spTgt spid="11"/>
+                                        </p:tgtEl>
+                                        <p:attrNameLst>
+                                          <p:attrName>style.visibility</p:attrName>
+                                        </p:attrNameLst>
+                                      </p:cBhvr>
+                                      <p:to>
+                                        <p:strVal val="visible"/>
+                                      </p:to>
+                                    </p:set>
+                                    <p:animEffect transition="in" filter="fade">
+                                      <p:cBhvr>
+                                        <p:cTn id="75" dur="500"/>
+                                        <p:tgtEl>
+                                          <p:spTgt spid="11"/>
+                                        </p:tgtEl>
+                                      </p:cBhvr>
+                                    </p:animEffect>
+                                  </p:childTnLst>
+                                </p:cTn>
+                              </p:par>
+                              <p:par>
+                                <p:cTn id="76" presetID="10" presetClass="entr" presetSubtype="0" fill="hold" grpId="0" nodeType="withEffect">
+                                  <p:stCondLst>
+                                    <p:cond delay="0"/>
+                                  </p:stCondLst>
+                                  <p:childTnLst>
+                                    <p:set>
+                                      <p:cBhvr>
+                                        <p:cTn id="77" dur="1" fill="hold">
+                                          <p:stCondLst>
+                                            <p:cond delay="0"/>
+                                          </p:stCondLst>
+                                        </p:cTn>
+                                        <p:tgtEl>
+                                          <p:spTgt spid="5"/>
+                                        </p:tgtEl>
+                                        <p:attrNameLst>
+                                          <p:attrName>style.visibility</p:attrName>
+                                        </p:attrNameLst>
+                                      </p:cBhvr>
+                                      <p:to>
+                                        <p:strVal val="visible"/>
+                                      </p:to>
+                                    </p:set>
+                                    <p:animEffect transition="in" filter="fade">
+                                      <p:cBhvr>
+                                        <p:cTn id="78" dur="500"/>
+                                        <p:tgtEl>
+                                          <p:spTgt spid="5"/>
+                                        </p:tgtEl>
+                                      </p:cBhvr>
+                                    </p:animEffect>
+                                  </p:childTnLst>
+                                </p:cTn>
+                              </p:par>
+                              <p:par>
+                                <p:cTn id="79" presetID="10" presetClass="entr" presetSubtype="0" fill="hold" grpId="0" nodeType="withEffect">
+                                  <p:stCondLst>
+                                    <p:cond delay="0"/>
+                                  </p:stCondLst>
+                                  <p:childTnLst>
+                                    <p:set>
+                                      <p:cBhvr>
+                                        <p:cTn id="80" dur="1" fill="hold">
+                                          <p:stCondLst>
+                                            <p:cond delay="0"/>
+                                          </p:stCondLst>
+                                        </p:cTn>
+                                        <p:tgtEl>
+                                          <p:spTgt spid="7"/>
+                                        </p:tgtEl>
+                                        <p:attrNameLst>
+                                          <p:attrName>style.visibility</p:attrName>
+                                        </p:attrNameLst>
+                                      </p:cBhvr>
+                                      <p:to>
+                                        <p:strVal val="visible"/>
+                                      </p:to>
+                                    </p:set>
+                                    <p:animEffect transition="in" filter="fade">
+                                      <p:cBhvr>
+                                        <p:cTn id="81" dur="500"/>
+                                        <p:tgtEl>
+                                          <p:spTgt spid="7"/>
+                                        </p:tgtEl>
+                                      </p:cBhvr>
+                                    </p:animEffect>
+                                  </p:childTnLst>
+                                </p:cTn>
+                              </p:par>
+                              <p:par>
+                                <p:cTn id="82" presetID="10" presetClass="entr" presetSubtype="0" fill="hold" grpId="0" nodeType="withEffect">
+                                  <p:stCondLst>
+                                    <p:cond delay="0"/>
+                                  </p:stCondLst>
+                                  <p:childTnLst>
+                                    <p:set>
+                                      <p:cBhvr>
+                                        <p:cTn id="83" dur="1" fill="hold">
+                                          <p:stCondLst>
+                                            <p:cond delay="0"/>
+                                          </p:stCondLst>
+                                        </p:cTn>
+                                        <p:tgtEl>
+                                          <p:spTgt spid="8"/>
+                                        </p:tgtEl>
+                                        <p:attrNameLst>
+                                          <p:attrName>style.visibility</p:attrName>
+                                        </p:attrNameLst>
+                                      </p:cBhvr>
+                                      <p:to>
+                                        <p:strVal val="visible"/>
+                                      </p:to>
+                                    </p:set>
+                                    <p:animEffect transition="in" filter="fade">
+                                      <p:cBhvr>
+                                        <p:cTn id="84" dur="500"/>
+                                        <p:tgtEl>
+                                          <p:spTgt spid="8"/>
+                                        </p:tgtEl>
+                                      </p:cBhvr>
+                                    </p:animEffect>
+                                  </p:childTnLst>
+                                </p:cTn>
+                              </p:par>
+                            </p:childTnLst>
+                          </p:cTn>
+                        </p:par>
+                      </p:childTnLst>
+                    </p:cTn>
+                  </p:par>
+                  <p:par>
+                    <p:cTn id="85" fill="hold">
+                      <p:stCondLst>
+                        <p:cond delay="indefinite"/>
+                      </p:stCondLst>
+                      <p:childTnLst>
+                        <p:par>
+                          <p:cTn id="86" fill="hold">
+                            <p:stCondLst>
+                              <p:cond delay="0"/>
+                            </p:stCondLst>
+                            <p:childTnLst>
+                              <p:par>
+                                <p:cTn id="87" presetID="10" presetClass="entr" presetSubtype="0" fill="hold" grpId="0" nodeType="clickEffect">
+                                  <p:stCondLst>
+                                    <p:cond delay="0"/>
+                                  </p:stCondLst>
+                                  <p:childTnLst>
+                                    <p:set>
+                                      <p:cBhvr>
+                                        <p:cTn id="88" dur="1" fill="hold">
+                                          <p:stCondLst>
+                                            <p:cond delay="0"/>
+                                          </p:stCondLst>
+                                        </p:cTn>
+                                        <p:tgtEl>
+                                          <p:spTgt spid="6"/>
+                                        </p:tgtEl>
+                                        <p:attrNameLst>
+                                          <p:attrName>style.visibility</p:attrName>
+                                        </p:attrNameLst>
+                                      </p:cBhvr>
+                                      <p:to>
+                                        <p:strVal val="visible"/>
+                                      </p:to>
+                                    </p:set>
+                                    <p:animEffect transition="in" filter="fade">
+                                      <p:cBhvr>
+                                        <p:cTn id="89" dur="500"/>
+                                        <p:tgtEl>
+                                          <p:spTgt spid="6"/>
+                                        </p:tgtEl>
+                                      </p:cBhvr>
+                                    </p:animEffect>
+                                  </p:childTnLst>
+                                </p:cTn>
+                              </p:par>
+                              <p:par>
+                                <p:cTn id="90" presetID="10" presetClass="entr" presetSubtype="0" fill="hold" grpId="0" nodeType="withEffect">
+                                  <p:stCondLst>
+                                    <p:cond delay="0"/>
+                                  </p:stCondLst>
+                                  <p:childTnLst>
+                                    <p:set>
+                                      <p:cBhvr>
+                                        <p:cTn id="91" dur="1" fill="hold">
+                                          <p:stCondLst>
+                                            <p:cond delay="0"/>
+                                          </p:stCondLst>
+                                        </p:cTn>
+                                        <p:tgtEl>
+                                          <p:spTgt spid="9"/>
+                                        </p:tgtEl>
+                                        <p:attrNameLst>
+                                          <p:attrName>style.visibility</p:attrName>
+                                        </p:attrNameLst>
+                                      </p:cBhvr>
+                                      <p:to>
+                                        <p:strVal val="visible"/>
+                                      </p:to>
+                                    </p:set>
+                                    <p:animEffect transition="in" filter="fade">
+                                      <p:cBhvr>
+                                        <p:cTn id="92" dur="500"/>
+                                        <p:tgtEl>
+                                          <p:spTgt spid="9"/>
+                                        </p:tgtEl>
+                                      </p:cBhvr>
+                                    </p:animEffect>
+                                  </p:childTnLst>
+                                </p:cTn>
+                              </p:par>
+                            </p:childTnLst>
+                          </p:cTn>
+                        </p:par>
+                      </p:childTnLst>
+                    </p:cTn>
+                  </p:par>
+                  <p:par>
+                    <p:cTn id="93" fill="hold">
+                      <p:stCondLst>
+                        <p:cond delay="indefinite"/>
+                      </p:stCondLst>
+                      <p:childTnLst>
+                        <p:par>
+                          <p:cTn id="94" fill="hold">
+                            <p:stCondLst>
+                              <p:cond delay="0"/>
+                            </p:stCondLst>
+                            <p:childTnLst>
+                              <p:par>
+                                <p:cTn id="95" presetID="10" presetClass="entr" presetSubtype="0" fill="hold" grpId="0" nodeType="clickEffect">
+                                  <p:stCondLst>
+                                    <p:cond delay="0"/>
+                                  </p:stCondLst>
+                                  <p:childTnLst>
+                                    <p:set>
+                                      <p:cBhvr>
+                                        <p:cTn id="96" dur="1" fill="hold">
+                                          <p:stCondLst>
+                                            <p:cond delay="0"/>
+                                          </p:stCondLst>
+                                        </p:cTn>
+                                        <p:tgtEl>
+                                          <p:spTgt spid="10"/>
+                                        </p:tgtEl>
+                                        <p:attrNameLst>
+                                          <p:attrName>style.visibility</p:attrName>
+                                        </p:attrNameLst>
+                                      </p:cBhvr>
+                                      <p:to>
+                                        <p:strVal val="visible"/>
+                                      </p:to>
+                                    </p:set>
+                                    <p:animEffect transition="in" filter="fade">
+                                      <p:cBhvr>
+                                        <p:cTn id="97" dur="500"/>
+                                        <p:tgtEl>
+                                          <p:spTgt spid="10"/>
+                                        </p:tgtEl>
+                                      </p:cBhvr>
+                                    </p:animEffect>
+                                  </p:childTnLst>
+                                </p:cTn>
+                              </p:par>
+                              <p:par>
+                                <p:cTn id="98" presetID="10" presetClass="entr" presetSubtype="0" fill="hold" grpId="0" nodeType="withEffect">
+                                  <p:stCondLst>
+                                    <p:cond delay="0"/>
+                                  </p:stCondLst>
+                                  <p:childTnLst>
+                                    <p:set>
+                                      <p:cBhvr>
+                                        <p:cTn id="99" dur="1" fill="hold">
+                                          <p:stCondLst>
+                                            <p:cond delay="0"/>
+                                          </p:stCondLst>
+                                        </p:cTn>
+                                        <p:tgtEl>
+                                          <p:spTgt spid="4"/>
+                                        </p:tgtEl>
+                                        <p:attrNameLst>
+                                          <p:attrName>style.visibility</p:attrName>
+                                        </p:attrNameLst>
+                                      </p:cBhvr>
+                                      <p:to>
+                                        <p:strVal val="visible"/>
+                                      </p:to>
+                                    </p:set>
+                                    <p:animEffect transition="in" filter="fade">
+                                      <p:cBhvr>
+                                        <p:cTn id="100" dur="500"/>
+                                        <p:tgtEl>
+                                          <p:spTgt spid="4"/>
+                                        </p:tgtEl>
+                                      </p:cBhvr>
+                                    </p:animEffect>
+                                  </p:childTnLst>
+                                </p:cTn>
+                              </p:par>
+                            </p:childTnLst>
+                          </p:cTn>
+                        </p:par>
+                      </p:childTnLst>
+                    </p:cTn>
+                  </p:par>
+                </p:childTnLst>
+              </p:cTn>
+              <p:prevCondLst>
+                <p:cond evt="onPrev" delay="0">
+                  <p:tgtEl>
+                    <p:sldTgt/>
+                  </p:tgtEl>
+                </p:cond>
+              </p:prevCondLst>
+              <p:nextCondLst>
+                <p:cond evt="onNext" delay="0">
+                  <p:tgtEl>
+                    <p:sldTgt/>
+                  </p:tgtEl>
+                </p:cond>
+              </p:nextCondLst>
+            </p:seq>
+          </p:childTnLst>
+        </p:cTn>
       </p:par>
     </p:tnLst>
+    <p:bldLst>
+      <p:bldP spid="4" grpId="0"/>
+      <p:bldP spid="5" grpId="0"/>
+      <p:bldP spid="6" grpId="0"/>
+      <p:bldP spid="7" grpId="0"/>
+      <p:bldP spid="8" grpId="0"/>
+      <p:bldP spid="9" grpId="0"/>
+      <p:bldP spid="10" grpId="0"/>
+      <p:bldP spid="11" grpId="0"/>
+      <p:bldP spid="12" grpId="0"/>
+      <p:bldP spid="13" grpId="0"/>
+      <p:bldP spid="14" grpId="0"/>
+      <p:bldP spid="15" grpId="0"/>
+      <p:bldP spid="16" grpId="0"/>
+      <p:bldP spid="18" grpId="0"/>
+      <p:bldP spid="19" grpId="0"/>
+      <p:bldP spid="20" grpId="0"/>
+      <p:bldP spid="21" grpId="0"/>
+      <p:bldP spid="22" grpId="0"/>
+    </p:bldLst>
   </p:timing>
 </p:sld>
 </file>
@@ -4994,6 +6688,241 @@
           </a:bodyPr>
           <a:lstStyle/>
           <a:p>
+            <a:pPr marL="457200" lvl="1" indent="0">
+              <a:buNone/>
+            </a:pPr>
+            <a:r>
+              <a:rPr lang="en-US" dirty="0" smtClean="0"/>
+              <a:t>character </a:t>
+            </a:r>
+            <a:r>
+              <a:rPr lang="en-US" dirty="0"/>
+              <a:t>encoding??? UTF-</a:t>
+            </a:r>
+            <a:r>
+              <a:rPr lang="en-US" dirty="0" smtClean="0"/>
+              <a:t>8</a:t>
+            </a:r>
+          </a:p>
+          <a:p>
+            <a:pPr marL="457200" lvl="1" indent="0">
+              <a:buNone/>
+            </a:pPr>
+            <a:endParaRPr lang="en-US" dirty="0"/>
+          </a:p>
+          <a:p>
+            <a:pPr marL="457200" lvl="1" indent="0">
+              <a:buNone/>
+            </a:pPr>
+            <a:r>
+              <a:rPr lang="en-US" dirty="0" smtClean="0"/>
+              <a:t>ASCII – </a:t>
+            </a:r>
+            <a:r>
+              <a:rPr lang="en-US" b="1" dirty="0" smtClean="0"/>
+              <a:t>American Standard </a:t>
+            </a:r>
+            <a:r>
+              <a:rPr lang="en-US" b="1" dirty="0"/>
+              <a:t>Code for Information </a:t>
+            </a:r>
+            <a:r>
+              <a:rPr lang="en-US" b="1" dirty="0" smtClean="0"/>
+              <a:t>Interchange</a:t>
+            </a:r>
+          </a:p>
+          <a:p>
+            <a:pPr marL="457200" lvl="1" indent="0">
+              <a:buNone/>
+            </a:pPr>
+            <a:r>
+              <a:rPr lang="en-US" dirty="0" smtClean="0"/>
+              <a:t>[ old school, 128 characters in 7 bits ]</a:t>
+            </a:r>
+            <a:endParaRPr lang="en-US" dirty="0"/>
+          </a:p>
+          <a:p>
+            <a:pPr marL="457200" lvl="1" indent="0">
+              <a:buNone/>
+            </a:pPr>
+            <a:endParaRPr lang="en-US" dirty="0" smtClean="0"/>
+          </a:p>
+          <a:p>
+            <a:pPr marL="457200" lvl="1" indent="0">
+              <a:buNone/>
+            </a:pPr>
+            <a:endParaRPr lang="en-US" dirty="0" smtClean="0"/>
+          </a:p>
+          <a:p>
+            <a:pPr marL="457200" lvl="1" indent="0">
+              <a:buNone/>
+            </a:pPr>
+            <a:endParaRPr lang="en-US" dirty="0"/>
+          </a:p>
+          <a:p>
+            <a:pPr marL="457200" lvl="1" indent="0">
+              <a:buNone/>
+            </a:pPr>
+            <a:r>
+              <a:rPr lang="en-US" dirty="0" smtClean="0"/>
+              <a:t>UTF-8 – </a:t>
+            </a:r>
+            <a:r>
+              <a:rPr lang="en-US" b="1" dirty="0" smtClean="0"/>
+              <a:t>Universal </a:t>
+            </a:r>
+            <a:r>
+              <a:rPr lang="en-US" b="1" dirty="0"/>
+              <a:t>Coded Character Set + Transformation Format – 8-</a:t>
+            </a:r>
+            <a:r>
+              <a:rPr lang="en-US" b="1" dirty="0" smtClean="0"/>
+              <a:t>bit</a:t>
+            </a:r>
+          </a:p>
+          <a:p>
+            <a:pPr marL="457200" lvl="1" indent="0">
+              <a:buNone/>
+            </a:pPr>
+            <a:r>
+              <a:rPr lang="en-US" dirty="0" smtClean="0"/>
+              <a:t>[ now the new standard, only since about 2007, first 128 characters are ASCII ]</a:t>
+            </a:r>
+          </a:p>
+          <a:p>
+            <a:pPr marL="457200" lvl="1" indent="0">
+              <a:buNone/>
+            </a:pPr>
+            <a:r>
+              <a:rPr lang="en-US" dirty="0" smtClean="0"/>
+              <a:t>[ encodes </a:t>
+            </a:r>
+            <a:r>
+              <a:rPr lang="is-IS" dirty="0" smtClean="0"/>
+              <a:t>1,112,064 “code points” or characters ]</a:t>
+            </a:r>
+            <a:endParaRPr lang="en-US" dirty="0" smtClean="0"/>
+          </a:p>
+        </p:txBody>
+      </p:sp>
+      <p:sp>
+        <p:nvSpPr>
+          <p:cNvPr id="17" name="Rectangle 16"/>
+          <p:cNvSpPr/>
+          <p:nvPr/>
+        </p:nvSpPr>
+        <p:spPr>
+          <a:xfrm>
+            <a:off x="3474579" y="3295134"/>
+            <a:ext cx="5980611" cy="369332"/>
+          </a:xfrm>
+          <a:prstGeom prst="rect">
+            <a:avLst/>
+          </a:prstGeom>
+        </p:spPr>
+        <p:txBody>
+          <a:bodyPr wrap="none">
+            <a:spAutoFit/>
+          </a:bodyPr>
+          <a:lstStyle/>
+          <a:p>
+            <a:r>
+              <a:rPr lang="en-US" dirty="0"/>
+              <a:t>lowercase </a:t>
+            </a:r>
+            <a:r>
+              <a:rPr lang="en-US" dirty="0" smtClean="0"/>
+              <a:t>“j” </a:t>
+            </a:r>
+            <a:r>
+              <a:rPr lang="en-US" dirty="0"/>
+              <a:t>would become binary 1101010 and decimal 106</a:t>
+            </a:r>
+          </a:p>
+        </p:txBody>
+      </p:sp>
+    </p:spTree>
+    <p:extLst>
+      <p:ext uri="{BB962C8B-B14F-4D97-AF65-F5344CB8AC3E}">
+        <p14:creationId xmlns:p14="http://schemas.microsoft.com/office/powerpoint/2010/main" val="3654368468"/>
+      </p:ext>
+    </p:extLst>
+  </p:cSld>
+  <p:clrMapOvr>
+    <a:masterClrMapping/>
+  </p:clrMapOvr>
+  <p:timing>
+    <p:tnLst>
+      <p:par>
+        <p:cTn id="1" dur="indefinite" restart="never" nodeType="tmRoot"/>
+      </p:par>
+    </p:tnLst>
+  </p:timing>
+</p:sld>
+</file>
+
+<file path=ppt/slides/slide12.xml><?xml version="1.0" encoding="utf-8"?>
+<p:sld xmlns:a="http://schemas.openxmlformats.org/drawingml/2006/main" xmlns:r="http://schemas.openxmlformats.org/officeDocument/2006/relationships" xmlns:p="http://schemas.openxmlformats.org/presentationml/2006/main">
+  <p:cSld>
+    <p:spTree>
+      <p:nvGrpSpPr>
+        <p:cNvPr id="1" name=""/>
+        <p:cNvGrpSpPr/>
+        <p:nvPr/>
+      </p:nvGrpSpPr>
+      <p:grpSpPr>
+        <a:xfrm>
+          <a:off x="0" y="0"/>
+          <a:ext cx="0" cy="0"/>
+          <a:chOff x="0" y="0"/>
+          <a:chExt cx="0" cy="0"/>
+        </a:xfrm>
+      </p:grpSpPr>
+      <p:sp>
+        <p:nvSpPr>
+          <p:cNvPr id="2" name="Title 1"/>
+          <p:cNvSpPr>
+            <a:spLocks noGrp="1"/>
+          </p:cNvSpPr>
+          <p:nvPr>
+            <p:ph type="title"/>
+          </p:nvPr>
+        </p:nvSpPr>
+        <p:spPr/>
+        <p:txBody>
+          <a:bodyPr/>
+          <a:lstStyle/>
+          <a:p>
+            <a:r>
+              <a:rPr lang="en-US" dirty="0" smtClean="0"/>
+              <a:t>Some things to remember</a:t>
+            </a:r>
+            <a:endParaRPr lang="en-US" dirty="0"/>
+          </a:p>
+        </p:txBody>
+      </p:sp>
+      <p:sp>
+        <p:nvSpPr>
+          <p:cNvPr id="3" name="Content Placeholder 2"/>
+          <p:cNvSpPr>
+            <a:spLocks noGrp="1"/>
+          </p:cNvSpPr>
+          <p:nvPr>
+            <p:ph idx="1"/>
+          </p:nvPr>
+        </p:nvSpPr>
+        <p:spPr>
+          <a:xfrm>
+            <a:off x="838200" y="1825625"/>
+            <a:ext cx="10488168" cy="4351338"/>
+          </a:xfrm>
+        </p:spPr>
+        <p:txBody>
+          <a:bodyPr>
+            <a:normAutofit/>
+          </a:bodyPr>
+          <a:lstStyle/>
+          <a:p>
             <a:r>
               <a:rPr lang="en-US" dirty="0" smtClean="0"/>
               <a:t>Cartographic (maps)</a:t>
@@ -5547,7 +7476,7 @@
   <p:timing>
     <p:tnLst>
       <p:par>
-        <p:cTn xmlns:p14="http://schemas.microsoft.com/office/powerpoint/2010/main" id="1" dur="indefinite" restart="never" nodeType="tmRoot">
+        <p:cTn id="1" dur="indefinite" restart="never" nodeType="tmRoot">
           <p:childTnLst>
             <p:seq concurrent="1" nextAc="seek">
               <p:cTn id="2" dur="indefinite" nodeType="mainSeq">
@@ -5707,7 +7636,7 @@
                                     </p:set>
                                     <p:animEffect transition="in" filter="fade">
                                       <p:cBhvr>
-                                        <p:cTn id="16" dur="100"/>
+                                        <p:cTn id="16" dur="500"/>
                                         <p:tgtEl>
                                           <p:spTgt spid="9"/>
                                         </p:tgtEl>
@@ -5742,7 +7671,7 @@
                                     </p:set>
                                     <p:animEffect transition="in" filter="fade">
                                       <p:cBhvr>
-                                        <p:cTn id="19" dur="100"/>
+                                        <p:cTn id="19" dur="500"/>
                                         <p:tgtEl>
                                           <p:spTgt spid="5"/>
                                         </p:tgtEl>
@@ -5795,7 +7724,7 @@
                                     </p:set>
                                     <p:animEffect transition="in" filter="fade">
                                       <p:cBhvr>
-                                        <p:cTn id="24" dur="100"/>
+                                        <p:cTn id="24" dur="500"/>
                                         <p:tgtEl>
                                           <p:spTgt spid="4"/>
                                         </p:tgtEl>
@@ -5830,7 +7759,7 @@
                                     </p:set>
                                     <p:animEffect transition="in" filter="fade">
                                       <p:cBhvr>
-                                        <p:cTn id="27" dur="100"/>
+                                        <p:cTn id="27" dur="500"/>
                                         <p:tgtEl>
                                           <p:spTgt spid="8"/>
                                         </p:tgtEl>
@@ -5883,7 +7812,7 @@
                                     </p:set>
                                     <p:animEffect transition="in" filter="fade">
                                       <p:cBhvr>
-                                        <p:cTn id="32" dur="100"/>
+                                        <p:cTn id="32" dur="500"/>
                                         <p:tgtEl>
                                           <p:spTgt spid="11"/>
                                         </p:tgtEl>
@@ -5918,7 +7847,7 @@
                                     </p:set>
                                     <p:animEffect transition="in" filter="fade">
                                       <p:cBhvr>
-                                        <p:cTn id="35" dur="100"/>
+                                        <p:cTn id="35" dur="500"/>
                                         <p:tgtEl>
                                           <p:spTgt spid="6"/>
                                         </p:tgtEl>
@@ -5971,7 +7900,7 @@
                                     </p:set>
                                     <p:animEffect transition="in" filter="fade">
                                       <p:cBhvr>
-                                        <p:cTn id="40" dur="100"/>
+                                        <p:cTn id="40" dur="500"/>
                                         <p:tgtEl>
                                           <p:spTgt spid="7"/>
                                         </p:tgtEl>
@@ -6006,7 +7935,7 @@
                                     </p:set>
                                     <p:animEffect transition="in" filter="fade">
                                       <p:cBhvr>
-                                        <p:cTn id="43" dur="100"/>
+                                        <p:cTn id="43" dur="500"/>
                                         <p:tgtEl>
                                           <p:spTgt spid="10"/>
                                         </p:tgtEl>
@@ -6323,7 +8252,7 @@
                                     </p:set>
                                     <p:animEffect transition="in" filter="fade">
                                       <p:cBhvr>
-                                        <p:cTn id="68" dur="100"/>
+                                        <p:cTn id="68" dur="500"/>
                                         <p:tgtEl>
                                           <p:spTgt spid="15"/>
                                         </p:tgtEl>
@@ -6358,7 +8287,7 @@
                                     </p:set>
                                     <p:animEffect transition="in" filter="fade">
                                       <p:cBhvr>
-                                        <p:cTn id="71" dur="100"/>
+                                        <p:cTn id="71" dur="500"/>
                                         <p:tgtEl>
                                           <p:spTgt spid="12"/>
                                         </p:tgtEl>
@@ -6411,7 +8340,7 @@
                                     </p:set>
                                     <p:animEffect transition="in" filter="fade">
                                       <p:cBhvr>
-                                        <p:cTn id="76" dur="100"/>
+                                        <p:cTn id="76" dur="500"/>
                                         <p:tgtEl>
                                           <p:spTgt spid="14"/>
                                         </p:tgtEl>
@@ -6446,7 +8375,7 @@
                                     </p:set>
                                     <p:animEffect transition="in" filter="fade">
                                       <p:cBhvr>
-                                        <p:cTn id="79" dur="100"/>
+                                        <p:cTn id="79" dur="500"/>
                                         <p:tgtEl>
                                           <p:spTgt spid="16"/>
                                         </p:tgtEl>
@@ -6499,7 +8428,7 @@
                                     </p:set>
                                     <p:animEffect transition="in" filter="fade">
                                       <p:cBhvr>
-                                        <p:cTn id="84" dur="100"/>
+                                        <p:cTn id="84" dur="500"/>
                                         <p:tgtEl>
                                           <p:spTgt spid="17"/>
                                         </p:tgtEl>
@@ -6534,7 +8463,7 @@
                                     </p:set>
                                     <p:animEffect transition="in" filter="fade">
                                       <p:cBhvr>
-                                        <p:cTn id="87" dur="100"/>
+                                        <p:cTn id="87" dur="500"/>
                                         <p:tgtEl>
                                           <p:spTgt spid="13"/>
                                         </p:tgtEl>
@@ -6590,7 +8519,7 @@
 </p:sld>
 </file>
 
-<file path=ppt/slides/slide12.xml><?xml version="1.0" encoding="utf-8"?>
+<file path=ppt/slides/slide13.xml><?xml version="1.0" encoding="utf-8"?>
 <p:sld xmlns:a="http://schemas.openxmlformats.org/drawingml/2006/main" xmlns:r="http://schemas.openxmlformats.org/officeDocument/2006/relationships" xmlns:p="http://schemas.openxmlformats.org/presentationml/2006/main">
   <p:cSld>
     <p:spTree>
@@ -6939,7 +8868,7 @@
   <p:timing>
     <p:tnLst>
       <p:par>
-        <p:cTn xmlns:p14="http://schemas.microsoft.com/office/powerpoint/2010/main" id="1" dur="indefinite" restart="never" nodeType="tmRoot">
+        <p:cTn id="1" dur="indefinite" restart="never" nodeType="tmRoot">
           <p:childTnLst>
             <p:seq concurrent="1" nextAc="seek">
               <p:cTn id="2" dur="indefinite" nodeType="mainSeq">
@@ -6982,7 +8911,7 @@
                                     </p:set>
                                     <p:animEffect transition="in" filter="fade">
                                       <p:cBhvr>
-                                        <p:cTn id="7" dur="100"/>
+                                        <p:cTn id="7" dur="500"/>
                                         <p:tgtEl>
                                           <p:spTgt spid="4"/>
                                         </p:tgtEl>
@@ -7017,7 +8946,7 @@
                                     </p:set>
                                     <p:animEffect transition="in" filter="fade">
                                       <p:cBhvr>
-                                        <p:cTn id="10" dur="100"/>
+                                        <p:cTn id="10" dur="500"/>
                                         <p:tgtEl>
                                           <p:spTgt spid="8"/>
                                         </p:tgtEl>
@@ -7052,7 +8981,7 @@
                                     </p:set>
                                     <p:animEffect transition="in" filter="fade">
                                       <p:cBhvr>
-                                        <p:cTn id="13" dur="100"/>
+                                        <p:cTn id="13" dur="500"/>
                                         <p:tgtEl>
                                           <p:spTgt spid="6"/>
                                         </p:tgtEl>
@@ -7105,7 +9034,7 @@
                                     </p:set>
                                     <p:animEffect transition="in" filter="fade">
                                       <p:cBhvr>
-                                        <p:cTn id="18" dur="100"/>
+                                        <p:cTn id="18" dur="500"/>
                                         <p:tgtEl>
                                           <p:spTgt spid="7"/>
                                         </p:tgtEl>
@@ -7140,7 +9069,7 @@
                                     </p:set>
                                     <p:animEffect transition="in" filter="fade">
                                       <p:cBhvr>
-                                        <p:cTn id="21" dur="100"/>
+                                        <p:cTn id="21" dur="500"/>
                                         <p:tgtEl>
                                           <p:spTgt spid="10"/>
                                         </p:tgtEl>
@@ -7193,7 +9122,7 @@
                                     </p:set>
                                     <p:animEffect transition="in" filter="fade">
                                       <p:cBhvr>
-                                        <p:cTn id="26" dur="100"/>
+                                        <p:cTn id="26" dur="500"/>
                                         <p:tgtEl>
                                           <p:spTgt spid="9"/>
                                         </p:tgtEl>
@@ -7228,7 +9157,7 @@
                                     </p:set>
                                     <p:animEffect transition="in" filter="fade">
                                       <p:cBhvr>
-                                        <p:cTn id="29" dur="100"/>
+                                        <p:cTn id="29" dur="500"/>
                                         <p:tgtEl>
                                           <p:spTgt spid="5"/>
                                         </p:tgtEl>
@@ -7277,7 +9206,7 @@
 </p:sld>
 </file>
 
-<file path=ppt/slides/slide13.xml><?xml version="1.0" encoding="utf-8"?>
+<file path=ppt/slides/slide14.xml><?xml version="1.0" encoding="utf-8"?>
 <p:sld xmlns:a="http://schemas.openxmlformats.org/drawingml/2006/main" xmlns:r="http://schemas.openxmlformats.org/officeDocument/2006/relationships" xmlns:p="http://schemas.openxmlformats.org/presentationml/2006/main">
   <p:cSld>
     <p:spTree>
@@ -7577,7 +9506,7 @@
   <p:timing>
     <p:tnLst>
       <p:par>
-        <p:cTn xmlns:p14="http://schemas.microsoft.com/office/powerpoint/2010/main" id="1" dur="indefinite" restart="never" nodeType="tmRoot">
+        <p:cTn id="1" dur="indefinite" restart="never" nodeType="tmRoot">
           <p:childTnLst>
             <p:seq concurrent="1" nextAc="seek">
               <p:cTn id="2" dur="indefinite" nodeType="mainSeq">
@@ -7681,7 +9610,7 @@
                                     </p:set>
                                     <p:animEffect transition="in" filter="fade">
                                       <p:cBhvr>
-                                        <p:cTn id="12" dur="100"/>
+                                        <p:cTn id="12" dur="500"/>
                                         <p:tgtEl>
                                           <p:spTgt spid="4"/>
                                         </p:tgtEl>
@@ -7716,7 +9645,7 @@
                                     </p:set>
                                     <p:animEffect transition="in" filter="fade">
                                       <p:cBhvr>
-                                        <p:cTn id="15" dur="100"/>
+                                        <p:cTn id="15" dur="500"/>
                                         <p:tgtEl>
                                           <p:spTgt spid="6"/>
                                         </p:tgtEl>
@@ -7751,7 +9680,7 @@
                                     </p:set>
                                     <p:animEffect transition="in" filter="fade">
                                       <p:cBhvr>
-                                        <p:cTn id="18" dur="100"/>
+                                        <p:cTn id="18" dur="500"/>
                                         <p:tgtEl>
                                           <p:spTgt spid="5"/>
                                         </p:tgtEl>
@@ -7804,7 +9733,7 @@
                                     </p:set>
                                     <p:animEffect transition="in" filter="fade">
                                       <p:cBhvr>
-                                        <p:cTn id="23" dur="100"/>
+                                        <p:cTn id="23" dur="500"/>
                                         <p:tgtEl>
                                           <p:spTgt spid="7"/>
                                         </p:tgtEl>
@@ -7904,7 +9833,7 @@
 </p:sld>
 </file>
 
-<file path=ppt/slides/slide14.xml><?xml version="1.0" encoding="utf-8"?>
+<file path=ppt/slides/slide15.xml><?xml version="1.0" encoding="utf-8"?>
 <p:sld xmlns:a="http://schemas.openxmlformats.org/drawingml/2006/main" xmlns:r="http://schemas.openxmlformats.org/officeDocument/2006/relationships" xmlns:p="http://schemas.openxmlformats.org/presentationml/2006/main">
   <p:cSld>
     <p:spTree>
@@ -7975,14 +9904,14 @@
   <p:timing>
     <p:tnLst>
       <p:par>
-        <p:cTn xmlns:p14="http://schemas.microsoft.com/office/powerpoint/2010/main" id="1" dur="indefinite" restart="never" nodeType="tmRoot"/>
+        <p:cTn id="1" dur="indefinite" restart="never" nodeType="tmRoot"/>
       </p:par>
     </p:tnLst>
   </p:timing>
 </p:sld>
 </file>
 
-<file path=ppt/slides/slide15.xml><?xml version="1.0" encoding="utf-8"?>
+<file path=ppt/slides/slide16.xml><?xml version="1.0" encoding="utf-8"?>
 <p:sld xmlns:a="http://schemas.openxmlformats.org/drawingml/2006/main" xmlns:r="http://schemas.openxmlformats.org/officeDocument/2006/relationships" xmlns:p="http://schemas.openxmlformats.org/presentationml/2006/main">
   <p:cSld>
     <p:spTree>
@@ -8091,14 +10020,14 @@
   <p:timing>
     <p:tnLst>
       <p:par>
-        <p:cTn xmlns:p14="http://schemas.microsoft.com/office/powerpoint/2010/main" id="1" dur="indefinite" restart="never" nodeType="tmRoot"/>
+        <p:cTn id="1" dur="indefinite" restart="never" nodeType="tmRoot"/>
       </p:par>
     </p:tnLst>
   </p:timing>
 </p:sld>
 </file>
 
-<file path=ppt/slides/slide16.xml><?xml version="1.0" encoding="utf-8"?>
+<file path=ppt/slides/slide17.xml><?xml version="1.0" encoding="utf-8"?>
 <p:sld xmlns:a="http://schemas.openxmlformats.org/drawingml/2006/main" xmlns:r="http://schemas.openxmlformats.org/officeDocument/2006/relationships" xmlns:p="http://schemas.openxmlformats.org/presentationml/2006/main">
   <p:cSld>
     <p:spTree>
@@ -8295,14 +10224,14 @@
   <p:timing>
     <p:tnLst>
       <p:par>
-        <p:cTn xmlns:p14="http://schemas.microsoft.com/office/powerpoint/2010/main" id="1" dur="indefinite" restart="never" nodeType="tmRoot"/>
+        <p:cTn id="1" dur="indefinite" restart="never" nodeType="tmRoot"/>
       </p:par>
     </p:tnLst>
   </p:timing>
 </p:sld>
 </file>
 
-<file path=ppt/slides/slide17.xml><?xml version="1.0" encoding="utf-8"?>
+<file path=ppt/slides/slide18.xml><?xml version="1.0" encoding="utf-8"?>
 <p:sld xmlns:a="http://schemas.openxmlformats.org/drawingml/2006/main" xmlns:r="http://schemas.openxmlformats.org/officeDocument/2006/relationships" xmlns:p="http://schemas.openxmlformats.org/presentationml/2006/main">
   <p:cSld>
     <p:spTree>
@@ -8505,14 +10434,14 @@
   <p:timing>
     <p:tnLst>
       <p:par>
-        <p:cTn xmlns:p14="http://schemas.microsoft.com/office/powerpoint/2010/main" id="1" dur="indefinite" restart="never" nodeType="tmRoot"/>
+        <p:cTn id="1" dur="indefinite" restart="never" nodeType="tmRoot"/>
       </p:par>
     </p:tnLst>
   </p:timing>
 </p:sld>
 </file>
 
-<file path=ppt/slides/slide18.xml><?xml version="1.0" encoding="utf-8"?>
+<file path=ppt/slides/slide19.xml><?xml version="1.0" encoding="utf-8"?>
 <p:sld xmlns:a="http://schemas.openxmlformats.org/drawingml/2006/main" xmlns:r="http://schemas.openxmlformats.org/officeDocument/2006/relationships" xmlns:p="http://schemas.openxmlformats.org/presentationml/2006/main">
   <p:cSld>
     <p:spTree>
@@ -8658,13 +10587,8 @@
           <a:p>
             <a:r>
               <a:rPr lang="en-US" sz="2400" dirty="0" smtClean="0"/>
-              <a:t>A hex color might look like this: </a:t>
-            </a:r>
-            <a:r>
-              <a:rPr lang="en-US" sz="2400" dirty="0" smtClean="0"/>
-              <a:t>FF00FF </a:t>
-            </a:r>
-            <a:endParaRPr lang="en-US" sz="2400" dirty="0" smtClean="0"/>
+              <a:t>A hex color might look like this: FF00FF </a:t>
+            </a:r>
           </a:p>
         </p:txBody>
       </p:sp>
@@ -9159,7 +11083,7 @@
   <p:timing>
     <p:tnLst>
       <p:par>
-        <p:cTn xmlns:p14="http://schemas.microsoft.com/office/powerpoint/2010/main" id="1" dur="indefinite" restart="never" nodeType="tmRoot">
+        <p:cTn id="1" dur="indefinite" restart="never" nodeType="tmRoot">
           <p:childTnLst>
             <p:seq concurrent="1" nextAc="seek">
               <p:cTn id="2" dur="indefinite" nodeType="mainSeq">
@@ -9404,7 +11328,107 @@
 </p:sld>
 </file>
 
-<file path=ppt/slides/slide19.xml><?xml version="1.0" encoding="utf-8"?>
+<file path=ppt/slides/slide2.xml><?xml version="1.0" encoding="utf-8"?>
+<p:sld xmlns:a="http://schemas.openxmlformats.org/drawingml/2006/main" xmlns:r="http://schemas.openxmlformats.org/officeDocument/2006/relationships" xmlns:p="http://schemas.openxmlformats.org/presentationml/2006/main">
+  <p:cSld>
+    <p:spTree>
+      <p:nvGrpSpPr>
+        <p:cNvPr id="1" name=""/>
+        <p:cNvGrpSpPr/>
+        <p:nvPr/>
+      </p:nvGrpSpPr>
+      <p:grpSpPr>
+        <a:xfrm>
+          <a:off x="0" y="0"/>
+          <a:ext cx="0" cy="0"/>
+          <a:chOff x="0" y="0"/>
+          <a:chExt cx="0" cy="0"/>
+        </a:xfrm>
+      </p:grpSpPr>
+      <p:sp>
+        <p:nvSpPr>
+          <p:cNvPr id="2" name="Title 1"/>
+          <p:cNvSpPr>
+            <a:spLocks noGrp="1"/>
+          </p:cNvSpPr>
+          <p:nvPr>
+            <p:ph type="title"/>
+          </p:nvPr>
+        </p:nvSpPr>
+        <p:spPr/>
+        <p:txBody>
+          <a:bodyPr/>
+          <a:lstStyle/>
+          <a:p>
+            <a:r>
+              <a:rPr lang="en-US" dirty="0" smtClean="0"/>
+              <a:t>Todays Topics</a:t>
+            </a:r>
+            <a:endParaRPr lang="en-US" dirty="0"/>
+          </a:p>
+        </p:txBody>
+      </p:sp>
+      <p:sp>
+        <p:nvSpPr>
+          <p:cNvPr id="3" name="Content Placeholder 2"/>
+          <p:cNvSpPr>
+            <a:spLocks noGrp="1"/>
+          </p:cNvSpPr>
+          <p:nvPr>
+            <p:ph idx="1"/>
+          </p:nvPr>
+        </p:nvSpPr>
+        <p:spPr>
+          <a:xfrm>
+            <a:off x="4596384" y="2130425"/>
+            <a:ext cx="4011168" cy="4351338"/>
+          </a:xfrm>
+        </p:spPr>
+        <p:txBody>
+          <a:bodyPr/>
+          <a:lstStyle/>
+          <a:p>
+            <a:r>
+              <a:rPr lang="en-US" dirty="0" smtClean="0"/>
+              <a:t>File Formats</a:t>
+            </a:r>
+          </a:p>
+          <a:p>
+            <a:r>
+              <a:rPr lang="en-US" dirty="0" smtClean="0"/>
+              <a:t>Text based “open” formats</a:t>
+            </a:r>
+          </a:p>
+          <a:p>
+            <a:r>
+              <a:rPr lang="en-US" dirty="0" smtClean="0"/>
+              <a:t>Image formats</a:t>
+            </a:r>
+            <a:endParaRPr lang="en-US" dirty="0"/>
+          </a:p>
+        </p:txBody>
+      </p:sp>
+    </p:spTree>
+    <p:extLst>
+      <p:ext uri="{BB962C8B-B14F-4D97-AF65-F5344CB8AC3E}">
+        <p14:creationId xmlns:p14="http://schemas.microsoft.com/office/powerpoint/2010/main" val="4075626601"/>
+      </p:ext>
+    </p:extLst>
+  </p:cSld>
+  <p:clrMapOvr>
+    <a:masterClrMapping/>
+  </p:clrMapOvr>
+  <p:timing>
+    <p:tnLst>
+      <p:par>
+        <p:cTn id="1" dur="indefinite" restart="never" nodeType="tmRoot"/>
+      </p:par>
+    </p:tnLst>
+  </p:timing>
+</p:sld>
+</file>
+
+<file path=ppt/slides/slide20.xml><?xml version="1.0" encoding="utf-8"?>
 <p:sld xmlns:a="http://schemas.openxmlformats.org/drawingml/2006/main" xmlns:r="http://schemas.openxmlformats.org/officeDocument/2006/relationships" xmlns:p="http://schemas.openxmlformats.org/presentationml/2006/main">
   <p:cSld>
     <p:spTree>
@@ -9721,15 +11745,7 @@
                   <a:srgbClr val="000000"/>
                 </a:solidFill>
               </a:rPr>
-              <a:t>Approximate </a:t>
-            </a:r>
-            <a:r>
-              <a:rPr lang="en-US" dirty="0" smtClean="0">
-                <a:solidFill>
-                  <a:srgbClr val="000000"/>
-                </a:solidFill>
-              </a:rPr>
-              <a:t>screen color</a:t>
+              <a:t>Approximate screen color</a:t>
             </a:r>
             <a:endParaRPr lang="en-US" dirty="0">
               <a:solidFill>
@@ -9788,14 +11804,14 @@
   <p:timing>
     <p:tnLst>
       <p:par>
-        <p:cTn xmlns:p14="http://schemas.microsoft.com/office/powerpoint/2010/main" id="1" dur="indefinite" restart="never" nodeType="tmRoot"/>
+        <p:cTn id="1" dur="indefinite" restart="never" nodeType="tmRoot"/>
       </p:par>
     </p:tnLst>
   </p:timing>
 </p:sld>
 </file>
 
-<file path=ppt/slides/slide2.xml><?xml version="1.0" encoding="utf-8"?>
+<file path=ppt/slides/slide21.xml><?xml version="1.0" encoding="utf-8"?>
 <p:sld xmlns:a="http://schemas.openxmlformats.org/drawingml/2006/main" xmlns:r="http://schemas.openxmlformats.org/officeDocument/2006/relationships" xmlns:p="http://schemas.openxmlformats.org/presentationml/2006/main">
   <p:cSld>
     <p:spTree>
@@ -9829,106 +11845,6 @@
           <a:p>
             <a:r>
               <a:rPr lang="en-US" dirty="0" smtClean="0"/>
-              <a:t>Todays Topics</a:t>
-            </a:r>
-            <a:endParaRPr lang="en-US" dirty="0"/>
-          </a:p>
-        </p:txBody>
-      </p:sp>
-      <p:sp>
-        <p:nvSpPr>
-          <p:cNvPr id="3" name="Content Placeholder 2"/>
-          <p:cNvSpPr>
-            <a:spLocks noGrp="1"/>
-          </p:cNvSpPr>
-          <p:nvPr>
-            <p:ph idx="1"/>
-          </p:nvPr>
-        </p:nvSpPr>
-        <p:spPr>
-          <a:xfrm>
-            <a:off x="4596384" y="2130425"/>
-            <a:ext cx="4011168" cy="4351338"/>
-          </a:xfrm>
-        </p:spPr>
-        <p:txBody>
-          <a:bodyPr/>
-          <a:lstStyle/>
-          <a:p>
-            <a:r>
-              <a:rPr lang="en-US" dirty="0" smtClean="0"/>
-              <a:t>File Formats</a:t>
-            </a:r>
-          </a:p>
-          <a:p>
-            <a:r>
-              <a:rPr lang="en-US" dirty="0" smtClean="0"/>
-              <a:t>Text based “open” formats</a:t>
-            </a:r>
-          </a:p>
-          <a:p>
-            <a:r>
-              <a:rPr lang="en-US" dirty="0" smtClean="0"/>
-              <a:t>Image formats</a:t>
-            </a:r>
-            <a:endParaRPr lang="en-US" dirty="0"/>
-          </a:p>
-        </p:txBody>
-      </p:sp>
-    </p:spTree>
-    <p:extLst>
-      <p:ext uri="{BB962C8B-B14F-4D97-AF65-F5344CB8AC3E}">
-        <p14:creationId xmlns:p14="http://schemas.microsoft.com/office/powerpoint/2010/main" val="4075626601"/>
-      </p:ext>
-    </p:extLst>
-  </p:cSld>
-  <p:clrMapOvr>
-    <a:masterClrMapping/>
-  </p:clrMapOvr>
-  <p:timing>
-    <p:tnLst>
-      <p:par>
-        <p:cTn xmlns:p14="http://schemas.microsoft.com/office/powerpoint/2010/main" id="1" dur="indefinite" restart="never" nodeType="tmRoot"/>
-      </p:par>
-    </p:tnLst>
-  </p:timing>
-</p:sld>
-</file>
-
-<file path=ppt/slides/slide20.xml><?xml version="1.0" encoding="utf-8"?>
-<p:sld xmlns:a="http://schemas.openxmlformats.org/drawingml/2006/main" xmlns:r="http://schemas.openxmlformats.org/officeDocument/2006/relationships" xmlns:p="http://schemas.openxmlformats.org/presentationml/2006/main">
-  <p:cSld>
-    <p:spTree>
-      <p:nvGrpSpPr>
-        <p:cNvPr id="1" name=""/>
-        <p:cNvGrpSpPr/>
-        <p:nvPr/>
-      </p:nvGrpSpPr>
-      <p:grpSpPr>
-        <a:xfrm>
-          <a:off x="0" y="0"/>
-          <a:ext cx="0" cy="0"/>
-          <a:chOff x="0" y="0"/>
-          <a:chExt cx="0" cy="0"/>
-        </a:xfrm>
-      </p:grpSpPr>
-      <p:sp>
-        <p:nvSpPr>
-          <p:cNvPr id="2" name="Title 1"/>
-          <p:cNvSpPr>
-            <a:spLocks noGrp="1"/>
-          </p:cNvSpPr>
-          <p:nvPr>
-            <p:ph type="title"/>
-          </p:nvPr>
-        </p:nvSpPr>
-        <p:spPr/>
-        <p:txBody>
-          <a:bodyPr/>
-          <a:lstStyle/>
-          <a:p>
-            <a:r>
-              <a:rPr lang="en-US" dirty="0" smtClean="0"/>
               <a:t>Next Week</a:t>
             </a:r>
             <a:endParaRPr lang="en-US" dirty="0"/>
@@ -10075,7 +11991,7 @@
   <p:timing>
     <p:tnLst>
       <p:par>
-        <p:cTn xmlns:p14="http://schemas.microsoft.com/office/powerpoint/2010/main" id="1" dur="indefinite" restart="never" nodeType="tmRoot"/>
+        <p:cTn id="1" dur="indefinite" restart="never" nodeType="tmRoot"/>
       </p:par>
     </p:tnLst>
   </p:timing>
@@ -10116,7 +12032,404 @@
           <a:p>
             <a:r>
               <a:rPr lang="en-US" dirty="0" smtClean="0"/>
-              <a:t>Data Formats</a:t>
+              <a:t>File Formats</a:t>
+            </a:r>
+            <a:endParaRPr lang="en-US" dirty="0"/>
+          </a:p>
+        </p:txBody>
+      </p:sp>
+      <p:sp>
+        <p:nvSpPr>
+          <p:cNvPr id="3" name="Rectangle 2"/>
+          <p:cNvSpPr/>
+          <p:nvPr/>
+        </p:nvSpPr>
+        <p:spPr>
+          <a:xfrm>
+            <a:off x="609600" y="1343431"/>
+            <a:ext cx="10816925" cy="861774"/>
+          </a:xfrm>
+          <a:prstGeom prst="rect">
+            <a:avLst/>
+          </a:prstGeom>
+        </p:spPr>
+        <p:txBody>
+          <a:bodyPr wrap="square">
+            <a:spAutoFit/>
+          </a:bodyPr>
+          <a:lstStyle/>
+          <a:p>
+            <a:r>
+              <a:rPr lang="en-US" dirty="0" smtClean="0"/>
+              <a:t>“A </a:t>
+            </a:r>
+            <a:r>
+              <a:rPr lang="en-US" sz="3200" dirty="0">
+                <a:solidFill>
+                  <a:schemeClr val="accent6">
+                    <a:lumMod val="75000"/>
+                  </a:schemeClr>
+                </a:solidFill>
+              </a:rPr>
+              <a:t>file format </a:t>
+            </a:r>
+            <a:r>
+              <a:rPr lang="en-US" dirty="0"/>
+              <a:t>is a standard way that information is encoded for storage in a computer file. It specifies how bits are used to encode information in a digital storage medium</a:t>
+            </a:r>
+            <a:r>
+              <a:rPr lang="en-US" dirty="0" smtClean="0"/>
+              <a:t>.”    - Wikipedia</a:t>
+            </a:r>
+            <a:endParaRPr lang="en-US" dirty="0"/>
+          </a:p>
+        </p:txBody>
+      </p:sp>
+      <p:grpSp>
+        <p:nvGrpSpPr>
+          <p:cNvPr id="9" name="Group 8"/>
+          <p:cNvGrpSpPr/>
+          <p:nvPr/>
+        </p:nvGrpSpPr>
+        <p:grpSpPr>
+          <a:xfrm>
+            <a:off x="-31247" y="3001679"/>
+            <a:ext cx="5833001" cy="1362103"/>
+            <a:chOff x="526003" y="3001678"/>
+            <a:chExt cx="4374751" cy="1362103"/>
+          </a:xfrm>
+        </p:grpSpPr>
+        <p:sp>
+          <p:nvSpPr>
+            <p:cNvPr id="4" name="TextBox 3"/>
+            <p:cNvSpPr txBox="1"/>
+            <p:nvPr/>
+          </p:nvSpPr>
+          <p:spPr>
+            <a:xfrm>
+              <a:off x="526003" y="3655895"/>
+              <a:ext cx="4374751" cy="707886"/>
+            </a:xfrm>
+            <a:prstGeom prst="rect">
+              <a:avLst/>
+            </a:prstGeom>
+            <a:noFill/>
+          </p:spPr>
+          <p:txBody>
+            <a:bodyPr wrap="square" rtlCol="0">
+              <a:spAutoFit/>
+            </a:bodyPr>
+            <a:lstStyle/>
+            <a:p>
+              <a:pPr algn="ctr"/>
+              <a:r>
+                <a:rPr lang="en-US" sz="2000" dirty="0" smtClean="0"/>
+                <a:t>Qualitative, tabular</a:t>
+              </a:r>
+            </a:p>
+            <a:p>
+              <a:pPr algn="ctr"/>
+              <a:r>
+                <a:rPr lang="en-US" sz="2000" dirty="0" smtClean="0"/>
+                <a:t>experimental data</a:t>
+              </a:r>
+              <a:endParaRPr lang="en-US" sz="2000" dirty="0"/>
+            </a:p>
+          </p:txBody>
+        </p:sp>
+        <p:sp>
+          <p:nvSpPr>
+            <p:cNvPr id="5" name="TextBox 4"/>
+            <p:cNvSpPr txBox="1"/>
+            <p:nvPr/>
+          </p:nvSpPr>
+          <p:spPr>
+            <a:xfrm>
+              <a:off x="1199535" y="3001678"/>
+              <a:ext cx="3027687" cy="584776"/>
+            </a:xfrm>
+            <a:prstGeom prst="rect">
+              <a:avLst/>
+            </a:prstGeom>
+            <a:noFill/>
+          </p:spPr>
+          <p:txBody>
+            <a:bodyPr wrap="square" rtlCol="0">
+              <a:spAutoFit/>
+            </a:bodyPr>
+            <a:lstStyle/>
+            <a:p>
+              <a:pPr algn="ctr"/>
+              <a:r>
+                <a:rPr lang="en-US" sz="3200" dirty="0" smtClean="0">
+                  <a:solidFill>
+                    <a:schemeClr val="accent4">
+                      <a:lumMod val="50000"/>
+                    </a:schemeClr>
+                  </a:solidFill>
+                </a:rPr>
+                <a:t>Data type</a:t>
+              </a:r>
+            </a:p>
+          </p:txBody>
+        </p:sp>
+      </p:grpSp>
+      <p:grpSp>
+        <p:nvGrpSpPr>
+          <p:cNvPr id="10" name="Group 10"/>
+          <p:cNvGrpSpPr/>
+          <p:nvPr/>
+        </p:nvGrpSpPr>
+        <p:grpSpPr>
+          <a:xfrm>
+            <a:off x="6075435" y="3001679"/>
+            <a:ext cx="5180931" cy="2593209"/>
+            <a:chOff x="5106015" y="3001678"/>
+            <a:chExt cx="3885698" cy="2593209"/>
+          </a:xfrm>
+        </p:grpSpPr>
+        <p:sp>
+          <p:nvSpPr>
+            <p:cNvPr id="6" name="TextBox 5"/>
+            <p:cNvSpPr txBox="1"/>
+            <p:nvPr/>
+          </p:nvSpPr>
+          <p:spPr>
+            <a:xfrm>
+              <a:off x="5106015" y="3655895"/>
+              <a:ext cx="3885698" cy="1938992"/>
+            </a:xfrm>
+            <a:prstGeom prst="rect">
+              <a:avLst/>
+            </a:prstGeom>
+            <a:noFill/>
+          </p:spPr>
+          <p:txBody>
+            <a:bodyPr wrap="square" rtlCol="0">
+              <a:spAutoFit/>
+            </a:bodyPr>
+            <a:lstStyle/>
+            <a:p>
+              <a:pPr algn="ctr"/>
+              <a:r>
+                <a:rPr lang="en-US" sz="2000" dirty="0" smtClean="0"/>
+                <a:t>Excel spreadsheet (.</a:t>
+              </a:r>
+              <a:r>
+                <a:rPr lang="en-US" sz="2000" dirty="0" err="1" smtClean="0"/>
+                <a:t>xlsx</a:t>
+              </a:r>
+              <a:r>
+                <a:rPr lang="en-US" sz="2000" dirty="0" smtClean="0"/>
+                <a:t>)</a:t>
+              </a:r>
+            </a:p>
+            <a:p>
+              <a:pPr algn="ctr"/>
+              <a:r>
+                <a:rPr lang="en-US" sz="2000" dirty="0" smtClean="0"/>
+                <a:t>Comma-delimited text (.</a:t>
+              </a:r>
+              <a:r>
+                <a:rPr lang="en-US" sz="2000" dirty="0" err="1" smtClean="0"/>
+                <a:t>csv</a:t>
+              </a:r>
+              <a:r>
+                <a:rPr lang="en-US" sz="2000" dirty="0" smtClean="0"/>
+                <a:t>)</a:t>
+              </a:r>
+              <a:endParaRPr lang="en-US" sz="2000" dirty="0"/>
+            </a:p>
+            <a:p>
+              <a:pPr algn="ctr"/>
+              <a:r>
+                <a:rPr lang="en-US" sz="2000" dirty="0" smtClean="0"/>
+                <a:t>Access database (.</a:t>
+              </a:r>
+              <a:r>
+                <a:rPr lang="en-US" sz="2000" dirty="0" err="1" smtClean="0"/>
+                <a:t>mdb</a:t>
+              </a:r>
+              <a:r>
+                <a:rPr lang="en-US" sz="2000" dirty="0" smtClean="0"/>
+                <a:t>/,</a:t>
+              </a:r>
+              <a:r>
+                <a:rPr lang="en-US" sz="2000" dirty="0" err="1" smtClean="0"/>
+                <a:t>accdb</a:t>
+              </a:r>
+              <a:r>
+                <a:rPr lang="en-US" sz="2000" dirty="0" smtClean="0"/>
+                <a:t>)</a:t>
+              </a:r>
+            </a:p>
+            <a:p>
+              <a:pPr algn="ctr"/>
+              <a:r>
+                <a:rPr lang="en-US" sz="2000" dirty="0" smtClean="0"/>
+                <a:t>Google Spreadsheet</a:t>
+              </a:r>
+            </a:p>
+            <a:p>
+              <a:pPr algn="ctr"/>
+              <a:r>
+                <a:rPr lang="en-US" sz="2000" dirty="0" smtClean="0"/>
+                <a:t>SPSS portable file (.</a:t>
+              </a:r>
+              <a:r>
+                <a:rPr lang="en-US" sz="2000" dirty="0" err="1" smtClean="0"/>
+                <a:t>por</a:t>
+              </a:r>
+              <a:r>
+                <a:rPr lang="en-US" sz="2000" dirty="0" smtClean="0"/>
+                <a:t>)</a:t>
+              </a:r>
+            </a:p>
+            <a:p>
+              <a:pPr algn="ctr"/>
+              <a:r>
+                <a:rPr lang="en-US" sz="2000" dirty="0" smtClean="0"/>
+                <a:t>XML file</a:t>
+              </a:r>
+              <a:endParaRPr lang="en-US" sz="2000" dirty="0"/>
+            </a:p>
+          </p:txBody>
+        </p:sp>
+        <p:sp>
+          <p:nvSpPr>
+            <p:cNvPr id="7" name="TextBox 6"/>
+            <p:cNvSpPr txBox="1"/>
+            <p:nvPr/>
+          </p:nvSpPr>
+          <p:spPr>
+            <a:xfrm>
+              <a:off x="5535021" y="3001678"/>
+              <a:ext cx="3027687" cy="584776"/>
+            </a:xfrm>
+            <a:prstGeom prst="rect">
+              <a:avLst/>
+            </a:prstGeom>
+            <a:noFill/>
+          </p:spPr>
+          <p:txBody>
+            <a:bodyPr wrap="square" rtlCol="0">
+              <a:spAutoFit/>
+            </a:bodyPr>
+            <a:lstStyle/>
+            <a:p>
+              <a:pPr algn="ctr"/>
+              <a:r>
+                <a:rPr lang="en-US" sz="3200" dirty="0" smtClean="0">
+                  <a:solidFill>
+                    <a:schemeClr val="accent4">
+                      <a:lumMod val="50000"/>
+                    </a:schemeClr>
+                  </a:solidFill>
+                </a:rPr>
+                <a:t>Possible formats</a:t>
+              </a:r>
+            </a:p>
+          </p:txBody>
+        </p:sp>
+      </p:grpSp>
+      <p:sp>
+        <p:nvSpPr>
+          <p:cNvPr id="8" name="Left Brace 7"/>
+          <p:cNvSpPr/>
+          <p:nvPr/>
+        </p:nvSpPr>
+        <p:spPr>
+          <a:xfrm>
+            <a:off x="5749400" y="3732864"/>
+            <a:ext cx="378389" cy="1882370"/>
+          </a:xfrm>
+          <a:prstGeom prst="leftBrace">
+            <a:avLst/>
+          </a:prstGeom>
+          <a:ln>
+            <a:solidFill>
+              <a:srgbClr val="000000"/>
+            </a:solidFill>
+          </a:ln>
+        </p:spPr>
+        <p:style>
+          <a:lnRef idx="2">
+            <a:schemeClr val="accent1"/>
+          </a:lnRef>
+          <a:fillRef idx="0">
+            <a:schemeClr val="accent1"/>
+          </a:fillRef>
+          <a:effectRef idx="1">
+            <a:schemeClr val="accent1"/>
+          </a:effectRef>
+          <a:fontRef idx="minor">
+            <a:schemeClr val="tx1"/>
+          </a:fontRef>
+        </p:style>
+        <p:txBody>
+          <a:bodyPr rtlCol="0" anchor="ctr"/>
+          <a:lstStyle/>
+          <a:p>
+            <a:pPr algn="ctr"/>
+            <a:endParaRPr lang="en-US"/>
+          </a:p>
+        </p:txBody>
+      </p:sp>
+    </p:spTree>
+    <p:extLst>
+      <p:ext uri="{BB962C8B-B14F-4D97-AF65-F5344CB8AC3E}">
+        <p14:creationId xmlns:p14="http://schemas.microsoft.com/office/powerpoint/2010/main" val="3413138357"/>
+      </p:ext>
+    </p:extLst>
+  </p:cSld>
+  <p:clrMapOvr>
+    <a:masterClrMapping/>
+  </p:clrMapOvr>
+  <p:timing>
+    <p:tnLst>
+      <p:par>
+        <p:cTn id="1" dur="indefinite" restart="never" nodeType="tmRoot"/>
+      </p:par>
+    </p:tnLst>
+  </p:timing>
+</p:sld>
+</file>
+
+<file path=ppt/slides/slide4.xml><?xml version="1.0" encoding="utf-8"?>
+<p:sld xmlns:a="http://schemas.openxmlformats.org/drawingml/2006/main" xmlns:r="http://schemas.openxmlformats.org/officeDocument/2006/relationships" xmlns:p="http://schemas.openxmlformats.org/presentationml/2006/main">
+  <p:cSld>
+    <p:spTree>
+      <p:nvGrpSpPr>
+        <p:cNvPr id="1" name=""/>
+        <p:cNvGrpSpPr/>
+        <p:nvPr/>
+      </p:nvGrpSpPr>
+      <p:grpSpPr>
+        <a:xfrm>
+          <a:off x="0" y="0"/>
+          <a:ext cx="0" cy="0"/>
+          <a:chOff x="0" y="0"/>
+          <a:chExt cx="0" cy="0"/>
+        </a:xfrm>
+      </p:grpSpPr>
+      <p:sp>
+        <p:nvSpPr>
+          <p:cNvPr id="2" name="Title 1"/>
+          <p:cNvSpPr>
+            <a:spLocks noGrp="1"/>
+          </p:cNvSpPr>
+          <p:nvPr>
+            <p:ph type="title"/>
+          </p:nvPr>
+        </p:nvSpPr>
+        <p:spPr/>
+        <p:txBody>
+          <a:bodyPr/>
+          <a:lstStyle/>
+          <a:p>
+            <a:r>
+              <a:rPr lang="en-US" dirty="0" smtClean="0"/>
+              <a:t>File Formats</a:t>
             </a:r>
             <a:endParaRPr lang="en-US" dirty="0"/>
           </a:p>
@@ -10357,7 +12670,15 @@
               <a:t>Stat:		</a:t>
             </a:r>
             <a:r>
-              <a:rPr lang="en-US" sz="2000" dirty="0" err="1"/>
+              <a:rPr lang="en-US" sz="2000" dirty="0" err="1" smtClean="0"/>
+              <a:t>spss</a:t>
+            </a:r>
+            <a:r>
+              <a:rPr lang="en-US" sz="2000" dirty="0" smtClean="0"/>
+              <a:t>, </a:t>
+            </a:r>
+            <a:r>
+              <a:rPr lang="en-US" sz="2000" dirty="0" err="1" smtClean="0"/>
               <a:t>sas</a:t>
             </a:r>
             <a:r>
@@ -10510,14 +12831,14 @@
   <p:timing>
     <p:tnLst>
       <p:par>
-        <p:cTn xmlns:p14="http://schemas.microsoft.com/office/powerpoint/2010/main" id="1" dur="indefinite" restart="never" nodeType="tmRoot"/>
+        <p:cTn id="1" dur="indefinite" restart="never" nodeType="tmRoot"/>
       </p:par>
     </p:tnLst>
   </p:timing>
 </p:sld>
 </file>
 
-<file path=ppt/slides/slide4.xml><?xml version="1.0" encoding="utf-8"?>
+<file path=ppt/slides/slide5.xml><?xml version="1.0" encoding="utf-8"?>
 <p:sld xmlns:a="http://schemas.openxmlformats.org/drawingml/2006/main" xmlns:r="http://schemas.openxmlformats.org/officeDocument/2006/relationships" xmlns:p="http://schemas.openxmlformats.org/presentationml/2006/main">
   <p:cSld>
     <p:spTree>
@@ -10551,7 +12872,7 @@
           <a:p>
             <a:r>
               <a:rPr lang="en-US" dirty="0" smtClean="0"/>
-              <a:t>Data Formats</a:t>
+              <a:t>File Formats</a:t>
             </a:r>
             <a:endParaRPr lang="en-US" dirty="0"/>
           </a:p>
@@ -11091,7 +13412,19 @@
               <a:t>Stat:		</a:t>
             </a:r>
             <a:r>
-              <a:rPr lang="en-US" sz="2000" dirty="0" err="1">
+              <a:rPr lang="en-US" sz="2000" dirty="0" err="1" smtClean="0">
+                <a:solidFill>
+                  <a:srgbClr val="FF0000"/>
+                </a:solidFill>
+              </a:rPr>
+              <a:t>spss</a:t>
+            </a:r>
+            <a:r>
+              <a:rPr lang="en-US" sz="2000" dirty="0" smtClean="0"/>
+              <a:t>, </a:t>
+            </a:r>
+            <a:r>
+              <a:rPr lang="en-US" sz="2000" dirty="0" err="1" smtClean="0">
                 <a:solidFill>
                   <a:srgbClr val="FF0000"/>
                 </a:solidFill>
@@ -11494,14 +13827,14 @@
   <p:timing>
     <p:tnLst>
       <p:par>
-        <p:cTn xmlns:p14="http://schemas.microsoft.com/office/powerpoint/2010/main" id="1" dur="indefinite" restart="never" nodeType="tmRoot"/>
+        <p:cTn id="1" dur="indefinite" restart="never" nodeType="tmRoot"/>
       </p:par>
     </p:tnLst>
   </p:timing>
 </p:sld>
 </file>
 
-<file path=ppt/slides/slide5.xml><?xml version="1.0" encoding="utf-8"?>
+<file path=ppt/slides/slide6.xml><?xml version="1.0" encoding="utf-8"?>
 <p:sld xmlns:a="http://schemas.openxmlformats.org/drawingml/2006/main" xmlns:r="http://schemas.openxmlformats.org/officeDocument/2006/relationships" xmlns:p="http://schemas.openxmlformats.org/presentationml/2006/main">
   <p:cSld>
     <p:spTree>
@@ -11535,7 +13868,7 @@
           <a:p>
             <a:r>
               <a:rPr lang="en-US" dirty="0" smtClean="0"/>
-              <a:t>Data Formats</a:t>
+              <a:t>File Formats</a:t>
             </a:r>
             <a:endParaRPr lang="en-US" dirty="0"/>
           </a:p>
@@ -11911,7 +14244,19 @@
               <a:t>Stat:		</a:t>
             </a:r>
             <a:r>
-              <a:rPr lang="en-US" sz="2000" dirty="0" err="1">
+              <a:rPr lang="en-US" sz="2000" dirty="0" err="1" smtClean="0">
+                <a:solidFill>
+                  <a:srgbClr val="FF0000"/>
+                </a:solidFill>
+              </a:rPr>
+              <a:t>spss</a:t>
+            </a:r>
+            <a:r>
+              <a:rPr lang="en-US" sz="2000" dirty="0" smtClean="0"/>
+              <a:t>, </a:t>
+            </a:r>
+            <a:r>
+              <a:rPr lang="en-US" sz="2000" dirty="0" err="1" smtClean="0">
                 <a:solidFill>
                   <a:srgbClr val="FF0000"/>
                 </a:solidFill>
@@ -12380,1851 +14725,9 @@
   <p:timing>
     <p:tnLst>
       <p:par>
-        <p:cTn xmlns:p14="http://schemas.microsoft.com/office/powerpoint/2010/main" id="1" dur="indefinite" restart="never" nodeType="tmRoot">
-          <p:childTnLst>
-            <p:seq concurrent="1" nextAc="seek">
-              <p:cTn id="2" dur="indefinite" nodeType="mainSeq">
-                <p:childTnLst>
-                  <p:par>
-                    <p:cTn id="3" fill="hold">
-                      <p:stCondLst>
-                        <p:cond delay="indefinite"/>
-                      </p:stCondLst>
-                      <p:childTnLst>
-                        <p:par>
-                          <p:cTn id="4" fill="hold">
-                            <p:stCondLst>
-                              <p:cond delay="0"/>
-                            </p:stCondLst>
-                            <p:childTnLst>
-                              <p:par>
-                                <p:cTn id="5" presetID="10" presetClass="entr" presetSubtype="0" fill="hold" grpId="0" nodeType="clickEffect">
-                                  <p:stCondLst>
-                                    <p:cond delay="0"/>
-                                  </p:stCondLst>
-                                  <p:childTnLst>
-                                    <p:set>
-                                      <p:cBhvr>
-                                        <p:cTn id="6" dur="1" fill="hold">
-                                          <p:stCondLst>
-                                            <p:cond delay="0"/>
-                                          </p:stCondLst>
-                                        </p:cTn>
-                                        <p:tgtEl>
-                                          <p:spTgt spid="5"/>
-                                        </p:tgtEl>
-                                        <p:attrNameLst>
-                                          <p:attrName>style.visibility</p:attrName>
-                                        </p:attrNameLst>
-                                      </p:cBhvr>
-                                      <p:to>
-                                        <p:strVal val="visible"/>
-                                      </p:to>
-                                    </p:set>
-                                    <p:animEffect transition="in" filter="fade">
-                                      <p:cBhvr>
-                                        <p:cTn id="7" dur="2000"/>
-                                        <p:tgtEl>
-                                          <p:spTgt spid="5"/>
-                                        </p:tgtEl>
-                                      </p:cBhvr>
-                                    </p:animEffect>
-                                  </p:childTnLst>
-                                </p:cTn>
-                              </p:par>
-                            </p:childTnLst>
-                          </p:cTn>
-                        </p:par>
-                      </p:childTnLst>
-                    </p:cTn>
-                  </p:par>
-                  <p:par>
-                    <p:cTn id="8" fill="hold">
-                      <p:stCondLst>
-                        <p:cond delay="indefinite"/>
-                      </p:stCondLst>
-                      <p:childTnLst>
-                        <p:par>
-                          <p:cTn id="9" fill="hold">
-                            <p:stCondLst>
-                              <p:cond delay="0"/>
-                            </p:stCondLst>
-                            <p:childTnLst>
-                              <p:par>
-                                <p:cTn id="10" presetID="10" presetClass="entr" presetSubtype="0" fill="hold" grpId="0" nodeType="clickEffect">
-                                  <p:stCondLst>
-                                    <p:cond delay="0"/>
-                                  </p:stCondLst>
-                                  <p:childTnLst>
-                                    <p:set>
-                                      <p:cBhvr>
-                                        <p:cTn id="11" dur="1" fill="hold">
-                                          <p:stCondLst>
-                                            <p:cond delay="0"/>
-                                          </p:stCondLst>
-                                        </p:cTn>
-                                        <p:tgtEl>
-                                          <p:spTgt spid="7"/>
-                                        </p:tgtEl>
-                                        <p:attrNameLst>
-                                          <p:attrName>style.visibility</p:attrName>
-                                        </p:attrNameLst>
-                                      </p:cBhvr>
-                                      <p:to>
-                                        <p:strVal val="visible"/>
-                                      </p:to>
-                                    </p:set>
-                                    <p:animEffect transition="in" filter="fade">
-                                      <p:cBhvr>
-                                        <p:cTn id="12" dur="2000"/>
-                                        <p:tgtEl>
-                                          <p:spTgt spid="7"/>
-                                        </p:tgtEl>
-                                      </p:cBhvr>
-                                    </p:animEffect>
-                                  </p:childTnLst>
-                                </p:cTn>
-                              </p:par>
-                              <p:par>
-                                <p:cTn id="13" presetID="10" presetClass="entr" presetSubtype="0" fill="hold" grpId="0" nodeType="withEffect">
-                                  <p:stCondLst>
-                                    <p:cond delay="0"/>
-                                  </p:stCondLst>
-                                  <p:childTnLst>
-                                    <p:set>
-                                      <p:cBhvr>
-                                        <p:cTn id="14" dur="1" fill="hold">
-                                          <p:stCondLst>
-                                            <p:cond delay="0"/>
-                                          </p:stCondLst>
-                                        </p:cTn>
-                                        <p:tgtEl>
-                                          <p:spTgt spid="6">
-                                            <p:txEl>
-                                              <p:pRg st="0" end="0"/>
-                                            </p:txEl>
-                                          </p:spTgt>
-                                        </p:tgtEl>
-                                        <p:attrNameLst>
-                                          <p:attrName>style.visibility</p:attrName>
-                                        </p:attrNameLst>
-                                      </p:cBhvr>
-                                      <p:to>
-                                        <p:strVal val="visible"/>
-                                      </p:to>
-                                    </p:set>
-                                    <p:animEffect transition="in" filter="fade">
-                                      <p:cBhvr>
-                                        <p:cTn id="15" dur="500"/>
-                                        <p:tgtEl>
-                                          <p:spTgt spid="6">
-                                            <p:txEl>
-                                              <p:pRg st="0" end="0"/>
-                                            </p:txEl>
-                                          </p:spTgt>
-                                        </p:tgtEl>
-                                      </p:cBhvr>
-                                    </p:animEffect>
-                                  </p:childTnLst>
-                                </p:cTn>
-                              </p:par>
-                              <p:par>
-                                <p:cTn id="16" presetID="10" presetClass="entr" presetSubtype="0" fill="hold" grpId="0" nodeType="withEffect">
-                                  <p:stCondLst>
-                                    <p:cond delay="0"/>
-                                  </p:stCondLst>
-                                  <p:childTnLst>
-                                    <p:set>
-                                      <p:cBhvr>
-                                        <p:cTn id="17" dur="1" fill="hold">
-                                          <p:stCondLst>
-                                            <p:cond delay="0"/>
-                                          </p:stCondLst>
-                                        </p:cTn>
-                                        <p:tgtEl>
-                                          <p:spTgt spid="6">
-                                            <p:txEl>
-                                              <p:pRg st="1" end="1"/>
-                                            </p:txEl>
-                                          </p:spTgt>
-                                        </p:tgtEl>
-                                        <p:attrNameLst>
-                                          <p:attrName>style.visibility</p:attrName>
-                                        </p:attrNameLst>
-                                      </p:cBhvr>
-                                      <p:to>
-                                        <p:strVal val="visible"/>
-                                      </p:to>
-                                    </p:set>
-                                    <p:animEffect transition="in" filter="fade">
-                                      <p:cBhvr>
-                                        <p:cTn id="18" dur="500"/>
-                                        <p:tgtEl>
-                                          <p:spTgt spid="6">
-                                            <p:txEl>
-                                              <p:pRg st="1" end="1"/>
-                                            </p:txEl>
-                                          </p:spTgt>
-                                        </p:tgtEl>
-                                      </p:cBhvr>
-                                    </p:animEffect>
-                                  </p:childTnLst>
-                                </p:cTn>
-                              </p:par>
-                              <p:par>
-                                <p:cTn id="19" presetID="10" presetClass="entr" presetSubtype="0" fill="hold" grpId="0" nodeType="withEffect">
-                                  <p:stCondLst>
-                                    <p:cond delay="0"/>
-                                  </p:stCondLst>
-                                  <p:childTnLst>
-                                    <p:set>
-                                      <p:cBhvr>
-                                        <p:cTn id="20" dur="1" fill="hold">
-                                          <p:stCondLst>
-                                            <p:cond delay="0"/>
-                                          </p:stCondLst>
-                                        </p:cTn>
-                                        <p:tgtEl>
-                                          <p:spTgt spid="6">
-                                            <p:txEl>
-                                              <p:pRg st="2" end="2"/>
-                                            </p:txEl>
-                                          </p:spTgt>
-                                        </p:tgtEl>
-                                        <p:attrNameLst>
-                                          <p:attrName>style.visibility</p:attrName>
-                                        </p:attrNameLst>
-                                      </p:cBhvr>
-                                      <p:to>
-                                        <p:strVal val="visible"/>
-                                      </p:to>
-                                    </p:set>
-                                    <p:animEffect transition="in" filter="fade">
-                                      <p:cBhvr>
-                                        <p:cTn id="21" dur="500"/>
-                                        <p:tgtEl>
-                                          <p:spTgt spid="6">
-                                            <p:txEl>
-                                              <p:pRg st="2" end="2"/>
-                                            </p:txEl>
-                                          </p:spTgt>
-                                        </p:tgtEl>
-                                      </p:cBhvr>
-                                    </p:animEffect>
-                                  </p:childTnLst>
-                                </p:cTn>
-                              </p:par>
-                              <p:par>
-                                <p:cTn id="22" presetID="10" presetClass="entr" presetSubtype="0" fill="hold" grpId="0" nodeType="withEffect">
-                                  <p:stCondLst>
-                                    <p:cond delay="0"/>
-                                  </p:stCondLst>
-                                  <p:childTnLst>
-                                    <p:set>
-                                      <p:cBhvr>
-                                        <p:cTn id="23" dur="1" fill="hold">
-                                          <p:stCondLst>
-                                            <p:cond delay="0"/>
-                                          </p:stCondLst>
-                                        </p:cTn>
-                                        <p:tgtEl>
-                                          <p:spTgt spid="6">
-                                            <p:txEl>
-                                              <p:pRg st="3" end="3"/>
-                                            </p:txEl>
-                                          </p:spTgt>
-                                        </p:tgtEl>
-                                        <p:attrNameLst>
-                                          <p:attrName>style.visibility</p:attrName>
-                                        </p:attrNameLst>
-                                      </p:cBhvr>
-                                      <p:to>
-                                        <p:strVal val="visible"/>
-                                      </p:to>
-                                    </p:set>
-                                    <p:animEffect transition="in" filter="fade">
-                                      <p:cBhvr>
-                                        <p:cTn id="24" dur="500"/>
-                                        <p:tgtEl>
-                                          <p:spTgt spid="6">
-                                            <p:txEl>
-                                              <p:pRg st="3" end="3"/>
-                                            </p:txEl>
-                                          </p:spTgt>
-                                        </p:tgtEl>
-                                      </p:cBhvr>
-                                    </p:animEffect>
-                                  </p:childTnLst>
-                                </p:cTn>
-                              </p:par>
-                              <p:par>
-                                <p:cTn id="25" presetID="10" presetClass="entr" presetSubtype="0" fill="hold" grpId="0" nodeType="withEffect">
-                                  <p:stCondLst>
-                                    <p:cond delay="0"/>
-                                  </p:stCondLst>
-                                  <p:childTnLst>
-                                    <p:set>
-                                      <p:cBhvr>
-                                        <p:cTn id="26" dur="1" fill="hold">
-                                          <p:stCondLst>
-                                            <p:cond delay="0"/>
-                                          </p:stCondLst>
-                                        </p:cTn>
-                                        <p:tgtEl>
-                                          <p:spTgt spid="6">
-                                            <p:txEl>
-                                              <p:pRg st="4" end="4"/>
-                                            </p:txEl>
-                                          </p:spTgt>
-                                        </p:tgtEl>
-                                        <p:attrNameLst>
-                                          <p:attrName>style.visibility</p:attrName>
-                                        </p:attrNameLst>
-                                      </p:cBhvr>
-                                      <p:to>
-                                        <p:strVal val="visible"/>
-                                      </p:to>
-                                    </p:set>
-                                    <p:animEffect transition="in" filter="fade">
-                                      <p:cBhvr>
-                                        <p:cTn id="27" dur="500"/>
-                                        <p:tgtEl>
-                                          <p:spTgt spid="6">
-                                            <p:txEl>
-                                              <p:pRg st="4" end="4"/>
-                                            </p:txEl>
-                                          </p:spTgt>
-                                        </p:tgtEl>
-                                      </p:cBhvr>
-                                    </p:animEffect>
-                                  </p:childTnLst>
-                                </p:cTn>
-                              </p:par>
-                              <p:par>
-                                <p:cTn id="28" presetID="10" presetClass="entr" presetSubtype="0" fill="hold" grpId="0" nodeType="withEffect">
-                                  <p:stCondLst>
-                                    <p:cond delay="0"/>
-                                  </p:stCondLst>
-                                  <p:childTnLst>
-                                    <p:set>
-                                      <p:cBhvr>
-                                        <p:cTn id="29" dur="1" fill="hold">
-                                          <p:stCondLst>
-                                            <p:cond delay="0"/>
-                                          </p:stCondLst>
-                                        </p:cTn>
-                                        <p:tgtEl>
-                                          <p:spTgt spid="6">
-                                            <p:txEl>
-                                              <p:pRg st="5" end="5"/>
-                                            </p:txEl>
-                                          </p:spTgt>
-                                        </p:tgtEl>
-                                        <p:attrNameLst>
-                                          <p:attrName>style.visibility</p:attrName>
-                                        </p:attrNameLst>
-                                      </p:cBhvr>
-                                      <p:to>
-                                        <p:strVal val="visible"/>
-                                      </p:to>
-                                    </p:set>
-                                    <p:animEffect transition="in" filter="fade">
-                                      <p:cBhvr>
-                                        <p:cTn id="30" dur="500"/>
-                                        <p:tgtEl>
-                                          <p:spTgt spid="6">
-                                            <p:txEl>
-                                              <p:pRg st="5" end="5"/>
-                                            </p:txEl>
-                                          </p:spTgt>
-                                        </p:tgtEl>
-                                      </p:cBhvr>
-                                    </p:animEffect>
-                                  </p:childTnLst>
-                                </p:cTn>
-                              </p:par>
-                              <p:par>
-                                <p:cTn id="31" presetID="10" presetClass="entr" presetSubtype="0" fill="hold" grpId="0" nodeType="withEffect">
-                                  <p:stCondLst>
-                                    <p:cond delay="0"/>
-                                  </p:stCondLst>
-                                  <p:childTnLst>
-                                    <p:set>
-                                      <p:cBhvr>
-                                        <p:cTn id="32" dur="1" fill="hold">
-                                          <p:stCondLst>
-                                            <p:cond delay="0"/>
-                                          </p:stCondLst>
-                                        </p:cTn>
-                                        <p:tgtEl>
-                                          <p:spTgt spid="6">
-                                            <p:txEl>
-                                              <p:pRg st="6" end="6"/>
-                                            </p:txEl>
-                                          </p:spTgt>
-                                        </p:tgtEl>
-                                        <p:attrNameLst>
-                                          <p:attrName>style.visibility</p:attrName>
-                                        </p:attrNameLst>
-                                      </p:cBhvr>
-                                      <p:to>
-                                        <p:strVal val="visible"/>
-                                      </p:to>
-                                    </p:set>
-                                    <p:animEffect transition="in" filter="fade">
-                                      <p:cBhvr>
-                                        <p:cTn id="33" dur="500"/>
-                                        <p:tgtEl>
-                                          <p:spTgt spid="6">
-                                            <p:txEl>
-                                              <p:pRg st="6" end="6"/>
-                                            </p:txEl>
-                                          </p:spTgt>
-                                        </p:tgtEl>
-                                      </p:cBhvr>
-                                    </p:animEffect>
-                                  </p:childTnLst>
-                                </p:cTn>
-                              </p:par>
-                              <p:par>
-                                <p:cTn id="34" presetID="10" presetClass="entr" presetSubtype="0" fill="hold" grpId="0" nodeType="withEffect">
-                                  <p:stCondLst>
-                                    <p:cond delay="0"/>
-                                  </p:stCondLst>
-                                  <p:childTnLst>
-                                    <p:set>
-                                      <p:cBhvr>
-                                        <p:cTn id="35" dur="1" fill="hold">
-                                          <p:stCondLst>
-                                            <p:cond delay="0"/>
-                                          </p:stCondLst>
-                                        </p:cTn>
-                                        <p:tgtEl>
-                                          <p:spTgt spid="6">
-                                            <p:txEl>
-                                              <p:pRg st="7" end="7"/>
-                                            </p:txEl>
-                                          </p:spTgt>
-                                        </p:tgtEl>
-                                        <p:attrNameLst>
-                                          <p:attrName>style.visibility</p:attrName>
-                                        </p:attrNameLst>
-                                      </p:cBhvr>
-                                      <p:to>
-                                        <p:strVal val="visible"/>
-                                      </p:to>
-                                    </p:set>
-                                    <p:animEffect transition="in" filter="fade">
-                                      <p:cBhvr>
-                                        <p:cTn id="36" dur="500"/>
-                                        <p:tgtEl>
-                                          <p:spTgt spid="6">
-                                            <p:txEl>
-                                              <p:pRg st="7" end="7"/>
-                                            </p:txEl>
-                                          </p:spTgt>
-                                        </p:tgtEl>
-                                      </p:cBhvr>
-                                    </p:animEffect>
-                                  </p:childTnLst>
-                                </p:cTn>
-                              </p:par>
-                            </p:childTnLst>
-                          </p:cTn>
-                        </p:par>
-                      </p:childTnLst>
-                    </p:cTn>
-                  </p:par>
-                </p:childTnLst>
-              </p:cTn>
-              <p:prevCondLst>
-                <p:cond evt="onPrev" delay="0">
-                  <p:tgtEl>
-                    <p:sldTgt/>
-                  </p:tgtEl>
-                </p:cond>
-              </p:prevCondLst>
-              <p:nextCondLst>
-                <p:cond evt="onNext" delay="0">
-                  <p:tgtEl>
-                    <p:sldTgt/>
-                  </p:tgtEl>
-                </p:cond>
-              </p:nextCondLst>
-            </p:seq>
-          </p:childTnLst>
-        </p:cTn>
+        <p:cTn id="1" dur="indefinite" restart="never" nodeType="tmRoot"/>
       </p:par>
     </p:tnLst>
-    <p:bldLst>
-      <p:bldP spid="5" grpId="0"/>
-      <p:bldP spid="6" grpId="0" build="p"/>
-      <p:bldP spid="7" grpId="0"/>
-    </p:bldLst>
-  </p:timing>
-</p:sld>
-</file>
-
-<file path=ppt/slides/slide6.xml><?xml version="1.0" encoding="utf-8"?>
-<p:sld xmlns:a="http://schemas.openxmlformats.org/drawingml/2006/main" xmlns:r="http://schemas.openxmlformats.org/officeDocument/2006/relationships" xmlns:p="http://schemas.openxmlformats.org/presentationml/2006/main">
-  <p:cSld>
-    <p:spTree>
-      <p:nvGrpSpPr>
-        <p:cNvPr id="1" name=""/>
-        <p:cNvGrpSpPr/>
-        <p:nvPr/>
-      </p:nvGrpSpPr>
-      <p:grpSpPr>
-        <a:xfrm>
-          <a:off x="0" y="0"/>
-          <a:ext cx="0" cy="0"/>
-          <a:chOff x="0" y="0"/>
-          <a:chExt cx="0" cy="0"/>
-        </a:xfrm>
-      </p:grpSpPr>
-      <p:sp>
-        <p:nvSpPr>
-          <p:cNvPr id="2" name="Title 1"/>
-          <p:cNvSpPr>
-            <a:spLocks noGrp="1"/>
-          </p:cNvSpPr>
-          <p:nvPr>
-            <p:ph type="title"/>
-          </p:nvPr>
-        </p:nvSpPr>
-        <p:spPr/>
-        <p:txBody>
-          <a:bodyPr/>
-          <a:lstStyle/>
-          <a:p>
-            <a:r>
-              <a:rPr lang="en-US" dirty="0" smtClean="0"/>
-              <a:t>Preferred Formats</a:t>
-            </a:r>
-            <a:endParaRPr lang="en-US" dirty="0"/>
-          </a:p>
-        </p:txBody>
-      </p:sp>
-      <p:sp>
-        <p:nvSpPr>
-          <p:cNvPr id="5" name="Content Placeholder 2"/>
-          <p:cNvSpPr txBox="1">
-            <a:spLocks/>
-          </p:cNvSpPr>
-          <p:nvPr/>
-        </p:nvSpPr>
-        <p:spPr>
-          <a:xfrm>
-            <a:off x="7153276" y="1851970"/>
-            <a:ext cx="2935502" cy="1488419"/>
-          </a:xfrm>
-          <a:prstGeom prst="rect">
-            <a:avLst/>
-          </a:prstGeom>
-        </p:spPr>
-        <p:txBody>
-          <a:bodyPr vert="horz" lIns="91440" tIns="45720" rIns="91440" bIns="45720" rtlCol="0">
-            <a:normAutofit/>
-          </a:bodyPr>
-          <a:lstStyle>
-            <a:lvl1pPr marL="228600" indent="-228600" algn="l" defTabSz="914400" rtl="0" eaLnBrk="1" latinLnBrk="0" hangingPunct="1">
-              <a:lnSpc>
-                <a:spcPct val="90000"/>
-              </a:lnSpc>
-              <a:spcBef>
-                <a:spcPts val="1000"/>
-              </a:spcBef>
-              <a:buFont typeface="Arial" panose="020B0604020202020204" pitchFamily="34" charset="0"/>
-              <a:buChar char="•"/>
-              <a:defRPr sz="2400" kern="1200">
-                <a:solidFill>
-                  <a:schemeClr val="tx1"/>
-                </a:solidFill>
-                <a:latin typeface="+mn-lt"/>
-                <a:ea typeface="+mn-ea"/>
-                <a:cs typeface="+mn-cs"/>
-              </a:defRPr>
-            </a:lvl1pPr>
-            <a:lvl2pPr marL="685800" indent="-228600" algn="l" defTabSz="914400" rtl="0" eaLnBrk="1" latinLnBrk="0" hangingPunct="1">
-              <a:lnSpc>
-                <a:spcPct val="90000"/>
-              </a:lnSpc>
-              <a:spcBef>
-                <a:spcPts val="500"/>
-              </a:spcBef>
-              <a:buFont typeface="Arial" panose="020B0604020202020204" pitchFamily="34" charset="0"/>
-              <a:buChar char="•"/>
-              <a:defRPr sz="2000" kern="1200">
-                <a:solidFill>
-                  <a:schemeClr val="tx1"/>
-                </a:solidFill>
-                <a:latin typeface="+mn-lt"/>
-                <a:ea typeface="+mn-ea"/>
-                <a:cs typeface="+mn-cs"/>
-              </a:defRPr>
-            </a:lvl2pPr>
-            <a:lvl3pPr marL="1143000" indent="-228600" algn="l" defTabSz="914400" rtl="0" eaLnBrk="1" latinLnBrk="0" hangingPunct="1">
-              <a:lnSpc>
-                <a:spcPct val="90000"/>
-              </a:lnSpc>
-              <a:spcBef>
-                <a:spcPts val="500"/>
-              </a:spcBef>
-              <a:buFont typeface="Arial" panose="020B0604020202020204" pitchFamily="34" charset="0"/>
-              <a:buChar char="•"/>
-              <a:defRPr sz="1800" kern="1200">
-                <a:solidFill>
-                  <a:schemeClr val="tx1"/>
-                </a:solidFill>
-                <a:latin typeface="+mn-lt"/>
-                <a:ea typeface="+mn-ea"/>
-                <a:cs typeface="+mn-cs"/>
-              </a:defRPr>
-            </a:lvl3pPr>
-            <a:lvl4pPr marL="1600200" indent="-228600" algn="l" defTabSz="914400" rtl="0" eaLnBrk="1" latinLnBrk="0" hangingPunct="1">
-              <a:lnSpc>
-                <a:spcPct val="90000"/>
-              </a:lnSpc>
-              <a:spcBef>
-                <a:spcPts val="500"/>
-              </a:spcBef>
-              <a:buFont typeface="Arial" panose="020B0604020202020204" pitchFamily="34" charset="0"/>
-              <a:buChar char="•"/>
-              <a:defRPr sz="1600" kern="1200">
-                <a:solidFill>
-                  <a:schemeClr val="tx1"/>
-                </a:solidFill>
-                <a:latin typeface="+mn-lt"/>
-                <a:ea typeface="+mn-ea"/>
-                <a:cs typeface="+mn-cs"/>
-              </a:defRPr>
-            </a:lvl4pPr>
-            <a:lvl5pPr marL="2057400" indent="-228600" algn="l" defTabSz="914400" rtl="0" eaLnBrk="1" latinLnBrk="0" hangingPunct="1">
-              <a:lnSpc>
-                <a:spcPct val="90000"/>
-              </a:lnSpc>
-              <a:spcBef>
-                <a:spcPts val="500"/>
-              </a:spcBef>
-              <a:buFont typeface="Arial" panose="020B0604020202020204" pitchFamily="34" charset="0"/>
-              <a:buChar char="•"/>
-              <a:defRPr sz="1600" kern="1200">
-                <a:solidFill>
-                  <a:schemeClr val="tx1"/>
-                </a:solidFill>
-                <a:latin typeface="+mn-lt"/>
-                <a:ea typeface="+mn-ea"/>
-                <a:cs typeface="+mn-cs"/>
-              </a:defRPr>
-            </a:lvl5pPr>
-            <a:lvl6pPr marL="2514600" indent="-228600" algn="l" defTabSz="914400" rtl="0" eaLnBrk="1" latinLnBrk="0" hangingPunct="1">
-              <a:lnSpc>
-                <a:spcPct val="90000"/>
-              </a:lnSpc>
-              <a:spcBef>
-                <a:spcPts val="500"/>
-              </a:spcBef>
-              <a:buFont typeface="Arial" panose="020B0604020202020204" pitchFamily="34" charset="0"/>
-              <a:buChar char="•"/>
-              <a:defRPr sz="1800" kern="1200">
-                <a:solidFill>
-                  <a:schemeClr val="tx1"/>
-                </a:solidFill>
-                <a:latin typeface="+mn-lt"/>
-                <a:ea typeface="+mn-ea"/>
-                <a:cs typeface="+mn-cs"/>
-              </a:defRPr>
-            </a:lvl6pPr>
-            <a:lvl7pPr marL="2971800" indent="-228600" algn="l" defTabSz="914400" rtl="0" eaLnBrk="1" latinLnBrk="0" hangingPunct="1">
-              <a:lnSpc>
-                <a:spcPct val="90000"/>
-              </a:lnSpc>
-              <a:spcBef>
-                <a:spcPts val="500"/>
-              </a:spcBef>
-              <a:buFont typeface="Arial" panose="020B0604020202020204" pitchFamily="34" charset="0"/>
-              <a:buChar char="•"/>
-              <a:defRPr sz="1800" kern="1200">
-                <a:solidFill>
-                  <a:schemeClr val="tx1"/>
-                </a:solidFill>
-                <a:latin typeface="+mn-lt"/>
-                <a:ea typeface="+mn-ea"/>
-                <a:cs typeface="+mn-cs"/>
-              </a:defRPr>
-            </a:lvl7pPr>
-            <a:lvl8pPr marL="3429000" indent="-228600" algn="l" defTabSz="914400" rtl="0" eaLnBrk="1" latinLnBrk="0" hangingPunct="1">
-              <a:lnSpc>
-                <a:spcPct val="90000"/>
-              </a:lnSpc>
-              <a:spcBef>
-                <a:spcPts val="500"/>
-              </a:spcBef>
-              <a:buFont typeface="Arial" panose="020B0604020202020204" pitchFamily="34" charset="0"/>
-              <a:buChar char="•"/>
-              <a:defRPr sz="1800" kern="1200">
-                <a:solidFill>
-                  <a:schemeClr val="tx1"/>
-                </a:solidFill>
-                <a:latin typeface="+mn-lt"/>
-                <a:ea typeface="+mn-ea"/>
-                <a:cs typeface="+mn-cs"/>
-              </a:defRPr>
-            </a:lvl8pPr>
-            <a:lvl9pPr marL="3886200" indent="-228600" algn="l" defTabSz="914400" rtl="0" eaLnBrk="1" latinLnBrk="0" hangingPunct="1">
-              <a:lnSpc>
-                <a:spcPct val="90000"/>
-              </a:lnSpc>
-              <a:spcBef>
-                <a:spcPts val="500"/>
-              </a:spcBef>
-              <a:buFont typeface="Arial" panose="020B0604020202020204" pitchFamily="34" charset="0"/>
-              <a:buChar char="•"/>
-              <a:defRPr sz="1800" kern="1200">
-                <a:solidFill>
-                  <a:schemeClr val="tx1"/>
-                </a:solidFill>
-                <a:latin typeface="+mn-lt"/>
-                <a:ea typeface="+mn-ea"/>
-                <a:cs typeface="+mn-cs"/>
-              </a:defRPr>
-            </a:lvl9pPr>
-          </a:lstStyle>
-          <a:p>
-            <a:pPr marL="0" indent="0">
-              <a:buNone/>
-            </a:pPr>
-            <a:r>
-              <a:rPr lang="en-US" dirty="0"/>
-              <a:t>General formats</a:t>
-            </a:r>
-          </a:p>
-          <a:p>
-            <a:pPr lvl="1"/>
-            <a:r>
-              <a:rPr lang="en-US" dirty="0">
-                <a:solidFill>
-                  <a:srgbClr val="FF0000"/>
-                </a:solidFill>
-              </a:rPr>
-              <a:t>proprietary</a:t>
-            </a:r>
-          </a:p>
-          <a:p>
-            <a:pPr lvl="1"/>
-            <a:r>
-              <a:rPr lang="en-US" dirty="0"/>
-              <a:t>mixed </a:t>
-            </a:r>
-          </a:p>
-          <a:p>
-            <a:pPr lvl="1"/>
-            <a:r>
-              <a:rPr lang="en-US" dirty="0">
-                <a:solidFill>
-                  <a:schemeClr val="accent6">
-                    <a:lumMod val="75000"/>
-                  </a:schemeClr>
-                </a:solidFill>
-              </a:rPr>
-              <a:t>open</a:t>
-            </a:r>
-            <a:r>
-              <a:rPr lang="en-US" dirty="0"/>
-              <a:t> </a:t>
-            </a:r>
-          </a:p>
-          <a:p>
-            <a:pPr marL="0" indent="0">
-              <a:buNone/>
-            </a:pPr>
-            <a:endParaRPr lang="en-US" dirty="0"/>
-          </a:p>
-          <a:p>
-            <a:pPr marL="0" indent="0">
-              <a:buNone/>
-            </a:pPr>
-            <a:endParaRPr lang="en-US" dirty="0"/>
-          </a:p>
-        </p:txBody>
-      </p:sp>
-      <p:sp>
-        <p:nvSpPr>
-          <p:cNvPr id="6" name="Content Placeholder 5"/>
-          <p:cNvSpPr>
-            <a:spLocks noGrp="1"/>
-          </p:cNvSpPr>
-          <p:nvPr>
-            <p:ph sz="half" idx="1"/>
-          </p:nvPr>
-        </p:nvSpPr>
-        <p:spPr>
-          <a:xfrm>
-            <a:off x="2320238" y="1851969"/>
-            <a:ext cx="4827630" cy="3397400"/>
-          </a:xfrm>
-        </p:spPr>
-        <p:txBody>
-          <a:bodyPr>
-            <a:normAutofit/>
-          </a:bodyPr>
-          <a:lstStyle/>
-          <a:p>
-            <a:r>
-              <a:rPr lang="en-US" sz="2000" dirty="0"/>
-              <a:t>Text: 		</a:t>
-            </a:r>
-            <a:r>
-              <a:rPr lang="en-US" sz="2000" dirty="0">
-                <a:solidFill>
-                  <a:srgbClr val="FF0000"/>
-                </a:solidFill>
-              </a:rPr>
-              <a:t>doc</a:t>
-            </a:r>
-            <a:r>
-              <a:rPr lang="en-US" sz="2000" dirty="0"/>
-              <a:t>, </a:t>
-            </a:r>
-            <a:r>
-              <a:rPr lang="en-US" sz="2000" dirty="0" err="1"/>
-              <a:t>docx</a:t>
-            </a:r>
-            <a:r>
-              <a:rPr lang="en-US" sz="2000" dirty="0"/>
-              <a:t>, </a:t>
-            </a:r>
-            <a:r>
-              <a:rPr lang="en-US" sz="2000" dirty="0">
-                <a:solidFill>
-                  <a:schemeClr val="accent6">
-                    <a:lumMod val="75000"/>
-                  </a:schemeClr>
-                </a:solidFill>
-              </a:rPr>
-              <a:t>rtf</a:t>
-            </a:r>
-            <a:r>
-              <a:rPr lang="en-US" sz="2000" dirty="0"/>
-              <a:t>, </a:t>
-            </a:r>
-            <a:r>
-              <a:rPr lang="en-US" sz="2000" dirty="0" err="1">
-                <a:solidFill>
-                  <a:schemeClr val="accent6">
-                    <a:lumMod val="75000"/>
-                  </a:schemeClr>
-                </a:solidFill>
-              </a:rPr>
-              <a:t>odt</a:t>
-            </a:r>
-            <a:r>
-              <a:rPr lang="en-US" sz="2000" dirty="0"/>
-              <a:t>, </a:t>
-            </a:r>
-            <a:r>
-              <a:rPr lang="en-US" sz="2000" dirty="0">
-                <a:solidFill>
-                  <a:srgbClr val="FF0000"/>
-                </a:solidFill>
-              </a:rPr>
-              <a:t>pages</a:t>
-            </a:r>
-          </a:p>
-          <a:p>
-            <a:r>
-              <a:rPr lang="en-US" sz="2000" dirty="0"/>
-              <a:t>Tabular: 	</a:t>
-            </a:r>
-            <a:r>
-              <a:rPr lang="en-US" sz="2000" dirty="0" err="1">
-                <a:solidFill>
-                  <a:srgbClr val="FF0000"/>
-                </a:solidFill>
-              </a:rPr>
-              <a:t>xls</a:t>
-            </a:r>
-            <a:r>
-              <a:rPr lang="en-US" sz="2000" dirty="0"/>
-              <a:t>, </a:t>
-            </a:r>
-            <a:r>
-              <a:rPr lang="en-US" sz="2000" dirty="0" err="1"/>
-              <a:t>xlsx</a:t>
-            </a:r>
-            <a:r>
-              <a:rPr lang="en-US" sz="2000" dirty="0"/>
-              <a:t>, </a:t>
-            </a:r>
-            <a:r>
-              <a:rPr lang="en-US" sz="2000" dirty="0">
-                <a:solidFill>
-                  <a:srgbClr val="FF0000"/>
-                </a:solidFill>
-              </a:rPr>
-              <a:t>numbers</a:t>
-            </a:r>
-            <a:r>
-              <a:rPr lang="en-US" sz="2000" dirty="0"/>
-              <a:t>, dbf</a:t>
-            </a:r>
-          </a:p>
-          <a:p>
-            <a:r>
-              <a:rPr lang="en-US" sz="2000" dirty="0"/>
-              <a:t>Stat:		</a:t>
-            </a:r>
-            <a:r>
-              <a:rPr lang="en-US" sz="2000" dirty="0" err="1">
-                <a:solidFill>
-                  <a:srgbClr val="FF0000"/>
-                </a:solidFill>
-              </a:rPr>
-              <a:t>sas</a:t>
-            </a:r>
-            <a:r>
-              <a:rPr lang="en-US" sz="2000" dirty="0"/>
-              <a:t>, </a:t>
-            </a:r>
-            <a:r>
-              <a:rPr lang="en-US" sz="2000" dirty="0" err="1">
-                <a:solidFill>
-                  <a:schemeClr val="accent6">
-                    <a:lumMod val="75000"/>
-                  </a:schemeClr>
-                </a:solidFill>
-              </a:rPr>
-              <a:t>jmp</a:t>
-            </a:r>
-            <a:r>
-              <a:rPr lang="en-US" sz="2000" dirty="0"/>
-              <a:t>,</a:t>
-            </a:r>
-            <a:r>
-              <a:rPr lang="en-US" sz="2000" dirty="0">
-                <a:solidFill>
-                  <a:schemeClr val="accent6">
-                    <a:lumMod val="75000"/>
-                  </a:schemeClr>
-                </a:solidFill>
-              </a:rPr>
-              <a:t> </a:t>
-            </a:r>
-            <a:r>
-              <a:rPr lang="en-US" sz="2000" dirty="0" err="1">
-                <a:solidFill>
-                  <a:schemeClr val="accent6">
-                    <a:lumMod val="75000"/>
-                  </a:schemeClr>
-                </a:solidFill>
-              </a:rPr>
-              <a:t>rdata</a:t>
-            </a:r>
-            <a:endParaRPr lang="en-US" sz="2000" dirty="0">
-              <a:solidFill>
-                <a:schemeClr val="accent6">
-                  <a:lumMod val="75000"/>
-                </a:schemeClr>
-              </a:solidFill>
-            </a:endParaRPr>
-          </a:p>
-          <a:p>
-            <a:r>
-              <a:rPr lang="en-US" sz="2000" dirty="0"/>
-              <a:t>Images: 	</a:t>
-            </a:r>
-            <a:r>
-              <a:rPr lang="en-US" sz="2000" u="sng" dirty="0"/>
-              <a:t>jpg</a:t>
-            </a:r>
-            <a:r>
-              <a:rPr lang="en-US" sz="2000" dirty="0"/>
-              <a:t>, </a:t>
-            </a:r>
-            <a:r>
-              <a:rPr lang="en-US" sz="2000" dirty="0">
-                <a:solidFill>
-                  <a:schemeClr val="accent6">
-                    <a:lumMod val="75000"/>
-                  </a:schemeClr>
-                </a:solidFill>
-              </a:rPr>
-              <a:t>tiff</a:t>
-            </a:r>
-            <a:r>
-              <a:rPr lang="en-US" sz="2000" dirty="0"/>
-              <a:t>, </a:t>
-            </a:r>
-            <a:r>
-              <a:rPr lang="en-US" sz="2000" dirty="0" err="1">
-                <a:solidFill>
-                  <a:schemeClr val="accent6">
-                    <a:lumMod val="75000"/>
-                  </a:schemeClr>
-                </a:solidFill>
-              </a:rPr>
-              <a:t>svg</a:t>
-            </a:r>
-            <a:r>
-              <a:rPr lang="en-US" sz="2000" dirty="0"/>
-              <a:t>, </a:t>
-            </a:r>
-            <a:r>
-              <a:rPr lang="en-US" sz="2000" dirty="0" err="1">
-                <a:solidFill>
-                  <a:schemeClr val="accent6">
-                    <a:lumMod val="75000"/>
-                  </a:schemeClr>
-                </a:solidFill>
-              </a:rPr>
-              <a:t>png</a:t>
-            </a:r>
-            <a:r>
-              <a:rPr lang="en-US" sz="2000" dirty="0"/>
-              <a:t>, </a:t>
-            </a:r>
-            <a:r>
-              <a:rPr lang="en-US" sz="2000" u="sng" dirty="0">
-                <a:solidFill>
-                  <a:srgbClr val="FF0000"/>
-                </a:solidFill>
-              </a:rPr>
-              <a:t>gif</a:t>
-            </a:r>
-            <a:r>
-              <a:rPr lang="en-US" sz="2000" dirty="0"/>
-              <a:t>, </a:t>
-            </a:r>
-            <a:r>
-              <a:rPr lang="en-US" sz="2000" u="sng" dirty="0">
-                <a:solidFill>
-                  <a:schemeClr val="accent6">
-                    <a:lumMod val="75000"/>
-                  </a:schemeClr>
-                </a:solidFill>
-              </a:rPr>
-              <a:t>bmp</a:t>
-            </a:r>
-          </a:p>
-          <a:p>
-            <a:r>
-              <a:rPr lang="en-US" sz="2000" dirty="0"/>
-              <a:t>Geographic:	</a:t>
-            </a:r>
-            <a:r>
-              <a:rPr lang="en-US" sz="2000" dirty="0" err="1">
-                <a:solidFill>
-                  <a:srgbClr val="FF0000"/>
-                </a:solidFill>
-              </a:rPr>
-              <a:t>shp</a:t>
-            </a:r>
-            <a:r>
-              <a:rPr lang="en-US" sz="2000" dirty="0"/>
-              <a:t>, </a:t>
-            </a:r>
-            <a:r>
-              <a:rPr lang="en-US" sz="2000" dirty="0" err="1">
-                <a:solidFill>
-                  <a:schemeClr val="accent6">
-                    <a:lumMod val="75000"/>
-                  </a:schemeClr>
-                </a:solidFill>
-              </a:rPr>
-              <a:t>geotiff</a:t>
-            </a:r>
-            <a:r>
-              <a:rPr lang="en-US" sz="2000" dirty="0"/>
-              <a:t>, </a:t>
-            </a:r>
-            <a:r>
-              <a:rPr lang="en-US" sz="2000" dirty="0" err="1">
-                <a:solidFill>
-                  <a:schemeClr val="accent6">
-                    <a:lumMod val="75000"/>
-                  </a:schemeClr>
-                </a:solidFill>
-              </a:rPr>
-              <a:t>kml</a:t>
-            </a:r>
-            <a:r>
-              <a:rPr lang="en-US" sz="2000" dirty="0"/>
-              <a:t>, </a:t>
-            </a:r>
-            <a:r>
-              <a:rPr lang="en-US" sz="2000" dirty="0" err="1">
-                <a:solidFill>
-                  <a:schemeClr val="accent6">
-                    <a:lumMod val="75000"/>
-                  </a:schemeClr>
-                </a:solidFill>
-              </a:rPr>
-              <a:t>kmz</a:t>
-            </a:r>
-            <a:r>
-              <a:rPr lang="en-US" sz="2000" dirty="0"/>
-              <a:t>, </a:t>
-            </a:r>
-            <a:r>
-              <a:rPr lang="en-US" sz="2000" dirty="0" err="1">
-                <a:solidFill>
-                  <a:srgbClr val="FF0000"/>
-                </a:solidFill>
-              </a:rPr>
-              <a:t>gdb</a:t>
-            </a:r>
-            <a:endParaRPr lang="en-US" sz="2000" dirty="0">
-              <a:solidFill>
-                <a:srgbClr val="FF0000"/>
-              </a:solidFill>
-            </a:endParaRPr>
-          </a:p>
-          <a:p>
-            <a:r>
-              <a:rPr lang="en-US" sz="2000" dirty="0"/>
-              <a:t>Video:		</a:t>
-            </a:r>
-            <a:r>
-              <a:rPr lang="en-US" sz="2000" i="1" dirty="0">
-                <a:solidFill>
-                  <a:schemeClr val="accent6">
-                    <a:lumMod val="75000"/>
-                  </a:schemeClr>
-                </a:solidFill>
-              </a:rPr>
-              <a:t>mp4</a:t>
-            </a:r>
-            <a:r>
-              <a:rPr lang="en-US" sz="2000" dirty="0"/>
-              <a:t>, </a:t>
-            </a:r>
-            <a:r>
-              <a:rPr lang="en-US" sz="2000" i="1" dirty="0" err="1">
-                <a:solidFill>
-                  <a:srgbClr val="FF0000"/>
-                </a:solidFill>
-              </a:rPr>
-              <a:t>mov</a:t>
-            </a:r>
-            <a:r>
-              <a:rPr lang="en-US" sz="2000" dirty="0"/>
-              <a:t>, </a:t>
-            </a:r>
-            <a:r>
-              <a:rPr lang="en-US" sz="2000" i="1" dirty="0" err="1">
-                <a:solidFill>
-                  <a:srgbClr val="FF0000"/>
-                </a:solidFill>
-              </a:rPr>
-              <a:t>avi</a:t>
-            </a:r>
-            <a:r>
-              <a:rPr lang="en-US" sz="2000" dirty="0"/>
-              <a:t>, </a:t>
-            </a:r>
-            <a:r>
-              <a:rPr lang="en-US" sz="2000" i="1" u="sng" dirty="0" err="1">
-                <a:solidFill>
-                  <a:schemeClr val="accent6">
-                    <a:lumMod val="75000"/>
-                  </a:schemeClr>
-                </a:solidFill>
-              </a:rPr>
-              <a:t>ogg</a:t>
-            </a:r>
-            <a:endParaRPr lang="en-US" sz="2000" i="1" u="sng" dirty="0">
-              <a:solidFill>
-                <a:schemeClr val="accent6">
-                  <a:lumMod val="75000"/>
-                </a:schemeClr>
-              </a:solidFill>
-            </a:endParaRPr>
-          </a:p>
-          <a:p>
-            <a:r>
-              <a:rPr lang="en-US" sz="2000" dirty="0"/>
-              <a:t>Music:	</a:t>
-            </a:r>
-            <a:r>
-              <a:rPr lang="en-US" sz="2000" u="sng" dirty="0">
-                <a:solidFill>
-                  <a:schemeClr val="accent6">
-                    <a:lumMod val="75000"/>
-                  </a:schemeClr>
-                </a:solidFill>
-              </a:rPr>
-              <a:t>mp3</a:t>
-            </a:r>
-            <a:r>
-              <a:rPr lang="en-US" sz="2000" dirty="0"/>
-              <a:t>, </a:t>
-            </a:r>
-            <a:r>
-              <a:rPr lang="en-US" sz="2000" i="1" dirty="0">
-                <a:solidFill>
-                  <a:srgbClr val="FF0000"/>
-                </a:solidFill>
-              </a:rPr>
-              <a:t>wav</a:t>
-            </a:r>
-            <a:r>
-              <a:rPr lang="en-US" sz="2000" i="1" dirty="0"/>
-              <a:t>,</a:t>
-            </a:r>
-            <a:r>
-              <a:rPr lang="en-US" sz="2000" dirty="0"/>
-              <a:t> </a:t>
-            </a:r>
-            <a:r>
-              <a:rPr lang="en-US" sz="2000" i="1" dirty="0">
-                <a:solidFill>
-                  <a:schemeClr val="accent6">
-                    <a:lumMod val="75000"/>
-                  </a:schemeClr>
-                </a:solidFill>
-              </a:rPr>
-              <a:t>m4a</a:t>
-            </a:r>
-            <a:r>
-              <a:rPr lang="en-US" sz="2000" i="1" dirty="0"/>
-              <a:t>, </a:t>
-            </a:r>
-            <a:r>
-              <a:rPr lang="en-US" sz="2000" i="1" dirty="0" err="1">
-                <a:solidFill>
-                  <a:srgbClr val="FF0000"/>
-                </a:solidFill>
-              </a:rPr>
-              <a:t>aiff</a:t>
-            </a:r>
-            <a:endParaRPr lang="en-US" sz="2000" i="1" dirty="0">
-              <a:solidFill>
-                <a:srgbClr val="FF0000"/>
-              </a:solidFill>
-            </a:endParaRPr>
-          </a:p>
-          <a:p>
-            <a:r>
-              <a:rPr lang="en-US" sz="2000" dirty="0"/>
-              <a:t>Plain text:	</a:t>
-            </a:r>
-            <a:r>
-              <a:rPr lang="en-US" sz="2000" dirty="0">
-                <a:solidFill>
-                  <a:schemeClr val="accent6">
-                    <a:lumMod val="75000"/>
-                  </a:schemeClr>
-                </a:solidFill>
-              </a:rPr>
-              <a:t>txt</a:t>
-            </a:r>
-            <a:r>
-              <a:rPr lang="en-US" sz="2000" dirty="0"/>
-              <a:t>, </a:t>
-            </a:r>
-            <a:r>
-              <a:rPr lang="en-US" sz="2000" dirty="0">
-                <a:solidFill>
-                  <a:schemeClr val="accent6">
-                    <a:lumMod val="75000"/>
-                  </a:schemeClr>
-                </a:solidFill>
-              </a:rPr>
-              <a:t>csv</a:t>
-            </a:r>
-            <a:r>
-              <a:rPr lang="en-US" sz="2000" dirty="0"/>
-              <a:t>, </a:t>
-            </a:r>
-            <a:r>
-              <a:rPr lang="en-US" sz="2000" dirty="0" err="1">
-                <a:solidFill>
-                  <a:schemeClr val="accent6">
-                    <a:lumMod val="75000"/>
-                  </a:schemeClr>
-                </a:solidFill>
-              </a:rPr>
-              <a:t>json</a:t>
-            </a:r>
-            <a:r>
-              <a:rPr lang="en-US" sz="2000" dirty="0"/>
-              <a:t>, </a:t>
-            </a:r>
-            <a:r>
-              <a:rPr lang="en-US" sz="2000" dirty="0">
-                <a:solidFill>
-                  <a:schemeClr val="accent6">
-                    <a:lumMod val="75000"/>
-                  </a:schemeClr>
-                </a:solidFill>
-              </a:rPr>
-              <a:t>html</a:t>
-            </a:r>
-            <a:r>
-              <a:rPr lang="en-US" sz="2000" dirty="0"/>
-              <a:t>, </a:t>
-            </a:r>
-            <a:r>
-              <a:rPr lang="en-US" sz="2000" dirty="0">
-                <a:solidFill>
-                  <a:schemeClr val="accent6">
-                    <a:lumMod val="75000"/>
-                  </a:schemeClr>
-                </a:solidFill>
-              </a:rPr>
-              <a:t>xml </a:t>
-            </a:r>
-          </a:p>
-        </p:txBody>
-      </p:sp>
-      <p:sp>
-        <p:nvSpPr>
-          <p:cNvPr id="7" name="Rectangle 6"/>
-          <p:cNvSpPr/>
-          <p:nvPr/>
-        </p:nvSpPr>
-        <p:spPr>
-          <a:xfrm>
-            <a:off x="7153276" y="3641822"/>
-            <a:ext cx="2402616" cy="1384995"/>
-          </a:xfrm>
-          <a:prstGeom prst="rect">
-            <a:avLst/>
-          </a:prstGeom>
-        </p:spPr>
-        <p:txBody>
-          <a:bodyPr wrap="square">
-            <a:spAutoFit/>
-          </a:bodyPr>
-          <a:lstStyle/>
-          <a:p>
-            <a:r>
-              <a:rPr lang="en-US" sz="2400" dirty="0"/>
-              <a:t>Compression</a:t>
-            </a:r>
-          </a:p>
-          <a:p>
-            <a:pPr lvl="1"/>
-            <a:r>
-              <a:rPr lang="en-US" sz="2000" u="sng" dirty="0" err="1"/>
-              <a:t>lossy</a:t>
-            </a:r>
-            <a:endParaRPr lang="en-US" sz="2000" u="sng" dirty="0"/>
-          </a:p>
-          <a:p>
-            <a:pPr lvl="1"/>
-            <a:r>
-              <a:rPr lang="en-US" sz="2000" i="1" dirty="0"/>
-              <a:t>depends</a:t>
-            </a:r>
-            <a:r>
-              <a:rPr lang="en-US" sz="2000" dirty="0"/>
-              <a:t> </a:t>
-            </a:r>
-          </a:p>
-          <a:p>
-            <a:pPr lvl="1"/>
-            <a:r>
-              <a:rPr lang="en-US" sz="2000" dirty="0"/>
-              <a:t>lossless</a:t>
-            </a:r>
-          </a:p>
-        </p:txBody>
-      </p:sp>
-    </p:spTree>
-    <p:extLst>
-      <p:ext uri="{BB962C8B-B14F-4D97-AF65-F5344CB8AC3E}">
-        <p14:creationId xmlns:p14="http://schemas.microsoft.com/office/powerpoint/2010/main" val="496957928"/>
-      </p:ext>
-    </p:extLst>
-  </p:cSld>
-  <p:clrMapOvr>
-    <a:masterClrMapping/>
-  </p:clrMapOvr>
-  <p:timing>
-    <p:tnLst>
-      <p:par>
-        <p:cTn xmlns:p14="http://schemas.microsoft.com/office/powerpoint/2010/main" id="1" dur="indefinite" restart="never" nodeType="tmRoot">
-          <p:childTnLst>
-            <p:seq concurrent="1" nextAc="seek">
-              <p:cTn id="2" dur="indefinite" nodeType="mainSeq">
-                <p:childTnLst>
-                  <p:par>
-                    <p:cTn id="3" fill="hold">
-                      <p:stCondLst>
-                        <p:cond delay="indefinite"/>
-                      </p:stCondLst>
-                      <p:childTnLst>
-                        <p:par>
-                          <p:cTn id="4" fill="hold">
-                            <p:stCondLst>
-                              <p:cond delay="0"/>
-                            </p:stCondLst>
-                            <p:childTnLst>
-                              <p:par>
-                                <p:cTn id="5" presetID="10" presetClass="entr" presetSubtype="0" fill="hold" grpId="0" nodeType="clickEffect">
-                                  <p:stCondLst>
-                                    <p:cond delay="0"/>
-                                  </p:stCondLst>
-                                  <p:childTnLst>
-                                    <p:set>
-                                      <p:cBhvr>
-                                        <p:cTn id="6" dur="1" fill="hold">
-                                          <p:stCondLst>
-                                            <p:cond delay="0"/>
-                                          </p:stCondLst>
-                                        </p:cTn>
-                                        <p:tgtEl>
-                                          <p:spTgt spid="5"/>
-                                        </p:tgtEl>
-                                        <p:attrNameLst>
-                                          <p:attrName>style.visibility</p:attrName>
-                                        </p:attrNameLst>
-                                      </p:cBhvr>
-                                      <p:to>
-                                        <p:strVal val="visible"/>
-                                      </p:to>
-                                    </p:set>
-                                    <p:animEffect transition="in" filter="fade">
-                                      <p:cBhvr>
-                                        <p:cTn id="7" dur="2000"/>
-                                        <p:tgtEl>
-                                          <p:spTgt spid="5"/>
-                                        </p:tgtEl>
-                                      </p:cBhvr>
-                                    </p:animEffect>
-                                  </p:childTnLst>
-                                </p:cTn>
-                              </p:par>
-                            </p:childTnLst>
-                          </p:cTn>
-                        </p:par>
-                      </p:childTnLst>
-                    </p:cTn>
-                  </p:par>
-                  <p:par>
-                    <p:cTn id="8" fill="hold">
-                      <p:stCondLst>
-                        <p:cond delay="indefinite"/>
-                      </p:stCondLst>
-                      <p:childTnLst>
-                        <p:par>
-                          <p:cTn id="9" fill="hold">
-                            <p:stCondLst>
-                              <p:cond delay="0"/>
-                            </p:stCondLst>
-                            <p:childTnLst>
-                              <p:par>
-                                <p:cTn id="10" presetID="10" presetClass="entr" presetSubtype="0" fill="hold" grpId="0" nodeType="clickEffect">
-                                  <p:stCondLst>
-                                    <p:cond delay="0"/>
-                                  </p:stCondLst>
-                                  <p:childTnLst>
-                                    <p:set>
-                                      <p:cBhvr>
-                                        <p:cTn id="11" dur="1" fill="hold">
-                                          <p:stCondLst>
-                                            <p:cond delay="0"/>
-                                          </p:stCondLst>
-                                        </p:cTn>
-                                        <p:tgtEl>
-                                          <p:spTgt spid="7"/>
-                                        </p:tgtEl>
-                                        <p:attrNameLst>
-                                          <p:attrName>style.visibility</p:attrName>
-                                        </p:attrNameLst>
-                                      </p:cBhvr>
-                                      <p:to>
-                                        <p:strVal val="visible"/>
-                                      </p:to>
-                                    </p:set>
-                                    <p:animEffect transition="in" filter="fade">
-                                      <p:cBhvr>
-                                        <p:cTn id="12" dur="2000"/>
-                                        <p:tgtEl>
-                                          <p:spTgt spid="7"/>
-                                        </p:tgtEl>
-                                      </p:cBhvr>
-                                    </p:animEffect>
-                                  </p:childTnLst>
-                                </p:cTn>
-                              </p:par>
-                              <p:par>
-                                <p:cTn id="13" presetID="10" presetClass="entr" presetSubtype="0" fill="hold" grpId="0" nodeType="withEffect">
-                                  <p:stCondLst>
-                                    <p:cond delay="0"/>
-                                  </p:stCondLst>
-                                  <p:childTnLst>
-                                    <p:set>
-                                      <p:cBhvr>
-                                        <p:cTn id="14" dur="1" fill="hold">
-                                          <p:stCondLst>
-                                            <p:cond delay="0"/>
-                                          </p:stCondLst>
-                                        </p:cTn>
-                                        <p:tgtEl>
-                                          <p:spTgt spid="6">
-                                            <p:txEl>
-                                              <p:pRg st="0" end="0"/>
-                                            </p:txEl>
-                                          </p:spTgt>
-                                        </p:tgtEl>
-                                        <p:attrNameLst>
-                                          <p:attrName>style.visibility</p:attrName>
-                                        </p:attrNameLst>
-                                      </p:cBhvr>
-                                      <p:to>
-                                        <p:strVal val="visible"/>
-                                      </p:to>
-                                    </p:set>
-                                    <p:animEffect transition="in" filter="fade">
-                                      <p:cBhvr>
-                                        <p:cTn id="15" dur="500"/>
-                                        <p:tgtEl>
-                                          <p:spTgt spid="6">
-                                            <p:txEl>
-                                              <p:pRg st="0" end="0"/>
-                                            </p:txEl>
-                                          </p:spTgt>
-                                        </p:tgtEl>
-                                      </p:cBhvr>
-                                    </p:animEffect>
-                                  </p:childTnLst>
-                                </p:cTn>
-                              </p:par>
-                              <p:par>
-                                <p:cTn id="16" presetID="10" presetClass="entr" presetSubtype="0" fill="hold" grpId="0" nodeType="withEffect">
-                                  <p:stCondLst>
-                                    <p:cond delay="0"/>
-                                  </p:stCondLst>
-                                  <p:childTnLst>
-                                    <p:set>
-                                      <p:cBhvr>
-                                        <p:cTn id="17" dur="1" fill="hold">
-                                          <p:stCondLst>
-                                            <p:cond delay="0"/>
-                                          </p:stCondLst>
-                                        </p:cTn>
-                                        <p:tgtEl>
-                                          <p:spTgt spid="6">
-                                            <p:txEl>
-                                              <p:pRg st="1" end="1"/>
-                                            </p:txEl>
-                                          </p:spTgt>
-                                        </p:tgtEl>
-                                        <p:attrNameLst>
-                                          <p:attrName>style.visibility</p:attrName>
-                                        </p:attrNameLst>
-                                      </p:cBhvr>
-                                      <p:to>
-                                        <p:strVal val="visible"/>
-                                      </p:to>
-                                    </p:set>
-                                    <p:animEffect transition="in" filter="fade">
-                                      <p:cBhvr>
-                                        <p:cTn id="18" dur="500"/>
-                                        <p:tgtEl>
-                                          <p:spTgt spid="6">
-                                            <p:txEl>
-                                              <p:pRg st="1" end="1"/>
-                                            </p:txEl>
-                                          </p:spTgt>
-                                        </p:tgtEl>
-                                      </p:cBhvr>
-                                    </p:animEffect>
-                                  </p:childTnLst>
-                                </p:cTn>
-                              </p:par>
-                              <p:par>
-                                <p:cTn id="19" presetID="10" presetClass="entr" presetSubtype="0" fill="hold" grpId="0" nodeType="withEffect">
-                                  <p:stCondLst>
-                                    <p:cond delay="0"/>
-                                  </p:stCondLst>
-                                  <p:childTnLst>
-                                    <p:set>
-                                      <p:cBhvr>
-                                        <p:cTn id="20" dur="1" fill="hold">
-                                          <p:stCondLst>
-                                            <p:cond delay="0"/>
-                                          </p:stCondLst>
-                                        </p:cTn>
-                                        <p:tgtEl>
-                                          <p:spTgt spid="6">
-                                            <p:txEl>
-                                              <p:pRg st="2" end="2"/>
-                                            </p:txEl>
-                                          </p:spTgt>
-                                        </p:tgtEl>
-                                        <p:attrNameLst>
-                                          <p:attrName>style.visibility</p:attrName>
-                                        </p:attrNameLst>
-                                      </p:cBhvr>
-                                      <p:to>
-                                        <p:strVal val="visible"/>
-                                      </p:to>
-                                    </p:set>
-                                    <p:animEffect transition="in" filter="fade">
-                                      <p:cBhvr>
-                                        <p:cTn id="21" dur="500"/>
-                                        <p:tgtEl>
-                                          <p:spTgt spid="6">
-                                            <p:txEl>
-                                              <p:pRg st="2" end="2"/>
-                                            </p:txEl>
-                                          </p:spTgt>
-                                        </p:tgtEl>
-                                      </p:cBhvr>
-                                    </p:animEffect>
-                                  </p:childTnLst>
-                                </p:cTn>
-                              </p:par>
-                              <p:par>
-                                <p:cTn id="22" presetID="10" presetClass="entr" presetSubtype="0" fill="hold" grpId="0" nodeType="withEffect">
-                                  <p:stCondLst>
-                                    <p:cond delay="0"/>
-                                  </p:stCondLst>
-                                  <p:childTnLst>
-                                    <p:set>
-                                      <p:cBhvr>
-                                        <p:cTn id="23" dur="1" fill="hold">
-                                          <p:stCondLst>
-                                            <p:cond delay="0"/>
-                                          </p:stCondLst>
-                                        </p:cTn>
-                                        <p:tgtEl>
-                                          <p:spTgt spid="6">
-                                            <p:txEl>
-                                              <p:pRg st="3" end="3"/>
-                                            </p:txEl>
-                                          </p:spTgt>
-                                        </p:tgtEl>
-                                        <p:attrNameLst>
-                                          <p:attrName>style.visibility</p:attrName>
-                                        </p:attrNameLst>
-                                      </p:cBhvr>
-                                      <p:to>
-                                        <p:strVal val="visible"/>
-                                      </p:to>
-                                    </p:set>
-                                    <p:animEffect transition="in" filter="fade">
-                                      <p:cBhvr>
-                                        <p:cTn id="24" dur="500"/>
-                                        <p:tgtEl>
-                                          <p:spTgt spid="6">
-                                            <p:txEl>
-                                              <p:pRg st="3" end="3"/>
-                                            </p:txEl>
-                                          </p:spTgt>
-                                        </p:tgtEl>
-                                      </p:cBhvr>
-                                    </p:animEffect>
-                                  </p:childTnLst>
-                                </p:cTn>
-                              </p:par>
-                              <p:par>
-                                <p:cTn id="25" presetID="10" presetClass="entr" presetSubtype="0" fill="hold" grpId="0" nodeType="withEffect">
-                                  <p:stCondLst>
-                                    <p:cond delay="0"/>
-                                  </p:stCondLst>
-                                  <p:childTnLst>
-                                    <p:set>
-                                      <p:cBhvr>
-                                        <p:cTn id="26" dur="1" fill="hold">
-                                          <p:stCondLst>
-                                            <p:cond delay="0"/>
-                                          </p:stCondLst>
-                                        </p:cTn>
-                                        <p:tgtEl>
-                                          <p:spTgt spid="6">
-                                            <p:txEl>
-                                              <p:pRg st="4" end="4"/>
-                                            </p:txEl>
-                                          </p:spTgt>
-                                        </p:tgtEl>
-                                        <p:attrNameLst>
-                                          <p:attrName>style.visibility</p:attrName>
-                                        </p:attrNameLst>
-                                      </p:cBhvr>
-                                      <p:to>
-                                        <p:strVal val="visible"/>
-                                      </p:to>
-                                    </p:set>
-                                    <p:animEffect transition="in" filter="fade">
-                                      <p:cBhvr>
-                                        <p:cTn id="27" dur="500"/>
-                                        <p:tgtEl>
-                                          <p:spTgt spid="6">
-                                            <p:txEl>
-                                              <p:pRg st="4" end="4"/>
-                                            </p:txEl>
-                                          </p:spTgt>
-                                        </p:tgtEl>
-                                      </p:cBhvr>
-                                    </p:animEffect>
-                                  </p:childTnLst>
-                                </p:cTn>
-                              </p:par>
-                              <p:par>
-                                <p:cTn id="28" presetID="10" presetClass="entr" presetSubtype="0" fill="hold" grpId="0" nodeType="withEffect">
-                                  <p:stCondLst>
-                                    <p:cond delay="0"/>
-                                  </p:stCondLst>
-                                  <p:childTnLst>
-                                    <p:set>
-                                      <p:cBhvr>
-                                        <p:cTn id="29" dur="1" fill="hold">
-                                          <p:stCondLst>
-                                            <p:cond delay="0"/>
-                                          </p:stCondLst>
-                                        </p:cTn>
-                                        <p:tgtEl>
-                                          <p:spTgt spid="6">
-                                            <p:txEl>
-                                              <p:pRg st="5" end="5"/>
-                                            </p:txEl>
-                                          </p:spTgt>
-                                        </p:tgtEl>
-                                        <p:attrNameLst>
-                                          <p:attrName>style.visibility</p:attrName>
-                                        </p:attrNameLst>
-                                      </p:cBhvr>
-                                      <p:to>
-                                        <p:strVal val="visible"/>
-                                      </p:to>
-                                    </p:set>
-                                    <p:animEffect transition="in" filter="fade">
-                                      <p:cBhvr>
-                                        <p:cTn id="30" dur="500"/>
-                                        <p:tgtEl>
-                                          <p:spTgt spid="6">
-                                            <p:txEl>
-                                              <p:pRg st="5" end="5"/>
-                                            </p:txEl>
-                                          </p:spTgt>
-                                        </p:tgtEl>
-                                      </p:cBhvr>
-                                    </p:animEffect>
-                                  </p:childTnLst>
-                                </p:cTn>
-                              </p:par>
-                              <p:par>
-                                <p:cTn id="31" presetID="10" presetClass="entr" presetSubtype="0" fill="hold" grpId="0" nodeType="withEffect">
-                                  <p:stCondLst>
-                                    <p:cond delay="0"/>
-                                  </p:stCondLst>
-                                  <p:childTnLst>
-                                    <p:set>
-                                      <p:cBhvr>
-                                        <p:cTn id="32" dur="1" fill="hold">
-                                          <p:stCondLst>
-                                            <p:cond delay="0"/>
-                                          </p:stCondLst>
-                                        </p:cTn>
-                                        <p:tgtEl>
-                                          <p:spTgt spid="6">
-                                            <p:txEl>
-                                              <p:pRg st="6" end="6"/>
-                                            </p:txEl>
-                                          </p:spTgt>
-                                        </p:tgtEl>
-                                        <p:attrNameLst>
-                                          <p:attrName>style.visibility</p:attrName>
-                                        </p:attrNameLst>
-                                      </p:cBhvr>
-                                      <p:to>
-                                        <p:strVal val="visible"/>
-                                      </p:to>
-                                    </p:set>
-                                    <p:animEffect transition="in" filter="fade">
-                                      <p:cBhvr>
-                                        <p:cTn id="33" dur="500"/>
-                                        <p:tgtEl>
-                                          <p:spTgt spid="6">
-                                            <p:txEl>
-                                              <p:pRg st="6" end="6"/>
-                                            </p:txEl>
-                                          </p:spTgt>
-                                        </p:tgtEl>
-                                      </p:cBhvr>
-                                    </p:animEffect>
-                                  </p:childTnLst>
-                                </p:cTn>
-                              </p:par>
-                              <p:par>
-                                <p:cTn id="34" presetID="10" presetClass="entr" presetSubtype="0" fill="hold" grpId="0" nodeType="withEffect">
-                                  <p:stCondLst>
-                                    <p:cond delay="0"/>
-                                  </p:stCondLst>
-                                  <p:childTnLst>
-                                    <p:set>
-                                      <p:cBhvr>
-                                        <p:cTn id="35" dur="1" fill="hold">
-                                          <p:stCondLst>
-                                            <p:cond delay="0"/>
-                                          </p:stCondLst>
-                                        </p:cTn>
-                                        <p:tgtEl>
-                                          <p:spTgt spid="6">
-                                            <p:txEl>
-                                              <p:pRg st="7" end="7"/>
-                                            </p:txEl>
-                                          </p:spTgt>
-                                        </p:tgtEl>
-                                        <p:attrNameLst>
-                                          <p:attrName>style.visibility</p:attrName>
-                                        </p:attrNameLst>
-                                      </p:cBhvr>
-                                      <p:to>
-                                        <p:strVal val="visible"/>
-                                      </p:to>
-                                    </p:set>
-                                    <p:animEffect transition="in" filter="fade">
-                                      <p:cBhvr>
-                                        <p:cTn id="36" dur="500"/>
-                                        <p:tgtEl>
-                                          <p:spTgt spid="6">
-                                            <p:txEl>
-                                              <p:pRg st="7" end="7"/>
-                                            </p:txEl>
-                                          </p:spTgt>
-                                        </p:tgtEl>
-                                      </p:cBhvr>
-                                    </p:animEffect>
-                                  </p:childTnLst>
-                                </p:cTn>
-                              </p:par>
-                            </p:childTnLst>
-                          </p:cTn>
-                        </p:par>
-                      </p:childTnLst>
-                    </p:cTn>
-                  </p:par>
-                </p:childTnLst>
-              </p:cTn>
-              <p:prevCondLst>
-                <p:cond evt="onPrev" delay="0">
-                  <p:tgtEl>
-                    <p:sldTgt/>
-                  </p:tgtEl>
-                </p:cond>
-              </p:prevCondLst>
-              <p:nextCondLst>
-                <p:cond evt="onNext" delay="0">
-                  <p:tgtEl>
-                    <p:sldTgt/>
-                  </p:tgtEl>
-                </p:cond>
-              </p:nextCondLst>
-            </p:seq>
-          </p:childTnLst>
-        </p:cTn>
-      </p:par>
-    </p:tnLst>
-    <p:bldLst>
-      <p:bldP spid="5" grpId="0"/>
-      <p:bldP spid="6" grpId="0" build="p"/>
-      <p:bldP spid="7" grpId="0"/>
-    </p:bldLst>
   </p:timing>
 </p:sld>
 </file>
@@ -14287,7 +14790,7 @@
         </p:spPr>
         <p:txBody>
           <a:bodyPr>
-            <a:normAutofit fontScale="92500"/>
+            <a:normAutofit/>
           </a:bodyPr>
           <a:lstStyle/>
           <a:p>
@@ -14383,7 +14886,7 @@
   <p:timing>
     <p:tnLst>
       <p:par>
-        <p:cTn xmlns:p14="http://schemas.microsoft.com/office/powerpoint/2010/main" id="1" dur="indefinite" restart="never" nodeType="tmRoot"/>
+        <p:cTn id="1" dur="indefinite" restart="never" nodeType="tmRoot"/>
       </p:par>
     </p:tnLst>
   </p:timing>
@@ -14424,6 +14927,143 @@
           <a:p>
             <a:r>
               <a:rPr lang="en-US" dirty="0" smtClean="0"/>
+              <a:t>Quick note on statistics files</a:t>
+            </a:r>
+            <a:endParaRPr lang="en-US" dirty="0"/>
+          </a:p>
+        </p:txBody>
+      </p:sp>
+      <p:sp>
+        <p:nvSpPr>
+          <p:cNvPr id="3" name="Content Placeholder 2"/>
+          <p:cNvSpPr>
+            <a:spLocks noGrp="1"/>
+          </p:cNvSpPr>
+          <p:nvPr>
+            <p:ph idx="1"/>
+          </p:nvPr>
+        </p:nvSpPr>
+        <p:spPr/>
+        <p:txBody>
+          <a:bodyPr/>
+          <a:lstStyle/>
+          <a:p>
+            <a:r>
+              <a:rPr lang="en-US" dirty="0" smtClean="0"/>
+              <a:t>Often contain much metadata in the file</a:t>
+            </a:r>
+          </a:p>
+          <a:p>
+            <a:pPr lvl="1"/>
+            <a:r>
+              <a:rPr lang="en-US" dirty="0" smtClean="0"/>
+              <a:t>For example SPSS and SAS include data types (nominal, ordinal, interval, ration) and data dictionaries (code keys for nominal data, units for interval and ration data, etc.)</a:t>
+            </a:r>
+          </a:p>
+          <a:p>
+            <a:r>
+              <a:rPr lang="en-US" dirty="0" smtClean="0"/>
+              <a:t>How to best share??? </a:t>
+            </a:r>
+          </a:p>
+          <a:p>
+            <a:pPr lvl="1"/>
+            <a:r>
+              <a:rPr lang="en-US" dirty="0" smtClean="0"/>
+              <a:t>Option 1: keep in the proprietary format</a:t>
+            </a:r>
+          </a:p>
+          <a:p>
+            <a:pPr lvl="1"/>
+            <a:r>
+              <a:rPr lang="en-US" dirty="0" smtClean="0"/>
+              <a:t>Option 2: convert to text based format (csv) and have either</a:t>
+            </a:r>
+          </a:p>
+          <a:p>
+            <a:pPr lvl="2"/>
+            <a:r>
+              <a:rPr lang="en-US" dirty="0" smtClean="0"/>
+              <a:t>A data dictionary in a text based format so that a user can reconstruct the data-metadata association</a:t>
+            </a:r>
+          </a:p>
+          <a:p>
+            <a:pPr lvl="2"/>
+            <a:r>
+              <a:rPr lang="en-US" dirty="0" smtClean="0"/>
+              <a:t>Some sort of ‘installer’ that contains the metadata and automatically reconstructs the data-metadata association</a:t>
+            </a:r>
+          </a:p>
+          <a:p>
+            <a:pPr lvl="2"/>
+            <a:endParaRPr lang="en-US" dirty="0" smtClean="0"/>
+          </a:p>
+          <a:p>
+            <a:pPr marL="1377950" indent="0">
+              <a:buNone/>
+            </a:pPr>
+            <a:r>
+              <a:rPr lang="en-US" dirty="0" smtClean="0"/>
+              <a:t>This also applies to relational databases and some geographical data</a:t>
+            </a:r>
+            <a:endParaRPr lang="en-US" dirty="0"/>
+          </a:p>
+        </p:txBody>
+      </p:sp>
+    </p:spTree>
+    <p:extLst>
+      <p:ext uri="{BB962C8B-B14F-4D97-AF65-F5344CB8AC3E}">
+        <p14:creationId xmlns:p14="http://schemas.microsoft.com/office/powerpoint/2010/main" val="3254610675"/>
+      </p:ext>
+    </p:extLst>
+  </p:cSld>
+  <p:clrMapOvr>
+    <a:masterClrMapping/>
+  </p:clrMapOvr>
+  <p:timing>
+    <p:tnLst>
+      <p:par>
+        <p:cTn id="1" dur="indefinite" restart="never" nodeType="tmRoot"/>
+      </p:par>
+    </p:tnLst>
+  </p:timing>
+</p:sld>
+</file>
+
+<file path=ppt/slides/slide9.xml><?xml version="1.0" encoding="utf-8"?>
+<p:sld xmlns:a="http://schemas.openxmlformats.org/drawingml/2006/main" xmlns:r="http://schemas.openxmlformats.org/officeDocument/2006/relationships" xmlns:p="http://schemas.openxmlformats.org/presentationml/2006/main">
+  <p:cSld>
+    <p:spTree>
+      <p:nvGrpSpPr>
+        <p:cNvPr id="1" name=""/>
+        <p:cNvGrpSpPr/>
+        <p:nvPr/>
+      </p:nvGrpSpPr>
+      <p:grpSpPr>
+        <a:xfrm>
+          <a:off x="0" y="0"/>
+          <a:ext cx="0" cy="0"/>
+          <a:chOff x="0" y="0"/>
+          <a:chExt cx="0" cy="0"/>
+        </a:xfrm>
+      </p:grpSpPr>
+      <p:sp>
+        <p:nvSpPr>
+          <p:cNvPr id="2" name="Title 1"/>
+          <p:cNvSpPr>
+            <a:spLocks noGrp="1"/>
+          </p:cNvSpPr>
+          <p:nvPr>
+            <p:ph type="title"/>
+          </p:nvPr>
+        </p:nvSpPr>
+        <p:spPr/>
+        <p:txBody>
+          <a:bodyPr/>
+          <a:lstStyle/>
+          <a:p>
+            <a:r>
+              <a:rPr lang="en-US" dirty="0" smtClean="0"/>
               <a:t>Ok – so what?</a:t>
             </a:r>
             <a:endParaRPr lang="en-US" dirty="0"/>
@@ -14543,7 +15183,7 @@
   <p:timing>
     <p:tnLst>
       <p:par>
-        <p:cTn xmlns:p14="http://schemas.microsoft.com/office/powerpoint/2010/main" id="1" dur="indefinite" restart="never" nodeType="tmRoot">
+        <p:cTn id="1" dur="indefinite" restart="never" nodeType="tmRoot">
           <p:childTnLst>
             <p:seq concurrent="1" nextAc="seek">
               <p:cTn id="2" dur="indefinite" nodeType="mainSeq">
@@ -14686,1887 +15326,6 @@
     <p:bldLst>
       <p:bldP spid="5" grpId="0" build="p"/>
       <p:bldP spid="6" grpId="0"/>
-    </p:bldLst>
-  </p:timing>
-</p:sld>
-</file>
-
-<file path=ppt/slides/slide9.xml><?xml version="1.0" encoding="utf-8"?>
-<p:sld xmlns:a="http://schemas.openxmlformats.org/drawingml/2006/main" xmlns:r="http://schemas.openxmlformats.org/officeDocument/2006/relationships" xmlns:p="http://schemas.openxmlformats.org/presentationml/2006/main">
-  <p:cSld>
-    <p:spTree>
-      <p:nvGrpSpPr>
-        <p:cNvPr id="1" name=""/>
-        <p:cNvGrpSpPr/>
-        <p:nvPr/>
-      </p:nvGrpSpPr>
-      <p:grpSpPr>
-        <a:xfrm>
-          <a:off x="0" y="0"/>
-          <a:ext cx="0" cy="0"/>
-          <a:chOff x="0" y="0"/>
-          <a:chExt cx="0" cy="0"/>
-        </a:xfrm>
-      </p:grpSpPr>
-      <p:sp>
-        <p:nvSpPr>
-          <p:cNvPr id="2" name="Title 1"/>
-          <p:cNvSpPr>
-            <a:spLocks noGrp="1"/>
-          </p:cNvSpPr>
-          <p:nvPr>
-            <p:ph type="title"/>
-          </p:nvPr>
-        </p:nvSpPr>
-        <p:spPr/>
-        <p:txBody>
-          <a:bodyPr/>
-          <a:lstStyle/>
-          <a:p>
-            <a:r>
-              <a:rPr lang="en-US" dirty="0" smtClean="0"/>
-              <a:t>Some things to remember</a:t>
-            </a:r>
-            <a:endParaRPr lang="en-US" dirty="0"/>
-          </a:p>
-        </p:txBody>
-      </p:sp>
-      <p:sp>
-        <p:nvSpPr>
-          <p:cNvPr id="3" name="Content Placeholder 2"/>
-          <p:cNvSpPr>
-            <a:spLocks noGrp="1"/>
-          </p:cNvSpPr>
-          <p:nvPr>
-            <p:ph idx="1"/>
-          </p:nvPr>
-        </p:nvSpPr>
-        <p:spPr>
-          <a:xfrm>
-            <a:off x="838200" y="1825625"/>
-            <a:ext cx="10488168" cy="4351338"/>
-          </a:xfrm>
-        </p:spPr>
-        <p:txBody>
-          <a:bodyPr>
-            <a:normAutofit/>
-          </a:bodyPr>
-          <a:lstStyle/>
-          <a:p>
-            <a:r>
-              <a:rPr lang="en-US" dirty="0" smtClean="0"/>
-              <a:t>Text and numbers</a:t>
-            </a:r>
-          </a:p>
-          <a:p>
-            <a:pPr lvl="1"/>
-            <a:r>
-              <a:rPr lang="en-US" dirty="0" smtClean="0"/>
-              <a:t>Plain text – </a:t>
-            </a:r>
-            <a:r>
-              <a:rPr lang="en-US" i="1" dirty="0" smtClean="0"/>
-              <a:t>BUT STRUCTURED</a:t>
-            </a:r>
-            <a:endParaRPr lang="en-US" dirty="0" smtClean="0"/>
-          </a:p>
-          <a:p>
-            <a:pPr lvl="1"/>
-            <a:r>
-              <a:rPr lang="en-US" dirty="0" smtClean="0"/>
-              <a:t>character </a:t>
-            </a:r>
-            <a:r>
-              <a:rPr lang="en-US" dirty="0"/>
-              <a:t>encoding??? UTF-8</a:t>
-            </a:r>
-          </a:p>
-          <a:p>
-            <a:pPr lvl="1"/>
-            <a:r>
-              <a:rPr lang="en-US" dirty="0" smtClean="0"/>
-              <a:t>PDF – preferably not!! (hard to </a:t>
-            </a:r>
-            <a:r>
-              <a:rPr lang="en-US" dirty="0" smtClean="0"/>
-              <a:t>index/search </a:t>
-            </a:r>
-            <a:r>
-              <a:rPr lang="en-US" i="1" dirty="0" smtClean="0"/>
-              <a:t>UNLESS </a:t>
-            </a:r>
-            <a:r>
-              <a:rPr lang="en-US" dirty="0" smtClean="0"/>
-              <a:t>created with specific care)</a:t>
-            </a:r>
-          </a:p>
-          <a:p>
-            <a:pPr lvl="1"/>
-            <a:endParaRPr lang="en-US" dirty="0" smtClean="0"/>
-          </a:p>
-          <a:p>
-            <a:r>
-              <a:rPr lang="en-US" dirty="0" smtClean="0"/>
-              <a:t>Images</a:t>
-            </a:r>
-          </a:p>
-          <a:p>
-            <a:pPr lvl="1"/>
-            <a:r>
-              <a:rPr lang="en-US" dirty="0" smtClean="0"/>
-              <a:t>TIFF, JPEG2000 (??), PNG, JPEG . . . .</a:t>
-            </a:r>
-          </a:p>
-        </p:txBody>
-      </p:sp>
-      <p:sp>
-        <p:nvSpPr>
-          <p:cNvPr id="4" name="TextBox 3"/>
-          <p:cNvSpPr txBox="1"/>
-          <p:nvPr/>
-        </p:nvSpPr>
-        <p:spPr>
-          <a:xfrm>
-            <a:off x="2022238" y="4980911"/>
-            <a:ext cx="453970" cy="369332"/>
-          </a:xfrm>
-          <a:prstGeom prst="rect">
-            <a:avLst/>
-          </a:prstGeom>
-          <a:noFill/>
-        </p:spPr>
-        <p:txBody>
-          <a:bodyPr wrap="none" rtlCol="0">
-            <a:spAutoFit/>
-          </a:bodyPr>
-          <a:lstStyle/>
-          <a:p>
-            <a:r>
-              <a:rPr lang="en-US" dirty="0" smtClean="0"/>
-              <a:t>.</a:t>
-            </a:r>
-            <a:r>
-              <a:rPr lang="en-US" dirty="0" err="1" smtClean="0"/>
-              <a:t>tif</a:t>
-            </a:r>
-            <a:endParaRPr lang="en-US" dirty="0"/>
-          </a:p>
-        </p:txBody>
-      </p:sp>
-      <p:sp>
-        <p:nvSpPr>
-          <p:cNvPr id="5" name="TextBox 4"/>
-          <p:cNvSpPr txBox="1"/>
-          <p:nvPr/>
-        </p:nvSpPr>
-        <p:spPr>
-          <a:xfrm>
-            <a:off x="5134010" y="4652481"/>
-            <a:ext cx="528097" cy="369332"/>
-          </a:xfrm>
-          <a:prstGeom prst="rect">
-            <a:avLst/>
-          </a:prstGeom>
-          <a:noFill/>
-        </p:spPr>
-        <p:txBody>
-          <a:bodyPr wrap="none" rtlCol="0">
-            <a:spAutoFit/>
-          </a:bodyPr>
-          <a:lstStyle/>
-          <a:p>
-            <a:r>
-              <a:rPr lang="en-US" dirty="0" smtClean="0"/>
-              <a:t>.jpg</a:t>
-            </a:r>
-            <a:endParaRPr lang="en-US" dirty="0"/>
-          </a:p>
-        </p:txBody>
-      </p:sp>
-      <p:sp>
-        <p:nvSpPr>
-          <p:cNvPr id="6" name="TextBox 5"/>
-          <p:cNvSpPr txBox="1"/>
-          <p:nvPr/>
-        </p:nvSpPr>
-        <p:spPr>
-          <a:xfrm>
-            <a:off x="4262961" y="5088448"/>
-            <a:ext cx="594146" cy="369332"/>
-          </a:xfrm>
-          <a:prstGeom prst="rect">
-            <a:avLst/>
-          </a:prstGeom>
-          <a:noFill/>
-        </p:spPr>
-        <p:txBody>
-          <a:bodyPr wrap="none" rtlCol="0">
-            <a:spAutoFit/>
-          </a:bodyPr>
-          <a:lstStyle/>
-          <a:p>
-            <a:r>
-              <a:rPr lang="en-US" dirty="0" smtClean="0"/>
-              <a:t>.</a:t>
-            </a:r>
-            <a:r>
-              <a:rPr lang="en-US" dirty="0" err="1" smtClean="0"/>
-              <a:t>png</a:t>
-            </a:r>
-            <a:endParaRPr lang="en-US" dirty="0"/>
-          </a:p>
-        </p:txBody>
-      </p:sp>
-      <p:sp>
-        <p:nvSpPr>
-          <p:cNvPr id="7" name="TextBox 6"/>
-          <p:cNvSpPr txBox="1"/>
-          <p:nvPr/>
-        </p:nvSpPr>
-        <p:spPr>
-          <a:xfrm>
-            <a:off x="2713723" y="4649056"/>
-            <a:ext cx="536437" cy="369332"/>
-          </a:xfrm>
-          <a:prstGeom prst="rect">
-            <a:avLst/>
-          </a:prstGeom>
-          <a:noFill/>
-        </p:spPr>
-        <p:txBody>
-          <a:bodyPr wrap="none" rtlCol="0">
-            <a:spAutoFit/>
-          </a:bodyPr>
-          <a:lstStyle/>
-          <a:p>
-            <a:r>
-              <a:rPr lang="en-US" dirty="0" smtClean="0"/>
-              <a:t>.jp2</a:t>
-            </a:r>
-            <a:endParaRPr lang="en-US" dirty="0"/>
-          </a:p>
-        </p:txBody>
-      </p:sp>
-      <p:sp>
-        <p:nvSpPr>
-          <p:cNvPr id="8" name="TextBox 7"/>
-          <p:cNvSpPr txBox="1"/>
-          <p:nvPr/>
-        </p:nvSpPr>
-        <p:spPr>
-          <a:xfrm>
-            <a:off x="3840249" y="4641179"/>
-            <a:ext cx="520094" cy="369332"/>
-          </a:xfrm>
-          <a:prstGeom prst="rect">
-            <a:avLst/>
-          </a:prstGeom>
-          <a:noFill/>
-        </p:spPr>
-        <p:txBody>
-          <a:bodyPr wrap="none" rtlCol="0">
-            <a:spAutoFit/>
-          </a:bodyPr>
-          <a:lstStyle/>
-          <a:p>
-            <a:r>
-              <a:rPr lang="en-US" dirty="0" smtClean="0"/>
-              <a:t>.j2k</a:t>
-            </a:r>
-            <a:endParaRPr lang="en-US" dirty="0"/>
-          </a:p>
-        </p:txBody>
-      </p:sp>
-      <p:sp>
-        <p:nvSpPr>
-          <p:cNvPr id="9" name="TextBox 8"/>
-          <p:cNvSpPr txBox="1"/>
-          <p:nvPr/>
-        </p:nvSpPr>
-        <p:spPr>
-          <a:xfrm>
-            <a:off x="4427694" y="5351809"/>
-            <a:ext cx="2565914" cy="369332"/>
-          </a:xfrm>
-          <a:prstGeom prst="rect">
-            <a:avLst/>
-          </a:prstGeom>
-          <a:noFill/>
-        </p:spPr>
-        <p:txBody>
-          <a:bodyPr wrap="none" rtlCol="0">
-            <a:spAutoFit/>
-          </a:bodyPr>
-          <a:lstStyle/>
-          <a:p>
-            <a:r>
-              <a:rPr lang="en-US" dirty="0" smtClean="0"/>
-              <a:t>portable network graphic</a:t>
-            </a:r>
-            <a:endParaRPr lang="en-US" dirty="0"/>
-          </a:p>
-        </p:txBody>
-      </p:sp>
-      <p:sp>
-        <p:nvSpPr>
-          <p:cNvPr id="10" name="TextBox 9"/>
-          <p:cNvSpPr txBox="1"/>
-          <p:nvPr/>
-        </p:nvSpPr>
-        <p:spPr>
-          <a:xfrm>
-            <a:off x="1201475" y="5257629"/>
-            <a:ext cx="2524099" cy="369332"/>
-          </a:xfrm>
-          <a:prstGeom prst="rect">
-            <a:avLst/>
-          </a:prstGeom>
-          <a:noFill/>
-        </p:spPr>
-        <p:txBody>
-          <a:bodyPr wrap="none" rtlCol="0">
-            <a:spAutoFit/>
-          </a:bodyPr>
-          <a:lstStyle/>
-          <a:p>
-            <a:r>
-              <a:rPr lang="en-US" dirty="0" smtClean="0"/>
-              <a:t>tagged image file format</a:t>
-            </a:r>
-            <a:endParaRPr lang="en-US" dirty="0"/>
-          </a:p>
-        </p:txBody>
-      </p:sp>
-      <p:sp>
-        <p:nvSpPr>
-          <p:cNvPr id="11" name="TextBox 10"/>
-          <p:cNvSpPr txBox="1"/>
-          <p:nvPr/>
-        </p:nvSpPr>
-        <p:spPr>
-          <a:xfrm>
-            <a:off x="5406252" y="4394600"/>
-            <a:ext cx="3296733" cy="369332"/>
-          </a:xfrm>
-          <a:prstGeom prst="rect">
-            <a:avLst/>
-          </a:prstGeom>
-          <a:noFill/>
-        </p:spPr>
-        <p:txBody>
-          <a:bodyPr wrap="none" rtlCol="0">
-            <a:spAutoFit/>
-          </a:bodyPr>
-          <a:lstStyle/>
-          <a:p>
-            <a:r>
-              <a:rPr lang="en-US" dirty="0" smtClean="0"/>
-              <a:t>joint photographic experts group</a:t>
-            </a:r>
-            <a:endParaRPr lang="en-US" dirty="0"/>
-          </a:p>
-        </p:txBody>
-      </p:sp>
-      <p:sp>
-        <p:nvSpPr>
-          <p:cNvPr id="12" name="TextBox 11"/>
-          <p:cNvSpPr txBox="1"/>
-          <p:nvPr/>
-        </p:nvSpPr>
-        <p:spPr>
-          <a:xfrm>
-            <a:off x="5385056" y="2006202"/>
-            <a:ext cx="497552" cy="369332"/>
-          </a:xfrm>
-          <a:prstGeom prst="rect">
-            <a:avLst/>
-          </a:prstGeom>
-          <a:noFill/>
-        </p:spPr>
-        <p:txBody>
-          <a:bodyPr wrap="none" rtlCol="0">
-            <a:spAutoFit/>
-          </a:bodyPr>
-          <a:lstStyle/>
-          <a:p>
-            <a:r>
-              <a:rPr lang="en-US" dirty="0" smtClean="0"/>
-              <a:t>.txt</a:t>
-            </a:r>
-            <a:endParaRPr lang="en-US" dirty="0"/>
-          </a:p>
-        </p:txBody>
-      </p:sp>
-      <p:sp>
-        <p:nvSpPr>
-          <p:cNvPr id="13" name="TextBox 12"/>
-          <p:cNvSpPr txBox="1"/>
-          <p:nvPr/>
-        </p:nvSpPr>
-        <p:spPr>
-          <a:xfrm>
-            <a:off x="6080008" y="1727087"/>
-            <a:ext cx="678904" cy="369332"/>
-          </a:xfrm>
-          <a:prstGeom prst="rect">
-            <a:avLst/>
-          </a:prstGeom>
-          <a:noFill/>
-        </p:spPr>
-        <p:txBody>
-          <a:bodyPr wrap="none" rtlCol="0">
-            <a:spAutoFit/>
-          </a:bodyPr>
-          <a:lstStyle/>
-          <a:p>
-            <a:r>
-              <a:rPr lang="en-US" dirty="0" smtClean="0"/>
-              <a:t>.html</a:t>
-            </a:r>
-            <a:endParaRPr lang="en-US" dirty="0"/>
-          </a:p>
-        </p:txBody>
-      </p:sp>
-      <p:sp>
-        <p:nvSpPr>
-          <p:cNvPr id="14" name="TextBox 13"/>
-          <p:cNvSpPr txBox="1"/>
-          <p:nvPr/>
-        </p:nvSpPr>
-        <p:spPr>
-          <a:xfrm>
-            <a:off x="6577668" y="2224699"/>
-            <a:ext cx="580282" cy="369332"/>
-          </a:xfrm>
-          <a:prstGeom prst="rect">
-            <a:avLst/>
-          </a:prstGeom>
-          <a:noFill/>
-        </p:spPr>
-        <p:txBody>
-          <a:bodyPr wrap="none" rtlCol="0">
-            <a:spAutoFit/>
-          </a:bodyPr>
-          <a:lstStyle/>
-          <a:p>
-            <a:r>
-              <a:rPr lang="en-US" dirty="0" smtClean="0"/>
-              <a:t>.xml</a:t>
-            </a:r>
-            <a:endParaRPr lang="en-US" dirty="0"/>
-          </a:p>
-        </p:txBody>
-      </p:sp>
-      <p:sp>
-        <p:nvSpPr>
-          <p:cNvPr id="15" name="TextBox 14"/>
-          <p:cNvSpPr txBox="1"/>
-          <p:nvPr/>
-        </p:nvSpPr>
-        <p:spPr>
-          <a:xfrm>
-            <a:off x="7334273" y="1834623"/>
-            <a:ext cx="535085" cy="369332"/>
-          </a:xfrm>
-          <a:prstGeom prst="rect">
-            <a:avLst/>
-          </a:prstGeom>
-          <a:noFill/>
-        </p:spPr>
-        <p:txBody>
-          <a:bodyPr wrap="none" rtlCol="0">
-            <a:spAutoFit/>
-          </a:bodyPr>
-          <a:lstStyle/>
-          <a:p>
-            <a:r>
-              <a:rPr lang="en-US" dirty="0" smtClean="0"/>
-              <a:t>.</a:t>
-            </a:r>
-            <a:r>
-              <a:rPr lang="en-US" dirty="0" err="1" smtClean="0"/>
-              <a:t>csv</a:t>
-            </a:r>
-            <a:endParaRPr lang="en-US" dirty="0"/>
-          </a:p>
-        </p:txBody>
-      </p:sp>
-      <p:sp>
-        <p:nvSpPr>
-          <p:cNvPr id="16" name="TextBox 15"/>
-          <p:cNvSpPr txBox="1"/>
-          <p:nvPr/>
-        </p:nvSpPr>
-        <p:spPr>
-          <a:xfrm>
-            <a:off x="8349824" y="2097984"/>
-            <a:ext cx="631453" cy="369332"/>
-          </a:xfrm>
-          <a:prstGeom prst="rect">
-            <a:avLst/>
-          </a:prstGeom>
-          <a:noFill/>
-        </p:spPr>
-        <p:txBody>
-          <a:bodyPr wrap="none" rtlCol="0">
-            <a:spAutoFit/>
-          </a:bodyPr>
-          <a:lstStyle/>
-          <a:p>
-            <a:r>
-              <a:rPr lang="en-US" dirty="0" smtClean="0"/>
-              <a:t>.</a:t>
-            </a:r>
-            <a:r>
-              <a:rPr lang="en-US" dirty="0" err="1" smtClean="0"/>
-              <a:t>json</a:t>
-            </a:r>
-            <a:endParaRPr lang="en-US" dirty="0"/>
-          </a:p>
-        </p:txBody>
-      </p:sp>
-      <p:sp>
-        <p:nvSpPr>
-          <p:cNvPr id="18" name="TextBox 17"/>
-          <p:cNvSpPr txBox="1"/>
-          <p:nvPr/>
-        </p:nvSpPr>
-        <p:spPr>
-          <a:xfrm>
-            <a:off x="3906335" y="1440094"/>
-            <a:ext cx="2847354" cy="369332"/>
-          </a:xfrm>
-          <a:prstGeom prst="rect">
-            <a:avLst/>
-          </a:prstGeom>
-          <a:noFill/>
-        </p:spPr>
-        <p:txBody>
-          <a:bodyPr wrap="none" rtlCol="0">
-            <a:spAutoFit/>
-          </a:bodyPr>
-          <a:lstStyle/>
-          <a:p>
-            <a:r>
-              <a:rPr lang="en-US" dirty="0" smtClean="0"/>
-              <a:t>hyper text markup language</a:t>
-            </a:r>
-            <a:endParaRPr lang="en-US" dirty="0"/>
-          </a:p>
-        </p:txBody>
-      </p:sp>
-      <p:sp>
-        <p:nvSpPr>
-          <p:cNvPr id="19" name="TextBox 18"/>
-          <p:cNvSpPr txBox="1"/>
-          <p:nvPr/>
-        </p:nvSpPr>
-        <p:spPr>
-          <a:xfrm>
-            <a:off x="5328799" y="2455523"/>
-            <a:ext cx="2821430" cy="369332"/>
-          </a:xfrm>
-          <a:prstGeom prst="rect">
-            <a:avLst/>
-          </a:prstGeom>
-          <a:noFill/>
-        </p:spPr>
-        <p:txBody>
-          <a:bodyPr wrap="none" rtlCol="0">
-            <a:spAutoFit/>
-          </a:bodyPr>
-          <a:lstStyle/>
-          <a:p>
-            <a:r>
-              <a:rPr lang="en-US" dirty="0" smtClean="0"/>
-              <a:t>extensible markup language</a:t>
-            </a:r>
-            <a:endParaRPr lang="en-US" dirty="0"/>
-          </a:p>
-        </p:txBody>
-      </p:sp>
-      <p:sp>
-        <p:nvSpPr>
-          <p:cNvPr id="20" name="TextBox 19"/>
-          <p:cNvSpPr txBox="1"/>
-          <p:nvPr/>
-        </p:nvSpPr>
-        <p:spPr>
-          <a:xfrm>
-            <a:off x="8625532" y="2386001"/>
-            <a:ext cx="2580116" cy="369332"/>
-          </a:xfrm>
-          <a:prstGeom prst="rect">
-            <a:avLst/>
-          </a:prstGeom>
-          <a:noFill/>
-        </p:spPr>
-        <p:txBody>
-          <a:bodyPr wrap="none" rtlCol="0">
-            <a:spAutoFit/>
-          </a:bodyPr>
-          <a:lstStyle/>
-          <a:p>
-            <a:r>
-              <a:rPr lang="en-US" dirty="0" err="1" smtClean="0"/>
-              <a:t>javascript</a:t>
-            </a:r>
-            <a:r>
-              <a:rPr lang="en-US" dirty="0" smtClean="0"/>
-              <a:t> object notation </a:t>
-            </a:r>
-            <a:endParaRPr lang="en-US" dirty="0"/>
-          </a:p>
-        </p:txBody>
-      </p:sp>
-      <p:sp>
-        <p:nvSpPr>
-          <p:cNvPr id="21" name="TextBox 20"/>
-          <p:cNvSpPr txBox="1"/>
-          <p:nvPr/>
-        </p:nvSpPr>
-        <p:spPr>
-          <a:xfrm>
-            <a:off x="7581853" y="1613728"/>
-            <a:ext cx="2548895" cy="369332"/>
-          </a:xfrm>
-          <a:prstGeom prst="rect">
-            <a:avLst/>
-          </a:prstGeom>
-          <a:noFill/>
-        </p:spPr>
-        <p:txBody>
-          <a:bodyPr wrap="none" rtlCol="0">
-            <a:spAutoFit/>
-          </a:bodyPr>
-          <a:lstStyle/>
-          <a:p>
-            <a:r>
-              <a:rPr lang="en-US" dirty="0" smtClean="0"/>
-              <a:t>comma separated values</a:t>
-            </a:r>
-            <a:endParaRPr lang="en-US" dirty="0"/>
-          </a:p>
-        </p:txBody>
-      </p:sp>
-      <p:sp>
-        <p:nvSpPr>
-          <p:cNvPr id="22" name="TextBox 21"/>
-          <p:cNvSpPr txBox="1"/>
-          <p:nvPr/>
-        </p:nvSpPr>
-        <p:spPr>
-          <a:xfrm>
-            <a:off x="2534156" y="3261360"/>
-            <a:ext cx="2698175" cy="369332"/>
-          </a:xfrm>
-          <a:prstGeom prst="rect">
-            <a:avLst/>
-          </a:prstGeom>
-          <a:noFill/>
-        </p:spPr>
-        <p:txBody>
-          <a:bodyPr wrap="none" rtlCol="0">
-            <a:spAutoFit/>
-          </a:bodyPr>
-          <a:lstStyle/>
-          <a:p>
-            <a:r>
-              <a:rPr lang="en-US" dirty="0" smtClean="0"/>
-              <a:t>portable document format</a:t>
-            </a:r>
-            <a:endParaRPr lang="en-US" dirty="0"/>
-          </a:p>
-        </p:txBody>
-      </p:sp>
-    </p:spTree>
-    <p:extLst>
-      <p:ext uri="{BB962C8B-B14F-4D97-AF65-F5344CB8AC3E}">
-        <p14:creationId xmlns:p14="http://schemas.microsoft.com/office/powerpoint/2010/main" val="813098600"/>
-      </p:ext>
-    </p:extLst>
-  </p:cSld>
-  <p:clrMapOvr>
-    <a:masterClrMapping/>
-  </p:clrMapOvr>
-  <p:timing>
-    <p:tnLst>
-      <p:par>
-        <p:cTn xmlns:p14="http://schemas.microsoft.com/office/powerpoint/2010/main" id="1" dur="indefinite" restart="never" nodeType="tmRoot">
-          <p:childTnLst>
-            <p:seq concurrent="1" nextAc="seek">
-              <p:cTn id="2" dur="indefinite" nodeType="mainSeq">
-                <p:childTnLst>
-                  <p:par>
-                    <p:cTn id="3" fill="hold">
-                      <p:stCondLst>
-                        <p:cond delay="indefinite"/>
-                      </p:stCondLst>
-                      <p:childTnLst>
-                        <p:par>
-                          <p:cTn id="4" fill="hold">
-                            <p:stCondLst>
-                              <p:cond delay="0"/>
-                            </p:stCondLst>
-                            <p:childTnLst>
-                              <p:par>
-                                <p:cTn id="5" presetID="9" presetClass="emph" presetSubtype="0" nodeType="clickEffect">
-                                  <p:stCondLst>
-                                    <p:cond delay="0"/>
-                                  </p:stCondLst>
-                                  <p:childTnLst>
-                                    <p:set>
-                                      <p:cBhvr rctx="PPT">
-                                        <p:cTn id="6" dur="indefinite"/>
-                                        <p:tgtEl>
-                                          <p:spTgt spid="3">
-                                            <p:txEl>
-                                              <p:pRg st="0" end="0"/>
-                                            </p:txEl>
-                                          </p:spTgt>
-                                        </p:tgtEl>
-                                        <p:attrNameLst>
-                                          <p:attrName>style.opacity</p:attrName>
-                                        </p:attrNameLst>
-                                      </p:cBhvr>
-                                      <p:to>
-                                        <p:strVal val="0.5"/>
-                                      </p:to>
-                                    </p:set>
-                                    <p:animEffect filter="image" prLst="opacity: 0.5">
-                                      <p:cBhvr rctx="IE">
-                                        <p:cTn id="7" dur="indefinite"/>
-                                        <p:tgtEl>
-                                          <p:spTgt spid="3">
-                                            <p:txEl>
-                                              <p:pRg st="0" end="0"/>
-                                            </p:txEl>
-                                          </p:spTgt>
-                                        </p:tgtEl>
-                                      </p:cBhvr>
-                                    </p:animEffect>
-                                  </p:childTnLst>
-                                </p:cTn>
-                              </p:par>
-                              <p:par>
-                                <p:cTn id="8" presetID="9" presetClass="emph" presetSubtype="0" nodeType="withEffect">
-                                  <p:stCondLst>
-                                    <p:cond delay="0"/>
-                                  </p:stCondLst>
-                                  <p:childTnLst>
-                                    <p:set>
-                                      <p:cBhvr rctx="PPT">
-                                        <p:cTn id="9" dur="indefinite"/>
-                                        <p:tgtEl>
-                                          <p:spTgt spid="3">
-                                            <p:txEl>
-                                              <p:pRg st="1" end="1"/>
-                                            </p:txEl>
-                                          </p:spTgt>
-                                        </p:tgtEl>
-                                        <p:attrNameLst>
-                                          <p:attrName>style.opacity</p:attrName>
-                                        </p:attrNameLst>
-                                      </p:cBhvr>
-                                      <p:to>
-                                        <p:strVal val="0.5"/>
-                                      </p:to>
-                                    </p:set>
-                                    <p:animEffect filter="image" prLst="opacity: 0.5">
-                                      <p:cBhvr rctx="IE">
-                                        <p:cTn id="10" dur="indefinite"/>
-                                        <p:tgtEl>
-                                          <p:spTgt spid="3">
-                                            <p:txEl>
-                                              <p:pRg st="1" end="1"/>
-                                            </p:txEl>
-                                          </p:spTgt>
-                                        </p:tgtEl>
-                                      </p:cBhvr>
-                                    </p:animEffect>
-                                  </p:childTnLst>
-                                </p:cTn>
-                              </p:par>
-                              <p:par>
-                                <p:cTn id="11" presetID="9" presetClass="emph" presetSubtype="0" nodeType="withEffect">
-                                  <p:stCondLst>
-                                    <p:cond delay="0"/>
-                                  </p:stCondLst>
-                                  <p:childTnLst>
-                                    <p:set>
-                                      <p:cBhvr rctx="PPT">
-                                        <p:cTn id="12" dur="indefinite"/>
-                                        <p:tgtEl>
-                                          <p:spTgt spid="3">
-                                            <p:txEl>
-                                              <p:pRg st="2" end="2"/>
-                                            </p:txEl>
-                                          </p:spTgt>
-                                        </p:tgtEl>
-                                        <p:attrNameLst>
-                                          <p:attrName>style.opacity</p:attrName>
-                                        </p:attrNameLst>
-                                      </p:cBhvr>
-                                      <p:to>
-                                        <p:strVal val="0.5"/>
-                                      </p:to>
-                                    </p:set>
-                                    <p:animEffect filter="image" prLst="opacity: 0.5">
-                                      <p:cBhvr rctx="IE">
-                                        <p:cTn id="13" dur="indefinite"/>
-                                        <p:tgtEl>
-                                          <p:spTgt spid="3">
-                                            <p:txEl>
-                                              <p:pRg st="2" end="2"/>
-                                            </p:txEl>
-                                          </p:spTgt>
-                                        </p:tgtEl>
-                                      </p:cBhvr>
-                                    </p:animEffect>
-                                  </p:childTnLst>
-                                </p:cTn>
-                              </p:par>
-                              <p:par>
-                                <p:cTn id="14" presetID="9" presetClass="emph" presetSubtype="0" nodeType="withEffect">
-                                  <p:stCondLst>
-                                    <p:cond delay="0"/>
-                                  </p:stCondLst>
-                                  <p:childTnLst>
-                                    <p:set>
-                                      <p:cBhvr rctx="PPT">
-                                        <p:cTn id="15" dur="indefinite"/>
-                                        <p:tgtEl>
-                                          <p:spTgt spid="3">
-                                            <p:txEl>
-                                              <p:pRg st="3" end="3"/>
-                                            </p:txEl>
-                                          </p:spTgt>
-                                        </p:tgtEl>
-                                        <p:attrNameLst>
-                                          <p:attrName>style.opacity</p:attrName>
-                                        </p:attrNameLst>
-                                      </p:cBhvr>
-                                      <p:to>
-                                        <p:strVal val="0.5"/>
-                                      </p:to>
-                                    </p:set>
-                                    <p:animEffect filter="image" prLst="opacity: 0.5">
-                                      <p:cBhvr rctx="IE">
-                                        <p:cTn id="16" dur="indefinite"/>
-                                        <p:tgtEl>
-                                          <p:spTgt spid="3">
-                                            <p:txEl>
-                                              <p:pRg st="3" end="3"/>
-                                            </p:txEl>
-                                          </p:spTgt>
-                                        </p:tgtEl>
-                                      </p:cBhvr>
-                                    </p:animEffect>
-                                  </p:childTnLst>
-                                </p:cTn>
-                              </p:par>
-                              <p:par>
-                                <p:cTn id="17" presetID="10" presetClass="entr" presetSubtype="0" fill="hold" grpId="0" nodeType="withEffect">
-                                  <p:stCondLst>
-                                    <p:cond delay="0"/>
-                                  </p:stCondLst>
-                                  <p:childTnLst>
-                                    <p:set>
-                                      <p:cBhvr>
-                                        <p:cTn id="18" dur="1" fill="hold">
-                                          <p:stCondLst>
-                                            <p:cond delay="0"/>
-                                          </p:stCondLst>
-                                        </p:cTn>
-                                        <p:tgtEl>
-                                          <p:spTgt spid="22"/>
-                                        </p:tgtEl>
-                                        <p:attrNameLst>
-                                          <p:attrName>style.visibility</p:attrName>
-                                        </p:attrNameLst>
-                                      </p:cBhvr>
-                                      <p:to>
-                                        <p:strVal val="visible"/>
-                                      </p:to>
-                                    </p:set>
-                                    <p:animEffect transition="in" filter="fade">
-                                      <p:cBhvr>
-                                        <p:cTn id="19" dur="100"/>
-                                        <p:tgtEl>
-                                          <p:spTgt spid="22"/>
-                                        </p:tgtEl>
-                                      </p:cBhvr>
-                                    </p:animEffect>
-                                  </p:childTnLst>
-                                </p:cTn>
-                              </p:par>
-                            </p:childTnLst>
-                          </p:cTn>
-                        </p:par>
-                      </p:childTnLst>
-                    </p:cTn>
-                  </p:par>
-                  <p:par>
-                    <p:cTn id="20" fill="hold">
-                      <p:stCondLst>
-                        <p:cond delay="indefinite"/>
-                      </p:stCondLst>
-                      <p:childTnLst>
-                        <p:par>
-                          <p:cTn id="21" fill="hold">
-                            <p:stCondLst>
-                              <p:cond delay="0"/>
-                            </p:stCondLst>
-                            <p:childTnLst>
-                              <p:par>
-                                <p:cTn id="22" presetID="10" presetClass="entr" presetSubtype="0" fill="hold" grpId="0" nodeType="clickEffect">
-                                  <p:stCondLst>
-                                    <p:cond delay="0"/>
-                                  </p:stCondLst>
-                                  <p:childTnLst>
-                                    <p:set>
-                                      <p:cBhvr>
-                                        <p:cTn id="23" dur="1" fill="hold">
-                                          <p:stCondLst>
-                                            <p:cond delay="0"/>
-                                          </p:stCondLst>
-                                        </p:cTn>
-                                        <p:tgtEl>
-                                          <p:spTgt spid="19"/>
-                                        </p:tgtEl>
-                                        <p:attrNameLst>
-                                          <p:attrName>style.visibility</p:attrName>
-                                        </p:attrNameLst>
-                                      </p:cBhvr>
-                                      <p:to>
-                                        <p:strVal val="visible"/>
-                                      </p:to>
-                                    </p:set>
-                                    <p:animEffect transition="in" filter="fade">
-                                      <p:cBhvr>
-                                        <p:cTn id="24" dur="100"/>
-                                        <p:tgtEl>
-                                          <p:spTgt spid="19"/>
-                                        </p:tgtEl>
-                                      </p:cBhvr>
-                                    </p:animEffect>
-                                  </p:childTnLst>
-                                </p:cTn>
-                              </p:par>
-                              <p:par>
-                                <p:cTn id="25" presetID="10" presetClass="entr" presetSubtype="0" fill="hold" grpId="0" nodeType="withEffect">
-                                  <p:stCondLst>
-                                    <p:cond delay="0"/>
-                                  </p:stCondLst>
-                                  <p:childTnLst>
-                                    <p:set>
-                                      <p:cBhvr>
-                                        <p:cTn id="26" dur="1" fill="hold">
-                                          <p:stCondLst>
-                                            <p:cond delay="0"/>
-                                          </p:stCondLst>
-                                        </p:cTn>
-                                        <p:tgtEl>
-                                          <p:spTgt spid="14"/>
-                                        </p:tgtEl>
-                                        <p:attrNameLst>
-                                          <p:attrName>style.visibility</p:attrName>
-                                        </p:attrNameLst>
-                                      </p:cBhvr>
-                                      <p:to>
-                                        <p:strVal val="visible"/>
-                                      </p:to>
-                                    </p:set>
-                                    <p:animEffect transition="in" filter="fade">
-                                      <p:cBhvr>
-                                        <p:cTn id="27" dur="100"/>
-                                        <p:tgtEl>
-                                          <p:spTgt spid="14"/>
-                                        </p:tgtEl>
-                                      </p:cBhvr>
-                                    </p:animEffect>
-                                  </p:childTnLst>
-                                </p:cTn>
-                              </p:par>
-                            </p:childTnLst>
-                          </p:cTn>
-                        </p:par>
-                      </p:childTnLst>
-                    </p:cTn>
-                  </p:par>
-                  <p:par>
-                    <p:cTn id="28" fill="hold">
-                      <p:stCondLst>
-                        <p:cond delay="indefinite"/>
-                      </p:stCondLst>
-                      <p:childTnLst>
-                        <p:par>
-                          <p:cTn id="29" fill="hold">
-                            <p:stCondLst>
-                              <p:cond delay="0"/>
-                            </p:stCondLst>
-                            <p:childTnLst>
-                              <p:par>
-                                <p:cTn id="30" presetID="10" presetClass="entr" presetSubtype="0" fill="hold" grpId="0" nodeType="clickEffect">
-                                  <p:stCondLst>
-                                    <p:cond delay="0"/>
-                                  </p:stCondLst>
-                                  <p:childTnLst>
-                                    <p:set>
-                                      <p:cBhvr>
-                                        <p:cTn id="31" dur="1" fill="hold">
-                                          <p:stCondLst>
-                                            <p:cond delay="0"/>
-                                          </p:stCondLst>
-                                        </p:cTn>
-                                        <p:tgtEl>
-                                          <p:spTgt spid="12"/>
-                                        </p:tgtEl>
-                                        <p:attrNameLst>
-                                          <p:attrName>style.visibility</p:attrName>
-                                        </p:attrNameLst>
-                                      </p:cBhvr>
-                                      <p:to>
-                                        <p:strVal val="visible"/>
-                                      </p:to>
-                                    </p:set>
-                                    <p:animEffect transition="in" filter="fade">
-                                      <p:cBhvr>
-                                        <p:cTn id="32" dur="100"/>
-                                        <p:tgtEl>
-                                          <p:spTgt spid="12"/>
-                                        </p:tgtEl>
-                                      </p:cBhvr>
-                                    </p:animEffect>
-                                  </p:childTnLst>
-                                </p:cTn>
-                              </p:par>
-                            </p:childTnLst>
-                          </p:cTn>
-                        </p:par>
-                      </p:childTnLst>
-                    </p:cTn>
-                  </p:par>
-                  <p:par>
-                    <p:cTn id="33" fill="hold">
-                      <p:stCondLst>
-                        <p:cond delay="indefinite"/>
-                      </p:stCondLst>
-                      <p:childTnLst>
-                        <p:par>
-                          <p:cTn id="34" fill="hold">
-                            <p:stCondLst>
-                              <p:cond delay="0"/>
-                            </p:stCondLst>
-                            <p:childTnLst>
-                              <p:par>
-                                <p:cTn id="35" presetID="10" presetClass="entr" presetSubtype="0" fill="hold" grpId="0" nodeType="clickEffect">
-                                  <p:stCondLst>
-                                    <p:cond delay="0"/>
-                                  </p:stCondLst>
-                                  <p:childTnLst>
-                                    <p:set>
-                                      <p:cBhvr>
-                                        <p:cTn id="36" dur="1" fill="hold">
-                                          <p:stCondLst>
-                                            <p:cond delay="0"/>
-                                          </p:stCondLst>
-                                        </p:cTn>
-                                        <p:tgtEl>
-                                          <p:spTgt spid="13"/>
-                                        </p:tgtEl>
-                                        <p:attrNameLst>
-                                          <p:attrName>style.visibility</p:attrName>
-                                        </p:attrNameLst>
-                                      </p:cBhvr>
-                                      <p:to>
-                                        <p:strVal val="visible"/>
-                                      </p:to>
-                                    </p:set>
-                                    <p:animEffect transition="in" filter="fade">
-                                      <p:cBhvr>
-                                        <p:cTn id="37" dur="100"/>
-                                        <p:tgtEl>
-                                          <p:spTgt spid="13"/>
-                                        </p:tgtEl>
-                                      </p:cBhvr>
-                                    </p:animEffect>
-                                  </p:childTnLst>
-                                </p:cTn>
-                              </p:par>
-                              <p:par>
-                                <p:cTn id="38" presetID="10" presetClass="entr" presetSubtype="0" fill="hold" grpId="0" nodeType="withEffect">
-                                  <p:stCondLst>
-                                    <p:cond delay="0"/>
-                                  </p:stCondLst>
-                                  <p:childTnLst>
-                                    <p:set>
-                                      <p:cBhvr>
-                                        <p:cTn id="39" dur="1" fill="hold">
-                                          <p:stCondLst>
-                                            <p:cond delay="0"/>
-                                          </p:stCondLst>
-                                        </p:cTn>
-                                        <p:tgtEl>
-                                          <p:spTgt spid="18"/>
-                                        </p:tgtEl>
-                                        <p:attrNameLst>
-                                          <p:attrName>style.visibility</p:attrName>
-                                        </p:attrNameLst>
-                                      </p:cBhvr>
-                                      <p:to>
-                                        <p:strVal val="visible"/>
-                                      </p:to>
-                                    </p:set>
-                                    <p:animEffect transition="in" filter="fade">
-                                      <p:cBhvr>
-                                        <p:cTn id="40" dur="500"/>
-                                        <p:tgtEl>
-                                          <p:spTgt spid="18"/>
-                                        </p:tgtEl>
-                                      </p:cBhvr>
-                                    </p:animEffect>
-                                  </p:childTnLst>
-                                </p:cTn>
-                              </p:par>
-                            </p:childTnLst>
-                          </p:cTn>
-                        </p:par>
-                      </p:childTnLst>
-                    </p:cTn>
-                  </p:par>
-                  <p:par>
-                    <p:cTn id="41" fill="hold">
-                      <p:stCondLst>
-                        <p:cond delay="indefinite"/>
-                      </p:stCondLst>
-                      <p:childTnLst>
-                        <p:par>
-                          <p:cTn id="42" fill="hold">
-                            <p:stCondLst>
-                              <p:cond delay="0"/>
-                            </p:stCondLst>
-                            <p:childTnLst>
-                              <p:par>
-                                <p:cTn id="43" presetID="10" presetClass="entr" presetSubtype="0" fill="hold" grpId="0" nodeType="clickEffect">
-                                  <p:stCondLst>
-                                    <p:cond delay="0"/>
-                                  </p:stCondLst>
-                                  <p:childTnLst>
-                                    <p:set>
-                                      <p:cBhvr>
-                                        <p:cTn id="44" dur="1" fill="hold">
-                                          <p:stCondLst>
-                                            <p:cond delay="0"/>
-                                          </p:stCondLst>
-                                        </p:cTn>
-                                        <p:tgtEl>
-                                          <p:spTgt spid="21"/>
-                                        </p:tgtEl>
-                                        <p:attrNameLst>
-                                          <p:attrName>style.visibility</p:attrName>
-                                        </p:attrNameLst>
-                                      </p:cBhvr>
-                                      <p:to>
-                                        <p:strVal val="visible"/>
-                                      </p:to>
-                                    </p:set>
-                                    <p:animEffect transition="in" filter="fade">
-                                      <p:cBhvr>
-                                        <p:cTn id="45" dur="100"/>
-                                        <p:tgtEl>
-                                          <p:spTgt spid="21"/>
-                                        </p:tgtEl>
-                                      </p:cBhvr>
-                                    </p:animEffect>
-                                  </p:childTnLst>
-                                </p:cTn>
-                              </p:par>
-                              <p:par>
-                                <p:cTn id="46" presetID="10" presetClass="entr" presetSubtype="0" fill="hold" grpId="0" nodeType="withEffect">
-                                  <p:stCondLst>
-                                    <p:cond delay="0"/>
-                                  </p:stCondLst>
-                                  <p:childTnLst>
-                                    <p:set>
-                                      <p:cBhvr>
-                                        <p:cTn id="47" dur="1" fill="hold">
-                                          <p:stCondLst>
-                                            <p:cond delay="0"/>
-                                          </p:stCondLst>
-                                        </p:cTn>
-                                        <p:tgtEl>
-                                          <p:spTgt spid="15"/>
-                                        </p:tgtEl>
-                                        <p:attrNameLst>
-                                          <p:attrName>style.visibility</p:attrName>
-                                        </p:attrNameLst>
-                                      </p:cBhvr>
-                                      <p:to>
-                                        <p:strVal val="visible"/>
-                                      </p:to>
-                                    </p:set>
-                                    <p:animEffect transition="in" filter="fade">
-                                      <p:cBhvr>
-                                        <p:cTn id="48" dur="100"/>
-                                        <p:tgtEl>
-                                          <p:spTgt spid="15"/>
-                                        </p:tgtEl>
-                                      </p:cBhvr>
-                                    </p:animEffect>
-                                  </p:childTnLst>
-                                </p:cTn>
-                              </p:par>
-                            </p:childTnLst>
-                          </p:cTn>
-                        </p:par>
-                      </p:childTnLst>
-                    </p:cTn>
-                  </p:par>
-                  <p:par>
-                    <p:cTn id="49" fill="hold">
-                      <p:stCondLst>
-                        <p:cond delay="indefinite"/>
-                      </p:stCondLst>
-                      <p:childTnLst>
-                        <p:par>
-                          <p:cTn id="50" fill="hold">
-                            <p:stCondLst>
-                              <p:cond delay="0"/>
-                            </p:stCondLst>
-                            <p:childTnLst>
-                              <p:par>
-                                <p:cTn id="51" presetID="10" presetClass="entr" presetSubtype="0" fill="hold" grpId="0" nodeType="clickEffect">
-                                  <p:stCondLst>
-                                    <p:cond delay="0"/>
-                                  </p:stCondLst>
-                                  <p:childTnLst>
-                                    <p:set>
-                                      <p:cBhvr>
-                                        <p:cTn id="52" dur="1" fill="hold">
-                                          <p:stCondLst>
-                                            <p:cond delay="0"/>
-                                          </p:stCondLst>
-                                        </p:cTn>
-                                        <p:tgtEl>
-                                          <p:spTgt spid="16"/>
-                                        </p:tgtEl>
-                                        <p:attrNameLst>
-                                          <p:attrName>style.visibility</p:attrName>
-                                        </p:attrNameLst>
-                                      </p:cBhvr>
-                                      <p:to>
-                                        <p:strVal val="visible"/>
-                                      </p:to>
-                                    </p:set>
-                                    <p:animEffect transition="in" filter="fade">
-                                      <p:cBhvr>
-                                        <p:cTn id="53" dur="100"/>
-                                        <p:tgtEl>
-                                          <p:spTgt spid="16"/>
-                                        </p:tgtEl>
-                                      </p:cBhvr>
-                                    </p:animEffect>
-                                  </p:childTnLst>
-                                </p:cTn>
-                              </p:par>
-                              <p:par>
-                                <p:cTn id="54" presetID="10" presetClass="entr" presetSubtype="0" fill="hold" grpId="0" nodeType="withEffect">
-                                  <p:stCondLst>
-                                    <p:cond delay="0"/>
-                                  </p:stCondLst>
-                                  <p:childTnLst>
-                                    <p:set>
-                                      <p:cBhvr>
-                                        <p:cTn id="55" dur="1" fill="hold">
-                                          <p:stCondLst>
-                                            <p:cond delay="0"/>
-                                          </p:stCondLst>
-                                        </p:cTn>
-                                        <p:tgtEl>
-                                          <p:spTgt spid="20"/>
-                                        </p:tgtEl>
-                                        <p:attrNameLst>
-                                          <p:attrName>style.visibility</p:attrName>
-                                        </p:attrNameLst>
-                                      </p:cBhvr>
-                                      <p:to>
-                                        <p:strVal val="visible"/>
-                                      </p:to>
-                                    </p:set>
-                                    <p:animEffect transition="in" filter="fade">
-                                      <p:cBhvr>
-                                        <p:cTn id="56" dur="100"/>
-                                        <p:tgtEl>
-                                          <p:spTgt spid="20"/>
-                                        </p:tgtEl>
-                                      </p:cBhvr>
-                                    </p:animEffect>
-                                  </p:childTnLst>
-                                </p:cTn>
-                              </p:par>
-                            </p:childTnLst>
-                          </p:cTn>
-                        </p:par>
-                      </p:childTnLst>
-                    </p:cTn>
-                  </p:par>
-                  <p:par>
-                    <p:cTn id="57" fill="hold">
-                      <p:stCondLst>
-                        <p:cond delay="indefinite"/>
-                      </p:stCondLst>
-                      <p:childTnLst>
-                        <p:par>
-                          <p:cTn id="58" fill="hold">
-                            <p:stCondLst>
-                              <p:cond delay="0"/>
-                            </p:stCondLst>
-                            <p:childTnLst>
-                              <p:par>
-                                <p:cTn id="59" presetID="10" presetClass="entr" presetSubtype="0" fill="hold" nodeType="clickEffect">
-                                  <p:stCondLst>
-                                    <p:cond delay="0"/>
-                                  </p:stCondLst>
-                                  <p:childTnLst>
-                                    <p:set>
-                                      <p:cBhvr>
-                                        <p:cTn id="60" dur="1" fill="hold">
-                                          <p:stCondLst>
-                                            <p:cond delay="0"/>
-                                          </p:stCondLst>
-                                        </p:cTn>
-                                        <p:tgtEl>
-                                          <p:spTgt spid="3">
-                                            <p:txEl>
-                                              <p:pRg st="5" end="5"/>
-                                            </p:txEl>
-                                          </p:spTgt>
-                                        </p:tgtEl>
-                                        <p:attrNameLst>
-                                          <p:attrName>style.visibility</p:attrName>
-                                        </p:attrNameLst>
-                                      </p:cBhvr>
-                                      <p:to>
-                                        <p:strVal val="visible"/>
-                                      </p:to>
-                                    </p:set>
-                                    <p:animEffect transition="in" filter="fade">
-                                      <p:cBhvr>
-                                        <p:cTn id="61" dur="500"/>
-                                        <p:tgtEl>
-                                          <p:spTgt spid="3">
-                                            <p:txEl>
-                                              <p:pRg st="5" end="5"/>
-                                            </p:txEl>
-                                          </p:spTgt>
-                                        </p:tgtEl>
-                                      </p:cBhvr>
-                                    </p:animEffect>
-                                  </p:childTnLst>
-                                </p:cTn>
-                              </p:par>
-                              <p:par>
-                                <p:cTn id="62" presetID="10" presetClass="entr" presetSubtype="0" fill="hold" nodeType="withEffect">
-                                  <p:stCondLst>
-                                    <p:cond delay="0"/>
-                                  </p:stCondLst>
-                                  <p:childTnLst>
-                                    <p:set>
-                                      <p:cBhvr>
-                                        <p:cTn id="63" dur="1" fill="hold">
-                                          <p:stCondLst>
-                                            <p:cond delay="0"/>
-                                          </p:stCondLst>
-                                        </p:cTn>
-                                        <p:tgtEl>
-                                          <p:spTgt spid="3">
-                                            <p:txEl>
-                                              <p:pRg st="6" end="6"/>
-                                            </p:txEl>
-                                          </p:spTgt>
-                                        </p:tgtEl>
-                                        <p:attrNameLst>
-                                          <p:attrName>style.visibility</p:attrName>
-                                        </p:attrNameLst>
-                                      </p:cBhvr>
-                                      <p:to>
-                                        <p:strVal val="visible"/>
-                                      </p:to>
-                                    </p:set>
-                                    <p:animEffect transition="in" filter="fade">
-                                      <p:cBhvr>
-                                        <p:cTn id="64" dur="500"/>
-                                        <p:tgtEl>
-                                          <p:spTgt spid="3">
-                                            <p:txEl>
-                                              <p:pRg st="6" end="6"/>
-                                            </p:txEl>
-                                          </p:spTgt>
-                                        </p:tgtEl>
-                                      </p:cBhvr>
-                                    </p:animEffect>
-                                  </p:childTnLst>
-                                </p:cTn>
-                              </p:par>
-                            </p:childTnLst>
-                          </p:cTn>
-                        </p:par>
-                      </p:childTnLst>
-                    </p:cTn>
-                  </p:par>
-                  <p:par>
-                    <p:cTn id="65" fill="hold">
-                      <p:stCondLst>
-                        <p:cond delay="indefinite"/>
-                      </p:stCondLst>
-                      <p:childTnLst>
-                        <p:par>
-                          <p:cTn id="66" fill="hold">
-                            <p:stCondLst>
-                              <p:cond delay="0"/>
-                            </p:stCondLst>
-                            <p:childTnLst>
-                              <p:par>
-                                <p:cTn id="67" presetID="9" presetClass="emph" presetSubtype="0" nodeType="clickEffect">
-                                  <p:stCondLst>
-                                    <p:cond delay="0"/>
-                                  </p:stCondLst>
-                                  <p:childTnLst>
-                                    <p:set>
-                                      <p:cBhvr rctx="PPT">
-                                        <p:cTn id="68" dur="indefinite"/>
-                                        <p:tgtEl>
-                                          <p:spTgt spid="3">
-                                            <p:txEl>
-                                              <p:pRg st="5" end="5"/>
-                                            </p:txEl>
-                                          </p:spTgt>
-                                        </p:tgtEl>
-                                        <p:attrNameLst>
-                                          <p:attrName>style.opacity</p:attrName>
-                                        </p:attrNameLst>
-                                      </p:cBhvr>
-                                      <p:to>
-                                        <p:strVal val="0.5"/>
-                                      </p:to>
-                                    </p:set>
-                                    <p:animEffect filter="image" prLst="opacity: 0.5">
-                                      <p:cBhvr rctx="IE">
-                                        <p:cTn id="69" dur="indefinite"/>
-                                        <p:tgtEl>
-                                          <p:spTgt spid="3">
-                                            <p:txEl>
-                                              <p:pRg st="5" end="5"/>
-                                            </p:txEl>
-                                          </p:spTgt>
-                                        </p:tgtEl>
-                                      </p:cBhvr>
-                                    </p:animEffect>
-                                  </p:childTnLst>
-                                </p:cTn>
-                              </p:par>
-                              <p:par>
-                                <p:cTn id="70" presetID="9" presetClass="emph" presetSubtype="0" nodeType="withEffect">
-                                  <p:stCondLst>
-                                    <p:cond delay="0"/>
-                                  </p:stCondLst>
-                                  <p:childTnLst>
-                                    <p:set>
-                                      <p:cBhvr rctx="PPT">
-                                        <p:cTn id="71" dur="indefinite"/>
-                                        <p:tgtEl>
-                                          <p:spTgt spid="3">
-                                            <p:txEl>
-                                              <p:pRg st="6" end="6"/>
-                                            </p:txEl>
-                                          </p:spTgt>
-                                        </p:tgtEl>
-                                        <p:attrNameLst>
-                                          <p:attrName>style.opacity</p:attrName>
-                                        </p:attrNameLst>
-                                      </p:cBhvr>
-                                      <p:to>
-                                        <p:strVal val="0.5"/>
-                                      </p:to>
-                                    </p:set>
-                                    <p:animEffect filter="image" prLst="opacity: 0.5">
-                                      <p:cBhvr rctx="IE">
-                                        <p:cTn id="72" dur="indefinite"/>
-                                        <p:tgtEl>
-                                          <p:spTgt spid="3">
-                                            <p:txEl>
-                                              <p:pRg st="6" end="6"/>
-                                            </p:txEl>
-                                          </p:spTgt>
-                                        </p:tgtEl>
-                                      </p:cBhvr>
-                                    </p:animEffect>
-                                  </p:childTnLst>
-                                </p:cTn>
-                              </p:par>
-                              <p:par>
-                                <p:cTn id="73" presetID="10" presetClass="entr" presetSubtype="0" fill="hold" grpId="0" nodeType="withEffect">
-                                  <p:stCondLst>
-                                    <p:cond delay="0"/>
-                                  </p:stCondLst>
-                                  <p:childTnLst>
-                                    <p:set>
-                                      <p:cBhvr>
-                                        <p:cTn id="74" dur="1" fill="hold">
-                                          <p:stCondLst>
-                                            <p:cond delay="0"/>
-                                          </p:stCondLst>
-                                        </p:cTn>
-                                        <p:tgtEl>
-                                          <p:spTgt spid="11"/>
-                                        </p:tgtEl>
-                                        <p:attrNameLst>
-                                          <p:attrName>style.visibility</p:attrName>
-                                        </p:attrNameLst>
-                                      </p:cBhvr>
-                                      <p:to>
-                                        <p:strVal val="visible"/>
-                                      </p:to>
-                                    </p:set>
-                                    <p:animEffect transition="in" filter="fade">
-                                      <p:cBhvr>
-                                        <p:cTn id="75" dur="100"/>
-                                        <p:tgtEl>
-                                          <p:spTgt spid="11"/>
-                                        </p:tgtEl>
-                                      </p:cBhvr>
-                                    </p:animEffect>
-                                  </p:childTnLst>
-                                </p:cTn>
-                              </p:par>
-                              <p:par>
-                                <p:cTn id="76" presetID="10" presetClass="entr" presetSubtype="0" fill="hold" grpId="0" nodeType="withEffect">
-                                  <p:stCondLst>
-                                    <p:cond delay="0"/>
-                                  </p:stCondLst>
-                                  <p:childTnLst>
-                                    <p:set>
-                                      <p:cBhvr>
-                                        <p:cTn id="77" dur="1" fill="hold">
-                                          <p:stCondLst>
-                                            <p:cond delay="0"/>
-                                          </p:stCondLst>
-                                        </p:cTn>
-                                        <p:tgtEl>
-                                          <p:spTgt spid="5"/>
-                                        </p:tgtEl>
-                                        <p:attrNameLst>
-                                          <p:attrName>style.visibility</p:attrName>
-                                        </p:attrNameLst>
-                                      </p:cBhvr>
-                                      <p:to>
-                                        <p:strVal val="visible"/>
-                                      </p:to>
-                                    </p:set>
-                                    <p:animEffect transition="in" filter="fade">
-                                      <p:cBhvr>
-                                        <p:cTn id="78" dur="100"/>
-                                        <p:tgtEl>
-                                          <p:spTgt spid="5"/>
-                                        </p:tgtEl>
-                                      </p:cBhvr>
-                                    </p:animEffect>
-                                  </p:childTnLst>
-                                </p:cTn>
-                              </p:par>
-                              <p:par>
-                                <p:cTn id="79" presetID="10" presetClass="entr" presetSubtype="0" fill="hold" grpId="0" nodeType="withEffect">
-                                  <p:stCondLst>
-                                    <p:cond delay="0"/>
-                                  </p:stCondLst>
-                                  <p:childTnLst>
-                                    <p:set>
-                                      <p:cBhvr>
-                                        <p:cTn id="80" dur="1" fill="hold">
-                                          <p:stCondLst>
-                                            <p:cond delay="0"/>
-                                          </p:stCondLst>
-                                        </p:cTn>
-                                        <p:tgtEl>
-                                          <p:spTgt spid="7"/>
-                                        </p:tgtEl>
-                                        <p:attrNameLst>
-                                          <p:attrName>style.visibility</p:attrName>
-                                        </p:attrNameLst>
-                                      </p:cBhvr>
-                                      <p:to>
-                                        <p:strVal val="visible"/>
-                                      </p:to>
-                                    </p:set>
-                                    <p:animEffect transition="in" filter="fade">
-                                      <p:cBhvr>
-                                        <p:cTn id="81" dur="100"/>
-                                        <p:tgtEl>
-                                          <p:spTgt spid="7"/>
-                                        </p:tgtEl>
-                                      </p:cBhvr>
-                                    </p:animEffect>
-                                  </p:childTnLst>
-                                </p:cTn>
-                              </p:par>
-                              <p:par>
-                                <p:cTn id="82" presetID="10" presetClass="entr" presetSubtype="0" fill="hold" grpId="0" nodeType="withEffect">
-                                  <p:stCondLst>
-                                    <p:cond delay="0"/>
-                                  </p:stCondLst>
-                                  <p:childTnLst>
-                                    <p:set>
-                                      <p:cBhvr>
-                                        <p:cTn id="83" dur="1" fill="hold">
-                                          <p:stCondLst>
-                                            <p:cond delay="0"/>
-                                          </p:stCondLst>
-                                        </p:cTn>
-                                        <p:tgtEl>
-                                          <p:spTgt spid="8"/>
-                                        </p:tgtEl>
-                                        <p:attrNameLst>
-                                          <p:attrName>style.visibility</p:attrName>
-                                        </p:attrNameLst>
-                                      </p:cBhvr>
-                                      <p:to>
-                                        <p:strVal val="visible"/>
-                                      </p:to>
-                                    </p:set>
-                                    <p:animEffect transition="in" filter="fade">
-                                      <p:cBhvr>
-                                        <p:cTn id="84" dur="100"/>
-                                        <p:tgtEl>
-                                          <p:spTgt spid="8"/>
-                                        </p:tgtEl>
-                                      </p:cBhvr>
-                                    </p:animEffect>
-                                  </p:childTnLst>
-                                </p:cTn>
-                              </p:par>
-                            </p:childTnLst>
-                          </p:cTn>
-                        </p:par>
-                      </p:childTnLst>
-                    </p:cTn>
-                  </p:par>
-                  <p:par>
-                    <p:cTn id="85" fill="hold">
-                      <p:stCondLst>
-                        <p:cond delay="indefinite"/>
-                      </p:stCondLst>
-                      <p:childTnLst>
-                        <p:par>
-                          <p:cTn id="86" fill="hold">
-                            <p:stCondLst>
-                              <p:cond delay="0"/>
-                            </p:stCondLst>
-                            <p:childTnLst>
-                              <p:par>
-                                <p:cTn id="87" presetID="10" presetClass="entr" presetSubtype="0" fill="hold" grpId="0" nodeType="clickEffect">
-                                  <p:stCondLst>
-                                    <p:cond delay="0"/>
-                                  </p:stCondLst>
-                                  <p:childTnLst>
-                                    <p:set>
-                                      <p:cBhvr>
-                                        <p:cTn id="88" dur="1" fill="hold">
-                                          <p:stCondLst>
-                                            <p:cond delay="0"/>
-                                          </p:stCondLst>
-                                        </p:cTn>
-                                        <p:tgtEl>
-                                          <p:spTgt spid="6"/>
-                                        </p:tgtEl>
-                                        <p:attrNameLst>
-                                          <p:attrName>style.visibility</p:attrName>
-                                        </p:attrNameLst>
-                                      </p:cBhvr>
-                                      <p:to>
-                                        <p:strVal val="visible"/>
-                                      </p:to>
-                                    </p:set>
-                                    <p:animEffect transition="in" filter="fade">
-                                      <p:cBhvr>
-                                        <p:cTn id="89" dur="100"/>
-                                        <p:tgtEl>
-                                          <p:spTgt spid="6"/>
-                                        </p:tgtEl>
-                                      </p:cBhvr>
-                                    </p:animEffect>
-                                  </p:childTnLst>
-                                </p:cTn>
-                              </p:par>
-                              <p:par>
-                                <p:cTn id="90" presetID="10" presetClass="entr" presetSubtype="0" fill="hold" grpId="0" nodeType="withEffect">
-                                  <p:stCondLst>
-                                    <p:cond delay="0"/>
-                                  </p:stCondLst>
-                                  <p:childTnLst>
-                                    <p:set>
-                                      <p:cBhvr>
-                                        <p:cTn id="91" dur="1" fill="hold">
-                                          <p:stCondLst>
-                                            <p:cond delay="0"/>
-                                          </p:stCondLst>
-                                        </p:cTn>
-                                        <p:tgtEl>
-                                          <p:spTgt spid="9"/>
-                                        </p:tgtEl>
-                                        <p:attrNameLst>
-                                          <p:attrName>style.visibility</p:attrName>
-                                        </p:attrNameLst>
-                                      </p:cBhvr>
-                                      <p:to>
-                                        <p:strVal val="visible"/>
-                                      </p:to>
-                                    </p:set>
-                                    <p:animEffect transition="in" filter="fade">
-                                      <p:cBhvr>
-                                        <p:cTn id="92" dur="100"/>
-                                        <p:tgtEl>
-                                          <p:spTgt spid="9"/>
-                                        </p:tgtEl>
-                                      </p:cBhvr>
-                                    </p:animEffect>
-                                  </p:childTnLst>
-                                </p:cTn>
-                              </p:par>
-                            </p:childTnLst>
-                          </p:cTn>
-                        </p:par>
-                      </p:childTnLst>
-                    </p:cTn>
-                  </p:par>
-                  <p:par>
-                    <p:cTn id="93" fill="hold">
-                      <p:stCondLst>
-                        <p:cond delay="indefinite"/>
-                      </p:stCondLst>
-                      <p:childTnLst>
-                        <p:par>
-                          <p:cTn id="94" fill="hold">
-                            <p:stCondLst>
-                              <p:cond delay="0"/>
-                            </p:stCondLst>
-                            <p:childTnLst>
-                              <p:par>
-                                <p:cTn id="95" presetID="10" presetClass="entr" presetSubtype="0" fill="hold" grpId="0" nodeType="clickEffect">
-                                  <p:stCondLst>
-                                    <p:cond delay="0"/>
-                                  </p:stCondLst>
-                                  <p:childTnLst>
-                                    <p:set>
-                                      <p:cBhvr>
-                                        <p:cTn id="96" dur="1" fill="hold">
-                                          <p:stCondLst>
-                                            <p:cond delay="0"/>
-                                          </p:stCondLst>
-                                        </p:cTn>
-                                        <p:tgtEl>
-                                          <p:spTgt spid="10"/>
-                                        </p:tgtEl>
-                                        <p:attrNameLst>
-                                          <p:attrName>style.visibility</p:attrName>
-                                        </p:attrNameLst>
-                                      </p:cBhvr>
-                                      <p:to>
-                                        <p:strVal val="visible"/>
-                                      </p:to>
-                                    </p:set>
-                                    <p:animEffect transition="in" filter="fade">
-                                      <p:cBhvr>
-                                        <p:cTn id="97" dur="500"/>
-                                        <p:tgtEl>
-                                          <p:spTgt spid="10"/>
-                                        </p:tgtEl>
-                                      </p:cBhvr>
-                                    </p:animEffect>
-                                  </p:childTnLst>
-                                </p:cTn>
-                              </p:par>
-                              <p:par>
-                                <p:cTn id="98" presetID="10" presetClass="entr" presetSubtype="0" fill="hold" grpId="0" nodeType="withEffect">
-                                  <p:stCondLst>
-                                    <p:cond delay="0"/>
-                                  </p:stCondLst>
-                                  <p:childTnLst>
-                                    <p:set>
-                                      <p:cBhvr>
-                                        <p:cTn id="99" dur="1" fill="hold">
-                                          <p:stCondLst>
-                                            <p:cond delay="0"/>
-                                          </p:stCondLst>
-                                        </p:cTn>
-                                        <p:tgtEl>
-                                          <p:spTgt spid="4"/>
-                                        </p:tgtEl>
-                                        <p:attrNameLst>
-                                          <p:attrName>style.visibility</p:attrName>
-                                        </p:attrNameLst>
-                                      </p:cBhvr>
-                                      <p:to>
-                                        <p:strVal val="visible"/>
-                                      </p:to>
-                                    </p:set>
-                                    <p:animEffect transition="in" filter="fade">
-                                      <p:cBhvr>
-                                        <p:cTn id="100" dur="500"/>
-                                        <p:tgtEl>
-                                          <p:spTgt spid="4"/>
-                                        </p:tgtEl>
-                                      </p:cBhvr>
-                                    </p:animEffect>
-                                  </p:childTnLst>
-                                </p:cTn>
-                              </p:par>
-                            </p:childTnLst>
-                          </p:cTn>
-                        </p:par>
-                      </p:childTnLst>
-                    </p:cTn>
-                  </p:par>
-                </p:childTnLst>
-              </p:cTn>
-              <p:prevCondLst>
-                <p:cond evt="onPrev" delay="0">
-                  <p:tgtEl>
-                    <p:sldTgt/>
-                  </p:tgtEl>
-                </p:cond>
-              </p:prevCondLst>
-              <p:nextCondLst>
-                <p:cond evt="onNext" delay="0">
-                  <p:tgtEl>
-                    <p:sldTgt/>
-                  </p:tgtEl>
-                </p:cond>
-              </p:nextCondLst>
-            </p:seq>
-          </p:childTnLst>
-        </p:cTn>
-      </p:par>
-    </p:tnLst>
-    <p:bldLst>
-      <p:bldP spid="4" grpId="0"/>
-      <p:bldP spid="5" grpId="0"/>
-      <p:bldP spid="6" grpId="0"/>
-      <p:bldP spid="7" grpId="0"/>
-      <p:bldP spid="8" grpId="0"/>
-      <p:bldP spid="9" grpId="0"/>
-      <p:bldP spid="10" grpId="0"/>
-      <p:bldP spid="11" grpId="0"/>
-      <p:bldP spid="12" grpId="0"/>
-      <p:bldP spid="13" grpId="0"/>
-      <p:bldP spid="14" grpId="0"/>
-      <p:bldP spid="15" grpId="0"/>
-      <p:bldP spid="16" grpId="0"/>
-      <p:bldP spid="18" grpId="0"/>
-      <p:bldP spid="19" grpId="0"/>
-      <p:bldP spid="20" grpId="0"/>
-      <p:bldP spid="21" grpId="0"/>
-      <p:bldP spid="22" grpId="0"/>
     </p:bldLst>
   </p:timing>
 </p:sld>
@@ -16827,7 +15586,7 @@
   <a:extraClrSchemeLst/>
   <a:extLst>
     <a:ext uri="{05A4C25C-085E-4340-85A3-A5531E510DB2}">
-      <thm15:themeFamily xmlns:thm15="http://schemas.microsoft.com/office/thememl/2012/main" xmlns="" name="Office Theme" id="{62F939B6-93AF-4DB8-9C6B-D6C7DFDC589F}" vid="{4A3C46E8-61CC-4603-A589-7422A47A8E4A}"/>
+      <thm15:themeFamily xmlns:thm15="http://schemas.microsoft.com/office/thememl/2012/main" name="Office Theme" id="{62F939B6-93AF-4DB8-9C6B-D6C7DFDC589F}" vid="{4A3C46E8-61CC-4603-A589-7422A47A8E4A}"/>
     </a:ext>
   </a:extLst>
 </a:theme>
@@ -17088,7 +15847,7 @@
   <a:extraClrSchemeLst/>
   <a:extLst>
     <a:ext uri="{05A4C25C-085E-4340-85A3-A5531E510DB2}">
-      <thm15:themeFamily xmlns:thm15="http://schemas.microsoft.com/office/thememl/2012/main" xmlns="" name="Office Theme" id="{62F939B6-93AF-4DB8-9C6B-D6C7DFDC589F}" vid="{4A3C46E8-61CC-4603-A589-7422A47A8E4A}"/>
+      <thm15:themeFamily xmlns:thm15="http://schemas.microsoft.com/office/thememl/2012/main" name="Office Theme" id="{62F939B6-93AF-4DB8-9C6B-D6C7DFDC589F}" vid="{4A3C46E8-61CC-4603-A589-7422A47A8E4A}"/>
     </a:ext>
   </a:extLst>
 </a:theme>

--- a/UM_DataManagementClass/Lessons/03/03_secondMeeting.pptx
+++ b/UM_DataManagementClass/Lessons/03/03_secondMeeting.pptx
@@ -5,7 +5,7 @@
     <p:sldMasterId id="2147483756" r:id="rId1"/>
   </p:sldMasterIdLst>
   <p:notesMasterIdLst>
-    <p:notesMasterId r:id="rId23"/>
+    <p:notesMasterId r:id="rId26"/>
   </p:notesMasterIdLst>
   <p:sldIdLst>
     <p:sldId id="256" r:id="rId2"/>
@@ -19,16 +19,19 @@
     <p:sldId id="264" r:id="rId10"/>
     <p:sldId id="265" r:id="rId11"/>
     <p:sldId id="280" r:id="rId12"/>
-    <p:sldId id="266" r:id="rId13"/>
-    <p:sldId id="267" r:id="rId14"/>
-    <p:sldId id="279" r:id="rId15"/>
-    <p:sldId id="257" r:id="rId16"/>
-    <p:sldId id="268" r:id="rId17"/>
-    <p:sldId id="270" r:id="rId18"/>
-    <p:sldId id="273" r:id="rId19"/>
-    <p:sldId id="276" r:id="rId20"/>
-    <p:sldId id="277" r:id="rId21"/>
-    <p:sldId id="278" r:id="rId22"/>
+    <p:sldId id="285" r:id="rId13"/>
+    <p:sldId id="266" r:id="rId14"/>
+    <p:sldId id="267" r:id="rId15"/>
+    <p:sldId id="279" r:id="rId16"/>
+    <p:sldId id="257" r:id="rId17"/>
+    <p:sldId id="268" r:id="rId18"/>
+    <p:sldId id="270" r:id="rId19"/>
+    <p:sldId id="273" r:id="rId20"/>
+    <p:sldId id="276" r:id="rId21"/>
+    <p:sldId id="277" r:id="rId22"/>
+    <p:sldId id="284" r:id="rId23"/>
+    <p:sldId id="283" r:id="rId24"/>
+    <p:sldId id="278" r:id="rId25"/>
   </p:sldIdLst>
   <p:sldSz cx="12192000" cy="6858000"/>
   <p:notesSz cx="7010400" cy="9296400"/>
@@ -1023,6 +1026,91 @@
     <p:extLst>
       <p:ext uri="{BB962C8B-B14F-4D97-AF65-F5344CB8AC3E}">
         <p14:creationId xmlns:p14="http://schemas.microsoft.com/office/powerpoint/2010/main" val="390379272"/>
+      </p:ext>
+    </p:extLst>
+  </p:cSld>
+  <p:clrMapOvr>
+    <a:masterClrMapping/>
+  </p:clrMapOvr>
+</p:notes>
+</file>
+
+<file path=ppt/notesSlides/notesSlide6.xml><?xml version="1.0" encoding="utf-8"?>
+<p:notes xmlns:a="http://schemas.openxmlformats.org/drawingml/2006/main" xmlns:r="http://schemas.openxmlformats.org/officeDocument/2006/relationships" xmlns:p="http://schemas.openxmlformats.org/presentationml/2006/main">
+  <p:cSld>
+    <p:spTree>
+      <p:nvGrpSpPr>
+        <p:cNvPr id="1" name=""/>
+        <p:cNvGrpSpPr/>
+        <p:nvPr/>
+      </p:nvGrpSpPr>
+      <p:grpSpPr>
+        <a:xfrm>
+          <a:off x="0" y="0"/>
+          <a:ext cx="0" cy="0"/>
+          <a:chOff x="0" y="0"/>
+          <a:chExt cx="0" cy="0"/>
+        </a:xfrm>
+      </p:grpSpPr>
+      <p:sp>
+        <p:nvSpPr>
+          <p:cNvPr id="2" name="Slide Image Placeholder 1"/>
+          <p:cNvSpPr>
+            <a:spLocks noGrp="1" noRot="1" noChangeAspect="1"/>
+          </p:cNvSpPr>
+          <p:nvPr>
+            <p:ph type="sldImg"/>
+          </p:nvPr>
+        </p:nvSpPr>
+        <p:spPr/>
+      </p:sp>
+      <p:sp>
+        <p:nvSpPr>
+          <p:cNvPr id="3" name="Notes Placeholder 2"/>
+          <p:cNvSpPr>
+            <a:spLocks noGrp="1"/>
+          </p:cNvSpPr>
+          <p:nvPr>
+            <p:ph type="body" idx="1"/>
+          </p:nvPr>
+        </p:nvSpPr>
+        <p:spPr/>
+        <p:txBody>
+          <a:bodyPr/>
+          <a:lstStyle/>
+          <a:p>
+            <a:endParaRPr lang="en-US" dirty="0"/>
+          </a:p>
+        </p:txBody>
+      </p:sp>
+      <p:sp>
+        <p:nvSpPr>
+          <p:cNvPr id="4" name="Slide Number Placeholder 3"/>
+          <p:cNvSpPr>
+            <a:spLocks noGrp="1"/>
+          </p:cNvSpPr>
+          <p:nvPr>
+            <p:ph type="sldNum" sz="quarter" idx="10"/>
+          </p:nvPr>
+        </p:nvSpPr>
+        <p:spPr/>
+        <p:txBody>
+          <a:bodyPr/>
+          <a:lstStyle/>
+          <a:p>
+            <a:fld id="{BD1BE559-B438-492B-8B25-996CFA6FE800}" type="slidenum">
+              <a:rPr lang="en-US" smtClean="0"/>
+              <a:pPr/>
+              <a:t>20</a:t>
+            </a:fld>
+            <a:endParaRPr lang="en-US"/>
+          </a:p>
+        </p:txBody>
+      </p:sp>
+    </p:spTree>
+    <p:extLst>
+      <p:ext uri="{BB962C8B-B14F-4D97-AF65-F5344CB8AC3E}">
+        <p14:creationId xmlns:p14="http://schemas.microsoft.com/office/powerpoint/2010/main" val="656268099"/>
       </p:ext>
     </p:extLst>
   </p:cSld>
@@ -4861,8 +4949,9 @@
           <a:p>
             <a:r>
               <a:rPr lang="en-US" dirty="0" smtClean="0"/>
-              <a:t>Images</a:t>
-            </a:r>
+              <a:t>Images (bitmap)</a:t>
+            </a:r>
+            <a:endParaRPr lang="en-US" dirty="0" smtClean="0"/>
           </a:p>
           <a:p>
             <a:pPr lvl="1"/>
@@ -6655,14 +6744,23 @@
         </p:nvSpPr>
         <p:spPr/>
         <p:txBody>
-          <a:bodyPr/>
+          <a:bodyPr>
+            <a:normAutofit/>
+          </a:bodyPr>
           <a:lstStyle/>
           <a:p>
-            <a:r>
-              <a:rPr lang="en-US" dirty="0" smtClean="0"/>
-              <a:t>Some things to remember</a:t>
-            </a:r>
-            <a:endParaRPr lang="en-US" dirty="0"/>
+            <a:pPr marL="457200" lvl="1" indent="0" algn="ctr">
+              <a:buNone/>
+            </a:pPr>
+            <a:r>
+              <a:rPr lang="en-US" sz="3200" b="1" dirty="0" smtClean="0">
+                <a:latin typeface="+mn-lt"/>
+              </a:rPr>
+              <a:t>character encoding??? UTF-8</a:t>
+            </a:r>
+            <a:endParaRPr lang="en-US" sz="3200" b="1" dirty="0" smtClean="0">
+              <a:latin typeface="+mn-lt"/>
+            </a:endParaRPr>
           </a:p>
         </p:txBody>
       </p:sp>
@@ -6687,23 +6785,6 @@
             <a:normAutofit/>
           </a:bodyPr>
           <a:lstStyle/>
-          <a:p>
-            <a:pPr marL="457200" lvl="1" indent="0">
-              <a:buNone/>
-            </a:pPr>
-            <a:r>
-              <a:rPr lang="en-US" dirty="0" smtClean="0"/>
-              <a:t>character </a:t>
-            </a:r>
-            <a:r>
-              <a:rPr lang="en-US" dirty="0"/>
-              <a:t>encoding??? UTF-</a:t>
-            </a:r>
-            <a:r>
-              <a:rPr lang="en-US" dirty="0" smtClean="0"/>
-              <a:t>8</a:t>
-            </a:r>
-          </a:p>
           <a:p>
             <a:pPr marL="457200" lvl="1" indent="0">
               <a:buNone/>
@@ -6890,14 +6971,23 @@
         </p:nvSpPr>
         <p:spPr/>
         <p:txBody>
-          <a:bodyPr/>
+          <a:bodyPr>
+            <a:normAutofit/>
+          </a:bodyPr>
           <a:lstStyle/>
           <a:p>
-            <a:r>
-              <a:rPr lang="en-US" dirty="0" smtClean="0"/>
-              <a:t>Some things to remember</a:t>
-            </a:r>
-            <a:endParaRPr lang="en-US" dirty="0"/>
+            <a:pPr marL="457200" lvl="1" indent="0" algn="ctr">
+              <a:buNone/>
+            </a:pPr>
+            <a:r>
+              <a:rPr lang="en-US" sz="3200" b="1" dirty="0" smtClean="0">
+                <a:latin typeface="+mn-lt"/>
+              </a:rPr>
+              <a:t>bitmap and vector images</a:t>
+            </a:r>
+            <a:endParaRPr lang="en-US" sz="3200" b="1" dirty="0" smtClean="0">
+              <a:latin typeface="+mn-lt"/>
+            </a:endParaRPr>
           </a:p>
         </p:txBody>
       </p:sp>
@@ -6914,7 +7004,7 @@
         <p:spPr>
           <a:xfrm>
             <a:off x="838200" y="1825625"/>
-            <a:ext cx="10488168" cy="4351338"/>
+            <a:ext cx="10707624" cy="4351338"/>
           </a:xfrm>
         </p:spPr>
         <p:txBody>
@@ -6923,6 +7013,206 @@
           </a:bodyPr>
           <a:lstStyle/>
           <a:p>
+            <a:pPr marL="457200" lvl="1" indent="0">
+              <a:buNone/>
+            </a:pPr>
+            <a:endParaRPr lang="en-US" dirty="0"/>
+          </a:p>
+          <a:p>
+            <a:pPr marL="457200" lvl="1" indent="0">
+              <a:buNone/>
+            </a:pPr>
+            <a:r>
+              <a:rPr lang="en-US" dirty="0" smtClean="0"/>
+              <a:t>Raster – </a:t>
+            </a:r>
+            <a:r>
+              <a:rPr lang="en-US" b="1" dirty="0" smtClean="0"/>
+              <a:t>a “grid” of numeric color values, also known as a bitmap</a:t>
+            </a:r>
+          </a:p>
+          <a:p>
+            <a:pPr marL="457200" lvl="1" indent="0">
+              <a:buNone/>
+            </a:pPr>
+            <a:r>
+              <a:rPr lang="en-US" dirty="0" smtClean="0"/>
+              <a:t>[ tiff, jpg, </a:t>
+            </a:r>
+            <a:r>
+              <a:rPr lang="en-US" dirty="0" err="1" smtClean="0"/>
+              <a:t>png</a:t>
+            </a:r>
+            <a:r>
+              <a:rPr lang="en-US" dirty="0" smtClean="0"/>
+              <a:t> ]</a:t>
+            </a:r>
+          </a:p>
+          <a:p>
+            <a:pPr marL="457200" lvl="1" indent="0">
+              <a:buNone/>
+            </a:pPr>
+            <a:endParaRPr lang="en-US" dirty="0"/>
+          </a:p>
+          <a:p>
+            <a:pPr marL="457200" lvl="1" indent="0">
+              <a:buNone/>
+            </a:pPr>
+            <a:endParaRPr lang="en-US" dirty="0"/>
+          </a:p>
+          <a:p>
+            <a:pPr marL="457200" lvl="1" indent="0">
+              <a:buNone/>
+            </a:pPr>
+            <a:r>
+              <a:rPr lang="en-US" dirty="0" smtClean="0"/>
+              <a:t>Vector </a:t>
+            </a:r>
+            <a:r>
+              <a:rPr lang="en-US" dirty="0" smtClean="0"/>
+              <a:t>– </a:t>
+            </a:r>
+            <a:r>
+              <a:rPr lang="en-US" b="1" dirty="0" smtClean="0"/>
+              <a:t>a collection of points that can be connected to make lines and polygons</a:t>
+            </a:r>
+            <a:endParaRPr lang="en-US" b="1" dirty="0" smtClean="0"/>
+          </a:p>
+          <a:p>
+            <a:pPr marL="457200" lvl="1" indent="0">
+              <a:buNone/>
+            </a:pPr>
+            <a:r>
+              <a:rPr lang="en-US" dirty="0" smtClean="0"/>
+              <a:t>[ </a:t>
+            </a:r>
+            <a:r>
+              <a:rPr lang="en-US" dirty="0" smtClean="0"/>
+              <a:t>no standards yet, but common in Adobe Illustrator, AutoCAD, and many GIS applications ]</a:t>
+            </a:r>
+            <a:endParaRPr lang="en-US" dirty="0" smtClean="0"/>
+          </a:p>
+        </p:txBody>
+      </p:sp>
+      <p:sp>
+        <p:nvSpPr>
+          <p:cNvPr id="17" name="Rectangle 16"/>
+          <p:cNvSpPr/>
+          <p:nvPr/>
+        </p:nvSpPr>
+        <p:spPr>
+          <a:xfrm>
+            <a:off x="3583869" y="4711174"/>
+            <a:ext cx="5024261" cy="461665"/>
+          </a:xfrm>
+          <a:prstGeom prst="rect">
+            <a:avLst/>
+          </a:prstGeom>
+        </p:spPr>
+        <p:txBody>
+          <a:bodyPr wrap="none">
+            <a:spAutoFit/>
+          </a:bodyPr>
+          <a:lstStyle/>
+          <a:p>
+            <a:r>
+              <a:rPr lang="en-US" sz="2400" dirty="0" smtClean="0"/>
+              <a:t>WATCH for .</a:t>
+            </a:r>
+            <a:r>
+              <a:rPr lang="en-US" sz="2400" dirty="0" err="1" smtClean="0"/>
+              <a:t>svg</a:t>
+            </a:r>
+            <a:r>
+              <a:rPr lang="en-US" sz="2400" dirty="0" smtClean="0"/>
+              <a:t> – simple vector graphic</a:t>
+            </a:r>
+            <a:endParaRPr lang="en-US" sz="2400" dirty="0"/>
+          </a:p>
+        </p:txBody>
+      </p:sp>
+    </p:spTree>
+    <p:extLst>
+      <p:ext uri="{BB962C8B-B14F-4D97-AF65-F5344CB8AC3E}">
+        <p14:creationId xmlns:p14="http://schemas.microsoft.com/office/powerpoint/2010/main" val="1355998826"/>
+      </p:ext>
+    </p:extLst>
+  </p:cSld>
+  <p:clrMapOvr>
+    <a:masterClrMapping/>
+  </p:clrMapOvr>
+  <p:timing>
+    <p:tnLst>
+      <p:par>
+        <p:cTn id="1" dur="indefinite" restart="never" nodeType="tmRoot"/>
+      </p:par>
+    </p:tnLst>
+  </p:timing>
+</p:sld>
+</file>
+
+<file path=ppt/slides/slide13.xml><?xml version="1.0" encoding="utf-8"?>
+<p:sld xmlns:a="http://schemas.openxmlformats.org/drawingml/2006/main" xmlns:r="http://schemas.openxmlformats.org/officeDocument/2006/relationships" xmlns:p="http://schemas.openxmlformats.org/presentationml/2006/main">
+  <p:cSld>
+    <p:spTree>
+      <p:nvGrpSpPr>
+        <p:cNvPr id="1" name=""/>
+        <p:cNvGrpSpPr/>
+        <p:nvPr/>
+      </p:nvGrpSpPr>
+      <p:grpSpPr>
+        <a:xfrm>
+          <a:off x="0" y="0"/>
+          <a:ext cx="0" cy="0"/>
+          <a:chOff x="0" y="0"/>
+          <a:chExt cx="0" cy="0"/>
+        </a:xfrm>
+      </p:grpSpPr>
+      <p:sp>
+        <p:nvSpPr>
+          <p:cNvPr id="2" name="Title 1"/>
+          <p:cNvSpPr>
+            <a:spLocks noGrp="1"/>
+          </p:cNvSpPr>
+          <p:nvPr>
+            <p:ph type="title"/>
+          </p:nvPr>
+        </p:nvSpPr>
+        <p:spPr/>
+        <p:txBody>
+          <a:bodyPr/>
+          <a:lstStyle/>
+          <a:p>
+            <a:r>
+              <a:rPr lang="en-US" dirty="0" smtClean="0"/>
+              <a:t>Some things to remember</a:t>
+            </a:r>
+            <a:endParaRPr lang="en-US" dirty="0"/>
+          </a:p>
+        </p:txBody>
+      </p:sp>
+      <p:sp>
+        <p:nvSpPr>
+          <p:cNvPr id="3" name="Content Placeholder 2"/>
+          <p:cNvSpPr>
+            <a:spLocks noGrp="1"/>
+          </p:cNvSpPr>
+          <p:nvPr>
+            <p:ph idx="1"/>
+          </p:nvPr>
+        </p:nvSpPr>
+        <p:spPr>
+          <a:xfrm>
+            <a:off x="838200" y="1825625"/>
+            <a:ext cx="10488168" cy="4351338"/>
+          </a:xfrm>
+        </p:spPr>
+        <p:txBody>
+          <a:bodyPr>
+            <a:normAutofit/>
+          </a:bodyPr>
+          <a:lstStyle/>
+          <a:p>
             <a:r>
               <a:rPr lang="en-US" dirty="0" smtClean="0"/>
               <a:t>Cartographic (maps)</a:t>
@@ -6944,7 +7234,15 @@
             </a:r>
             <a:r>
               <a:rPr lang="en-US" dirty="0" smtClean="0"/>
-              <a:t> (??!!), watch for </a:t>
+              <a:t> </a:t>
+            </a:r>
+            <a:r>
+              <a:rPr lang="en-US" dirty="0" smtClean="0"/>
+              <a:t>(??!!), AutoCAD, </a:t>
+            </a:r>
+            <a:r>
+              <a:rPr lang="en-US" dirty="0" smtClean="0"/>
+              <a:t>watch for </a:t>
             </a:r>
             <a:r>
               <a:rPr lang="en-US" dirty="0" err="1" smtClean="0"/>
@@ -7458,6 +7756,66 @@
             <a:r>
               <a:rPr lang="en-US" dirty="0" smtClean="0"/>
               <a:t>moving pictures expert group</a:t>
+            </a:r>
+            <a:endParaRPr lang="en-US" dirty="0"/>
+          </a:p>
+        </p:txBody>
+      </p:sp>
+      <p:sp>
+        <p:nvSpPr>
+          <p:cNvPr id="18" name="TextBox 17"/>
+          <p:cNvSpPr txBox="1"/>
+          <p:nvPr/>
+        </p:nvSpPr>
+        <p:spPr>
+          <a:xfrm>
+            <a:off x="8159902" y="2779217"/>
+            <a:ext cx="476412" cy="369332"/>
+          </a:xfrm>
+          <a:prstGeom prst="rect">
+            <a:avLst/>
+          </a:prstGeom>
+          <a:noFill/>
+        </p:spPr>
+        <p:txBody>
+          <a:bodyPr wrap="none" rtlCol="0">
+            <a:spAutoFit/>
+          </a:bodyPr>
+          <a:lstStyle/>
+          <a:p>
+            <a:r>
+              <a:rPr lang="en-US" dirty="0" err="1" smtClean="0"/>
+              <a:t>dxf</a:t>
+            </a:r>
+            <a:endParaRPr lang="en-US" dirty="0"/>
+          </a:p>
+        </p:txBody>
+      </p:sp>
+      <p:sp>
+        <p:nvSpPr>
+          <p:cNvPr id="19" name="TextBox 18"/>
+          <p:cNvSpPr txBox="1"/>
+          <p:nvPr/>
+        </p:nvSpPr>
+        <p:spPr>
+          <a:xfrm>
+            <a:off x="8341925" y="3004770"/>
+            <a:ext cx="2817566" cy="369332"/>
+          </a:xfrm>
+          <a:prstGeom prst="rect">
+            <a:avLst/>
+          </a:prstGeom>
+          <a:noFill/>
+        </p:spPr>
+        <p:txBody>
+          <a:bodyPr wrap="none" rtlCol="0">
+            <a:spAutoFit/>
+          </a:bodyPr>
+          <a:lstStyle/>
+          <a:p>
+            <a:r>
+              <a:rPr lang="en-US" dirty="0" smtClean="0"/>
+              <a:t>drawing interchange format</a:t>
             </a:r>
             <a:endParaRPr lang="en-US" dirty="0"/>
           </a:p>
@@ -7963,7 +8321,7 @@
                             </p:stCondLst>
                             <p:childTnLst>
                               <p:par>
-                                <p:cTn id="46" presetID="10" presetClass="entr" presetSubtype="0" fill="hold" nodeType="clickEffect">
+                                <p:cTn id="46" presetID="10" presetClass="entr" presetSubtype="0" fill="hold" grpId="0" nodeType="clickEffect">
                                   <p:stCondLst>
                                     <p:cond delay="0"/>
                                   </p:stCondLst>
@@ -7976,11 +8334,7 @@
                                           </p:stCondLst>
                                         </p:cTn>
                                         <p:tgtEl>
-                                          <p:spTgt spid="3">
-                                            <p:txEl>
-                                              <p:pRg st="4" end="4"/>
-                                            </p:txEl>
-                                          </p:spTgt>
+                                          <p:spTgt spid="18"/>
                                         </p:tgtEl>
                                         <p:attrNameLst>
                                           <p:attrName>style.visibility</p:attrName>
@@ -7994,11 +8348,7 @@
                                       <p:cBhvr>
                                         <p:cTn id="48" dur="500"/>
                                         <p:tgtEl>
-                                          <p:spTgt spid="3">
-                                            <p:txEl>
-                                              <p:pRg st="4" end="4"/>
-                                            </p:txEl>
-                                          </p:spTgt>
+                                          <p:spTgt spid="18"/>
                                         </p:tgtEl>
                                       </p:cBhvr>
                                     </p:animEffect>
@@ -8006,7 +8356,7 @@
                                 </p:cTn>
                               </p:par>
                               <p:par>
-                                <p:cTn id="49" presetID="10" presetClass="entr" presetSubtype="0" fill="hold" nodeType="withEffect">
+                                <p:cTn id="49" presetID="10" presetClass="entr" presetSubtype="0" fill="hold" grpId="0" nodeType="withEffect">
                                   <p:stCondLst>
                                     <p:cond delay="0"/>
                                   </p:stCondLst>
@@ -8019,11 +8369,7 @@
                                           </p:stCondLst>
                                         </p:cTn>
                                         <p:tgtEl>
-                                          <p:spTgt spid="3">
-                                            <p:txEl>
-                                              <p:pRg st="5" end="5"/>
-                                            </p:txEl>
-                                          </p:spTgt>
+                                          <p:spTgt spid="19"/>
                                         </p:tgtEl>
                                         <p:attrNameLst>
                                           <p:attrName>style.visibility</p:attrName>
@@ -8037,54 +8383,7 @@
                                       <p:cBhvr>
                                         <p:cTn id="51" dur="500"/>
                                         <p:tgtEl>
-                                          <p:spTgt spid="3">
-                                            <p:txEl>
-                                              <p:pRg st="5" end="5"/>
-                                            </p:txEl>
-                                          </p:spTgt>
-                                        </p:tgtEl>
-                                      </p:cBhvr>
-                                    </p:animEffect>
-                                  </p:childTnLst>
-                                </p:cTn>
-                              </p:par>
-                              <p:par>
-                                <p:cTn id="52" presetID="10" presetClass="entr" presetSubtype="0" fill="hold" nodeType="withEffect">
-                                  <p:stCondLst>
-                                    <p:cond delay="0"/>
-                                  </p:stCondLst>
-                                  <p:childTnLst>
-                                    <p:set>
-                                      <p:cBhvr>
-                                        <p:cTn id="53" dur="1" fill="hold">
-                                          <p:stCondLst>
-                                            <p:cond delay="0"/>
-                                          </p:stCondLst>
-                                        </p:cTn>
-                                        <p:tgtEl>
-                                          <p:spTgt spid="3">
-                                            <p:txEl>
-                                              <p:pRg st="6" end="6"/>
-                                            </p:txEl>
-                                          </p:spTgt>
-                                        </p:tgtEl>
-                                        <p:attrNameLst>
-                                          <p:attrName>style.visibility</p:attrName>
-                                        </p:attrNameLst>
-                                      </p:cBhvr>
-                                      <p:to>
-                                        <p:strVal val="visible"/>
-                                      </p:to>
-                                    </p:set>
-                                    <p:animEffect transition="in" filter="fade">
-                                      <p:cBhvr>
-                                        <p:cTn id="54" dur="500"/>
-                                        <p:tgtEl>
-                                          <p:spTgt spid="3">
-                                            <p:txEl>
-                                              <p:pRg st="6" end="6"/>
-                                            </p:txEl>
-                                          </p:spTgt>
+                                          <p:spTgt spid="19"/>
                                         </p:tgtEl>
                                       </p:cBhvr>
                                     </p:animEffect>
@@ -8098,149 +8397,36 @@
                     </p:cTn>
                   </p:par>
                   <p:par>
-                    <p:cTn id="55" fill="hold">
+                    <p:cTn id="52" fill="hold">
                       <p:stCondLst>
                         <p:cond delay="indefinite"/>
                       </p:stCondLst>
                       <p:childTnLst>
                         <p:par>
-                          <p:cTn id="56" fill="hold">
+                          <p:cTn id="53" fill="hold">
                             <p:stCondLst>
                               <p:cond delay="0"/>
                             </p:stCondLst>
                             <p:childTnLst>
                               <p:par>
-                                <p:cTn id="57" presetID="9" presetClass="emph" presetSubtype="0" nodeType="clickEffect">
-                                  <p:stCondLst>
-                                    <p:cond delay="0"/>
-                                  </p:stCondLst>
-                                  <p:childTnLst>
-                                    <p:set>
-                                      <p:cBhvr rctx="PPT">
-                                        <p:cTn id="58" dur="indefinite"/>
-                                        <p:tgtEl>
-                                          <p:spTgt spid="3">
-                                            <p:txEl>
-                                              <p:pRg st="4" end="4"/>
-                                            </p:txEl>
-                                          </p:spTgt>
-                                        </p:tgtEl>
-                                        <p:attrNameLst>
-                                          <p:attrName>style.opacity</p:attrName>
-                                        </p:attrNameLst>
-                                      </p:cBhvr>
-                                      <p:to>
-                                        <p:strVal val="0.5"/>
-                                      </p:to>
-                                    </p:set>
-                                    <p:animEffect filter="image" prLst="opacity: 0.5">
-                                      <p:cBhvr rctx="IE">
-                                        <p:cTn id="59" dur="indefinite"/>
-                                        <p:tgtEl>
-                                          <p:spTgt spid="3">
-                                            <p:txEl>
-                                              <p:pRg st="4" end="4"/>
-                                            </p:txEl>
-                                          </p:spTgt>
-                                        </p:tgtEl>
-                                      </p:cBhvr>
-                                    </p:animEffect>
-                                  </p:childTnLst>
-                                </p:cTn>
-                              </p:par>
-                              <p:par>
-                                <p:cTn id="60" presetID="9" presetClass="emph" presetSubtype="0" nodeType="withEffect">
-                                  <p:stCondLst>
-                                    <p:cond delay="0"/>
-                                  </p:stCondLst>
-                                  <p:childTnLst>
-                                    <p:set>
-                                      <p:cBhvr rctx="PPT">
-                                        <p:cTn id="61" dur="indefinite"/>
-                                        <p:tgtEl>
-                                          <p:spTgt spid="3">
-                                            <p:txEl>
-                                              <p:pRg st="5" end="5"/>
-                                            </p:txEl>
-                                          </p:spTgt>
-                                        </p:tgtEl>
-                                        <p:attrNameLst>
-                                          <p:attrName>style.opacity</p:attrName>
-                                        </p:attrNameLst>
-                                      </p:cBhvr>
-                                      <p:to>
-                                        <p:strVal val="0.5"/>
-                                      </p:to>
-                                    </p:set>
-                                    <p:animEffect filter="image" prLst="opacity: 0.5">
-                                      <p:cBhvr rctx="IE">
-                                        <p:cTn id="62" dur="indefinite"/>
-                                        <p:tgtEl>
-                                          <p:spTgt spid="3">
-                                            <p:txEl>
-                                              <p:pRg st="5" end="5"/>
-                                            </p:txEl>
-                                          </p:spTgt>
-                                        </p:tgtEl>
-                                      </p:cBhvr>
-                                    </p:animEffect>
-                                  </p:childTnLst>
-                                </p:cTn>
-                              </p:par>
-                              <p:par>
-                                <p:cTn id="63" presetID="9" presetClass="emph" presetSubtype="0" nodeType="withEffect">
-                                  <p:stCondLst>
-                                    <p:cond delay="0"/>
-                                  </p:stCondLst>
-                                  <p:childTnLst>
-                                    <p:set>
-                                      <p:cBhvr rctx="PPT">
-                                        <p:cTn id="64" dur="indefinite"/>
-                                        <p:tgtEl>
-                                          <p:spTgt spid="3">
-                                            <p:txEl>
-                                              <p:pRg st="6" end="6"/>
-                                            </p:txEl>
-                                          </p:spTgt>
-                                        </p:tgtEl>
-                                        <p:attrNameLst>
-                                          <p:attrName>style.opacity</p:attrName>
-                                        </p:attrNameLst>
-                                      </p:cBhvr>
-                                      <p:to>
-                                        <p:strVal val="0.5"/>
-                                      </p:to>
-                                    </p:set>
-                                    <p:animEffect filter="image" prLst="opacity: 0.5">
-                                      <p:cBhvr rctx="IE">
-                                        <p:cTn id="65" dur="indefinite"/>
-                                        <p:tgtEl>
-                                          <p:spTgt spid="3">
-                                            <p:txEl>
-                                              <p:pRg st="6" end="6"/>
-                                            </p:txEl>
-                                          </p:spTgt>
-                                        </p:tgtEl>
-                                      </p:cBhvr>
-                                    </p:animEffect>
-                                  </p:childTnLst>
-                                </p:cTn>
-                              </p:par>
-                              <p:par>
-                                <p:cTn id="66" presetID="10" presetClass="entr" presetSubtype="0" fill="hold" grpId="0" nodeType="withEffect">
+                                <p:cTn id="54" presetID="10" presetClass="entr" presetSubtype="0" fill="hold" nodeType="clickEffect">
                                   <p:stCondLst>
                                     <p:cond delay="0"/>
                                   </p:stCondLst>
                                   <p:childTnLst>
                                     <p:set>
                                       <p:cBhvr>
-                                        <p:cTn id="67" dur="1" fill="hold">
+                                        <p:cTn id="55" dur="1" fill="hold">
                                           <p:stCondLst>
                                             <p:cond delay="0"/>
                                           </p:stCondLst>
                                         </p:cTn>
                                         <p:tgtEl>
-                                          <p:spTgt spid="15"/>
+                                          <p:spTgt spid="3">
+                                            <p:txEl>
+                                              <p:pRg st="4" end="4"/>
+                                            </p:txEl>
+                                          </p:spTgt>
                                         </p:tgtEl>
                                         <p:attrNameLst>
                                           <p:attrName>style.visibility</p:attrName>
@@ -8252,9 +8438,13 @@
                                     </p:set>
                                     <p:animEffect transition="in" filter="fade">
                                       <p:cBhvr>
-                                        <p:cTn id="68" dur="500"/>
-                                        <p:tgtEl>
-                                          <p:spTgt spid="15"/>
+                                        <p:cTn id="56" dur="500"/>
+                                        <p:tgtEl>
+                                          <p:spTgt spid="3">
+                                            <p:txEl>
+                                              <p:pRg st="4" end="4"/>
+                                            </p:txEl>
+                                          </p:spTgt>
                                         </p:tgtEl>
                                       </p:cBhvr>
                                     </p:animEffect>
@@ -8262,20 +8452,24 @@
                                 </p:cTn>
                               </p:par>
                               <p:par>
-                                <p:cTn id="69" presetID="10" presetClass="entr" presetSubtype="0" fill="hold" grpId="0" nodeType="withEffect">
+                                <p:cTn id="57" presetID="10" presetClass="entr" presetSubtype="0" fill="hold" nodeType="withEffect">
                                   <p:stCondLst>
                                     <p:cond delay="0"/>
                                   </p:stCondLst>
                                   <p:childTnLst>
                                     <p:set>
                                       <p:cBhvr>
-                                        <p:cTn id="70" dur="1" fill="hold">
+                                        <p:cTn id="58" dur="1" fill="hold">
                                           <p:stCondLst>
                                             <p:cond delay="0"/>
                                           </p:stCondLst>
                                         </p:cTn>
                                         <p:tgtEl>
-                                          <p:spTgt spid="12"/>
+                                          <p:spTgt spid="3">
+                                            <p:txEl>
+                                              <p:pRg st="5" end="5"/>
+                                            </p:txEl>
+                                          </p:spTgt>
                                         </p:tgtEl>
                                         <p:attrNameLst>
                                           <p:attrName>style.visibility</p:attrName>
@@ -8287,9 +8481,56 @@
                                     </p:set>
                                     <p:animEffect transition="in" filter="fade">
                                       <p:cBhvr>
-                                        <p:cTn id="71" dur="500"/>
-                                        <p:tgtEl>
-                                          <p:spTgt spid="12"/>
+                                        <p:cTn id="59" dur="500"/>
+                                        <p:tgtEl>
+                                          <p:spTgt spid="3">
+                                            <p:txEl>
+                                              <p:pRg st="5" end="5"/>
+                                            </p:txEl>
+                                          </p:spTgt>
+                                        </p:tgtEl>
+                                      </p:cBhvr>
+                                    </p:animEffect>
+                                  </p:childTnLst>
+                                </p:cTn>
+                              </p:par>
+                              <p:par>
+                                <p:cTn id="60" presetID="10" presetClass="entr" presetSubtype="0" fill="hold" nodeType="withEffect">
+                                  <p:stCondLst>
+                                    <p:cond delay="0"/>
+                                  </p:stCondLst>
+                                  <p:childTnLst>
+                                    <p:set>
+                                      <p:cBhvr>
+                                        <p:cTn id="61" dur="1" fill="hold">
+                                          <p:stCondLst>
+                                            <p:cond delay="0"/>
+                                          </p:stCondLst>
+                                        </p:cTn>
+                                        <p:tgtEl>
+                                          <p:spTgt spid="3">
+                                            <p:txEl>
+                                              <p:pRg st="6" end="6"/>
+                                            </p:txEl>
+                                          </p:spTgt>
+                                        </p:tgtEl>
+                                        <p:attrNameLst>
+                                          <p:attrName>style.visibility</p:attrName>
+                                        </p:attrNameLst>
+                                      </p:cBhvr>
+                                      <p:to>
+                                        <p:strVal val="visible"/>
+                                      </p:to>
+                                    </p:set>
+                                    <p:animEffect transition="in" filter="fade">
+                                      <p:cBhvr>
+                                        <p:cTn id="62" dur="500"/>
+                                        <p:tgtEl>
+                                          <p:spTgt spid="3">
+                                            <p:txEl>
+                                              <p:pRg st="6" end="6"/>
+                                            </p:txEl>
+                                          </p:spTgt>
                                         </p:tgtEl>
                                       </p:cBhvr>
                                     </p:animEffect>
@@ -8303,19 +8544,136 @@
                     </p:cTn>
                   </p:par>
                   <p:par>
-                    <p:cTn id="72" fill="hold">
+                    <p:cTn id="63" fill="hold">
                       <p:stCondLst>
                         <p:cond delay="indefinite"/>
                       </p:stCondLst>
                       <p:childTnLst>
                         <p:par>
-                          <p:cTn id="73" fill="hold">
+                          <p:cTn id="64" fill="hold">
                             <p:stCondLst>
                               <p:cond delay="0"/>
                             </p:stCondLst>
                             <p:childTnLst>
                               <p:par>
-                                <p:cTn id="74" presetID="10" presetClass="entr" presetSubtype="0" fill="hold" grpId="0" nodeType="clickEffect">
+                                <p:cTn id="65" presetID="9" presetClass="emph" presetSubtype="0" nodeType="clickEffect">
+                                  <p:stCondLst>
+                                    <p:cond delay="0"/>
+                                  </p:stCondLst>
+                                  <p:childTnLst>
+                                    <p:set>
+                                      <p:cBhvr rctx="PPT">
+                                        <p:cTn id="66" dur="indefinite"/>
+                                        <p:tgtEl>
+                                          <p:spTgt spid="3">
+                                            <p:txEl>
+                                              <p:pRg st="4" end="4"/>
+                                            </p:txEl>
+                                          </p:spTgt>
+                                        </p:tgtEl>
+                                        <p:attrNameLst>
+                                          <p:attrName>style.opacity</p:attrName>
+                                        </p:attrNameLst>
+                                      </p:cBhvr>
+                                      <p:to>
+                                        <p:strVal val="0.5"/>
+                                      </p:to>
+                                    </p:set>
+                                    <p:animEffect filter="image" prLst="opacity: 0.5">
+                                      <p:cBhvr rctx="IE">
+                                        <p:cTn id="67" dur="indefinite"/>
+                                        <p:tgtEl>
+                                          <p:spTgt spid="3">
+                                            <p:txEl>
+                                              <p:pRg st="4" end="4"/>
+                                            </p:txEl>
+                                          </p:spTgt>
+                                        </p:tgtEl>
+                                      </p:cBhvr>
+                                    </p:animEffect>
+                                  </p:childTnLst>
+                                </p:cTn>
+                              </p:par>
+                              <p:par>
+                                <p:cTn id="68" presetID="9" presetClass="emph" presetSubtype="0" nodeType="withEffect">
+                                  <p:stCondLst>
+                                    <p:cond delay="0"/>
+                                  </p:stCondLst>
+                                  <p:childTnLst>
+                                    <p:set>
+                                      <p:cBhvr rctx="PPT">
+                                        <p:cTn id="69" dur="indefinite"/>
+                                        <p:tgtEl>
+                                          <p:spTgt spid="3">
+                                            <p:txEl>
+                                              <p:pRg st="5" end="5"/>
+                                            </p:txEl>
+                                          </p:spTgt>
+                                        </p:tgtEl>
+                                        <p:attrNameLst>
+                                          <p:attrName>style.opacity</p:attrName>
+                                        </p:attrNameLst>
+                                      </p:cBhvr>
+                                      <p:to>
+                                        <p:strVal val="0.5"/>
+                                      </p:to>
+                                    </p:set>
+                                    <p:animEffect filter="image" prLst="opacity: 0.5">
+                                      <p:cBhvr rctx="IE">
+                                        <p:cTn id="70" dur="indefinite"/>
+                                        <p:tgtEl>
+                                          <p:spTgt spid="3">
+                                            <p:txEl>
+                                              <p:pRg st="5" end="5"/>
+                                            </p:txEl>
+                                          </p:spTgt>
+                                        </p:tgtEl>
+                                      </p:cBhvr>
+                                    </p:animEffect>
+                                  </p:childTnLst>
+                                </p:cTn>
+                              </p:par>
+                              <p:par>
+                                <p:cTn id="71" presetID="9" presetClass="emph" presetSubtype="0" nodeType="withEffect">
+                                  <p:stCondLst>
+                                    <p:cond delay="0"/>
+                                  </p:stCondLst>
+                                  <p:childTnLst>
+                                    <p:set>
+                                      <p:cBhvr rctx="PPT">
+                                        <p:cTn id="72" dur="indefinite"/>
+                                        <p:tgtEl>
+                                          <p:spTgt spid="3">
+                                            <p:txEl>
+                                              <p:pRg st="6" end="6"/>
+                                            </p:txEl>
+                                          </p:spTgt>
+                                        </p:tgtEl>
+                                        <p:attrNameLst>
+                                          <p:attrName>style.opacity</p:attrName>
+                                        </p:attrNameLst>
+                                      </p:cBhvr>
+                                      <p:to>
+                                        <p:strVal val="0.5"/>
+                                      </p:to>
+                                    </p:set>
+                                    <p:animEffect filter="image" prLst="opacity: 0.5">
+                                      <p:cBhvr rctx="IE">
+                                        <p:cTn id="73" dur="indefinite"/>
+                                        <p:tgtEl>
+                                          <p:spTgt spid="3">
+                                            <p:txEl>
+                                              <p:pRg st="6" end="6"/>
+                                            </p:txEl>
+                                          </p:spTgt>
+                                        </p:tgtEl>
+                                      </p:cBhvr>
+                                    </p:animEffect>
+                                  </p:childTnLst>
+                                </p:cTn>
+                              </p:par>
+                              <p:par>
+                                <p:cTn id="74" presetID="10" presetClass="entr" presetSubtype="0" fill="hold" grpId="0" nodeType="withEffect">
                                   <p:stCondLst>
                                     <p:cond delay="0"/>
                                   </p:stCondLst>
@@ -8328,7 +8686,7 @@
                                           </p:stCondLst>
                                         </p:cTn>
                                         <p:tgtEl>
-                                          <p:spTgt spid="14"/>
+                                          <p:spTgt spid="15"/>
                                         </p:tgtEl>
                                         <p:attrNameLst>
                                           <p:attrName>style.visibility</p:attrName>
@@ -8342,7 +8700,7 @@
                                       <p:cBhvr>
                                         <p:cTn id="76" dur="500"/>
                                         <p:tgtEl>
-                                          <p:spTgt spid="14"/>
+                                          <p:spTgt spid="15"/>
                                         </p:tgtEl>
                                       </p:cBhvr>
                                     </p:animEffect>
@@ -8363,7 +8721,7 @@
                                           </p:stCondLst>
                                         </p:cTn>
                                         <p:tgtEl>
-                                          <p:spTgt spid="16"/>
+                                          <p:spTgt spid="12"/>
                                         </p:tgtEl>
                                         <p:attrNameLst>
                                           <p:attrName>style.visibility</p:attrName>
@@ -8377,7 +8735,7 @@
                                       <p:cBhvr>
                                         <p:cTn id="79" dur="500"/>
                                         <p:tgtEl>
-                                          <p:spTgt spid="16"/>
+                                          <p:spTgt spid="12"/>
                                         </p:tgtEl>
                                       </p:cBhvr>
                                     </p:animEffect>
@@ -8416,7 +8774,7 @@
                                           </p:stCondLst>
                                         </p:cTn>
                                         <p:tgtEl>
-                                          <p:spTgt spid="17"/>
+                                          <p:spTgt spid="14"/>
                                         </p:tgtEl>
                                         <p:attrNameLst>
                                           <p:attrName>style.visibility</p:attrName>
@@ -8430,7 +8788,7 @@
                                       <p:cBhvr>
                                         <p:cTn id="84" dur="500"/>
                                         <p:tgtEl>
-                                          <p:spTgt spid="17"/>
+                                          <p:spTgt spid="14"/>
                                         </p:tgtEl>
                                       </p:cBhvr>
                                     </p:animEffect>
@@ -8451,7 +8809,7 @@
                                           </p:stCondLst>
                                         </p:cTn>
                                         <p:tgtEl>
-                                          <p:spTgt spid="13"/>
+                                          <p:spTgt spid="16"/>
                                         </p:tgtEl>
                                         <p:attrNameLst>
                                           <p:attrName>style.visibility</p:attrName>
@@ -8464,6 +8822,94 @@
                                     <p:animEffect transition="in" filter="fade">
                                       <p:cBhvr>
                                         <p:cTn id="87" dur="500"/>
+                                        <p:tgtEl>
+                                          <p:spTgt spid="16"/>
+                                        </p:tgtEl>
+                                      </p:cBhvr>
+                                    </p:animEffect>
+                                  </p:childTnLst>
+                                </p:cTn>
+                              </p:par>
+                            </p:childTnLst>
+                          </p:cTn>
+                        </p:par>
+                      </p:childTnLst>
+                    </p:cTn>
+                  </p:par>
+                  <p:par>
+                    <p:cTn id="88" fill="hold">
+                      <p:stCondLst>
+                        <p:cond delay="indefinite"/>
+                      </p:stCondLst>
+                      <p:childTnLst>
+                        <p:par>
+                          <p:cTn id="89" fill="hold">
+                            <p:stCondLst>
+                              <p:cond delay="0"/>
+                            </p:stCondLst>
+                            <p:childTnLst>
+                              <p:par>
+                                <p:cTn id="90" presetID="10" presetClass="entr" presetSubtype="0" fill="hold" grpId="0" nodeType="clickEffect">
+                                  <p:stCondLst>
+                                    <p:cond delay="0"/>
+                                  </p:stCondLst>
+                                  <p:childTnLst>
+                                    <p:set>
+                                      <p:cBhvr>
+                                        <p:cTn id="91" dur="1" fill="hold">
+                                          <p:stCondLst>
+                                            <p:cond delay="0"/>
+                                          </p:stCondLst>
+                                        </p:cTn>
+                                        <p:tgtEl>
+                                          <p:spTgt spid="17"/>
+                                        </p:tgtEl>
+                                        <p:attrNameLst>
+                                          <p:attrName>style.visibility</p:attrName>
+                                        </p:attrNameLst>
+                                      </p:cBhvr>
+                                      <p:to>
+                                        <p:strVal val="visible"/>
+                                      </p:to>
+                                    </p:set>
+                                    <p:animEffect transition="in" filter="fade">
+                                      <p:cBhvr>
+                                        <p:cTn id="92" dur="500"/>
+                                        <p:tgtEl>
+                                          <p:spTgt spid="17"/>
+                                        </p:tgtEl>
+                                      </p:cBhvr>
+                                    </p:animEffect>
+                                  </p:childTnLst>
+                                </p:cTn>
+                              </p:par>
+                              <p:par>
+                                <p:cTn id="93" presetID="10" presetClass="entr" presetSubtype="0" fill="hold" grpId="0" nodeType="withEffect">
+                                  <p:stCondLst>
+                                    <p:cond delay="0"/>
+                                  </p:stCondLst>
+                                  <p:childTnLst>
+                                    <p:set>
+                                      <p:cBhvr>
+                                        <p:cTn id="94" dur="1" fill="hold">
+                                          <p:stCondLst>
+                                            <p:cond delay="0"/>
+                                          </p:stCondLst>
+                                        </p:cTn>
+                                        <p:tgtEl>
+                                          <p:spTgt spid="13"/>
+                                        </p:tgtEl>
+                                        <p:attrNameLst>
+                                          <p:attrName>style.visibility</p:attrName>
+                                        </p:attrNameLst>
+                                      </p:cBhvr>
+                                      <p:to>
+                                        <p:strVal val="visible"/>
+                                      </p:to>
+                                    </p:set>
+                                    <p:animEffect transition="in" filter="fade">
+                                      <p:cBhvr>
+                                        <p:cTn id="95" dur="500"/>
                                         <p:tgtEl>
                                           <p:spTgt spid="13"/>
                                         </p:tgtEl>
@@ -8514,12 +8960,14 @@
       <p:bldP spid="15" grpId="0"/>
       <p:bldP spid="16" grpId="0"/>
       <p:bldP spid="17" grpId="0"/>
+      <p:bldP spid="18" grpId="0"/>
+      <p:bldP spid="19" grpId="0"/>
     </p:bldLst>
   </p:timing>
 </p:sld>
 </file>
 
-<file path=ppt/slides/slide13.xml><?xml version="1.0" encoding="utf-8"?>
+<file path=ppt/slides/slide14.xml><?xml version="1.0" encoding="utf-8"?>
 <p:sld xmlns:a="http://schemas.openxmlformats.org/drawingml/2006/main" xmlns:r="http://schemas.openxmlformats.org/officeDocument/2006/relationships" xmlns:p="http://schemas.openxmlformats.org/presentationml/2006/main">
   <p:cSld>
     <p:spTree>
@@ -9206,7 +9654,7 @@
 </p:sld>
 </file>
 
-<file path=ppt/slides/slide14.xml><?xml version="1.0" encoding="utf-8"?>
+<file path=ppt/slides/slide15.xml><?xml version="1.0" encoding="utf-8"?>
 <p:sld xmlns:a="http://schemas.openxmlformats.org/drawingml/2006/main" xmlns:r="http://schemas.openxmlformats.org/officeDocument/2006/relationships" xmlns:p="http://schemas.openxmlformats.org/presentationml/2006/main">
   <p:cSld>
     <p:spTree>
@@ -9833,7 +10281,7 @@
 </p:sld>
 </file>
 
-<file path=ppt/slides/slide15.xml><?xml version="1.0" encoding="utf-8"?>
+<file path=ppt/slides/slide16.xml><?xml version="1.0" encoding="utf-8"?>
 <p:sld xmlns:a="http://schemas.openxmlformats.org/drawingml/2006/main" xmlns:r="http://schemas.openxmlformats.org/officeDocument/2006/relationships" xmlns:p="http://schemas.openxmlformats.org/presentationml/2006/main">
   <p:cSld>
     <p:spTree>
@@ -9865,7 +10313,11 @@
           <a:bodyPr/>
           <a:lstStyle/>
           <a:p>
-            <a:endParaRPr lang="en-US"/>
+            <a:r>
+              <a:rPr lang="en-US" dirty="0" smtClean="0"/>
+              <a:t>A few links</a:t>
+            </a:r>
+            <a:endParaRPr lang="en-US" dirty="0"/>
           </a:p>
         </p:txBody>
       </p:sp>
@@ -9885,9 +10337,38 @@
           <a:lstStyle/>
           <a:p>
             <a:r>
-              <a:rPr lang="en-US" dirty="0"/>
-              <a:t>http://dublincore.org/documents/usageguide/elements.shtml</a:t>
-            </a:r>
+              <a:rPr lang="en-US" dirty="0" smtClean="0"/>
+              <a:t>Dublin Core Metadata </a:t>
+            </a:r>
+          </a:p>
+          <a:p>
+            <a:pPr lvl="1"/>
+            <a:r>
+              <a:rPr lang="en-US" dirty="0" smtClean="0">
+                <a:hlinkClick r:id="rId2"/>
+              </a:rPr>
+              <a:t>http</a:t>
+            </a:r>
+            <a:r>
+              <a:rPr lang="en-US" dirty="0">
+                <a:hlinkClick r:id="rId2"/>
+              </a:rPr>
+              <a:t>://</a:t>
+            </a:r>
+            <a:r>
+              <a:rPr lang="en-US" dirty="0" smtClean="0">
+                <a:hlinkClick r:id="rId2"/>
+              </a:rPr>
+              <a:t>dublincore.org/documents/usageguide/elements.shtml</a:t>
+            </a:r>
+            <a:endParaRPr lang="en-US" dirty="0" smtClean="0"/>
+          </a:p>
+          <a:p>
+            <a:pPr lvl="1"/>
+            <a:endParaRPr lang="en-US" dirty="0" smtClean="0"/>
+          </a:p>
+          <a:p>
+            <a:endParaRPr lang="en-US" dirty="0"/>
           </a:p>
         </p:txBody>
       </p:sp>
@@ -9911,7 +10392,7 @@
 </p:sld>
 </file>
 
-<file path=ppt/slides/slide16.xml><?xml version="1.0" encoding="utf-8"?>
+<file path=ppt/slides/slide17.xml><?xml version="1.0" encoding="utf-8"?>
 <p:sld xmlns:a="http://schemas.openxmlformats.org/drawingml/2006/main" xmlns:r="http://schemas.openxmlformats.org/officeDocument/2006/relationships" xmlns:p="http://schemas.openxmlformats.org/presentationml/2006/main">
   <p:cSld>
     <p:spTree>
@@ -10027,7 +10508,7 @@
 </p:sld>
 </file>
 
-<file path=ppt/slides/slide17.xml><?xml version="1.0" encoding="utf-8"?>
+<file path=ppt/slides/slide18.xml><?xml version="1.0" encoding="utf-8"?>
 <p:sld xmlns:a="http://schemas.openxmlformats.org/drawingml/2006/main" xmlns:r="http://schemas.openxmlformats.org/officeDocument/2006/relationships" xmlns:p="http://schemas.openxmlformats.org/presentationml/2006/main">
   <p:cSld>
     <p:spTree>
@@ -10231,7 +10712,7 @@
 </p:sld>
 </file>
 
-<file path=ppt/slides/slide18.xml><?xml version="1.0" encoding="utf-8"?>
+<file path=ppt/slides/slide19.xml><?xml version="1.0" encoding="utf-8"?>
 <p:sld xmlns:a="http://schemas.openxmlformats.org/drawingml/2006/main" xmlns:r="http://schemas.openxmlformats.org/officeDocument/2006/relationships" xmlns:p="http://schemas.openxmlformats.org/presentationml/2006/main">
   <p:cSld>
     <p:spTree>
@@ -10441,7 +10922,107 @@
 </p:sld>
 </file>
 
-<file path=ppt/slides/slide19.xml><?xml version="1.0" encoding="utf-8"?>
+<file path=ppt/slides/slide2.xml><?xml version="1.0" encoding="utf-8"?>
+<p:sld xmlns:a="http://schemas.openxmlformats.org/drawingml/2006/main" xmlns:r="http://schemas.openxmlformats.org/officeDocument/2006/relationships" xmlns:p="http://schemas.openxmlformats.org/presentationml/2006/main">
+  <p:cSld>
+    <p:spTree>
+      <p:nvGrpSpPr>
+        <p:cNvPr id="1" name=""/>
+        <p:cNvGrpSpPr/>
+        <p:nvPr/>
+      </p:nvGrpSpPr>
+      <p:grpSpPr>
+        <a:xfrm>
+          <a:off x="0" y="0"/>
+          <a:ext cx="0" cy="0"/>
+          <a:chOff x="0" y="0"/>
+          <a:chExt cx="0" cy="0"/>
+        </a:xfrm>
+      </p:grpSpPr>
+      <p:sp>
+        <p:nvSpPr>
+          <p:cNvPr id="2" name="Title 1"/>
+          <p:cNvSpPr>
+            <a:spLocks noGrp="1"/>
+          </p:cNvSpPr>
+          <p:nvPr>
+            <p:ph type="title"/>
+          </p:nvPr>
+        </p:nvSpPr>
+        <p:spPr/>
+        <p:txBody>
+          <a:bodyPr/>
+          <a:lstStyle/>
+          <a:p>
+            <a:r>
+              <a:rPr lang="en-US" dirty="0" smtClean="0"/>
+              <a:t>Todays Topics</a:t>
+            </a:r>
+            <a:endParaRPr lang="en-US" dirty="0"/>
+          </a:p>
+        </p:txBody>
+      </p:sp>
+      <p:sp>
+        <p:nvSpPr>
+          <p:cNvPr id="3" name="Content Placeholder 2"/>
+          <p:cNvSpPr>
+            <a:spLocks noGrp="1"/>
+          </p:cNvSpPr>
+          <p:nvPr>
+            <p:ph idx="1"/>
+          </p:nvPr>
+        </p:nvSpPr>
+        <p:spPr>
+          <a:xfrm>
+            <a:off x="4596384" y="2130425"/>
+            <a:ext cx="4011168" cy="4351338"/>
+          </a:xfrm>
+        </p:spPr>
+        <p:txBody>
+          <a:bodyPr/>
+          <a:lstStyle/>
+          <a:p>
+            <a:r>
+              <a:rPr lang="en-US" dirty="0" smtClean="0"/>
+              <a:t>File Formats</a:t>
+            </a:r>
+          </a:p>
+          <a:p>
+            <a:r>
+              <a:rPr lang="en-US" dirty="0" smtClean="0"/>
+              <a:t>Text based “open” formats</a:t>
+            </a:r>
+          </a:p>
+          <a:p>
+            <a:r>
+              <a:rPr lang="en-US" dirty="0" smtClean="0"/>
+              <a:t>Image formats</a:t>
+            </a:r>
+            <a:endParaRPr lang="en-US" dirty="0"/>
+          </a:p>
+        </p:txBody>
+      </p:sp>
+    </p:spTree>
+    <p:extLst>
+      <p:ext uri="{BB962C8B-B14F-4D97-AF65-F5344CB8AC3E}">
+        <p14:creationId xmlns:p14="http://schemas.microsoft.com/office/powerpoint/2010/main" val="4075626601"/>
+      </p:ext>
+    </p:extLst>
+  </p:cSld>
+  <p:clrMapOvr>
+    <a:masterClrMapping/>
+  </p:clrMapOvr>
+  <p:timing>
+    <p:tnLst>
+      <p:par>
+        <p:cTn id="1" dur="indefinite" restart="never" nodeType="tmRoot"/>
+      </p:par>
+    </p:tnLst>
+  </p:timing>
+</p:sld>
+</file>
+
+<file path=ppt/slides/slide20.xml><?xml version="1.0" encoding="utf-8"?>
 <p:sld xmlns:a="http://schemas.openxmlformats.org/drawingml/2006/main" xmlns:r="http://schemas.openxmlformats.org/officeDocument/2006/relationships" xmlns:p="http://schemas.openxmlformats.org/presentationml/2006/main">
   <p:cSld>
     <p:spTree>
@@ -11328,107 +11909,7 @@
 </p:sld>
 </file>
 
-<file path=ppt/slides/slide2.xml><?xml version="1.0" encoding="utf-8"?>
-<p:sld xmlns:a="http://schemas.openxmlformats.org/drawingml/2006/main" xmlns:r="http://schemas.openxmlformats.org/officeDocument/2006/relationships" xmlns:p="http://schemas.openxmlformats.org/presentationml/2006/main">
-  <p:cSld>
-    <p:spTree>
-      <p:nvGrpSpPr>
-        <p:cNvPr id="1" name=""/>
-        <p:cNvGrpSpPr/>
-        <p:nvPr/>
-      </p:nvGrpSpPr>
-      <p:grpSpPr>
-        <a:xfrm>
-          <a:off x="0" y="0"/>
-          <a:ext cx="0" cy="0"/>
-          <a:chOff x="0" y="0"/>
-          <a:chExt cx="0" cy="0"/>
-        </a:xfrm>
-      </p:grpSpPr>
-      <p:sp>
-        <p:nvSpPr>
-          <p:cNvPr id="2" name="Title 1"/>
-          <p:cNvSpPr>
-            <a:spLocks noGrp="1"/>
-          </p:cNvSpPr>
-          <p:nvPr>
-            <p:ph type="title"/>
-          </p:nvPr>
-        </p:nvSpPr>
-        <p:spPr/>
-        <p:txBody>
-          <a:bodyPr/>
-          <a:lstStyle/>
-          <a:p>
-            <a:r>
-              <a:rPr lang="en-US" dirty="0" smtClean="0"/>
-              <a:t>Todays Topics</a:t>
-            </a:r>
-            <a:endParaRPr lang="en-US" dirty="0"/>
-          </a:p>
-        </p:txBody>
-      </p:sp>
-      <p:sp>
-        <p:nvSpPr>
-          <p:cNvPr id="3" name="Content Placeholder 2"/>
-          <p:cNvSpPr>
-            <a:spLocks noGrp="1"/>
-          </p:cNvSpPr>
-          <p:nvPr>
-            <p:ph idx="1"/>
-          </p:nvPr>
-        </p:nvSpPr>
-        <p:spPr>
-          <a:xfrm>
-            <a:off x="4596384" y="2130425"/>
-            <a:ext cx="4011168" cy="4351338"/>
-          </a:xfrm>
-        </p:spPr>
-        <p:txBody>
-          <a:bodyPr/>
-          <a:lstStyle/>
-          <a:p>
-            <a:r>
-              <a:rPr lang="en-US" dirty="0" smtClean="0"/>
-              <a:t>File Formats</a:t>
-            </a:r>
-          </a:p>
-          <a:p>
-            <a:r>
-              <a:rPr lang="en-US" dirty="0" smtClean="0"/>
-              <a:t>Text based “open” formats</a:t>
-            </a:r>
-          </a:p>
-          <a:p>
-            <a:r>
-              <a:rPr lang="en-US" dirty="0" smtClean="0"/>
-              <a:t>Image formats</a:t>
-            </a:r>
-            <a:endParaRPr lang="en-US" dirty="0"/>
-          </a:p>
-        </p:txBody>
-      </p:sp>
-    </p:spTree>
-    <p:extLst>
-      <p:ext uri="{BB962C8B-B14F-4D97-AF65-F5344CB8AC3E}">
-        <p14:creationId xmlns:p14="http://schemas.microsoft.com/office/powerpoint/2010/main" val="4075626601"/>
-      </p:ext>
-    </p:extLst>
-  </p:cSld>
-  <p:clrMapOvr>
-    <a:masterClrMapping/>
-  </p:clrMapOvr>
-  <p:timing>
-    <p:tnLst>
-      <p:par>
-        <p:cTn id="1" dur="indefinite" restart="never" nodeType="tmRoot"/>
-      </p:par>
-    </p:tnLst>
-  </p:timing>
-</p:sld>
-</file>
-
-<file path=ppt/slides/slide20.xml><?xml version="1.0" encoding="utf-8"?>
+<file path=ppt/slides/slide21.xml><?xml version="1.0" encoding="utf-8"?>
 <p:sld xmlns:a="http://schemas.openxmlformats.org/drawingml/2006/main" xmlns:r="http://schemas.openxmlformats.org/officeDocument/2006/relationships" xmlns:p="http://schemas.openxmlformats.org/presentationml/2006/main">
   <p:cSld>
     <p:spTree>
@@ -11811,7 +12292,928 @@
 </p:sld>
 </file>
 
-<file path=ppt/slides/slide21.xml><?xml version="1.0" encoding="utf-8"?>
+<file path=ppt/slides/slide22.xml><?xml version="1.0" encoding="utf-8"?>
+<p:sld xmlns:a="http://schemas.openxmlformats.org/drawingml/2006/main" xmlns:r="http://schemas.openxmlformats.org/officeDocument/2006/relationships" xmlns:p="http://schemas.openxmlformats.org/presentationml/2006/main">
+  <p:cSld>
+    <p:spTree>
+      <p:nvGrpSpPr>
+        <p:cNvPr id="1" name=""/>
+        <p:cNvGrpSpPr/>
+        <p:nvPr/>
+      </p:nvGrpSpPr>
+      <p:grpSpPr>
+        <a:xfrm>
+          <a:off x="0" y="0"/>
+          <a:ext cx="0" cy="0"/>
+          <a:chOff x="0" y="0"/>
+          <a:chExt cx="0" cy="0"/>
+        </a:xfrm>
+      </p:grpSpPr>
+      <p:sp>
+        <p:nvSpPr>
+          <p:cNvPr id="2" name="Title 1"/>
+          <p:cNvSpPr>
+            <a:spLocks noGrp="1"/>
+          </p:cNvSpPr>
+          <p:nvPr>
+            <p:ph type="title"/>
+          </p:nvPr>
+        </p:nvSpPr>
+        <p:spPr/>
+        <p:txBody>
+          <a:bodyPr/>
+          <a:lstStyle/>
+          <a:p>
+            <a:r>
+              <a:rPr lang="en-US" dirty="0" smtClean="0"/>
+              <a:t>A Note on Resolution</a:t>
+            </a:r>
+            <a:endParaRPr lang="en-US" dirty="0"/>
+          </a:p>
+        </p:txBody>
+      </p:sp>
+      <p:sp>
+        <p:nvSpPr>
+          <p:cNvPr id="5" name="Content Placeholder 4"/>
+          <p:cNvSpPr>
+            <a:spLocks noGrp="1"/>
+          </p:cNvSpPr>
+          <p:nvPr>
+            <p:ph idx="1"/>
+          </p:nvPr>
+        </p:nvSpPr>
+        <p:spPr>
+          <a:xfrm>
+            <a:off x="838200" y="1825625"/>
+            <a:ext cx="10515600" cy="1185799"/>
+          </a:xfrm>
+        </p:spPr>
+        <p:txBody>
+          <a:bodyPr/>
+          <a:lstStyle/>
+          <a:p>
+            <a:pPr marL="0" indent="0">
+              <a:buNone/>
+            </a:pPr>
+            <a:r>
+              <a:rPr lang="en-US" dirty="0" smtClean="0"/>
+              <a:t>“Highest resolution available, not rescaled or interpolated” – LOC </a:t>
+            </a:r>
+            <a:r>
+              <a:rPr lang="en-US" dirty="0" err="1" smtClean="0"/>
+              <a:t>recomendation</a:t>
+            </a:r>
+            <a:endParaRPr lang="en-US" dirty="0"/>
+          </a:p>
+        </p:txBody>
+      </p:sp>
+      <p:sp>
+        <p:nvSpPr>
+          <p:cNvPr id="6" name="Rectangle 5"/>
+          <p:cNvSpPr/>
+          <p:nvPr/>
+        </p:nvSpPr>
+        <p:spPr>
+          <a:xfrm>
+            <a:off x="1045464" y="2682240"/>
+            <a:ext cx="9838944" cy="3539430"/>
+          </a:xfrm>
+          <a:prstGeom prst="rect">
+            <a:avLst/>
+          </a:prstGeom>
+        </p:spPr>
+        <p:txBody>
+          <a:bodyPr wrap="square">
+            <a:spAutoFit/>
+          </a:bodyPr>
+          <a:lstStyle/>
+          <a:p>
+            <a:r>
+              <a:rPr lang="en-US" sz="3200" dirty="0" smtClean="0"/>
+              <a:t>Resolution is directly related to pixel dimensions</a:t>
+            </a:r>
+          </a:p>
+          <a:p>
+            <a:pPr marL="457200" indent="-225425">
+              <a:buFont typeface="Arial" panose="020B0604020202020204" pitchFamily="34" charset="0"/>
+              <a:buChar char="•"/>
+            </a:pPr>
+            <a:r>
+              <a:rPr lang="en-US" sz="2400" dirty="0" smtClean="0"/>
+              <a:t>usually expressed as dots per inch (DPI)</a:t>
+            </a:r>
+          </a:p>
+          <a:p>
+            <a:pPr marL="457200" indent="-225425">
+              <a:buFont typeface="Arial" panose="020B0604020202020204" pitchFamily="34" charset="0"/>
+              <a:buChar char="•"/>
+            </a:pPr>
+            <a:r>
+              <a:rPr lang="en-US" sz="2400" dirty="0" smtClean="0"/>
+              <a:t>can be megapixels (height x width) or simple image dimensions in pixels</a:t>
+            </a:r>
+          </a:p>
+          <a:p>
+            <a:pPr marL="231775"/>
+            <a:endParaRPr lang="en-US" sz="2400" dirty="0" smtClean="0"/>
+          </a:p>
+          <a:p>
+            <a:pPr marL="231775"/>
+            <a:r>
+              <a:rPr lang="en-US" sz="2400" dirty="0" smtClean="0"/>
+              <a:t>SOME NUMBERS TO REMEMBER</a:t>
+            </a:r>
+            <a:r>
+              <a:rPr lang="en-US" sz="2400" dirty="0" smtClean="0"/>
+              <a:t> </a:t>
+            </a:r>
+          </a:p>
+          <a:p>
+            <a:pPr marL="231775"/>
+            <a:r>
+              <a:rPr lang="en-US" sz="2400" dirty="0" smtClean="0"/>
+              <a:t>1000 DPI – standard number for greyscale reproduction on a printing press</a:t>
+            </a:r>
+          </a:p>
+          <a:p>
+            <a:pPr marL="231775"/>
+            <a:r>
+              <a:rPr lang="en-US" sz="2400" dirty="0" smtClean="0"/>
+              <a:t>300 DPI – standard minimum for color reproduction on a printing press</a:t>
+            </a:r>
+          </a:p>
+          <a:p>
+            <a:pPr marL="231775"/>
+            <a:r>
+              <a:rPr lang="en-US" sz="2400" dirty="0" smtClean="0"/>
+              <a:t>72 DPI – standard screen resolution</a:t>
+            </a:r>
+          </a:p>
+          <a:p>
+            <a:pPr marL="231775"/>
+            <a:endParaRPr lang="en-US" sz="2400" dirty="0"/>
+          </a:p>
+        </p:txBody>
+      </p:sp>
+    </p:spTree>
+    <p:extLst>
+      <p:ext uri="{BB962C8B-B14F-4D97-AF65-F5344CB8AC3E}">
+        <p14:creationId xmlns:p14="http://schemas.microsoft.com/office/powerpoint/2010/main" val="2318738842"/>
+      </p:ext>
+    </p:extLst>
+  </p:cSld>
+  <p:clrMapOvr>
+    <a:masterClrMapping/>
+  </p:clrMapOvr>
+  <p:timing>
+    <p:tnLst>
+      <p:par>
+        <p:cTn id="1" dur="indefinite" restart="never" nodeType="tmRoot">
+          <p:childTnLst>
+            <p:seq concurrent="1" nextAc="seek">
+              <p:cTn id="2" dur="indefinite" nodeType="mainSeq">
+                <p:childTnLst>
+                  <p:par>
+                    <p:cTn id="3" fill="hold">
+                      <p:stCondLst>
+                        <p:cond delay="indefinite"/>
+                      </p:stCondLst>
+                      <p:childTnLst>
+                        <p:par>
+                          <p:cTn id="4" fill="hold">
+                            <p:stCondLst>
+                              <p:cond delay="0"/>
+                            </p:stCondLst>
+                            <p:childTnLst>
+                              <p:par>
+                                <p:cTn id="5" presetID="10" presetClass="entr" presetSubtype="0" fill="hold" grpId="0" nodeType="clickEffect">
+                                  <p:stCondLst>
+                                    <p:cond delay="0"/>
+                                  </p:stCondLst>
+                                  <p:childTnLst>
+                                    <p:set>
+                                      <p:cBhvr>
+                                        <p:cTn id="6" dur="1" fill="hold">
+                                          <p:stCondLst>
+                                            <p:cond delay="0"/>
+                                          </p:stCondLst>
+                                        </p:cTn>
+                                        <p:tgtEl>
+                                          <p:spTgt spid="5">
+                                            <p:txEl>
+                                              <p:pRg st="0" end="0"/>
+                                            </p:txEl>
+                                          </p:spTgt>
+                                        </p:tgtEl>
+                                        <p:attrNameLst>
+                                          <p:attrName>style.visibility</p:attrName>
+                                        </p:attrNameLst>
+                                      </p:cBhvr>
+                                      <p:to>
+                                        <p:strVal val="visible"/>
+                                      </p:to>
+                                    </p:set>
+                                    <p:animEffect transition="in" filter="fade">
+                                      <p:cBhvr>
+                                        <p:cTn id="7" dur="500"/>
+                                        <p:tgtEl>
+                                          <p:spTgt spid="5">
+                                            <p:txEl>
+                                              <p:pRg st="0" end="0"/>
+                                            </p:txEl>
+                                          </p:spTgt>
+                                        </p:tgtEl>
+                                      </p:cBhvr>
+                                    </p:animEffect>
+                                  </p:childTnLst>
+                                </p:cTn>
+                              </p:par>
+                            </p:childTnLst>
+                          </p:cTn>
+                        </p:par>
+                      </p:childTnLst>
+                    </p:cTn>
+                  </p:par>
+                  <p:par>
+                    <p:cTn id="8" fill="hold">
+                      <p:stCondLst>
+                        <p:cond delay="indefinite"/>
+                      </p:stCondLst>
+                      <p:childTnLst>
+                        <p:par>
+                          <p:cTn id="9" fill="hold">
+                            <p:stCondLst>
+                              <p:cond delay="0"/>
+                            </p:stCondLst>
+                            <p:childTnLst>
+                              <p:par>
+                                <p:cTn id="10" presetID="10" presetClass="entr" presetSubtype="0" fill="hold" nodeType="clickEffect">
+                                  <p:stCondLst>
+                                    <p:cond delay="0"/>
+                                  </p:stCondLst>
+                                  <p:childTnLst>
+                                    <p:set>
+                                      <p:cBhvr>
+                                        <p:cTn id="11" dur="1" fill="hold">
+                                          <p:stCondLst>
+                                            <p:cond delay="0"/>
+                                          </p:stCondLst>
+                                        </p:cTn>
+                                        <p:tgtEl>
+                                          <p:spTgt spid="6">
+                                            <p:txEl>
+                                              <p:pRg st="0" end="0"/>
+                                            </p:txEl>
+                                          </p:spTgt>
+                                        </p:tgtEl>
+                                        <p:attrNameLst>
+                                          <p:attrName>style.visibility</p:attrName>
+                                        </p:attrNameLst>
+                                      </p:cBhvr>
+                                      <p:to>
+                                        <p:strVal val="visible"/>
+                                      </p:to>
+                                    </p:set>
+                                    <p:animEffect transition="in" filter="fade">
+                                      <p:cBhvr>
+                                        <p:cTn id="12" dur="500"/>
+                                        <p:tgtEl>
+                                          <p:spTgt spid="6">
+                                            <p:txEl>
+                                              <p:pRg st="0" end="0"/>
+                                            </p:txEl>
+                                          </p:spTgt>
+                                        </p:tgtEl>
+                                      </p:cBhvr>
+                                    </p:animEffect>
+                                  </p:childTnLst>
+                                </p:cTn>
+                              </p:par>
+                              <p:par>
+                                <p:cTn id="13" presetID="10" presetClass="entr" presetSubtype="0" fill="hold" nodeType="withEffect">
+                                  <p:stCondLst>
+                                    <p:cond delay="0"/>
+                                  </p:stCondLst>
+                                  <p:childTnLst>
+                                    <p:set>
+                                      <p:cBhvr>
+                                        <p:cTn id="14" dur="1" fill="hold">
+                                          <p:stCondLst>
+                                            <p:cond delay="0"/>
+                                          </p:stCondLst>
+                                        </p:cTn>
+                                        <p:tgtEl>
+                                          <p:spTgt spid="6">
+                                            <p:txEl>
+                                              <p:pRg st="1" end="1"/>
+                                            </p:txEl>
+                                          </p:spTgt>
+                                        </p:tgtEl>
+                                        <p:attrNameLst>
+                                          <p:attrName>style.visibility</p:attrName>
+                                        </p:attrNameLst>
+                                      </p:cBhvr>
+                                      <p:to>
+                                        <p:strVal val="visible"/>
+                                      </p:to>
+                                    </p:set>
+                                    <p:animEffect transition="in" filter="fade">
+                                      <p:cBhvr>
+                                        <p:cTn id="15" dur="500"/>
+                                        <p:tgtEl>
+                                          <p:spTgt spid="6">
+                                            <p:txEl>
+                                              <p:pRg st="1" end="1"/>
+                                            </p:txEl>
+                                          </p:spTgt>
+                                        </p:tgtEl>
+                                      </p:cBhvr>
+                                    </p:animEffect>
+                                  </p:childTnLst>
+                                </p:cTn>
+                              </p:par>
+                              <p:par>
+                                <p:cTn id="16" presetID="10" presetClass="entr" presetSubtype="0" fill="hold" nodeType="withEffect">
+                                  <p:stCondLst>
+                                    <p:cond delay="0"/>
+                                  </p:stCondLst>
+                                  <p:childTnLst>
+                                    <p:set>
+                                      <p:cBhvr>
+                                        <p:cTn id="17" dur="1" fill="hold">
+                                          <p:stCondLst>
+                                            <p:cond delay="0"/>
+                                          </p:stCondLst>
+                                        </p:cTn>
+                                        <p:tgtEl>
+                                          <p:spTgt spid="6">
+                                            <p:txEl>
+                                              <p:pRg st="2" end="2"/>
+                                            </p:txEl>
+                                          </p:spTgt>
+                                        </p:tgtEl>
+                                        <p:attrNameLst>
+                                          <p:attrName>style.visibility</p:attrName>
+                                        </p:attrNameLst>
+                                      </p:cBhvr>
+                                      <p:to>
+                                        <p:strVal val="visible"/>
+                                      </p:to>
+                                    </p:set>
+                                    <p:animEffect transition="in" filter="fade">
+                                      <p:cBhvr>
+                                        <p:cTn id="18" dur="500"/>
+                                        <p:tgtEl>
+                                          <p:spTgt spid="6">
+                                            <p:txEl>
+                                              <p:pRg st="2" end="2"/>
+                                            </p:txEl>
+                                          </p:spTgt>
+                                        </p:tgtEl>
+                                      </p:cBhvr>
+                                    </p:animEffect>
+                                  </p:childTnLst>
+                                </p:cTn>
+                              </p:par>
+                            </p:childTnLst>
+                          </p:cTn>
+                        </p:par>
+                      </p:childTnLst>
+                    </p:cTn>
+                  </p:par>
+                  <p:par>
+                    <p:cTn id="19" fill="hold">
+                      <p:stCondLst>
+                        <p:cond delay="indefinite"/>
+                      </p:stCondLst>
+                      <p:childTnLst>
+                        <p:par>
+                          <p:cTn id="20" fill="hold">
+                            <p:stCondLst>
+                              <p:cond delay="0"/>
+                            </p:stCondLst>
+                            <p:childTnLst>
+                              <p:par>
+                                <p:cTn id="21" presetID="10" presetClass="entr" presetSubtype="0" fill="hold" nodeType="clickEffect">
+                                  <p:stCondLst>
+                                    <p:cond delay="0"/>
+                                  </p:stCondLst>
+                                  <p:childTnLst>
+                                    <p:set>
+                                      <p:cBhvr>
+                                        <p:cTn id="22" dur="1" fill="hold">
+                                          <p:stCondLst>
+                                            <p:cond delay="0"/>
+                                          </p:stCondLst>
+                                        </p:cTn>
+                                        <p:tgtEl>
+                                          <p:spTgt spid="6">
+                                            <p:txEl>
+                                              <p:pRg st="4" end="4"/>
+                                            </p:txEl>
+                                          </p:spTgt>
+                                        </p:tgtEl>
+                                        <p:attrNameLst>
+                                          <p:attrName>style.visibility</p:attrName>
+                                        </p:attrNameLst>
+                                      </p:cBhvr>
+                                      <p:to>
+                                        <p:strVal val="visible"/>
+                                      </p:to>
+                                    </p:set>
+                                    <p:animEffect transition="in" filter="fade">
+                                      <p:cBhvr>
+                                        <p:cTn id="23" dur="500"/>
+                                        <p:tgtEl>
+                                          <p:spTgt spid="6">
+                                            <p:txEl>
+                                              <p:pRg st="4" end="4"/>
+                                            </p:txEl>
+                                          </p:spTgt>
+                                        </p:tgtEl>
+                                      </p:cBhvr>
+                                    </p:animEffect>
+                                  </p:childTnLst>
+                                </p:cTn>
+                              </p:par>
+                              <p:par>
+                                <p:cTn id="24" presetID="10" presetClass="entr" presetSubtype="0" fill="hold" nodeType="withEffect">
+                                  <p:stCondLst>
+                                    <p:cond delay="0"/>
+                                  </p:stCondLst>
+                                  <p:childTnLst>
+                                    <p:set>
+                                      <p:cBhvr>
+                                        <p:cTn id="25" dur="1" fill="hold">
+                                          <p:stCondLst>
+                                            <p:cond delay="0"/>
+                                          </p:stCondLst>
+                                        </p:cTn>
+                                        <p:tgtEl>
+                                          <p:spTgt spid="6">
+                                            <p:txEl>
+                                              <p:pRg st="5" end="5"/>
+                                            </p:txEl>
+                                          </p:spTgt>
+                                        </p:tgtEl>
+                                        <p:attrNameLst>
+                                          <p:attrName>style.visibility</p:attrName>
+                                        </p:attrNameLst>
+                                      </p:cBhvr>
+                                      <p:to>
+                                        <p:strVal val="visible"/>
+                                      </p:to>
+                                    </p:set>
+                                    <p:animEffect transition="in" filter="fade">
+                                      <p:cBhvr>
+                                        <p:cTn id="26" dur="500"/>
+                                        <p:tgtEl>
+                                          <p:spTgt spid="6">
+                                            <p:txEl>
+                                              <p:pRg st="5" end="5"/>
+                                            </p:txEl>
+                                          </p:spTgt>
+                                        </p:tgtEl>
+                                      </p:cBhvr>
+                                    </p:animEffect>
+                                  </p:childTnLst>
+                                </p:cTn>
+                              </p:par>
+                              <p:par>
+                                <p:cTn id="27" presetID="10" presetClass="entr" presetSubtype="0" fill="hold" nodeType="withEffect">
+                                  <p:stCondLst>
+                                    <p:cond delay="0"/>
+                                  </p:stCondLst>
+                                  <p:childTnLst>
+                                    <p:set>
+                                      <p:cBhvr>
+                                        <p:cTn id="28" dur="1" fill="hold">
+                                          <p:stCondLst>
+                                            <p:cond delay="0"/>
+                                          </p:stCondLst>
+                                        </p:cTn>
+                                        <p:tgtEl>
+                                          <p:spTgt spid="6">
+                                            <p:txEl>
+                                              <p:pRg st="6" end="6"/>
+                                            </p:txEl>
+                                          </p:spTgt>
+                                        </p:tgtEl>
+                                        <p:attrNameLst>
+                                          <p:attrName>style.visibility</p:attrName>
+                                        </p:attrNameLst>
+                                      </p:cBhvr>
+                                      <p:to>
+                                        <p:strVal val="visible"/>
+                                      </p:to>
+                                    </p:set>
+                                    <p:animEffect transition="in" filter="fade">
+                                      <p:cBhvr>
+                                        <p:cTn id="29" dur="500"/>
+                                        <p:tgtEl>
+                                          <p:spTgt spid="6">
+                                            <p:txEl>
+                                              <p:pRg st="6" end="6"/>
+                                            </p:txEl>
+                                          </p:spTgt>
+                                        </p:tgtEl>
+                                      </p:cBhvr>
+                                    </p:animEffect>
+                                  </p:childTnLst>
+                                </p:cTn>
+                              </p:par>
+                              <p:par>
+                                <p:cTn id="30" presetID="10" presetClass="entr" presetSubtype="0" fill="hold" nodeType="withEffect">
+                                  <p:stCondLst>
+                                    <p:cond delay="0"/>
+                                  </p:stCondLst>
+                                  <p:childTnLst>
+                                    <p:set>
+                                      <p:cBhvr>
+                                        <p:cTn id="31" dur="1" fill="hold">
+                                          <p:stCondLst>
+                                            <p:cond delay="0"/>
+                                          </p:stCondLst>
+                                        </p:cTn>
+                                        <p:tgtEl>
+                                          <p:spTgt spid="6">
+                                            <p:txEl>
+                                              <p:pRg st="7" end="7"/>
+                                            </p:txEl>
+                                          </p:spTgt>
+                                        </p:tgtEl>
+                                        <p:attrNameLst>
+                                          <p:attrName>style.visibility</p:attrName>
+                                        </p:attrNameLst>
+                                      </p:cBhvr>
+                                      <p:to>
+                                        <p:strVal val="visible"/>
+                                      </p:to>
+                                    </p:set>
+                                    <p:animEffect transition="in" filter="fade">
+                                      <p:cBhvr>
+                                        <p:cTn id="32" dur="500"/>
+                                        <p:tgtEl>
+                                          <p:spTgt spid="6">
+                                            <p:txEl>
+                                              <p:pRg st="7" end="7"/>
+                                            </p:txEl>
+                                          </p:spTgt>
+                                        </p:tgtEl>
+                                      </p:cBhvr>
+                                    </p:animEffect>
+                                  </p:childTnLst>
+                                </p:cTn>
+                              </p:par>
+                            </p:childTnLst>
+                          </p:cTn>
+                        </p:par>
+                      </p:childTnLst>
+                    </p:cTn>
+                  </p:par>
+                </p:childTnLst>
+              </p:cTn>
+              <p:prevCondLst>
+                <p:cond evt="onPrev" delay="0">
+                  <p:tgtEl>
+                    <p:sldTgt/>
+                  </p:tgtEl>
+                </p:cond>
+              </p:prevCondLst>
+              <p:nextCondLst>
+                <p:cond evt="onNext" delay="0">
+                  <p:tgtEl>
+                    <p:sldTgt/>
+                  </p:tgtEl>
+                </p:cond>
+              </p:nextCondLst>
+            </p:seq>
+          </p:childTnLst>
+        </p:cTn>
+      </p:par>
+    </p:tnLst>
+    <p:bldLst>
+      <p:bldP spid="5" grpId="0" build="p"/>
+    </p:bldLst>
+  </p:timing>
+</p:sld>
+</file>
+
+<file path=ppt/slides/slide23.xml><?xml version="1.0" encoding="utf-8"?>
+<p:sld xmlns:a="http://schemas.openxmlformats.org/drawingml/2006/main" xmlns:r="http://schemas.openxmlformats.org/officeDocument/2006/relationships" xmlns:p="http://schemas.openxmlformats.org/presentationml/2006/main">
+  <p:cSld>
+    <p:spTree>
+      <p:nvGrpSpPr>
+        <p:cNvPr id="1" name=""/>
+        <p:cNvGrpSpPr/>
+        <p:nvPr/>
+      </p:nvGrpSpPr>
+      <p:grpSpPr>
+        <a:xfrm>
+          <a:off x="0" y="0"/>
+          <a:ext cx="0" cy="0"/>
+          <a:chOff x="0" y="0"/>
+          <a:chExt cx="0" cy="0"/>
+        </a:xfrm>
+      </p:grpSpPr>
+      <p:sp>
+        <p:nvSpPr>
+          <p:cNvPr id="2" name="Title 1"/>
+          <p:cNvSpPr>
+            <a:spLocks noGrp="1"/>
+          </p:cNvSpPr>
+          <p:nvPr>
+            <p:ph type="title"/>
+          </p:nvPr>
+        </p:nvSpPr>
+        <p:spPr/>
+        <p:txBody>
+          <a:bodyPr/>
+          <a:lstStyle/>
+          <a:p>
+            <a:r>
+              <a:rPr lang="en-US" dirty="0" smtClean="0"/>
+              <a:t>So what?</a:t>
+            </a:r>
+            <a:endParaRPr lang="en-US" dirty="0"/>
+          </a:p>
+        </p:txBody>
+      </p:sp>
+      <p:sp>
+        <p:nvSpPr>
+          <p:cNvPr id="3" name="Content Placeholder 2"/>
+          <p:cNvSpPr>
+            <a:spLocks noGrp="1"/>
+          </p:cNvSpPr>
+          <p:nvPr>
+            <p:ph idx="1"/>
+          </p:nvPr>
+        </p:nvSpPr>
+        <p:spPr>
+          <a:xfrm>
+            <a:off x="2852928" y="1825625"/>
+            <a:ext cx="7220712" cy="4351338"/>
+          </a:xfrm>
+        </p:spPr>
+        <p:txBody>
+          <a:bodyPr/>
+          <a:lstStyle/>
+          <a:p>
+            <a:r>
+              <a:rPr lang="en-US" dirty="0" smtClean="0"/>
+              <a:t>How are file size and image quality related to:</a:t>
+            </a:r>
+          </a:p>
+          <a:p>
+            <a:pPr lvl="1"/>
+            <a:r>
+              <a:rPr lang="en-US" dirty="0" smtClean="0"/>
+              <a:t>Resolution (image dimensions)</a:t>
+            </a:r>
+          </a:p>
+          <a:p>
+            <a:pPr lvl="1"/>
+            <a:r>
+              <a:rPr lang="en-US" dirty="0" smtClean="0"/>
+              <a:t>Color model</a:t>
+            </a:r>
+          </a:p>
+          <a:p>
+            <a:pPr lvl="1"/>
+            <a:r>
+              <a:rPr lang="en-US" dirty="0" smtClean="0"/>
+              <a:t>Compression</a:t>
+            </a:r>
+          </a:p>
+          <a:p>
+            <a:pPr lvl="1"/>
+            <a:r>
+              <a:rPr lang="en-US" dirty="0" smtClean="0"/>
+              <a:t>Vector or Raster</a:t>
+            </a:r>
+          </a:p>
+          <a:p>
+            <a:pPr lvl="1"/>
+            <a:endParaRPr lang="en-US" dirty="0"/>
+          </a:p>
+          <a:p>
+            <a:r>
+              <a:rPr lang="en-US" dirty="0" smtClean="0"/>
+              <a:t>What implications are there for </a:t>
+            </a:r>
+          </a:p>
+          <a:p>
+            <a:pPr lvl="1"/>
+            <a:r>
+              <a:rPr lang="en-US" dirty="0" smtClean="0"/>
+              <a:t>Short-term workflows</a:t>
+            </a:r>
+          </a:p>
+          <a:p>
+            <a:pPr lvl="1"/>
+            <a:r>
+              <a:rPr lang="en-US" dirty="0"/>
+              <a:t>L</a:t>
+            </a:r>
+            <a:r>
+              <a:rPr lang="en-US" dirty="0" smtClean="0"/>
+              <a:t>ong-term preservation</a:t>
+            </a:r>
+            <a:endParaRPr lang="en-US" dirty="0"/>
+          </a:p>
+        </p:txBody>
+      </p:sp>
+    </p:spTree>
+    <p:extLst>
+      <p:ext uri="{BB962C8B-B14F-4D97-AF65-F5344CB8AC3E}">
+        <p14:creationId xmlns:p14="http://schemas.microsoft.com/office/powerpoint/2010/main" val="4186111645"/>
+      </p:ext>
+    </p:extLst>
+  </p:cSld>
+  <p:clrMapOvr>
+    <a:masterClrMapping/>
+  </p:clrMapOvr>
+  <p:timing>
+    <p:tnLst>
+      <p:par>
+        <p:cTn id="1" dur="indefinite" restart="never" nodeType="tmRoot">
+          <p:childTnLst>
+            <p:seq concurrent="1" nextAc="seek">
+              <p:cTn id="2" dur="indefinite" nodeType="mainSeq">
+                <p:childTnLst>
+                  <p:par>
+                    <p:cTn id="3" fill="hold">
+                      <p:stCondLst>
+                        <p:cond delay="indefinite"/>
+                      </p:stCondLst>
+                      <p:childTnLst>
+                        <p:par>
+                          <p:cTn id="4" fill="hold">
+                            <p:stCondLst>
+                              <p:cond delay="0"/>
+                            </p:stCondLst>
+                            <p:childTnLst>
+                              <p:par>
+                                <p:cTn id="5" presetID="10" presetClass="entr" presetSubtype="0" fill="hold" nodeType="clickEffect">
+                                  <p:stCondLst>
+                                    <p:cond delay="0"/>
+                                  </p:stCondLst>
+                                  <p:childTnLst>
+                                    <p:set>
+                                      <p:cBhvr>
+                                        <p:cTn id="6" dur="1" fill="hold">
+                                          <p:stCondLst>
+                                            <p:cond delay="0"/>
+                                          </p:stCondLst>
+                                        </p:cTn>
+                                        <p:tgtEl>
+                                          <p:spTgt spid="3">
+                                            <p:txEl>
+                                              <p:pRg st="6" end="6"/>
+                                            </p:txEl>
+                                          </p:spTgt>
+                                        </p:tgtEl>
+                                        <p:attrNameLst>
+                                          <p:attrName>style.visibility</p:attrName>
+                                        </p:attrNameLst>
+                                      </p:cBhvr>
+                                      <p:to>
+                                        <p:strVal val="visible"/>
+                                      </p:to>
+                                    </p:set>
+                                    <p:animEffect transition="in" filter="fade">
+                                      <p:cBhvr>
+                                        <p:cTn id="7" dur="500"/>
+                                        <p:tgtEl>
+                                          <p:spTgt spid="3">
+                                            <p:txEl>
+                                              <p:pRg st="6" end="6"/>
+                                            </p:txEl>
+                                          </p:spTgt>
+                                        </p:tgtEl>
+                                      </p:cBhvr>
+                                    </p:animEffect>
+                                  </p:childTnLst>
+                                </p:cTn>
+                              </p:par>
+                              <p:par>
+                                <p:cTn id="8" presetID="10" presetClass="entr" presetSubtype="0" fill="hold" nodeType="withEffect">
+                                  <p:stCondLst>
+                                    <p:cond delay="0"/>
+                                  </p:stCondLst>
+                                  <p:childTnLst>
+                                    <p:set>
+                                      <p:cBhvr>
+                                        <p:cTn id="9" dur="1" fill="hold">
+                                          <p:stCondLst>
+                                            <p:cond delay="0"/>
+                                          </p:stCondLst>
+                                        </p:cTn>
+                                        <p:tgtEl>
+                                          <p:spTgt spid="3">
+                                            <p:txEl>
+                                              <p:pRg st="7" end="7"/>
+                                            </p:txEl>
+                                          </p:spTgt>
+                                        </p:tgtEl>
+                                        <p:attrNameLst>
+                                          <p:attrName>style.visibility</p:attrName>
+                                        </p:attrNameLst>
+                                      </p:cBhvr>
+                                      <p:to>
+                                        <p:strVal val="visible"/>
+                                      </p:to>
+                                    </p:set>
+                                    <p:animEffect transition="in" filter="fade">
+                                      <p:cBhvr>
+                                        <p:cTn id="10" dur="500"/>
+                                        <p:tgtEl>
+                                          <p:spTgt spid="3">
+                                            <p:txEl>
+                                              <p:pRg st="7" end="7"/>
+                                            </p:txEl>
+                                          </p:spTgt>
+                                        </p:tgtEl>
+                                      </p:cBhvr>
+                                    </p:animEffect>
+                                  </p:childTnLst>
+                                </p:cTn>
+                              </p:par>
+                              <p:par>
+                                <p:cTn id="11" presetID="10" presetClass="entr" presetSubtype="0" fill="hold" nodeType="withEffect">
+                                  <p:stCondLst>
+                                    <p:cond delay="0"/>
+                                  </p:stCondLst>
+                                  <p:childTnLst>
+                                    <p:set>
+                                      <p:cBhvr>
+                                        <p:cTn id="12" dur="1" fill="hold">
+                                          <p:stCondLst>
+                                            <p:cond delay="0"/>
+                                          </p:stCondLst>
+                                        </p:cTn>
+                                        <p:tgtEl>
+                                          <p:spTgt spid="3">
+                                            <p:txEl>
+                                              <p:pRg st="8" end="8"/>
+                                            </p:txEl>
+                                          </p:spTgt>
+                                        </p:tgtEl>
+                                        <p:attrNameLst>
+                                          <p:attrName>style.visibility</p:attrName>
+                                        </p:attrNameLst>
+                                      </p:cBhvr>
+                                      <p:to>
+                                        <p:strVal val="visible"/>
+                                      </p:to>
+                                    </p:set>
+                                    <p:animEffect transition="in" filter="fade">
+                                      <p:cBhvr>
+                                        <p:cTn id="13" dur="500"/>
+                                        <p:tgtEl>
+                                          <p:spTgt spid="3">
+                                            <p:txEl>
+                                              <p:pRg st="8" end="8"/>
+                                            </p:txEl>
+                                          </p:spTgt>
+                                        </p:tgtEl>
+                                      </p:cBhvr>
+                                    </p:animEffect>
+                                  </p:childTnLst>
+                                </p:cTn>
+                              </p:par>
+                            </p:childTnLst>
+                          </p:cTn>
+                        </p:par>
+                      </p:childTnLst>
+                    </p:cTn>
+                  </p:par>
+                </p:childTnLst>
+              </p:cTn>
+              <p:prevCondLst>
+                <p:cond evt="onPrev" delay="0">
+                  <p:tgtEl>
+                    <p:sldTgt/>
+                  </p:tgtEl>
+                </p:cond>
+              </p:prevCondLst>
+              <p:nextCondLst>
+                <p:cond evt="onNext" delay="0">
+                  <p:tgtEl>
+                    <p:sldTgt/>
+                  </p:tgtEl>
+                </p:cond>
+              </p:nextCondLst>
+            </p:seq>
+          </p:childTnLst>
+        </p:cTn>
+      </p:par>
+    </p:tnLst>
+  </p:timing>
+</p:sld>
+</file>
+
+<file path=ppt/slides/slide24.xml><?xml version="1.0" encoding="utf-8"?>
 <p:sld xmlns:a="http://schemas.openxmlformats.org/drawingml/2006/main" xmlns:r="http://schemas.openxmlformats.org/officeDocument/2006/relationships" xmlns:p="http://schemas.openxmlformats.org/presentationml/2006/main">
   <p:cSld>
     <p:spTree>
@@ -14784,7 +16186,7 @@
         </p:nvSpPr>
         <p:spPr>
           <a:xfrm>
-            <a:off x="838200" y="1813433"/>
+            <a:off x="838200" y="1449748"/>
             <a:ext cx="10515600" cy="4351338"/>
           </a:xfrm>
         </p:spPr>
@@ -14870,6 +16272,104 @@
               <a:t>	</a:t>
             </a:r>
             <a:endParaRPr lang="en-US" dirty="0"/>
+          </a:p>
+        </p:txBody>
+      </p:sp>
+      <p:sp>
+        <p:nvSpPr>
+          <p:cNvPr id="4" name="Title 1"/>
+          <p:cNvSpPr txBox="1">
+            <a:spLocks/>
+          </p:cNvSpPr>
+          <p:nvPr/>
+        </p:nvSpPr>
+        <p:spPr>
+          <a:xfrm>
+            <a:off x="1728078" y="4278066"/>
+            <a:ext cx="6449290" cy="1325563"/>
+          </a:xfrm>
+          <a:prstGeom prst="rect">
+            <a:avLst/>
+          </a:prstGeom>
+        </p:spPr>
+        <p:txBody>
+          <a:bodyPr vert="horz" lIns="91440" tIns="45720" rIns="91440" bIns="45720" rtlCol="0" anchor="ctr">
+            <a:normAutofit/>
+          </a:bodyPr>
+          <a:lstStyle>
+            <a:lvl1pPr algn="ctr" defTabSz="914400" rtl="0" eaLnBrk="1" latinLnBrk="0" hangingPunct="1">
+              <a:lnSpc>
+                <a:spcPct val="90000"/>
+              </a:lnSpc>
+              <a:spcBef>
+                <a:spcPct val="0"/>
+              </a:spcBef>
+              <a:buNone/>
+              <a:defRPr sz="3200" b="1" kern="1200">
+                <a:solidFill>
+                  <a:schemeClr val="tx1"/>
+                </a:solidFill>
+                <a:latin typeface="+mn-lt"/>
+                <a:ea typeface="+mj-ea"/>
+                <a:cs typeface="+mj-cs"/>
+              </a:defRPr>
+            </a:lvl1pPr>
+          </a:lstStyle>
+          <a:p>
+            <a:r>
+              <a:rPr lang="en-US" dirty="0" smtClean="0"/>
+              <a:t>Best file format???</a:t>
+            </a:r>
+            <a:endParaRPr lang="en-US" dirty="0"/>
+          </a:p>
+        </p:txBody>
+      </p:sp>
+      <p:sp>
+        <p:nvSpPr>
+          <p:cNvPr id="6" name="Title 1"/>
+          <p:cNvSpPr txBox="1">
+            <a:spLocks/>
+          </p:cNvSpPr>
+          <p:nvPr/>
+        </p:nvSpPr>
+        <p:spPr>
+          <a:xfrm>
+            <a:off x="4418909" y="4843311"/>
+            <a:ext cx="6449290" cy="1325563"/>
+          </a:xfrm>
+          <a:prstGeom prst="rect">
+            <a:avLst/>
+          </a:prstGeom>
+        </p:spPr>
+        <p:txBody>
+          <a:bodyPr vert="horz" lIns="91440" tIns="45720" rIns="91440" bIns="45720" rtlCol="0" anchor="ctr">
+            <a:normAutofit/>
+          </a:bodyPr>
+          <a:lstStyle>
+            <a:lvl1pPr algn="ctr" defTabSz="914400" rtl="0" eaLnBrk="1" latinLnBrk="0" hangingPunct="1">
+              <a:lnSpc>
+                <a:spcPct val="90000"/>
+              </a:lnSpc>
+              <a:spcBef>
+                <a:spcPct val="0"/>
+              </a:spcBef>
+              <a:buNone/>
+              <a:defRPr sz="3200" b="1" kern="1200">
+                <a:solidFill>
+                  <a:schemeClr val="tx1"/>
+                </a:solidFill>
+                <a:latin typeface="+mn-lt"/>
+                <a:ea typeface="+mj-ea"/>
+                <a:cs typeface="+mj-cs"/>
+              </a:defRPr>
+            </a:lvl1pPr>
+          </a:lstStyle>
+          <a:p>
+            <a:r>
+              <a:rPr lang="en-US" sz="4000" dirty="0" smtClean="0"/>
+              <a:t>PAPER!</a:t>
+            </a:r>
+            <a:endParaRPr lang="en-US" sz="4000" dirty="0"/>
           </a:p>
         </p:txBody>
       </p:sp>
@@ -14886,9 +16386,325 @@
   <p:timing>
     <p:tnLst>
       <p:par>
-        <p:cTn id="1" dur="indefinite" restart="never" nodeType="tmRoot"/>
+        <p:cTn id="1" dur="indefinite" restart="never" nodeType="tmRoot">
+          <p:childTnLst>
+            <p:seq concurrent="1" nextAc="seek">
+              <p:cTn id="2" dur="indefinite" nodeType="mainSeq">
+                <p:childTnLst>
+                  <p:par>
+                    <p:cTn id="3" fill="hold">
+                      <p:stCondLst>
+                        <p:cond delay="indefinite"/>
+                      </p:stCondLst>
+                      <p:childTnLst>
+                        <p:par>
+                          <p:cTn id="4" fill="hold">
+                            <p:stCondLst>
+                              <p:cond delay="0"/>
+                            </p:stCondLst>
+                            <p:childTnLst>
+                              <p:par>
+                                <p:cTn id="5" presetID="10" presetClass="entr" presetSubtype="0" fill="hold" nodeType="clickEffect">
+                                  <p:stCondLst>
+                                    <p:cond delay="0"/>
+                                  </p:stCondLst>
+                                  <p:childTnLst>
+                                    <p:set>
+                                      <p:cBhvr>
+                                        <p:cTn id="6" dur="1" fill="hold">
+                                          <p:stCondLst>
+                                            <p:cond delay="0"/>
+                                          </p:stCondLst>
+                                        </p:cTn>
+                                        <p:tgtEl>
+                                          <p:spTgt spid="5">
+                                            <p:txEl>
+                                              <p:pRg st="0" end="0"/>
+                                            </p:txEl>
+                                          </p:spTgt>
+                                        </p:tgtEl>
+                                        <p:attrNameLst>
+                                          <p:attrName>style.visibility</p:attrName>
+                                        </p:attrNameLst>
+                                      </p:cBhvr>
+                                      <p:to>
+                                        <p:strVal val="visible"/>
+                                      </p:to>
+                                    </p:set>
+                                    <p:animEffect transition="in" filter="fade">
+                                      <p:cBhvr>
+                                        <p:cTn id="7" dur="500"/>
+                                        <p:tgtEl>
+                                          <p:spTgt spid="5">
+                                            <p:txEl>
+                                              <p:pRg st="0" end="0"/>
+                                            </p:txEl>
+                                          </p:spTgt>
+                                        </p:tgtEl>
+                                      </p:cBhvr>
+                                    </p:animEffect>
+                                  </p:childTnLst>
+                                </p:cTn>
+                              </p:par>
+                            </p:childTnLst>
+                          </p:cTn>
+                        </p:par>
+                      </p:childTnLst>
+                    </p:cTn>
+                  </p:par>
+                  <p:par>
+                    <p:cTn id="8" fill="hold">
+                      <p:stCondLst>
+                        <p:cond delay="indefinite"/>
+                      </p:stCondLst>
+                      <p:childTnLst>
+                        <p:par>
+                          <p:cTn id="9" fill="hold">
+                            <p:stCondLst>
+                              <p:cond delay="0"/>
+                            </p:stCondLst>
+                            <p:childTnLst>
+                              <p:par>
+                                <p:cTn id="10" presetID="10" presetClass="entr" presetSubtype="0" fill="hold" nodeType="clickEffect">
+                                  <p:stCondLst>
+                                    <p:cond delay="0"/>
+                                  </p:stCondLst>
+                                  <p:childTnLst>
+                                    <p:set>
+                                      <p:cBhvr>
+                                        <p:cTn id="11" dur="1" fill="hold">
+                                          <p:stCondLst>
+                                            <p:cond delay="0"/>
+                                          </p:stCondLst>
+                                        </p:cTn>
+                                        <p:tgtEl>
+                                          <p:spTgt spid="5">
+                                            <p:txEl>
+                                              <p:pRg st="1" end="1"/>
+                                            </p:txEl>
+                                          </p:spTgt>
+                                        </p:tgtEl>
+                                        <p:attrNameLst>
+                                          <p:attrName>style.visibility</p:attrName>
+                                        </p:attrNameLst>
+                                      </p:cBhvr>
+                                      <p:to>
+                                        <p:strVal val="visible"/>
+                                      </p:to>
+                                    </p:set>
+                                    <p:animEffect transition="in" filter="fade">
+                                      <p:cBhvr>
+                                        <p:cTn id="12" dur="500"/>
+                                        <p:tgtEl>
+                                          <p:spTgt spid="5">
+                                            <p:txEl>
+                                              <p:pRg st="1" end="1"/>
+                                            </p:txEl>
+                                          </p:spTgt>
+                                        </p:tgtEl>
+                                      </p:cBhvr>
+                                    </p:animEffect>
+                                  </p:childTnLst>
+                                </p:cTn>
+                              </p:par>
+                            </p:childTnLst>
+                          </p:cTn>
+                        </p:par>
+                      </p:childTnLst>
+                    </p:cTn>
+                  </p:par>
+                  <p:par>
+                    <p:cTn id="13" fill="hold">
+                      <p:stCondLst>
+                        <p:cond delay="indefinite"/>
+                      </p:stCondLst>
+                      <p:childTnLst>
+                        <p:par>
+                          <p:cTn id="14" fill="hold">
+                            <p:stCondLst>
+                              <p:cond delay="0"/>
+                            </p:stCondLst>
+                            <p:childTnLst>
+                              <p:par>
+                                <p:cTn id="15" presetID="10" presetClass="entr" presetSubtype="0" fill="hold" nodeType="clickEffect">
+                                  <p:stCondLst>
+                                    <p:cond delay="0"/>
+                                  </p:stCondLst>
+                                  <p:childTnLst>
+                                    <p:set>
+                                      <p:cBhvr>
+                                        <p:cTn id="16" dur="1" fill="hold">
+                                          <p:stCondLst>
+                                            <p:cond delay="0"/>
+                                          </p:stCondLst>
+                                        </p:cTn>
+                                        <p:tgtEl>
+                                          <p:spTgt spid="5">
+                                            <p:txEl>
+                                              <p:pRg st="2" end="2"/>
+                                            </p:txEl>
+                                          </p:spTgt>
+                                        </p:tgtEl>
+                                        <p:attrNameLst>
+                                          <p:attrName>style.visibility</p:attrName>
+                                        </p:attrNameLst>
+                                      </p:cBhvr>
+                                      <p:to>
+                                        <p:strVal val="visible"/>
+                                      </p:to>
+                                    </p:set>
+                                    <p:animEffect transition="in" filter="fade">
+                                      <p:cBhvr>
+                                        <p:cTn id="17" dur="500"/>
+                                        <p:tgtEl>
+                                          <p:spTgt spid="5">
+                                            <p:txEl>
+                                              <p:pRg st="2" end="2"/>
+                                            </p:txEl>
+                                          </p:spTgt>
+                                        </p:tgtEl>
+                                      </p:cBhvr>
+                                    </p:animEffect>
+                                  </p:childTnLst>
+                                </p:cTn>
+                              </p:par>
+                            </p:childTnLst>
+                          </p:cTn>
+                        </p:par>
+                      </p:childTnLst>
+                    </p:cTn>
+                  </p:par>
+                  <p:par>
+                    <p:cTn id="18" fill="hold">
+                      <p:stCondLst>
+                        <p:cond delay="indefinite"/>
+                      </p:stCondLst>
+                      <p:childTnLst>
+                        <p:par>
+                          <p:cTn id="19" fill="hold">
+                            <p:stCondLst>
+                              <p:cond delay="0"/>
+                            </p:stCondLst>
+                            <p:childTnLst>
+                              <p:par>
+                                <p:cTn id="20" presetID="10" presetClass="entr" presetSubtype="0" fill="hold" grpId="0" nodeType="clickEffect">
+                                  <p:stCondLst>
+                                    <p:cond delay="0"/>
+                                  </p:stCondLst>
+                                  <p:childTnLst>
+                                    <p:set>
+                                      <p:cBhvr>
+                                        <p:cTn id="21" dur="1" fill="hold">
+                                          <p:stCondLst>
+                                            <p:cond delay="0"/>
+                                          </p:stCondLst>
+                                        </p:cTn>
+                                        <p:tgtEl>
+                                          <p:spTgt spid="4"/>
+                                        </p:tgtEl>
+                                        <p:attrNameLst>
+                                          <p:attrName>style.visibility</p:attrName>
+                                        </p:attrNameLst>
+                                      </p:cBhvr>
+                                      <p:to>
+                                        <p:strVal val="visible"/>
+                                      </p:to>
+                                    </p:set>
+                                    <p:animEffect transition="in" filter="fade">
+                                      <p:cBhvr>
+                                        <p:cTn id="22" dur="500"/>
+                                        <p:tgtEl>
+                                          <p:spTgt spid="4"/>
+                                        </p:tgtEl>
+                                      </p:cBhvr>
+                                    </p:animEffect>
+                                  </p:childTnLst>
+                                </p:cTn>
+                              </p:par>
+                            </p:childTnLst>
+                          </p:cTn>
+                        </p:par>
+                      </p:childTnLst>
+                    </p:cTn>
+                  </p:par>
+                  <p:par>
+                    <p:cTn id="23" fill="hold">
+                      <p:stCondLst>
+                        <p:cond delay="indefinite"/>
+                      </p:stCondLst>
+                      <p:childTnLst>
+                        <p:par>
+                          <p:cTn id="24" fill="hold">
+                            <p:stCondLst>
+                              <p:cond delay="0"/>
+                            </p:stCondLst>
+                            <p:childTnLst>
+                              <p:par>
+                                <p:cTn id="25" presetID="10" presetClass="entr" presetSubtype="0" fill="hold" grpId="0" nodeType="clickEffect">
+                                  <p:stCondLst>
+                                    <p:cond delay="0"/>
+                                  </p:stCondLst>
+                                  <p:childTnLst>
+                                    <p:set>
+                                      <p:cBhvr>
+                                        <p:cTn id="26" dur="1" fill="hold">
+                                          <p:stCondLst>
+                                            <p:cond delay="0"/>
+                                          </p:stCondLst>
+                                        </p:cTn>
+                                        <p:tgtEl>
+                                          <p:spTgt spid="6"/>
+                                        </p:tgtEl>
+                                        <p:attrNameLst>
+                                          <p:attrName>style.visibility</p:attrName>
+                                        </p:attrNameLst>
+                                      </p:cBhvr>
+                                      <p:to>
+                                        <p:strVal val="visible"/>
+                                      </p:to>
+                                    </p:set>
+                                    <p:animEffect transition="in" filter="fade">
+                                      <p:cBhvr>
+                                        <p:cTn id="27" dur="500"/>
+                                        <p:tgtEl>
+                                          <p:spTgt spid="6"/>
+                                        </p:tgtEl>
+                                      </p:cBhvr>
+                                    </p:animEffect>
+                                  </p:childTnLst>
+                                </p:cTn>
+                              </p:par>
+                            </p:childTnLst>
+                          </p:cTn>
+                        </p:par>
+                      </p:childTnLst>
+                    </p:cTn>
+                  </p:par>
+                </p:childTnLst>
+              </p:cTn>
+              <p:prevCondLst>
+                <p:cond evt="onPrev" delay="0">
+                  <p:tgtEl>
+                    <p:sldTgt/>
+                  </p:tgtEl>
+                </p:cond>
+              </p:prevCondLst>
+              <p:nextCondLst>
+                <p:cond evt="onNext" delay="0">
+                  <p:tgtEl>
+                    <p:sldTgt/>
+                  </p:tgtEl>
+                </p:cond>
+              </p:nextCondLst>
+            </p:seq>
+          </p:childTnLst>
+        </p:cTn>
       </p:par>
     </p:tnLst>
+    <p:bldLst>
+      <p:bldP spid="4" grpId="0"/>
+      <p:bldP spid="6" grpId="0"/>
+    </p:bldLst>
   </p:timing>
 </p:sld>
 </file>
@@ -14927,7 +16743,11 @@
           <a:p>
             <a:r>
               <a:rPr lang="en-US" dirty="0" smtClean="0"/>
-              <a:t>Quick note on statistics files</a:t>
+              <a:t>Quick note on statistics </a:t>
+            </a:r>
+            <a:r>
+              <a:rPr lang="en-US" dirty="0" smtClean="0"/>
+              <a:t>files and conversions</a:t>
             </a:r>
             <a:endParaRPr lang="en-US" dirty="0"/>
           </a:p>
@@ -14945,12 +16765,22 @@
         </p:nvSpPr>
         <p:spPr/>
         <p:txBody>
-          <a:bodyPr/>
+          <a:bodyPr>
+            <a:normAutofit/>
+          </a:bodyPr>
           <a:lstStyle/>
           <a:p>
             <a:r>
               <a:rPr lang="en-US" dirty="0" smtClean="0"/>
-              <a:t>Often contain much metadata in the file</a:t>
+              <a:t>Often contain much </a:t>
+            </a:r>
+            <a:r>
+              <a:rPr lang="en-US" dirty="0" smtClean="0"/>
+              <a:t>metadata embedded </a:t>
+            </a:r>
+            <a:r>
+              <a:rPr lang="en-US" dirty="0" smtClean="0"/>
+              <a:t>in the file</a:t>
             </a:r>
           </a:p>
           <a:p>
@@ -14999,14 +16829,22 @@
             <a:endParaRPr lang="en-US" dirty="0" smtClean="0"/>
           </a:p>
           <a:p>
-            <a:pPr marL="1377950" indent="0">
+            <a:pPr marL="463550" indent="0">
               <a:buNone/>
             </a:pPr>
             <a:r>
-              <a:rPr lang="en-US" dirty="0" smtClean="0"/>
-              <a:t>This also applies to relational databases and some geographical data</a:t>
-            </a:r>
-            <a:endParaRPr lang="en-US" dirty="0"/>
+              <a:rPr lang="en-US" b="1" dirty="0" smtClean="0"/>
+              <a:t>This also applies to relational </a:t>
+            </a:r>
+            <a:r>
+              <a:rPr lang="en-US" b="1" dirty="0" smtClean="0"/>
+              <a:t>databases, images, </a:t>
+            </a:r>
+            <a:r>
+              <a:rPr lang="en-US" b="1" dirty="0" smtClean="0"/>
+              <a:t>and some geographical data</a:t>
+            </a:r>
+            <a:endParaRPr lang="en-US" b="1" dirty="0"/>
           </a:p>
         </p:txBody>
       </p:sp>
@@ -15023,7 +16861,464 @@
   <p:timing>
     <p:tnLst>
       <p:par>
-        <p:cTn id="1" dur="indefinite" restart="never" nodeType="tmRoot"/>
+        <p:cTn id="1" dur="indefinite" restart="never" nodeType="tmRoot">
+          <p:childTnLst>
+            <p:seq concurrent="1" nextAc="seek">
+              <p:cTn id="2" dur="indefinite" nodeType="mainSeq">
+                <p:childTnLst>
+                  <p:par>
+                    <p:cTn id="3" fill="hold">
+                      <p:stCondLst>
+                        <p:cond delay="indefinite"/>
+                      </p:stCondLst>
+                      <p:childTnLst>
+                        <p:par>
+                          <p:cTn id="4" fill="hold">
+                            <p:stCondLst>
+                              <p:cond delay="0"/>
+                            </p:stCondLst>
+                            <p:childTnLst>
+                              <p:par>
+                                <p:cTn id="5" presetID="10" presetClass="entr" presetSubtype="0" fill="hold" nodeType="clickEffect">
+                                  <p:stCondLst>
+                                    <p:cond delay="0"/>
+                                  </p:stCondLst>
+                                  <p:childTnLst>
+                                    <p:set>
+                                      <p:cBhvr>
+                                        <p:cTn id="6" dur="1" fill="hold">
+                                          <p:stCondLst>
+                                            <p:cond delay="0"/>
+                                          </p:stCondLst>
+                                        </p:cTn>
+                                        <p:tgtEl>
+                                          <p:spTgt spid="3">
+                                            <p:txEl>
+                                              <p:pRg st="0" end="0"/>
+                                            </p:txEl>
+                                          </p:spTgt>
+                                        </p:tgtEl>
+                                        <p:attrNameLst>
+                                          <p:attrName>style.visibility</p:attrName>
+                                        </p:attrNameLst>
+                                      </p:cBhvr>
+                                      <p:to>
+                                        <p:strVal val="visible"/>
+                                      </p:to>
+                                    </p:set>
+                                    <p:animEffect transition="in" filter="fade">
+                                      <p:cBhvr>
+                                        <p:cTn id="7" dur="500"/>
+                                        <p:tgtEl>
+                                          <p:spTgt spid="3">
+                                            <p:txEl>
+                                              <p:pRg st="0" end="0"/>
+                                            </p:txEl>
+                                          </p:spTgt>
+                                        </p:tgtEl>
+                                      </p:cBhvr>
+                                    </p:animEffect>
+                                  </p:childTnLst>
+                                </p:cTn>
+                              </p:par>
+                              <p:par>
+                                <p:cTn id="8" presetID="10" presetClass="entr" presetSubtype="0" fill="hold" nodeType="withEffect">
+                                  <p:stCondLst>
+                                    <p:cond delay="0"/>
+                                  </p:stCondLst>
+                                  <p:childTnLst>
+                                    <p:set>
+                                      <p:cBhvr>
+                                        <p:cTn id="9" dur="1" fill="hold">
+                                          <p:stCondLst>
+                                            <p:cond delay="0"/>
+                                          </p:stCondLst>
+                                        </p:cTn>
+                                        <p:tgtEl>
+                                          <p:spTgt spid="3">
+                                            <p:txEl>
+                                              <p:pRg st="1" end="1"/>
+                                            </p:txEl>
+                                          </p:spTgt>
+                                        </p:tgtEl>
+                                        <p:attrNameLst>
+                                          <p:attrName>style.visibility</p:attrName>
+                                        </p:attrNameLst>
+                                      </p:cBhvr>
+                                      <p:to>
+                                        <p:strVal val="visible"/>
+                                      </p:to>
+                                    </p:set>
+                                    <p:animEffect transition="in" filter="fade">
+                                      <p:cBhvr>
+                                        <p:cTn id="10" dur="500"/>
+                                        <p:tgtEl>
+                                          <p:spTgt spid="3">
+                                            <p:txEl>
+                                              <p:pRg st="1" end="1"/>
+                                            </p:txEl>
+                                          </p:spTgt>
+                                        </p:tgtEl>
+                                      </p:cBhvr>
+                                    </p:animEffect>
+                                  </p:childTnLst>
+                                </p:cTn>
+                              </p:par>
+                            </p:childTnLst>
+                          </p:cTn>
+                        </p:par>
+                      </p:childTnLst>
+                    </p:cTn>
+                  </p:par>
+                  <p:par>
+                    <p:cTn id="11" fill="hold">
+                      <p:stCondLst>
+                        <p:cond delay="indefinite"/>
+                      </p:stCondLst>
+                      <p:childTnLst>
+                        <p:par>
+                          <p:cTn id="12" fill="hold">
+                            <p:stCondLst>
+                              <p:cond delay="0"/>
+                            </p:stCondLst>
+                            <p:childTnLst>
+                              <p:par>
+                                <p:cTn id="13" presetID="10" presetClass="entr" presetSubtype="0" fill="hold" nodeType="clickEffect">
+                                  <p:stCondLst>
+                                    <p:cond delay="0"/>
+                                  </p:stCondLst>
+                                  <p:childTnLst>
+                                    <p:set>
+                                      <p:cBhvr>
+                                        <p:cTn id="14" dur="1" fill="hold">
+                                          <p:stCondLst>
+                                            <p:cond delay="0"/>
+                                          </p:stCondLst>
+                                        </p:cTn>
+                                        <p:tgtEl>
+                                          <p:spTgt spid="3">
+                                            <p:txEl>
+                                              <p:pRg st="2" end="2"/>
+                                            </p:txEl>
+                                          </p:spTgt>
+                                        </p:tgtEl>
+                                        <p:attrNameLst>
+                                          <p:attrName>style.visibility</p:attrName>
+                                        </p:attrNameLst>
+                                      </p:cBhvr>
+                                      <p:to>
+                                        <p:strVal val="visible"/>
+                                      </p:to>
+                                    </p:set>
+                                    <p:animEffect transition="in" filter="fade">
+                                      <p:cBhvr>
+                                        <p:cTn id="15" dur="500"/>
+                                        <p:tgtEl>
+                                          <p:spTgt spid="3">
+                                            <p:txEl>
+                                              <p:pRg st="2" end="2"/>
+                                            </p:txEl>
+                                          </p:spTgt>
+                                        </p:tgtEl>
+                                      </p:cBhvr>
+                                    </p:animEffect>
+                                  </p:childTnLst>
+                                </p:cTn>
+                              </p:par>
+                            </p:childTnLst>
+                          </p:cTn>
+                        </p:par>
+                      </p:childTnLst>
+                    </p:cTn>
+                  </p:par>
+                  <p:par>
+                    <p:cTn id="16" fill="hold">
+                      <p:stCondLst>
+                        <p:cond delay="indefinite"/>
+                      </p:stCondLst>
+                      <p:childTnLst>
+                        <p:par>
+                          <p:cTn id="17" fill="hold">
+                            <p:stCondLst>
+                              <p:cond delay="0"/>
+                            </p:stCondLst>
+                            <p:childTnLst>
+                              <p:par>
+                                <p:cTn id="18" presetID="10" presetClass="entr" presetSubtype="0" fill="hold" nodeType="clickEffect">
+                                  <p:stCondLst>
+                                    <p:cond delay="0"/>
+                                  </p:stCondLst>
+                                  <p:childTnLst>
+                                    <p:set>
+                                      <p:cBhvr>
+                                        <p:cTn id="19" dur="1" fill="hold">
+                                          <p:stCondLst>
+                                            <p:cond delay="0"/>
+                                          </p:stCondLst>
+                                        </p:cTn>
+                                        <p:tgtEl>
+                                          <p:spTgt spid="3">
+                                            <p:txEl>
+                                              <p:pRg st="3" end="3"/>
+                                            </p:txEl>
+                                          </p:spTgt>
+                                        </p:tgtEl>
+                                        <p:attrNameLst>
+                                          <p:attrName>style.visibility</p:attrName>
+                                        </p:attrNameLst>
+                                      </p:cBhvr>
+                                      <p:to>
+                                        <p:strVal val="visible"/>
+                                      </p:to>
+                                    </p:set>
+                                    <p:animEffect transition="in" filter="fade">
+                                      <p:cBhvr>
+                                        <p:cTn id="20" dur="500"/>
+                                        <p:tgtEl>
+                                          <p:spTgt spid="3">
+                                            <p:txEl>
+                                              <p:pRg st="3" end="3"/>
+                                            </p:txEl>
+                                          </p:spTgt>
+                                        </p:tgtEl>
+                                      </p:cBhvr>
+                                    </p:animEffect>
+                                  </p:childTnLst>
+                                </p:cTn>
+                              </p:par>
+                            </p:childTnLst>
+                          </p:cTn>
+                        </p:par>
+                      </p:childTnLst>
+                    </p:cTn>
+                  </p:par>
+                  <p:par>
+                    <p:cTn id="21" fill="hold">
+                      <p:stCondLst>
+                        <p:cond delay="indefinite"/>
+                      </p:stCondLst>
+                      <p:childTnLst>
+                        <p:par>
+                          <p:cTn id="22" fill="hold">
+                            <p:stCondLst>
+                              <p:cond delay="0"/>
+                            </p:stCondLst>
+                            <p:childTnLst>
+                              <p:par>
+                                <p:cTn id="23" presetID="10" presetClass="entr" presetSubtype="0" fill="hold" nodeType="clickEffect">
+                                  <p:stCondLst>
+                                    <p:cond delay="0"/>
+                                  </p:stCondLst>
+                                  <p:childTnLst>
+                                    <p:set>
+                                      <p:cBhvr>
+                                        <p:cTn id="24" dur="1" fill="hold">
+                                          <p:stCondLst>
+                                            <p:cond delay="0"/>
+                                          </p:stCondLst>
+                                        </p:cTn>
+                                        <p:tgtEl>
+                                          <p:spTgt spid="3">
+                                            <p:txEl>
+                                              <p:pRg st="4" end="4"/>
+                                            </p:txEl>
+                                          </p:spTgt>
+                                        </p:tgtEl>
+                                        <p:attrNameLst>
+                                          <p:attrName>style.visibility</p:attrName>
+                                        </p:attrNameLst>
+                                      </p:cBhvr>
+                                      <p:to>
+                                        <p:strVal val="visible"/>
+                                      </p:to>
+                                    </p:set>
+                                    <p:animEffect transition="in" filter="fade">
+                                      <p:cBhvr>
+                                        <p:cTn id="25" dur="500"/>
+                                        <p:tgtEl>
+                                          <p:spTgt spid="3">
+                                            <p:txEl>
+                                              <p:pRg st="4" end="4"/>
+                                            </p:txEl>
+                                          </p:spTgt>
+                                        </p:tgtEl>
+                                      </p:cBhvr>
+                                    </p:animEffect>
+                                  </p:childTnLst>
+                                </p:cTn>
+                              </p:par>
+                              <p:par>
+                                <p:cTn id="26" presetID="10" presetClass="entr" presetSubtype="0" fill="hold" nodeType="withEffect">
+                                  <p:stCondLst>
+                                    <p:cond delay="0"/>
+                                  </p:stCondLst>
+                                  <p:childTnLst>
+                                    <p:set>
+                                      <p:cBhvr>
+                                        <p:cTn id="27" dur="1" fill="hold">
+                                          <p:stCondLst>
+                                            <p:cond delay="0"/>
+                                          </p:stCondLst>
+                                        </p:cTn>
+                                        <p:tgtEl>
+                                          <p:spTgt spid="3">
+                                            <p:txEl>
+                                              <p:pRg st="5" end="5"/>
+                                            </p:txEl>
+                                          </p:spTgt>
+                                        </p:tgtEl>
+                                        <p:attrNameLst>
+                                          <p:attrName>style.visibility</p:attrName>
+                                        </p:attrNameLst>
+                                      </p:cBhvr>
+                                      <p:to>
+                                        <p:strVal val="visible"/>
+                                      </p:to>
+                                    </p:set>
+                                    <p:animEffect transition="in" filter="fade">
+                                      <p:cBhvr>
+                                        <p:cTn id="28" dur="500"/>
+                                        <p:tgtEl>
+                                          <p:spTgt spid="3">
+                                            <p:txEl>
+                                              <p:pRg st="5" end="5"/>
+                                            </p:txEl>
+                                          </p:spTgt>
+                                        </p:tgtEl>
+                                      </p:cBhvr>
+                                    </p:animEffect>
+                                  </p:childTnLst>
+                                </p:cTn>
+                              </p:par>
+                              <p:par>
+                                <p:cTn id="29" presetID="10" presetClass="entr" presetSubtype="0" fill="hold" nodeType="withEffect">
+                                  <p:stCondLst>
+                                    <p:cond delay="0"/>
+                                  </p:stCondLst>
+                                  <p:childTnLst>
+                                    <p:set>
+                                      <p:cBhvr>
+                                        <p:cTn id="30" dur="1" fill="hold">
+                                          <p:stCondLst>
+                                            <p:cond delay="0"/>
+                                          </p:stCondLst>
+                                        </p:cTn>
+                                        <p:tgtEl>
+                                          <p:spTgt spid="3">
+                                            <p:txEl>
+                                              <p:pRg st="6" end="6"/>
+                                            </p:txEl>
+                                          </p:spTgt>
+                                        </p:tgtEl>
+                                        <p:attrNameLst>
+                                          <p:attrName>style.visibility</p:attrName>
+                                        </p:attrNameLst>
+                                      </p:cBhvr>
+                                      <p:to>
+                                        <p:strVal val="visible"/>
+                                      </p:to>
+                                    </p:set>
+                                    <p:animEffect transition="in" filter="fade">
+                                      <p:cBhvr>
+                                        <p:cTn id="31" dur="500"/>
+                                        <p:tgtEl>
+                                          <p:spTgt spid="3">
+                                            <p:txEl>
+                                              <p:pRg st="6" end="6"/>
+                                            </p:txEl>
+                                          </p:spTgt>
+                                        </p:tgtEl>
+                                      </p:cBhvr>
+                                    </p:animEffect>
+                                  </p:childTnLst>
+                                </p:cTn>
+                              </p:par>
+                            </p:childTnLst>
+                          </p:cTn>
+                        </p:par>
+                      </p:childTnLst>
+                    </p:cTn>
+                  </p:par>
+                  <p:par>
+                    <p:cTn id="32" fill="hold">
+                      <p:stCondLst>
+                        <p:cond delay="indefinite"/>
+                      </p:stCondLst>
+                      <p:childTnLst>
+                        <p:par>
+                          <p:cTn id="33" fill="hold">
+                            <p:stCondLst>
+                              <p:cond delay="0"/>
+                            </p:stCondLst>
+                            <p:childTnLst>
+                              <p:par>
+                                <p:cTn id="34" presetID="10" presetClass="entr" presetSubtype="0" fill="hold" nodeType="clickEffect">
+                                  <p:stCondLst>
+                                    <p:cond delay="0"/>
+                                  </p:stCondLst>
+                                  <p:childTnLst>
+                                    <p:set>
+                                      <p:cBhvr>
+                                        <p:cTn id="35" dur="1" fill="hold">
+                                          <p:stCondLst>
+                                            <p:cond delay="0"/>
+                                          </p:stCondLst>
+                                        </p:cTn>
+                                        <p:tgtEl>
+                                          <p:spTgt spid="3">
+                                            <p:txEl>
+                                              <p:pRg st="8" end="8"/>
+                                            </p:txEl>
+                                          </p:spTgt>
+                                        </p:tgtEl>
+                                        <p:attrNameLst>
+                                          <p:attrName>style.visibility</p:attrName>
+                                        </p:attrNameLst>
+                                      </p:cBhvr>
+                                      <p:to>
+                                        <p:strVal val="visible"/>
+                                      </p:to>
+                                    </p:set>
+                                    <p:animEffect transition="in" filter="fade">
+                                      <p:cBhvr>
+                                        <p:cTn id="36" dur="500"/>
+                                        <p:tgtEl>
+                                          <p:spTgt spid="3">
+                                            <p:txEl>
+                                              <p:pRg st="8" end="8"/>
+                                            </p:txEl>
+                                          </p:spTgt>
+                                        </p:tgtEl>
+                                      </p:cBhvr>
+                                    </p:animEffect>
+                                  </p:childTnLst>
+                                </p:cTn>
+                              </p:par>
+                            </p:childTnLst>
+                          </p:cTn>
+                        </p:par>
+                      </p:childTnLst>
+                    </p:cTn>
+                  </p:par>
+                </p:childTnLst>
+              </p:cTn>
+              <p:prevCondLst>
+                <p:cond evt="onPrev" delay="0">
+                  <p:tgtEl>
+                    <p:sldTgt/>
+                  </p:tgtEl>
+                </p:cond>
+              </p:prevCondLst>
+              <p:nextCondLst>
+                <p:cond evt="onNext" delay="0">
+                  <p:tgtEl>
+                    <p:sldTgt/>
+                  </p:tgtEl>
+                </p:cond>
+              </p:nextCondLst>
+            </p:seq>
+          </p:childTnLst>
+        </p:cTn>
       </p:par>
     </p:tnLst>
   </p:timing>
@@ -15214,7 +17509,11 @@
                                           </p:stCondLst>
                                         </p:cTn>
                                         <p:tgtEl>
-                                          <p:spTgt spid="6"/>
+                                          <p:spTgt spid="5">
+                                            <p:txEl>
+                                              <p:pRg st="0" end="0"/>
+                                            </p:txEl>
+                                          </p:spTgt>
                                         </p:tgtEl>
                                         <p:attrNameLst>
                                           <p:attrName>style.visibility</p:attrName>
@@ -15228,7 +17527,11 @@
                                       <p:cBhvr>
                                         <p:cTn id="7" dur="500"/>
                                         <p:tgtEl>
-                                          <p:spTgt spid="6"/>
+                                          <p:spTgt spid="5">
+                                            <p:txEl>
+                                              <p:pRg st="0" end="0"/>
+                                            </p:txEl>
+                                          </p:spTgt>
                                         </p:tgtEl>
                                       </p:cBhvr>
                                     </p:animEffect>
@@ -15267,11 +17570,7 @@
                                           </p:stCondLst>
                                         </p:cTn>
                                         <p:tgtEl>
-                                          <p:spTgt spid="5">
-                                            <p:txEl>
-                                              <p:pRg st="0" end="0"/>
-                                            </p:txEl>
-                                          </p:spTgt>
+                                          <p:spTgt spid="6"/>
                                         </p:tgtEl>
                                         <p:attrNameLst>
                                           <p:attrName>style.visibility</p:attrName>
@@ -15285,11 +17584,7 @@
                                       <p:cBhvr>
                                         <p:cTn id="12" dur="500"/>
                                         <p:tgtEl>
-                                          <p:spTgt spid="5">
-                                            <p:txEl>
-                                              <p:pRg st="0" end="0"/>
-                                            </p:txEl>
-                                          </p:spTgt>
+                                          <p:spTgt spid="6"/>
                                         </p:tgtEl>
                                       </p:cBhvr>
                                     </p:animEffect>
